--- a/Présentation_LPHYS1303.pptx
+++ b/Présentation_LPHYS1303.pptx
@@ -6,10 +6,10 @@
     <p:sldMasterId id="2147483680" r:id="rId2"/>
   </p:sldMasterIdLst>
   <p:notesMasterIdLst>
-    <p:notesMasterId r:id="rId15"/>
+    <p:notesMasterId r:id="rId16"/>
   </p:notesMasterIdLst>
   <p:handoutMasterIdLst>
-    <p:handoutMasterId r:id="rId16"/>
+    <p:handoutMasterId r:id="rId17"/>
   </p:handoutMasterIdLst>
   <p:sldIdLst>
     <p:sldId id="256" r:id="rId3"/>
@@ -19,11 +19,12 @@
     <p:sldId id="260" r:id="rId7"/>
     <p:sldId id="261" r:id="rId8"/>
     <p:sldId id="263" r:id="rId9"/>
-    <p:sldId id="264" r:id="rId10"/>
-    <p:sldId id="265" r:id="rId11"/>
-    <p:sldId id="266" r:id="rId12"/>
-    <p:sldId id="267" r:id="rId13"/>
-    <p:sldId id="268" r:id="rId14"/>
+    <p:sldId id="269" r:id="rId10"/>
+    <p:sldId id="264" r:id="rId11"/>
+    <p:sldId id="265" r:id="rId12"/>
+    <p:sldId id="266" r:id="rId13"/>
+    <p:sldId id="267" r:id="rId14"/>
+    <p:sldId id="268" r:id="rId15"/>
   </p:sldIdLst>
   <p:sldSz cx="12192000" cy="6858000"/>
   <p:notesSz cx="6858000" cy="9144000"/>
@@ -122,6 +123,11 @@
       </a:defRPr>
     </a:lvl9pPr>
   </p:defaultTextStyle>
+  <p:extLst>
+    <p:ext uri="{EFAFB233-063F-42B5-8137-9DF3F51BA10A}">
+      <p15:sldGuideLst xmlns:p15="http://schemas.microsoft.com/office/powerpoint/2012/main"/>
+    </p:ext>
+  </p:extLst>
 </p:presentation>
 </file>
 
@@ -207,7 +213,7 @@
           <a:p>
             <a:fld id="{C66E676C-4B3C-4092-95BF-3F598F112F9C}" type="datetimeFigureOut">
               <a:rPr lang="fr-BE" smtClean="0"/>
-              <a:t>08-05-22</a:t>
+              <a:t>09-05-22</a:t>
             </a:fld>
             <a:endParaRPr lang="fr-BE"/>
           </a:p>
@@ -373,7 +379,7 @@
           <a:p>
             <a:fld id="{10F212B3-C95E-4E4E-AE6B-C8EC382F1761}" type="datetimeFigureOut">
               <a:rPr lang="fr-BE" smtClean="0"/>
-              <a:t>08-05-22</a:t>
+              <a:t>09-05-22</a:t>
             </a:fld>
             <a:endParaRPr lang="fr-BE"/>
           </a:p>
@@ -1364,7 +1370,7 @@
           <a:p>
             <a:fld id="{58990C66-70CC-49E4-AA75-151F59738B78}" type="datetime1">
               <a:rPr lang="en-US" smtClean="0"/>
-              <a:t>5/8/2022</a:t>
+              <a:t>5/9/2022</a:t>
             </a:fld>
             <a:endParaRPr lang="en-US" dirty="0"/>
           </a:p>
@@ -1618,7 +1624,7 @@
           <a:p>
             <a:fld id="{6A569D6B-0F9A-4276-862D-EC6A239CF4BA}" type="datetime1">
               <a:rPr lang="en-US" smtClean="0"/>
-              <a:t>5/8/2022</a:t>
+              <a:t>5/9/2022</a:t>
             </a:fld>
             <a:endParaRPr lang="en-US" dirty="0"/>
           </a:p>
@@ -1928,7 +1934,7 @@
           <a:p>
             <a:fld id="{1F21B7B6-DD8D-4C35-861C-07C7C8D2B56C}" type="datetime1">
               <a:rPr lang="en-US" smtClean="0"/>
-              <a:t>5/8/2022</a:t>
+              <a:t>5/9/2022</a:t>
             </a:fld>
             <a:endParaRPr lang="en-US" dirty="0"/>
           </a:p>
@@ -2265,7 +2271,7 @@
           <a:p>
             <a:fld id="{269CF232-508A-483A-A091-E1C04637FC2C}" type="datetime1">
               <a:rPr lang="en-US" smtClean="0"/>
-              <a:t>5/8/2022</a:t>
+              <a:t>5/9/2022</a:t>
             </a:fld>
             <a:endParaRPr lang="en-US" dirty="0"/>
           </a:p>
@@ -2575,7 +2581,7 @@
           <a:p>
             <a:fld id="{8A6EDB6B-474B-45D9-96B0-9CAC5CD83B94}" type="datetime1">
               <a:rPr lang="en-US" smtClean="0"/>
-              <a:t>5/8/2022</a:t>
+              <a:t>5/9/2022</a:t>
             </a:fld>
             <a:endParaRPr lang="en-US" dirty="0"/>
           </a:p>
@@ -2971,7 +2977,7 @@
           <a:p>
             <a:fld id="{E674E858-A1C6-439C-88CE-F6433B533E0D}" type="datetime1">
               <a:rPr lang="en-US" smtClean="0"/>
-              <a:t>5/8/2022</a:t>
+              <a:t>5/9/2022</a:t>
             </a:fld>
             <a:endParaRPr lang="en-US" dirty="0"/>
           </a:p>
@@ -3144,7 +3150,7 @@
           <a:p>
             <a:fld id="{036B3D1A-AC4D-49ED-BE62-0C1F46BC8044}" type="datetime1">
               <a:rPr lang="en-US" smtClean="0"/>
-              <a:t>5/8/2022</a:t>
+              <a:t>5/9/2022</a:t>
             </a:fld>
             <a:endParaRPr lang="en-US" dirty="0"/>
           </a:p>
@@ -3326,7 +3332,7 @@
           <a:p>
             <a:fld id="{3B852A06-E871-42E0-9CE6-2E0E72C50539}" type="datetime1">
               <a:rPr lang="en-US" smtClean="0"/>
-              <a:t>5/8/2022</a:t>
+              <a:t>5/9/2022</a:t>
             </a:fld>
             <a:endParaRPr lang="en-US" dirty="0"/>
           </a:p>
@@ -4112,7 +4118,7 @@
           <a:p>
             <a:fld id="{E0882174-6AD3-4004-9927-E5490A90297C}" type="datetime1">
               <a:rPr lang="en-US" smtClean="0"/>
-              <a:t>5/8/2022</a:t>
+              <a:t>5/9/2022</a:t>
             </a:fld>
             <a:endParaRPr lang="fr-BE"/>
           </a:p>
@@ -4315,7 +4321,7 @@
           <a:p>
             <a:fld id="{D6F0D636-2E54-4A13-83FD-B6766EB535DD}" type="datetime1">
               <a:rPr lang="en-US" smtClean="0"/>
-              <a:t>5/8/2022</a:t>
+              <a:t>5/9/2022</a:t>
             </a:fld>
             <a:endParaRPr lang="fr-BE"/>
           </a:p>
@@ -4589,7 +4595,7 @@
           <a:p>
             <a:fld id="{39B2FF7C-090C-42FF-8CC4-337DCA1AFB49}" type="datetime1">
               <a:rPr lang="en-US" smtClean="0"/>
-              <a:t>5/8/2022</a:t>
+              <a:t>5/9/2022</a:t>
             </a:fld>
             <a:endParaRPr lang="fr-BE"/>
           </a:p>
@@ -4792,7 +4798,7 @@
           <a:p>
             <a:fld id="{2CACC80A-BFAE-40BA-93CC-821D6F635670}" type="datetime1">
               <a:rPr lang="en-US" smtClean="0"/>
-              <a:t>5/8/2022</a:t>
+              <a:t>5/9/2022</a:t>
             </a:fld>
             <a:endParaRPr lang="en-US" dirty="0"/>
           </a:p>
@@ -5027,7 +5033,7 @@
           <a:p>
             <a:fld id="{704A02D6-1198-42E1-B7B9-8DE4F42F8878}" type="datetime1">
               <a:rPr lang="en-US" smtClean="0"/>
-              <a:t>5/8/2022</a:t>
+              <a:t>5/9/2022</a:t>
             </a:fld>
             <a:endParaRPr lang="fr-BE"/>
           </a:p>
@@ -5428,7 +5434,7 @@
           <a:p>
             <a:fld id="{013DE1FD-94C5-43E7-A375-F547BBD122FB}" type="datetime1">
               <a:rPr lang="en-US" smtClean="0"/>
-              <a:t>5/8/2022</a:t>
+              <a:t>5/9/2022</a:t>
             </a:fld>
             <a:endParaRPr lang="fr-BE"/>
           </a:p>
@@ -5578,7 +5584,7 @@
           <a:p>
             <a:fld id="{E75742B5-1AE4-40FE-95F3-982E33E3B222}" type="datetime1">
               <a:rPr lang="en-US" smtClean="0"/>
-              <a:t>5/8/2022</a:t>
+              <a:t>5/9/2022</a:t>
             </a:fld>
             <a:endParaRPr lang="fr-BE"/>
           </a:p>
@@ -5700,7 +5706,7 @@
           <a:p>
             <a:fld id="{C56FA4B7-C2CF-433C-B95F-5AE035CF3D13}" type="datetime1">
               <a:rPr lang="en-US" smtClean="0"/>
-              <a:t>5/8/2022</a:t>
+              <a:t>5/9/2022</a:t>
             </a:fld>
             <a:endParaRPr lang="fr-BE"/>
           </a:p>
@@ -5982,7 +5988,7 @@
           <a:p>
             <a:fld id="{3D313196-6E73-433F-B79E-783304131DF1}" type="datetime1">
               <a:rPr lang="en-US" smtClean="0"/>
-              <a:t>5/8/2022</a:t>
+              <a:t>5/9/2022</a:t>
             </a:fld>
             <a:endParaRPr lang="fr-BE"/>
           </a:p>
@@ -6272,7 +6278,7 @@
           <a:p>
             <a:fld id="{DECFC14E-B9DB-45C4-B80E-B2469F049249}" type="datetime1">
               <a:rPr lang="en-US" smtClean="0"/>
-              <a:t>5/8/2022</a:t>
+              <a:t>5/9/2022</a:t>
             </a:fld>
             <a:endParaRPr lang="fr-BE"/>
           </a:p>
@@ -6550,7 +6556,7 @@
           <a:p>
             <a:fld id="{F2F90BB6-9B6D-4D80-8336-1489DFC0D904}" type="datetime1">
               <a:rPr lang="en-US" smtClean="0"/>
-              <a:t>5/8/2022</a:t>
+              <a:t>5/9/2022</a:t>
             </a:fld>
             <a:endParaRPr lang="fr-BE"/>
           </a:p>
@@ -6891,7 +6897,7 @@
           <a:p>
             <a:fld id="{E4DB3A25-3C6D-46FF-ADC1-75B14734D03C}" type="datetime1">
               <a:rPr lang="en-US" smtClean="0"/>
-              <a:t>5/8/2022</a:t>
+              <a:t>5/9/2022</a:t>
             </a:fld>
             <a:endParaRPr lang="fr-BE"/>
           </a:p>
@@ -7259,7 +7265,7 @@
           <a:p>
             <a:fld id="{3788F5D0-50B6-4EA6-B49E-EF536E10DE78}" type="datetime1">
               <a:rPr lang="en-US" smtClean="0"/>
-              <a:t>5/8/2022</a:t>
+              <a:t>5/9/2022</a:t>
             </a:fld>
             <a:endParaRPr lang="fr-BE"/>
           </a:p>
@@ -7600,7 +7606,7 @@
           <a:p>
             <a:fld id="{1B4A85C5-2CA9-42CF-B4AC-8BB3D6E9E7AF}" type="datetime1">
               <a:rPr lang="en-US" smtClean="0"/>
-              <a:t>5/8/2022</a:t>
+              <a:t>5/9/2022</a:t>
             </a:fld>
             <a:endParaRPr lang="fr-BE"/>
           </a:p>
@@ -7956,7 +7962,7 @@
           <a:p>
             <a:fld id="{926F070E-A207-4905-961E-B4148494DF59}" type="datetime1">
               <a:rPr lang="en-US" smtClean="0"/>
-              <a:t>5/8/2022</a:t>
+              <a:t>5/9/2022</a:t>
             </a:fld>
             <a:endParaRPr lang="en-US" dirty="0"/>
           </a:p>
@@ -8270,7 +8276,7 @@
           <a:p>
             <a:fld id="{2C132876-A60D-4DC6-80D5-4777CE77721C}" type="datetime1">
               <a:rPr lang="en-US" smtClean="0"/>
-              <a:t>5/8/2022</a:t>
+              <a:t>5/9/2022</a:t>
             </a:fld>
             <a:endParaRPr lang="fr-BE"/>
           </a:p>
@@ -8467,7 +8473,7 @@
           <a:p>
             <a:fld id="{E5A697EA-876D-4B66-8ED8-FA4462BB4063}" type="datetime1">
               <a:rPr lang="en-US" smtClean="0"/>
-              <a:t>5/8/2022</a:t>
+              <a:t>5/9/2022</a:t>
             </a:fld>
             <a:endParaRPr lang="fr-BE"/>
           </a:p>
@@ -8674,7 +8680,7 @@
           <a:p>
             <a:fld id="{BF87602E-F651-4F7E-9524-FC03752C26D2}" type="datetime1">
               <a:rPr lang="en-US" smtClean="0"/>
-              <a:t>5/8/2022</a:t>
+              <a:t>5/9/2022</a:t>
             </a:fld>
             <a:endParaRPr lang="fr-BE"/>
           </a:p>
@@ -8933,7 +8939,7 @@
           <a:p>
             <a:fld id="{DAF7FF0E-BE30-4BA8-89AF-B9FDF877AC44}" type="datetime1">
               <a:rPr lang="en-US" smtClean="0"/>
-              <a:t>5/8/2022</a:t>
+              <a:t>5/9/2022</a:t>
             </a:fld>
             <a:endParaRPr lang="en-US" dirty="0"/>
           </a:p>
@@ -9302,7 +9308,7 @@
           <a:p>
             <a:fld id="{24EB7DA6-B593-4DD0-8083-6932C09D2146}" type="datetime1">
               <a:rPr lang="en-US" smtClean="0"/>
-              <a:t>5/8/2022</a:t>
+              <a:t>5/9/2022</a:t>
             </a:fld>
             <a:endParaRPr lang="en-US" dirty="0"/>
           </a:p>
@@ -9421,7 +9427,7 @@
           <a:p>
             <a:fld id="{79BFC6D1-091E-4EAB-A306-380E54276BF9}" type="datetime1">
               <a:rPr lang="en-US" smtClean="0"/>
-              <a:t>5/8/2022</a:t>
+              <a:t>5/9/2022</a:t>
             </a:fld>
             <a:endParaRPr lang="en-US" dirty="0"/>
           </a:p>
@@ -9512,7 +9518,7 @@
           <a:p>
             <a:fld id="{D5661772-5928-4062-94D3-D9534773514A}" type="datetime1">
               <a:rPr lang="en-US" smtClean="0"/>
-              <a:t>5/8/2022</a:t>
+              <a:t>5/9/2022</a:t>
             </a:fld>
             <a:endParaRPr lang="en-US" dirty="0"/>
           </a:p>
@@ -9763,7 +9769,7 @@
           <a:p>
             <a:fld id="{F9F45BD3-5BC4-4372-A406-2E11F5CA1741}" type="datetime1">
               <a:rPr lang="en-US" smtClean="0"/>
-              <a:t>5/8/2022</a:t>
+              <a:t>5/9/2022</a:t>
             </a:fld>
             <a:endParaRPr lang="en-US" dirty="0"/>
           </a:p>
@@ -10021,7 +10027,7 @@
           <a:p>
             <a:fld id="{5E4A1551-D187-48AD-897D-5735C5A88275}" type="datetime1">
               <a:rPr lang="en-US" smtClean="0"/>
-              <a:t>5/8/2022</a:t>
+              <a:t>5/9/2022</a:t>
             </a:fld>
             <a:endParaRPr lang="en-US" dirty="0"/>
           </a:p>
@@ -10760,7 +10766,7 @@
           <a:p>
             <a:fld id="{2BB72EEA-9517-4907-B597-2FC7F7C2F710}" type="datetime1">
               <a:rPr lang="en-US" smtClean="0"/>
-              <a:t>5/8/2022</a:t>
+              <a:t>5/9/2022</a:t>
             </a:fld>
             <a:endParaRPr lang="en-US" dirty="0"/>
           </a:p>
@@ -11956,7 +11962,7 @@
           <a:p>
             <a:fld id="{1BB4D123-806F-48A5-9C11-A490C1BA8994}" type="datetime1">
               <a:rPr lang="en-US" smtClean="0"/>
-              <a:t>5/8/2022</a:t>
+              <a:t>5/9/2022</a:t>
             </a:fld>
             <a:endParaRPr lang="en-US" dirty="0"/>
           </a:p>
@@ -12998,7 +13004,7 @@
           <a:p>
             <a:r>
               <a:rPr lang="fr-BE" dirty="0" smtClean="0"/>
-              <a:t>Influence de r</a:t>
+              <a:t>Reproduction de la figure de l’énoncé</a:t>
             </a:r>
             <a:endParaRPr lang="fr-BE" dirty="0"/>
           </a:p>
@@ -13019,16 +13025,6 @@
           <a:bodyPr/>
           <a:lstStyle/>
           <a:p>
-            <a:r>
-              <a:rPr lang="fr-BE" dirty="0" smtClean="0"/>
-              <a:t>Sur l’amplitude</a:t>
-            </a:r>
-          </a:p>
-          <a:p>
-            <a:r>
-              <a:rPr lang="fr-BE" dirty="0" smtClean="0"/>
-              <a:t>Sur la longueur d’onde</a:t>
-            </a:r>
             <a:endParaRPr lang="fr-BE" dirty="0"/>
           </a:p>
         </p:txBody>
@@ -13060,7 +13056,7 @@
     </p:spTree>
     <p:extLst>
       <p:ext uri="{BB962C8B-B14F-4D97-AF65-F5344CB8AC3E}">
-        <p14:creationId xmlns:p14="http://schemas.microsoft.com/office/powerpoint/2010/main" val="3842379036"/>
+        <p14:creationId xmlns:p14="http://schemas.microsoft.com/office/powerpoint/2010/main" val="348765845"/>
       </p:ext>
     </p:extLst>
   </p:cSld>
@@ -13111,7 +13107,7 @@
           <a:p>
             <a:r>
               <a:rPr lang="fr-BE" dirty="0" smtClean="0"/>
-              <a:t>Influence de L</a:t>
+              <a:t>Influence de r</a:t>
             </a:r>
             <a:endParaRPr lang="fr-BE" dirty="0"/>
           </a:p>
@@ -13133,18 +13129,14 @@
           <a:lstStyle/>
           <a:p>
             <a:r>
-              <a:rPr lang="fr-BE" dirty="0"/>
+              <a:rPr lang="fr-BE" dirty="0" smtClean="0"/>
               <a:t>Sur l’amplitude</a:t>
             </a:r>
           </a:p>
           <a:p>
             <a:r>
-              <a:rPr lang="fr-BE" dirty="0"/>
-              <a:t>Sur la longueur </a:t>
-            </a:r>
-            <a:r>
               <a:rPr lang="fr-BE" dirty="0" smtClean="0"/>
-              <a:t>d’onde</a:t>
+              <a:t>Sur la longueur d’onde</a:t>
             </a:r>
             <a:endParaRPr lang="fr-BE" dirty="0"/>
           </a:p>
@@ -13177,7 +13169,7 @@
     </p:spTree>
     <p:extLst>
       <p:ext uri="{BB962C8B-B14F-4D97-AF65-F5344CB8AC3E}">
-        <p14:creationId xmlns:p14="http://schemas.microsoft.com/office/powerpoint/2010/main" val="3067693420"/>
+        <p14:creationId xmlns:p14="http://schemas.microsoft.com/office/powerpoint/2010/main" val="3842379036"/>
       </p:ext>
     </p:extLst>
   </p:cSld>
@@ -13228,7 +13220,7 @@
           <a:p>
             <a:r>
               <a:rPr lang="fr-BE" dirty="0" smtClean="0"/>
-              <a:t>Caractérisation de la bifurcation</a:t>
+              <a:t>Influence de L</a:t>
             </a:r>
             <a:endParaRPr lang="fr-BE" dirty="0"/>
           </a:p>
@@ -13249,7 +13241,21 @@
           <a:bodyPr/>
           <a:lstStyle/>
           <a:p>
-            <a:endParaRPr lang="fr-BE"/>
+            <a:r>
+              <a:rPr lang="fr-BE" dirty="0"/>
+              <a:t>Sur l’amplitude</a:t>
+            </a:r>
+          </a:p>
+          <a:p>
+            <a:r>
+              <a:rPr lang="fr-BE" dirty="0"/>
+              <a:t>Sur la longueur </a:t>
+            </a:r>
+            <a:r>
+              <a:rPr lang="fr-BE" dirty="0" smtClean="0"/>
+              <a:t>d’onde</a:t>
+            </a:r>
+            <a:endParaRPr lang="fr-BE" dirty="0"/>
           </a:p>
         </p:txBody>
       </p:sp>
@@ -13272,6 +13278,109 @@
               <a:rPr lang="en-US" smtClean="0"/>
               <a:pPr/>
               <a:t>12</a:t>
+            </a:fld>
+            <a:endParaRPr lang="en-US" dirty="0"/>
+          </a:p>
+        </p:txBody>
+      </p:sp>
+    </p:spTree>
+    <p:extLst>
+      <p:ext uri="{BB962C8B-B14F-4D97-AF65-F5344CB8AC3E}">
+        <p14:creationId xmlns:p14="http://schemas.microsoft.com/office/powerpoint/2010/main" val="3067693420"/>
+      </p:ext>
+    </p:extLst>
+  </p:cSld>
+  <p:clrMapOvr>
+    <a:masterClrMapping/>
+  </p:clrMapOvr>
+  <p:timing>
+    <p:tnLst>
+      <p:par>
+        <p:cTn id="1" dur="indefinite" restart="never" nodeType="tmRoot"/>
+      </p:par>
+    </p:tnLst>
+  </p:timing>
+</p:sld>
+</file>
+
+<file path=ppt/slides/slide13.xml><?xml version="1.0" encoding="utf-8"?>
+<p:sld xmlns:a="http://schemas.openxmlformats.org/drawingml/2006/main" xmlns:r="http://schemas.openxmlformats.org/officeDocument/2006/relationships" xmlns:p="http://schemas.openxmlformats.org/presentationml/2006/main">
+  <p:cSld>
+    <p:spTree>
+      <p:nvGrpSpPr>
+        <p:cNvPr id="1" name=""/>
+        <p:cNvGrpSpPr/>
+        <p:nvPr/>
+      </p:nvGrpSpPr>
+      <p:grpSpPr>
+        <a:xfrm>
+          <a:off x="0" y="0"/>
+          <a:ext cx="0" cy="0"/>
+          <a:chOff x="0" y="0"/>
+          <a:chExt cx="0" cy="0"/>
+        </a:xfrm>
+      </p:grpSpPr>
+      <p:sp>
+        <p:nvSpPr>
+          <p:cNvPr id="2" name="Titre 1"/>
+          <p:cNvSpPr>
+            <a:spLocks noGrp="1"/>
+          </p:cNvSpPr>
+          <p:nvPr>
+            <p:ph type="title"/>
+          </p:nvPr>
+        </p:nvSpPr>
+        <p:spPr/>
+        <p:txBody>
+          <a:bodyPr/>
+          <a:lstStyle/>
+          <a:p>
+            <a:r>
+              <a:rPr lang="fr-BE" dirty="0" smtClean="0"/>
+              <a:t>Caractérisation de la bifurcation</a:t>
+            </a:r>
+            <a:endParaRPr lang="fr-BE" dirty="0"/>
+          </a:p>
+        </p:txBody>
+      </p:sp>
+      <p:sp>
+        <p:nvSpPr>
+          <p:cNvPr id="3" name="Espace réservé du contenu 2"/>
+          <p:cNvSpPr>
+            <a:spLocks noGrp="1"/>
+          </p:cNvSpPr>
+          <p:nvPr>
+            <p:ph idx="1"/>
+          </p:nvPr>
+        </p:nvSpPr>
+        <p:spPr/>
+        <p:txBody>
+          <a:bodyPr/>
+          <a:lstStyle/>
+          <a:p>
+            <a:endParaRPr lang="fr-BE"/>
+          </a:p>
+        </p:txBody>
+      </p:sp>
+      <p:sp>
+        <p:nvSpPr>
+          <p:cNvPr id="4" name="Espace réservé du numéro de diapositive 3"/>
+          <p:cNvSpPr>
+            <a:spLocks noGrp="1"/>
+          </p:cNvSpPr>
+          <p:nvPr>
+            <p:ph type="sldNum" sz="quarter" idx="4"/>
+          </p:nvPr>
+        </p:nvSpPr>
+        <p:spPr/>
+        <p:txBody>
+          <a:bodyPr/>
+          <a:lstStyle/>
+          <a:p>
+            <a:fld id="{D57F1E4F-1CFF-5643-939E-217C01CDF565}" type="slidenum">
+              <a:rPr lang="en-US" smtClean="0"/>
+              <a:pPr/>
+              <a:t>13</a:t>
             </a:fld>
             <a:endParaRPr lang="en-US" dirty="0"/>
           </a:p>
@@ -13360,7 +13469,66 @@
           <a:bodyPr/>
           <a:lstStyle/>
           <a:p>
-            <a:endParaRPr lang="fr-BE"/>
+            <a:r>
+              <a:rPr lang="fr-BE" dirty="0" smtClean="0"/>
+              <a:t>Paquet d’onde dont la vitesse augmente avec son amplitude</a:t>
+            </a:r>
+          </a:p>
+          <a:p>
+            <a:r>
+              <a:rPr lang="fr-BE" dirty="0" smtClean="0"/>
+              <a:t>2 </a:t>
+            </a:r>
+            <a:r>
+              <a:rPr lang="fr-BE" dirty="0" err="1" smtClean="0"/>
+              <a:t>solitons</a:t>
+            </a:r>
+            <a:r>
+              <a:rPr lang="fr-BE" dirty="0" smtClean="0"/>
+              <a:t> interagissent non-</a:t>
+            </a:r>
+            <a:r>
+              <a:rPr lang="fr-BE" dirty="0" err="1" smtClean="0"/>
+              <a:t>destructivement</a:t>
+            </a:r>
+            <a:endParaRPr lang="fr-BE" dirty="0" smtClean="0"/>
+          </a:p>
+          <a:p>
+            <a:r>
+              <a:rPr lang="fr-BE" dirty="0" smtClean="0"/>
+              <a:t>Pour des fluides peu profonds</a:t>
+            </a:r>
+          </a:p>
+          <a:p>
+            <a:r>
+              <a:rPr lang="fr-BE" dirty="0" smtClean="0"/>
+              <a:t>Solution de l’équation de </a:t>
+            </a:r>
+            <a:r>
+              <a:rPr lang="fr-BE" dirty="0" err="1" smtClean="0"/>
+              <a:t>Korteweg</a:t>
+            </a:r>
+            <a:r>
+              <a:rPr lang="fr-BE" dirty="0" smtClean="0"/>
+              <a:t> et de </a:t>
+            </a:r>
+            <a:r>
+              <a:rPr lang="fr-BE" dirty="0" err="1" smtClean="0"/>
+              <a:t>Vries</a:t>
+            </a:r>
+            <a:r>
+              <a:rPr lang="fr-BE" dirty="0" smtClean="0"/>
+              <a:t> (</a:t>
+            </a:r>
+            <a:r>
+              <a:rPr lang="fr-BE" dirty="0" err="1" smtClean="0"/>
+              <a:t>KdV</a:t>
+            </a:r>
+            <a:r>
+              <a:rPr lang="fr-BE" dirty="0" smtClean="0"/>
+              <a:t>)</a:t>
+            </a:r>
+            <a:endParaRPr lang="fr-BE" dirty="0"/>
           </a:p>
         </p:txBody>
       </p:sp>
@@ -13388,6 +13556,130 @@
           </a:p>
         </p:txBody>
       </p:sp>
+      <p:pic>
+        <p:nvPicPr>
+          <p:cNvPr id="4" name="Image 3"/>
+          <p:cNvPicPr>
+            <a:picLocks noChangeAspect="1"/>
+          </p:cNvPicPr>
+          <p:nvPr/>
+        </p:nvPicPr>
+        <p:blipFill rotWithShape="1">
+          <a:blip r:embed="rId2">
+            <a:extLst>
+              <a:ext uri="{28A0092B-C50C-407E-A947-70E740481C1C}">
+                <a14:useLocalDpi xmlns:a14="http://schemas.microsoft.com/office/drawing/2010/main" val="0"/>
+              </a:ext>
+            </a:extLst>
+          </a:blip>
+          <a:srcRect b="10256"/>
+          <a:stretch/>
+        </p:blipFill>
+        <p:spPr>
+          <a:xfrm>
+            <a:off x="677334" y="3837215"/>
+            <a:ext cx="3477261" cy="2571749"/>
+          </a:xfrm>
+          <a:prstGeom prst="rect">
+            <a:avLst/>
+          </a:prstGeom>
+        </p:spPr>
+      </p:pic>
+      <p:sp>
+        <p:nvSpPr>
+          <p:cNvPr id="6" name="ZoneTexte 5"/>
+          <p:cNvSpPr txBox="1"/>
+          <p:nvPr/>
+        </p:nvSpPr>
+        <p:spPr>
+          <a:xfrm>
+            <a:off x="677334" y="6309947"/>
+            <a:ext cx="3600752" cy="461665"/>
+          </a:xfrm>
+          <a:prstGeom prst="rect">
+            <a:avLst/>
+          </a:prstGeom>
+          <a:noFill/>
+        </p:spPr>
+        <p:txBody>
+          <a:bodyPr wrap="square" rtlCol="0">
+            <a:spAutoFit/>
+          </a:bodyPr>
+          <a:lstStyle/>
+          <a:p>
+            <a:r>
+              <a:rPr lang="en-US" sz="1200" dirty="0">
+                <a:solidFill>
+                  <a:schemeClr val="tx1">
+                    <a:lumMod val="85000"/>
+                    <a:lumOff val="15000"/>
+                  </a:schemeClr>
+                </a:solidFill>
+              </a:rPr>
+              <a:t>Elementary Fluid Dynamics, D. J. Acheson, </a:t>
+            </a:r>
+            <a:r>
+              <a:rPr lang="en-US" sz="1200" dirty="0" err="1">
+                <a:solidFill>
+                  <a:schemeClr val="tx1">
+                    <a:lumMod val="85000"/>
+                    <a:lumOff val="15000"/>
+                  </a:schemeClr>
+                </a:solidFill>
+              </a:rPr>
+              <a:t>Oxfrod</a:t>
+            </a:r>
+            <a:r>
+              <a:rPr lang="en-US" sz="1200" dirty="0">
+                <a:solidFill>
+                  <a:schemeClr val="tx1">
+                    <a:lumMod val="85000"/>
+                    <a:lumOff val="15000"/>
+                  </a:schemeClr>
+                </a:solidFill>
+              </a:rPr>
+              <a:t> University Press, 1990</a:t>
+            </a:r>
+            <a:endParaRPr lang="fr-BE" sz="1200" dirty="0">
+              <a:solidFill>
+                <a:schemeClr val="tx1">
+                  <a:lumMod val="85000"/>
+                  <a:lumOff val="15000"/>
+                </a:schemeClr>
+              </a:solidFill>
+            </a:endParaRPr>
+          </a:p>
+        </p:txBody>
+      </p:sp>
+      <p:pic>
+        <p:nvPicPr>
+          <p:cNvPr id="7" name="Image 6"/>
+          <p:cNvPicPr>
+            <a:picLocks noChangeAspect="1"/>
+          </p:cNvPicPr>
+          <p:nvPr/>
+        </p:nvPicPr>
+        <p:blipFill rotWithShape="1">
+          <a:blip r:embed="rId3">
+            <a:extLst>
+              <a:ext uri="{28A0092B-C50C-407E-A947-70E740481C1C}">
+                <a14:useLocalDpi xmlns:a14="http://schemas.microsoft.com/office/drawing/2010/main" val="0"/>
+              </a:ext>
+            </a:extLst>
+          </a:blip>
+          <a:srcRect l="2474" t="10007" r="11310" b="1823"/>
+          <a:stretch/>
+        </p:blipFill>
+        <p:spPr>
+          <a:xfrm>
+            <a:off x="4154595" y="3837215"/>
+            <a:ext cx="3594018" cy="2756576"/>
+          </a:xfrm>
+          <a:prstGeom prst="rect">
+            <a:avLst/>
+          </a:prstGeom>
+        </p:spPr>
+      </p:pic>
     </p:spTree>
     <p:extLst>
       <p:ext uri="{BB962C8B-B14F-4D97-AF65-F5344CB8AC3E}">
@@ -13449,6 +13741,7 @@
               </a:bodyPr>
               <a:lstStyle/>
               <a:p>
+                <a:pPr/>
                 <a14:m>
                   <m:oMathPara xmlns:m="http://schemas.openxmlformats.org/officeDocument/2006/math">
                     <m:oMathParaPr>
@@ -13480,10 +13773,8 @@
                               </a:solidFill>
                               <a:latin typeface="Cambria Math" panose="02040503050406030204" pitchFamily="18" charset="0"/>
                             </a:rPr>
-                            <m:t>𝑑𝑢</m:t>
+                            <m:t>𝜕</m:t>
                           </m:r>
-                        </m:num>
-                        <m:den>
                           <m:r>
                             <a:rPr lang="fr-BE" b="0" i="1" smtClean="0">
                               <a:solidFill>
@@ -13494,7 +13785,33 @@
                               </a:solidFill>
                               <a:latin typeface="Cambria Math" panose="02040503050406030204" pitchFamily="18" charset="0"/>
                             </a:rPr>
-                            <m:t>𝑑𝑡</m:t>
+                            <m:t>𝑢</m:t>
+                          </m:r>
+                        </m:num>
+                        <m:den>
+                          <m:r>
+                            <a:rPr lang="fr-BE" b="0" i="1">
+                              <a:solidFill>
+                                <a:schemeClr val="tx1">
+                                  <a:lumMod val="85000"/>
+                                  <a:lumOff val="15000"/>
+                                </a:schemeClr>
+                              </a:solidFill>
+                              <a:latin typeface="Cambria Math" panose="02040503050406030204" pitchFamily="18" charset="0"/>
+                            </a:rPr>
+                            <m:t>𝜕</m:t>
+                          </m:r>
+                          <m:r>
+                            <a:rPr lang="fr-BE" b="0" i="1" smtClean="0">
+                              <a:solidFill>
+                                <a:schemeClr val="tx1">
+                                  <a:lumMod val="85000"/>
+                                  <a:lumOff val="15000"/>
+                                </a:schemeClr>
+                              </a:solidFill>
+                              <a:latin typeface="Cambria Math" panose="02040503050406030204" pitchFamily="18" charset="0"/>
+                            </a:rPr>
+                            <m:t>𝑡</m:t>
                           </m:r>
                         </m:den>
                       </m:f>
@@ -13538,7 +13855,7 @@
                         </m:fPr>
                         <m:num>
                           <m:r>
-                            <a:rPr lang="fr-BE" b="0" i="1" smtClean="0">
+                            <a:rPr lang="fr-BE" b="0" i="1">
                               <a:solidFill>
                                 <a:schemeClr val="tx1">
                                   <a:lumMod val="85000"/>
@@ -13547,10 +13864,8 @@
                               </a:solidFill>
                               <a:latin typeface="Cambria Math" panose="02040503050406030204" pitchFamily="18" charset="0"/>
                             </a:rPr>
-                            <m:t>𝑑𝑢</m:t>
+                            <m:t>𝜕</m:t>
                           </m:r>
-                        </m:num>
-                        <m:den>
                           <m:r>
                             <a:rPr lang="fr-BE" b="0" i="1" smtClean="0">
                               <a:solidFill>
@@ -13561,7 +13876,33 @@
                               </a:solidFill>
                               <a:latin typeface="Cambria Math" panose="02040503050406030204" pitchFamily="18" charset="0"/>
                             </a:rPr>
-                            <m:t>𝑑𝑥</m:t>
+                            <m:t>𝑢</m:t>
+                          </m:r>
+                        </m:num>
+                        <m:den>
+                          <m:r>
+                            <a:rPr lang="fr-BE" b="0" i="1">
+                              <a:solidFill>
+                                <a:schemeClr val="tx1">
+                                  <a:lumMod val="85000"/>
+                                  <a:lumOff val="15000"/>
+                                </a:schemeClr>
+                              </a:solidFill>
+                              <a:latin typeface="Cambria Math" panose="02040503050406030204" pitchFamily="18" charset="0"/>
+                            </a:rPr>
+                            <m:t>𝜕</m:t>
+                          </m:r>
+                          <m:r>
+                            <a:rPr lang="fr-BE" b="0" i="1" smtClean="0">
+                              <a:solidFill>
+                                <a:schemeClr val="tx1">
+                                  <a:lumMod val="85000"/>
+                                  <a:lumOff val="15000"/>
+                                </a:schemeClr>
+                              </a:solidFill>
+                              <a:latin typeface="Cambria Math" panose="02040503050406030204" pitchFamily="18" charset="0"/>
+                            </a:rPr>
+                            <m:t>𝑥</m:t>
                           </m:r>
                         </m:den>
                       </m:f>
@@ -13654,7 +13995,7 @@
                             </m:sSupPr>
                             <m:e>
                               <m:r>
-                                <a:rPr lang="fr-BE" b="0" i="1" smtClean="0">
+                                <a:rPr lang="fr-BE" b="0" i="1">
                                   <a:solidFill>
                                     <a:schemeClr val="tx1">
                                       <a:lumMod val="85000"/>
@@ -13663,7 +14004,7 @@
                                   </a:solidFill>
                                   <a:latin typeface="Cambria Math" panose="02040503050406030204" pitchFamily="18" charset="0"/>
                                 </a:rPr>
-                                <m:t>𝑑</m:t>
+                                <m:t>𝜕</m:t>
                               </m:r>
                             </m:e>
                             <m:sup>
@@ -13696,7 +14037,7 @@
                         </m:num>
                         <m:den>
                           <m:r>
-                            <a:rPr lang="fr-BE" b="0" i="1" smtClean="0">
+                            <a:rPr lang="fr-BE" b="0" i="1">
                               <a:solidFill>
                                 <a:schemeClr val="tx1">
                                   <a:lumMod val="85000"/>
@@ -13705,7 +14046,7 @@
                               </a:solidFill>
                               <a:latin typeface="Cambria Math" panose="02040503050406030204" pitchFamily="18" charset="0"/>
                             </a:rPr>
-                            <m:t>𝑑</m:t>
+                            <m:t>𝜕</m:t>
                           </m:r>
                           <m:sSup>
                             <m:sSupPr>
@@ -13817,25 +14158,270 @@
           </p:sp>
         </mc:Fallback>
       </mc:AlternateContent>
-      <p:sp>
-        <p:nvSpPr>
-          <p:cNvPr id="3" name="Espace réservé du contenu 2"/>
-          <p:cNvSpPr>
-            <a:spLocks noGrp="1"/>
-          </p:cNvSpPr>
-          <p:nvPr>
-            <p:ph idx="1"/>
-          </p:nvPr>
-        </p:nvSpPr>
-        <p:spPr/>
-        <p:txBody>
-          <a:bodyPr/>
-          <a:lstStyle/>
-          <a:p>
-            <a:endParaRPr lang="fr-BE" dirty="0"/>
-          </a:p>
-        </p:txBody>
-      </p:sp>
+      <mc:AlternateContent xmlns:mc="http://schemas.openxmlformats.org/markup-compatibility/2006">
+        <mc:Choice xmlns:a14="http://schemas.microsoft.com/office/drawing/2010/main" Requires="a14">
+          <p:sp>
+            <p:nvSpPr>
+              <p:cNvPr id="3" name="Espace réservé du contenu 2"/>
+              <p:cNvSpPr>
+                <a:spLocks noGrp="1"/>
+              </p:cNvSpPr>
+              <p:nvPr>
+                <p:ph idx="1"/>
+              </p:nvPr>
+            </p:nvSpPr>
+            <p:spPr/>
+            <p:txBody>
+              <a:bodyPr/>
+              <a:lstStyle/>
+              <a:p>
+                <a14:m>
+                  <m:oMath xmlns:m="http://schemas.openxmlformats.org/officeDocument/2006/math">
+                    <m:r>
+                      <a:rPr lang="fr-BE" i="1">
+                        <a:latin typeface="Cambria Math" panose="02040503050406030204" pitchFamily="18" charset="0"/>
+                      </a:rPr>
+                      <m:t>𝑢</m:t>
+                    </m:r>
+                  </m:oMath>
+                </a14:m>
+                <a:r>
+                  <a:rPr lang="fr-BE" dirty="0" smtClean="0"/>
+                  <a:t> : hauteur de la vague</a:t>
+                </a:r>
+              </a:p>
+              <a:p>
+                <a14:m>
+                  <m:oMath xmlns:m="http://schemas.openxmlformats.org/officeDocument/2006/math">
+                    <m:f>
+                      <m:fPr>
+                        <m:ctrlPr>
+                          <a:rPr lang="fr-BE" i="1">
+                            <a:latin typeface="Cambria Math" panose="02040503050406030204" pitchFamily="18" charset="0"/>
+                          </a:rPr>
+                        </m:ctrlPr>
+                      </m:fPr>
+                      <m:num>
+                        <m:r>
+                          <a:rPr lang="fr-BE" i="1">
+                            <a:latin typeface="Cambria Math" panose="02040503050406030204" pitchFamily="18" charset="0"/>
+                          </a:rPr>
+                          <m:t>𝜕</m:t>
+                        </m:r>
+                        <m:r>
+                          <a:rPr lang="fr-BE" i="1">
+                            <a:latin typeface="Cambria Math" panose="02040503050406030204" pitchFamily="18" charset="0"/>
+                          </a:rPr>
+                          <m:t>𝑢</m:t>
+                        </m:r>
+                      </m:num>
+                      <m:den>
+                        <m:r>
+                          <a:rPr lang="fr-BE" i="1">
+                            <a:latin typeface="Cambria Math" panose="02040503050406030204" pitchFamily="18" charset="0"/>
+                          </a:rPr>
+                          <m:t>𝜕</m:t>
+                        </m:r>
+                        <m:r>
+                          <a:rPr lang="fr-BE" i="1">
+                            <a:latin typeface="Cambria Math" panose="02040503050406030204" pitchFamily="18" charset="0"/>
+                          </a:rPr>
+                          <m:t>𝑡</m:t>
+                        </m:r>
+                      </m:den>
+                    </m:f>
+                  </m:oMath>
+                </a14:m>
+                <a:r>
+                  <a:rPr lang="fr-BE" dirty="0" smtClean="0"/>
+                  <a:t> : évolution de la hauteur en fonction du temps</a:t>
+                </a:r>
+              </a:p>
+              <a:p>
+                <a14:m>
+                  <m:oMath xmlns:m="http://schemas.openxmlformats.org/officeDocument/2006/math">
+                    <m:f>
+                      <m:fPr>
+                        <m:ctrlPr>
+                          <a:rPr lang="fr-BE" i="1">
+                            <a:latin typeface="Cambria Math" panose="02040503050406030204" pitchFamily="18" charset="0"/>
+                          </a:rPr>
+                        </m:ctrlPr>
+                      </m:fPr>
+                      <m:num>
+                        <m:r>
+                          <a:rPr lang="fr-BE" i="1">
+                            <a:latin typeface="Cambria Math" panose="02040503050406030204" pitchFamily="18" charset="0"/>
+                          </a:rPr>
+                          <m:t>𝜕</m:t>
+                        </m:r>
+                        <m:r>
+                          <a:rPr lang="fr-BE" i="1">
+                            <a:latin typeface="Cambria Math" panose="02040503050406030204" pitchFamily="18" charset="0"/>
+                          </a:rPr>
+                          <m:t>𝑢</m:t>
+                        </m:r>
+                      </m:num>
+                      <m:den>
+                        <m:r>
+                          <a:rPr lang="fr-BE" i="1">
+                            <a:latin typeface="Cambria Math" panose="02040503050406030204" pitchFamily="18" charset="0"/>
+                          </a:rPr>
+                          <m:t>𝜕</m:t>
+                        </m:r>
+                        <m:r>
+                          <a:rPr lang="fr-BE" i="1">
+                            <a:latin typeface="Cambria Math" panose="02040503050406030204" pitchFamily="18" charset="0"/>
+                          </a:rPr>
+                          <m:t>𝑥</m:t>
+                        </m:r>
+                      </m:den>
+                    </m:f>
+                  </m:oMath>
+                </a14:m>
+                <a:r>
+                  <a:rPr lang="fr-BE" dirty="0" smtClean="0"/>
+                  <a:t> : effet d’advection et de </a:t>
+                </a:r>
+                <a:r>
+                  <a:rPr lang="fr-BE" dirty="0"/>
+                  <a:t>gradient de </a:t>
+                </a:r>
+                <a:r>
+                  <a:rPr lang="fr-BE" dirty="0" smtClean="0"/>
+                  <a:t>pression</a:t>
+                </a:r>
+              </a:p>
+              <a:p>
+                <a14:m>
+                  <m:oMath xmlns:m="http://schemas.openxmlformats.org/officeDocument/2006/math">
+                    <m:f>
+                      <m:fPr>
+                        <m:ctrlPr>
+                          <a:rPr lang="fr-BE" i="1">
+                            <a:latin typeface="Cambria Math" panose="02040503050406030204" pitchFamily="18" charset="0"/>
+                          </a:rPr>
+                        </m:ctrlPr>
+                      </m:fPr>
+                      <m:num>
+                        <m:sSup>
+                          <m:sSupPr>
+                            <m:ctrlPr>
+                              <a:rPr lang="fr-BE" i="1">
+                                <a:latin typeface="Cambria Math" panose="02040503050406030204" pitchFamily="18" charset="0"/>
+                              </a:rPr>
+                            </m:ctrlPr>
+                          </m:sSupPr>
+                          <m:e>
+                            <m:r>
+                              <a:rPr lang="fr-BE" i="1">
+                                <a:latin typeface="Cambria Math" panose="02040503050406030204" pitchFamily="18" charset="0"/>
+                              </a:rPr>
+                              <m:t>𝜕</m:t>
+                            </m:r>
+                          </m:e>
+                          <m:sup>
+                            <m:r>
+                              <a:rPr lang="fr-BE" i="1">
+                                <a:latin typeface="Cambria Math" panose="02040503050406030204" pitchFamily="18" charset="0"/>
+                              </a:rPr>
+                              <m:t>3</m:t>
+                            </m:r>
+                          </m:sup>
+                        </m:sSup>
+                        <m:r>
+                          <a:rPr lang="fr-BE" i="1">
+                            <a:latin typeface="Cambria Math" panose="02040503050406030204" pitchFamily="18" charset="0"/>
+                          </a:rPr>
+                          <m:t>𝑢</m:t>
+                        </m:r>
+                      </m:num>
+                      <m:den>
+                        <m:r>
+                          <a:rPr lang="fr-BE" i="1">
+                            <a:latin typeface="Cambria Math" panose="02040503050406030204" pitchFamily="18" charset="0"/>
+                          </a:rPr>
+                          <m:t>𝜕</m:t>
+                        </m:r>
+                        <m:sSup>
+                          <m:sSupPr>
+                            <m:ctrlPr>
+                              <a:rPr lang="fr-BE" i="1">
+                                <a:latin typeface="Cambria Math" panose="02040503050406030204" pitchFamily="18" charset="0"/>
+                              </a:rPr>
+                            </m:ctrlPr>
+                          </m:sSupPr>
+                          <m:e>
+                            <m:r>
+                              <a:rPr lang="fr-BE" i="1">
+                                <a:latin typeface="Cambria Math" panose="02040503050406030204" pitchFamily="18" charset="0"/>
+                              </a:rPr>
+                              <m:t>𝑥</m:t>
+                            </m:r>
+                          </m:e>
+                          <m:sup>
+                            <m:r>
+                              <a:rPr lang="fr-BE" i="1">
+                                <a:latin typeface="Cambria Math" panose="02040503050406030204" pitchFamily="18" charset="0"/>
+                              </a:rPr>
+                              <m:t>3</m:t>
+                            </m:r>
+                          </m:sup>
+                        </m:sSup>
+                      </m:den>
+                    </m:f>
+                  </m:oMath>
+                </a14:m>
+                <a:r>
+                  <a:rPr lang="fr-BE" dirty="0" smtClean="0"/>
+                  <a:t> : </a:t>
+                </a:r>
+                <a:r>
+                  <a:rPr lang="fr-BE" dirty="0"/>
+                  <a:t>dissipation </a:t>
+                </a:r>
+                <a:r>
+                  <a:rPr lang="fr-BE" dirty="0" smtClean="0"/>
+                  <a:t>visqueuse</a:t>
+                </a:r>
+              </a:p>
+            </p:txBody>
+          </p:sp>
+        </mc:Choice>
+        <mc:Fallback>
+          <p:sp>
+            <p:nvSpPr>
+              <p:cNvPr id="3" name="Espace réservé du contenu 2"/>
+              <p:cNvSpPr>
+                <a:spLocks noGrp="1" noRot="1" noChangeAspect="1" noMove="1" noResize="1" noEditPoints="1" noAdjustHandles="1" noChangeArrowheads="1" noChangeShapeType="1" noTextEdit="1"/>
+              </p:cNvSpPr>
+              <p:nvPr>
+                <p:ph idx="1"/>
+              </p:nvPr>
+            </p:nvSpPr>
+            <p:spPr>
+              <a:blipFill>
+                <a:blip r:embed="rId3"/>
+                <a:stretch>
+                  <a:fillRect l="-142" t="-942"/>
+                </a:stretch>
+              </a:blipFill>
+            </p:spPr>
+            <p:txBody>
+              <a:bodyPr/>
+              <a:lstStyle/>
+              <a:p>
+                <a:r>
+                  <a:rPr lang="fr-BE">
+                    <a:noFill/>
+                  </a:rPr>
+                  <a:t> </a:t>
+                </a:r>
+              </a:p>
+            </p:txBody>
+          </p:sp>
+        </mc:Fallback>
+      </mc:AlternateContent>
       <p:sp>
         <p:nvSpPr>
           <p:cNvPr id="5" name="Espace réservé du numéro de diapositive 4"/>
@@ -14792,14 +15378,346 @@
           <a:chExt cx="0" cy="0"/>
         </a:xfrm>
       </p:grpSpPr>
-      <p:sp>
-        <p:nvSpPr>
-          <p:cNvPr id="2" name="Titre 1"/>
-          <p:cNvSpPr>
-            <a:spLocks noGrp="1"/>
-          </p:cNvSpPr>
-          <p:nvPr>
-            <p:ph type="title"/>
+      <mc:AlternateContent xmlns:mc="http://schemas.openxmlformats.org/markup-compatibility/2006">
+        <mc:Choice xmlns:a14="http://schemas.microsoft.com/office/drawing/2010/main" Requires="a14">
+          <p:sp>
+            <p:nvSpPr>
+              <p:cNvPr id="2" name="Titre 1"/>
+              <p:cNvSpPr>
+                <a:spLocks noGrp="1"/>
+              </p:cNvSpPr>
+              <p:nvPr>
+                <p:ph type="title"/>
+              </p:nvPr>
+            </p:nvSpPr>
+            <p:spPr/>
+            <p:txBody>
+              <a:bodyPr>
+                <a:normAutofit/>
+              </a:bodyPr>
+              <a:lstStyle/>
+              <a:p>
+                <a14:m>
+                  <m:oMathPara xmlns:m="http://schemas.openxmlformats.org/officeDocument/2006/math">
+                    <m:oMathParaPr>
+                      <m:jc m:val="centerGroup"/>
+                    </m:oMathParaPr>
+                    <m:oMath xmlns:m="http://schemas.openxmlformats.org/officeDocument/2006/math">
+                      <m:f>
+                        <m:fPr>
+                          <m:ctrlPr>
+                            <a:rPr lang="fr-BE" b="0" i="1" smtClean="0">
+                              <a:latin typeface="Cambria Math" panose="02040503050406030204" pitchFamily="18" charset="0"/>
+                            </a:rPr>
+                          </m:ctrlPr>
+                        </m:fPr>
+                        <m:num>
+                          <m:r>
+                            <a:rPr lang="fr-BE" b="0" i="1">
+                              <a:latin typeface="Cambria Math" panose="02040503050406030204" pitchFamily="18" charset="0"/>
+                            </a:rPr>
+                            <m:t>𝜕</m:t>
+                          </m:r>
+                          <m:r>
+                            <a:rPr lang="fr-BE" b="0" i="1" smtClean="0">
+                              <a:latin typeface="Cambria Math" panose="02040503050406030204" pitchFamily="18" charset="0"/>
+                            </a:rPr>
+                            <m:t>𝑢</m:t>
+                          </m:r>
+                        </m:num>
+                        <m:den>
+                          <m:r>
+                            <a:rPr lang="fr-BE" b="0" i="1">
+                              <a:latin typeface="Cambria Math" panose="02040503050406030204" pitchFamily="18" charset="0"/>
+                            </a:rPr>
+                            <m:t>𝜕</m:t>
+                          </m:r>
+                          <m:r>
+                            <a:rPr lang="fr-BE" b="0" i="1" smtClean="0">
+                              <a:latin typeface="Cambria Math" panose="02040503050406030204" pitchFamily="18" charset="0"/>
+                            </a:rPr>
+                            <m:t>𝑡</m:t>
+                          </m:r>
+                        </m:den>
+                      </m:f>
+                      <m:r>
+                        <a:rPr lang="fr-BE" b="0" i="1" smtClean="0">
+                          <a:latin typeface="Cambria Math" panose="02040503050406030204" pitchFamily="18" charset="0"/>
+                        </a:rPr>
+                        <m:t>=</m:t>
+                      </m:r>
+                      <m:d>
+                        <m:dPr>
+                          <m:ctrlPr>
+                            <a:rPr lang="fr-BE" b="0" i="1" smtClean="0">
+                              <a:latin typeface="Cambria Math" panose="02040503050406030204" pitchFamily="18" charset="0"/>
+                            </a:rPr>
+                          </m:ctrlPr>
+                        </m:dPr>
+                        <m:e>
+                          <m:r>
+                            <a:rPr lang="fr-BE" b="0" i="1" smtClean="0">
+                              <a:latin typeface="Cambria Math" panose="02040503050406030204" pitchFamily="18" charset="0"/>
+                            </a:rPr>
+                            <m:t>𝑟</m:t>
+                          </m:r>
+                          <m:r>
+                            <a:rPr lang="fr-BE" b="0" i="1" smtClean="0">
+                              <a:latin typeface="Cambria Math" panose="02040503050406030204" pitchFamily="18" charset="0"/>
+                            </a:rPr>
+                            <m:t>−1</m:t>
+                          </m:r>
+                        </m:e>
+                      </m:d>
+                      <m:r>
+                        <a:rPr lang="fr-BE" b="0" i="1" smtClean="0">
+                          <a:latin typeface="Cambria Math" panose="02040503050406030204" pitchFamily="18" charset="0"/>
+                        </a:rPr>
+                        <m:t>𝑢</m:t>
+                      </m:r>
+                      <m:r>
+                        <a:rPr lang="fr-BE" b="0" i="1" smtClean="0">
+                          <a:latin typeface="Cambria Math" panose="02040503050406030204" pitchFamily="18" charset="0"/>
+                        </a:rPr>
+                        <m:t>−2</m:t>
+                      </m:r>
+                      <m:f>
+                        <m:fPr>
+                          <m:ctrlPr>
+                            <a:rPr lang="fr-BE" b="0" i="1" smtClean="0">
+                              <a:latin typeface="Cambria Math" panose="02040503050406030204" pitchFamily="18" charset="0"/>
+                            </a:rPr>
+                          </m:ctrlPr>
+                        </m:fPr>
+                        <m:num>
+                          <m:sSup>
+                            <m:sSupPr>
+                              <m:ctrlPr>
+                                <a:rPr lang="fr-BE" b="0" i="1" smtClean="0">
+                                  <a:latin typeface="Cambria Math" panose="02040503050406030204" pitchFamily="18" charset="0"/>
+                                </a:rPr>
+                              </m:ctrlPr>
+                            </m:sSupPr>
+                            <m:e>
+                              <m:r>
+                                <a:rPr lang="fr-BE" b="0" i="1">
+                                  <a:latin typeface="Cambria Math" panose="02040503050406030204" pitchFamily="18" charset="0"/>
+                                </a:rPr>
+                                <m:t>𝜕</m:t>
+                              </m:r>
+                            </m:e>
+                            <m:sup>
+                              <m:r>
+                                <a:rPr lang="fr-BE" b="0" i="1" smtClean="0">
+                                  <a:latin typeface="Cambria Math" panose="02040503050406030204" pitchFamily="18" charset="0"/>
+                                </a:rPr>
+                                <m:t>2</m:t>
+                              </m:r>
+                            </m:sup>
+                          </m:sSup>
+                          <m:r>
+                            <a:rPr lang="fr-BE" b="0" i="1" smtClean="0">
+                              <a:latin typeface="Cambria Math" panose="02040503050406030204" pitchFamily="18" charset="0"/>
+                            </a:rPr>
+                            <m:t>𝑢</m:t>
+                          </m:r>
+                        </m:num>
+                        <m:den>
+                          <m:r>
+                            <a:rPr lang="fr-BE" b="0" i="1">
+                              <a:latin typeface="Cambria Math" panose="02040503050406030204" pitchFamily="18" charset="0"/>
+                            </a:rPr>
+                            <m:t>𝜕</m:t>
+                          </m:r>
+                          <m:sSup>
+                            <m:sSupPr>
+                              <m:ctrlPr>
+                                <a:rPr lang="fr-BE" b="0" i="1" smtClean="0">
+                                  <a:latin typeface="Cambria Math" panose="02040503050406030204" pitchFamily="18" charset="0"/>
+                                </a:rPr>
+                              </m:ctrlPr>
+                            </m:sSupPr>
+                            <m:e>
+                              <m:r>
+                                <a:rPr lang="fr-BE" b="0" i="1" smtClean="0">
+                                  <a:latin typeface="Cambria Math" panose="02040503050406030204" pitchFamily="18" charset="0"/>
+                                </a:rPr>
+                                <m:t>𝑥</m:t>
+                              </m:r>
+                            </m:e>
+                            <m:sup>
+                              <m:r>
+                                <a:rPr lang="fr-BE" b="0" i="1" smtClean="0">
+                                  <a:latin typeface="Cambria Math" panose="02040503050406030204" pitchFamily="18" charset="0"/>
+                                </a:rPr>
+                                <m:t>2</m:t>
+                              </m:r>
+                            </m:sup>
+                          </m:sSup>
+                        </m:den>
+                      </m:f>
+                      <m:r>
+                        <a:rPr lang="fr-BE" b="0" i="1" smtClean="0">
+                          <a:latin typeface="Cambria Math" panose="02040503050406030204" pitchFamily="18" charset="0"/>
+                        </a:rPr>
+                        <m:t>−</m:t>
+                      </m:r>
+                      <m:f>
+                        <m:fPr>
+                          <m:ctrlPr>
+                            <a:rPr lang="fr-BE" b="0" i="1" smtClean="0">
+                              <a:latin typeface="Cambria Math" panose="02040503050406030204" pitchFamily="18" charset="0"/>
+                            </a:rPr>
+                          </m:ctrlPr>
+                        </m:fPr>
+                        <m:num>
+                          <m:sSup>
+                            <m:sSupPr>
+                              <m:ctrlPr>
+                                <a:rPr lang="fr-BE" b="0" i="1" smtClean="0">
+                                  <a:latin typeface="Cambria Math" panose="02040503050406030204" pitchFamily="18" charset="0"/>
+                                </a:rPr>
+                              </m:ctrlPr>
+                            </m:sSupPr>
+                            <m:e>
+                              <m:r>
+                                <a:rPr lang="fr-BE" b="0" i="1">
+                                  <a:latin typeface="Cambria Math" panose="02040503050406030204" pitchFamily="18" charset="0"/>
+                                </a:rPr>
+                                <m:t>𝜕</m:t>
+                              </m:r>
+                            </m:e>
+                            <m:sup>
+                              <m:r>
+                                <a:rPr lang="fr-BE" b="0" i="1" smtClean="0">
+                                  <a:latin typeface="Cambria Math" panose="02040503050406030204" pitchFamily="18" charset="0"/>
+                                </a:rPr>
+                                <m:t>4</m:t>
+                              </m:r>
+                            </m:sup>
+                          </m:sSup>
+                          <m:r>
+                            <a:rPr lang="fr-BE" b="0" i="1" smtClean="0">
+                              <a:latin typeface="Cambria Math" panose="02040503050406030204" pitchFamily="18" charset="0"/>
+                            </a:rPr>
+                            <m:t>𝑢</m:t>
+                          </m:r>
+                        </m:num>
+                        <m:den>
+                          <m:r>
+                            <a:rPr lang="fr-BE" b="0" i="1">
+                              <a:latin typeface="Cambria Math" panose="02040503050406030204" pitchFamily="18" charset="0"/>
+                            </a:rPr>
+                            <m:t>𝜕</m:t>
+                          </m:r>
+                          <m:sSup>
+                            <m:sSupPr>
+                              <m:ctrlPr>
+                                <a:rPr lang="fr-BE" b="0" i="1" smtClean="0">
+                                  <a:latin typeface="Cambria Math" panose="02040503050406030204" pitchFamily="18" charset="0"/>
+                                </a:rPr>
+                              </m:ctrlPr>
+                            </m:sSupPr>
+                            <m:e>
+                              <m:r>
+                                <a:rPr lang="fr-BE" b="0" i="1" smtClean="0">
+                                  <a:latin typeface="Cambria Math" panose="02040503050406030204" pitchFamily="18" charset="0"/>
+                                </a:rPr>
+                                <m:t>𝑥</m:t>
+                              </m:r>
+                            </m:e>
+                            <m:sup>
+                              <m:r>
+                                <a:rPr lang="fr-BE" b="0" i="1" smtClean="0">
+                                  <a:latin typeface="Cambria Math" panose="02040503050406030204" pitchFamily="18" charset="0"/>
+                                </a:rPr>
+                                <m:t>4</m:t>
+                              </m:r>
+                            </m:sup>
+                          </m:sSup>
+                        </m:den>
+                      </m:f>
+                      <m:r>
+                        <a:rPr lang="fr-BE" b="0" i="1" smtClean="0">
+                          <a:latin typeface="Cambria Math" panose="02040503050406030204" pitchFamily="18" charset="0"/>
+                        </a:rPr>
+                        <m:t>−</m:t>
+                      </m:r>
+                      <m:sSup>
+                        <m:sSupPr>
+                          <m:ctrlPr>
+                            <a:rPr lang="fr-BE" b="0" i="1" smtClean="0">
+                              <a:latin typeface="Cambria Math" panose="02040503050406030204" pitchFamily="18" charset="0"/>
+                            </a:rPr>
+                          </m:ctrlPr>
+                        </m:sSupPr>
+                        <m:e>
+                          <m:r>
+                            <a:rPr lang="fr-BE" b="0" i="1" smtClean="0">
+                              <a:latin typeface="Cambria Math" panose="02040503050406030204" pitchFamily="18" charset="0"/>
+                            </a:rPr>
+                            <m:t>𝑢</m:t>
+                          </m:r>
+                        </m:e>
+                        <m:sup>
+                          <m:r>
+                            <a:rPr lang="fr-BE" b="0" i="1" smtClean="0">
+                              <a:latin typeface="Cambria Math" panose="02040503050406030204" pitchFamily="18" charset="0"/>
+                            </a:rPr>
+                            <m:t>3</m:t>
+                          </m:r>
+                        </m:sup>
+                      </m:sSup>
+                    </m:oMath>
+                  </m:oMathPara>
+                </a14:m>
+                <a:endParaRPr lang="fr-BE" b="0" dirty="0"/>
+              </a:p>
+            </p:txBody>
+          </p:sp>
+        </mc:Choice>
+        <mc:Fallback>
+          <p:sp>
+            <p:nvSpPr>
+              <p:cNvPr id="2" name="Titre 1"/>
+              <p:cNvSpPr>
+                <a:spLocks noGrp="1" noRot="1" noChangeAspect="1" noMove="1" noResize="1" noEditPoints="1" noAdjustHandles="1" noChangeArrowheads="1" noChangeShapeType="1" noTextEdit="1"/>
+              </p:cNvSpPr>
+              <p:nvPr>
+                <p:ph type="title"/>
+              </p:nvPr>
+            </p:nvSpPr>
+            <p:spPr>
+              <a:blipFill>
+                <a:blip r:embed="rId2"/>
+                <a:stretch>
+                  <a:fillRect/>
+                </a:stretch>
+              </a:blipFill>
+            </p:spPr>
+            <p:txBody>
+              <a:bodyPr/>
+              <a:lstStyle/>
+              <a:p>
+                <a:r>
+                  <a:rPr lang="fr-BE">
+                    <a:noFill/>
+                  </a:rPr>
+                  <a:t> </a:t>
+                </a:r>
+              </a:p>
+            </p:txBody>
+          </p:sp>
+        </mc:Fallback>
+      </mc:AlternateContent>
+      <p:sp>
+        <p:nvSpPr>
+          <p:cNvPr id="3" name="Espace réservé du contenu 2"/>
+          <p:cNvSpPr>
+            <a:spLocks noGrp="1"/>
+          </p:cNvSpPr>
+          <p:nvPr>
+            <p:ph idx="1"/>
           </p:nvPr>
         </p:nvSpPr>
         <p:spPr/>
@@ -14809,26 +15727,21 @@
           <a:p>
             <a:r>
               <a:rPr lang="fr-BE" dirty="0" smtClean="0"/>
-              <a:t>Méthode numérique</a:t>
-            </a:r>
-            <a:endParaRPr lang="fr-BE" dirty="0"/>
-          </a:p>
-        </p:txBody>
-      </p:sp>
-      <p:sp>
-        <p:nvSpPr>
-          <p:cNvPr id="3" name="Espace réservé du contenu 2"/>
-          <p:cNvSpPr>
-            <a:spLocks noGrp="1"/>
-          </p:cNvSpPr>
-          <p:nvPr>
-            <p:ph idx="1"/>
-          </p:nvPr>
-        </p:nvSpPr>
-        <p:spPr/>
-        <p:txBody>
-          <a:bodyPr/>
-          <a:lstStyle/>
+              <a:t>Equation différentielle partielle non-linéaire</a:t>
+            </a:r>
+          </a:p>
+          <a:p>
+            <a:r>
+              <a:rPr lang="fr-BE" dirty="0" smtClean="0"/>
+              <a:t>Fluctuations thermiques d’un fluide (convection)</a:t>
+            </a:r>
+          </a:p>
+          <a:p>
+            <a:r>
+              <a:rPr lang="fr-BE" dirty="0" smtClean="0"/>
+              <a:t>Bifurcation au point critique r=0</a:t>
+            </a:r>
+          </a:p>
           <a:p>
             <a:endParaRPr lang="fr-BE" dirty="0"/>
           </a:p>
@@ -14858,23 +15771,45 @@
           </a:p>
         </p:txBody>
       </p:sp>
+      <p:pic>
+        <p:nvPicPr>
+          <p:cNvPr id="5" name="Image 4"/>
+          <p:cNvPicPr>
+            <a:picLocks noChangeAspect="1"/>
+          </p:cNvPicPr>
+          <p:nvPr/>
+        </p:nvPicPr>
+        <p:blipFill rotWithShape="1">
+          <a:blip r:embed="rId3">
+            <a:extLst>
+              <a:ext uri="{28A0092B-C50C-407E-A947-70E740481C1C}">
+                <a14:useLocalDpi xmlns:a14="http://schemas.microsoft.com/office/drawing/2010/main" val="0"/>
+              </a:ext>
+            </a:extLst>
+          </a:blip>
+          <a:srcRect l="1156" t="6560" r="1544" b="2243"/>
+          <a:stretch/>
+        </p:blipFill>
+        <p:spPr>
+          <a:xfrm>
+            <a:off x="2838547" y="3535250"/>
+            <a:ext cx="4264381" cy="2871237"/>
+          </a:xfrm>
+          <a:prstGeom prst="rect">
+            <a:avLst/>
+          </a:prstGeom>
+        </p:spPr>
+      </p:pic>
     </p:spTree>
     <p:extLst>
       <p:ext uri="{BB962C8B-B14F-4D97-AF65-F5344CB8AC3E}">
-        <p14:creationId xmlns:p14="http://schemas.microsoft.com/office/powerpoint/2010/main" val="222721856"/>
+        <p14:creationId xmlns:p14="http://schemas.microsoft.com/office/powerpoint/2010/main" val="1592617480"/>
       </p:ext>
     </p:extLst>
   </p:cSld>
   <p:clrMapOvr>
     <a:masterClrMapping/>
   </p:clrMapOvr>
-  <p:timing>
-    <p:tnLst>
-      <p:par>
-        <p:cTn id="1" dur="indefinite" restart="never" nodeType="tmRoot"/>
-      </p:par>
-    </p:tnLst>
-  </p:timing>
 </p:sld>
 </file>
 
@@ -14912,7 +15847,7 @@
           <a:p>
             <a:r>
               <a:rPr lang="fr-BE" dirty="0" smtClean="0"/>
-              <a:t>Reproduction de la figure de l’énoncé</a:t>
+              <a:t>Méthode numérique</a:t>
             </a:r>
             <a:endParaRPr lang="fr-BE" dirty="0"/>
           </a:p>
@@ -14964,7 +15899,7 @@
     </p:spTree>
     <p:extLst>
       <p:ext uri="{BB962C8B-B14F-4D97-AF65-F5344CB8AC3E}">
-        <p14:creationId xmlns:p14="http://schemas.microsoft.com/office/powerpoint/2010/main" val="348765845"/>
+        <p14:creationId xmlns:p14="http://schemas.microsoft.com/office/powerpoint/2010/main" val="222721856"/>
       </p:ext>
     </p:extLst>
   </p:cSld>

--- a/Présentation_LPHYS1303.pptx
+++ b/Présentation_LPHYS1303.pptx
@@ -6,10 +6,10 @@
     <p:sldMasterId id="2147483680" r:id="rId2"/>
   </p:sldMasterIdLst>
   <p:notesMasterIdLst>
-    <p:notesMasterId r:id="rId16"/>
+    <p:notesMasterId r:id="rId17"/>
   </p:notesMasterIdLst>
   <p:handoutMasterIdLst>
-    <p:handoutMasterId r:id="rId17"/>
+    <p:handoutMasterId r:id="rId18"/>
   </p:handoutMasterIdLst>
   <p:sldIdLst>
     <p:sldId id="256" r:id="rId3"/>
@@ -21,10 +21,11 @@
     <p:sldId id="263" r:id="rId9"/>
     <p:sldId id="269" r:id="rId10"/>
     <p:sldId id="264" r:id="rId11"/>
-    <p:sldId id="265" r:id="rId12"/>
-    <p:sldId id="266" r:id="rId13"/>
-    <p:sldId id="267" r:id="rId14"/>
-    <p:sldId id="268" r:id="rId15"/>
+    <p:sldId id="270" r:id="rId12"/>
+    <p:sldId id="265" r:id="rId13"/>
+    <p:sldId id="266" r:id="rId14"/>
+    <p:sldId id="267" r:id="rId15"/>
+    <p:sldId id="268" r:id="rId16"/>
   </p:sldIdLst>
   <p:sldSz cx="12192000" cy="6858000"/>
   <p:notesSz cx="6858000" cy="9144000"/>
@@ -13004,27 +13005,8 @@
           <a:p>
             <a:r>
               <a:rPr lang="fr-BE" dirty="0" smtClean="0"/>
-              <a:t>Reproduction de la figure de l’énoncé</a:t>
+              <a:t>Méthode numérique</a:t>
             </a:r>
-            <a:endParaRPr lang="fr-BE" dirty="0"/>
-          </a:p>
-        </p:txBody>
-      </p:sp>
-      <p:sp>
-        <p:nvSpPr>
-          <p:cNvPr id="3" name="Espace réservé du contenu 2"/>
-          <p:cNvSpPr>
-            <a:spLocks noGrp="1"/>
-          </p:cNvSpPr>
-          <p:nvPr>
-            <p:ph idx="1"/>
-          </p:nvPr>
-        </p:nvSpPr>
-        <p:spPr/>
-        <p:txBody>
-          <a:bodyPr/>
-          <a:lstStyle/>
-          <a:p>
             <a:endParaRPr lang="fr-BE" dirty="0"/>
           </a:p>
         </p:txBody>
@@ -13053,10 +13035,2644 @@
           </a:p>
         </p:txBody>
       </p:sp>
+      <mc:AlternateContent xmlns:mc="http://schemas.openxmlformats.org/markup-compatibility/2006">
+        <mc:Choice xmlns:a14="http://schemas.microsoft.com/office/drawing/2010/main" Requires="a14">
+          <p:sp>
+            <p:nvSpPr>
+              <p:cNvPr id="13" name="ZoneTexte 12"/>
+              <p:cNvSpPr txBox="1"/>
+              <p:nvPr/>
+            </p:nvSpPr>
+            <p:spPr>
+              <a:xfrm>
+                <a:off x="677332" y="1423530"/>
+                <a:ext cx="8596670" cy="714683"/>
+              </a:xfrm>
+              <a:prstGeom prst="rect">
+                <a:avLst/>
+              </a:prstGeom>
+              <a:noFill/>
+            </p:spPr>
+            <p:txBody>
+              <a:bodyPr wrap="square" rtlCol="0">
+                <a:spAutoFit/>
+              </a:bodyPr>
+              <a:lstStyle/>
+              <a:p>
+                <a14:m>
+                  <m:oMathPara xmlns:m="http://schemas.openxmlformats.org/officeDocument/2006/math">
+                    <m:oMathParaPr>
+                      <m:jc m:val="centerGroup"/>
+                    </m:oMathParaPr>
+                    <m:oMath xmlns:m="http://schemas.openxmlformats.org/officeDocument/2006/math">
+                      <m:d>
+                        <m:dPr>
+                          <m:ctrlPr>
+                            <a:rPr lang="fr-BE" i="1">
+                              <a:solidFill>
+                                <a:schemeClr val="tx1">
+                                  <a:lumMod val="85000"/>
+                                  <a:lumOff val="15000"/>
+                                </a:schemeClr>
+                              </a:solidFill>
+                              <a:latin typeface="Cambria Math" panose="02040503050406030204" pitchFamily="18" charset="0"/>
+                            </a:rPr>
+                          </m:ctrlPr>
+                        </m:dPr>
+                        <m:e>
+                          <m:r>
+                            <a:rPr lang="fr-BE" i="1">
+                              <a:solidFill>
+                                <a:schemeClr val="tx1">
+                                  <a:lumMod val="85000"/>
+                                  <a:lumOff val="15000"/>
+                                </a:schemeClr>
+                              </a:solidFill>
+                              <a:latin typeface="Cambria Math" panose="02040503050406030204" pitchFamily="18" charset="0"/>
+                            </a:rPr>
+                            <m:t>1</m:t>
+                          </m:r>
+                          <m:r>
+                            <a:rPr lang="fr-BE" b="0" i="1" smtClean="0">
+                              <a:solidFill>
+                                <a:schemeClr val="tx1">
+                                  <a:lumMod val="85000"/>
+                                  <a:lumOff val="15000"/>
+                                </a:schemeClr>
+                              </a:solidFill>
+                              <a:latin typeface="Cambria Math" panose="02040503050406030204" pitchFamily="18" charset="0"/>
+                            </a:rPr>
+                            <m:t>−</m:t>
+                          </m:r>
+                          <m:f>
+                            <m:fPr>
+                              <m:ctrlPr>
+                                <a:rPr lang="fr-BE" i="1">
+                                  <a:solidFill>
+                                    <a:schemeClr val="tx1">
+                                      <a:lumMod val="85000"/>
+                                      <a:lumOff val="15000"/>
+                                    </a:schemeClr>
+                                  </a:solidFill>
+                                  <a:latin typeface="Cambria Math" panose="02040503050406030204" pitchFamily="18" charset="0"/>
+                                </a:rPr>
+                              </m:ctrlPr>
+                            </m:fPr>
+                            <m:num>
+                              <m:r>
+                                <m:rPr>
+                                  <m:sty m:val="p"/>
+                                </m:rPr>
+                                <a:rPr lang="fr-BE">
+                                  <a:solidFill>
+                                    <a:schemeClr val="tx1">
+                                      <a:lumMod val="85000"/>
+                                      <a:lumOff val="15000"/>
+                                    </a:schemeClr>
+                                  </a:solidFill>
+                                  <a:latin typeface="Cambria Math" panose="02040503050406030204" pitchFamily="18" charset="0"/>
+                                </a:rPr>
+                                <m:t>Δ</m:t>
+                              </m:r>
+                              <m:r>
+                                <a:rPr lang="fr-BE" i="1">
+                                  <a:solidFill>
+                                    <a:schemeClr val="tx1">
+                                      <a:lumMod val="85000"/>
+                                      <a:lumOff val="15000"/>
+                                    </a:schemeClr>
+                                  </a:solidFill>
+                                  <a:latin typeface="Cambria Math" panose="02040503050406030204" pitchFamily="18" charset="0"/>
+                                </a:rPr>
+                                <m:t>𝑡</m:t>
+                              </m:r>
+                            </m:num>
+                            <m:den>
+                              <m:r>
+                                <a:rPr lang="fr-BE" i="1">
+                                  <a:solidFill>
+                                    <a:schemeClr val="tx1">
+                                      <a:lumMod val="85000"/>
+                                      <a:lumOff val="15000"/>
+                                    </a:schemeClr>
+                                  </a:solidFill>
+                                  <a:latin typeface="Cambria Math" panose="02040503050406030204" pitchFamily="18" charset="0"/>
+                                </a:rPr>
+                                <m:t>2</m:t>
+                              </m:r>
+                            </m:den>
+                          </m:f>
+                          <m:r>
+                            <a:rPr lang="fr-BE" i="1">
+                              <a:solidFill>
+                                <a:schemeClr val="tx1">
+                                  <a:lumMod val="85000"/>
+                                  <a:lumOff val="15000"/>
+                                </a:schemeClr>
+                              </a:solidFill>
+                              <a:latin typeface="Cambria Math" panose="02040503050406030204" pitchFamily="18" charset="0"/>
+                            </a:rPr>
+                            <m:t>𝐿</m:t>
+                          </m:r>
+                        </m:e>
+                      </m:d>
+                      <m:r>
+                        <a:rPr lang="fr-BE" b="0" i="1" smtClean="0">
+                          <a:solidFill>
+                            <a:schemeClr val="tx1">
+                              <a:lumMod val="85000"/>
+                              <a:lumOff val="15000"/>
+                            </a:schemeClr>
+                          </a:solidFill>
+                          <a:latin typeface="Cambria Math" panose="02040503050406030204" pitchFamily="18" charset="0"/>
+                        </a:rPr>
+                        <m:t>𝑢</m:t>
+                      </m:r>
+                      <m:r>
+                        <a:rPr lang="fr-BE" b="0" i="1" smtClean="0">
+                          <a:solidFill>
+                            <a:schemeClr val="tx1">
+                              <a:lumMod val="85000"/>
+                              <a:lumOff val="15000"/>
+                            </a:schemeClr>
+                          </a:solidFill>
+                          <a:latin typeface="Cambria Math" panose="02040503050406030204" pitchFamily="18" charset="0"/>
+                        </a:rPr>
+                        <m:t>(</m:t>
+                      </m:r>
+                      <m:r>
+                        <a:rPr lang="fr-BE" b="0" i="1" smtClean="0">
+                          <a:solidFill>
+                            <a:schemeClr val="tx1">
+                              <a:lumMod val="85000"/>
+                              <a:lumOff val="15000"/>
+                            </a:schemeClr>
+                          </a:solidFill>
+                          <a:latin typeface="Cambria Math" panose="02040503050406030204" pitchFamily="18" charset="0"/>
+                        </a:rPr>
+                        <m:t>𝑥</m:t>
+                      </m:r>
+                      <m:r>
+                        <a:rPr lang="fr-BE" b="0" i="1" smtClean="0">
+                          <a:solidFill>
+                            <a:schemeClr val="tx1">
+                              <a:lumMod val="85000"/>
+                              <a:lumOff val="15000"/>
+                            </a:schemeClr>
+                          </a:solidFill>
+                          <a:latin typeface="Cambria Math" panose="02040503050406030204" pitchFamily="18" charset="0"/>
+                        </a:rPr>
+                        <m:t>,</m:t>
+                      </m:r>
+                      <m:r>
+                        <a:rPr lang="fr-BE" b="0" i="1" smtClean="0">
+                          <a:solidFill>
+                            <a:schemeClr val="tx1">
+                              <a:lumMod val="85000"/>
+                              <a:lumOff val="15000"/>
+                            </a:schemeClr>
+                          </a:solidFill>
+                          <a:latin typeface="Cambria Math" panose="02040503050406030204" pitchFamily="18" charset="0"/>
+                        </a:rPr>
+                        <m:t>𝑡</m:t>
+                      </m:r>
+                      <m:r>
+                        <a:rPr lang="fr-BE" b="0" i="1" smtClean="0">
+                          <a:solidFill>
+                            <a:schemeClr val="tx1">
+                              <a:lumMod val="85000"/>
+                              <a:lumOff val="15000"/>
+                            </a:schemeClr>
+                          </a:solidFill>
+                          <a:latin typeface="Cambria Math" panose="02040503050406030204" pitchFamily="18" charset="0"/>
+                        </a:rPr>
+                        <m:t>+</m:t>
+                      </m:r>
+                      <m:r>
+                        <m:rPr>
+                          <m:sty m:val="p"/>
+                        </m:rPr>
+                        <a:rPr lang="fr-BE" b="0" i="0" smtClean="0">
+                          <a:solidFill>
+                            <a:schemeClr val="tx1">
+                              <a:lumMod val="85000"/>
+                              <a:lumOff val="15000"/>
+                            </a:schemeClr>
+                          </a:solidFill>
+                          <a:latin typeface="Cambria Math" panose="02040503050406030204" pitchFamily="18" charset="0"/>
+                        </a:rPr>
+                        <m:t>Δ</m:t>
+                      </m:r>
+                      <m:r>
+                        <a:rPr lang="fr-BE" b="0" i="1" smtClean="0">
+                          <a:solidFill>
+                            <a:schemeClr val="tx1">
+                              <a:lumMod val="85000"/>
+                              <a:lumOff val="15000"/>
+                            </a:schemeClr>
+                          </a:solidFill>
+                          <a:latin typeface="Cambria Math" panose="02040503050406030204" pitchFamily="18" charset="0"/>
+                        </a:rPr>
+                        <m:t>𝑡</m:t>
+                      </m:r>
+                      <m:r>
+                        <a:rPr lang="fr-BE" b="0" i="1" smtClean="0">
+                          <a:solidFill>
+                            <a:schemeClr val="tx1">
+                              <a:lumMod val="85000"/>
+                              <a:lumOff val="15000"/>
+                            </a:schemeClr>
+                          </a:solidFill>
+                          <a:latin typeface="Cambria Math" panose="02040503050406030204" pitchFamily="18" charset="0"/>
+                        </a:rPr>
+                        <m:t>)=</m:t>
+                      </m:r>
+                      <m:d>
+                        <m:dPr>
+                          <m:ctrlPr>
+                            <a:rPr lang="fr-BE" b="0" i="1" smtClean="0">
+                              <a:solidFill>
+                                <a:schemeClr val="tx1">
+                                  <a:lumMod val="85000"/>
+                                  <a:lumOff val="15000"/>
+                                </a:schemeClr>
+                              </a:solidFill>
+                              <a:latin typeface="Cambria Math" panose="02040503050406030204" pitchFamily="18" charset="0"/>
+                            </a:rPr>
+                          </m:ctrlPr>
+                        </m:dPr>
+                        <m:e>
+                          <m:r>
+                            <a:rPr lang="fr-BE" b="0" i="1" smtClean="0">
+                              <a:solidFill>
+                                <a:schemeClr val="tx1">
+                                  <a:lumMod val="85000"/>
+                                  <a:lumOff val="15000"/>
+                                </a:schemeClr>
+                              </a:solidFill>
+                              <a:latin typeface="Cambria Math" panose="02040503050406030204" pitchFamily="18" charset="0"/>
+                            </a:rPr>
+                            <m:t>1+</m:t>
+                          </m:r>
+                          <m:f>
+                            <m:fPr>
+                              <m:ctrlPr>
+                                <a:rPr lang="fr-BE" i="1">
+                                  <a:solidFill>
+                                    <a:schemeClr val="tx1">
+                                      <a:lumMod val="85000"/>
+                                      <a:lumOff val="15000"/>
+                                    </a:schemeClr>
+                                  </a:solidFill>
+                                  <a:latin typeface="Cambria Math" panose="02040503050406030204" pitchFamily="18" charset="0"/>
+                                </a:rPr>
+                              </m:ctrlPr>
+                            </m:fPr>
+                            <m:num>
+                              <m:r>
+                                <m:rPr>
+                                  <m:sty m:val="p"/>
+                                </m:rPr>
+                                <a:rPr lang="fr-BE" b="0" i="0" smtClean="0">
+                                  <a:solidFill>
+                                    <a:schemeClr val="tx1">
+                                      <a:lumMod val="85000"/>
+                                      <a:lumOff val="15000"/>
+                                    </a:schemeClr>
+                                  </a:solidFill>
+                                  <a:latin typeface="Cambria Math" panose="02040503050406030204" pitchFamily="18" charset="0"/>
+                                </a:rPr>
+                                <m:t>Δ</m:t>
+                              </m:r>
+                              <m:r>
+                                <a:rPr lang="fr-BE" b="0" i="1" smtClean="0">
+                                  <a:solidFill>
+                                    <a:schemeClr val="tx1">
+                                      <a:lumMod val="85000"/>
+                                      <a:lumOff val="15000"/>
+                                    </a:schemeClr>
+                                  </a:solidFill>
+                                  <a:latin typeface="Cambria Math" panose="02040503050406030204" pitchFamily="18" charset="0"/>
+                                </a:rPr>
+                                <m:t>𝑡</m:t>
+                              </m:r>
+                            </m:num>
+                            <m:den>
+                              <m:r>
+                                <a:rPr lang="fr-BE" i="1">
+                                  <a:solidFill>
+                                    <a:schemeClr val="tx1">
+                                      <a:lumMod val="85000"/>
+                                      <a:lumOff val="15000"/>
+                                    </a:schemeClr>
+                                  </a:solidFill>
+                                  <a:latin typeface="Cambria Math" panose="02040503050406030204" pitchFamily="18" charset="0"/>
+                                </a:rPr>
+                                <m:t>2</m:t>
+                              </m:r>
+                            </m:den>
+                          </m:f>
+                          <m:r>
+                            <a:rPr lang="fr-BE" b="0" i="1" smtClean="0">
+                              <a:solidFill>
+                                <a:schemeClr val="tx1">
+                                  <a:lumMod val="85000"/>
+                                  <a:lumOff val="15000"/>
+                                </a:schemeClr>
+                              </a:solidFill>
+                              <a:latin typeface="Cambria Math" panose="02040503050406030204" pitchFamily="18" charset="0"/>
+                            </a:rPr>
+                            <m:t>𝐿</m:t>
+                          </m:r>
+                        </m:e>
+                      </m:d>
+                      <m:r>
+                        <a:rPr lang="fr-BE" b="0" i="1" smtClean="0">
+                          <a:solidFill>
+                            <a:schemeClr val="tx1">
+                              <a:lumMod val="85000"/>
+                              <a:lumOff val="15000"/>
+                            </a:schemeClr>
+                          </a:solidFill>
+                          <a:latin typeface="Cambria Math" panose="02040503050406030204" pitchFamily="18" charset="0"/>
+                        </a:rPr>
+                        <m:t>𝑢</m:t>
+                      </m:r>
+                      <m:r>
+                        <a:rPr lang="fr-BE" b="0" i="1" smtClean="0">
+                          <a:solidFill>
+                            <a:schemeClr val="tx1">
+                              <a:lumMod val="85000"/>
+                              <a:lumOff val="15000"/>
+                            </a:schemeClr>
+                          </a:solidFill>
+                          <a:latin typeface="Cambria Math" panose="02040503050406030204" pitchFamily="18" charset="0"/>
+                        </a:rPr>
+                        <m:t>(</m:t>
+                      </m:r>
+                      <m:r>
+                        <a:rPr lang="fr-BE" b="0" i="1" smtClean="0">
+                          <a:solidFill>
+                            <a:schemeClr val="tx1">
+                              <a:lumMod val="85000"/>
+                              <a:lumOff val="15000"/>
+                            </a:schemeClr>
+                          </a:solidFill>
+                          <a:latin typeface="Cambria Math" panose="02040503050406030204" pitchFamily="18" charset="0"/>
+                        </a:rPr>
+                        <m:t>𝑥</m:t>
+                      </m:r>
+                      <m:r>
+                        <a:rPr lang="fr-BE" b="0" i="1" smtClean="0">
+                          <a:solidFill>
+                            <a:schemeClr val="tx1">
+                              <a:lumMod val="85000"/>
+                              <a:lumOff val="15000"/>
+                            </a:schemeClr>
+                          </a:solidFill>
+                          <a:latin typeface="Cambria Math" panose="02040503050406030204" pitchFamily="18" charset="0"/>
+                        </a:rPr>
+                        <m:t>,</m:t>
+                      </m:r>
+                      <m:r>
+                        <a:rPr lang="fr-BE" b="0" i="1" smtClean="0">
+                          <a:solidFill>
+                            <a:schemeClr val="tx1">
+                              <a:lumMod val="85000"/>
+                              <a:lumOff val="15000"/>
+                            </a:schemeClr>
+                          </a:solidFill>
+                          <a:latin typeface="Cambria Math" panose="02040503050406030204" pitchFamily="18" charset="0"/>
+                        </a:rPr>
+                        <m:t>𝑡</m:t>
+                      </m:r>
+                      <m:r>
+                        <a:rPr lang="fr-BE" b="0" i="1" smtClean="0">
+                          <a:solidFill>
+                            <a:schemeClr val="tx1">
+                              <a:lumMod val="85000"/>
+                              <a:lumOff val="15000"/>
+                            </a:schemeClr>
+                          </a:solidFill>
+                          <a:latin typeface="Cambria Math" panose="02040503050406030204" pitchFamily="18" charset="0"/>
+                        </a:rPr>
+                        <m:t>)+</m:t>
+                      </m:r>
+                      <m:r>
+                        <m:rPr>
+                          <m:sty m:val="p"/>
+                        </m:rPr>
+                        <a:rPr lang="fr-BE" b="0" i="0" smtClean="0">
+                          <a:solidFill>
+                            <a:schemeClr val="tx1">
+                              <a:lumMod val="85000"/>
+                              <a:lumOff val="15000"/>
+                            </a:schemeClr>
+                          </a:solidFill>
+                          <a:latin typeface="Cambria Math" panose="02040503050406030204" pitchFamily="18" charset="0"/>
+                        </a:rPr>
+                        <m:t>Δ</m:t>
+                      </m:r>
+                      <m:r>
+                        <a:rPr lang="fr-BE" b="0" i="1" smtClean="0">
+                          <a:solidFill>
+                            <a:schemeClr val="tx1">
+                              <a:lumMod val="85000"/>
+                              <a:lumOff val="15000"/>
+                            </a:schemeClr>
+                          </a:solidFill>
+                          <a:latin typeface="Cambria Math" panose="02040503050406030204" pitchFamily="18" charset="0"/>
+                        </a:rPr>
+                        <m:t>𝑡</m:t>
+                      </m:r>
+                      <m:d>
+                        <m:dPr>
+                          <m:ctrlPr>
+                            <a:rPr lang="fr-BE" b="0" i="1" smtClean="0">
+                              <a:solidFill>
+                                <a:schemeClr val="tx1">
+                                  <a:lumMod val="85000"/>
+                                  <a:lumOff val="15000"/>
+                                </a:schemeClr>
+                              </a:solidFill>
+                              <a:latin typeface="Cambria Math" panose="02040503050406030204" pitchFamily="18" charset="0"/>
+                            </a:rPr>
+                          </m:ctrlPr>
+                        </m:dPr>
+                        <m:e>
+                          <m:f>
+                            <m:fPr>
+                              <m:ctrlPr>
+                                <a:rPr lang="fr-BE" i="1">
+                                  <a:solidFill>
+                                    <a:schemeClr val="tx1">
+                                      <a:lumMod val="85000"/>
+                                      <a:lumOff val="15000"/>
+                                    </a:schemeClr>
+                                  </a:solidFill>
+                                  <a:latin typeface="Cambria Math" panose="02040503050406030204" pitchFamily="18" charset="0"/>
+                                </a:rPr>
+                              </m:ctrlPr>
+                            </m:fPr>
+                            <m:num>
+                              <m:r>
+                                <a:rPr lang="fr-BE" i="1">
+                                  <a:solidFill>
+                                    <a:schemeClr val="tx1">
+                                      <a:lumMod val="85000"/>
+                                      <a:lumOff val="15000"/>
+                                    </a:schemeClr>
+                                  </a:solidFill>
+                                  <a:latin typeface="Cambria Math" panose="02040503050406030204" pitchFamily="18" charset="0"/>
+                                </a:rPr>
+                                <m:t>3</m:t>
+                              </m:r>
+                            </m:num>
+                            <m:den>
+                              <m:r>
+                                <a:rPr lang="fr-BE" i="1">
+                                  <a:solidFill>
+                                    <a:schemeClr val="tx1">
+                                      <a:lumMod val="85000"/>
+                                      <a:lumOff val="15000"/>
+                                    </a:schemeClr>
+                                  </a:solidFill>
+                                  <a:latin typeface="Cambria Math" panose="02040503050406030204" pitchFamily="18" charset="0"/>
+                                </a:rPr>
+                                <m:t>2</m:t>
+                              </m:r>
+                            </m:den>
+                          </m:f>
+                          <m:r>
+                            <a:rPr lang="fr-BE" i="1">
+                              <a:solidFill>
+                                <a:schemeClr val="tx1">
+                                  <a:lumMod val="85000"/>
+                                  <a:lumOff val="15000"/>
+                                </a:schemeClr>
+                              </a:solidFill>
+                              <a:latin typeface="Cambria Math" panose="02040503050406030204" pitchFamily="18" charset="0"/>
+                            </a:rPr>
+                            <m:t>𝑁𝑢</m:t>
+                          </m:r>
+                          <m:d>
+                            <m:dPr>
+                              <m:ctrlPr>
+                                <a:rPr lang="fr-BE" i="1">
+                                  <a:solidFill>
+                                    <a:schemeClr val="tx1">
+                                      <a:lumMod val="85000"/>
+                                      <a:lumOff val="15000"/>
+                                    </a:schemeClr>
+                                  </a:solidFill>
+                                  <a:latin typeface="Cambria Math" panose="02040503050406030204" pitchFamily="18" charset="0"/>
+                                </a:rPr>
+                              </m:ctrlPr>
+                            </m:dPr>
+                            <m:e>
+                              <m:r>
+                                <a:rPr lang="fr-BE" i="1">
+                                  <a:solidFill>
+                                    <a:schemeClr val="tx1">
+                                      <a:lumMod val="85000"/>
+                                      <a:lumOff val="15000"/>
+                                    </a:schemeClr>
+                                  </a:solidFill>
+                                  <a:latin typeface="Cambria Math" panose="02040503050406030204" pitchFamily="18" charset="0"/>
+                                </a:rPr>
+                                <m:t>𝑥</m:t>
+                              </m:r>
+                              <m:r>
+                                <a:rPr lang="fr-BE" i="1">
+                                  <a:solidFill>
+                                    <a:schemeClr val="tx1">
+                                      <a:lumMod val="85000"/>
+                                      <a:lumOff val="15000"/>
+                                    </a:schemeClr>
+                                  </a:solidFill>
+                                  <a:latin typeface="Cambria Math" panose="02040503050406030204" pitchFamily="18" charset="0"/>
+                                </a:rPr>
+                                <m:t>,</m:t>
+                              </m:r>
+                              <m:r>
+                                <a:rPr lang="fr-BE" i="1">
+                                  <a:solidFill>
+                                    <a:schemeClr val="tx1">
+                                      <a:lumMod val="85000"/>
+                                      <a:lumOff val="15000"/>
+                                    </a:schemeClr>
+                                  </a:solidFill>
+                                  <a:latin typeface="Cambria Math" panose="02040503050406030204" pitchFamily="18" charset="0"/>
+                                </a:rPr>
+                                <m:t>𝑡</m:t>
+                              </m:r>
+                            </m:e>
+                          </m:d>
+                          <m:r>
+                            <a:rPr lang="fr-BE" i="1">
+                              <a:solidFill>
+                                <a:schemeClr val="tx1">
+                                  <a:lumMod val="85000"/>
+                                  <a:lumOff val="15000"/>
+                                </a:schemeClr>
+                              </a:solidFill>
+                              <a:latin typeface="Cambria Math" panose="02040503050406030204" pitchFamily="18" charset="0"/>
+                            </a:rPr>
+                            <m:t>−</m:t>
+                          </m:r>
+                          <m:f>
+                            <m:fPr>
+                              <m:ctrlPr>
+                                <a:rPr lang="fr-BE" i="1">
+                                  <a:solidFill>
+                                    <a:schemeClr val="tx1">
+                                      <a:lumMod val="85000"/>
+                                      <a:lumOff val="15000"/>
+                                    </a:schemeClr>
+                                  </a:solidFill>
+                                  <a:latin typeface="Cambria Math" panose="02040503050406030204" pitchFamily="18" charset="0"/>
+                                </a:rPr>
+                              </m:ctrlPr>
+                            </m:fPr>
+                            <m:num>
+                              <m:r>
+                                <a:rPr lang="fr-BE" i="1">
+                                  <a:solidFill>
+                                    <a:schemeClr val="tx1">
+                                      <a:lumMod val="85000"/>
+                                      <a:lumOff val="15000"/>
+                                    </a:schemeClr>
+                                  </a:solidFill>
+                                  <a:latin typeface="Cambria Math" panose="02040503050406030204" pitchFamily="18" charset="0"/>
+                                </a:rPr>
+                                <m:t>1</m:t>
+                              </m:r>
+                            </m:num>
+                            <m:den>
+                              <m:r>
+                                <a:rPr lang="fr-BE" i="1">
+                                  <a:solidFill>
+                                    <a:schemeClr val="tx1">
+                                      <a:lumMod val="85000"/>
+                                      <a:lumOff val="15000"/>
+                                    </a:schemeClr>
+                                  </a:solidFill>
+                                  <a:latin typeface="Cambria Math" panose="02040503050406030204" pitchFamily="18" charset="0"/>
+                                </a:rPr>
+                                <m:t>2</m:t>
+                              </m:r>
+                            </m:den>
+                          </m:f>
+                          <m:r>
+                            <a:rPr lang="fr-BE" i="1">
+                              <a:solidFill>
+                                <a:schemeClr val="tx1">
+                                  <a:lumMod val="85000"/>
+                                  <a:lumOff val="15000"/>
+                                </a:schemeClr>
+                              </a:solidFill>
+                              <a:latin typeface="Cambria Math" panose="02040503050406030204" pitchFamily="18" charset="0"/>
+                            </a:rPr>
+                            <m:t>𝑁𝑢</m:t>
+                          </m:r>
+                          <m:r>
+                            <a:rPr lang="fr-BE" i="1">
+                              <a:solidFill>
+                                <a:schemeClr val="tx1">
+                                  <a:lumMod val="85000"/>
+                                  <a:lumOff val="15000"/>
+                                </a:schemeClr>
+                              </a:solidFill>
+                              <a:latin typeface="Cambria Math" panose="02040503050406030204" pitchFamily="18" charset="0"/>
+                            </a:rPr>
+                            <m:t>(</m:t>
+                          </m:r>
+                          <m:r>
+                            <a:rPr lang="fr-BE" i="1">
+                              <a:solidFill>
+                                <a:schemeClr val="tx1">
+                                  <a:lumMod val="85000"/>
+                                  <a:lumOff val="15000"/>
+                                </a:schemeClr>
+                              </a:solidFill>
+                              <a:latin typeface="Cambria Math" panose="02040503050406030204" pitchFamily="18" charset="0"/>
+                            </a:rPr>
+                            <m:t>𝑥</m:t>
+                          </m:r>
+                          <m:r>
+                            <a:rPr lang="fr-BE" i="1">
+                              <a:solidFill>
+                                <a:schemeClr val="tx1">
+                                  <a:lumMod val="85000"/>
+                                  <a:lumOff val="15000"/>
+                                </a:schemeClr>
+                              </a:solidFill>
+                              <a:latin typeface="Cambria Math" panose="02040503050406030204" pitchFamily="18" charset="0"/>
+                            </a:rPr>
+                            <m:t>,</m:t>
+                          </m:r>
+                          <m:r>
+                            <a:rPr lang="fr-BE" i="1">
+                              <a:solidFill>
+                                <a:schemeClr val="tx1">
+                                  <a:lumMod val="85000"/>
+                                  <a:lumOff val="15000"/>
+                                </a:schemeClr>
+                              </a:solidFill>
+                              <a:latin typeface="Cambria Math" panose="02040503050406030204" pitchFamily="18" charset="0"/>
+                            </a:rPr>
+                            <m:t>𝑡</m:t>
+                          </m:r>
+                          <m:r>
+                            <a:rPr lang="fr-BE" i="1">
+                              <a:solidFill>
+                                <a:schemeClr val="tx1">
+                                  <a:lumMod val="85000"/>
+                                  <a:lumOff val="15000"/>
+                                </a:schemeClr>
+                              </a:solidFill>
+                              <a:latin typeface="Cambria Math" panose="02040503050406030204" pitchFamily="18" charset="0"/>
+                            </a:rPr>
+                            <m:t>−</m:t>
+                          </m:r>
+                          <m:r>
+                            <m:rPr>
+                              <m:sty m:val="p"/>
+                            </m:rPr>
+                            <a:rPr lang="fr-BE">
+                              <a:solidFill>
+                                <a:schemeClr val="tx1">
+                                  <a:lumMod val="85000"/>
+                                  <a:lumOff val="15000"/>
+                                </a:schemeClr>
+                              </a:solidFill>
+                              <a:latin typeface="Cambria Math" panose="02040503050406030204" pitchFamily="18" charset="0"/>
+                            </a:rPr>
+                            <m:t>Δ</m:t>
+                          </m:r>
+                          <m:r>
+                            <m:rPr>
+                              <m:sty m:val="p"/>
+                            </m:rPr>
+                            <a:rPr lang="fr-BE">
+                              <a:solidFill>
+                                <a:schemeClr val="tx1">
+                                  <a:lumMod val="85000"/>
+                                  <a:lumOff val="15000"/>
+                                </a:schemeClr>
+                              </a:solidFill>
+                              <a:latin typeface="Cambria Math" panose="02040503050406030204" pitchFamily="18" charset="0"/>
+                            </a:rPr>
+                            <m:t>t</m:t>
+                          </m:r>
+                          <m:r>
+                            <a:rPr lang="fr-BE">
+                              <a:solidFill>
+                                <a:schemeClr val="tx1">
+                                  <a:lumMod val="85000"/>
+                                  <a:lumOff val="15000"/>
+                                </a:schemeClr>
+                              </a:solidFill>
+                              <a:latin typeface="Cambria Math" panose="02040503050406030204" pitchFamily="18" charset="0"/>
+                            </a:rPr>
+                            <m:t>)</m:t>
+                          </m:r>
+                        </m:e>
+                      </m:d>
+                    </m:oMath>
+                  </m:oMathPara>
+                </a14:m>
+                <a:endParaRPr lang="fr-BE" sz="2000" dirty="0">
+                  <a:solidFill>
+                    <a:schemeClr val="tx1">
+                      <a:lumMod val="85000"/>
+                      <a:lumOff val="15000"/>
+                    </a:schemeClr>
+                  </a:solidFill>
+                </a:endParaRPr>
+              </a:p>
+            </p:txBody>
+          </p:sp>
+        </mc:Choice>
+        <mc:Fallback>
+          <p:sp>
+            <p:nvSpPr>
+              <p:cNvPr id="13" name="ZoneTexte 12"/>
+              <p:cNvSpPr txBox="1">
+                <a:spLocks noRot="1" noChangeAspect="1" noMove="1" noResize="1" noEditPoints="1" noAdjustHandles="1" noChangeArrowheads="1" noChangeShapeType="1" noTextEdit="1"/>
+              </p:cNvSpPr>
+              <p:nvPr/>
+            </p:nvSpPr>
+            <p:spPr>
+              <a:xfrm>
+                <a:off x="677332" y="1423530"/>
+                <a:ext cx="8596670" cy="714683"/>
+              </a:xfrm>
+              <a:prstGeom prst="rect">
+                <a:avLst/>
+              </a:prstGeom>
+              <a:blipFill>
+                <a:blip r:embed="rId2"/>
+                <a:stretch>
+                  <a:fillRect/>
+                </a:stretch>
+              </a:blipFill>
+            </p:spPr>
+            <p:txBody>
+              <a:bodyPr/>
+              <a:lstStyle/>
+              <a:p>
+                <a:r>
+                  <a:rPr lang="fr-BE">
+                    <a:noFill/>
+                  </a:rPr>
+                  <a:t> </a:t>
+                </a:r>
+              </a:p>
+            </p:txBody>
+          </p:sp>
+        </mc:Fallback>
+      </mc:AlternateContent>
+      <mc:AlternateContent xmlns:mc="http://schemas.openxmlformats.org/markup-compatibility/2006">
+        <mc:Choice xmlns:a14="http://schemas.microsoft.com/office/drawing/2010/main" Requires="a14">
+          <p:sp>
+            <p:nvSpPr>
+              <p:cNvPr id="3" name="ZoneTexte 2"/>
+              <p:cNvSpPr txBox="1"/>
+              <p:nvPr/>
+            </p:nvSpPr>
+            <p:spPr>
+              <a:xfrm>
+                <a:off x="677332" y="2237428"/>
+                <a:ext cx="8596670" cy="1013804"/>
+              </a:xfrm>
+              <a:prstGeom prst="rect">
+                <a:avLst/>
+              </a:prstGeom>
+              <a:noFill/>
+            </p:spPr>
+            <p:txBody>
+              <a:bodyPr wrap="square" rtlCol="0">
+                <a:spAutoFit/>
+              </a:bodyPr>
+              <a:lstStyle/>
+              <a:p>
+                <a14:m>
+                  <m:oMathPara xmlns:m="http://schemas.openxmlformats.org/officeDocument/2006/math">
+                    <m:oMathParaPr>
+                      <m:jc m:val="centerGroup"/>
+                    </m:oMathParaPr>
+                    <m:oMath xmlns:m="http://schemas.openxmlformats.org/officeDocument/2006/math">
+                      <m:sSub>
+                        <m:sSubPr>
+                          <m:ctrlPr>
+                            <a:rPr lang="fr-BE" b="0" i="1" smtClean="0">
+                              <a:solidFill>
+                                <a:schemeClr val="tx1">
+                                  <a:lumMod val="85000"/>
+                                  <a:lumOff val="15000"/>
+                                </a:schemeClr>
+                              </a:solidFill>
+                              <a:latin typeface="Cambria Math" panose="02040503050406030204" pitchFamily="18" charset="0"/>
+                            </a:rPr>
+                          </m:ctrlPr>
+                        </m:sSubPr>
+                        <m:e>
+                          <m:r>
+                            <a:rPr lang="fr-BE" b="0" i="1" smtClean="0">
+                              <a:solidFill>
+                                <a:schemeClr val="tx1">
+                                  <a:lumMod val="85000"/>
+                                  <a:lumOff val="15000"/>
+                                </a:schemeClr>
+                              </a:solidFill>
+                              <a:latin typeface="Cambria Math" panose="02040503050406030204" pitchFamily="18" charset="0"/>
+                            </a:rPr>
+                            <m:t>û</m:t>
+                          </m:r>
+                        </m:e>
+                        <m:sub>
+                          <m:r>
+                            <a:rPr lang="fr-BE" b="0" i="1" smtClean="0">
+                              <a:solidFill>
+                                <a:schemeClr val="tx1">
+                                  <a:lumMod val="85000"/>
+                                  <a:lumOff val="15000"/>
+                                </a:schemeClr>
+                              </a:solidFill>
+                              <a:latin typeface="Cambria Math" panose="02040503050406030204" pitchFamily="18" charset="0"/>
+                            </a:rPr>
+                            <m:t>𝑘</m:t>
+                          </m:r>
+                        </m:sub>
+                      </m:sSub>
+                      <m:d>
+                        <m:dPr>
+                          <m:ctrlPr>
+                            <a:rPr lang="fr-BE" b="0" i="1" smtClean="0">
+                              <a:solidFill>
+                                <a:schemeClr val="tx1">
+                                  <a:lumMod val="85000"/>
+                                  <a:lumOff val="15000"/>
+                                </a:schemeClr>
+                              </a:solidFill>
+                              <a:latin typeface="Cambria Math" panose="02040503050406030204" pitchFamily="18" charset="0"/>
+                            </a:rPr>
+                          </m:ctrlPr>
+                        </m:dPr>
+                        <m:e>
+                          <m:r>
+                            <a:rPr lang="fr-BE" b="0" i="1" smtClean="0">
+                              <a:solidFill>
+                                <a:schemeClr val="tx1">
+                                  <a:lumMod val="85000"/>
+                                  <a:lumOff val="15000"/>
+                                </a:schemeClr>
+                              </a:solidFill>
+                              <a:latin typeface="Cambria Math" panose="02040503050406030204" pitchFamily="18" charset="0"/>
+                            </a:rPr>
+                            <m:t>𝑡</m:t>
+                          </m:r>
+                          <m:r>
+                            <a:rPr lang="fr-BE" b="0" i="1" smtClean="0">
+                              <a:solidFill>
+                                <a:schemeClr val="tx1">
+                                  <a:lumMod val="85000"/>
+                                  <a:lumOff val="15000"/>
+                                </a:schemeClr>
+                              </a:solidFill>
+                              <a:latin typeface="Cambria Math" panose="02040503050406030204" pitchFamily="18" charset="0"/>
+                            </a:rPr>
+                            <m:t>+</m:t>
+                          </m:r>
+                          <m:r>
+                            <m:rPr>
+                              <m:sty m:val="p"/>
+                            </m:rPr>
+                            <a:rPr lang="fr-BE" b="0" i="0" smtClean="0">
+                              <a:solidFill>
+                                <a:schemeClr val="tx1">
+                                  <a:lumMod val="85000"/>
+                                  <a:lumOff val="15000"/>
+                                </a:schemeClr>
+                              </a:solidFill>
+                              <a:latin typeface="Cambria Math" panose="02040503050406030204" pitchFamily="18" charset="0"/>
+                            </a:rPr>
+                            <m:t>Δ</m:t>
+                          </m:r>
+                          <m:r>
+                            <a:rPr lang="fr-BE" b="0" i="1" smtClean="0">
+                              <a:solidFill>
+                                <a:schemeClr val="tx1">
+                                  <a:lumMod val="85000"/>
+                                  <a:lumOff val="15000"/>
+                                </a:schemeClr>
+                              </a:solidFill>
+                              <a:latin typeface="Cambria Math" panose="02040503050406030204" pitchFamily="18" charset="0"/>
+                            </a:rPr>
+                            <m:t>𝑡</m:t>
+                          </m:r>
+                        </m:e>
+                      </m:d>
+                      <m:r>
+                        <a:rPr lang="fr-BE" b="0" i="1" smtClean="0">
+                          <a:solidFill>
+                            <a:schemeClr val="tx1">
+                              <a:lumMod val="85000"/>
+                              <a:lumOff val="15000"/>
+                            </a:schemeClr>
+                          </a:solidFill>
+                          <a:latin typeface="Cambria Math" panose="02040503050406030204" pitchFamily="18" charset="0"/>
+                        </a:rPr>
+                        <m:t>=</m:t>
+                      </m:r>
+                      <m:f>
+                        <m:fPr>
+                          <m:ctrlPr>
+                            <a:rPr lang="fr-BE" b="0" i="1" smtClean="0">
+                              <a:solidFill>
+                                <a:schemeClr val="tx1">
+                                  <a:lumMod val="85000"/>
+                                  <a:lumOff val="15000"/>
+                                </a:schemeClr>
+                              </a:solidFill>
+                              <a:latin typeface="Cambria Math" panose="02040503050406030204" pitchFamily="18" charset="0"/>
+                            </a:rPr>
+                          </m:ctrlPr>
+                        </m:fPr>
+                        <m:num>
+                          <m:r>
+                            <a:rPr lang="fr-BE" b="0" i="1" smtClean="0">
+                              <a:solidFill>
+                                <a:schemeClr val="tx1">
+                                  <a:lumMod val="85000"/>
+                                  <a:lumOff val="15000"/>
+                                </a:schemeClr>
+                              </a:solidFill>
+                              <a:latin typeface="Cambria Math" panose="02040503050406030204" pitchFamily="18" charset="0"/>
+                            </a:rPr>
+                            <m:t>1+</m:t>
+                          </m:r>
+                          <m:f>
+                            <m:fPr>
+                              <m:ctrlPr>
+                                <a:rPr lang="fr-BE" i="1">
+                                  <a:solidFill>
+                                    <a:schemeClr val="tx1">
+                                      <a:lumMod val="85000"/>
+                                      <a:lumOff val="15000"/>
+                                    </a:schemeClr>
+                                  </a:solidFill>
+                                  <a:latin typeface="Cambria Math" panose="02040503050406030204" pitchFamily="18" charset="0"/>
+                                </a:rPr>
+                              </m:ctrlPr>
+                            </m:fPr>
+                            <m:num>
+                              <m:r>
+                                <m:rPr>
+                                  <m:sty m:val="p"/>
+                                </m:rPr>
+                                <a:rPr lang="fr-BE">
+                                  <a:solidFill>
+                                    <a:schemeClr val="tx1">
+                                      <a:lumMod val="85000"/>
+                                      <a:lumOff val="15000"/>
+                                    </a:schemeClr>
+                                  </a:solidFill>
+                                  <a:latin typeface="Cambria Math" panose="02040503050406030204" pitchFamily="18" charset="0"/>
+                                </a:rPr>
+                                <m:t>Δ</m:t>
+                              </m:r>
+                              <m:r>
+                                <a:rPr lang="fr-BE" i="1">
+                                  <a:solidFill>
+                                    <a:schemeClr val="tx1">
+                                      <a:lumMod val="85000"/>
+                                      <a:lumOff val="15000"/>
+                                    </a:schemeClr>
+                                  </a:solidFill>
+                                  <a:latin typeface="Cambria Math" panose="02040503050406030204" pitchFamily="18" charset="0"/>
+                                </a:rPr>
+                                <m:t>𝑡</m:t>
+                              </m:r>
+                            </m:num>
+                            <m:den>
+                              <m:r>
+                                <a:rPr lang="fr-BE" i="1">
+                                  <a:solidFill>
+                                    <a:schemeClr val="tx1">
+                                      <a:lumMod val="85000"/>
+                                      <a:lumOff val="15000"/>
+                                    </a:schemeClr>
+                                  </a:solidFill>
+                                  <a:latin typeface="Cambria Math" panose="02040503050406030204" pitchFamily="18" charset="0"/>
+                                </a:rPr>
+                                <m:t>2</m:t>
+                              </m:r>
+                            </m:den>
+                          </m:f>
+                          <m:sSub>
+                            <m:sSubPr>
+                              <m:ctrlPr>
+                                <a:rPr lang="fr-BE" i="1" smtClean="0">
+                                  <a:solidFill>
+                                    <a:schemeClr val="tx1">
+                                      <a:lumMod val="85000"/>
+                                      <a:lumOff val="15000"/>
+                                    </a:schemeClr>
+                                  </a:solidFill>
+                                  <a:latin typeface="Cambria Math" panose="02040503050406030204" pitchFamily="18" charset="0"/>
+                                </a:rPr>
+                              </m:ctrlPr>
+                            </m:sSubPr>
+                            <m:e>
+                              <m:r>
+                                <a:rPr lang="fr-BE" b="0" i="1" smtClean="0">
+                                  <a:solidFill>
+                                    <a:schemeClr val="tx1">
+                                      <a:lumMod val="85000"/>
+                                      <a:lumOff val="15000"/>
+                                    </a:schemeClr>
+                                  </a:solidFill>
+                                  <a:latin typeface="Cambria Math" panose="02040503050406030204" pitchFamily="18" charset="0"/>
+                                </a:rPr>
+                                <m:t>𝑓</m:t>
+                              </m:r>
+                            </m:e>
+                            <m:sub>
+                              <m:r>
+                                <a:rPr lang="fr-BE" b="0" i="1" smtClean="0">
+                                  <a:solidFill>
+                                    <a:schemeClr val="tx1">
+                                      <a:lumMod val="85000"/>
+                                      <a:lumOff val="15000"/>
+                                    </a:schemeClr>
+                                  </a:solidFill>
+                                  <a:latin typeface="Cambria Math" panose="02040503050406030204" pitchFamily="18" charset="0"/>
+                                </a:rPr>
+                                <m:t>𝐿</m:t>
+                              </m:r>
+                            </m:sub>
+                          </m:sSub>
+                          <m:d>
+                            <m:dPr>
+                              <m:ctrlPr>
+                                <a:rPr lang="fr-BE" b="0" i="1" smtClean="0">
+                                  <a:solidFill>
+                                    <a:schemeClr val="tx1">
+                                      <a:lumMod val="85000"/>
+                                      <a:lumOff val="15000"/>
+                                    </a:schemeClr>
+                                  </a:solidFill>
+                                  <a:latin typeface="Cambria Math" panose="02040503050406030204" pitchFamily="18" charset="0"/>
+                                </a:rPr>
+                              </m:ctrlPr>
+                            </m:dPr>
+                            <m:e>
+                              <m:r>
+                                <a:rPr lang="fr-BE" b="0" i="1" smtClean="0">
+                                  <a:solidFill>
+                                    <a:schemeClr val="tx1">
+                                      <a:lumMod val="85000"/>
+                                      <a:lumOff val="15000"/>
+                                    </a:schemeClr>
+                                  </a:solidFill>
+                                  <a:latin typeface="Cambria Math" panose="02040503050406030204" pitchFamily="18" charset="0"/>
+                                </a:rPr>
+                                <m:t>𝑘</m:t>
+                              </m:r>
+                            </m:e>
+                          </m:d>
+                        </m:num>
+                        <m:den>
+                          <m:r>
+                            <a:rPr lang="fr-BE" i="1">
+                              <a:solidFill>
+                                <a:schemeClr val="tx1">
+                                  <a:lumMod val="85000"/>
+                                  <a:lumOff val="15000"/>
+                                </a:schemeClr>
+                              </a:solidFill>
+                              <a:latin typeface="Cambria Math" panose="02040503050406030204" pitchFamily="18" charset="0"/>
+                            </a:rPr>
+                            <m:t>1</m:t>
+                          </m:r>
+                          <m:r>
+                            <a:rPr lang="fr-BE" b="0" i="1" smtClean="0">
+                              <a:solidFill>
+                                <a:schemeClr val="tx1">
+                                  <a:lumMod val="85000"/>
+                                  <a:lumOff val="15000"/>
+                                </a:schemeClr>
+                              </a:solidFill>
+                              <a:latin typeface="Cambria Math" panose="02040503050406030204" pitchFamily="18" charset="0"/>
+                            </a:rPr>
+                            <m:t>−</m:t>
+                          </m:r>
+                          <m:f>
+                            <m:fPr>
+                              <m:ctrlPr>
+                                <a:rPr lang="fr-BE" i="1">
+                                  <a:solidFill>
+                                    <a:schemeClr val="tx1">
+                                      <a:lumMod val="85000"/>
+                                      <a:lumOff val="15000"/>
+                                    </a:schemeClr>
+                                  </a:solidFill>
+                                  <a:latin typeface="Cambria Math" panose="02040503050406030204" pitchFamily="18" charset="0"/>
+                                </a:rPr>
+                              </m:ctrlPr>
+                            </m:fPr>
+                            <m:num>
+                              <m:r>
+                                <m:rPr>
+                                  <m:sty m:val="p"/>
+                                </m:rPr>
+                                <a:rPr lang="fr-BE">
+                                  <a:solidFill>
+                                    <a:schemeClr val="tx1">
+                                      <a:lumMod val="85000"/>
+                                      <a:lumOff val="15000"/>
+                                    </a:schemeClr>
+                                  </a:solidFill>
+                                  <a:latin typeface="Cambria Math" panose="02040503050406030204" pitchFamily="18" charset="0"/>
+                                </a:rPr>
+                                <m:t>Δ</m:t>
+                              </m:r>
+                              <m:r>
+                                <a:rPr lang="fr-BE" i="1">
+                                  <a:solidFill>
+                                    <a:schemeClr val="tx1">
+                                      <a:lumMod val="85000"/>
+                                      <a:lumOff val="15000"/>
+                                    </a:schemeClr>
+                                  </a:solidFill>
+                                  <a:latin typeface="Cambria Math" panose="02040503050406030204" pitchFamily="18" charset="0"/>
+                                </a:rPr>
+                                <m:t>𝑡</m:t>
+                              </m:r>
+                            </m:num>
+                            <m:den>
+                              <m:r>
+                                <a:rPr lang="fr-BE" i="1">
+                                  <a:solidFill>
+                                    <a:schemeClr val="tx1">
+                                      <a:lumMod val="85000"/>
+                                      <a:lumOff val="15000"/>
+                                    </a:schemeClr>
+                                  </a:solidFill>
+                                  <a:latin typeface="Cambria Math" panose="02040503050406030204" pitchFamily="18" charset="0"/>
+                                </a:rPr>
+                                <m:t>2</m:t>
+                              </m:r>
+                            </m:den>
+                          </m:f>
+                          <m:sSub>
+                            <m:sSubPr>
+                              <m:ctrlPr>
+                                <a:rPr lang="fr-BE" i="1">
+                                  <a:solidFill>
+                                    <a:schemeClr val="tx1">
+                                      <a:lumMod val="85000"/>
+                                      <a:lumOff val="15000"/>
+                                    </a:schemeClr>
+                                  </a:solidFill>
+                                  <a:latin typeface="Cambria Math" panose="02040503050406030204" pitchFamily="18" charset="0"/>
+                                </a:rPr>
+                              </m:ctrlPr>
+                            </m:sSubPr>
+                            <m:e>
+                              <m:r>
+                                <a:rPr lang="fr-BE" i="1">
+                                  <a:solidFill>
+                                    <a:schemeClr val="tx1">
+                                      <a:lumMod val="85000"/>
+                                      <a:lumOff val="15000"/>
+                                    </a:schemeClr>
+                                  </a:solidFill>
+                                  <a:latin typeface="Cambria Math" panose="02040503050406030204" pitchFamily="18" charset="0"/>
+                                </a:rPr>
+                                <m:t>𝑓</m:t>
+                              </m:r>
+                            </m:e>
+                            <m:sub>
+                              <m:r>
+                                <a:rPr lang="fr-BE" i="1">
+                                  <a:solidFill>
+                                    <a:schemeClr val="tx1">
+                                      <a:lumMod val="85000"/>
+                                      <a:lumOff val="15000"/>
+                                    </a:schemeClr>
+                                  </a:solidFill>
+                                  <a:latin typeface="Cambria Math" panose="02040503050406030204" pitchFamily="18" charset="0"/>
+                                </a:rPr>
+                                <m:t>𝐿</m:t>
+                              </m:r>
+                            </m:sub>
+                          </m:sSub>
+                          <m:d>
+                            <m:dPr>
+                              <m:ctrlPr>
+                                <a:rPr lang="fr-BE" i="1">
+                                  <a:solidFill>
+                                    <a:schemeClr val="tx1">
+                                      <a:lumMod val="85000"/>
+                                      <a:lumOff val="15000"/>
+                                    </a:schemeClr>
+                                  </a:solidFill>
+                                  <a:latin typeface="Cambria Math" panose="02040503050406030204" pitchFamily="18" charset="0"/>
+                                </a:rPr>
+                              </m:ctrlPr>
+                            </m:dPr>
+                            <m:e>
+                              <m:r>
+                                <a:rPr lang="fr-BE" i="1">
+                                  <a:solidFill>
+                                    <a:schemeClr val="tx1">
+                                      <a:lumMod val="85000"/>
+                                      <a:lumOff val="15000"/>
+                                    </a:schemeClr>
+                                  </a:solidFill>
+                                  <a:latin typeface="Cambria Math" panose="02040503050406030204" pitchFamily="18" charset="0"/>
+                                </a:rPr>
+                                <m:t>𝑘</m:t>
+                              </m:r>
+                            </m:e>
+                          </m:d>
+                        </m:den>
+                      </m:f>
+                      <m:sSub>
+                        <m:sSubPr>
+                          <m:ctrlPr>
+                            <a:rPr lang="fr-BE" b="0" i="1" smtClean="0">
+                              <a:solidFill>
+                                <a:schemeClr val="tx1">
+                                  <a:lumMod val="85000"/>
+                                  <a:lumOff val="15000"/>
+                                </a:schemeClr>
+                              </a:solidFill>
+                              <a:latin typeface="Cambria Math" panose="02040503050406030204" pitchFamily="18" charset="0"/>
+                            </a:rPr>
+                          </m:ctrlPr>
+                        </m:sSubPr>
+                        <m:e>
+                          <m:r>
+                            <a:rPr lang="fr-BE" b="0" i="1" smtClean="0">
+                              <a:solidFill>
+                                <a:schemeClr val="tx1">
+                                  <a:lumMod val="85000"/>
+                                  <a:lumOff val="15000"/>
+                                </a:schemeClr>
+                              </a:solidFill>
+                              <a:latin typeface="Cambria Math" panose="02040503050406030204" pitchFamily="18" charset="0"/>
+                            </a:rPr>
+                            <m:t>û</m:t>
+                          </m:r>
+                        </m:e>
+                        <m:sub>
+                          <m:r>
+                            <a:rPr lang="fr-BE" b="0" i="1" smtClean="0">
+                              <a:solidFill>
+                                <a:schemeClr val="tx1">
+                                  <a:lumMod val="85000"/>
+                                  <a:lumOff val="15000"/>
+                                </a:schemeClr>
+                              </a:solidFill>
+                              <a:latin typeface="Cambria Math" panose="02040503050406030204" pitchFamily="18" charset="0"/>
+                            </a:rPr>
+                            <m:t>𝑘</m:t>
+                          </m:r>
+                        </m:sub>
+                      </m:sSub>
+                      <m:d>
+                        <m:dPr>
+                          <m:ctrlPr>
+                            <a:rPr lang="fr-BE" b="0" i="1" smtClean="0">
+                              <a:solidFill>
+                                <a:schemeClr val="tx1">
+                                  <a:lumMod val="85000"/>
+                                  <a:lumOff val="15000"/>
+                                </a:schemeClr>
+                              </a:solidFill>
+                              <a:latin typeface="Cambria Math" panose="02040503050406030204" pitchFamily="18" charset="0"/>
+                            </a:rPr>
+                          </m:ctrlPr>
+                        </m:dPr>
+                        <m:e>
+                          <m:r>
+                            <a:rPr lang="fr-BE" b="0" i="1" smtClean="0">
+                              <a:solidFill>
+                                <a:schemeClr val="tx1">
+                                  <a:lumMod val="85000"/>
+                                  <a:lumOff val="15000"/>
+                                </a:schemeClr>
+                              </a:solidFill>
+                              <a:latin typeface="Cambria Math" panose="02040503050406030204" pitchFamily="18" charset="0"/>
+                            </a:rPr>
+                            <m:t>𝑡</m:t>
+                          </m:r>
+                        </m:e>
+                      </m:d>
+                      <m:r>
+                        <a:rPr lang="fr-BE" b="0" i="1" smtClean="0">
+                          <a:solidFill>
+                            <a:schemeClr val="tx1">
+                              <a:lumMod val="85000"/>
+                              <a:lumOff val="15000"/>
+                            </a:schemeClr>
+                          </a:solidFill>
+                          <a:latin typeface="Cambria Math" panose="02040503050406030204" pitchFamily="18" charset="0"/>
+                        </a:rPr>
+                        <m:t>−</m:t>
+                      </m:r>
+                      <m:f>
+                        <m:fPr>
+                          <m:ctrlPr>
+                            <a:rPr lang="fr-BE" b="0" i="1" smtClean="0">
+                              <a:solidFill>
+                                <a:schemeClr val="tx1">
+                                  <a:lumMod val="85000"/>
+                                  <a:lumOff val="15000"/>
+                                </a:schemeClr>
+                              </a:solidFill>
+                              <a:latin typeface="Cambria Math" panose="02040503050406030204" pitchFamily="18" charset="0"/>
+                            </a:rPr>
+                          </m:ctrlPr>
+                        </m:fPr>
+                        <m:num>
+                          <m:f>
+                            <m:fPr>
+                              <m:ctrlPr>
+                                <a:rPr lang="fr-BE" b="0" i="1" smtClean="0">
+                                  <a:solidFill>
+                                    <a:schemeClr val="tx1">
+                                      <a:lumMod val="85000"/>
+                                      <a:lumOff val="15000"/>
+                                    </a:schemeClr>
+                                  </a:solidFill>
+                                  <a:latin typeface="Cambria Math" panose="02040503050406030204" pitchFamily="18" charset="0"/>
+                                </a:rPr>
+                              </m:ctrlPr>
+                            </m:fPr>
+                            <m:num>
+                              <m:r>
+                                <a:rPr lang="fr-BE" b="0" i="1" smtClean="0">
+                                  <a:solidFill>
+                                    <a:schemeClr val="tx1">
+                                      <a:lumMod val="85000"/>
+                                      <a:lumOff val="15000"/>
+                                    </a:schemeClr>
+                                  </a:solidFill>
+                                  <a:latin typeface="Cambria Math" panose="02040503050406030204" pitchFamily="18" charset="0"/>
+                                </a:rPr>
+                                <m:t>3</m:t>
+                              </m:r>
+                            </m:num>
+                            <m:den>
+                              <m:r>
+                                <a:rPr lang="fr-BE" b="0" i="1" smtClean="0">
+                                  <a:solidFill>
+                                    <a:schemeClr val="tx1">
+                                      <a:lumMod val="85000"/>
+                                      <a:lumOff val="15000"/>
+                                    </a:schemeClr>
+                                  </a:solidFill>
+                                  <a:latin typeface="Cambria Math" panose="02040503050406030204" pitchFamily="18" charset="0"/>
+                                </a:rPr>
+                                <m:t>2</m:t>
+                              </m:r>
+                            </m:den>
+                          </m:f>
+                          <m:r>
+                            <a:rPr lang="fr-BE" b="0" i="1" smtClean="0">
+                              <a:solidFill>
+                                <a:schemeClr val="tx1">
+                                  <a:lumMod val="85000"/>
+                                  <a:lumOff val="15000"/>
+                                </a:schemeClr>
+                              </a:solidFill>
+                              <a:latin typeface="Cambria Math" panose="02040503050406030204" pitchFamily="18" charset="0"/>
+                            </a:rPr>
+                            <m:t>𝐹</m:t>
+                          </m:r>
+                          <m:d>
+                            <m:dPr>
+                              <m:begChr m:val="["/>
+                              <m:endChr m:val="]"/>
+                              <m:ctrlPr>
+                                <a:rPr lang="fr-BE" b="0" i="1" smtClean="0">
+                                  <a:solidFill>
+                                    <a:schemeClr val="tx1">
+                                      <a:lumMod val="85000"/>
+                                      <a:lumOff val="15000"/>
+                                    </a:schemeClr>
+                                  </a:solidFill>
+                                  <a:latin typeface="Cambria Math" panose="02040503050406030204" pitchFamily="18" charset="0"/>
+                                </a:rPr>
+                              </m:ctrlPr>
+                            </m:dPr>
+                            <m:e>
+                              <m:sSup>
+                                <m:sSupPr>
+                                  <m:ctrlPr>
+                                    <a:rPr lang="fr-BE" b="0" i="1" smtClean="0">
+                                      <a:solidFill>
+                                        <a:schemeClr val="tx1">
+                                          <a:lumMod val="85000"/>
+                                          <a:lumOff val="15000"/>
+                                        </a:schemeClr>
+                                      </a:solidFill>
+                                      <a:latin typeface="Cambria Math" panose="02040503050406030204" pitchFamily="18" charset="0"/>
+                                    </a:rPr>
+                                  </m:ctrlPr>
+                                </m:sSupPr>
+                                <m:e>
+                                  <m:r>
+                                    <a:rPr lang="fr-BE" b="0" i="1" smtClean="0">
+                                      <a:solidFill>
+                                        <a:schemeClr val="tx1">
+                                          <a:lumMod val="85000"/>
+                                          <a:lumOff val="15000"/>
+                                        </a:schemeClr>
+                                      </a:solidFill>
+                                      <a:latin typeface="Cambria Math" panose="02040503050406030204" pitchFamily="18" charset="0"/>
+                                    </a:rPr>
+                                    <m:t>𝑢</m:t>
+                                  </m:r>
+                                </m:e>
+                                <m:sup>
+                                  <m:r>
+                                    <a:rPr lang="fr-BE" b="0" i="1" smtClean="0">
+                                      <a:solidFill>
+                                        <a:schemeClr val="tx1">
+                                          <a:lumMod val="85000"/>
+                                          <a:lumOff val="15000"/>
+                                        </a:schemeClr>
+                                      </a:solidFill>
+                                      <a:latin typeface="Cambria Math" panose="02040503050406030204" pitchFamily="18" charset="0"/>
+                                    </a:rPr>
+                                    <m:t>3</m:t>
+                                  </m:r>
+                                </m:sup>
+                              </m:sSup>
+                              <m:d>
+                                <m:dPr>
+                                  <m:ctrlPr>
+                                    <a:rPr lang="fr-BE" b="0" i="1" smtClean="0">
+                                      <a:solidFill>
+                                        <a:schemeClr val="tx1">
+                                          <a:lumMod val="85000"/>
+                                          <a:lumOff val="15000"/>
+                                        </a:schemeClr>
+                                      </a:solidFill>
+                                      <a:latin typeface="Cambria Math" panose="02040503050406030204" pitchFamily="18" charset="0"/>
+                                    </a:rPr>
+                                  </m:ctrlPr>
+                                </m:dPr>
+                                <m:e>
+                                  <m:r>
+                                    <a:rPr lang="fr-BE" b="0" i="1" smtClean="0">
+                                      <a:solidFill>
+                                        <a:schemeClr val="tx1">
+                                          <a:lumMod val="85000"/>
+                                          <a:lumOff val="15000"/>
+                                        </a:schemeClr>
+                                      </a:solidFill>
+                                      <a:latin typeface="Cambria Math" panose="02040503050406030204" pitchFamily="18" charset="0"/>
+                                    </a:rPr>
+                                    <m:t>𝑥</m:t>
+                                  </m:r>
+                                  <m:r>
+                                    <a:rPr lang="fr-BE" b="0" i="1" smtClean="0">
+                                      <a:solidFill>
+                                        <a:schemeClr val="tx1">
+                                          <a:lumMod val="85000"/>
+                                          <a:lumOff val="15000"/>
+                                        </a:schemeClr>
+                                      </a:solidFill>
+                                      <a:latin typeface="Cambria Math" panose="02040503050406030204" pitchFamily="18" charset="0"/>
+                                    </a:rPr>
+                                    <m:t>,</m:t>
+                                  </m:r>
+                                  <m:r>
+                                    <a:rPr lang="fr-BE" b="0" i="1" smtClean="0">
+                                      <a:solidFill>
+                                        <a:schemeClr val="tx1">
+                                          <a:lumMod val="85000"/>
+                                          <a:lumOff val="15000"/>
+                                        </a:schemeClr>
+                                      </a:solidFill>
+                                      <a:latin typeface="Cambria Math" panose="02040503050406030204" pitchFamily="18" charset="0"/>
+                                    </a:rPr>
+                                    <m:t>𝑡</m:t>
+                                  </m:r>
+                                </m:e>
+                              </m:d>
+                            </m:e>
+                          </m:d>
+                          <m:r>
+                            <a:rPr lang="fr-BE" b="0" i="1" smtClean="0">
+                              <a:solidFill>
+                                <a:schemeClr val="tx1">
+                                  <a:lumMod val="85000"/>
+                                  <a:lumOff val="15000"/>
+                                </a:schemeClr>
+                              </a:solidFill>
+                              <a:latin typeface="Cambria Math" panose="02040503050406030204" pitchFamily="18" charset="0"/>
+                            </a:rPr>
+                            <m:t>−</m:t>
+                          </m:r>
+                          <m:f>
+                            <m:fPr>
+                              <m:ctrlPr>
+                                <a:rPr lang="fr-BE" i="1">
+                                  <a:solidFill>
+                                    <a:schemeClr val="tx1">
+                                      <a:lumMod val="85000"/>
+                                      <a:lumOff val="15000"/>
+                                    </a:schemeClr>
+                                  </a:solidFill>
+                                  <a:latin typeface="Cambria Math" panose="02040503050406030204" pitchFamily="18" charset="0"/>
+                                </a:rPr>
+                              </m:ctrlPr>
+                            </m:fPr>
+                            <m:num>
+                              <m:r>
+                                <a:rPr lang="fr-BE" b="0" i="1" smtClean="0">
+                                  <a:solidFill>
+                                    <a:schemeClr val="tx1">
+                                      <a:lumMod val="85000"/>
+                                      <a:lumOff val="15000"/>
+                                    </a:schemeClr>
+                                  </a:solidFill>
+                                  <a:latin typeface="Cambria Math" panose="02040503050406030204" pitchFamily="18" charset="0"/>
+                                </a:rPr>
+                                <m:t>1</m:t>
+                              </m:r>
+                            </m:num>
+                            <m:den>
+                              <m:r>
+                                <a:rPr lang="fr-BE" i="1">
+                                  <a:solidFill>
+                                    <a:schemeClr val="tx1">
+                                      <a:lumMod val="85000"/>
+                                      <a:lumOff val="15000"/>
+                                    </a:schemeClr>
+                                  </a:solidFill>
+                                  <a:latin typeface="Cambria Math" panose="02040503050406030204" pitchFamily="18" charset="0"/>
+                                </a:rPr>
+                                <m:t>2</m:t>
+                              </m:r>
+                            </m:den>
+                          </m:f>
+                          <m:r>
+                            <a:rPr lang="fr-BE" i="1">
+                              <a:solidFill>
+                                <a:schemeClr val="tx1">
+                                  <a:lumMod val="85000"/>
+                                  <a:lumOff val="15000"/>
+                                </a:schemeClr>
+                              </a:solidFill>
+                              <a:latin typeface="Cambria Math" panose="02040503050406030204" pitchFamily="18" charset="0"/>
+                            </a:rPr>
+                            <m:t>𝐹</m:t>
+                          </m:r>
+                          <m:d>
+                            <m:dPr>
+                              <m:begChr m:val="["/>
+                              <m:endChr m:val="]"/>
+                              <m:ctrlPr>
+                                <a:rPr lang="fr-BE" i="1">
+                                  <a:solidFill>
+                                    <a:schemeClr val="tx1">
+                                      <a:lumMod val="85000"/>
+                                      <a:lumOff val="15000"/>
+                                    </a:schemeClr>
+                                  </a:solidFill>
+                                  <a:latin typeface="Cambria Math" panose="02040503050406030204" pitchFamily="18" charset="0"/>
+                                </a:rPr>
+                              </m:ctrlPr>
+                            </m:dPr>
+                            <m:e>
+                              <m:sSup>
+                                <m:sSupPr>
+                                  <m:ctrlPr>
+                                    <a:rPr lang="fr-BE" i="1">
+                                      <a:solidFill>
+                                        <a:schemeClr val="tx1">
+                                          <a:lumMod val="85000"/>
+                                          <a:lumOff val="15000"/>
+                                        </a:schemeClr>
+                                      </a:solidFill>
+                                      <a:latin typeface="Cambria Math" panose="02040503050406030204" pitchFamily="18" charset="0"/>
+                                    </a:rPr>
+                                  </m:ctrlPr>
+                                </m:sSupPr>
+                                <m:e>
+                                  <m:r>
+                                    <a:rPr lang="fr-BE" i="1">
+                                      <a:solidFill>
+                                        <a:schemeClr val="tx1">
+                                          <a:lumMod val="85000"/>
+                                          <a:lumOff val="15000"/>
+                                        </a:schemeClr>
+                                      </a:solidFill>
+                                      <a:latin typeface="Cambria Math" panose="02040503050406030204" pitchFamily="18" charset="0"/>
+                                    </a:rPr>
+                                    <m:t>𝑢</m:t>
+                                  </m:r>
+                                </m:e>
+                                <m:sup>
+                                  <m:r>
+                                    <a:rPr lang="fr-BE" i="1">
+                                      <a:solidFill>
+                                        <a:schemeClr val="tx1">
+                                          <a:lumMod val="85000"/>
+                                          <a:lumOff val="15000"/>
+                                        </a:schemeClr>
+                                      </a:solidFill>
+                                      <a:latin typeface="Cambria Math" panose="02040503050406030204" pitchFamily="18" charset="0"/>
+                                    </a:rPr>
+                                    <m:t>3</m:t>
+                                  </m:r>
+                                </m:sup>
+                              </m:sSup>
+                              <m:d>
+                                <m:dPr>
+                                  <m:ctrlPr>
+                                    <a:rPr lang="fr-BE" i="1">
+                                      <a:solidFill>
+                                        <a:schemeClr val="tx1">
+                                          <a:lumMod val="85000"/>
+                                          <a:lumOff val="15000"/>
+                                        </a:schemeClr>
+                                      </a:solidFill>
+                                      <a:latin typeface="Cambria Math" panose="02040503050406030204" pitchFamily="18" charset="0"/>
+                                    </a:rPr>
+                                  </m:ctrlPr>
+                                </m:dPr>
+                                <m:e>
+                                  <m:r>
+                                    <a:rPr lang="fr-BE" i="1">
+                                      <a:solidFill>
+                                        <a:schemeClr val="tx1">
+                                          <a:lumMod val="85000"/>
+                                          <a:lumOff val="15000"/>
+                                        </a:schemeClr>
+                                      </a:solidFill>
+                                      <a:latin typeface="Cambria Math" panose="02040503050406030204" pitchFamily="18" charset="0"/>
+                                    </a:rPr>
+                                    <m:t>𝑥</m:t>
+                                  </m:r>
+                                  <m:r>
+                                    <a:rPr lang="fr-BE" i="1">
+                                      <a:solidFill>
+                                        <a:schemeClr val="tx1">
+                                          <a:lumMod val="85000"/>
+                                          <a:lumOff val="15000"/>
+                                        </a:schemeClr>
+                                      </a:solidFill>
+                                      <a:latin typeface="Cambria Math" panose="02040503050406030204" pitchFamily="18" charset="0"/>
+                                    </a:rPr>
+                                    <m:t>,</m:t>
+                                  </m:r>
+                                  <m:r>
+                                    <a:rPr lang="fr-BE" i="1">
+                                      <a:solidFill>
+                                        <a:schemeClr val="tx1">
+                                          <a:lumMod val="85000"/>
+                                          <a:lumOff val="15000"/>
+                                        </a:schemeClr>
+                                      </a:solidFill>
+                                      <a:latin typeface="Cambria Math" panose="02040503050406030204" pitchFamily="18" charset="0"/>
+                                    </a:rPr>
+                                    <m:t>𝑡</m:t>
+                                  </m:r>
+                                  <m:r>
+                                    <a:rPr lang="fr-BE" b="0" i="1" smtClean="0">
+                                      <a:solidFill>
+                                        <a:schemeClr val="tx1">
+                                          <a:lumMod val="85000"/>
+                                          <a:lumOff val="15000"/>
+                                        </a:schemeClr>
+                                      </a:solidFill>
+                                      <a:latin typeface="Cambria Math" panose="02040503050406030204" pitchFamily="18" charset="0"/>
+                                    </a:rPr>
+                                    <m:t>−</m:t>
+                                  </m:r>
+                                  <m:r>
+                                    <m:rPr>
+                                      <m:sty m:val="p"/>
+                                    </m:rPr>
+                                    <a:rPr lang="fr-BE" b="0" i="0" smtClean="0">
+                                      <a:solidFill>
+                                        <a:schemeClr val="tx1">
+                                          <a:lumMod val="85000"/>
+                                          <a:lumOff val="15000"/>
+                                        </a:schemeClr>
+                                      </a:solidFill>
+                                      <a:latin typeface="Cambria Math" panose="02040503050406030204" pitchFamily="18" charset="0"/>
+                                    </a:rPr>
+                                    <m:t>Δ</m:t>
+                                  </m:r>
+                                  <m:r>
+                                    <a:rPr lang="fr-BE" b="0" i="1" smtClean="0">
+                                      <a:solidFill>
+                                        <a:schemeClr val="tx1">
+                                          <a:lumMod val="85000"/>
+                                          <a:lumOff val="15000"/>
+                                        </a:schemeClr>
+                                      </a:solidFill>
+                                      <a:latin typeface="Cambria Math" panose="02040503050406030204" pitchFamily="18" charset="0"/>
+                                    </a:rPr>
+                                    <m:t>𝑡</m:t>
+                                  </m:r>
+                                </m:e>
+                              </m:d>
+                            </m:e>
+                          </m:d>
+                        </m:num>
+                        <m:den>
+                          <m:r>
+                            <a:rPr lang="fr-BE" i="1">
+                              <a:solidFill>
+                                <a:schemeClr val="tx1">
+                                  <a:lumMod val="85000"/>
+                                  <a:lumOff val="15000"/>
+                                </a:schemeClr>
+                              </a:solidFill>
+                              <a:latin typeface="Cambria Math" panose="02040503050406030204" pitchFamily="18" charset="0"/>
+                            </a:rPr>
+                            <m:t>1−</m:t>
+                          </m:r>
+                          <m:f>
+                            <m:fPr>
+                              <m:ctrlPr>
+                                <a:rPr lang="fr-BE" i="1">
+                                  <a:solidFill>
+                                    <a:schemeClr val="tx1">
+                                      <a:lumMod val="85000"/>
+                                      <a:lumOff val="15000"/>
+                                    </a:schemeClr>
+                                  </a:solidFill>
+                                  <a:latin typeface="Cambria Math" panose="02040503050406030204" pitchFamily="18" charset="0"/>
+                                </a:rPr>
+                              </m:ctrlPr>
+                            </m:fPr>
+                            <m:num>
+                              <m:r>
+                                <m:rPr>
+                                  <m:sty m:val="p"/>
+                                </m:rPr>
+                                <a:rPr lang="fr-BE">
+                                  <a:solidFill>
+                                    <a:schemeClr val="tx1">
+                                      <a:lumMod val="85000"/>
+                                      <a:lumOff val="15000"/>
+                                    </a:schemeClr>
+                                  </a:solidFill>
+                                  <a:latin typeface="Cambria Math" panose="02040503050406030204" pitchFamily="18" charset="0"/>
+                                </a:rPr>
+                                <m:t>Δ</m:t>
+                              </m:r>
+                              <m:r>
+                                <a:rPr lang="fr-BE" i="1">
+                                  <a:solidFill>
+                                    <a:schemeClr val="tx1">
+                                      <a:lumMod val="85000"/>
+                                      <a:lumOff val="15000"/>
+                                    </a:schemeClr>
+                                  </a:solidFill>
+                                  <a:latin typeface="Cambria Math" panose="02040503050406030204" pitchFamily="18" charset="0"/>
+                                </a:rPr>
+                                <m:t>𝑡</m:t>
+                              </m:r>
+                            </m:num>
+                            <m:den>
+                              <m:r>
+                                <a:rPr lang="fr-BE" i="1">
+                                  <a:solidFill>
+                                    <a:schemeClr val="tx1">
+                                      <a:lumMod val="85000"/>
+                                      <a:lumOff val="15000"/>
+                                    </a:schemeClr>
+                                  </a:solidFill>
+                                  <a:latin typeface="Cambria Math" panose="02040503050406030204" pitchFamily="18" charset="0"/>
+                                </a:rPr>
+                                <m:t>2</m:t>
+                              </m:r>
+                            </m:den>
+                          </m:f>
+                          <m:sSub>
+                            <m:sSubPr>
+                              <m:ctrlPr>
+                                <a:rPr lang="fr-BE" i="1">
+                                  <a:solidFill>
+                                    <a:schemeClr val="tx1">
+                                      <a:lumMod val="85000"/>
+                                      <a:lumOff val="15000"/>
+                                    </a:schemeClr>
+                                  </a:solidFill>
+                                  <a:latin typeface="Cambria Math" panose="02040503050406030204" pitchFamily="18" charset="0"/>
+                                </a:rPr>
+                              </m:ctrlPr>
+                            </m:sSubPr>
+                            <m:e>
+                              <m:r>
+                                <a:rPr lang="fr-BE" i="1">
+                                  <a:solidFill>
+                                    <a:schemeClr val="tx1">
+                                      <a:lumMod val="85000"/>
+                                      <a:lumOff val="15000"/>
+                                    </a:schemeClr>
+                                  </a:solidFill>
+                                  <a:latin typeface="Cambria Math" panose="02040503050406030204" pitchFamily="18" charset="0"/>
+                                </a:rPr>
+                                <m:t>𝑓</m:t>
+                              </m:r>
+                            </m:e>
+                            <m:sub>
+                              <m:r>
+                                <a:rPr lang="fr-BE" i="1">
+                                  <a:solidFill>
+                                    <a:schemeClr val="tx1">
+                                      <a:lumMod val="85000"/>
+                                      <a:lumOff val="15000"/>
+                                    </a:schemeClr>
+                                  </a:solidFill>
+                                  <a:latin typeface="Cambria Math" panose="02040503050406030204" pitchFamily="18" charset="0"/>
+                                </a:rPr>
+                                <m:t>𝐿</m:t>
+                              </m:r>
+                            </m:sub>
+                          </m:sSub>
+                          <m:d>
+                            <m:dPr>
+                              <m:ctrlPr>
+                                <a:rPr lang="fr-BE" i="1">
+                                  <a:solidFill>
+                                    <a:schemeClr val="tx1">
+                                      <a:lumMod val="85000"/>
+                                      <a:lumOff val="15000"/>
+                                    </a:schemeClr>
+                                  </a:solidFill>
+                                  <a:latin typeface="Cambria Math" panose="02040503050406030204" pitchFamily="18" charset="0"/>
+                                </a:rPr>
+                              </m:ctrlPr>
+                            </m:dPr>
+                            <m:e>
+                              <m:r>
+                                <a:rPr lang="fr-BE" i="1">
+                                  <a:solidFill>
+                                    <a:schemeClr val="tx1">
+                                      <a:lumMod val="85000"/>
+                                      <a:lumOff val="15000"/>
+                                    </a:schemeClr>
+                                  </a:solidFill>
+                                  <a:latin typeface="Cambria Math" panose="02040503050406030204" pitchFamily="18" charset="0"/>
+                                </a:rPr>
+                                <m:t>𝑘</m:t>
+                              </m:r>
+                            </m:e>
+                          </m:d>
+                        </m:den>
+                      </m:f>
+                      <m:r>
+                        <m:rPr>
+                          <m:sty m:val="p"/>
+                        </m:rPr>
+                        <a:rPr lang="fr-BE" b="0" i="0" smtClean="0">
+                          <a:solidFill>
+                            <a:schemeClr val="tx1">
+                              <a:lumMod val="85000"/>
+                              <a:lumOff val="15000"/>
+                            </a:schemeClr>
+                          </a:solidFill>
+                          <a:latin typeface="Cambria Math" panose="02040503050406030204" pitchFamily="18" charset="0"/>
+                        </a:rPr>
+                        <m:t>Δ</m:t>
+                      </m:r>
+                      <m:r>
+                        <a:rPr lang="fr-BE" b="0" i="1" smtClean="0">
+                          <a:solidFill>
+                            <a:schemeClr val="tx1">
+                              <a:lumMod val="85000"/>
+                              <a:lumOff val="15000"/>
+                            </a:schemeClr>
+                          </a:solidFill>
+                          <a:latin typeface="Cambria Math" panose="02040503050406030204" pitchFamily="18" charset="0"/>
+                        </a:rPr>
+                        <m:t>𝑡</m:t>
+                      </m:r>
+                    </m:oMath>
+                  </m:oMathPara>
+                </a14:m>
+                <a:endParaRPr lang="fr-BE" dirty="0"/>
+              </a:p>
+            </p:txBody>
+          </p:sp>
+        </mc:Choice>
+        <mc:Fallback>
+          <p:sp>
+            <p:nvSpPr>
+              <p:cNvPr id="3" name="ZoneTexte 2"/>
+              <p:cNvSpPr txBox="1">
+                <a:spLocks noRot="1" noChangeAspect="1" noMove="1" noResize="1" noEditPoints="1" noAdjustHandles="1" noChangeArrowheads="1" noChangeShapeType="1" noTextEdit="1"/>
+              </p:cNvSpPr>
+              <p:nvPr/>
+            </p:nvSpPr>
+            <p:spPr>
+              <a:xfrm>
+                <a:off x="677332" y="2237428"/>
+                <a:ext cx="8596670" cy="1013804"/>
+              </a:xfrm>
+              <a:prstGeom prst="rect">
+                <a:avLst/>
+              </a:prstGeom>
+              <a:blipFill>
+                <a:blip r:embed="rId3"/>
+                <a:stretch>
+                  <a:fillRect/>
+                </a:stretch>
+              </a:blipFill>
+            </p:spPr>
+            <p:txBody>
+              <a:bodyPr/>
+              <a:lstStyle/>
+              <a:p>
+                <a:r>
+                  <a:rPr lang="fr-BE">
+                    <a:noFill/>
+                  </a:rPr>
+                  <a:t> </a:t>
+                </a:r>
+              </a:p>
+            </p:txBody>
+          </p:sp>
+        </mc:Fallback>
+      </mc:AlternateContent>
+      <p:cxnSp>
+        <p:nvCxnSpPr>
+          <p:cNvPr id="15" name="Connecteur en arc 14"/>
+          <p:cNvCxnSpPr>
+            <a:stCxn id="13" idx="1"/>
+            <a:endCxn id="3" idx="1"/>
+          </p:cNvCxnSpPr>
+          <p:nvPr/>
+        </p:nvCxnSpPr>
+        <p:spPr>
+          <a:xfrm rot="10800000" flipV="1">
+            <a:off x="677332" y="1780872"/>
+            <a:ext cx="12700" cy="963458"/>
+          </a:xfrm>
+          <a:prstGeom prst="curvedConnector3">
+            <a:avLst>
+              <a:gd name="adj1" fmla="val 1800000"/>
+            </a:avLst>
+          </a:prstGeom>
+          <a:ln w="38100">
+            <a:tailEnd type="triangle"/>
+          </a:ln>
+        </p:spPr>
+        <p:style>
+          <a:lnRef idx="1">
+            <a:schemeClr val="accent1"/>
+          </a:lnRef>
+          <a:fillRef idx="0">
+            <a:schemeClr val="accent1"/>
+          </a:fillRef>
+          <a:effectRef idx="0">
+            <a:schemeClr val="accent1"/>
+          </a:effectRef>
+          <a:fontRef idx="minor">
+            <a:schemeClr val="tx1"/>
+          </a:fontRef>
+        </p:style>
+      </p:cxnSp>
+      <mc:AlternateContent xmlns:mc="http://schemas.openxmlformats.org/markup-compatibility/2006">
+        <mc:Choice xmlns:a14="http://schemas.microsoft.com/office/drawing/2010/main" Requires="a14">
+          <p:sp>
+            <p:nvSpPr>
+              <p:cNvPr id="16" name="ZoneTexte 15"/>
+              <p:cNvSpPr txBox="1"/>
+              <p:nvPr/>
+            </p:nvSpPr>
+            <p:spPr>
+              <a:xfrm>
+                <a:off x="-84222" y="2062546"/>
+                <a:ext cx="625643" cy="400110"/>
+              </a:xfrm>
+              <a:prstGeom prst="rect">
+                <a:avLst/>
+              </a:prstGeom>
+              <a:noFill/>
+            </p:spPr>
+            <p:txBody>
+              <a:bodyPr wrap="square" rtlCol="0">
+                <a:spAutoFit/>
+              </a:bodyPr>
+              <a:lstStyle/>
+              <a:p>
+                <a14:m>
+                  <m:oMathPara xmlns:m="http://schemas.openxmlformats.org/officeDocument/2006/math">
+                    <m:oMathParaPr>
+                      <m:jc m:val="centerGroup"/>
+                    </m:oMathParaPr>
+                    <m:oMath xmlns:m="http://schemas.openxmlformats.org/officeDocument/2006/math">
+                      <m:r>
+                        <a:rPr lang="fr-BE" sz="2000" b="0" i="1" smtClean="0">
+                          <a:solidFill>
+                            <a:schemeClr val="tx1">
+                              <a:lumMod val="85000"/>
+                              <a:lumOff val="15000"/>
+                            </a:schemeClr>
+                          </a:solidFill>
+                          <a:latin typeface="Cambria Math" panose="02040503050406030204" pitchFamily="18" charset="0"/>
+                        </a:rPr>
+                        <m:t>𝐹</m:t>
+                      </m:r>
+                    </m:oMath>
+                  </m:oMathPara>
+                </a14:m>
+                <a:endParaRPr lang="fr-BE" sz="2000" dirty="0">
+                  <a:solidFill>
+                    <a:schemeClr val="tx1">
+                      <a:lumMod val="85000"/>
+                      <a:lumOff val="15000"/>
+                    </a:schemeClr>
+                  </a:solidFill>
+                </a:endParaRPr>
+              </a:p>
+            </p:txBody>
+          </p:sp>
+        </mc:Choice>
+        <mc:Fallback>
+          <p:sp>
+            <p:nvSpPr>
+              <p:cNvPr id="16" name="ZoneTexte 15"/>
+              <p:cNvSpPr txBox="1">
+                <a:spLocks noRot="1" noChangeAspect="1" noMove="1" noResize="1" noEditPoints="1" noAdjustHandles="1" noChangeArrowheads="1" noChangeShapeType="1" noTextEdit="1"/>
+              </p:cNvSpPr>
+              <p:nvPr/>
+            </p:nvSpPr>
+            <p:spPr>
+              <a:xfrm>
+                <a:off x="-84222" y="2062546"/>
+                <a:ext cx="625643" cy="400110"/>
+              </a:xfrm>
+              <a:prstGeom prst="rect">
+                <a:avLst/>
+              </a:prstGeom>
+              <a:blipFill>
+                <a:blip r:embed="rId4"/>
+                <a:stretch>
+                  <a:fillRect/>
+                </a:stretch>
+              </a:blipFill>
+            </p:spPr>
+            <p:txBody>
+              <a:bodyPr/>
+              <a:lstStyle/>
+              <a:p>
+                <a:r>
+                  <a:rPr lang="fr-BE">
+                    <a:noFill/>
+                  </a:rPr>
+                  <a:t> </a:t>
+                </a:r>
+              </a:p>
+            </p:txBody>
+          </p:sp>
+        </mc:Fallback>
+      </mc:AlternateContent>
+      <mc:AlternateContent xmlns:mc="http://schemas.openxmlformats.org/markup-compatibility/2006">
+        <mc:Choice xmlns:a14="http://schemas.microsoft.com/office/drawing/2010/main" Requires="a14">
+          <p:sp>
+            <p:nvSpPr>
+              <p:cNvPr id="17" name="ZoneTexte 16"/>
+              <p:cNvSpPr txBox="1"/>
+              <p:nvPr/>
+            </p:nvSpPr>
+            <p:spPr>
+              <a:xfrm>
+                <a:off x="677331" y="3350447"/>
+                <a:ext cx="8596670" cy="561564"/>
+              </a:xfrm>
+              <a:prstGeom prst="rect">
+                <a:avLst/>
+              </a:prstGeom>
+              <a:noFill/>
+            </p:spPr>
+            <p:txBody>
+              <a:bodyPr wrap="square" rtlCol="0">
+                <a:spAutoFit/>
+              </a:bodyPr>
+              <a:lstStyle/>
+              <a:p>
+                <a:r>
+                  <a:rPr lang="fr-BE" dirty="0" smtClean="0">
+                    <a:solidFill>
+                      <a:schemeClr val="tx1">
+                        <a:lumMod val="85000"/>
+                        <a:lumOff val="15000"/>
+                      </a:schemeClr>
+                    </a:solidFill>
+                  </a:rPr>
+                  <a:t>Avec : </a:t>
+                </a:r>
+                <a14:m>
+                  <m:oMath xmlns:m="http://schemas.openxmlformats.org/officeDocument/2006/math">
+                    <m:sSub>
+                      <m:sSubPr>
+                        <m:ctrlPr>
+                          <a:rPr lang="fr-BE" i="1">
+                            <a:solidFill>
+                              <a:schemeClr val="tx1">
+                                <a:lumMod val="85000"/>
+                                <a:lumOff val="15000"/>
+                              </a:schemeClr>
+                            </a:solidFill>
+                            <a:latin typeface="Cambria Math" panose="02040503050406030204" pitchFamily="18" charset="0"/>
+                          </a:rPr>
+                        </m:ctrlPr>
+                      </m:sSubPr>
+                      <m:e>
+                        <m:r>
+                          <a:rPr lang="fr-BE" i="1">
+                            <a:solidFill>
+                              <a:schemeClr val="tx1">
+                                <a:lumMod val="85000"/>
+                                <a:lumOff val="15000"/>
+                              </a:schemeClr>
+                            </a:solidFill>
+                            <a:latin typeface="Cambria Math" panose="02040503050406030204" pitchFamily="18" charset="0"/>
+                          </a:rPr>
+                          <m:t>𝑓</m:t>
+                        </m:r>
+                      </m:e>
+                      <m:sub>
+                        <m:r>
+                          <a:rPr lang="fr-BE" i="1">
+                            <a:solidFill>
+                              <a:schemeClr val="tx1">
+                                <a:lumMod val="85000"/>
+                                <a:lumOff val="15000"/>
+                              </a:schemeClr>
+                            </a:solidFill>
+                            <a:latin typeface="Cambria Math" panose="02040503050406030204" pitchFamily="18" charset="0"/>
+                          </a:rPr>
+                          <m:t>𝐿</m:t>
+                        </m:r>
+                      </m:sub>
+                    </m:sSub>
+                    <m:d>
+                      <m:dPr>
+                        <m:ctrlPr>
+                          <a:rPr lang="fr-BE" i="1">
+                            <a:solidFill>
+                              <a:schemeClr val="tx1">
+                                <a:lumMod val="85000"/>
+                                <a:lumOff val="15000"/>
+                              </a:schemeClr>
+                            </a:solidFill>
+                            <a:latin typeface="Cambria Math" panose="02040503050406030204" pitchFamily="18" charset="0"/>
+                          </a:rPr>
+                        </m:ctrlPr>
+                      </m:dPr>
+                      <m:e>
+                        <m:r>
+                          <a:rPr lang="fr-BE" i="1">
+                            <a:solidFill>
+                              <a:schemeClr val="tx1">
+                                <a:lumMod val="85000"/>
+                                <a:lumOff val="15000"/>
+                              </a:schemeClr>
+                            </a:solidFill>
+                            <a:latin typeface="Cambria Math" panose="02040503050406030204" pitchFamily="18" charset="0"/>
+                          </a:rPr>
+                          <m:t>𝑘</m:t>
+                        </m:r>
+                      </m:e>
+                    </m:d>
+                    <m:r>
+                      <a:rPr lang="fr-BE" b="0" i="1" smtClean="0">
+                        <a:solidFill>
+                          <a:schemeClr val="tx1">
+                            <a:lumMod val="85000"/>
+                            <a:lumOff val="15000"/>
+                          </a:schemeClr>
+                        </a:solidFill>
+                        <a:latin typeface="Cambria Math" panose="02040503050406030204" pitchFamily="18" charset="0"/>
+                      </a:rPr>
+                      <m:t>=</m:t>
+                    </m:r>
+                    <m:d>
+                      <m:dPr>
+                        <m:ctrlPr>
+                          <a:rPr lang="fr-BE" b="0" i="1" smtClean="0">
+                            <a:solidFill>
+                              <a:schemeClr val="tx1">
+                                <a:lumMod val="85000"/>
+                                <a:lumOff val="15000"/>
+                              </a:schemeClr>
+                            </a:solidFill>
+                            <a:latin typeface="Cambria Math" panose="02040503050406030204" pitchFamily="18" charset="0"/>
+                          </a:rPr>
+                        </m:ctrlPr>
+                      </m:dPr>
+                      <m:e>
+                        <m:r>
+                          <a:rPr lang="fr-BE" b="0" i="1" smtClean="0">
+                            <a:solidFill>
+                              <a:schemeClr val="tx1">
+                                <a:lumMod val="85000"/>
+                                <a:lumOff val="15000"/>
+                              </a:schemeClr>
+                            </a:solidFill>
+                            <a:latin typeface="Cambria Math" panose="02040503050406030204" pitchFamily="18" charset="0"/>
+                          </a:rPr>
+                          <m:t>𝑟</m:t>
+                        </m:r>
+                        <m:r>
+                          <a:rPr lang="fr-BE" b="0" i="1" smtClean="0">
+                            <a:solidFill>
+                              <a:schemeClr val="tx1">
+                                <a:lumMod val="85000"/>
+                                <a:lumOff val="15000"/>
+                              </a:schemeClr>
+                            </a:solidFill>
+                            <a:latin typeface="Cambria Math" panose="02040503050406030204" pitchFamily="18" charset="0"/>
+                          </a:rPr>
+                          <m:t>−1</m:t>
+                        </m:r>
+                      </m:e>
+                    </m:d>
+                    <m:r>
+                      <a:rPr lang="fr-BE" b="0" i="1" smtClean="0">
+                        <a:solidFill>
+                          <a:schemeClr val="tx1">
+                            <a:lumMod val="85000"/>
+                            <a:lumOff val="15000"/>
+                          </a:schemeClr>
+                        </a:solidFill>
+                        <a:latin typeface="Cambria Math" panose="02040503050406030204" pitchFamily="18" charset="0"/>
+                      </a:rPr>
+                      <m:t>−2</m:t>
+                    </m:r>
+                    <m:sSup>
+                      <m:sSupPr>
+                        <m:ctrlPr>
+                          <a:rPr lang="fr-BE" b="0" i="1" smtClean="0">
+                            <a:solidFill>
+                              <a:schemeClr val="tx1">
+                                <a:lumMod val="85000"/>
+                                <a:lumOff val="15000"/>
+                              </a:schemeClr>
+                            </a:solidFill>
+                            <a:latin typeface="Cambria Math" panose="02040503050406030204" pitchFamily="18" charset="0"/>
+                          </a:rPr>
+                        </m:ctrlPr>
+                      </m:sSupPr>
+                      <m:e>
+                        <m:d>
+                          <m:dPr>
+                            <m:ctrlPr>
+                              <a:rPr lang="fr-BE" b="0" i="1" smtClean="0">
+                                <a:solidFill>
+                                  <a:schemeClr val="tx1">
+                                    <a:lumMod val="85000"/>
+                                    <a:lumOff val="15000"/>
+                                  </a:schemeClr>
+                                </a:solidFill>
+                                <a:latin typeface="Cambria Math" panose="02040503050406030204" pitchFamily="18" charset="0"/>
+                              </a:rPr>
+                            </m:ctrlPr>
+                          </m:dPr>
+                          <m:e>
+                            <m:r>
+                              <a:rPr lang="fr-BE" b="0" i="1" smtClean="0">
+                                <a:solidFill>
+                                  <a:schemeClr val="tx1">
+                                    <a:lumMod val="85000"/>
+                                    <a:lumOff val="15000"/>
+                                  </a:schemeClr>
+                                </a:solidFill>
+                                <a:latin typeface="Cambria Math" panose="02040503050406030204" pitchFamily="18" charset="0"/>
+                              </a:rPr>
+                              <m:t>𝑖</m:t>
+                            </m:r>
+                            <m:f>
+                              <m:fPr>
+                                <m:ctrlPr>
+                                  <a:rPr lang="fr-BE" b="0" i="1" smtClean="0">
+                                    <a:solidFill>
+                                      <a:schemeClr val="tx1">
+                                        <a:lumMod val="85000"/>
+                                        <a:lumOff val="15000"/>
+                                      </a:schemeClr>
+                                    </a:solidFill>
+                                    <a:latin typeface="Cambria Math" panose="02040503050406030204" pitchFamily="18" charset="0"/>
+                                  </a:rPr>
+                                </m:ctrlPr>
+                              </m:fPr>
+                              <m:num>
+                                <m:r>
+                                  <a:rPr lang="fr-BE" b="0" i="1" smtClean="0">
+                                    <a:solidFill>
+                                      <a:schemeClr val="tx1">
+                                        <a:lumMod val="85000"/>
+                                        <a:lumOff val="15000"/>
+                                      </a:schemeClr>
+                                    </a:solidFill>
+                                    <a:latin typeface="Cambria Math" panose="02040503050406030204" pitchFamily="18" charset="0"/>
+                                  </a:rPr>
+                                  <m:t>2</m:t>
+                                </m:r>
+                                <m:r>
+                                  <a:rPr lang="fr-BE" b="0" i="1" smtClean="0">
+                                    <a:solidFill>
+                                      <a:schemeClr val="tx1">
+                                        <a:lumMod val="85000"/>
+                                        <a:lumOff val="15000"/>
+                                      </a:schemeClr>
+                                    </a:solidFill>
+                                    <a:latin typeface="Cambria Math" panose="02040503050406030204" pitchFamily="18" charset="0"/>
+                                  </a:rPr>
+                                  <m:t>𝜋</m:t>
+                                </m:r>
+                              </m:num>
+                              <m:den>
+                                <m:r>
+                                  <a:rPr lang="fr-BE" b="0" i="1" smtClean="0">
+                                    <a:solidFill>
+                                      <a:schemeClr val="tx1">
+                                        <a:lumMod val="85000"/>
+                                        <a:lumOff val="15000"/>
+                                      </a:schemeClr>
+                                    </a:solidFill>
+                                    <a:latin typeface="Cambria Math" panose="02040503050406030204" pitchFamily="18" charset="0"/>
+                                  </a:rPr>
+                                  <m:t>𝐿</m:t>
+                                </m:r>
+                              </m:den>
+                            </m:f>
+                            <m:r>
+                              <a:rPr lang="fr-BE" b="0" i="1" smtClean="0">
+                                <a:solidFill>
+                                  <a:schemeClr val="tx1">
+                                    <a:lumMod val="85000"/>
+                                    <a:lumOff val="15000"/>
+                                  </a:schemeClr>
+                                </a:solidFill>
+                                <a:latin typeface="Cambria Math" panose="02040503050406030204" pitchFamily="18" charset="0"/>
+                              </a:rPr>
+                              <m:t>𝑘</m:t>
+                            </m:r>
+                          </m:e>
+                        </m:d>
+                      </m:e>
+                      <m:sup>
+                        <m:r>
+                          <a:rPr lang="fr-BE" b="0" i="1" smtClean="0">
+                            <a:solidFill>
+                              <a:schemeClr val="tx1">
+                                <a:lumMod val="85000"/>
+                                <a:lumOff val="15000"/>
+                              </a:schemeClr>
+                            </a:solidFill>
+                            <a:latin typeface="Cambria Math" panose="02040503050406030204" pitchFamily="18" charset="0"/>
+                          </a:rPr>
+                          <m:t>2</m:t>
+                        </m:r>
+                      </m:sup>
+                    </m:sSup>
+                    <m:r>
+                      <a:rPr lang="fr-BE" b="0" i="1" smtClean="0">
+                        <a:solidFill>
+                          <a:schemeClr val="tx1">
+                            <a:lumMod val="85000"/>
+                            <a:lumOff val="15000"/>
+                          </a:schemeClr>
+                        </a:solidFill>
+                        <a:latin typeface="Cambria Math" panose="02040503050406030204" pitchFamily="18" charset="0"/>
+                      </a:rPr>
+                      <m:t>−</m:t>
+                    </m:r>
+                    <m:sSup>
+                      <m:sSupPr>
+                        <m:ctrlPr>
+                          <a:rPr lang="fr-BE" i="1">
+                            <a:solidFill>
+                              <a:schemeClr val="tx1">
+                                <a:lumMod val="85000"/>
+                                <a:lumOff val="15000"/>
+                              </a:schemeClr>
+                            </a:solidFill>
+                            <a:latin typeface="Cambria Math" panose="02040503050406030204" pitchFamily="18" charset="0"/>
+                          </a:rPr>
+                        </m:ctrlPr>
+                      </m:sSupPr>
+                      <m:e>
+                        <m:d>
+                          <m:dPr>
+                            <m:ctrlPr>
+                              <a:rPr lang="fr-BE" i="1">
+                                <a:solidFill>
+                                  <a:schemeClr val="tx1">
+                                    <a:lumMod val="85000"/>
+                                    <a:lumOff val="15000"/>
+                                  </a:schemeClr>
+                                </a:solidFill>
+                                <a:latin typeface="Cambria Math" panose="02040503050406030204" pitchFamily="18" charset="0"/>
+                              </a:rPr>
+                            </m:ctrlPr>
+                          </m:dPr>
+                          <m:e>
+                            <m:r>
+                              <a:rPr lang="fr-BE" b="0" i="1" smtClean="0">
+                                <a:solidFill>
+                                  <a:schemeClr val="tx1">
+                                    <a:lumMod val="85000"/>
+                                    <a:lumOff val="15000"/>
+                                  </a:schemeClr>
+                                </a:solidFill>
+                                <a:latin typeface="Cambria Math" panose="02040503050406030204" pitchFamily="18" charset="0"/>
+                              </a:rPr>
+                              <m:t>𝑖</m:t>
+                            </m:r>
+                            <m:f>
+                              <m:fPr>
+                                <m:ctrlPr>
+                                  <a:rPr lang="fr-BE" i="1">
+                                    <a:solidFill>
+                                      <a:schemeClr val="tx1">
+                                        <a:lumMod val="85000"/>
+                                        <a:lumOff val="15000"/>
+                                      </a:schemeClr>
+                                    </a:solidFill>
+                                    <a:latin typeface="Cambria Math" panose="02040503050406030204" pitchFamily="18" charset="0"/>
+                                  </a:rPr>
+                                </m:ctrlPr>
+                              </m:fPr>
+                              <m:num>
+                                <m:r>
+                                  <a:rPr lang="fr-BE" i="1">
+                                    <a:solidFill>
+                                      <a:schemeClr val="tx1">
+                                        <a:lumMod val="85000"/>
+                                        <a:lumOff val="15000"/>
+                                      </a:schemeClr>
+                                    </a:solidFill>
+                                    <a:latin typeface="Cambria Math" panose="02040503050406030204" pitchFamily="18" charset="0"/>
+                                  </a:rPr>
+                                  <m:t>2</m:t>
+                                </m:r>
+                                <m:r>
+                                  <a:rPr lang="fr-BE" i="1">
+                                    <a:solidFill>
+                                      <a:schemeClr val="tx1">
+                                        <a:lumMod val="85000"/>
+                                        <a:lumOff val="15000"/>
+                                      </a:schemeClr>
+                                    </a:solidFill>
+                                    <a:latin typeface="Cambria Math" panose="02040503050406030204" pitchFamily="18" charset="0"/>
+                                  </a:rPr>
+                                  <m:t>𝜋</m:t>
+                                </m:r>
+                              </m:num>
+                              <m:den>
+                                <m:r>
+                                  <a:rPr lang="fr-BE" i="1">
+                                    <a:solidFill>
+                                      <a:schemeClr val="tx1">
+                                        <a:lumMod val="85000"/>
+                                        <a:lumOff val="15000"/>
+                                      </a:schemeClr>
+                                    </a:solidFill>
+                                    <a:latin typeface="Cambria Math" panose="02040503050406030204" pitchFamily="18" charset="0"/>
+                                  </a:rPr>
+                                  <m:t>𝐿</m:t>
+                                </m:r>
+                              </m:den>
+                            </m:f>
+                            <m:r>
+                              <a:rPr lang="fr-BE" i="1">
+                                <a:solidFill>
+                                  <a:schemeClr val="tx1">
+                                    <a:lumMod val="85000"/>
+                                    <a:lumOff val="15000"/>
+                                  </a:schemeClr>
+                                </a:solidFill>
+                                <a:latin typeface="Cambria Math" panose="02040503050406030204" pitchFamily="18" charset="0"/>
+                              </a:rPr>
+                              <m:t>𝑘</m:t>
+                            </m:r>
+                          </m:e>
+                        </m:d>
+                      </m:e>
+                      <m:sup>
+                        <m:r>
+                          <a:rPr lang="fr-BE" b="0" i="1" smtClean="0">
+                            <a:solidFill>
+                              <a:schemeClr val="tx1">
+                                <a:lumMod val="85000"/>
+                                <a:lumOff val="15000"/>
+                              </a:schemeClr>
+                            </a:solidFill>
+                            <a:latin typeface="Cambria Math" panose="02040503050406030204" pitchFamily="18" charset="0"/>
+                          </a:rPr>
+                          <m:t>4</m:t>
+                        </m:r>
+                      </m:sup>
+                    </m:sSup>
+                  </m:oMath>
+                </a14:m>
+                <a:endParaRPr lang="fr-BE" dirty="0"/>
+              </a:p>
+            </p:txBody>
+          </p:sp>
+        </mc:Choice>
+        <mc:Fallback>
+          <p:sp>
+            <p:nvSpPr>
+              <p:cNvPr id="17" name="ZoneTexte 16"/>
+              <p:cNvSpPr txBox="1">
+                <a:spLocks noRot="1" noChangeAspect="1" noMove="1" noResize="1" noEditPoints="1" noAdjustHandles="1" noChangeArrowheads="1" noChangeShapeType="1" noTextEdit="1"/>
+              </p:cNvSpPr>
+              <p:nvPr/>
+            </p:nvSpPr>
+            <p:spPr>
+              <a:xfrm>
+                <a:off x="677331" y="3350447"/>
+                <a:ext cx="8596670" cy="561564"/>
+              </a:xfrm>
+              <a:prstGeom prst="rect">
+                <a:avLst/>
+              </a:prstGeom>
+              <a:blipFill>
+                <a:blip r:embed="rId5"/>
+                <a:stretch>
+                  <a:fillRect l="-567" b="-3261"/>
+                </a:stretch>
+              </a:blipFill>
+            </p:spPr>
+            <p:txBody>
+              <a:bodyPr/>
+              <a:lstStyle/>
+              <a:p>
+                <a:r>
+                  <a:rPr lang="fr-BE">
+                    <a:noFill/>
+                  </a:rPr>
+                  <a:t> </a:t>
+                </a:r>
+              </a:p>
+            </p:txBody>
+          </p:sp>
+        </mc:Fallback>
+      </mc:AlternateContent>
+      <p:pic>
+        <p:nvPicPr>
+          <p:cNvPr id="18" name="Image 17"/>
+          <p:cNvPicPr>
+            <a:picLocks noChangeAspect="1"/>
+          </p:cNvPicPr>
+          <p:nvPr/>
+        </p:nvPicPr>
+        <p:blipFill>
+          <a:blip r:embed="rId6">
+            <a:extLst>
+              <a:ext uri="{28A0092B-C50C-407E-A947-70E740481C1C}">
+                <a14:useLocalDpi xmlns:a14="http://schemas.microsoft.com/office/drawing/2010/main" val="0"/>
+              </a:ext>
+            </a:extLst>
+          </a:blip>
+          <a:stretch>
+            <a:fillRect/>
+          </a:stretch>
+        </p:blipFill>
+        <p:spPr>
+          <a:xfrm>
+            <a:off x="690032" y="4942682"/>
+            <a:ext cx="6998816" cy="1463805"/>
+          </a:xfrm>
+          <a:prstGeom prst="rect">
+            <a:avLst/>
+          </a:prstGeom>
+          <a:ln>
+            <a:solidFill>
+              <a:schemeClr val="tx1">
+                <a:lumMod val="85000"/>
+                <a:lumOff val="15000"/>
+              </a:schemeClr>
+            </a:solidFill>
+          </a:ln>
+        </p:spPr>
+      </p:pic>
     </p:spTree>
     <p:extLst>
       <p:ext uri="{BB962C8B-B14F-4D97-AF65-F5344CB8AC3E}">
-        <p14:creationId xmlns:p14="http://schemas.microsoft.com/office/powerpoint/2010/main" val="348765845"/>
+        <p14:creationId xmlns:p14="http://schemas.microsoft.com/office/powerpoint/2010/main" val="1095158383"/>
       </p:ext>
     </p:extLst>
   </p:cSld>
@@ -13107,41 +15723,414 @@
           <a:p>
             <a:r>
               <a:rPr lang="fr-BE" dirty="0" smtClean="0"/>
-              <a:t>Influence de r</a:t>
+              <a:t>Reproduction de la figure de l’énoncé</a:t>
             </a:r>
             <a:endParaRPr lang="fr-BE" dirty="0"/>
           </a:p>
         </p:txBody>
       </p:sp>
-      <p:sp>
-        <p:nvSpPr>
-          <p:cNvPr id="3" name="Espace réservé du contenu 2"/>
-          <p:cNvSpPr>
-            <a:spLocks noGrp="1"/>
-          </p:cNvSpPr>
-          <p:nvPr>
-            <p:ph idx="1"/>
-          </p:nvPr>
-        </p:nvSpPr>
-        <p:spPr/>
-        <p:txBody>
-          <a:bodyPr/>
-          <a:lstStyle/>
-          <a:p>
-            <a:r>
-              <a:rPr lang="fr-BE" dirty="0" smtClean="0"/>
-              <a:t>Sur l’amplitude</a:t>
-            </a:r>
-          </a:p>
-          <a:p>
-            <a:r>
-              <a:rPr lang="fr-BE" dirty="0" smtClean="0"/>
-              <a:t>Sur la longueur d’onde</a:t>
-            </a:r>
-            <a:endParaRPr lang="fr-BE" dirty="0"/>
-          </a:p>
-        </p:txBody>
-      </p:sp>
+      <mc:AlternateContent xmlns:mc="http://schemas.openxmlformats.org/markup-compatibility/2006">
+        <mc:Choice xmlns:a14="http://schemas.microsoft.com/office/drawing/2010/main" Requires="a14">
+          <p:sp>
+            <p:nvSpPr>
+              <p:cNvPr id="3" name="Espace réservé du contenu 2"/>
+              <p:cNvSpPr>
+                <a:spLocks noGrp="1"/>
+              </p:cNvSpPr>
+              <p:nvPr>
+                <p:ph idx="1"/>
+              </p:nvPr>
+            </p:nvSpPr>
+            <p:spPr/>
+            <p:txBody>
+              <a:bodyPr/>
+              <a:lstStyle/>
+              <a:p>
+                <a:r>
+                  <a:rPr lang="fr-BE" dirty="0" smtClean="0"/>
+                  <a:t>Condition initiale : </a:t>
+                </a:r>
+                <a14:m>
+                  <m:oMath xmlns:m="http://schemas.openxmlformats.org/officeDocument/2006/math">
+                    <m:r>
+                      <a:rPr lang="fr-BE" b="0" i="1" smtClean="0">
+                        <a:latin typeface="Cambria Math" panose="02040503050406030204" pitchFamily="18" charset="0"/>
+                      </a:rPr>
+                      <m:t>𝑢</m:t>
+                    </m:r>
+                    <m:d>
+                      <m:dPr>
+                        <m:ctrlPr>
+                          <a:rPr lang="fr-BE" b="0" i="1" smtClean="0">
+                            <a:latin typeface="Cambria Math" panose="02040503050406030204" pitchFamily="18" charset="0"/>
+                          </a:rPr>
+                        </m:ctrlPr>
+                      </m:dPr>
+                      <m:e>
+                        <m:r>
+                          <a:rPr lang="fr-BE" b="0" i="1" smtClean="0">
+                            <a:latin typeface="Cambria Math" panose="02040503050406030204" pitchFamily="18" charset="0"/>
+                          </a:rPr>
+                          <m:t>𝑥</m:t>
+                        </m:r>
+                        <m:r>
+                          <a:rPr lang="fr-BE" b="0" i="1" smtClean="0">
+                            <a:latin typeface="Cambria Math" panose="02040503050406030204" pitchFamily="18" charset="0"/>
+                          </a:rPr>
+                          <m:t>,0</m:t>
+                        </m:r>
+                      </m:e>
+                    </m:d>
+                    <m:r>
+                      <a:rPr lang="fr-BE" b="0" i="1" smtClean="0">
+                        <a:latin typeface="Cambria Math" panose="02040503050406030204" pitchFamily="18" charset="0"/>
+                      </a:rPr>
+                      <m:t>=</m:t>
+                    </m:r>
+                    <m:func>
+                      <m:funcPr>
+                        <m:ctrlPr>
+                          <a:rPr lang="fr-BE" b="0" i="1" smtClean="0">
+                            <a:latin typeface="Cambria Math" panose="02040503050406030204" pitchFamily="18" charset="0"/>
+                          </a:rPr>
+                        </m:ctrlPr>
+                      </m:funcPr>
+                      <m:fName>
+                        <m:r>
+                          <m:rPr>
+                            <m:sty m:val="p"/>
+                          </m:rPr>
+                          <a:rPr lang="fr-BE" b="0" i="0" smtClean="0">
+                            <a:latin typeface="Cambria Math" panose="02040503050406030204" pitchFamily="18" charset="0"/>
+                          </a:rPr>
+                          <m:t>cos</m:t>
+                        </m:r>
+                      </m:fName>
+                      <m:e>
+                        <m:d>
+                          <m:dPr>
+                            <m:ctrlPr>
+                              <a:rPr lang="fr-BE" b="0" i="1" smtClean="0">
+                                <a:latin typeface="Cambria Math" panose="02040503050406030204" pitchFamily="18" charset="0"/>
+                              </a:rPr>
+                            </m:ctrlPr>
+                          </m:dPr>
+                          <m:e>
+                            <m:f>
+                              <m:fPr>
+                                <m:ctrlPr>
+                                  <a:rPr lang="fr-BE" b="0" i="1" smtClean="0">
+                                    <a:latin typeface="Cambria Math" panose="02040503050406030204" pitchFamily="18" charset="0"/>
+                                  </a:rPr>
+                                </m:ctrlPr>
+                              </m:fPr>
+                              <m:num>
+                                <m:r>
+                                  <a:rPr lang="fr-BE" b="0" i="1" smtClean="0">
+                                    <a:latin typeface="Cambria Math" panose="02040503050406030204" pitchFamily="18" charset="0"/>
+                                  </a:rPr>
+                                  <m:t>2</m:t>
+                                </m:r>
+                                <m:r>
+                                  <a:rPr lang="fr-BE" b="0" i="1" smtClean="0">
+                                    <a:latin typeface="Cambria Math" panose="02040503050406030204" pitchFamily="18" charset="0"/>
+                                  </a:rPr>
+                                  <m:t>𝜋</m:t>
+                                </m:r>
+                                <m:r>
+                                  <a:rPr lang="fr-BE" b="0" i="1" smtClean="0">
+                                    <a:latin typeface="Cambria Math" panose="02040503050406030204" pitchFamily="18" charset="0"/>
+                                  </a:rPr>
+                                  <m:t>𝑥</m:t>
+                                </m:r>
+                              </m:num>
+                              <m:den>
+                                <m:r>
+                                  <a:rPr lang="fr-BE" b="0" i="1" smtClean="0">
+                                    <a:latin typeface="Cambria Math" panose="02040503050406030204" pitchFamily="18" charset="0"/>
+                                  </a:rPr>
+                                  <m:t>𝐿</m:t>
+                                </m:r>
+                              </m:den>
+                            </m:f>
+                          </m:e>
+                        </m:d>
+                      </m:e>
+                    </m:func>
+                    <m:r>
+                      <a:rPr lang="fr-BE" b="0" i="1" smtClean="0">
+                        <a:latin typeface="Cambria Math" panose="02040503050406030204" pitchFamily="18" charset="0"/>
+                      </a:rPr>
+                      <m:t>+0,1</m:t>
+                    </m:r>
+                    <m:func>
+                      <m:funcPr>
+                        <m:ctrlPr>
+                          <a:rPr lang="fr-BE" i="1">
+                            <a:latin typeface="Cambria Math" panose="02040503050406030204" pitchFamily="18" charset="0"/>
+                          </a:rPr>
+                        </m:ctrlPr>
+                      </m:funcPr>
+                      <m:fName>
+                        <m:r>
+                          <m:rPr>
+                            <m:sty m:val="p"/>
+                          </m:rPr>
+                          <a:rPr lang="fr-BE">
+                            <a:latin typeface="Cambria Math" panose="02040503050406030204" pitchFamily="18" charset="0"/>
+                          </a:rPr>
+                          <m:t>cos</m:t>
+                        </m:r>
+                      </m:fName>
+                      <m:e>
+                        <m:d>
+                          <m:dPr>
+                            <m:ctrlPr>
+                              <a:rPr lang="fr-BE" i="1">
+                                <a:latin typeface="Cambria Math" panose="02040503050406030204" pitchFamily="18" charset="0"/>
+                              </a:rPr>
+                            </m:ctrlPr>
+                          </m:dPr>
+                          <m:e>
+                            <m:f>
+                              <m:fPr>
+                                <m:ctrlPr>
+                                  <a:rPr lang="fr-BE" i="1">
+                                    <a:latin typeface="Cambria Math" panose="02040503050406030204" pitchFamily="18" charset="0"/>
+                                  </a:rPr>
+                                </m:ctrlPr>
+                              </m:fPr>
+                              <m:num>
+                                <m:r>
+                                  <a:rPr lang="fr-BE" b="0" i="1" smtClean="0">
+                                    <a:latin typeface="Cambria Math" panose="02040503050406030204" pitchFamily="18" charset="0"/>
+                                  </a:rPr>
+                                  <m:t>4</m:t>
+                                </m:r>
+                                <m:r>
+                                  <a:rPr lang="fr-BE" i="1">
+                                    <a:latin typeface="Cambria Math" panose="02040503050406030204" pitchFamily="18" charset="0"/>
+                                  </a:rPr>
+                                  <m:t>𝜋</m:t>
+                                </m:r>
+                                <m:r>
+                                  <a:rPr lang="fr-BE" i="1">
+                                    <a:latin typeface="Cambria Math" panose="02040503050406030204" pitchFamily="18" charset="0"/>
+                                  </a:rPr>
+                                  <m:t>𝑥</m:t>
+                                </m:r>
+                              </m:num>
+                              <m:den>
+                                <m:r>
+                                  <a:rPr lang="fr-BE" b="0" i="1" smtClean="0">
+                                    <a:latin typeface="Cambria Math" panose="02040503050406030204" pitchFamily="18" charset="0"/>
+                                  </a:rPr>
+                                  <m:t>𝐿</m:t>
+                                </m:r>
+                              </m:den>
+                            </m:f>
+                          </m:e>
+                        </m:d>
+                      </m:e>
+                    </m:func>
+                  </m:oMath>
+                </a14:m>
+                <a:endParaRPr lang="fr-BE" dirty="0" smtClean="0"/>
+              </a:p>
+              <a:p>
+                <a:r>
+                  <a:rPr lang="fr-BE" dirty="0"/>
+                  <a:t>Domaine </a:t>
+                </a:r>
+                <a:r>
+                  <a:rPr lang="fr-BE" dirty="0" smtClean="0"/>
+                  <a:t>périodique : </a:t>
+                </a:r>
+                <a14:m>
+                  <m:oMath xmlns:m="http://schemas.openxmlformats.org/officeDocument/2006/math">
+                    <m:r>
+                      <a:rPr lang="fr-BE" i="1">
+                        <a:latin typeface="Cambria Math" panose="02040503050406030204" pitchFamily="18" charset="0"/>
+                      </a:rPr>
+                      <m:t>𝑥</m:t>
+                    </m:r>
+                    <m:r>
+                      <a:rPr lang="fr-BE" i="1">
+                        <a:latin typeface="Cambria Math" panose="02040503050406030204" pitchFamily="18" charset="0"/>
+                        <a:ea typeface="Cambria Math" panose="02040503050406030204" pitchFamily="18" charset="0"/>
+                      </a:rPr>
+                      <m:t>∈</m:t>
+                    </m:r>
+                    <m:d>
+                      <m:dPr>
+                        <m:begChr m:val="["/>
+                        <m:endChr m:val="]"/>
+                        <m:ctrlPr>
+                          <a:rPr lang="fr-BE" i="1">
+                            <a:latin typeface="Cambria Math" panose="02040503050406030204" pitchFamily="18" charset="0"/>
+                            <a:ea typeface="Cambria Math" panose="02040503050406030204" pitchFamily="18" charset="0"/>
+                          </a:rPr>
+                        </m:ctrlPr>
+                      </m:dPr>
+                      <m:e>
+                        <m:r>
+                          <a:rPr lang="fr-BE" i="1">
+                            <a:latin typeface="Cambria Math" panose="02040503050406030204" pitchFamily="18" charset="0"/>
+                            <a:ea typeface="Cambria Math" panose="02040503050406030204" pitchFamily="18" charset="0"/>
+                          </a:rPr>
+                          <m:t>0,</m:t>
+                        </m:r>
+                        <m:r>
+                          <a:rPr lang="fr-BE" b="0" i="1" smtClean="0">
+                            <a:latin typeface="Cambria Math" panose="02040503050406030204" pitchFamily="18" charset="0"/>
+                            <a:ea typeface="Cambria Math" panose="02040503050406030204" pitchFamily="18" charset="0"/>
+                          </a:rPr>
+                          <m:t>𝐿</m:t>
+                        </m:r>
+                      </m:e>
+                    </m:d>
+                  </m:oMath>
+                </a14:m>
+                <a:endParaRPr lang="fr-BE" dirty="0" smtClean="0">
+                  <a:ea typeface="Cambria Math" panose="02040503050406030204" pitchFamily="18" charset="0"/>
+                </a:endParaRPr>
+              </a:p>
+              <a:p>
+                <a:r>
+                  <a:rPr lang="fr-BE" dirty="0" smtClean="0"/>
+                  <a:t>Discrétisation du domaine : </a:t>
+                </a:r>
+                <a14:m>
+                  <m:oMath xmlns:m="http://schemas.openxmlformats.org/officeDocument/2006/math">
+                    <m:r>
+                      <a:rPr lang="fr-BE" b="0" i="1" smtClean="0">
+                        <a:latin typeface="Cambria Math" panose="02040503050406030204" pitchFamily="18" charset="0"/>
+                      </a:rPr>
+                      <m:t>𝑁</m:t>
+                    </m:r>
+                    <m:r>
+                      <a:rPr lang="fr-BE" b="0" i="1" smtClean="0">
+                        <a:latin typeface="Cambria Math" panose="02040503050406030204" pitchFamily="18" charset="0"/>
+                      </a:rPr>
+                      <m:t>=1024</m:t>
+                    </m:r>
+                  </m:oMath>
+                </a14:m>
+                <a:endParaRPr lang="fr-BE" dirty="0" smtClean="0"/>
+              </a:p>
+              <a:p>
+                <a:r>
+                  <a:rPr lang="fr-BE" dirty="0" smtClean="0"/>
+                  <a:t>Pas de temps : </a:t>
+                </a:r>
+                <a14:m>
+                  <m:oMath xmlns:m="http://schemas.openxmlformats.org/officeDocument/2006/math">
+                    <m:r>
+                      <m:rPr>
+                        <m:sty m:val="p"/>
+                      </m:rPr>
+                      <a:rPr lang="fr-BE" b="0" i="0" smtClean="0">
+                        <a:latin typeface="Cambria Math" panose="02040503050406030204" pitchFamily="18" charset="0"/>
+                        <a:ea typeface="Cambria Math" panose="02040503050406030204" pitchFamily="18" charset="0"/>
+                      </a:rPr>
+                      <m:t>Δ</m:t>
+                    </m:r>
+                    <m:r>
+                      <a:rPr lang="fr-BE" b="0" i="1" smtClean="0">
+                        <a:latin typeface="Cambria Math" panose="02040503050406030204" pitchFamily="18" charset="0"/>
+                        <a:ea typeface="Cambria Math" panose="02040503050406030204" pitchFamily="18" charset="0"/>
+                      </a:rPr>
+                      <m:t>𝑡</m:t>
+                    </m:r>
+                    <m:r>
+                      <a:rPr lang="fr-BE" b="0" i="1" smtClean="0">
+                        <a:latin typeface="Cambria Math" panose="02040503050406030204" pitchFamily="18" charset="0"/>
+                        <a:ea typeface="Cambria Math" panose="02040503050406030204" pitchFamily="18" charset="0"/>
+                      </a:rPr>
+                      <m:t>=0,05</m:t>
+                    </m:r>
+                  </m:oMath>
+                </a14:m>
+                <a:endParaRPr lang="fr-BE" dirty="0" smtClean="0"/>
+              </a:p>
+              <a:p>
+                <a14:m>
+                  <m:oMath xmlns:m="http://schemas.openxmlformats.org/officeDocument/2006/math">
+                    <m:r>
+                      <a:rPr lang="fr-BE" b="0" i="1" smtClean="0">
+                        <a:latin typeface="Cambria Math" panose="02040503050406030204" pitchFamily="18" charset="0"/>
+                        <a:ea typeface="Cambria Math" panose="02040503050406030204" pitchFamily="18" charset="0"/>
+                      </a:rPr>
+                      <m:t>𝑟</m:t>
+                    </m:r>
+                    <m:r>
+                      <a:rPr lang="fr-BE" b="0" i="1" smtClean="0">
+                        <a:latin typeface="Cambria Math" panose="02040503050406030204" pitchFamily="18" charset="0"/>
+                        <a:ea typeface="Cambria Math" panose="02040503050406030204" pitchFamily="18" charset="0"/>
+                      </a:rPr>
+                      <m:t>=0,2</m:t>
+                    </m:r>
+                  </m:oMath>
+                </a14:m>
+                <a:r>
+                  <a:rPr lang="fr-BE" dirty="0" smtClean="0"/>
+                  <a:t> et </a:t>
+                </a:r>
+                <a14:m>
+                  <m:oMath xmlns:m="http://schemas.openxmlformats.org/officeDocument/2006/math">
+                    <m:r>
+                      <a:rPr lang="fr-BE" b="0" i="1" smtClean="0">
+                        <a:latin typeface="Cambria Math" panose="02040503050406030204" pitchFamily="18" charset="0"/>
+                      </a:rPr>
+                      <m:t>𝐿</m:t>
+                    </m:r>
+                    <m:r>
+                      <a:rPr lang="fr-BE" b="0" i="1" smtClean="0">
+                        <a:latin typeface="Cambria Math" panose="02040503050406030204" pitchFamily="18" charset="0"/>
+                      </a:rPr>
+                      <m:t>=100</m:t>
+                    </m:r>
+                  </m:oMath>
+                </a14:m>
+                <a:endParaRPr lang="fr-BE" dirty="0"/>
+              </a:p>
+            </p:txBody>
+          </p:sp>
+        </mc:Choice>
+        <mc:Fallback>
+          <p:sp>
+            <p:nvSpPr>
+              <p:cNvPr id="3" name="Espace réservé du contenu 2"/>
+              <p:cNvSpPr>
+                <a:spLocks noGrp="1" noRot="1" noChangeAspect="1" noMove="1" noResize="1" noEditPoints="1" noAdjustHandles="1" noChangeArrowheads="1" noChangeShapeType="1" noTextEdit="1"/>
+              </p:cNvSpPr>
+              <p:nvPr>
+                <p:ph idx="1"/>
+              </p:nvPr>
+            </p:nvSpPr>
+            <p:spPr>
+              <a:blipFill>
+                <a:blip r:embed="rId2"/>
+                <a:stretch>
+                  <a:fillRect l="-142"/>
+                </a:stretch>
+              </a:blipFill>
+            </p:spPr>
+            <p:txBody>
+              <a:bodyPr/>
+              <a:lstStyle/>
+              <a:p>
+                <a:r>
+                  <a:rPr lang="fr-BE">
+                    <a:noFill/>
+                  </a:rPr>
+                  <a:t> </a:t>
+                </a:r>
+              </a:p>
+            </p:txBody>
+          </p:sp>
+        </mc:Fallback>
+      </mc:AlternateContent>
       <p:sp>
         <p:nvSpPr>
           <p:cNvPr id="4" name="Espace réservé du numéro de diapositive 3"/>
@@ -13166,10 +16155,69 @@
           </a:p>
         </p:txBody>
       </p:sp>
+      <p:pic>
+        <p:nvPicPr>
+          <p:cNvPr id="5" name="Image 4"/>
+          <p:cNvPicPr>
+            <a:picLocks noChangeAspect="1"/>
+          </p:cNvPicPr>
+          <p:nvPr/>
+        </p:nvPicPr>
+        <p:blipFill>
+          <a:blip r:embed="rId3">
+            <a:extLst>
+              <a:ext uri="{28A0092B-C50C-407E-A947-70E740481C1C}">
+                <a14:useLocalDpi xmlns:a14="http://schemas.microsoft.com/office/drawing/2010/main" val="0"/>
+              </a:ext>
+            </a:extLst>
+          </a:blip>
+          <a:stretch>
+            <a:fillRect/>
+          </a:stretch>
+        </p:blipFill>
+        <p:spPr>
+          <a:xfrm>
+            <a:off x="7010688" y="4122706"/>
+            <a:ext cx="3324438" cy="2590734"/>
+          </a:xfrm>
+          <a:prstGeom prst="rect">
+            <a:avLst/>
+          </a:prstGeom>
+        </p:spPr>
+      </p:pic>
+      <p:pic>
+        <p:nvPicPr>
+          <p:cNvPr id="6" name="Image 5"/>
+          <p:cNvPicPr>
+            <a:picLocks noChangeAspect="1"/>
+          </p:cNvPicPr>
+          <p:nvPr/>
+        </p:nvPicPr>
+        <p:blipFill rotWithShape="1">
+          <a:blip r:embed="rId4">
+            <a:extLst>
+              <a:ext uri="{28A0092B-C50C-407E-A947-70E740481C1C}">
+                <a14:useLocalDpi xmlns:a14="http://schemas.microsoft.com/office/drawing/2010/main" val="0"/>
+              </a:ext>
+            </a:extLst>
+          </a:blip>
+          <a:srcRect l="1490" t="6249" r="8869"/>
+          <a:stretch/>
+        </p:blipFill>
+        <p:spPr>
+          <a:xfrm>
+            <a:off x="6930189" y="1221751"/>
+            <a:ext cx="3404937" cy="2670766"/>
+          </a:xfrm>
+          <a:prstGeom prst="rect">
+            <a:avLst/>
+          </a:prstGeom>
+        </p:spPr>
+      </p:pic>
     </p:spTree>
     <p:extLst>
       <p:ext uri="{BB962C8B-B14F-4D97-AF65-F5344CB8AC3E}">
-        <p14:creationId xmlns:p14="http://schemas.microsoft.com/office/powerpoint/2010/main" val="3842379036"/>
+        <p14:creationId xmlns:p14="http://schemas.microsoft.com/office/powerpoint/2010/main" val="348765845"/>
       </p:ext>
     </p:extLst>
   </p:cSld>
@@ -13220,7 +16268,7 @@
           <a:p>
             <a:r>
               <a:rPr lang="fr-BE" dirty="0" smtClean="0"/>
-              <a:t>Influence de L</a:t>
+              <a:t>Influence de r</a:t>
             </a:r>
             <a:endParaRPr lang="fr-BE" dirty="0"/>
           </a:p>
@@ -13242,18 +16290,14 @@
           <a:lstStyle/>
           <a:p>
             <a:r>
-              <a:rPr lang="fr-BE" dirty="0"/>
+              <a:rPr lang="fr-BE" dirty="0" smtClean="0"/>
               <a:t>Sur l’amplitude</a:t>
             </a:r>
           </a:p>
           <a:p>
             <a:r>
-              <a:rPr lang="fr-BE" dirty="0"/>
-              <a:t>Sur la longueur </a:t>
-            </a:r>
-            <a:r>
               <a:rPr lang="fr-BE" dirty="0" smtClean="0"/>
-              <a:t>d’onde</a:t>
+              <a:t>Sur la longueur d’onde</a:t>
             </a:r>
             <a:endParaRPr lang="fr-BE" dirty="0"/>
           </a:p>
@@ -13286,7 +16330,7 @@
     </p:spTree>
     <p:extLst>
       <p:ext uri="{BB962C8B-B14F-4D97-AF65-F5344CB8AC3E}">
-        <p14:creationId xmlns:p14="http://schemas.microsoft.com/office/powerpoint/2010/main" val="3067693420"/>
+        <p14:creationId xmlns:p14="http://schemas.microsoft.com/office/powerpoint/2010/main" val="3842379036"/>
       </p:ext>
     </p:extLst>
   </p:cSld>
@@ -13337,7 +16381,7 @@
           <a:p>
             <a:r>
               <a:rPr lang="fr-BE" dirty="0" smtClean="0"/>
-              <a:t>Caractérisation de la bifurcation</a:t>
+              <a:t>Influence de L</a:t>
             </a:r>
             <a:endParaRPr lang="fr-BE" dirty="0"/>
           </a:p>
@@ -13358,7 +16402,21 @@
           <a:bodyPr/>
           <a:lstStyle/>
           <a:p>
-            <a:endParaRPr lang="fr-BE"/>
+            <a:r>
+              <a:rPr lang="fr-BE" dirty="0"/>
+              <a:t>Sur l’amplitude</a:t>
+            </a:r>
+          </a:p>
+          <a:p>
+            <a:r>
+              <a:rPr lang="fr-BE" dirty="0"/>
+              <a:t>Sur la longueur </a:t>
+            </a:r>
+            <a:r>
+              <a:rPr lang="fr-BE" dirty="0" smtClean="0"/>
+              <a:t>d’onde</a:t>
+            </a:r>
+            <a:endParaRPr lang="fr-BE" dirty="0"/>
           </a:p>
         </p:txBody>
       </p:sp>
@@ -13381,6 +16439,109 @@
               <a:rPr lang="en-US" smtClean="0"/>
               <a:pPr/>
               <a:t>13</a:t>
+            </a:fld>
+            <a:endParaRPr lang="en-US" dirty="0"/>
+          </a:p>
+        </p:txBody>
+      </p:sp>
+    </p:spTree>
+    <p:extLst>
+      <p:ext uri="{BB962C8B-B14F-4D97-AF65-F5344CB8AC3E}">
+        <p14:creationId xmlns:p14="http://schemas.microsoft.com/office/powerpoint/2010/main" val="3067693420"/>
+      </p:ext>
+    </p:extLst>
+  </p:cSld>
+  <p:clrMapOvr>
+    <a:masterClrMapping/>
+  </p:clrMapOvr>
+  <p:timing>
+    <p:tnLst>
+      <p:par>
+        <p:cTn id="1" dur="indefinite" restart="never" nodeType="tmRoot"/>
+      </p:par>
+    </p:tnLst>
+  </p:timing>
+</p:sld>
+</file>
+
+<file path=ppt/slides/slide14.xml><?xml version="1.0" encoding="utf-8"?>
+<p:sld xmlns:a="http://schemas.openxmlformats.org/drawingml/2006/main" xmlns:r="http://schemas.openxmlformats.org/officeDocument/2006/relationships" xmlns:p="http://schemas.openxmlformats.org/presentationml/2006/main">
+  <p:cSld>
+    <p:spTree>
+      <p:nvGrpSpPr>
+        <p:cNvPr id="1" name=""/>
+        <p:cNvGrpSpPr/>
+        <p:nvPr/>
+      </p:nvGrpSpPr>
+      <p:grpSpPr>
+        <a:xfrm>
+          <a:off x="0" y="0"/>
+          <a:ext cx="0" cy="0"/>
+          <a:chOff x="0" y="0"/>
+          <a:chExt cx="0" cy="0"/>
+        </a:xfrm>
+      </p:grpSpPr>
+      <p:sp>
+        <p:nvSpPr>
+          <p:cNvPr id="2" name="Titre 1"/>
+          <p:cNvSpPr>
+            <a:spLocks noGrp="1"/>
+          </p:cNvSpPr>
+          <p:nvPr>
+            <p:ph type="title"/>
+          </p:nvPr>
+        </p:nvSpPr>
+        <p:spPr/>
+        <p:txBody>
+          <a:bodyPr/>
+          <a:lstStyle/>
+          <a:p>
+            <a:r>
+              <a:rPr lang="fr-BE" dirty="0" smtClean="0"/>
+              <a:t>Caractérisation de la bifurcation</a:t>
+            </a:r>
+            <a:endParaRPr lang="fr-BE" dirty="0"/>
+          </a:p>
+        </p:txBody>
+      </p:sp>
+      <p:sp>
+        <p:nvSpPr>
+          <p:cNvPr id="3" name="Espace réservé du contenu 2"/>
+          <p:cNvSpPr>
+            <a:spLocks noGrp="1"/>
+          </p:cNvSpPr>
+          <p:nvPr>
+            <p:ph idx="1"/>
+          </p:nvPr>
+        </p:nvSpPr>
+        <p:spPr/>
+        <p:txBody>
+          <a:bodyPr/>
+          <a:lstStyle/>
+          <a:p>
+            <a:endParaRPr lang="fr-BE"/>
+          </a:p>
+        </p:txBody>
+      </p:sp>
+      <p:sp>
+        <p:nvSpPr>
+          <p:cNvPr id="4" name="Espace réservé du numéro de diapositive 3"/>
+          <p:cNvSpPr>
+            <a:spLocks noGrp="1"/>
+          </p:cNvSpPr>
+          <p:nvPr>
+            <p:ph type="sldNum" sz="quarter" idx="4"/>
+          </p:nvPr>
+        </p:nvSpPr>
+        <p:spPr/>
+        <p:txBody>
+          <a:bodyPr/>
+          <a:lstStyle/>
+          <a:p>
+            <a:fld id="{D57F1E4F-1CFF-5643-939E-217C01CDF565}" type="slidenum">
+              <a:rPr lang="en-US" smtClean="0"/>
+              <a:pPr/>
+              <a:t>14</a:t>
             </a:fld>
             <a:endParaRPr lang="en-US" dirty="0"/>
           </a:p>
@@ -13717,8 +16878,8 @@
           <a:chExt cx="0" cy="0"/>
         </a:xfrm>
       </p:grpSpPr>
-      <mc:AlternateContent xmlns:mc="http://schemas.openxmlformats.org/markup-compatibility/2006">
-        <mc:Choice xmlns:a14="http://schemas.microsoft.com/office/drawing/2010/main" Requires="a14">
+      <mc:AlternateContent xmlns:mc="http://schemas.openxmlformats.org/markup-compatibility/2006" xmlns:a14="http://schemas.microsoft.com/office/drawing/2010/main">
+        <mc:Choice Requires="a14">
           <p:sp>
             <p:nvSpPr>
               <p:cNvPr id="2" name="Titre 1"/>
@@ -14120,7 +17281,7 @@
             </p:txBody>
           </p:sp>
         </mc:Choice>
-        <mc:Fallback>
+        <mc:Fallback xmlns="">
           <p:sp>
             <p:nvSpPr>
               <p:cNvPr id="2" name="Titre 1"/>
@@ -14158,8 +17319,8 @@
           </p:sp>
         </mc:Fallback>
       </mc:AlternateContent>
-      <mc:AlternateContent xmlns:mc="http://schemas.openxmlformats.org/markup-compatibility/2006">
-        <mc:Choice xmlns:a14="http://schemas.microsoft.com/office/drawing/2010/main" Requires="a14">
+      <mc:AlternateContent xmlns:mc="http://schemas.openxmlformats.org/markup-compatibility/2006" xmlns:a14="http://schemas.microsoft.com/office/drawing/2010/main">
+        <mc:Choice Requires="a14">
           <p:sp>
             <p:nvSpPr>
               <p:cNvPr id="3" name="Espace réservé du contenu 2"/>
@@ -14388,7 +17549,7 @@
             </p:txBody>
           </p:sp>
         </mc:Choice>
-        <mc:Fallback>
+        <mc:Fallback xmlns="">
           <p:sp>
             <p:nvSpPr>
               <p:cNvPr id="3" name="Espace réservé du contenu 2"/>
@@ -15378,8 +18539,8 @@
           <a:chExt cx="0" cy="0"/>
         </a:xfrm>
       </p:grpSpPr>
-      <mc:AlternateContent xmlns:mc="http://schemas.openxmlformats.org/markup-compatibility/2006">
-        <mc:Choice xmlns:a14="http://schemas.microsoft.com/office/drawing/2010/main" Requires="a14">
+      <mc:AlternateContent xmlns:mc="http://schemas.openxmlformats.org/markup-compatibility/2006" xmlns:a14="http://schemas.microsoft.com/office/drawing/2010/main">
+        <mc:Choice Requires="a14">
           <p:sp>
             <p:nvSpPr>
               <p:cNvPr id="2" name="Titre 1"/>
@@ -15397,6 +18558,7 @@
               </a:bodyPr>
               <a:lstStyle/>
               <a:p>
+                <a:pPr/>
                 <a14:m>
                   <m:oMathPara xmlns:m="http://schemas.openxmlformats.org/officeDocument/2006/math">
                     <m:oMathParaPr>
@@ -15676,7 +18838,7 @@
             </p:txBody>
           </p:sp>
         </mc:Choice>
-        <mc:Fallback>
+        <mc:Fallback xmlns="">
           <p:sp>
             <p:nvSpPr>
               <p:cNvPr id="2" name="Titre 1"/>
@@ -15810,6 +18972,13 @@
   <p:clrMapOvr>
     <a:masterClrMapping/>
   </p:clrMapOvr>
+  <p:timing>
+    <p:tnLst>
+      <p:par>
+        <p:cTn id="1" dur="indefinite" restart="never" nodeType="tmRoot"/>
+      </p:par>
+    </p:tnLst>
+  </p:timing>
 </p:sld>
 </file>
 
@@ -15855,25 +19024,6 @@
       </p:sp>
       <p:sp>
         <p:nvSpPr>
-          <p:cNvPr id="3" name="Espace réservé du contenu 2"/>
-          <p:cNvSpPr>
-            <a:spLocks noGrp="1"/>
-          </p:cNvSpPr>
-          <p:nvPr>
-            <p:ph idx="1"/>
-          </p:nvPr>
-        </p:nvSpPr>
-        <p:spPr/>
-        <p:txBody>
-          <a:bodyPr/>
-          <a:lstStyle/>
-          <a:p>
-            <a:endParaRPr lang="fr-BE" dirty="0"/>
-          </a:p>
-        </p:txBody>
-      </p:sp>
-      <p:sp>
-        <p:nvSpPr>
           <p:cNvPr id="4" name="Espace réservé du numéro de diapositive 3"/>
           <p:cNvSpPr>
             <a:spLocks noGrp="1"/>
@@ -15896,6 +19046,3874 @@
           </a:p>
         </p:txBody>
       </p:sp>
+      <p:grpSp>
+        <p:nvGrpSpPr>
+          <p:cNvPr id="10" name="Groupe 9"/>
+          <p:cNvGrpSpPr/>
+          <p:nvPr/>
+        </p:nvGrpSpPr>
+        <p:grpSpPr>
+          <a:xfrm>
+            <a:off x="677334" y="1194594"/>
+            <a:ext cx="8596668" cy="1320800"/>
+            <a:chOff x="848784" y="1581150"/>
+            <a:chExt cx="8596668" cy="1320800"/>
+          </a:xfrm>
+        </p:grpSpPr>
+        <mc:AlternateContent xmlns:mc="http://schemas.openxmlformats.org/markup-compatibility/2006">
+          <mc:Choice xmlns:a14="http://schemas.microsoft.com/office/drawing/2010/main" Requires="a14">
+            <p:sp>
+              <p:nvSpPr>
+                <p:cNvPr id="5" name="Titre 1"/>
+                <p:cNvSpPr txBox="1">
+                  <a:spLocks/>
+                </p:cNvSpPr>
+                <p:nvPr/>
+              </p:nvSpPr>
+              <p:spPr>
+                <a:xfrm>
+                  <a:off x="848784" y="1581150"/>
+                  <a:ext cx="8596668" cy="1320800"/>
+                </a:xfrm>
+                <a:prstGeom prst="rect">
+                  <a:avLst/>
+                </a:prstGeom>
+              </p:spPr>
+              <p:txBody>
+                <a:bodyPr vert="horz" lIns="91440" tIns="45720" rIns="91440" bIns="45720" rtlCol="0" anchor="t">
+                  <a:normAutofit/>
+                </a:bodyPr>
+                <a:lstStyle>
+                  <a:lvl1pPr algn="l" defTabSz="457200" rtl="0" eaLnBrk="1" latinLnBrk="0" hangingPunct="1">
+                    <a:spcBef>
+                      <a:spcPct val="0"/>
+                    </a:spcBef>
+                    <a:buNone/>
+                    <a:defRPr sz="3600" b="1" kern="1200">
+                      <a:solidFill>
+                        <a:schemeClr val="accent1"/>
+                      </a:solidFill>
+                      <a:latin typeface="+mj-lt"/>
+                      <a:ea typeface="+mj-ea"/>
+                      <a:cs typeface="+mj-cs"/>
+                    </a:defRPr>
+                  </a:lvl1pPr>
+                  <a:lvl2pPr eaLnBrk="1" hangingPunct="1">
+                    <a:defRPr>
+                      <a:solidFill>
+                        <a:schemeClr val="tx2"/>
+                      </a:solidFill>
+                    </a:defRPr>
+                  </a:lvl2pPr>
+                  <a:lvl3pPr eaLnBrk="1" hangingPunct="1">
+                    <a:defRPr>
+                      <a:solidFill>
+                        <a:schemeClr val="tx2"/>
+                      </a:solidFill>
+                    </a:defRPr>
+                  </a:lvl3pPr>
+                  <a:lvl4pPr eaLnBrk="1" hangingPunct="1">
+                    <a:defRPr>
+                      <a:solidFill>
+                        <a:schemeClr val="tx2"/>
+                      </a:solidFill>
+                    </a:defRPr>
+                  </a:lvl4pPr>
+                  <a:lvl5pPr eaLnBrk="1" hangingPunct="1">
+                    <a:defRPr>
+                      <a:solidFill>
+                        <a:schemeClr val="tx2"/>
+                      </a:solidFill>
+                    </a:defRPr>
+                  </a:lvl5pPr>
+                  <a:lvl6pPr eaLnBrk="1" hangingPunct="1">
+                    <a:defRPr>
+                      <a:solidFill>
+                        <a:schemeClr val="tx2"/>
+                      </a:solidFill>
+                    </a:defRPr>
+                  </a:lvl6pPr>
+                  <a:lvl7pPr eaLnBrk="1" hangingPunct="1">
+                    <a:defRPr>
+                      <a:solidFill>
+                        <a:schemeClr val="tx2"/>
+                      </a:solidFill>
+                    </a:defRPr>
+                  </a:lvl7pPr>
+                  <a:lvl8pPr eaLnBrk="1" hangingPunct="1">
+                    <a:defRPr>
+                      <a:solidFill>
+                        <a:schemeClr val="tx2"/>
+                      </a:solidFill>
+                    </a:defRPr>
+                  </a:lvl8pPr>
+                  <a:lvl9pPr eaLnBrk="1" hangingPunct="1">
+                    <a:defRPr>
+                      <a:solidFill>
+                        <a:schemeClr val="tx2"/>
+                      </a:solidFill>
+                    </a:defRPr>
+                  </a:lvl9pPr>
+                </a:lstStyle>
+                <a:p>
+                  <a14:m>
+                    <m:oMathPara xmlns:m="http://schemas.openxmlformats.org/officeDocument/2006/math">
+                      <m:oMathParaPr>
+                        <m:jc m:val="centerGroup"/>
+                      </m:oMathParaPr>
+                      <m:oMath xmlns:m="http://schemas.openxmlformats.org/officeDocument/2006/math">
+                        <m:f>
+                          <m:fPr>
+                            <m:ctrlPr>
+                              <a:rPr lang="fr-BE" sz="2000" b="0" i="1" smtClean="0">
+                                <a:solidFill>
+                                  <a:schemeClr val="tx1">
+                                    <a:lumMod val="85000"/>
+                                    <a:lumOff val="15000"/>
+                                  </a:schemeClr>
+                                </a:solidFill>
+                                <a:latin typeface="Cambria Math" panose="02040503050406030204" pitchFamily="18" charset="0"/>
+                              </a:rPr>
+                            </m:ctrlPr>
+                          </m:fPr>
+                          <m:num>
+                            <m:r>
+                              <a:rPr lang="fr-BE" sz="2000" b="0" i="1">
+                                <a:solidFill>
+                                  <a:schemeClr val="tx1">
+                                    <a:lumMod val="85000"/>
+                                    <a:lumOff val="15000"/>
+                                  </a:schemeClr>
+                                </a:solidFill>
+                                <a:latin typeface="Cambria Math" panose="02040503050406030204" pitchFamily="18" charset="0"/>
+                              </a:rPr>
+                              <m:t>𝜕</m:t>
+                            </m:r>
+                            <m:r>
+                              <a:rPr lang="fr-BE" sz="2000" b="0" i="1" smtClean="0">
+                                <a:solidFill>
+                                  <a:schemeClr val="tx1">
+                                    <a:lumMod val="85000"/>
+                                    <a:lumOff val="15000"/>
+                                  </a:schemeClr>
+                                </a:solidFill>
+                                <a:latin typeface="Cambria Math" panose="02040503050406030204" pitchFamily="18" charset="0"/>
+                              </a:rPr>
+                              <m:t>𝑢</m:t>
+                            </m:r>
+                          </m:num>
+                          <m:den>
+                            <m:r>
+                              <a:rPr lang="fr-BE" sz="2000" b="0" i="1">
+                                <a:solidFill>
+                                  <a:schemeClr val="tx1">
+                                    <a:lumMod val="85000"/>
+                                    <a:lumOff val="15000"/>
+                                  </a:schemeClr>
+                                </a:solidFill>
+                                <a:latin typeface="Cambria Math" panose="02040503050406030204" pitchFamily="18" charset="0"/>
+                              </a:rPr>
+                              <m:t>𝜕</m:t>
+                            </m:r>
+                            <m:r>
+                              <a:rPr lang="fr-BE" sz="2000" b="0" i="1" smtClean="0">
+                                <a:solidFill>
+                                  <a:schemeClr val="tx1">
+                                    <a:lumMod val="85000"/>
+                                    <a:lumOff val="15000"/>
+                                  </a:schemeClr>
+                                </a:solidFill>
+                                <a:latin typeface="Cambria Math" panose="02040503050406030204" pitchFamily="18" charset="0"/>
+                              </a:rPr>
+                              <m:t>𝑡</m:t>
+                            </m:r>
+                          </m:den>
+                        </m:f>
+                        <m:r>
+                          <a:rPr lang="fr-BE" sz="2000" b="0" i="1" smtClean="0">
+                            <a:solidFill>
+                              <a:schemeClr val="tx1">
+                                <a:lumMod val="85000"/>
+                                <a:lumOff val="15000"/>
+                              </a:schemeClr>
+                            </a:solidFill>
+                            <a:latin typeface="Cambria Math" panose="02040503050406030204" pitchFamily="18" charset="0"/>
+                          </a:rPr>
+                          <m:t>=</m:t>
+                        </m:r>
+                        <m:d>
+                          <m:dPr>
+                            <m:ctrlPr>
+                              <a:rPr lang="fr-BE" sz="2000" b="0" i="1" smtClean="0">
+                                <a:solidFill>
+                                  <a:schemeClr val="tx1">
+                                    <a:lumMod val="85000"/>
+                                    <a:lumOff val="15000"/>
+                                  </a:schemeClr>
+                                </a:solidFill>
+                                <a:latin typeface="Cambria Math" panose="02040503050406030204" pitchFamily="18" charset="0"/>
+                              </a:rPr>
+                            </m:ctrlPr>
+                          </m:dPr>
+                          <m:e>
+                            <m:r>
+                              <a:rPr lang="fr-BE" sz="2000" b="0" i="1" smtClean="0">
+                                <a:solidFill>
+                                  <a:schemeClr val="tx1">
+                                    <a:lumMod val="85000"/>
+                                    <a:lumOff val="15000"/>
+                                  </a:schemeClr>
+                                </a:solidFill>
+                                <a:latin typeface="Cambria Math" panose="02040503050406030204" pitchFamily="18" charset="0"/>
+                              </a:rPr>
+                              <m:t>𝑟</m:t>
+                            </m:r>
+                            <m:r>
+                              <a:rPr lang="fr-BE" sz="2000" b="0" i="1" smtClean="0">
+                                <a:solidFill>
+                                  <a:schemeClr val="tx1">
+                                    <a:lumMod val="85000"/>
+                                    <a:lumOff val="15000"/>
+                                  </a:schemeClr>
+                                </a:solidFill>
+                                <a:latin typeface="Cambria Math" panose="02040503050406030204" pitchFamily="18" charset="0"/>
+                              </a:rPr>
+                              <m:t>−1</m:t>
+                            </m:r>
+                          </m:e>
+                        </m:d>
+                        <m:r>
+                          <a:rPr lang="fr-BE" sz="2000" b="0" i="1" smtClean="0">
+                            <a:solidFill>
+                              <a:schemeClr val="tx1">
+                                <a:lumMod val="85000"/>
+                                <a:lumOff val="15000"/>
+                              </a:schemeClr>
+                            </a:solidFill>
+                            <a:latin typeface="Cambria Math" panose="02040503050406030204" pitchFamily="18" charset="0"/>
+                          </a:rPr>
+                          <m:t>𝑢</m:t>
+                        </m:r>
+                        <m:r>
+                          <a:rPr lang="fr-BE" sz="2000" b="0" i="1" smtClean="0">
+                            <a:solidFill>
+                              <a:schemeClr val="tx1">
+                                <a:lumMod val="85000"/>
+                                <a:lumOff val="15000"/>
+                              </a:schemeClr>
+                            </a:solidFill>
+                            <a:latin typeface="Cambria Math" panose="02040503050406030204" pitchFamily="18" charset="0"/>
+                          </a:rPr>
+                          <m:t>−2</m:t>
+                        </m:r>
+                        <m:f>
+                          <m:fPr>
+                            <m:ctrlPr>
+                              <a:rPr lang="fr-BE" sz="2000" b="0" i="1" smtClean="0">
+                                <a:solidFill>
+                                  <a:schemeClr val="tx1">
+                                    <a:lumMod val="85000"/>
+                                    <a:lumOff val="15000"/>
+                                  </a:schemeClr>
+                                </a:solidFill>
+                                <a:latin typeface="Cambria Math" panose="02040503050406030204" pitchFamily="18" charset="0"/>
+                              </a:rPr>
+                            </m:ctrlPr>
+                          </m:fPr>
+                          <m:num>
+                            <m:sSup>
+                              <m:sSupPr>
+                                <m:ctrlPr>
+                                  <a:rPr lang="fr-BE" sz="2000" b="0" i="1" smtClean="0">
+                                    <a:solidFill>
+                                      <a:schemeClr val="tx1">
+                                        <a:lumMod val="85000"/>
+                                        <a:lumOff val="15000"/>
+                                      </a:schemeClr>
+                                    </a:solidFill>
+                                    <a:latin typeface="Cambria Math" panose="02040503050406030204" pitchFamily="18" charset="0"/>
+                                  </a:rPr>
+                                </m:ctrlPr>
+                              </m:sSupPr>
+                              <m:e>
+                                <m:r>
+                                  <a:rPr lang="fr-BE" sz="2000" b="0" i="1">
+                                    <a:solidFill>
+                                      <a:schemeClr val="tx1">
+                                        <a:lumMod val="85000"/>
+                                        <a:lumOff val="15000"/>
+                                      </a:schemeClr>
+                                    </a:solidFill>
+                                    <a:latin typeface="Cambria Math" panose="02040503050406030204" pitchFamily="18" charset="0"/>
+                                  </a:rPr>
+                                  <m:t>𝜕</m:t>
+                                </m:r>
+                              </m:e>
+                              <m:sup>
+                                <m:r>
+                                  <a:rPr lang="fr-BE" sz="2000" b="0" i="1" smtClean="0">
+                                    <a:solidFill>
+                                      <a:schemeClr val="tx1">
+                                        <a:lumMod val="85000"/>
+                                        <a:lumOff val="15000"/>
+                                      </a:schemeClr>
+                                    </a:solidFill>
+                                    <a:latin typeface="Cambria Math" panose="02040503050406030204" pitchFamily="18" charset="0"/>
+                                  </a:rPr>
+                                  <m:t>2</m:t>
+                                </m:r>
+                              </m:sup>
+                            </m:sSup>
+                            <m:r>
+                              <a:rPr lang="fr-BE" sz="2000" b="0" i="1" smtClean="0">
+                                <a:solidFill>
+                                  <a:schemeClr val="tx1">
+                                    <a:lumMod val="85000"/>
+                                    <a:lumOff val="15000"/>
+                                  </a:schemeClr>
+                                </a:solidFill>
+                                <a:latin typeface="Cambria Math" panose="02040503050406030204" pitchFamily="18" charset="0"/>
+                              </a:rPr>
+                              <m:t>𝑢</m:t>
+                            </m:r>
+                          </m:num>
+                          <m:den>
+                            <m:r>
+                              <a:rPr lang="fr-BE" sz="2000" b="0" i="1">
+                                <a:solidFill>
+                                  <a:schemeClr val="tx1">
+                                    <a:lumMod val="85000"/>
+                                    <a:lumOff val="15000"/>
+                                  </a:schemeClr>
+                                </a:solidFill>
+                                <a:latin typeface="Cambria Math" panose="02040503050406030204" pitchFamily="18" charset="0"/>
+                              </a:rPr>
+                              <m:t>𝜕</m:t>
+                            </m:r>
+                            <m:sSup>
+                              <m:sSupPr>
+                                <m:ctrlPr>
+                                  <a:rPr lang="fr-BE" sz="2000" b="0" i="1" smtClean="0">
+                                    <a:solidFill>
+                                      <a:schemeClr val="tx1">
+                                        <a:lumMod val="85000"/>
+                                        <a:lumOff val="15000"/>
+                                      </a:schemeClr>
+                                    </a:solidFill>
+                                    <a:latin typeface="Cambria Math" panose="02040503050406030204" pitchFamily="18" charset="0"/>
+                                  </a:rPr>
+                                </m:ctrlPr>
+                              </m:sSupPr>
+                              <m:e>
+                                <m:r>
+                                  <a:rPr lang="fr-BE" sz="2000" b="0" i="1" smtClean="0">
+                                    <a:solidFill>
+                                      <a:schemeClr val="tx1">
+                                        <a:lumMod val="85000"/>
+                                        <a:lumOff val="15000"/>
+                                      </a:schemeClr>
+                                    </a:solidFill>
+                                    <a:latin typeface="Cambria Math" panose="02040503050406030204" pitchFamily="18" charset="0"/>
+                                  </a:rPr>
+                                  <m:t>𝑥</m:t>
+                                </m:r>
+                              </m:e>
+                              <m:sup>
+                                <m:r>
+                                  <a:rPr lang="fr-BE" sz="2000" b="0" i="1" smtClean="0">
+                                    <a:solidFill>
+                                      <a:schemeClr val="tx1">
+                                        <a:lumMod val="85000"/>
+                                        <a:lumOff val="15000"/>
+                                      </a:schemeClr>
+                                    </a:solidFill>
+                                    <a:latin typeface="Cambria Math" panose="02040503050406030204" pitchFamily="18" charset="0"/>
+                                  </a:rPr>
+                                  <m:t>2</m:t>
+                                </m:r>
+                              </m:sup>
+                            </m:sSup>
+                          </m:den>
+                        </m:f>
+                        <m:r>
+                          <a:rPr lang="fr-BE" sz="2000" b="0" i="1" smtClean="0">
+                            <a:solidFill>
+                              <a:schemeClr val="tx1">
+                                <a:lumMod val="85000"/>
+                                <a:lumOff val="15000"/>
+                              </a:schemeClr>
+                            </a:solidFill>
+                            <a:latin typeface="Cambria Math" panose="02040503050406030204" pitchFamily="18" charset="0"/>
+                          </a:rPr>
+                          <m:t>−</m:t>
+                        </m:r>
+                        <m:f>
+                          <m:fPr>
+                            <m:ctrlPr>
+                              <a:rPr lang="fr-BE" sz="2000" b="0" i="1" smtClean="0">
+                                <a:solidFill>
+                                  <a:schemeClr val="tx1">
+                                    <a:lumMod val="85000"/>
+                                    <a:lumOff val="15000"/>
+                                  </a:schemeClr>
+                                </a:solidFill>
+                                <a:latin typeface="Cambria Math" panose="02040503050406030204" pitchFamily="18" charset="0"/>
+                              </a:rPr>
+                            </m:ctrlPr>
+                          </m:fPr>
+                          <m:num>
+                            <m:sSup>
+                              <m:sSupPr>
+                                <m:ctrlPr>
+                                  <a:rPr lang="fr-BE" sz="2000" b="0" i="1" smtClean="0">
+                                    <a:solidFill>
+                                      <a:schemeClr val="tx1">
+                                        <a:lumMod val="85000"/>
+                                        <a:lumOff val="15000"/>
+                                      </a:schemeClr>
+                                    </a:solidFill>
+                                    <a:latin typeface="Cambria Math" panose="02040503050406030204" pitchFamily="18" charset="0"/>
+                                  </a:rPr>
+                                </m:ctrlPr>
+                              </m:sSupPr>
+                              <m:e>
+                                <m:r>
+                                  <a:rPr lang="fr-BE" sz="2000" b="0" i="1">
+                                    <a:solidFill>
+                                      <a:schemeClr val="tx1">
+                                        <a:lumMod val="85000"/>
+                                        <a:lumOff val="15000"/>
+                                      </a:schemeClr>
+                                    </a:solidFill>
+                                    <a:latin typeface="Cambria Math" panose="02040503050406030204" pitchFamily="18" charset="0"/>
+                                  </a:rPr>
+                                  <m:t>𝜕</m:t>
+                                </m:r>
+                              </m:e>
+                              <m:sup>
+                                <m:r>
+                                  <a:rPr lang="fr-BE" sz="2000" b="0" i="1" smtClean="0">
+                                    <a:solidFill>
+                                      <a:schemeClr val="tx1">
+                                        <a:lumMod val="85000"/>
+                                        <a:lumOff val="15000"/>
+                                      </a:schemeClr>
+                                    </a:solidFill>
+                                    <a:latin typeface="Cambria Math" panose="02040503050406030204" pitchFamily="18" charset="0"/>
+                                  </a:rPr>
+                                  <m:t>4</m:t>
+                                </m:r>
+                              </m:sup>
+                            </m:sSup>
+                            <m:r>
+                              <a:rPr lang="fr-BE" sz="2000" b="0" i="1" smtClean="0">
+                                <a:solidFill>
+                                  <a:schemeClr val="tx1">
+                                    <a:lumMod val="85000"/>
+                                    <a:lumOff val="15000"/>
+                                  </a:schemeClr>
+                                </a:solidFill>
+                                <a:latin typeface="Cambria Math" panose="02040503050406030204" pitchFamily="18" charset="0"/>
+                              </a:rPr>
+                              <m:t>𝑢</m:t>
+                            </m:r>
+                          </m:num>
+                          <m:den>
+                            <m:r>
+                              <a:rPr lang="fr-BE" sz="2000" b="0" i="1">
+                                <a:solidFill>
+                                  <a:schemeClr val="tx1">
+                                    <a:lumMod val="85000"/>
+                                    <a:lumOff val="15000"/>
+                                  </a:schemeClr>
+                                </a:solidFill>
+                                <a:latin typeface="Cambria Math" panose="02040503050406030204" pitchFamily="18" charset="0"/>
+                              </a:rPr>
+                              <m:t>𝜕</m:t>
+                            </m:r>
+                            <m:sSup>
+                              <m:sSupPr>
+                                <m:ctrlPr>
+                                  <a:rPr lang="fr-BE" sz="2000" b="0" i="1" smtClean="0">
+                                    <a:solidFill>
+                                      <a:schemeClr val="tx1">
+                                        <a:lumMod val="85000"/>
+                                        <a:lumOff val="15000"/>
+                                      </a:schemeClr>
+                                    </a:solidFill>
+                                    <a:latin typeface="Cambria Math" panose="02040503050406030204" pitchFamily="18" charset="0"/>
+                                  </a:rPr>
+                                </m:ctrlPr>
+                              </m:sSupPr>
+                              <m:e>
+                                <m:r>
+                                  <a:rPr lang="fr-BE" sz="2000" b="0" i="1" smtClean="0">
+                                    <a:solidFill>
+                                      <a:schemeClr val="tx1">
+                                        <a:lumMod val="85000"/>
+                                        <a:lumOff val="15000"/>
+                                      </a:schemeClr>
+                                    </a:solidFill>
+                                    <a:latin typeface="Cambria Math" panose="02040503050406030204" pitchFamily="18" charset="0"/>
+                                  </a:rPr>
+                                  <m:t>𝑥</m:t>
+                                </m:r>
+                              </m:e>
+                              <m:sup>
+                                <m:r>
+                                  <a:rPr lang="fr-BE" sz="2000" b="0" i="1" smtClean="0">
+                                    <a:solidFill>
+                                      <a:schemeClr val="tx1">
+                                        <a:lumMod val="85000"/>
+                                        <a:lumOff val="15000"/>
+                                      </a:schemeClr>
+                                    </a:solidFill>
+                                    <a:latin typeface="Cambria Math" panose="02040503050406030204" pitchFamily="18" charset="0"/>
+                                  </a:rPr>
+                                  <m:t>4</m:t>
+                                </m:r>
+                              </m:sup>
+                            </m:sSup>
+                          </m:den>
+                        </m:f>
+                        <m:r>
+                          <a:rPr lang="fr-BE" sz="2000" b="0" i="1" smtClean="0">
+                            <a:solidFill>
+                              <a:schemeClr val="tx1">
+                                <a:lumMod val="85000"/>
+                                <a:lumOff val="15000"/>
+                              </a:schemeClr>
+                            </a:solidFill>
+                            <a:latin typeface="Cambria Math" panose="02040503050406030204" pitchFamily="18" charset="0"/>
+                          </a:rPr>
+                          <m:t>−</m:t>
+                        </m:r>
+                        <m:sSup>
+                          <m:sSupPr>
+                            <m:ctrlPr>
+                              <a:rPr lang="fr-BE" sz="2000" b="0" i="1" smtClean="0">
+                                <a:solidFill>
+                                  <a:schemeClr val="tx1">
+                                    <a:lumMod val="85000"/>
+                                    <a:lumOff val="15000"/>
+                                  </a:schemeClr>
+                                </a:solidFill>
+                                <a:latin typeface="Cambria Math" panose="02040503050406030204" pitchFamily="18" charset="0"/>
+                              </a:rPr>
+                            </m:ctrlPr>
+                          </m:sSupPr>
+                          <m:e>
+                            <m:r>
+                              <a:rPr lang="fr-BE" sz="2000" b="0" i="1" smtClean="0">
+                                <a:solidFill>
+                                  <a:schemeClr val="tx1">
+                                    <a:lumMod val="85000"/>
+                                    <a:lumOff val="15000"/>
+                                  </a:schemeClr>
+                                </a:solidFill>
+                                <a:latin typeface="Cambria Math" panose="02040503050406030204" pitchFamily="18" charset="0"/>
+                              </a:rPr>
+                              <m:t>𝑢</m:t>
+                            </m:r>
+                          </m:e>
+                          <m:sup>
+                            <m:r>
+                              <a:rPr lang="fr-BE" sz="2000" b="0" i="1" smtClean="0">
+                                <a:solidFill>
+                                  <a:schemeClr val="tx1">
+                                    <a:lumMod val="85000"/>
+                                    <a:lumOff val="15000"/>
+                                  </a:schemeClr>
+                                </a:solidFill>
+                                <a:latin typeface="Cambria Math" panose="02040503050406030204" pitchFamily="18" charset="0"/>
+                              </a:rPr>
+                              <m:t>3</m:t>
+                            </m:r>
+                          </m:sup>
+                        </m:sSup>
+                      </m:oMath>
+                    </m:oMathPara>
+                  </a14:m>
+                  <a:endParaRPr lang="fr-BE" sz="2000" b="0" dirty="0" smtClean="0">
+                    <a:solidFill>
+                      <a:schemeClr val="tx1">
+                        <a:lumMod val="85000"/>
+                        <a:lumOff val="15000"/>
+                      </a:schemeClr>
+                    </a:solidFill>
+                  </a:endParaRPr>
+                </a:p>
+                <a:p>
+                  <a:endParaRPr lang="fr-BE" b="0" dirty="0" smtClean="0"/>
+                </a:p>
+              </p:txBody>
+            </p:sp>
+          </mc:Choice>
+          <mc:Fallback>
+            <p:sp>
+              <p:nvSpPr>
+                <p:cNvPr id="5" name="Titre 1"/>
+                <p:cNvSpPr txBox="1">
+                  <a:spLocks noRot="1" noChangeAspect="1" noMove="1" noResize="1" noEditPoints="1" noAdjustHandles="1" noChangeArrowheads="1" noChangeShapeType="1" noTextEdit="1"/>
+                </p:cNvSpPr>
+                <p:nvPr/>
+              </p:nvSpPr>
+              <p:spPr>
+                <a:xfrm>
+                  <a:off x="848784" y="1581150"/>
+                  <a:ext cx="8596668" cy="1320800"/>
+                </a:xfrm>
+                <a:prstGeom prst="rect">
+                  <a:avLst/>
+                </a:prstGeom>
+                <a:blipFill>
+                  <a:blip r:embed="rId2"/>
+                  <a:stretch>
+                    <a:fillRect/>
+                  </a:stretch>
+                </a:blipFill>
+              </p:spPr>
+              <p:txBody>
+                <a:bodyPr/>
+                <a:lstStyle/>
+                <a:p>
+                  <a:r>
+                    <a:rPr lang="fr-BE">
+                      <a:noFill/>
+                    </a:rPr>
+                    <a:t> </a:t>
+                  </a:r>
+                </a:p>
+              </p:txBody>
+            </p:sp>
+          </mc:Fallback>
+        </mc:AlternateContent>
+        <p:sp>
+          <p:nvSpPr>
+            <p:cNvPr id="6" name="Accolade fermante 5"/>
+            <p:cNvSpPr/>
+            <p:nvPr/>
+          </p:nvSpPr>
+          <p:spPr>
+            <a:xfrm rot="5400000">
+              <a:off x="5043487" y="1204913"/>
+              <a:ext cx="304800" cy="2505075"/>
+            </a:xfrm>
+            <a:prstGeom prst="rightBrace">
+              <a:avLst/>
+            </a:prstGeom>
+            <a:ln>
+              <a:solidFill>
+                <a:schemeClr val="tx1">
+                  <a:lumMod val="85000"/>
+                  <a:lumOff val="15000"/>
+                </a:schemeClr>
+              </a:solidFill>
+            </a:ln>
+          </p:spPr>
+          <p:style>
+            <a:lnRef idx="1">
+              <a:schemeClr val="accent1"/>
+            </a:lnRef>
+            <a:fillRef idx="0">
+              <a:schemeClr val="accent1"/>
+            </a:fillRef>
+            <a:effectRef idx="0">
+              <a:schemeClr val="accent1"/>
+            </a:effectRef>
+            <a:fontRef idx="minor">
+              <a:schemeClr val="tx1"/>
+            </a:fontRef>
+          </p:style>
+          <p:txBody>
+            <a:bodyPr rtlCol="0" anchor="ctr"/>
+            <a:lstStyle/>
+            <a:p>
+              <a:pPr algn="ctr"/>
+              <a:endParaRPr lang="fr-BE"/>
+            </a:p>
+          </p:txBody>
+        </p:sp>
+        <p:sp>
+          <p:nvSpPr>
+            <p:cNvPr id="7" name="Accolade fermante 6"/>
+            <p:cNvSpPr/>
+            <p:nvPr/>
+          </p:nvSpPr>
+          <p:spPr>
+            <a:xfrm rot="5400000">
+              <a:off x="6634162" y="2119315"/>
+              <a:ext cx="304801" cy="676274"/>
+            </a:xfrm>
+            <a:prstGeom prst="rightBrace">
+              <a:avLst/>
+            </a:prstGeom>
+            <a:ln>
+              <a:solidFill>
+                <a:schemeClr val="tx1">
+                  <a:lumMod val="85000"/>
+                  <a:lumOff val="15000"/>
+                </a:schemeClr>
+              </a:solidFill>
+            </a:ln>
+          </p:spPr>
+          <p:style>
+            <a:lnRef idx="1">
+              <a:schemeClr val="accent1"/>
+            </a:lnRef>
+            <a:fillRef idx="0">
+              <a:schemeClr val="accent1"/>
+            </a:fillRef>
+            <a:effectRef idx="0">
+              <a:schemeClr val="accent1"/>
+            </a:effectRef>
+            <a:fontRef idx="minor">
+              <a:schemeClr val="tx1"/>
+            </a:fontRef>
+          </p:style>
+          <p:txBody>
+            <a:bodyPr rtlCol="0" anchor="ctr"/>
+            <a:lstStyle/>
+            <a:p>
+              <a:pPr algn="ctr"/>
+              <a:endParaRPr lang="fr-BE"/>
+            </a:p>
+          </p:txBody>
+        </p:sp>
+        <mc:AlternateContent xmlns:mc="http://schemas.openxmlformats.org/markup-compatibility/2006">
+          <mc:Choice xmlns:a14="http://schemas.microsoft.com/office/drawing/2010/main" Requires="a14">
+            <p:sp>
+              <p:nvSpPr>
+                <p:cNvPr id="8" name="ZoneTexte 7"/>
+                <p:cNvSpPr txBox="1"/>
+                <p:nvPr/>
+              </p:nvSpPr>
+              <p:spPr>
+                <a:xfrm>
+                  <a:off x="4852987" y="2501840"/>
+                  <a:ext cx="685800" cy="400110"/>
+                </a:xfrm>
+                <a:prstGeom prst="rect">
+                  <a:avLst/>
+                </a:prstGeom>
+                <a:noFill/>
+              </p:spPr>
+              <p:txBody>
+                <a:bodyPr wrap="square" rtlCol="0">
+                  <a:spAutoFit/>
+                </a:bodyPr>
+                <a:lstStyle/>
+                <a:p>
+                  <a14:m>
+                    <m:oMathPara xmlns:m="http://schemas.openxmlformats.org/officeDocument/2006/math">
+                      <m:oMathParaPr>
+                        <m:jc m:val="centerGroup"/>
+                      </m:oMathParaPr>
+                      <m:oMath xmlns:m="http://schemas.openxmlformats.org/officeDocument/2006/math">
+                        <m:r>
+                          <a:rPr lang="fr-BE" sz="2000" b="0" i="1" smtClean="0">
+                            <a:solidFill>
+                              <a:schemeClr val="tx1">
+                                <a:lumMod val="85000"/>
+                                <a:lumOff val="15000"/>
+                              </a:schemeClr>
+                            </a:solidFill>
+                            <a:latin typeface="Cambria Math" panose="02040503050406030204" pitchFamily="18" charset="0"/>
+                          </a:rPr>
+                          <m:t>𝐿𝑢</m:t>
+                        </m:r>
+                      </m:oMath>
+                    </m:oMathPara>
+                  </a14:m>
+                  <a:endParaRPr lang="fr-BE" dirty="0"/>
+                </a:p>
+              </p:txBody>
+            </p:sp>
+          </mc:Choice>
+          <mc:Fallback>
+            <p:sp>
+              <p:nvSpPr>
+                <p:cNvPr id="8" name="ZoneTexte 7"/>
+                <p:cNvSpPr txBox="1">
+                  <a:spLocks noRot="1" noChangeAspect="1" noMove="1" noResize="1" noEditPoints="1" noAdjustHandles="1" noChangeArrowheads="1" noChangeShapeType="1" noTextEdit="1"/>
+                </p:cNvSpPr>
+                <p:nvPr/>
+              </p:nvSpPr>
+              <p:spPr>
+                <a:xfrm>
+                  <a:off x="4852987" y="2501840"/>
+                  <a:ext cx="685800" cy="400110"/>
+                </a:xfrm>
+                <a:prstGeom prst="rect">
+                  <a:avLst/>
+                </a:prstGeom>
+                <a:blipFill>
+                  <a:blip r:embed="rId3"/>
+                  <a:stretch>
+                    <a:fillRect/>
+                  </a:stretch>
+                </a:blipFill>
+              </p:spPr>
+              <p:txBody>
+                <a:bodyPr/>
+                <a:lstStyle/>
+                <a:p>
+                  <a:r>
+                    <a:rPr lang="fr-BE">
+                      <a:noFill/>
+                    </a:rPr>
+                    <a:t> </a:t>
+                  </a:r>
+                </a:p>
+              </p:txBody>
+            </p:sp>
+          </mc:Fallback>
+        </mc:AlternateContent>
+        <mc:AlternateContent xmlns:mc="http://schemas.openxmlformats.org/markup-compatibility/2006">
+          <mc:Choice xmlns:a14="http://schemas.microsoft.com/office/drawing/2010/main" Requires="a14">
+            <p:sp>
+              <p:nvSpPr>
+                <p:cNvPr id="9" name="ZoneTexte 8"/>
+                <p:cNvSpPr txBox="1"/>
+                <p:nvPr/>
+              </p:nvSpPr>
+              <p:spPr>
+                <a:xfrm>
+                  <a:off x="6443662" y="2501840"/>
+                  <a:ext cx="685800" cy="400110"/>
+                </a:xfrm>
+                <a:prstGeom prst="rect">
+                  <a:avLst/>
+                </a:prstGeom>
+                <a:noFill/>
+              </p:spPr>
+              <p:txBody>
+                <a:bodyPr wrap="square" rtlCol="0">
+                  <a:spAutoFit/>
+                </a:bodyPr>
+                <a:lstStyle/>
+                <a:p>
+                  <a14:m>
+                    <m:oMathPara xmlns:m="http://schemas.openxmlformats.org/officeDocument/2006/math">
+                      <m:oMathParaPr>
+                        <m:jc m:val="centerGroup"/>
+                      </m:oMathParaPr>
+                      <m:oMath xmlns:m="http://schemas.openxmlformats.org/officeDocument/2006/math">
+                        <m:r>
+                          <a:rPr lang="fr-BE" sz="2000" b="0" i="1" smtClean="0">
+                            <a:solidFill>
+                              <a:schemeClr val="tx1">
+                                <a:lumMod val="85000"/>
+                                <a:lumOff val="15000"/>
+                              </a:schemeClr>
+                            </a:solidFill>
+                            <a:latin typeface="Cambria Math" panose="02040503050406030204" pitchFamily="18" charset="0"/>
+                          </a:rPr>
+                          <m:t>𝑁𝑢</m:t>
+                        </m:r>
+                      </m:oMath>
+                    </m:oMathPara>
+                  </a14:m>
+                  <a:endParaRPr lang="fr-BE" dirty="0"/>
+                </a:p>
+              </p:txBody>
+            </p:sp>
+          </mc:Choice>
+          <mc:Fallback>
+            <p:sp>
+              <p:nvSpPr>
+                <p:cNvPr id="9" name="ZoneTexte 8"/>
+                <p:cNvSpPr txBox="1">
+                  <a:spLocks noRot="1" noChangeAspect="1" noMove="1" noResize="1" noEditPoints="1" noAdjustHandles="1" noChangeArrowheads="1" noChangeShapeType="1" noTextEdit="1"/>
+                </p:cNvSpPr>
+                <p:nvPr/>
+              </p:nvSpPr>
+              <p:spPr>
+                <a:xfrm>
+                  <a:off x="6443662" y="2501840"/>
+                  <a:ext cx="685800" cy="400110"/>
+                </a:xfrm>
+                <a:prstGeom prst="rect">
+                  <a:avLst/>
+                </a:prstGeom>
+                <a:blipFill>
+                  <a:blip r:embed="rId4"/>
+                  <a:stretch>
+                    <a:fillRect/>
+                  </a:stretch>
+                </a:blipFill>
+              </p:spPr>
+              <p:txBody>
+                <a:bodyPr/>
+                <a:lstStyle/>
+                <a:p>
+                  <a:r>
+                    <a:rPr lang="fr-BE">
+                      <a:noFill/>
+                    </a:rPr>
+                    <a:t> </a:t>
+                  </a:r>
+                </a:p>
+              </p:txBody>
+            </p:sp>
+          </mc:Fallback>
+        </mc:AlternateContent>
+      </p:grpSp>
+      <mc:AlternateContent xmlns:mc="http://schemas.openxmlformats.org/markup-compatibility/2006">
+        <mc:Choice xmlns:a14="http://schemas.microsoft.com/office/drawing/2010/main" Requires="a14">
+          <p:sp>
+            <p:nvSpPr>
+              <p:cNvPr id="11" name="ZoneTexte 10"/>
+              <p:cNvSpPr txBox="1"/>
+              <p:nvPr/>
+            </p:nvSpPr>
+            <p:spPr>
+              <a:xfrm>
+                <a:off x="677333" y="2515394"/>
+                <a:ext cx="8596669" cy="1795876"/>
+              </a:xfrm>
+              <a:prstGeom prst="rect">
+                <a:avLst/>
+              </a:prstGeom>
+              <a:noFill/>
+            </p:spPr>
+            <p:txBody>
+              <a:bodyPr wrap="square" lIns="0" tIns="0" rIns="0" bIns="0" rtlCol="0">
+                <a:spAutoFit/>
+              </a:bodyPr>
+              <a:lstStyle/>
+              <a:p>
+                <a14:m>
+                  <m:oMath xmlns:m="http://schemas.openxmlformats.org/officeDocument/2006/math">
+                    <m:r>
+                      <a:rPr lang="fr-BE" sz="2000" i="1" smtClean="0">
+                        <a:solidFill>
+                          <a:schemeClr val="tx1">
+                            <a:lumMod val="85000"/>
+                            <a:lumOff val="15000"/>
+                          </a:schemeClr>
+                        </a:solidFill>
+                        <a:latin typeface="Cambria Math" panose="02040503050406030204" pitchFamily="18" charset="0"/>
+                      </a:rPr>
+                      <m:t>𝐿𝑢</m:t>
+                    </m:r>
+                  </m:oMath>
+                </a14:m>
+                <a:r>
+                  <a:rPr lang="fr-BE" dirty="0" smtClean="0">
+                    <a:solidFill>
+                      <a:schemeClr val="tx1">
+                        <a:lumMod val="85000"/>
+                        <a:lumOff val="15000"/>
+                      </a:schemeClr>
+                    </a:solidFill>
+                  </a:rPr>
+                  <a:t> : méthode implicite de </a:t>
+                </a:r>
+                <a:r>
+                  <a:rPr lang="fr-BE" dirty="0" err="1" smtClean="0">
+                    <a:solidFill>
+                      <a:schemeClr val="tx1">
+                        <a:lumMod val="85000"/>
+                        <a:lumOff val="15000"/>
+                      </a:schemeClr>
+                    </a:solidFill>
+                  </a:rPr>
+                  <a:t>Cranck</a:t>
+                </a:r>
+                <a:r>
+                  <a:rPr lang="fr-BE" dirty="0" smtClean="0">
+                    <a:solidFill>
+                      <a:schemeClr val="tx1">
+                        <a:lumMod val="85000"/>
+                        <a:lumOff val="15000"/>
+                      </a:schemeClr>
+                    </a:solidFill>
+                  </a:rPr>
+                  <a:t> </a:t>
+                </a:r>
+                <a:r>
+                  <a:rPr lang="fr-BE" dirty="0" err="1" smtClean="0">
+                    <a:solidFill>
+                      <a:schemeClr val="tx1">
+                        <a:lumMod val="85000"/>
+                        <a:lumOff val="15000"/>
+                      </a:schemeClr>
+                    </a:solidFill>
+                  </a:rPr>
+                  <a:t>Nicolson</a:t>
+                </a:r>
+                <a:endParaRPr lang="fr-BE" dirty="0" smtClean="0">
+                  <a:solidFill>
+                    <a:schemeClr val="tx1">
+                      <a:lumMod val="85000"/>
+                      <a:lumOff val="15000"/>
+                    </a:schemeClr>
+                  </a:solidFill>
+                </a:endParaRPr>
+              </a:p>
+              <a:p>
+                <a14:m>
+                  <m:oMathPara xmlns:m="http://schemas.openxmlformats.org/officeDocument/2006/math">
+                    <m:oMathParaPr>
+                      <m:jc m:val="centerGroup"/>
+                    </m:oMathParaPr>
+                    <m:oMath xmlns:m="http://schemas.openxmlformats.org/officeDocument/2006/math">
+                      <m:f>
+                        <m:fPr>
+                          <m:ctrlPr>
+                            <a:rPr lang="fr-BE" sz="2000" b="0" i="1" smtClean="0">
+                              <a:solidFill>
+                                <a:schemeClr val="tx1">
+                                  <a:lumMod val="85000"/>
+                                  <a:lumOff val="15000"/>
+                                </a:schemeClr>
+                              </a:solidFill>
+                              <a:latin typeface="Cambria Math" panose="02040503050406030204" pitchFamily="18" charset="0"/>
+                            </a:rPr>
+                          </m:ctrlPr>
+                        </m:fPr>
+                        <m:num>
+                          <m:r>
+                            <a:rPr lang="fr-BE" sz="2000" b="0" i="1" smtClean="0">
+                              <a:solidFill>
+                                <a:schemeClr val="tx1">
+                                  <a:lumMod val="85000"/>
+                                  <a:lumOff val="15000"/>
+                                </a:schemeClr>
+                              </a:solidFill>
+                              <a:latin typeface="Cambria Math" panose="02040503050406030204" pitchFamily="18" charset="0"/>
+                            </a:rPr>
+                            <m:t>𝑢</m:t>
+                          </m:r>
+                          <m:d>
+                            <m:dPr>
+                              <m:ctrlPr>
+                                <a:rPr lang="fr-BE" sz="2000" b="0" i="1" smtClean="0">
+                                  <a:solidFill>
+                                    <a:schemeClr val="tx1">
+                                      <a:lumMod val="85000"/>
+                                      <a:lumOff val="15000"/>
+                                    </a:schemeClr>
+                                  </a:solidFill>
+                                  <a:latin typeface="Cambria Math" panose="02040503050406030204" pitchFamily="18" charset="0"/>
+                                </a:rPr>
+                              </m:ctrlPr>
+                            </m:dPr>
+                            <m:e>
+                              <m:r>
+                                <a:rPr lang="fr-BE" sz="2000" b="0" i="1" smtClean="0">
+                                  <a:solidFill>
+                                    <a:schemeClr val="tx1">
+                                      <a:lumMod val="85000"/>
+                                      <a:lumOff val="15000"/>
+                                    </a:schemeClr>
+                                  </a:solidFill>
+                                  <a:latin typeface="Cambria Math" panose="02040503050406030204" pitchFamily="18" charset="0"/>
+                                </a:rPr>
+                                <m:t>𝑥</m:t>
+                              </m:r>
+                              <m:r>
+                                <a:rPr lang="fr-BE" sz="2000" b="0" i="1" smtClean="0">
+                                  <a:solidFill>
+                                    <a:schemeClr val="tx1">
+                                      <a:lumMod val="85000"/>
+                                      <a:lumOff val="15000"/>
+                                    </a:schemeClr>
+                                  </a:solidFill>
+                                  <a:latin typeface="Cambria Math" panose="02040503050406030204" pitchFamily="18" charset="0"/>
+                                </a:rPr>
+                                <m:t>,</m:t>
+                              </m:r>
+                              <m:r>
+                                <a:rPr lang="fr-BE" sz="2000" b="0" i="1" smtClean="0">
+                                  <a:solidFill>
+                                    <a:schemeClr val="tx1">
+                                      <a:lumMod val="85000"/>
+                                      <a:lumOff val="15000"/>
+                                    </a:schemeClr>
+                                  </a:solidFill>
+                                  <a:latin typeface="Cambria Math" panose="02040503050406030204" pitchFamily="18" charset="0"/>
+                                </a:rPr>
+                                <m:t>𝑡</m:t>
+                              </m:r>
+                              <m:r>
+                                <a:rPr lang="fr-BE" sz="2000" b="0" i="1" smtClean="0">
+                                  <a:solidFill>
+                                    <a:schemeClr val="tx1">
+                                      <a:lumMod val="85000"/>
+                                      <a:lumOff val="15000"/>
+                                    </a:schemeClr>
+                                  </a:solidFill>
+                                  <a:latin typeface="Cambria Math" panose="02040503050406030204" pitchFamily="18" charset="0"/>
+                                </a:rPr>
+                                <m:t>+</m:t>
+                              </m:r>
+                              <m:r>
+                                <m:rPr>
+                                  <m:sty m:val="p"/>
+                                </m:rPr>
+                                <a:rPr lang="fr-BE" sz="2000" b="0" i="0" smtClean="0">
+                                  <a:solidFill>
+                                    <a:schemeClr val="tx1">
+                                      <a:lumMod val="85000"/>
+                                      <a:lumOff val="15000"/>
+                                    </a:schemeClr>
+                                  </a:solidFill>
+                                  <a:latin typeface="Cambria Math" panose="02040503050406030204" pitchFamily="18" charset="0"/>
+                                </a:rPr>
+                                <m:t>Δ</m:t>
+                              </m:r>
+                              <m:r>
+                                <a:rPr lang="fr-BE" sz="2000" b="0" i="1" smtClean="0">
+                                  <a:solidFill>
+                                    <a:schemeClr val="tx1">
+                                      <a:lumMod val="85000"/>
+                                      <a:lumOff val="15000"/>
+                                    </a:schemeClr>
+                                  </a:solidFill>
+                                  <a:latin typeface="Cambria Math" panose="02040503050406030204" pitchFamily="18" charset="0"/>
+                                </a:rPr>
+                                <m:t>𝑡</m:t>
+                              </m:r>
+                            </m:e>
+                          </m:d>
+                          <m:r>
+                            <a:rPr lang="fr-BE" sz="2000" b="0" i="1" smtClean="0">
+                              <a:solidFill>
+                                <a:schemeClr val="tx1">
+                                  <a:lumMod val="85000"/>
+                                  <a:lumOff val="15000"/>
+                                </a:schemeClr>
+                              </a:solidFill>
+                              <a:latin typeface="Cambria Math" panose="02040503050406030204" pitchFamily="18" charset="0"/>
+                            </a:rPr>
+                            <m:t>−</m:t>
+                          </m:r>
+                          <m:r>
+                            <a:rPr lang="fr-BE" sz="2000" b="0" i="1" smtClean="0">
+                              <a:solidFill>
+                                <a:schemeClr val="tx1">
+                                  <a:lumMod val="85000"/>
+                                  <a:lumOff val="15000"/>
+                                </a:schemeClr>
+                              </a:solidFill>
+                              <a:latin typeface="Cambria Math" panose="02040503050406030204" pitchFamily="18" charset="0"/>
+                            </a:rPr>
+                            <m:t>𝑢</m:t>
+                          </m:r>
+                          <m:r>
+                            <a:rPr lang="fr-BE" sz="2000" b="0" i="1" smtClean="0">
+                              <a:solidFill>
+                                <a:schemeClr val="tx1">
+                                  <a:lumMod val="85000"/>
+                                  <a:lumOff val="15000"/>
+                                </a:schemeClr>
+                              </a:solidFill>
+                              <a:latin typeface="Cambria Math" panose="02040503050406030204" pitchFamily="18" charset="0"/>
+                            </a:rPr>
+                            <m:t>(</m:t>
+                          </m:r>
+                          <m:r>
+                            <a:rPr lang="fr-BE" sz="2000" b="0" i="1" smtClean="0">
+                              <a:solidFill>
+                                <a:schemeClr val="tx1">
+                                  <a:lumMod val="85000"/>
+                                  <a:lumOff val="15000"/>
+                                </a:schemeClr>
+                              </a:solidFill>
+                              <a:latin typeface="Cambria Math" panose="02040503050406030204" pitchFamily="18" charset="0"/>
+                            </a:rPr>
+                            <m:t>𝑥</m:t>
+                          </m:r>
+                          <m:r>
+                            <a:rPr lang="fr-BE" sz="2000" b="0" i="1" smtClean="0">
+                              <a:solidFill>
+                                <a:schemeClr val="tx1">
+                                  <a:lumMod val="85000"/>
+                                  <a:lumOff val="15000"/>
+                                </a:schemeClr>
+                              </a:solidFill>
+                              <a:latin typeface="Cambria Math" panose="02040503050406030204" pitchFamily="18" charset="0"/>
+                            </a:rPr>
+                            <m:t>,</m:t>
+                          </m:r>
+                          <m:r>
+                            <a:rPr lang="fr-BE" sz="2000" b="0" i="1" smtClean="0">
+                              <a:solidFill>
+                                <a:schemeClr val="tx1">
+                                  <a:lumMod val="85000"/>
+                                  <a:lumOff val="15000"/>
+                                </a:schemeClr>
+                              </a:solidFill>
+                              <a:latin typeface="Cambria Math" panose="02040503050406030204" pitchFamily="18" charset="0"/>
+                            </a:rPr>
+                            <m:t>𝑡</m:t>
+                          </m:r>
+                          <m:r>
+                            <a:rPr lang="fr-BE" sz="2000" b="0" i="1" smtClean="0">
+                              <a:solidFill>
+                                <a:schemeClr val="tx1">
+                                  <a:lumMod val="85000"/>
+                                  <a:lumOff val="15000"/>
+                                </a:schemeClr>
+                              </a:solidFill>
+                              <a:latin typeface="Cambria Math" panose="02040503050406030204" pitchFamily="18" charset="0"/>
+                            </a:rPr>
+                            <m:t>)</m:t>
+                          </m:r>
+                        </m:num>
+                        <m:den>
+                          <m:r>
+                            <m:rPr>
+                              <m:sty m:val="p"/>
+                            </m:rPr>
+                            <a:rPr lang="fr-BE" sz="2000" b="0" i="0" smtClean="0">
+                              <a:solidFill>
+                                <a:schemeClr val="tx1">
+                                  <a:lumMod val="85000"/>
+                                  <a:lumOff val="15000"/>
+                                </a:schemeClr>
+                              </a:solidFill>
+                              <a:latin typeface="Cambria Math" panose="02040503050406030204" pitchFamily="18" charset="0"/>
+                            </a:rPr>
+                            <m:t>Δ</m:t>
+                          </m:r>
+                          <m:r>
+                            <a:rPr lang="fr-BE" sz="2000" b="0" i="1" smtClean="0">
+                              <a:solidFill>
+                                <a:schemeClr val="tx1">
+                                  <a:lumMod val="85000"/>
+                                  <a:lumOff val="15000"/>
+                                </a:schemeClr>
+                              </a:solidFill>
+                              <a:latin typeface="Cambria Math" panose="02040503050406030204" pitchFamily="18" charset="0"/>
+                            </a:rPr>
+                            <m:t>𝑡</m:t>
+                          </m:r>
+                        </m:den>
+                      </m:f>
+                      <m:r>
+                        <a:rPr lang="fr-BE" sz="2000" b="0" i="1" smtClean="0">
+                          <a:solidFill>
+                            <a:schemeClr val="tx1">
+                              <a:lumMod val="85000"/>
+                              <a:lumOff val="15000"/>
+                            </a:schemeClr>
+                          </a:solidFill>
+                          <a:latin typeface="Cambria Math" panose="02040503050406030204" pitchFamily="18" charset="0"/>
+                        </a:rPr>
+                        <m:t>=</m:t>
+                      </m:r>
+                      <m:f>
+                        <m:fPr>
+                          <m:ctrlPr>
+                            <a:rPr lang="fr-BE" sz="2000" b="0" i="1" smtClean="0">
+                              <a:solidFill>
+                                <a:schemeClr val="tx1">
+                                  <a:lumMod val="85000"/>
+                                  <a:lumOff val="15000"/>
+                                </a:schemeClr>
+                              </a:solidFill>
+                              <a:latin typeface="Cambria Math" panose="02040503050406030204" pitchFamily="18" charset="0"/>
+                            </a:rPr>
+                          </m:ctrlPr>
+                        </m:fPr>
+                        <m:num>
+                          <m:r>
+                            <a:rPr lang="fr-BE" sz="2000" b="0" i="1" smtClean="0">
+                              <a:solidFill>
+                                <a:schemeClr val="tx1">
+                                  <a:lumMod val="85000"/>
+                                  <a:lumOff val="15000"/>
+                                </a:schemeClr>
+                              </a:solidFill>
+                              <a:latin typeface="Cambria Math" panose="02040503050406030204" pitchFamily="18" charset="0"/>
+                            </a:rPr>
+                            <m:t>1</m:t>
+                          </m:r>
+                        </m:num>
+                        <m:den>
+                          <m:r>
+                            <a:rPr lang="fr-BE" sz="2000" b="0" i="1" smtClean="0">
+                              <a:solidFill>
+                                <a:schemeClr val="tx1">
+                                  <a:lumMod val="85000"/>
+                                  <a:lumOff val="15000"/>
+                                </a:schemeClr>
+                              </a:solidFill>
+                              <a:latin typeface="Cambria Math" panose="02040503050406030204" pitchFamily="18" charset="0"/>
+                            </a:rPr>
+                            <m:t>2</m:t>
+                          </m:r>
+                        </m:den>
+                      </m:f>
+                      <m:r>
+                        <a:rPr lang="fr-BE" sz="2000" b="0" i="1" smtClean="0">
+                          <a:solidFill>
+                            <a:schemeClr val="tx1">
+                              <a:lumMod val="85000"/>
+                              <a:lumOff val="15000"/>
+                            </a:schemeClr>
+                          </a:solidFill>
+                          <a:latin typeface="Cambria Math" panose="02040503050406030204" pitchFamily="18" charset="0"/>
+                        </a:rPr>
+                        <m:t>(</m:t>
+                      </m:r>
+                      <m:r>
+                        <a:rPr lang="fr-BE" sz="2000" b="0" i="1" smtClean="0">
+                          <a:solidFill>
+                            <a:schemeClr val="tx1">
+                              <a:lumMod val="85000"/>
+                              <a:lumOff val="15000"/>
+                            </a:schemeClr>
+                          </a:solidFill>
+                          <a:latin typeface="Cambria Math" panose="02040503050406030204" pitchFamily="18" charset="0"/>
+                        </a:rPr>
+                        <m:t>𝐿𝑢</m:t>
+                      </m:r>
+                      <m:d>
+                        <m:dPr>
+                          <m:ctrlPr>
+                            <a:rPr lang="fr-BE" sz="2000" b="0" i="1" smtClean="0">
+                              <a:solidFill>
+                                <a:schemeClr val="tx1">
+                                  <a:lumMod val="85000"/>
+                                  <a:lumOff val="15000"/>
+                                </a:schemeClr>
+                              </a:solidFill>
+                              <a:latin typeface="Cambria Math" panose="02040503050406030204" pitchFamily="18" charset="0"/>
+                            </a:rPr>
+                          </m:ctrlPr>
+                        </m:dPr>
+                        <m:e>
+                          <m:r>
+                            <a:rPr lang="fr-BE" sz="2000" b="0" i="1" smtClean="0">
+                              <a:solidFill>
+                                <a:schemeClr val="tx1">
+                                  <a:lumMod val="85000"/>
+                                  <a:lumOff val="15000"/>
+                                </a:schemeClr>
+                              </a:solidFill>
+                              <a:latin typeface="Cambria Math" panose="02040503050406030204" pitchFamily="18" charset="0"/>
+                            </a:rPr>
+                            <m:t>𝑥</m:t>
+                          </m:r>
+                          <m:r>
+                            <a:rPr lang="fr-BE" sz="2000" b="0" i="1" smtClean="0">
+                              <a:solidFill>
+                                <a:schemeClr val="tx1">
+                                  <a:lumMod val="85000"/>
+                                  <a:lumOff val="15000"/>
+                                </a:schemeClr>
+                              </a:solidFill>
+                              <a:latin typeface="Cambria Math" panose="02040503050406030204" pitchFamily="18" charset="0"/>
+                            </a:rPr>
+                            <m:t>,</m:t>
+                          </m:r>
+                          <m:r>
+                            <a:rPr lang="fr-BE" sz="2000" b="0" i="1" smtClean="0">
+                              <a:solidFill>
+                                <a:schemeClr val="tx1">
+                                  <a:lumMod val="85000"/>
+                                  <a:lumOff val="15000"/>
+                                </a:schemeClr>
+                              </a:solidFill>
+                              <a:latin typeface="Cambria Math" panose="02040503050406030204" pitchFamily="18" charset="0"/>
+                            </a:rPr>
+                            <m:t>𝑡</m:t>
+                          </m:r>
+                          <m:r>
+                            <a:rPr lang="fr-BE" sz="2000" b="0" i="1" smtClean="0">
+                              <a:solidFill>
+                                <a:schemeClr val="tx1">
+                                  <a:lumMod val="85000"/>
+                                  <a:lumOff val="15000"/>
+                                </a:schemeClr>
+                              </a:solidFill>
+                              <a:latin typeface="Cambria Math" panose="02040503050406030204" pitchFamily="18" charset="0"/>
+                            </a:rPr>
+                            <m:t>+</m:t>
+                          </m:r>
+                          <m:r>
+                            <m:rPr>
+                              <m:sty m:val="p"/>
+                            </m:rPr>
+                            <a:rPr lang="fr-BE" sz="2000" b="0" i="0" smtClean="0">
+                              <a:solidFill>
+                                <a:schemeClr val="tx1">
+                                  <a:lumMod val="85000"/>
+                                  <a:lumOff val="15000"/>
+                                </a:schemeClr>
+                              </a:solidFill>
+                              <a:latin typeface="Cambria Math" panose="02040503050406030204" pitchFamily="18" charset="0"/>
+                            </a:rPr>
+                            <m:t>Δ</m:t>
+                          </m:r>
+                          <m:r>
+                            <a:rPr lang="fr-BE" sz="2000" b="0" i="1" smtClean="0">
+                              <a:solidFill>
+                                <a:schemeClr val="tx1">
+                                  <a:lumMod val="85000"/>
+                                  <a:lumOff val="15000"/>
+                                </a:schemeClr>
+                              </a:solidFill>
+                              <a:latin typeface="Cambria Math" panose="02040503050406030204" pitchFamily="18" charset="0"/>
+                            </a:rPr>
+                            <m:t>𝑡</m:t>
+                          </m:r>
+                        </m:e>
+                      </m:d>
+                      <m:r>
+                        <a:rPr lang="fr-BE" sz="2000" b="0" i="1" smtClean="0">
+                          <a:solidFill>
+                            <a:schemeClr val="tx1">
+                              <a:lumMod val="85000"/>
+                              <a:lumOff val="15000"/>
+                            </a:schemeClr>
+                          </a:solidFill>
+                          <a:latin typeface="Cambria Math" panose="02040503050406030204" pitchFamily="18" charset="0"/>
+                        </a:rPr>
+                        <m:t>+</m:t>
+                      </m:r>
+                      <m:r>
+                        <a:rPr lang="fr-BE" sz="2000" b="0" i="1" smtClean="0">
+                          <a:solidFill>
+                            <a:schemeClr val="tx1">
+                              <a:lumMod val="85000"/>
+                              <a:lumOff val="15000"/>
+                            </a:schemeClr>
+                          </a:solidFill>
+                          <a:latin typeface="Cambria Math" panose="02040503050406030204" pitchFamily="18" charset="0"/>
+                        </a:rPr>
+                        <m:t>𝐿𝑢</m:t>
+                      </m:r>
+                      <m:r>
+                        <a:rPr lang="fr-BE" sz="2000" b="0" i="1" smtClean="0">
+                          <a:solidFill>
+                            <a:schemeClr val="tx1">
+                              <a:lumMod val="85000"/>
+                              <a:lumOff val="15000"/>
+                            </a:schemeClr>
+                          </a:solidFill>
+                          <a:latin typeface="Cambria Math" panose="02040503050406030204" pitchFamily="18" charset="0"/>
+                        </a:rPr>
+                        <m:t>(</m:t>
+                      </m:r>
+                      <m:r>
+                        <a:rPr lang="fr-BE" sz="2000" b="0" i="1" smtClean="0">
+                          <a:solidFill>
+                            <a:schemeClr val="tx1">
+                              <a:lumMod val="85000"/>
+                              <a:lumOff val="15000"/>
+                            </a:schemeClr>
+                          </a:solidFill>
+                          <a:latin typeface="Cambria Math" panose="02040503050406030204" pitchFamily="18" charset="0"/>
+                        </a:rPr>
+                        <m:t>𝑥</m:t>
+                      </m:r>
+                      <m:r>
+                        <a:rPr lang="fr-BE" sz="2000" b="0" i="1" smtClean="0">
+                          <a:solidFill>
+                            <a:schemeClr val="tx1">
+                              <a:lumMod val="85000"/>
+                              <a:lumOff val="15000"/>
+                            </a:schemeClr>
+                          </a:solidFill>
+                          <a:latin typeface="Cambria Math" panose="02040503050406030204" pitchFamily="18" charset="0"/>
+                        </a:rPr>
+                        <m:t>,</m:t>
+                      </m:r>
+                      <m:r>
+                        <a:rPr lang="fr-BE" sz="2000" b="0" i="1" smtClean="0">
+                          <a:solidFill>
+                            <a:schemeClr val="tx1">
+                              <a:lumMod val="85000"/>
+                              <a:lumOff val="15000"/>
+                            </a:schemeClr>
+                          </a:solidFill>
+                          <a:latin typeface="Cambria Math" panose="02040503050406030204" pitchFamily="18" charset="0"/>
+                        </a:rPr>
+                        <m:t>𝑡</m:t>
+                      </m:r>
+                      <m:r>
+                        <a:rPr lang="fr-BE" sz="2000" b="0" i="1" smtClean="0">
+                          <a:solidFill>
+                            <a:schemeClr val="tx1">
+                              <a:lumMod val="85000"/>
+                              <a:lumOff val="15000"/>
+                            </a:schemeClr>
+                          </a:solidFill>
+                          <a:latin typeface="Cambria Math" panose="02040503050406030204" pitchFamily="18" charset="0"/>
+                        </a:rPr>
+                        <m:t>))</m:t>
+                      </m:r>
+                    </m:oMath>
+                  </m:oMathPara>
+                </a14:m>
+                <a:endParaRPr lang="fr-BE" dirty="0" smtClean="0">
+                  <a:solidFill>
+                    <a:schemeClr val="tx1">
+                      <a:lumMod val="85000"/>
+                      <a:lumOff val="15000"/>
+                    </a:schemeClr>
+                  </a:solidFill>
+                </a:endParaRPr>
+              </a:p>
+              <a:p>
+                <a14:m>
+                  <m:oMath xmlns:m="http://schemas.openxmlformats.org/officeDocument/2006/math">
+                    <m:r>
+                      <a:rPr lang="fr-BE" sz="2000" b="0" i="1" smtClean="0">
+                        <a:solidFill>
+                          <a:schemeClr val="tx1">
+                            <a:lumMod val="85000"/>
+                            <a:lumOff val="15000"/>
+                          </a:schemeClr>
+                        </a:solidFill>
+                        <a:latin typeface="Cambria Math" panose="02040503050406030204" pitchFamily="18" charset="0"/>
+                      </a:rPr>
+                      <m:t>𝑁𝑢</m:t>
+                    </m:r>
+                  </m:oMath>
+                </a14:m>
+                <a:r>
+                  <a:rPr lang="fr-BE" dirty="0" smtClean="0">
+                    <a:solidFill>
+                      <a:schemeClr val="tx1">
+                        <a:lumMod val="85000"/>
+                        <a:lumOff val="15000"/>
+                      </a:schemeClr>
+                    </a:solidFill>
+                  </a:rPr>
+                  <a:t> : méthode explicite de Adam </a:t>
+                </a:r>
+                <a:r>
+                  <a:rPr lang="fr-BE" dirty="0" err="1" smtClean="0">
+                    <a:solidFill>
+                      <a:schemeClr val="tx1">
+                        <a:lumMod val="85000"/>
+                        <a:lumOff val="15000"/>
+                      </a:schemeClr>
+                    </a:solidFill>
+                  </a:rPr>
+                  <a:t>Bashforth</a:t>
+                </a:r>
+                <a:endParaRPr lang="fr-BE" dirty="0" smtClean="0">
+                  <a:solidFill>
+                    <a:schemeClr val="tx1">
+                      <a:lumMod val="85000"/>
+                      <a:lumOff val="15000"/>
+                    </a:schemeClr>
+                  </a:solidFill>
+                </a:endParaRPr>
+              </a:p>
+              <a:p>
+                <a14:m>
+                  <m:oMathPara xmlns:m="http://schemas.openxmlformats.org/officeDocument/2006/math">
+                    <m:oMathParaPr>
+                      <m:jc m:val="centerGroup"/>
+                    </m:oMathParaPr>
+                    <m:oMath xmlns:m="http://schemas.openxmlformats.org/officeDocument/2006/math">
+                      <m:f>
+                        <m:fPr>
+                          <m:ctrlPr>
+                            <a:rPr lang="fr-BE" sz="2000" i="1" smtClean="0">
+                              <a:solidFill>
+                                <a:schemeClr val="tx1">
+                                  <a:lumMod val="85000"/>
+                                  <a:lumOff val="15000"/>
+                                </a:schemeClr>
+                              </a:solidFill>
+                              <a:latin typeface="Cambria Math" panose="02040503050406030204" pitchFamily="18" charset="0"/>
+                            </a:rPr>
+                          </m:ctrlPr>
+                        </m:fPr>
+                        <m:num>
+                          <m:r>
+                            <a:rPr lang="fr-BE" sz="2000" i="1">
+                              <a:solidFill>
+                                <a:schemeClr val="tx1">
+                                  <a:lumMod val="85000"/>
+                                  <a:lumOff val="15000"/>
+                                </a:schemeClr>
+                              </a:solidFill>
+                              <a:latin typeface="Cambria Math" panose="02040503050406030204" pitchFamily="18" charset="0"/>
+                            </a:rPr>
+                            <m:t>𝑢</m:t>
+                          </m:r>
+                          <m:d>
+                            <m:dPr>
+                              <m:ctrlPr>
+                                <a:rPr lang="fr-BE" sz="2000" i="1">
+                                  <a:solidFill>
+                                    <a:schemeClr val="tx1">
+                                      <a:lumMod val="85000"/>
+                                      <a:lumOff val="15000"/>
+                                    </a:schemeClr>
+                                  </a:solidFill>
+                                  <a:latin typeface="Cambria Math" panose="02040503050406030204" pitchFamily="18" charset="0"/>
+                                </a:rPr>
+                              </m:ctrlPr>
+                            </m:dPr>
+                            <m:e>
+                              <m:r>
+                                <a:rPr lang="fr-BE" sz="2000" i="1">
+                                  <a:solidFill>
+                                    <a:schemeClr val="tx1">
+                                      <a:lumMod val="85000"/>
+                                      <a:lumOff val="15000"/>
+                                    </a:schemeClr>
+                                  </a:solidFill>
+                                  <a:latin typeface="Cambria Math" panose="02040503050406030204" pitchFamily="18" charset="0"/>
+                                </a:rPr>
+                                <m:t>𝑥</m:t>
+                              </m:r>
+                              <m:r>
+                                <a:rPr lang="fr-BE" sz="2000" i="1">
+                                  <a:solidFill>
+                                    <a:schemeClr val="tx1">
+                                      <a:lumMod val="85000"/>
+                                      <a:lumOff val="15000"/>
+                                    </a:schemeClr>
+                                  </a:solidFill>
+                                  <a:latin typeface="Cambria Math" panose="02040503050406030204" pitchFamily="18" charset="0"/>
+                                </a:rPr>
+                                <m:t>,</m:t>
+                              </m:r>
+                              <m:r>
+                                <a:rPr lang="fr-BE" sz="2000" i="1">
+                                  <a:solidFill>
+                                    <a:schemeClr val="tx1">
+                                      <a:lumMod val="85000"/>
+                                      <a:lumOff val="15000"/>
+                                    </a:schemeClr>
+                                  </a:solidFill>
+                                  <a:latin typeface="Cambria Math" panose="02040503050406030204" pitchFamily="18" charset="0"/>
+                                </a:rPr>
+                                <m:t>𝑡</m:t>
+                              </m:r>
+                              <m:r>
+                                <a:rPr lang="fr-BE" sz="2000" i="1">
+                                  <a:solidFill>
+                                    <a:schemeClr val="tx1">
+                                      <a:lumMod val="85000"/>
+                                      <a:lumOff val="15000"/>
+                                    </a:schemeClr>
+                                  </a:solidFill>
+                                  <a:latin typeface="Cambria Math" panose="02040503050406030204" pitchFamily="18" charset="0"/>
+                                </a:rPr>
+                                <m:t>+</m:t>
+                              </m:r>
+                              <m:r>
+                                <m:rPr>
+                                  <m:sty m:val="p"/>
+                                </m:rPr>
+                                <a:rPr lang="fr-BE" sz="2000">
+                                  <a:solidFill>
+                                    <a:schemeClr val="tx1">
+                                      <a:lumMod val="85000"/>
+                                      <a:lumOff val="15000"/>
+                                    </a:schemeClr>
+                                  </a:solidFill>
+                                  <a:latin typeface="Cambria Math" panose="02040503050406030204" pitchFamily="18" charset="0"/>
+                                </a:rPr>
+                                <m:t>Δ</m:t>
+                              </m:r>
+                              <m:r>
+                                <a:rPr lang="fr-BE" sz="2000" i="1">
+                                  <a:solidFill>
+                                    <a:schemeClr val="tx1">
+                                      <a:lumMod val="85000"/>
+                                      <a:lumOff val="15000"/>
+                                    </a:schemeClr>
+                                  </a:solidFill>
+                                  <a:latin typeface="Cambria Math" panose="02040503050406030204" pitchFamily="18" charset="0"/>
+                                </a:rPr>
+                                <m:t>𝑡</m:t>
+                              </m:r>
+                            </m:e>
+                          </m:d>
+                          <m:r>
+                            <a:rPr lang="fr-BE" sz="2000" i="1">
+                              <a:solidFill>
+                                <a:schemeClr val="tx1">
+                                  <a:lumMod val="85000"/>
+                                  <a:lumOff val="15000"/>
+                                </a:schemeClr>
+                              </a:solidFill>
+                              <a:latin typeface="Cambria Math" panose="02040503050406030204" pitchFamily="18" charset="0"/>
+                            </a:rPr>
+                            <m:t>−</m:t>
+                          </m:r>
+                          <m:r>
+                            <a:rPr lang="fr-BE" sz="2000" i="1">
+                              <a:solidFill>
+                                <a:schemeClr val="tx1">
+                                  <a:lumMod val="85000"/>
+                                  <a:lumOff val="15000"/>
+                                </a:schemeClr>
+                              </a:solidFill>
+                              <a:latin typeface="Cambria Math" panose="02040503050406030204" pitchFamily="18" charset="0"/>
+                            </a:rPr>
+                            <m:t>𝑢</m:t>
+                          </m:r>
+                          <m:r>
+                            <a:rPr lang="fr-BE" sz="2000" i="1">
+                              <a:solidFill>
+                                <a:schemeClr val="tx1">
+                                  <a:lumMod val="85000"/>
+                                  <a:lumOff val="15000"/>
+                                </a:schemeClr>
+                              </a:solidFill>
+                              <a:latin typeface="Cambria Math" panose="02040503050406030204" pitchFamily="18" charset="0"/>
+                            </a:rPr>
+                            <m:t>(</m:t>
+                          </m:r>
+                          <m:r>
+                            <a:rPr lang="fr-BE" sz="2000" i="1">
+                              <a:solidFill>
+                                <a:schemeClr val="tx1">
+                                  <a:lumMod val="85000"/>
+                                  <a:lumOff val="15000"/>
+                                </a:schemeClr>
+                              </a:solidFill>
+                              <a:latin typeface="Cambria Math" panose="02040503050406030204" pitchFamily="18" charset="0"/>
+                            </a:rPr>
+                            <m:t>𝑥</m:t>
+                          </m:r>
+                          <m:r>
+                            <a:rPr lang="fr-BE" sz="2000" i="1">
+                              <a:solidFill>
+                                <a:schemeClr val="tx1">
+                                  <a:lumMod val="85000"/>
+                                  <a:lumOff val="15000"/>
+                                </a:schemeClr>
+                              </a:solidFill>
+                              <a:latin typeface="Cambria Math" panose="02040503050406030204" pitchFamily="18" charset="0"/>
+                            </a:rPr>
+                            <m:t>,</m:t>
+                          </m:r>
+                          <m:r>
+                            <a:rPr lang="fr-BE" sz="2000" i="1">
+                              <a:solidFill>
+                                <a:schemeClr val="tx1">
+                                  <a:lumMod val="85000"/>
+                                  <a:lumOff val="15000"/>
+                                </a:schemeClr>
+                              </a:solidFill>
+                              <a:latin typeface="Cambria Math" panose="02040503050406030204" pitchFamily="18" charset="0"/>
+                            </a:rPr>
+                            <m:t>𝑡</m:t>
+                          </m:r>
+                          <m:r>
+                            <a:rPr lang="fr-BE" sz="2000" i="1">
+                              <a:solidFill>
+                                <a:schemeClr val="tx1">
+                                  <a:lumMod val="85000"/>
+                                  <a:lumOff val="15000"/>
+                                </a:schemeClr>
+                              </a:solidFill>
+                              <a:latin typeface="Cambria Math" panose="02040503050406030204" pitchFamily="18" charset="0"/>
+                            </a:rPr>
+                            <m:t>)</m:t>
+                          </m:r>
+                        </m:num>
+                        <m:den>
+                          <m:r>
+                            <m:rPr>
+                              <m:sty m:val="p"/>
+                            </m:rPr>
+                            <a:rPr lang="fr-BE" sz="2000">
+                              <a:solidFill>
+                                <a:schemeClr val="tx1">
+                                  <a:lumMod val="85000"/>
+                                  <a:lumOff val="15000"/>
+                                </a:schemeClr>
+                              </a:solidFill>
+                              <a:latin typeface="Cambria Math" panose="02040503050406030204" pitchFamily="18" charset="0"/>
+                            </a:rPr>
+                            <m:t>Δ</m:t>
+                          </m:r>
+                          <m:r>
+                            <a:rPr lang="fr-BE" sz="2000" i="1">
+                              <a:solidFill>
+                                <a:schemeClr val="tx1">
+                                  <a:lumMod val="85000"/>
+                                  <a:lumOff val="15000"/>
+                                </a:schemeClr>
+                              </a:solidFill>
+                              <a:latin typeface="Cambria Math" panose="02040503050406030204" pitchFamily="18" charset="0"/>
+                            </a:rPr>
+                            <m:t>𝑡</m:t>
+                          </m:r>
+                        </m:den>
+                      </m:f>
+                      <m:r>
+                        <a:rPr lang="fr-BE" sz="2000" i="1">
+                          <a:solidFill>
+                            <a:schemeClr val="tx1">
+                              <a:lumMod val="85000"/>
+                              <a:lumOff val="15000"/>
+                            </a:schemeClr>
+                          </a:solidFill>
+                          <a:latin typeface="Cambria Math" panose="02040503050406030204" pitchFamily="18" charset="0"/>
+                        </a:rPr>
+                        <m:t>=</m:t>
+                      </m:r>
+                      <m:f>
+                        <m:fPr>
+                          <m:ctrlPr>
+                            <a:rPr lang="fr-BE" sz="2000" i="1">
+                              <a:solidFill>
+                                <a:schemeClr val="tx1">
+                                  <a:lumMod val="85000"/>
+                                  <a:lumOff val="15000"/>
+                                </a:schemeClr>
+                              </a:solidFill>
+                              <a:latin typeface="Cambria Math" panose="02040503050406030204" pitchFamily="18" charset="0"/>
+                            </a:rPr>
+                          </m:ctrlPr>
+                        </m:fPr>
+                        <m:num>
+                          <m:r>
+                            <a:rPr lang="fr-BE" sz="2000" b="0" i="1" smtClean="0">
+                              <a:solidFill>
+                                <a:schemeClr val="tx1">
+                                  <a:lumMod val="85000"/>
+                                  <a:lumOff val="15000"/>
+                                </a:schemeClr>
+                              </a:solidFill>
+                              <a:latin typeface="Cambria Math" panose="02040503050406030204" pitchFamily="18" charset="0"/>
+                            </a:rPr>
+                            <m:t>3</m:t>
+                          </m:r>
+                        </m:num>
+                        <m:den>
+                          <m:r>
+                            <a:rPr lang="fr-BE" sz="2000" i="1">
+                              <a:solidFill>
+                                <a:schemeClr val="tx1">
+                                  <a:lumMod val="85000"/>
+                                  <a:lumOff val="15000"/>
+                                </a:schemeClr>
+                              </a:solidFill>
+                              <a:latin typeface="Cambria Math" panose="02040503050406030204" pitchFamily="18" charset="0"/>
+                            </a:rPr>
+                            <m:t>2</m:t>
+                          </m:r>
+                        </m:den>
+                      </m:f>
+                      <m:r>
+                        <a:rPr lang="fr-BE" sz="2000" b="0" i="1" smtClean="0">
+                          <a:solidFill>
+                            <a:schemeClr val="tx1">
+                              <a:lumMod val="85000"/>
+                              <a:lumOff val="15000"/>
+                            </a:schemeClr>
+                          </a:solidFill>
+                          <a:latin typeface="Cambria Math" panose="02040503050406030204" pitchFamily="18" charset="0"/>
+                        </a:rPr>
+                        <m:t>𝑁</m:t>
+                      </m:r>
+                      <m:r>
+                        <a:rPr lang="fr-BE" sz="2000" i="1">
+                          <a:solidFill>
+                            <a:schemeClr val="tx1">
+                              <a:lumMod val="85000"/>
+                              <a:lumOff val="15000"/>
+                            </a:schemeClr>
+                          </a:solidFill>
+                          <a:latin typeface="Cambria Math" panose="02040503050406030204" pitchFamily="18" charset="0"/>
+                        </a:rPr>
+                        <m:t>𝑢</m:t>
+                      </m:r>
+                      <m:d>
+                        <m:dPr>
+                          <m:ctrlPr>
+                            <a:rPr lang="fr-BE" sz="2000" i="1">
+                              <a:solidFill>
+                                <a:schemeClr val="tx1">
+                                  <a:lumMod val="85000"/>
+                                  <a:lumOff val="15000"/>
+                                </a:schemeClr>
+                              </a:solidFill>
+                              <a:latin typeface="Cambria Math" panose="02040503050406030204" pitchFamily="18" charset="0"/>
+                            </a:rPr>
+                          </m:ctrlPr>
+                        </m:dPr>
+                        <m:e>
+                          <m:r>
+                            <a:rPr lang="fr-BE" sz="2000" i="1">
+                              <a:solidFill>
+                                <a:schemeClr val="tx1">
+                                  <a:lumMod val="85000"/>
+                                  <a:lumOff val="15000"/>
+                                </a:schemeClr>
+                              </a:solidFill>
+                              <a:latin typeface="Cambria Math" panose="02040503050406030204" pitchFamily="18" charset="0"/>
+                            </a:rPr>
+                            <m:t>𝑥</m:t>
+                          </m:r>
+                          <m:r>
+                            <a:rPr lang="fr-BE" sz="2000" i="1">
+                              <a:solidFill>
+                                <a:schemeClr val="tx1">
+                                  <a:lumMod val="85000"/>
+                                  <a:lumOff val="15000"/>
+                                </a:schemeClr>
+                              </a:solidFill>
+                              <a:latin typeface="Cambria Math" panose="02040503050406030204" pitchFamily="18" charset="0"/>
+                            </a:rPr>
+                            <m:t>,</m:t>
+                          </m:r>
+                          <m:r>
+                            <a:rPr lang="fr-BE" sz="2000" i="1">
+                              <a:solidFill>
+                                <a:schemeClr val="tx1">
+                                  <a:lumMod val="85000"/>
+                                  <a:lumOff val="15000"/>
+                                </a:schemeClr>
+                              </a:solidFill>
+                              <a:latin typeface="Cambria Math" panose="02040503050406030204" pitchFamily="18" charset="0"/>
+                            </a:rPr>
+                            <m:t>𝑡</m:t>
+                          </m:r>
+                        </m:e>
+                      </m:d>
+                      <m:r>
+                        <a:rPr lang="fr-BE" sz="2000" b="0" i="1" smtClean="0">
+                          <a:solidFill>
+                            <a:schemeClr val="tx1">
+                              <a:lumMod val="85000"/>
+                              <a:lumOff val="15000"/>
+                            </a:schemeClr>
+                          </a:solidFill>
+                          <a:latin typeface="Cambria Math" panose="02040503050406030204" pitchFamily="18" charset="0"/>
+                        </a:rPr>
+                        <m:t>−</m:t>
+                      </m:r>
+                      <m:f>
+                        <m:fPr>
+                          <m:ctrlPr>
+                            <a:rPr lang="fr-BE" sz="2000" b="0" i="1" smtClean="0">
+                              <a:solidFill>
+                                <a:schemeClr val="tx1">
+                                  <a:lumMod val="85000"/>
+                                  <a:lumOff val="15000"/>
+                                </a:schemeClr>
+                              </a:solidFill>
+                              <a:latin typeface="Cambria Math" panose="02040503050406030204" pitchFamily="18" charset="0"/>
+                            </a:rPr>
+                          </m:ctrlPr>
+                        </m:fPr>
+                        <m:num>
+                          <m:r>
+                            <a:rPr lang="fr-BE" sz="2000" b="0" i="1" smtClean="0">
+                              <a:solidFill>
+                                <a:schemeClr val="tx1">
+                                  <a:lumMod val="85000"/>
+                                  <a:lumOff val="15000"/>
+                                </a:schemeClr>
+                              </a:solidFill>
+                              <a:latin typeface="Cambria Math" panose="02040503050406030204" pitchFamily="18" charset="0"/>
+                            </a:rPr>
+                            <m:t>1</m:t>
+                          </m:r>
+                        </m:num>
+                        <m:den>
+                          <m:r>
+                            <a:rPr lang="fr-BE" sz="2000" b="0" i="1" smtClean="0">
+                              <a:solidFill>
+                                <a:schemeClr val="tx1">
+                                  <a:lumMod val="85000"/>
+                                  <a:lumOff val="15000"/>
+                                </a:schemeClr>
+                              </a:solidFill>
+                              <a:latin typeface="Cambria Math" panose="02040503050406030204" pitchFamily="18" charset="0"/>
+                            </a:rPr>
+                            <m:t>2</m:t>
+                          </m:r>
+                        </m:den>
+                      </m:f>
+                      <m:r>
+                        <a:rPr lang="fr-BE" sz="2000" b="0" i="1" smtClean="0">
+                          <a:solidFill>
+                            <a:schemeClr val="tx1">
+                              <a:lumMod val="85000"/>
+                              <a:lumOff val="15000"/>
+                            </a:schemeClr>
+                          </a:solidFill>
+                          <a:latin typeface="Cambria Math" panose="02040503050406030204" pitchFamily="18" charset="0"/>
+                        </a:rPr>
+                        <m:t>𝑁</m:t>
+                      </m:r>
+                      <m:r>
+                        <a:rPr lang="fr-BE" sz="2000" i="1">
+                          <a:solidFill>
+                            <a:schemeClr val="tx1">
+                              <a:lumMod val="85000"/>
+                              <a:lumOff val="15000"/>
+                            </a:schemeClr>
+                          </a:solidFill>
+                          <a:latin typeface="Cambria Math" panose="02040503050406030204" pitchFamily="18" charset="0"/>
+                        </a:rPr>
+                        <m:t>𝑢</m:t>
+                      </m:r>
+                      <m:r>
+                        <a:rPr lang="fr-BE" sz="2000" i="1">
+                          <a:solidFill>
+                            <a:schemeClr val="tx1">
+                              <a:lumMod val="85000"/>
+                              <a:lumOff val="15000"/>
+                            </a:schemeClr>
+                          </a:solidFill>
+                          <a:latin typeface="Cambria Math" panose="02040503050406030204" pitchFamily="18" charset="0"/>
+                        </a:rPr>
+                        <m:t>(</m:t>
+                      </m:r>
+                      <m:r>
+                        <a:rPr lang="fr-BE" sz="2000" i="1">
+                          <a:solidFill>
+                            <a:schemeClr val="tx1">
+                              <a:lumMod val="85000"/>
+                              <a:lumOff val="15000"/>
+                            </a:schemeClr>
+                          </a:solidFill>
+                          <a:latin typeface="Cambria Math" panose="02040503050406030204" pitchFamily="18" charset="0"/>
+                        </a:rPr>
+                        <m:t>𝑥</m:t>
+                      </m:r>
+                      <m:r>
+                        <a:rPr lang="fr-BE" sz="2000" i="1">
+                          <a:solidFill>
+                            <a:schemeClr val="tx1">
+                              <a:lumMod val="85000"/>
+                              <a:lumOff val="15000"/>
+                            </a:schemeClr>
+                          </a:solidFill>
+                          <a:latin typeface="Cambria Math" panose="02040503050406030204" pitchFamily="18" charset="0"/>
+                        </a:rPr>
+                        <m:t>,</m:t>
+                      </m:r>
+                      <m:r>
+                        <a:rPr lang="fr-BE" sz="2000" i="1">
+                          <a:solidFill>
+                            <a:schemeClr val="tx1">
+                              <a:lumMod val="85000"/>
+                              <a:lumOff val="15000"/>
+                            </a:schemeClr>
+                          </a:solidFill>
+                          <a:latin typeface="Cambria Math" panose="02040503050406030204" pitchFamily="18" charset="0"/>
+                        </a:rPr>
+                        <m:t>𝑡</m:t>
+                      </m:r>
+                      <m:r>
+                        <a:rPr lang="fr-BE" sz="2000" b="0" i="1" smtClean="0">
+                          <a:solidFill>
+                            <a:schemeClr val="tx1">
+                              <a:lumMod val="85000"/>
+                              <a:lumOff val="15000"/>
+                            </a:schemeClr>
+                          </a:solidFill>
+                          <a:latin typeface="Cambria Math" panose="02040503050406030204" pitchFamily="18" charset="0"/>
+                        </a:rPr>
+                        <m:t>−</m:t>
+                      </m:r>
+                      <m:r>
+                        <m:rPr>
+                          <m:sty m:val="p"/>
+                        </m:rPr>
+                        <a:rPr lang="fr-BE" sz="2000" b="0" i="0" smtClean="0">
+                          <a:solidFill>
+                            <a:schemeClr val="tx1">
+                              <a:lumMod val="85000"/>
+                              <a:lumOff val="15000"/>
+                            </a:schemeClr>
+                          </a:solidFill>
+                          <a:latin typeface="Cambria Math" panose="02040503050406030204" pitchFamily="18" charset="0"/>
+                        </a:rPr>
+                        <m:t>Δ</m:t>
+                      </m:r>
+                      <m:r>
+                        <a:rPr lang="fr-BE" sz="2000" b="0" i="1" smtClean="0">
+                          <a:solidFill>
+                            <a:schemeClr val="tx1">
+                              <a:lumMod val="85000"/>
+                              <a:lumOff val="15000"/>
+                            </a:schemeClr>
+                          </a:solidFill>
+                          <a:latin typeface="Cambria Math" panose="02040503050406030204" pitchFamily="18" charset="0"/>
+                        </a:rPr>
+                        <m:t>𝑡</m:t>
+                      </m:r>
+                      <m:r>
+                        <a:rPr lang="fr-BE" sz="2000" i="1">
+                          <a:solidFill>
+                            <a:schemeClr val="tx1">
+                              <a:lumMod val="85000"/>
+                              <a:lumOff val="15000"/>
+                            </a:schemeClr>
+                          </a:solidFill>
+                          <a:latin typeface="Cambria Math" panose="02040503050406030204" pitchFamily="18" charset="0"/>
+                        </a:rPr>
+                        <m:t>)</m:t>
+                      </m:r>
+                    </m:oMath>
+                  </m:oMathPara>
+                </a14:m>
+                <a:endParaRPr lang="fr-BE" dirty="0">
+                  <a:solidFill>
+                    <a:schemeClr val="tx1">
+                      <a:lumMod val="85000"/>
+                      <a:lumOff val="15000"/>
+                    </a:schemeClr>
+                  </a:solidFill>
+                </a:endParaRPr>
+              </a:p>
+            </p:txBody>
+          </p:sp>
+        </mc:Choice>
+        <mc:Fallback>
+          <p:sp>
+            <p:nvSpPr>
+              <p:cNvPr id="11" name="ZoneTexte 10"/>
+              <p:cNvSpPr txBox="1">
+                <a:spLocks noRot="1" noChangeAspect="1" noMove="1" noResize="1" noEditPoints="1" noAdjustHandles="1" noChangeArrowheads="1" noChangeShapeType="1" noTextEdit="1"/>
+              </p:cNvSpPr>
+              <p:nvPr/>
+            </p:nvSpPr>
+            <p:spPr>
+              <a:xfrm>
+                <a:off x="677333" y="2515394"/>
+                <a:ext cx="8596669" cy="1795876"/>
+              </a:xfrm>
+              <a:prstGeom prst="rect">
+                <a:avLst/>
+              </a:prstGeom>
+              <a:blipFill>
+                <a:blip r:embed="rId5"/>
+                <a:stretch>
+                  <a:fillRect l="-993" t="-3401"/>
+                </a:stretch>
+              </a:blipFill>
+            </p:spPr>
+            <p:txBody>
+              <a:bodyPr/>
+              <a:lstStyle/>
+              <a:p>
+                <a:r>
+                  <a:rPr lang="fr-BE">
+                    <a:noFill/>
+                  </a:rPr>
+                  <a:t> </a:t>
+                </a:r>
+              </a:p>
+            </p:txBody>
+          </p:sp>
+        </mc:Fallback>
+      </mc:AlternateContent>
+      <mc:AlternateContent xmlns:mc="http://schemas.openxmlformats.org/markup-compatibility/2006">
+        <mc:Choice xmlns:a14="http://schemas.microsoft.com/office/drawing/2010/main" Requires="a14">
+          <p:sp>
+            <p:nvSpPr>
+              <p:cNvPr id="12" name="ZoneTexte 11"/>
+              <p:cNvSpPr txBox="1"/>
+              <p:nvPr/>
+            </p:nvSpPr>
+            <p:spPr>
+              <a:xfrm>
+                <a:off x="677332" y="4711598"/>
+                <a:ext cx="8596670" cy="629852"/>
+              </a:xfrm>
+              <a:prstGeom prst="rect">
+                <a:avLst/>
+              </a:prstGeom>
+              <a:noFill/>
+            </p:spPr>
+            <p:txBody>
+              <a:bodyPr wrap="square" rtlCol="0">
+                <a:spAutoFit/>
+              </a:bodyPr>
+              <a:lstStyle/>
+              <a:p>
+                <a14:m>
+                  <m:oMathPara xmlns:m="http://schemas.openxmlformats.org/officeDocument/2006/math">
+                    <m:oMathParaPr>
+                      <m:jc m:val="centerGroup"/>
+                    </m:oMathParaPr>
+                    <m:oMath xmlns:m="http://schemas.openxmlformats.org/officeDocument/2006/math">
+                      <m:r>
+                        <a:rPr lang="fr-BE" b="0" i="1" smtClean="0">
+                          <a:solidFill>
+                            <a:schemeClr val="tx1">
+                              <a:lumMod val="85000"/>
+                              <a:lumOff val="15000"/>
+                            </a:schemeClr>
+                          </a:solidFill>
+                          <a:latin typeface="Cambria Math" panose="02040503050406030204" pitchFamily="18" charset="0"/>
+                        </a:rPr>
+                        <m:t>⇒ </m:t>
+                      </m:r>
+                      <m:f>
+                        <m:fPr>
+                          <m:ctrlPr>
+                            <a:rPr lang="fr-BE" i="1">
+                              <a:solidFill>
+                                <a:schemeClr val="tx1">
+                                  <a:lumMod val="85000"/>
+                                  <a:lumOff val="15000"/>
+                                </a:schemeClr>
+                              </a:solidFill>
+                              <a:latin typeface="Cambria Math" panose="02040503050406030204" pitchFamily="18" charset="0"/>
+                            </a:rPr>
+                          </m:ctrlPr>
+                        </m:fPr>
+                        <m:num>
+                          <m:r>
+                            <a:rPr lang="fr-BE" i="1">
+                              <a:solidFill>
+                                <a:schemeClr val="tx1">
+                                  <a:lumMod val="85000"/>
+                                  <a:lumOff val="15000"/>
+                                </a:schemeClr>
+                              </a:solidFill>
+                              <a:latin typeface="Cambria Math" panose="02040503050406030204" pitchFamily="18" charset="0"/>
+                            </a:rPr>
+                            <m:t>𝑢</m:t>
+                          </m:r>
+                          <m:d>
+                            <m:dPr>
+                              <m:ctrlPr>
+                                <a:rPr lang="fr-BE" i="1">
+                                  <a:solidFill>
+                                    <a:schemeClr val="tx1">
+                                      <a:lumMod val="85000"/>
+                                      <a:lumOff val="15000"/>
+                                    </a:schemeClr>
+                                  </a:solidFill>
+                                  <a:latin typeface="Cambria Math" panose="02040503050406030204" pitchFamily="18" charset="0"/>
+                                </a:rPr>
+                              </m:ctrlPr>
+                            </m:dPr>
+                            <m:e>
+                              <m:r>
+                                <a:rPr lang="fr-BE" i="1">
+                                  <a:solidFill>
+                                    <a:schemeClr val="tx1">
+                                      <a:lumMod val="85000"/>
+                                      <a:lumOff val="15000"/>
+                                    </a:schemeClr>
+                                  </a:solidFill>
+                                  <a:latin typeface="Cambria Math" panose="02040503050406030204" pitchFamily="18" charset="0"/>
+                                </a:rPr>
+                                <m:t>𝑥</m:t>
+                              </m:r>
+                              <m:r>
+                                <a:rPr lang="fr-BE" i="1">
+                                  <a:solidFill>
+                                    <a:schemeClr val="tx1">
+                                      <a:lumMod val="85000"/>
+                                      <a:lumOff val="15000"/>
+                                    </a:schemeClr>
+                                  </a:solidFill>
+                                  <a:latin typeface="Cambria Math" panose="02040503050406030204" pitchFamily="18" charset="0"/>
+                                </a:rPr>
+                                <m:t>,</m:t>
+                              </m:r>
+                              <m:r>
+                                <a:rPr lang="fr-BE" i="1">
+                                  <a:solidFill>
+                                    <a:schemeClr val="tx1">
+                                      <a:lumMod val="85000"/>
+                                      <a:lumOff val="15000"/>
+                                    </a:schemeClr>
+                                  </a:solidFill>
+                                  <a:latin typeface="Cambria Math" panose="02040503050406030204" pitchFamily="18" charset="0"/>
+                                </a:rPr>
+                                <m:t>𝑡</m:t>
+                              </m:r>
+                              <m:r>
+                                <a:rPr lang="fr-BE" i="1">
+                                  <a:solidFill>
+                                    <a:schemeClr val="tx1">
+                                      <a:lumMod val="85000"/>
+                                      <a:lumOff val="15000"/>
+                                    </a:schemeClr>
+                                  </a:solidFill>
+                                  <a:latin typeface="Cambria Math" panose="02040503050406030204" pitchFamily="18" charset="0"/>
+                                </a:rPr>
+                                <m:t>+</m:t>
+                              </m:r>
+                              <m:r>
+                                <m:rPr>
+                                  <m:sty m:val="p"/>
+                                </m:rPr>
+                                <a:rPr lang="fr-BE">
+                                  <a:solidFill>
+                                    <a:schemeClr val="tx1">
+                                      <a:lumMod val="85000"/>
+                                      <a:lumOff val="15000"/>
+                                    </a:schemeClr>
+                                  </a:solidFill>
+                                  <a:latin typeface="Cambria Math" panose="02040503050406030204" pitchFamily="18" charset="0"/>
+                                </a:rPr>
+                                <m:t>Δ</m:t>
+                              </m:r>
+                              <m:r>
+                                <a:rPr lang="fr-BE" i="1">
+                                  <a:solidFill>
+                                    <a:schemeClr val="tx1">
+                                      <a:lumMod val="85000"/>
+                                      <a:lumOff val="15000"/>
+                                    </a:schemeClr>
+                                  </a:solidFill>
+                                  <a:latin typeface="Cambria Math" panose="02040503050406030204" pitchFamily="18" charset="0"/>
+                                </a:rPr>
+                                <m:t>𝑡</m:t>
+                              </m:r>
+                            </m:e>
+                          </m:d>
+                          <m:r>
+                            <a:rPr lang="fr-BE" i="1">
+                              <a:solidFill>
+                                <a:schemeClr val="tx1">
+                                  <a:lumMod val="85000"/>
+                                  <a:lumOff val="15000"/>
+                                </a:schemeClr>
+                              </a:solidFill>
+                              <a:latin typeface="Cambria Math" panose="02040503050406030204" pitchFamily="18" charset="0"/>
+                            </a:rPr>
+                            <m:t>−</m:t>
+                          </m:r>
+                          <m:r>
+                            <a:rPr lang="fr-BE" i="1">
+                              <a:solidFill>
+                                <a:schemeClr val="tx1">
+                                  <a:lumMod val="85000"/>
+                                  <a:lumOff val="15000"/>
+                                </a:schemeClr>
+                              </a:solidFill>
+                              <a:latin typeface="Cambria Math" panose="02040503050406030204" pitchFamily="18" charset="0"/>
+                            </a:rPr>
+                            <m:t>𝑢</m:t>
+                          </m:r>
+                          <m:r>
+                            <a:rPr lang="fr-BE" i="1">
+                              <a:solidFill>
+                                <a:schemeClr val="tx1">
+                                  <a:lumMod val="85000"/>
+                                  <a:lumOff val="15000"/>
+                                </a:schemeClr>
+                              </a:solidFill>
+                              <a:latin typeface="Cambria Math" panose="02040503050406030204" pitchFamily="18" charset="0"/>
+                            </a:rPr>
+                            <m:t>(</m:t>
+                          </m:r>
+                          <m:r>
+                            <a:rPr lang="fr-BE" i="1">
+                              <a:solidFill>
+                                <a:schemeClr val="tx1">
+                                  <a:lumMod val="85000"/>
+                                  <a:lumOff val="15000"/>
+                                </a:schemeClr>
+                              </a:solidFill>
+                              <a:latin typeface="Cambria Math" panose="02040503050406030204" pitchFamily="18" charset="0"/>
+                            </a:rPr>
+                            <m:t>𝑥</m:t>
+                          </m:r>
+                          <m:r>
+                            <a:rPr lang="fr-BE" i="1">
+                              <a:solidFill>
+                                <a:schemeClr val="tx1">
+                                  <a:lumMod val="85000"/>
+                                  <a:lumOff val="15000"/>
+                                </a:schemeClr>
+                              </a:solidFill>
+                              <a:latin typeface="Cambria Math" panose="02040503050406030204" pitchFamily="18" charset="0"/>
+                            </a:rPr>
+                            <m:t>,</m:t>
+                          </m:r>
+                          <m:r>
+                            <a:rPr lang="fr-BE" i="1">
+                              <a:solidFill>
+                                <a:schemeClr val="tx1">
+                                  <a:lumMod val="85000"/>
+                                  <a:lumOff val="15000"/>
+                                </a:schemeClr>
+                              </a:solidFill>
+                              <a:latin typeface="Cambria Math" panose="02040503050406030204" pitchFamily="18" charset="0"/>
+                            </a:rPr>
+                            <m:t>𝑡</m:t>
+                          </m:r>
+                          <m:r>
+                            <a:rPr lang="fr-BE" i="1">
+                              <a:solidFill>
+                                <a:schemeClr val="tx1">
+                                  <a:lumMod val="85000"/>
+                                  <a:lumOff val="15000"/>
+                                </a:schemeClr>
+                              </a:solidFill>
+                              <a:latin typeface="Cambria Math" panose="02040503050406030204" pitchFamily="18" charset="0"/>
+                            </a:rPr>
+                            <m:t>)</m:t>
+                          </m:r>
+                        </m:num>
+                        <m:den>
+                          <m:r>
+                            <m:rPr>
+                              <m:sty m:val="p"/>
+                            </m:rPr>
+                            <a:rPr lang="fr-BE">
+                              <a:solidFill>
+                                <a:schemeClr val="tx1">
+                                  <a:lumMod val="85000"/>
+                                  <a:lumOff val="15000"/>
+                                </a:schemeClr>
+                              </a:solidFill>
+                              <a:latin typeface="Cambria Math" panose="02040503050406030204" pitchFamily="18" charset="0"/>
+                            </a:rPr>
+                            <m:t>Δ</m:t>
+                          </m:r>
+                          <m:r>
+                            <a:rPr lang="fr-BE" i="1">
+                              <a:solidFill>
+                                <a:schemeClr val="tx1">
+                                  <a:lumMod val="85000"/>
+                                  <a:lumOff val="15000"/>
+                                </a:schemeClr>
+                              </a:solidFill>
+                              <a:latin typeface="Cambria Math" panose="02040503050406030204" pitchFamily="18" charset="0"/>
+                            </a:rPr>
+                            <m:t>𝑡</m:t>
+                          </m:r>
+                        </m:den>
+                      </m:f>
+                      <m:r>
+                        <a:rPr lang="fr-BE" i="1">
+                          <a:solidFill>
+                            <a:schemeClr val="tx1">
+                              <a:lumMod val="85000"/>
+                              <a:lumOff val="15000"/>
+                            </a:schemeClr>
+                          </a:solidFill>
+                          <a:latin typeface="Cambria Math" panose="02040503050406030204" pitchFamily="18" charset="0"/>
+                        </a:rPr>
+                        <m:t>=</m:t>
+                      </m:r>
+                      <m:f>
+                        <m:fPr>
+                          <m:ctrlPr>
+                            <a:rPr lang="fr-BE" i="1">
+                              <a:solidFill>
+                                <a:schemeClr val="tx1">
+                                  <a:lumMod val="85000"/>
+                                  <a:lumOff val="15000"/>
+                                </a:schemeClr>
+                              </a:solidFill>
+                              <a:latin typeface="Cambria Math" panose="02040503050406030204" pitchFamily="18" charset="0"/>
+                            </a:rPr>
+                          </m:ctrlPr>
+                        </m:fPr>
+                        <m:num>
+                          <m:r>
+                            <a:rPr lang="fr-BE" i="1">
+                              <a:solidFill>
+                                <a:schemeClr val="tx1">
+                                  <a:lumMod val="85000"/>
+                                  <a:lumOff val="15000"/>
+                                </a:schemeClr>
+                              </a:solidFill>
+                              <a:latin typeface="Cambria Math" panose="02040503050406030204" pitchFamily="18" charset="0"/>
+                            </a:rPr>
+                            <m:t>1</m:t>
+                          </m:r>
+                        </m:num>
+                        <m:den>
+                          <m:r>
+                            <a:rPr lang="fr-BE" i="1">
+                              <a:solidFill>
+                                <a:schemeClr val="tx1">
+                                  <a:lumMod val="85000"/>
+                                  <a:lumOff val="15000"/>
+                                </a:schemeClr>
+                              </a:solidFill>
+                              <a:latin typeface="Cambria Math" panose="02040503050406030204" pitchFamily="18" charset="0"/>
+                            </a:rPr>
+                            <m:t>2</m:t>
+                          </m:r>
+                        </m:den>
+                      </m:f>
+                      <m:d>
+                        <m:dPr>
+                          <m:ctrlPr>
+                            <a:rPr lang="fr-BE" i="1">
+                              <a:solidFill>
+                                <a:schemeClr val="tx1">
+                                  <a:lumMod val="85000"/>
+                                  <a:lumOff val="15000"/>
+                                </a:schemeClr>
+                              </a:solidFill>
+                              <a:latin typeface="Cambria Math" panose="02040503050406030204" pitchFamily="18" charset="0"/>
+                            </a:rPr>
+                          </m:ctrlPr>
+                        </m:dPr>
+                        <m:e>
+                          <m:r>
+                            <a:rPr lang="fr-BE" i="1">
+                              <a:solidFill>
+                                <a:schemeClr val="tx1">
+                                  <a:lumMod val="85000"/>
+                                  <a:lumOff val="15000"/>
+                                </a:schemeClr>
+                              </a:solidFill>
+                              <a:latin typeface="Cambria Math" panose="02040503050406030204" pitchFamily="18" charset="0"/>
+                            </a:rPr>
+                            <m:t>𝐿𝑢</m:t>
+                          </m:r>
+                          <m:d>
+                            <m:dPr>
+                              <m:ctrlPr>
+                                <a:rPr lang="fr-BE" i="1">
+                                  <a:solidFill>
+                                    <a:schemeClr val="tx1">
+                                      <a:lumMod val="85000"/>
+                                      <a:lumOff val="15000"/>
+                                    </a:schemeClr>
+                                  </a:solidFill>
+                                  <a:latin typeface="Cambria Math" panose="02040503050406030204" pitchFamily="18" charset="0"/>
+                                </a:rPr>
+                              </m:ctrlPr>
+                            </m:dPr>
+                            <m:e>
+                              <m:r>
+                                <a:rPr lang="fr-BE" i="1">
+                                  <a:solidFill>
+                                    <a:schemeClr val="tx1">
+                                      <a:lumMod val="85000"/>
+                                      <a:lumOff val="15000"/>
+                                    </a:schemeClr>
+                                  </a:solidFill>
+                                  <a:latin typeface="Cambria Math" panose="02040503050406030204" pitchFamily="18" charset="0"/>
+                                </a:rPr>
+                                <m:t>𝑥</m:t>
+                              </m:r>
+                              <m:r>
+                                <a:rPr lang="fr-BE" i="1">
+                                  <a:solidFill>
+                                    <a:schemeClr val="tx1">
+                                      <a:lumMod val="85000"/>
+                                      <a:lumOff val="15000"/>
+                                    </a:schemeClr>
+                                  </a:solidFill>
+                                  <a:latin typeface="Cambria Math" panose="02040503050406030204" pitchFamily="18" charset="0"/>
+                                </a:rPr>
+                                <m:t>,</m:t>
+                              </m:r>
+                              <m:r>
+                                <a:rPr lang="fr-BE" i="1">
+                                  <a:solidFill>
+                                    <a:schemeClr val="tx1">
+                                      <a:lumMod val="85000"/>
+                                      <a:lumOff val="15000"/>
+                                    </a:schemeClr>
+                                  </a:solidFill>
+                                  <a:latin typeface="Cambria Math" panose="02040503050406030204" pitchFamily="18" charset="0"/>
+                                </a:rPr>
+                                <m:t>𝑡</m:t>
+                              </m:r>
+                              <m:r>
+                                <a:rPr lang="fr-BE" i="1">
+                                  <a:solidFill>
+                                    <a:schemeClr val="tx1">
+                                      <a:lumMod val="85000"/>
+                                      <a:lumOff val="15000"/>
+                                    </a:schemeClr>
+                                  </a:solidFill>
+                                  <a:latin typeface="Cambria Math" panose="02040503050406030204" pitchFamily="18" charset="0"/>
+                                </a:rPr>
+                                <m:t>+</m:t>
+                              </m:r>
+                              <m:r>
+                                <m:rPr>
+                                  <m:sty m:val="p"/>
+                                </m:rPr>
+                                <a:rPr lang="fr-BE">
+                                  <a:solidFill>
+                                    <a:schemeClr val="tx1">
+                                      <a:lumMod val="85000"/>
+                                      <a:lumOff val="15000"/>
+                                    </a:schemeClr>
+                                  </a:solidFill>
+                                  <a:latin typeface="Cambria Math" panose="02040503050406030204" pitchFamily="18" charset="0"/>
+                                </a:rPr>
+                                <m:t>Δ</m:t>
+                              </m:r>
+                              <m:r>
+                                <a:rPr lang="fr-BE" i="1">
+                                  <a:solidFill>
+                                    <a:schemeClr val="tx1">
+                                      <a:lumMod val="85000"/>
+                                      <a:lumOff val="15000"/>
+                                    </a:schemeClr>
+                                  </a:solidFill>
+                                  <a:latin typeface="Cambria Math" panose="02040503050406030204" pitchFamily="18" charset="0"/>
+                                </a:rPr>
+                                <m:t>𝑡</m:t>
+                              </m:r>
+                            </m:e>
+                          </m:d>
+                          <m:r>
+                            <a:rPr lang="fr-BE" i="1">
+                              <a:solidFill>
+                                <a:schemeClr val="tx1">
+                                  <a:lumMod val="85000"/>
+                                  <a:lumOff val="15000"/>
+                                </a:schemeClr>
+                              </a:solidFill>
+                              <a:latin typeface="Cambria Math" panose="02040503050406030204" pitchFamily="18" charset="0"/>
+                            </a:rPr>
+                            <m:t>+</m:t>
+                          </m:r>
+                          <m:r>
+                            <a:rPr lang="fr-BE" i="1">
+                              <a:solidFill>
+                                <a:schemeClr val="tx1">
+                                  <a:lumMod val="85000"/>
+                                  <a:lumOff val="15000"/>
+                                </a:schemeClr>
+                              </a:solidFill>
+                              <a:latin typeface="Cambria Math" panose="02040503050406030204" pitchFamily="18" charset="0"/>
+                            </a:rPr>
+                            <m:t>𝐿𝑢</m:t>
+                          </m:r>
+                          <m:d>
+                            <m:dPr>
+                              <m:ctrlPr>
+                                <a:rPr lang="fr-BE" i="1">
+                                  <a:solidFill>
+                                    <a:schemeClr val="tx1">
+                                      <a:lumMod val="85000"/>
+                                      <a:lumOff val="15000"/>
+                                    </a:schemeClr>
+                                  </a:solidFill>
+                                  <a:latin typeface="Cambria Math" panose="02040503050406030204" pitchFamily="18" charset="0"/>
+                                </a:rPr>
+                              </m:ctrlPr>
+                            </m:dPr>
+                            <m:e>
+                              <m:r>
+                                <a:rPr lang="fr-BE" i="1">
+                                  <a:solidFill>
+                                    <a:schemeClr val="tx1">
+                                      <a:lumMod val="85000"/>
+                                      <a:lumOff val="15000"/>
+                                    </a:schemeClr>
+                                  </a:solidFill>
+                                  <a:latin typeface="Cambria Math" panose="02040503050406030204" pitchFamily="18" charset="0"/>
+                                </a:rPr>
+                                <m:t>𝑥</m:t>
+                              </m:r>
+                              <m:r>
+                                <a:rPr lang="fr-BE" i="1">
+                                  <a:solidFill>
+                                    <a:schemeClr val="tx1">
+                                      <a:lumMod val="85000"/>
+                                      <a:lumOff val="15000"/>
+                                    </a:schemeClr>
+                                  </a:solidFill>
+                                  <a:latin typeface="Cambria Math" panose="02040503050406030204" pitchFamily="18" charset="0"/>
+                                </a:rPr>
+                                <m:t>,</m:t>
+                              </m:r>
+                              <m:r>
+                                <a:rPr lang="fr-BE" i="1">
+                                  <a:solidFill>
+                                    <a:schemeClr val="tx1">
+                                      <a:lumMod val="85000"/>
+                                      <a:lumOff val="15000"/>
+                                    </a:schemeClr>
+                                  </a:solidFill>
+                                  <a:latin typeface="Cambria Math" panose="02040503050406030204" pitchFamily="18" charset="0"/>
+                                </a:rPr>
+                                <m:t>𝑡</m:t>
+                              </m:r>
+                            </m:e>
+                          </m:d>
+                        </m:e>
+                      </m:d>
+                      <m:r>
+                        <a:rPr lang="fr-BE" b="0" i="1" smtClean="0">
+                          <a:solidFill>
+                            <a:schemeClr val="tx1">
+                              <a:lumMod val="85000"/>
+                              <a:lumOff val="15000"/>
+                            </a:schemeClr>
+                          </a:solidFill>
+                          <a:latin typeface="Cambria Math" panose="02040503050406030204" pitchFamily="18" charset="0"/>
+                        </a:rPr>
+                        <m:t>+</m:t>
+                      </m:r>
+                      <m:f>
+                        <m:fPr>
+                          <m:ctrlPr>
+                            <a:rPr lang="fr-BE" i="1">
+                              <a:solidFill>
+                                <a:schemeClr val="tx1">
+                                  <a:lumMod val="85000"/>
+                                  <a:lumOff val="15000"/>
+                                </a:schemeClr>
+                              </a:solidFill>
+                              <a:latin typeface="Cambria Math" panose="02040503050406030204" pitchFamily="18" charset="0"/>
+                            </a:rPr>
+                          </m:ctrlPr>
+                        </m:fPr>
+                        <m:num>
+                          <m:r>
+                            <a:rPr lang="fr-BE" i="1">
+                              <a:solidFill>
+                                <a:schemeClr val="tx1">
+                                  <a:lumMod val="85000"/>
+                                  <a:lumOff val="15000"/>
+                                </a:schemeClr>
+                              </a:solidFill>
+                              <a:latin typeface="Cambria Math" panose="02040503050406030204" pitchFamily="18" charset="0"/>
+                            </a:rPr>
+                            <m:t>3</m:t>
+                          </m:r>
+                        </m:num>
+                        <m:den>
+                          <m:r>
+                            <a:rPr lang="fr-BE" i="1">
+                              <a:solidFill>
+                                <a:schemeClr val="tx1">
+                                  <a:lumMod val="85000"/>
+                                  <a:lumOff val="15000"/>
+                                </a:schemeClr>
+                              </a:solidFill>
+                              <a:latin typeface="Cambria Math" panose="02040503050406030204" pitchFamily="18" charset="0"/>
+                            </a:rPr>
+                            <m:t>2</m:t>
+                          </m:r>
+                        </m:den>
+                      </m:f>
+                      <m:r>
+                        <a:rPr lang="fr-BE" i="1">
+                          <a:solidFill>
+                            <a:schemeClr val="tx1">
+                              <a:lumMod val="85000"/>
+                              <a:lumOff val="15000"/>
+                            </a:schemeClr>
+                          </a:solidFill>
+                          <a:latin typeface="Cambria Math" panose="02040503050406030204" pitchFamily="18" charset="0"/>
+                        </a:rPr>
+                        <m:t>𝑁</m:t>
+                      </m:r>
+                      <m:r>
+                        <a:rPr lang="fr-BE" i="1">
+                          <a:solidFill>
+                            <a:schemeClr val="tx1">
+                              <a:lumMod val="85000"/>
+                              <a:lumOff val="15000"/>
+                            </a:schemeClr>
+                          </a:solidFill>
+                          <a:latin typeface="Cambria Math" panose="02040503050406030204" pitchFamily="18" charset="0"/>
+                        </a:rPr>
+                        <m:t>𝑢</m:t>
+                      </m:r>
+                      <m:d>
+                        <m:dPr>
+                          <m:ctrlPr>
+                            <a:rPr lang="fr-BE" i="1">
+                              <a:solidFill>
+                                <a:schemeClr val="tx1">
+                                  <a:lumMod val="85000"/>
+                                  <a:lumOff val="15000"/>
+                                </a:schemeClr>
+                              </a:solidFill>
+                              <a:latin typeface="Cambria Math" panose="02040503050406030204" pitchFamily="18" charset="0"/>
+                            </a:rPr>
+                          </m:ctrlPr>
+                        </m:dPr>
+                        <m:e>
+                          <m:r>
+                            <a:rPr lang="fr-BE" i="1">
+                              <a:solidFill>
+                                <a:schemeClr val="tx1">
+                                  <a:lumMod val="85000"/>
+                                  <a:lumOff val="15000"/>
+                                </a:schemeClr>
+                              </a:solidFill>
+                              <a:latin typeface="Cambria Math" panose="02040503050406030204" pitchFamily="18" charset="0"/>
+                            </a:rPr>
+                            <m:t>𝑥</m:t>
+                          </m:r>
+                          <m:r>
+                            <a:rPr lang="fr-BE" i="1">
+                              <a:solidFill>
+                                <a:schemeClr val="tx1">
+                                  <a:lumMod val="85000"/>
+                                  <a:lumOff val="15000"/>
+                                </a:schemeClr>
+                              </a:solidFill>
+                              <a:latin typeface="Cambria Math" panose="02040503050406030204" pitchFamily="18" charset="0"/>
+                            </a:rPr>
+                            <m:t>,</m:t>
+                          </m:r>
+                          <m:r>
+                            <a:rPr lang="fr-BE" i="1">
+                              <a:solidFill>
+                                <a:schemeClr val="tx1">
+                                  <a:lumMod val="85000"/>
+                                  <a:lumOff val="15000"/>
+                                </a:schemeClr>
+                              </a:solidFill>
+                              <a:latin typeface="Cambria Math" panose="02040503050406030204" pitchFamily="18" charset="0"/>
+                            </a:rPr>
+                            <m:t>𝑡</m:t>
+                          </m:r>
+                        </m:e>
+                      </m:d>
+                      <m:r>
+                        <a:rPr lang="fr-BE" i="1">
+                          <a:solidFill>
+                            <a:schemeClr val="tx1">
+                              <a:lumMod val="85000"/>
+                              <a:lumOff val="15000"/>
+                            </a:schemeClr>
+                          </a:solidFill>
+                          <a:latin typeface="Cambria Math" panose="02040503050406030204" pitchFamily="18" charset="0"/>
+                        </a:rPr>
+                        <m:t>−</m:t>
+                      </m:r>
+                      <m:f>
+                        <m:fPr>
+                          <m:ctrlPr>
+                            <a:rPr lang="fr-BE" i="1">
+                              <a:solidFill>
+                                <a:schemeClr val="tx1">
+                                  <a:lumMod val="85000"/>
+                                  <a:lumOff val="15000"/>
+                                </a:schemeClr>
+                              </a:solidFill>
+                              <a:latin typeface="Cambria Math" panose="02040503050406030204" pitchFamily="18" charset="0"/>
+                            </a:rPr>
+                          </m:ctrlPr>
+                        </m:fPr>
+                        <m:num>
+                          <m:r>
+                            <a:rPr lang="fr-BE" i="1">
+                              <a:solidFill>
+                                <a:schemeClr val="tx1">
+                                  <a:lumMod val="85000"/>
+                                  <a:lumOff val="15000"/>
+                                </a:schemeClr>
+                              </a:solidFill>
+                              <a:latin typeface="Cambria Math" panose="02040503050406030204" pitchFamily="18" charset="0"/>
+                            </a:rPr>
+                            <m:t>1</m:t>
+                          </m:r>
+                        </m:num>
+                        <m:den>
+                          <m:r>
+                            <a:rPr lang="fr-BE" i="1">
+                              <a:solidFill>
+                                <a:schemeClr val="tx1">
+                                  <a:lumMod val="85000"/>
+                                  <a:lumOff val="15000"/>
+                                </a:schemeClr>
+                              </a:solidFill>
+                              <a:latin typeface="Cambria Math" panose="02040503050406030204" pitchFamily="18" charset="0"/>
+                            </a:rPr>
+                            <m:t>2</m:t>
+                          </m:r>
+                        </m:den>
+                      </m:f>
+                      <m:r>
+                        <a:rPr lang="fr-BE" i="1">
+                          <a:solidFill>
+                            <a:schemeClr val="tx1">
+                              <a:lumMod val="85000"/>
+                              <a:lumOff val="15000"/>
+                            </a:schemeClr>
+                          </a:solidFill>
+                          <a:latin typeface="Cambria Math" panose="02040503050406030204" pitchFamily="18" charset="0"/>
+                        </a:rPr>
+                        <m:t>𝑁</m:t>
+                      </m:r>
+                      <m:r>
+                        <a:rPr lang="fr-BE" i="1">
+                          <a:solidFill>
+                            <a:schemeClr val="tx1">
+                              <a:lumMod val="85000"/>
+                              <a:lumOff val="15000"/>
+                            </a:schemeClr>
+                          </a:solidFill>
+                          <a:latin typeface="Cambria Math" panose="02040503050406030204" pitchFamily="18" charset="0"/>
+                        </a:rPr>
+                        <m:t>𝑢</m:t>
+                      </m:r>
+                      <m:r>
+                        <a:rPr lang="fr-BE" i="1">
+                          <a:solidFill>
+                            <a:schemeClr val="tx1">
+                              <a:lumMod val="85000"/>
+                              <a:lumOff val="15000"/>
+                            </a:schemeClr>
+                          </a:solidFill>
+                          <a:latin typeface="Cambria Math" panose="02040503050406030204" pitchFamily="18" charset="0"/>
+                        </a:rPr>
+                        <m:t>(</m:t>
+                      </m:r>
+                      <m:r>
+                        <a:rPr lang="fr-BE" i="1">
+                          <a:solidFill>
+                            <a:schemeClr val="tx1">
+                              <a:lumMod val="85000"/>
+                              <a:lumOff val="15000"/>
+                            </a:schemeClr>
+                          </a:solidFill>
+                          <a:latin typeface="Cambria Math" panose="02040503050406030204" pitchFamily="18" charset="0"/>
+                        </a:rPr>
+                        <m:t>𝑥</m:t>
+                      </m:r>
+                      <m:r>
+                        <a:rPr lang="fr-BE" i="1">
+                          <a:solidFill>
+                            <a:schemeClr val="tx1">
+                              <a:lumMod val="85000"/>
+                              <a:lumOff val="15000"/>
+                            </a:schemeClr>
+                          </a:solidFill>
+                          <a:latin typeface="Cambria Math" panose="02040503050406030204" pitchFamily="18" charset="0"/>
+                        </a:rPr>
+                        <m:t>,</m:t>
+                      </m:r>
+                      <m:r>
+                        <a:rPr lang="fr-BE" i="1">
+                          <a:solidFill>
+                            <a:schemeClr val="tx1">
+                              <a:lumMod val="85000"/>
+                              <a:lumOff val="15000"/>
+                            </a:schemeClr>
+                          </a:solidFill>
+                          <a:latin typeface="Cambria Math" panose="02040503050406030204" pitchFamily="18" charset="0"/>
+                        </a:rPr>
+                        <m:t>𝑡</m:t>
+                      </m:r>
+                      <m:r>
+                        <a:rPr lang="fr-BE" i="1">
+                          <a:solidFill>
+                            <a:schemeClr val="tx1">
+                              <a:lumMod val="85000"/>
+                              <a:lumOff val="15000"/>
+                            </a:schemeClr>
+                          </a:solidFill>
+                          <a:latin typeface="Cambria Math" panose="02040503050406030204" pitchFamily="18" charset="0"/>
+                        </a:rPr>
+                        <m:t>−</m:t>
+                      </m:r>
+                      <m:r>
+                        <m:rPr>
+                          <m:sty m:val="p"/>
+                        </m:rPr>
+                        <a:rPr lang="fr-BE">
+                          <a:solidFill>
+                            <a:schemeClr val="tx1">
+                              <a:lumMod val="85000"/>
+                              <a:lumOff val="15000"/>
+                            </a:schemeClr>
+                          </a:solidFill>
+                          <a:latin typeface="Cambria Math" panose="02040503050406030204" pitchFamily="18" charset="0"/>
+                        </a:rPr>
+                        <m:t>Δ</m:t>
+                      </m:r>
+                      <m:r>
+                        <m:rPr>
+                          <m:sty m:val="p"/>
+                        </m:rPr>
+                        <a:rPr lang="fr-BE" b="0" i="0" smtClean="0">
+                          <a:solidFill>
+                            <a:schemeClr val="tx1">
+                              <a:lumMod val="85000"/>
+                              <a:lumOff val="15000"/>
+                            </a:schemeClr>
+                          </a:solidFill>
+                          <a:latin typeface="Cambria Math" panose="02040503050406030204" pitchFamily="18" charset="0"/>
+                        </a:rPr>
+                        <m:t>t</m:t>
+                      </m:r>
+                      <m:r>
+                        <a:rPr lang="fr-BE" b="0" i="0" smtClean="0">
+                          <a:solidFill>
+                            <a:schemeClr val="tx1">
+                              <a:lumMod val="85000"/>
+                              <a:lumOff val="15000"/>
+                            </a:schemeClr>
+                          </a:solidFill>
+                          <a:latin typeface="Cambria Math" panose="02040503050406030204" pitchFamily="18" charset="0"/>
+                        </a:rPr>
+                        <m:t>)</m:t>
+                      </m:r>
+                    </m:oMath>
+                  </m:oMathPara>
+                </a14:m>
+                <a:endParaRPr lang="fr-BE" dirty="0">
+                  <a:solidFill>
+                    <a:schemeClr val="tx1">
+                      <a:lumMod val="85000"/>
+                      <a:lumOff val="15000"/>
+                    </a:schemeClr>
+                  </a:solidFill>
+                </a:endParaRPr>
+              </a:p>
+            </p:txBody>
+          </p:sp>
+        </mc:Choice>
+        <mc:Fallback>
+          <p:sp>
+            <p:nvSpPr>
+              <p:cNvPr id="12" name="ZoneTexte 11"/>
+              <p:cNvSpPr txBox="1">
+                <a:spLocks noRot="1" noChangeAspect="1" noMove="1" noResize="1" noEditPoints="1" noAdjustHandles="1" noChangeArrowheads="1" noChangeShapeType="1" noTextEdit="1"/>
+              </p:cNvSpPr>
+              <p:nvPr/>
+            </p:nvSpPr>
+            <p:spPr>
+              <a:xfrm>
+                <a:off x="677332" y="4711598"/>
+                <a:ext cx="8596670" cy="629852"/>
+              </a:xfrm>
+              <a:prstGeom prst="rect">
+                <a:avLst/>
+              </a:prstGeom>
+              <a:blipFill>
+                <a:blip r:embed="rId6"/>
+                <a:stretch>
+                  <a:fillRect/>
+                </a:stretch>
+              </a:blipFill>
+            </p:spPr>
+            <p:txBody>
+              <a:bodyPr/>
+              <a:lstStyle/>
+              <a:p>
+                <a:r>
+                  <a:rPr lang="fr-BE">
+                    <a:noFill/>
+                  </a:rPr>
+                  <a:t> </a:t>
+                </a:r>
+              </a:p>
+            </p:txBody>
+          </p:sp>
+        </mc:Fallback>
+      </mc:AlternateContent>
+      <mc:AlternateContent xmlns:mc="http://schemas.openxmlformats.org/markup-compatibility/2006">
+        <mc:Choice xmlns:a14="http://schemas.microsoft.com/office/drawing/2010/main" Requires="a14">
+          <p:sp>
+            <p:nvSpPr>
+              <p:cNvPr id="13" name="ZoneTexte 12"/>
+              <p:cNvSpPr txBox="1"/>
+              <p:nvPr/>
+            </p:nvSpPr>
+            <p:spPr>
+              <a:xfrm>
+                <a:off x="677332" y="5632070"/>
+                <a:ext cx="8596670" cy="506870"/>
+              </a:xfrm>
+              <a:prstGeom prst="rect">
+                <a:avLst/>
+              </a:prstGeom>
+              <a:noFill/>
+            </p:spPr>
+            <p:txBody>
+              <a:bodyPr wrap="square" rtlCol="0">
+                <a:spAutoFit/>
+              </a:bodyPr>
+              <a:lstStyle/>
+              <a:p>
+                <a:r>
+                  <a:rPr lang="fr-BE" b="0" dirty="0" smtClean="0">
+                    <a:solidFill>
+                      <a:schemeClr val="tx1">
+                        <a:lumMod val="85000"/>
+                        <a:lumOff val="15000"/>
+                      </a:schemeClr>
+                    </a:solidFill>
+                    <a:sym typeface="Wingdings" panose="05000000000000000000" pitchFamily="2" charset="2"/>
+                  </a:rPr>
+                  <a:t></a:t>
+                </a:r>
+                <a14:m>
+                  <m:oMath xmlns:m="http://schemas.openxmlformats.org/officeDocument/2006/math">
+                    <m:d>
+                      <m:dPr>
+                        <m:ctrlPr>
+                          <a:rPr lang="fr-BE" i="1">
+                            <a:solidFill>
+                              <a:schemeClr val="tx1">
+                                <a:lumMod val="85000"/>
+                                <a:lumOff val="15000"/>
+                              </a:schemeClr>
+                            </a:solidFill>
+                            <a:latin typeface="Cambria Math" panose="02040503050406030204" pitchFamily="18" charset="0"/>
+                          </a:rPr>
+                        </m:ctrlPr>
+                      </m:dPr>
+                      <m:e>
+                        <m:r>
+                          <a:rPr lang="fr-BE" i="1">
+                            <a:solidFill>
+                              <a:schemeClr val="tx1">
+                                <a:lumMod val="85000"/>
+                                <a:lumOff val="15000"/>
+                              </a:schemeClr>
+                            </a:solidFill>
+                            <a:latin typeface="Cambria Math" panose="02040503050406030204" pitchFamily="18" charset="0"/>
+                          </a:rPr>
+                          <m:t>1</m:t>
+                        </m:r>
+                        <m:r>
+                          <a:rPr lang="fr-BE" b="0" i="1" smtClean="0">
+                            <a:solidFill>
+                              <a:schemeClr val="tx1">
+                                <a:lumMod val="85000"/>
+                                <a:lumOff val="15000"/>
+                              </a:schemeClr>
+                            </a:solidFill>
+                            <a:latin typeface="Cambria Math" panose="02040503050406030204" pitchFamily="18" charset="0"/>
+                          </a:rPr>
+                          <m:t>−</m:t>
+                        </m:r>
+                        <m:f>
+                          <m:fPr>
+                            <m:ctrlPr>
+                              <a:rPr lang="fr-BE" i="1">
+                                <a:solidFill>
+                                  <a:schemeClr val="tx1">
+                                    <a:lumMod val="85000"/>
+                                    <a:lumOff val="15000"/>
+                                  </a:schemeClr>
+                                </a:solidFill>
+                                <a:latin typeface="Cambria Math" panose="02040503050406030204" pitchFamily="18" charset="0"/>
+                              </a:rPr>
+                            </m:ctrlPr>
+                          </m:fPr>
+                          <m:num>
+                            <m:r>
+                              <m:rPr>
+                                <m:sty m:val="p"/>
+                              </m:rPr>
+                              <a:rPr lang="fr-BE">
+                                <a:solidFill>
+                                  <a:schemeClr val="tx1">
+                                    <a:lumMod val="85000"/>
+                                    <a:lumOff val="15000"/>
+                                  </a:schemeClr>
+                                </a:solidFill>
+                                <a:latin typeface="Cambria Math" panose="02040503050406030204" pitchFamily="18" charset="0"/>
+                              </a:rPr>
+                              <m:t>Δ</m:t>
+                            </m:r>
+                            <m:r>
+                              <a:rPr lang="fr-BE" i="1">
+                                <a:solidFill>
+                                  <a:schemeClr val="tx1">
+                                    <a:lumMod val="85000"/>
+                                    <a:lumOff val="15000"/>
+                                  </a:schemeClr>
+                                </a:solidFill>
+                                <a:latin typeface="Cambria Math" panose="02040503050406030204" pitchFamily="18" charset="0"/>
+                              </a:rPr>
+                              <m:t>𝑡</m:t>
+                            </m:r>
+                          </m:num>
+                          <m:den>
+                            <m:r>
+                              <a:rPr lang="fr-BE" i="1">
+                                <a:solidFill>
+                                  <a:schemeClr val="tx1">
+                                    <a:lumMod val="85000"/>
+                                    <a:lumOff val="15000"/>
+                                  </a:schemeClr>
+                                </a:solidFill>
+                                <a:latin typeface="Cambria Math" panose="02040503050406030204" pitchFamily="18" charset="0"/>
+                              </a:rPr>
+                              <m:t>2</m:t>
+                            </m:r>
+                          </m:den>
+                        </m:f>
+                        <m:r>
+                          <a:rPr lang="fr-BE" i="1">
+                            <a:solidFill>
+                              <a:schemeClr val="tx1">
+                                <a:lumMod val="85000"/>
+                                <a:lumOff val="15000"/>
+                              </a:schemeClr>
+                            </a:solidFill>
+                            <a:latin typeface="Cambria Math" panose="02040503050406030204" pitchFamily="18" charset="0"/>
+                          </a:rPr>
+                          <m:t>𝐿</m:t>
+                        </m:r>
+                      </m:e>
+                    </m:d>
+                    <m:r>
+                      <a:rPr lang="fr-BE" b="0" i="1" smtClean="0">
+                        <a:solidFill>
+                          <a:schemeClr val="tx1">
+                            <a:lumMod val="85000"/>
+                            <a:lumOff val="15000"/>
+                          </a:schemeClr>
+                        </a:solidFill>
+                        <a:latin typeface="Cambria Math" panose="02040503050406030204" pitchFamily="18" charset="0"/>
+                      </a:rPr>
+                      <m:t>𝑢</m:t>
+                    </m:r>
+                    <m:r>
+                      <a:rPr lang="fr-BE" b="0" i="1" smtClean="0">
+                        <a:solidFill>
+                          <a:schemeClr val="tx1">
+                            <a:lumMod val="85000"/>
+                            <a:lumOff val="15000"/>
+                          </a:schemeClr>
+                        </a:solidFill>
+                        <a:latin typeface="Cambria Math" panose="02040503050406030204" pitchFamily="18" charset="0"/>
+                      </a:rPr>
+                      <m:t>(</m:t>
+                    </m:r>
+                    <m:r>
+                      <a:rPr lang="fr-BE" b="0" i="1" smtClean="0">
+                        <a:solidFill>
+                          <a:schemeClr val="tx1">
+                            <a:lumMod val="85000"/>
+                            <a:lumOff val="15000"/>
+                          </a:schemeClr>
+                        </a:solidFill>
+                        <a:latin typeface="Cambria Math" panose="02040503050406030204" pitchFamily="18" charset="0"/>
+                      </a:rPr>
+                      <m:t>𝑥</m:t>
+                    </m:r>
+                    <m:r>
+                      <a:rPr lang="fr-BE" b="0" i="1" smtClean="0">
+                        <a:solidFill>
+                          <a:schemeClr val="tx1">
+                            <a:lumMod val="85000"/>
+                            <a:lumOff val="15000"/>
+                          </a:schemeClr>
+                        </a:solidFill>
+                        <a:latin typeface="Cambria Math" panose="02040503050406030204" pitchFamily="18" charset="0"/>
+                      </a:rPr>
+                      <m:t>,</m:t>
+                    </m:r>
+                    <m:r>
+                      <a:rPr lang="fr-BE" b="0" i="1" smtClean="0">
+                        <a:solidFill>
+                          <a:schemeClr val="tx1">
+                            <a:lumMod val="85000"/>
+                            <a:lumOff val="15000"/>
+                          </a:schemeClr>
+                        </a:solidFill>
+                        <a:latin typeface="Cambria Math" panose="02040503050406030204" pitchFamily="18" charset="0"/>
+                      </a:rPr>
+                      <m:t>𝑡</m:t>
+                    </m:r>
+                    <m:r>
+                      <a:rPr lang="fr-BE" b="0" i="1" smtClean="0">
+                        <a:solidFill>
+                          <a:schemeClr val="tx1">
+                            <a:lumMod val="85000"/>
+                            <a:lumOff val="15000"/>
+                          </a:schemeClr>
+                        </a:solidFill>
+                        <a:latin typeface="Cambria Math" panose="02040503050406030204" pitchFamily="18" charset="0"/>
+                      </a:rPr>
+                      <m:t>+</m:t>
+                    </m:r>
+                    <m:r>
+                      <m:rPr>
+                        <m:sty m:val="p"/>
+                      </m:rPr>
+                      <a:rPr lang="fr-BE" b="0" i="0" smtClean="0">
+                        <a:solidFill>
+                          <a:schemeClr val="tx1">
+                            <a:lumMod val="85000"/>
+                            <a:lumOff val="15000"/>
+                          </a:schemeClr>
+                        </a:solidFill>
+                        <a:latin typeface="Cambria Math" panose="02040503050406030204" pitchFamily="18" charset="0"/>
+                      </a:rPr>
+                      <m:t>Δ</m:t>
+                    </m:r>
+                    <m:r>
+                      <a:rPr lang="fr-BE" b="0" i="1" smtClean="0">
+                        <a:solidFill>
+                          <a:schemeClr val="tx1">
+                            <a:lumMod val="85000"/>
+                            <a:lumOff val="15000"/>
+                          </a:schemeClr>
+                        </a:solidFill>
+                        <a:latin typeface="Cambria Math" panose="02040503050406030204" pitchFamily="18" charset="0"/>
+                      </a:rPr>
+                      <m:t>𝑡</m:t>
+                    </m:r>
+                    <m:r>
+                      <a:rPr lang="fr-BE" b="0" i="1" smtClean="0">
+                        <a:solidFill>
+                          <a:schemeClr val="tx1">
+                            <a:lumMod val="85000"/>
+                            <a:lumOff val="15000"/>
+                          </a:schemeClr>
+                        </a:solidFill>
+                        <a:latin typeface="Cambria Math" panose="02040503050406030204" pitchFamily="18" charset="0"/>
+                      </a:rPr>
+                      <m:t>)=</m:t>
+                    </m:r>
+                    <m:d>
+                      <m:dPr>
+                        <m:ctrlPr>
+                          <a:rPr lang="fr-BE" b="0" i="1" smtClean="0">
+                            <a:solidFill>
+                              <a:schemeClr val="tx1">
+                                <a:lumMod val="85000"/>
+                                <a:lumOff val="15000"/>
+                              </a:schemeClr>
+                            </a:solidFill>
+                            <a:latin typeface="Cambria Math" panose="02040503050406030204" pitchFamily="18" charset="0"/>
+                          </a:rPr>
+                        </m:ctrlPr>
+                      </m:dPr>
+                      <m:e>
+                        <m:r>
+                          <a:rPr lang="fr-BE" b="0" i="1" smtClean="0">
+                            <a:solidFill>
+                              <a:schemeClr val="tx1">
+                                <a:lumMod val="85000"/>
+                                <a:lumOff val="15000"/>
+                              </a:schemeClr>
+                            </a:solidFill>
+                            <a:latin typeface="Cambria Math" panose="02040503050406030204" pitchFamily="18" charset="0"/>
+                          </a:rPr>
+                          <m:t>1+</m:t>
+                        </m:r>
+                        <m:f>
+                          <m:fPr>
+                            <m:ctrlPr>
+                              <a:rPr lang="fr-BE" i="1">
+                                <a:solidFill>
+                                  <a:schemeClr val="tx1">
+                                    <a:lumMod val="85000"/>
+                                    <a:lumOff val="15000"/>
+                                  </a:schemeClr>
+                                </a:solidFill>
+                                <a:latin typeface="Cambria Math" panose="02040503050406030204" pitchFamily="18" charset="0"/>
+                              </a:rPr>
+                            </m:ctrlPr>
+                          </m:fPr>
+                          <m:num>
+                            <m:r>
+                              <m:rPr>
+                                <m:sty m:val="p"/>
+                              </m:rPr>
+                              <a:rPr lang="fr-BE" b="0" i="0" smtClean="0">
+                                <a:solidFill>
+                                  <a:schemeClr val="tx1">
+                                    <a:lumMod val="85000"/>
+                                    <a:lumOff val="15000"/>
+                                  </a:schemeClr>
+                                </a:solidFill>
+                                <a:latin typeface="Cambria Math" panose="02040503050406030204" pitchFamily="18" charset="0"/>
+                              </a:rPr>
+                              <m:t>Δ</m:t>
+                            </m:r>
+                            <m:r>
+                              <a:rPr lang="fr-BE" b="0" i="1" smtClean="0">
+                                <a:solidFill>
+                                  <a:schemeClr val="tx1">
+                                    <a:lumMod val="85000"/>
+                                    <a:lumOff val="15000"/>
+                                  </a:schemeClr>
+                                </a:solidFill>
+                                <a:latin typeface="Cambria Math" panose="02040503050406030204" pitchFamily="18" charset="0"/>
+                              </a:rPr>
+                              <m:t>𝑡</m:t>
+                            </m:r>
+                          </m:num>
+                          <m:den>
+                            <m:r>
+                              <a:rPr lang="fr-BE" i="1">
+                                <a:solidFill>
+                                  <a:schemeClr val="tx1">
+                                    <a:lumMod val="85000"/>
+                                    <a:lumOff val="15000"/>
+                                  </a:schemeClr>
+                                </a:solidFill>
+                                <a:latin typeface="Cambria Math" panose="02040503050406030204" pitchFamily="18" charset="0"/>
+                              </a:rPr>
+                              <m:t>2</m:t>
+                            </m:r>
+                          </m:den>
+                        </m:f>
+                        <m:r>
+                          <a:rPr lang="fr-BE" b="0" i="1" smtClean="0">
+                            <a:solidFill>
+                              <a:schemeClr val="tx1">
+                                <a:lumMod val="85000"/>
+                                <a:lumOff val="15000"/>
+                              </a:schemeClr>
+                            </a:solidFill>
+                            <a:latin typeface="Cambria Math" panose="02040503050406030204" pitchFamily="18" charset="0"/>
+                          </a:rPr>
+                          <m:t>𝐿</m:t>
+                        </m:r>
+                      </m:e>
+                    </m:d>
+                    <m:r>
+                      <a:rPr lang="fr-BE" b="0" i="1" smtClean="0">
+                        <a:solidFill>
+                          <a:schemeClr val="tx1">
+                            <a:lumMod val="85000"/>
+                            <a:lumOff val="15000"/>
+                          </a:schemeClr>
+                        </a:solidFill>
+                        <a:latin typeface="Cambria Math" panose="02040503050406030204" pitchFamily="18" charset="0"/>
+                      </a:rPr>
+                      <m:t>𝑢</m:t>
+                    </m:r>
+                    <m:r>
+                      <a:rPr lang="fr-BE" b="0" i="1" smtClean="0">
+                        <a:solidFill>
+                          <a:schemeClr val="tx1">
+                            <a:lumMod val="85000"/>
+                            <a:lumOff val="15000"/>
+                          </a:schemeClr>
+                        </a:solidFill>
+                        <a:latin typeface="Cambria Math" panose="02040503050406030204" pitchFamily="18" charset="0"/>
+                      </a:rPr>
+                      <m:t>(</m:t>
+                    </m:r>
+                    <m:r>
+                      <a:rPr lang="fr-BE" b="0" i="1" smtClean="0">
+                        <a:solidFill>
+                          <a:schemeClr val="tx1">
+                            <a:lumMod val="85000"/>
+                            <a:lumOff val="15000"/>
+                          </a:schemeClr>
+                        </a:solidFill>
+                        <a:latin typeface="Cambria Math" panose="02040503050406030204" pitchFamily="18" charset="0"/>
+                      </a:rPr>
+                      <m:t>𝑥</m:t>
+                    </m:r>
+                    <m:r>
+                      <a:rPr lang="fr-BE" b="0" i="1" smtClean="0">
+                        <a:solidFill>
+                          <a:schemeClr val="tx1">
+                            <a:lumMod val="85000"/>
+                            <a:lumOff val="15000"/>
+                          </a:schemeClr>
+                        </a:solidFill>
+                        <a:latin typeface="Cambria Math" panose="02040503050406030204" pitchFamily="18" charset="0"/>
+                      </a:rPr>
+                      <m:t>,</m:t>
+                    </m:r>
+                    <m:r>
+                      <a:rPr lang="fr-BE" b="0" i="1" smtClean="0">
+                        <a:solidFill>
+                          <a:schemeClr val="tx1">
+                            <a:lumMod val="85000"/>
+                            <a:lumOff val="15000"/>
+                          </a:schemeClr>
+                        </a:solidFill>
+                        <a:latin typeface="Cambria Math" panose="02040503050406030204" pitchFamily="18" charset="0"/>
+                      </a:rPr>
+                      <m:t>𝑡</m:t>
+                    </m:r>
+                    <m:r>
+                      <a:rPr lang="fr-BE" b="0" i="1" smtClean="0">
+                        <a:solidFill>
+                          <a:schemeClr val="tx1">
+                            <a:lumMod val="85000"/>
+                            <a:lumOff val="15000"/>
+                          </a:schemeClr>
+                        </a:solidFill>
+                        <a:latin typeface="Cambria Math" panose="02040503050406030204" pitchFamily="18" charset="0"/>
+                      </a:rPr>
+                      <m:t>)+</m:t>
+                    </m:r>
+                    <m:r>
+                      <m:rPr>
+                        <m:sty m:val="p"/>
+                      </m:rPr>
+                      <a:rPr lang="fr-BE" b="0" i="0" smtClean="0">
+                        <a:solidFill>
+                          <a:schemeClr val="tx1">
+                            <a:lumMod val="85000"/>
+                            <a:lumOff val="15000"/>
+                          </a:schemeClr>
+                        </a:solidFill>
+                        <a:latin typeface="Cambria Math" panose="02040503050406030204" pitchFamily="18" charset="0"/>
+                      </a:rPr>
+                      <m:t>Δ</m:t>
+                    </m:r>
+                    <m:r>
+                      <a:rPr lang="fr-BE" b="0" i="1" smtClean="0">
+                        <a:solidFill>
+                          <a:schemeClr val="tx1">
+                            <a:lumMod val="85000"/>
+                            <a:lumOff val="15000"/>
+                          </a:schemeClr>
+                        </a:solidFill>
+                        <a:latin typeface="Cambria Math" panose="02040503050406030204" pitchFamily="18" charset="0"/>
+                      </a:rPr>
+                      <m:t>𝑡</m:t>
+                    </m:r>
+                    <m:d>
+                      <m:dPr>
+                        <m:ctrlPr>
+                          <a:rPr lang="fr-BE" b="0" i="1" smtClean="0">
+                            <a:solidFill>
+                              <a:schemeClr val="tx1">
+                                <a:lumMod val="85000"/>
+                                <a:lumOff val="15000"/>
+                              </a:schemeClr>
+                            </a:solidFill>
+                            <a:latin typeface="Cambria Math" panose="02040503050406030204" pitchFamily="18" charset="0"/>
+                          </a:rPr>
+                        </m:ctrlPr>
+                      </m:dPr>
+                      <m:e>
+                        <m:f>
+                          <m:fPr>
+                            <m:ctrlPr>
+                              <a:rPr lang="fr-BE" i="1">
+                                <a:solidFill>
+                                  <a:schemeClr val="tx1">
+                                    <a:lumMod val="85000"/>
+                                    <a:lumOff val="15000"/>
+                                  </a:schemeClr>
+                                </a:solidFill>
+                                <a:latin typeface="Cambria Math" panose="02040503050406030204" pitchFamily="18" charset="0"/>
+                              </a:rPr>
+                            </m:ctrlPr>
+                          </m:fPr>
+                          <m:num>
+                            <m:r>
+                              <a:rPr lang="fr-BE" i="1">
+                                <a:solidFill>
+                                  <a:schemeClr val="tx1">
+                                    <a:lumMod val="85000"/>
+                                    <a:lumOff val="15000"/>
+                                  </a:schemeClr>
+                                </a:solidFill>
+                                <a:latin typeface="Cambria Math" panose="02040503050406030204" pitchFamily="18" charset="0"/>
+                              </a:rPr>
+                              <m:t>3</m:t>
+                            </m:r>
+                          </m:num>
+                          <m:den>
+                            <m:r>
+                              <a:rPr lang="fr-BE" i="1">
+                                <a:solidFill>
+                                  <a:schemeClr val="tx1">
+                                    <a:lumMod val="85000"/>
+                                    <a:lumOff val="15000"/>
+                                  </a:schemeClr>
+                                </a:solidFill>
+                                <a:latin typeface="Cambria Math" panose="02040503050406030204" pitchFamily="18" charset="0"/>
+                              </a:rPr>
+                              <m:t>2</m:t>
+                            </m:r>
+                          </m:den>
+                        </m:f>
+                        <m:r>
+                          <a:rPr lang="fr-BE" i="1">
+                            <a:solidFill>
+                              <a:schemeClr val="tx1">
+                                <a:lumMod val="85000"/>
+                                <a:lumOff val="15000"/>
+                              </a:schemeClr>
+                            </a:solidFill>
+                            <a:latin typeface="Cambria Math" panose="02040503050406030204" pitchFamily="18" charset="0"/>
+                          </a:rPr>
+                          <m:t>𝑁𝑢</m:t>
+                        </m:r>
+                        <m:d>
+                          <m:dPr>
+                            <m:ctrlPr>
+                              <a:rPr lang="fr-BE" i="1">
+                                <a:solidFill>
+                                  <a:schemeClr val="tx1">
+                                    <a:lumMod val="85000"/>
+                                    <a:lumOff val="15000"/>
+                                  </a:schemeClr>
+                                </a:solidFill>
+                                <a:latin typeface="Cambria Math" panose="02040503050406030204" pitchFamily="18" charset="0"/>
+                              </a:rPr>
+                            </m:ctrlPr>
+                          </m:dPr>
+                          <m:e>
+                            <m:r>
+                              <a:rPr lang="fr-BE" i="1">
+                                <a:solidFill>
+                                  <a:schemeClr val="tx1">
+                                    <a:lumMod val="85000"/>
+                                    <a:lumOff val="15000"/>
+                                  </a:schemeClr>
+                                </a:solidFill>
+                                <a:latin typeface="Cambria Math" panose="02040503050406030204" pitchFamily="18" charset="0"/>
+                              </a:rPr>
+                              <m:t>𝑥</m:t>
+                            </m:r>
+                            <m:r>
+                              <a:rPr lang="fr-BE" i="1">
+                                <a:solidFill>
+                                  <a:schemeClr val="tx1">
+                                    <a:lumMod val="85000"/>
+                                    <a:lumOff val="15000"/>
+                                  </a:schemeClr>
+                                </a:solidFill>
+                                <a:latin typeface="Cambria Math" panose="02040503050406030204" pitchFamily="18" charset="0"/>
+                              </a:rPr>
+                              <m:t>,</m:t>
+                            </m:r>
+                            <m:r>
+                              <a:rPr lang="fr-BE" i="1">
+                                <a:solidFill>
+                                  <a:schemeClr val="tx1">
+                                    <a:lumMod val="85000"/>
+                                    <a:lumOff val="15000"/>
+                                  </a:schemeClr>
+                                </a:solidFill>
+                                <a:latin typeface="Cambria Math" panose="02040503050406030204" pitchFamily="18" charset="0"/>
+                              </a:rPr>
+                              <m:t>𝑡</m:t>
+                            </m:r>
+                          </m:e>
+                        </m:d>
+                        <m:r>
+                          <a:rPr lang="fr-BE" i="1">
+                            <a:solidFill>
+                              <a:schemeClr val="tx1">
+                                <a:lumMod val="85000"/>
+                                <a:lumOff val="15000"/>
+                              </a:schemeClr>
+                            </a:solidFill>
+                            <a:latin typeface="Cambria Math" panose="02040503050406030204" pitchFamily="18" charset="0"/>
+                          </a:rPr>
+                          <m:t>−</m:t>
+                        </m:r>
+                        <m:f>
+                          <m:fPr>
+                            <m:ctrlPr>
+                              <a:rPr lang="fr-BE" i="1">
+                                <a:solidFill>
+                                  <a:schemeClr val="tx1">
+                                    <a:lumMod val="85000"/>
+                                    <a:lumOff val="15000"/>
+                                  </a:schemeClr>
+                                </a:solidFill>
+                                <a:latin typeface="Cambria Math" panose="02040503050406030204" pitchFamily="18" charset="0"/>
+                              </a:rPr>
+                            </m:ctrlPr>
+                          </m:fPr>
+                          <m:num>
+                            <m:r>
+                              <a:rPr lang="fr-BE" i="1">
+                                <a:solidFill>
+                                  <a:schemeClr val="tx1">
+                                    <a:lumMod val="85000"/>
+                                    <a:lumOff val="15000"/>
+                                  </a:schemeClr>
+                                </a:solidFill>
+                                <a:latin typeface="Cambria Math" panose="02040503050406030204" pitchFamily="18" charset="0"/>
+                              </a:rPr>
+                              <m:t>1</m:t>
+                            </m:r>
+                          </m:num>
+                          <m:den>
+                            <m:r>
+                              <a:rPr lang="fr-BE" i="1">
+                                <a:solidFill>
+                                  <a:schemeClr val="tx1">
+                                    <a:lumMod val="85000"/>
+                                    <a:lumOff val="15000"/>
+                                  </a:schemeClr>
+                                </a:solidFill>
+                                <a:latin typeface="Cambria Math" panose="02040503050406030204" pitchFamily="18" charset="0"/>
+                              </a:rPr>
+                              <m:t>2</m:t>
+                            </m:r>
+                          </m:den>
+                        </m:f>
+                        <m:r>
+                          <a:rPr lang="fr-BE" i="1">
+                            <a:solidFill>
+                              <a:schemeClr val="tx1">
+                                <a:lumMod val="85000"/>
+                                <a:lumOff val="15000"/>
+                              </a:schemeClr>
+                            </a:solidFill>
+                            <a:latin typeface="Cambria Math" panose="02040503050406030204" pitchFamily="18" charset="0"/>
+                          </a:rPr>
+                          <m:t>𝑁𝑢</m:t>
+                        </m:r>
+                        <m:r>
+                          <a:rPr lang="fr-BE" i="1">
+                            <a:solidFill>
+                              <a:schemeClr val="tx1">
+                                <a:lumMod val="85000"/>
+                                <a:lumOff val="15000"/>
+                              </a:schemeClr>
+                            </a:solidFill>
+                            <a:latin typeface="Cambria Math" panose="02040503050406030204" pitchFamily="18" charset="0"/>
+                          </a:rPr>
+                          <m:t>(</m:t>
+                        </m:r>
+                        <m:r>
+                          <a:rPr lang="fr-BE" i="1">
+                            <a:solidFill>
+                              <a:schemeClr val="tx1">
+                                <a:lumMod val="85000"/>
+                                <a:lumOff val="15000"/>
+                              </a:schemeClr>
+                            </a:solidFill>
+                            <a:latin typeface="Cambria Math" panose="02040503050406030204" pitchFamily="18" charset="0"/>
+                          </a:rPr>
+                          <m:t>𝑥</m:t>
+                        </m:r>
+                        <m:r>
+                          <a:rPr lang="fr-BE" i="1">
+                            <a:solidFill>
+                              <a:schemeClr val="tx1">
+                                <a:lumMod val="85000"/>
+                                <a:lumOff val="15000"/>
+                              </a:schemeClr>
+                            </a:solidFill>
+                            <a:latin typeface="Cambria Math" panose="02040503050406030204" pitchFamily="18" charset="0"/>
+                          </a:rPr>
+                          <m:t>,</m:t>
+                        </m:r>
+                        <m:r>
+                          <a:rPr lang="fr-BE" i="1">
+                            <a:solidFill>
+                              <a:schemeClr val="tx1">
+                                <a:lumMod val="85000"/>
+                                <a:lumOff val="15000"/>
+                              </a:schemeClr>
+                            </a:solidFill>
+                            <a:latin typeface="Cambria Math" panose="02040503050406030204" pitchFamily="18" charset="0"/>
+                          </a:rPr>
+                          <m:t>𝑡</m:t>
+                        </m:r>
+                        <m:r>
+                          <a:rPr lang="fr-BE" i="1">
+                            <a:solidFill>
+                              <a:schemeClr val="tx1">
+                                <a:lumMod val="85000"/>
+                                <a:lumOff val="15000"/>
+                              </a:schemeClr>
+                            </a:solidFill>
+                            <a:latin typeface="Cambria Math" panose="02040503050406030204" pitchFamily="18" charset="0"/>
+                          </a:rPr>
+                          <m:t>−</m:t>
+                        </m:r>
+                        <m:r>
+                          <m:rPr>
+                            <m:sty m:val="p"/>
+                          </m:rPr>
+                          <a:rPr lang="fr-BE">
+                            <a:solidFill>
+                              <a:schemeClr val="tx1">
+                                <a:lumMod val="85000"/>
+                                <a:lumOff val="15000"/>
+                              </a:schemeClr>
+                            </a:solidFill>
+                            <a:latin typeface="Cambria Math" panose="02040503050406030204" pitchFamily="18" charset="0"/>
+                          </a:rPr>
+                          <m:t>Δ</m:t>
+                        </m:r>
+                        <m:r>
+                          <m:rPr>
+                            <m:sty m:val="p"/>
+                          </m:rPr>
+                          <a:rPr lang="fr-BE">
+                            <a:solidFill>
+                              <a:schemeClr val="tx1">
+                                <a:lumMod val="85000"/>
+                                <a:lumOff val="15000"/>
+                              </a:schemeClr>
+                            </a:solidFill>
+                            <a:latin typeface="Cambria Math" panose="02040503050406030204" pitchFamily="18" charset="0"/>
+                          </a:rPr>
+                          <m:t>t</m:t>
+                        </m:r>
+                        <m:r>
+                          <a:rPr lang="fr-BE">
+                            <a:solidFill>
+                              <a:schemeClr val="tx1">
+                                <a:lumMod val="85000"/>
+                                <a:lumOff val="15000"/>
+                              </a:schemeClr>
+                            </a:solidFill>
+                            <a:latin typeface="Cambria Math" panose="02040503050406030204" pitchFamily="18" charset="0"/>
+                          </a:rPr>
+                          <m:t>)</m:t>
+                        </m:r>
+                      </m:e>
+                    </m:d>
+                  </m:oMath>
+                </a14:m>
+                <a:endParaRPr lang="fr-BE" sz="2000" dirty="0">
+                  <a:solidFill>
+                    <a:schemeClr val="tx1">
+                      <a:lumMod val="85000"/>
+                      <a:lumOff val="15000"/>
+                    </a:schemeClr>
+                  </a:solidFill>
+                </a:endParaRPr>
+              </a:p>
+            </p:txBody>
+          </p:sp>
+        </mc:Choice>
+        <mc:Fallback>
+          <p:sp>
+            <p:nvSpPr>
+              <p:cNvPr id="13" name="ZoneTexte 12"/>
+              <p:cNvSpPr txBox="1">
+                <a:spLocks noRot="1" noChangeAspect="1" noMove="1" noResize="1" noEditPoints="1" noAdjustHandles="1" noChangeArrowheads="1" noChangeShapeType="1" noTextEdit="1"/>
+              </p:cNvSpPr>
+              <p:nvPr/>
+            </p:nvSpPr>
+            <p:spPr>
+              <a:xfrm>
+                <a:off x="677332" y="5632070"/>
+                <a:ext cx="8596670" cy="506870"/>
+              </a:xfrm>
+              <a:prstGeom prst="rect">
+                <a:avLst/>
+              </a:prstGeom>
+              <a:blipFill>
+                <a:blip r:embed="rId7"/>
+                <a:stretch>
+                  <a:fillRect l="-567" b="-4819"/>
+                </a:stretch>
+              </a:blipFill>
+            </p:spPr>
+            <p:txBody>
+              <a:bodyPr/>
+              <a:lstStyle/>
+              <a:p>
+                <a:r>
+                  <a:rPr lang="fr-BE">
+                    <a:noFill/>
+                  </a:rPr>
+                  <a:t> </a:t>
+                </a:r>
+              </a:p>
+            </p:txBody>
+          </p:sp>
+        </mc:Fallback>
+      </mc:AlternateContent>
     </p:spTree>
     <p:extLst>
       <p:ext uri="{BB962C8B-B14F-4D97-AF65-F5344CB8AC3E}">

--- a/Présentation_LPHYS1303.pptx
+++ b/Présentation_LPHYS1303.pptx
@@ -13035,8 +13035,8 @@
           </a:p>
         </p:txBody>
       </p:sp>
-      <mc:AlternateContent xmlns:mc="http://schemas.openxmlformats.org/markup-compatibility/2006">
-        <mc:Choice xmlns:a14="http://schemas.microsoft.com/office/drawing/2010/main" Requires="a14">
+      <mc:AlternateContent xmlns:mc="http://schemas.openxmlformats.org/markup-compatibility/2006" xmlns:a14="http://schemas.microsoft.com/office/drawing/2010/main">
+        <mc:Choice Requires="a14">
           <p:sp>
             <p:nvSpPr>
               <p:cNvPr id="13" name="ZoneTexte 12"/>
@@ -13059,6 +13059,7 @@
               </a:bodyPr>
               <a:lstStyle/>
               <a:p>
+                <a:pPr/>
                 <a14:m>
                   <m:oMathPara xmlns:m="http://schemas.openxmlformats.org/officeDocument/2006/math">
                     <m:oMathParaPr>
@@ -13748,22 +13749,7 @@
                               </a:solidFill>
                               <a:latin typeface="Cambria Math" panose="02040503050406030204" pitchFamily="18" charset="0"/>
                             </a:rPr>
-                            <m:t>Δ</m:t>
-                          </m:r>
-                          <m:r>
-                            <m:rPr>
-                              <m:sty m:val="p"/>
-                            </m:rPr>
-                            <a:rPr lang="fr-BE">
-                              <a:solidFill>
-                                <a:schemeClr val="tx1">
-                                  <a:lumMod val="85000"/>
-                                  <a:lumOff val="15000"/>
-                                </a:schemeClr>
-                              </a:solidFill>
-                              <a:latin typeface="Cambria Math" panose="02040503050406030204" pitchFamily="18" charset="0"/>
-                            </a:rPr>
-                            <m:t>t</m:t>
+                            <m:t>Δt</m:t>
                           </m:r>
                           <m:r>
                             <a:rPr lang="fr-BE">
@@ -13794,7 +13780,7 @@
             </p:txBody>
           </p:sp>
         </mc:Choice>
-        <mc:Fallback>
+        <mc:Fallback xmlns="">
           <p:sp>
             <p:nvSpPr>
               <p:cNvPr id="13" name="ZoneTexte 12"/>
@@ -13833,8 +13819,8 @@
           </p:sp>
         </mc:Fallback>
       </mc:AlternateContent>
-      <mc:AlternateContent xmlns:mc="http://schemas.openxmlformats.org/markup-compatibility/2006">
-        <mc:Choice xmlns:a14="http://schemas.microsoft.com/office/drawing/2010/main" Requires="a14">
+      <mc:AlternateContent xmlns:mc="http://schemas.openxmlformats.org/markup-compatibility/2006" xmlns:a14="http://schemas.microsoft.com/office/drawing/2010/main">
+        <mc:Choice Requires="a14">
           <p:sp>
             <p:nvSpPr>
               <p:cNvPr id="3" name="ZoneTexte 2"/>
@@ -13857,6 +13843,7 @@
               </a:bodyPr>
               <a:lstStyle/>
               <a:p>
+                <a:pPr/>
                 <a14:m>
                   <m:oMathPara xmlns:m="http://schemas.openxmlformats.org/officeDocument/2006/math">
                     <m:oMathParaPr>
@@ -14972,7 +14959,7 @@
             </p:txBody>
           </p:sp>
         </mc:Choice>
-        <mc:Fallback>
+        <mc:Fallback xmlns="">
           <p:sp>
             <p:nvSpPr>
               <p:cNvPr id="3" name="ZoneTexte 2"/>
@@ -15049,8 +15036,8 @@
           </a:fontRef>
         </p:style>
       </p:cxnSp>
-      <mc:AlternateContent xmlns:mc="http://schemas.openxmlformats.org/markup-compatibility/2006">
-        <mc:Choice xmlns:a14="http://schemas.microsoft.com/office/drawing/2010/main" Requires="a14">
+      <mc:AlternateContent xmlns:mc="http://schemas.openxmlformats.org/markup-compatibility/2006" xmlns:a14="http://schemas.microsoft.com/office/drawing/2010/main">
+        <mc:Choice Requires="a14">
           <p:sp>
             <p:nvSpPr>
               <p:cNvPr id="16" name="ZoneTexte 15"/>
@@ -15073,6 +15060,7 @@
               </a:bodyPr>
               <a:lstStyle/>
               <a:p>
+                <a:pPr/>
                 <a14:m>
                   <m:oMathPara xmlns:m="http://schemas.openxmlformats.org/officeDocument/2006/math">
                     <m:oMathParaPr>
@@ -15106,7 +15094,7 @@
             </p:txBody>
           </p:sp>
         </mc:Choice>
-        <mc:Fallback>
+        <mc:Fallback xmlns="">
           <p:sp>
             <p:nvSpPr>
               <p:cNvPr id="16" name="ZoneTexte 15"/>
@@ -15145,8 +15133,8 @@
           </p:sp>
         </mc:Fallback>
       </mc:AlternateContent>
-      <mc:AlternateContent xmlns:mc="http://schemas.openxmlformats.org/markup-compatibility/2006">
-        <mc:Choice xmlns:a14="http://schemas.microsoft.com/office/drawing/2010/main" Requires="a14">
+      <mc:AlternateContent xmlns:mc="http://schemas.openxmlformats.org/markup-compatibility/2006" xmlns:a14="http://schemas.microsoft.com/office/drawing/2010/main">
+        <mc:Choice Requires="a14">
           <p:sp>
             <p:nvSpPr>
               <p:cNvPr id="17" name="ZoneTexte 16"/>
@@ -15592,7 +15580,7 @@
             </p:txBody>
           </p:sp>
         </mc:Choice>
-        <mc:Fallback>
+        <mc:Fallback xmlns="">
           <p:sp>
             <p:nvSpPr>
               <p:cNvPr id="17" name="ZoneTexte 16"/>
@@ -15729,8 +15717,8 @@
           </a:p>
         </p:txBody>
       </p:sp>
-      <mc:AlternateContent xmlns:mc="http://schemas.openxmlformats.org/markup-compatibility/2006">
-        <mc:Choice xmlns:a14="http://schemas.microsoft.com/office/drawing/2010/main" Requires="a14">
+      <mc:AlternateContent xmlns:mc="http://schemas.openxmlformats.org/markup-compatibility/2006" xmlns:a14="http://schemas.microsoft.com/office/drawing/2010/main">
+        <mc:Choice Requires="a14">
           <p:sp>
             <p:nvSpPr>
               <p:cNvPr id="3" name="Espace réservé du contenu 2"/>
@@ -16097,7 +16085,7 @@
             </p:txBody>
           </p:sp>
         </mc:Choice>
-        <mc:Fallback>
+        <mc:Fallback xmlns="">
           <p:sp>
             <p:nvSpPr>
               <p:cNvPr id="3" name="Espace réservé du contenu 2"/>
@@ -16187,7 +16175,7 @@
       </p:pic>
       <p:pic>
         <p:nvPicPr>
-          <p:cNvPr id="6" name="Image 5"/>
+          <p:cNvPr id="7" name="Image 6"/>
           <p:cNvPicPr>
             <a:picLocks noChangeAspect="1"/>
           </p:cNvPicPr>
@@ -16201,13 +16189,13 @@
               </a:ext>
             </a:extLst>
           </a:blip>
-          <a:srcRect l="1490" t="6249" r="8869"/>
+          <a:srcRect l="3032" t="5729" r="8519" b="1637"/>
           <a:stretch/>
         </p:blipFill>
         <p:spPr>
           <a:xfrm>
-            <a:off x="6930189" y="1221751"/>
-            <a:ext cx="3404937" cy="2670766"/>
+            <a:off x="7010688" y="1281208"/>
+            <a:ext cx="3324438" cy="2611309"/>
           </a:xfrm>
           <a:prstGeom prst="rect">
             <a:avLst/>
@@ -16327,6 +16315,36 @@
           </a:p>
         </p:txBody>
       </p:sp>
+      <p:pic>
+        <p:nvPicPr>
+          <p:cNvPr id="5" name="Image 4"/>
+          <p:cNvPicPr>
+            <a:picLocks noChangeAspect="1"/>
+          </p:cNvPicPr>
+          <p:nvPr/>
+        </p:nvPicPr>
+        <p:blipFill>
+          <a:blip r:embed="rId2">
+            <a:extLst>
+              <a:ext uri="{28A0092B-C50C-407E-A947-70E740481C1C}">
+                <a14:useLocalDpi xmlns:a14="http://schemas.microsoft.com/office/drawing/2010/main" val="0"/>
+              </a:ext>
+            </a:extLst>
+          </a:blip>
+          <a:stretch>
+            <a:fillRect/>
+          </a:stretch>
+        </p:blipFill>
+        <p:spPr>
+          <a:xfrm>
+            <a:off x="2550789" y="3223288"/>
+            <a:ext cx="4846283" cy="3634712"/>
+          </a:xfrm>
+          <a:prstGeom prst="rect">
+            <a:avLst/>
+          </a:prstGeom>
+        </p:spPr>
+      </p:pic>
     </p:spTree>
     <p:extLst>
       <p:ext uri="{BB962C8B-B14F-4D97-AF65-F5344CB8AC3E}">
@@ -16444,6 +16462,36 @@
           </a:p>
         </p:txBody>
       </p:sp>
+      <p:pic>
+        <p:nvPicPr>
+          <p:cNvPr id="5" name="Image 4"/>
+          <p:cNvPicPr>
+            <a:picLocks noChangeAspect="1"/>
+          </p:cNvPicPr>
+          <p:nvPr/>
+        </p:nvPicPr>
+        <p:blipFill>
+          <a:blip r:embed="rId2">
+            <a:extLst>
+              <a:ext uri="{28A0092B-C50C-407E-A947-70E740481C1C}">
+                <a14:useLocalDpi xmlns:a14="http://schemas.microsoft.com/office/drawing/2010/main" val="0"/>
+              </a:ext>
+            </a:extLst>
+          </a:blip>
+          <a:stretch>
+            <a:fillRect/>
+          </a:stretch>
+        </p:blipFill>
+        <p:spPr>
+          <a:xfrm>
+            <a:off x="2458525" y="2995898"/>
+            <a:ext cx="5034285" cy="3775714"/>
+          </a:xfrm>
+          <a:prstGeom prst="rect">
+            <a:avLst/>
+          </a:prstGeom>
+        </p:spPr>
+      </p:pic>
     </p:spTree>
     <p:extLst>
       <p:ext uri="{BB962C8B-B14F-4D97-AF65-F5344CB8AC3E}">
@@ -16504,25 +16552,34 @@
           </a:p>
         </p:txBody>
       </p:sp>
-      <p:sp>
-        <p:nvSpPr>
-          <p:cNvPr id="3" name="Espace réservé du contenu 2"/>
-          <p:cNvSpPr>
-            <a:spLocks noGrp="1"/>
-          </p:cNvSpPr>
+      <p:pic>
+        <p:nvPicPr>
+          <p:cNvPr id="5" name="Espace réservé du contenu 4"/>
+          <p:cNvPicPr>
+            <a:picLocks noGrp="1" noChangeAspect="1"/>
+          </p:cNvPicPr>
           <p:nvPr>
             <p:ph idx="1"/>
           </p:nvPr>
-        </p:nvSpPr>
-        <p:spPr/>
-        <p:txBody>
-          <a:bodyPr/>
-          <a:lstStyle/>
-          <a:p>
-            <a:endParaRPr lang="fr-BE"/>
-          </a:p>
-        </p:txBody>
-      </p:sp>
+        </p:nvPicPr>
+        <p:blipFill rotWithShape="1">
+          <a:blip r:embed="rId2">
+            <a:extLst>
+              <a:ext uri="{28A0092B-C50C-407E-A947-70E740481C1C}">
+                <a14:useLocalDpi xmlns:a14="http://schemas.microsoft.com/office/drawing/2010/main" val="0"/>
+              </a:ext>
+            </a:extLst>
+          </a:blip>
+          <a:srcRect l="4286" t="10692" r="7555" b="1700"/>
+          <a:stretch/>
+        </p:blipFill>
+        <p:spPr>
+          <a:xfrm>
+            <a:off x="2609850" y="3305175"/>
+            <a:ext cx="4562476" cy="3400425"/>
+          </a:xfrm>
+        </p:spPr>
+      </p:pic>
       <p:sp>
         <p:nvSpPr>
           <p:cNvPr id="4" name="Espace réservé du numéro de diapositive 3"/>
@@ -19060,8 +19117,8 @@
             <a:chExt cx="8596668" cy="1320800"/>
           </a:xfrm>
         </p:grpSpPr>
-        <mc:AlternateContent xmlns:mc="http://schemas.openxmlformats.org/markup-compatibility/2006">
-          <mc:Choice xmlns:a14="http://schemas.microsoft.com/office/drawing/2010/main" Requires="a14">
+        <mc:AlternateContent xmlns:mc="http://schemas.openxmlformats.org/markup-compatibility/2006" xmlns:a14="http://schemas.microsoft.com/office/drawing/2010/main">
+          <mc:Choice Requires="a14">
             <p:sp>
               <p:nvSpPr>
                 <p:cNvPr id="5" name="Titre 1"/>
@@ -19156,6 +19213,7 @@
                   </a:lvl9pPr>
                 </a:lstStyle>
                 <a:p>
+                  <a:pPr/>
                   <a14:m>
                     <m:oMathPara xmlns:m="http://schemas.openxmlformats.org/officeDocument/2006/math">
                       <m:oMathParaPr>
@@ -19649,7 +19707,7 @@
               </p:txBody>
             </p:sp>
           </mc:Choice>
-          <mc:Fallback>
+          <mc:Fallback xmlns="">
             <p:sp>
               <p:nvSpPr>
                 <p:cNvPr id="5" name="Titre 1"/>
@@ -19780,8 +19838,8 @@
             </a:p>
           </p:txBody>
         </p:sp>
-        <mc:AlternateContent xmlns:mc="http://schemas.openxmlformats.org/markup-compatibility/2006">
-          <mc:Choice xmlns:a14="http://schemas.microsoft.com/office/drawing/2010/main" Requires="a14">
+        <mc:AlternateContent xmlns:mc="http://schemas.openxmlformats.org/markup-compatibility/2006" xmlns:a14="http://schemas.microsoft.com/office/drawing/2010/main">
+          <mc:Choice Requires="a14">
             <p:sp>
               <p:nvSpPr>
                 <p:cNvPr id="8" name="ZoneTexte 7"/>
@@ -19804,6 +19862,7 @@
                 </a:bodyPr>
                 <a:lstStyle/>
                 <a:p>
+                  <a:pPr/>
                   <a14:m>
                     <m:oMathPara xmlns:m="http://schemas.openxmlformats.org/officeDocument/2006/math">
                       <m:oMathParaPr>
@@ -19830,7 +19889,7 @@
               </p:txBody>
             </p:sp>
           </mc:Choice>
-          <mc:Fallback>
+          <mc:Fallback xmlns="">
             <p:sp>
               <p:nvSpPr>
                 <p:cNvPr id="8" name="ZoneTexte 7"/>
@@ -19869,8 +19928,8 @@
             </p:sp>
           </mc:Fallback>
         </mc:AlternateContent>
-        <mc:AlternateContent xmlns:mc="http://schemas.openxmlformats.org/markup-compatibility/2006">
-          <mc:Choice xmlns:a14="http://schemas.microsoft.com/office/drawing/2010/main" Requires="a14">
+        <mc:AlternateContent xmlns:mc="http://schemas.openxmlformats.org/markup-compatibility/2006" xmlns:a14="http://schemas.microsoft.com/office/drawing/2010/main">
+          <mc:Choice Requires="a14">
             <p:sp>
               <p:nvSpPr>
                 <p:cNvPr id="9" name="ZoneTexte 8"/>
@@ -19893,6 +19952,7 @@
                 </a:bodyPr>
                 <a:lstStyle/>
                 <a:p>
+                  <a:pPr/>
                   <a14:m>
                     <m:oMathPara xmlns:m="http://schemas.openxmlformats.org/officeDocument/2006/math">
                       <m:oMathParaPr>
@@ -19919,7 +19979,7 @@
               </p:txBody>
             </p:sp>
           </mc:Choice>
-          <mc:Fallback>
+          <mc:Fallback xmlns="">
             <p:sp>
               <p:nvSpPr>
                 <p:cNvPr id="9" name="ZoneTexte 8"/>
@@ -19959,8 +20019,8 @@
           </mc:Fallback>
         </mc:AlternateContent>
       </p:grpSp>
-      <mc:AlternateContent xmlns:mc="http://schemas.openxmlformats.org/markup-compatibility/2006">
-        <mc:Choice xmlns:a14="http://schemas.microsoft.com/office/drawing/2010/main" Requires="a14">
+      <mc:AlternateContent xmlns:mc="http://schemas.openxmlformats.org/markup-compatibility/2006" xmlns:a14="http://schemas.microsoft.com/office/drawing/2010/main">
+        <mc:Choice Requires="a14">
           <p:sp>
             <p:nvSpPr>
               <p:cNvPr id="11" name="ZoneTexte 10"/>
@@ -20053,6 +20113,7 @@
                 </a:endParaRPr>
               </a:p>
               <a:p>
+                <a:pPr/>
                 <a14:m>
                   <m:oMathPara xmlns:m="http://schemas.openxmlformats.org/officeDocument/2006/math">
                     <m:oMathParaPr>
@@ -20609,6 +20670,7 @@
                 </a:endParaRPr>
               </a:p>
               <a:p>
+                <a:pPr/>
                 <a14:m>
                   <m:oMathPara xmlns:m="http://schemas.openxmlformats.org/officeDocument/2006/math">
                     <m:oMathParaPr>
@@ -21174,7 +21236,7 @@
             </p:txBody>
           </p:sp>
         </mc:Choice>
-        <mc:Fallback>
+        <mc:Fallback xmlns="">
           <p:sp>
             <p:nvSpPr>
               <p:cNvPr id="11" name="ZoneTexte 10"/>
@@ -21213,8 +21275,8 @@
           </p:sp>
         </mc:Fallback>
       </mc:AlternateContent>
-      <mc:AlternateContent xmlns:mc="http://schemas.openxmlformats.org/markup-compatibility/2006">
-        <mc:Choice xmlns:a14="http://schemas.microsoft.com/office/drawing/2010/main" Requires="a14">
+      <mc:AlternateContent xmlns:mc="http://schemas.openxmlformats.org/markup-compatibility/2006" xmlns:a14="http://schemas.microsoft.com/office/drawing/2010/main">
+        <mc:Choice Requires="a14">
           <p:sp>
             <p:nvSpPr>
               <p:cNvPr id="12" name="ZoneTexte 11"/>
@@ -21237,6 +21299,7 @@
               </a:bodyPr>
               <a:lstStyle/>
               <a:p>
+                <a:pPr/>
                 <a14:m>
                   <m:oMathPara xmlns:m="http://schemas.openxmlformats.org/officeDocument/2006/math">
                     <m:oMathParaPr>
@@ -21807,19 +21870,7 @@
                           </a:solidFill>
                           <a:latin typeface="Cambria Math" panose="02040503050406030204" pitchFamily="18" charset="0"/>
                         </a:rPr>
-                        <m:t>𝑁</m:t>
-                      </m:r>
-                      <m:r>
-                        <a:rPr lang="fr-BE" i="1">
-                          <a:solidFill>
-                            <a:schemeClr val="tx1">
-                              <a:lumMod val="85000"/>
-                              <a:lumOff val="15000"/>
-                            </a:schemeClr>
-                          </a:solidFill>
-                          <a:latin typeface="Cambria Math" panose="02040503050406030204" pitchFamily="18" charset="0"/>
-                        </a:rPr>
-                        <m:t>𝑢</m:t>
+                        <m:t>𝑁𝑢</m:t>
                       </m:r>
                       <m:d>
                         <m:dPr>
@@ -21939,19 +21990,7 @@
                           </a:solidFill>
                           <a:latin typeface="Cambria Math" panose="02040503050406030204" pitchFamily="18" charset="0"/>
                         </a:rPr>
-                        <m:t>𝑁</m:t>
-                      </m:r>
-                      <m:r>
-                        <a:rPr lang="fr-BE" i="1">
-                          <a:solidFill>
-                            <a:schemeClr val="tx1">
-                              <a:lumMod val="85000"/>
-                              <a:lumOff val="15000"/>
-                            </a:schemeClr>
-                          </a:solidFill>
-                          <a:latin typeface="Cambria Math" panose="02040503050406030204" pitchFamily="18" charset="0"/>
-                        </a:rPr>
-                        <m:t>𝑢</m:t>
+                        <m:t>𝑁𝑢</m:t>
                       </m:r>
                       <m:r>
                         <a:rPr lang="fr-BE" i="1">
@@ -22070,7 +22109,7 @@
             </p:txBody>
           </p:sp>
         </mc:Choice>
-        <mc:Fallback>
+        <mc:Fallback xmlns="">
           <p:sp>
             <p:nvSpPr>
               <p:cNvPr id="12" name="ZoneTexte 11"/>
@@ -22109,8 +22148,8 @@
           </p:sp>
         </mc:Fallback>
       </mc:AlternateContent>
-      <mc:AlternateContent xmlns:mc="http://schemas.openxmlformats.org/markup-compatibility/2006">
-        <mc:Choice xmlns:a14="http://schemas.microsoft.com/office/drawing/2010/main" Requires="a14">
+      <mc:AlternateContent xmlns:mc="http://schemas.openxmlformats.org/markup-compatibility/2006" xmlns:a14="http://schemas.microsoft.com/office/drawing/2010/main">
+        <mc:Choice Requires="a14">
           <p:sp>
             <p:nvSpPr>
               <p:cNvPr id="13" name="ZoneTexte 12"/>
@@ -22830,22 +22869,7 @@
                             </a:solidFill>
                             <a:latin typeface="Cambria Math" panose="02040503050406030204" pitchFamily="18" charset="0"/>
                           </a:rPr>
-                          <m:t>Δ</m:t>
-                        </m:r>
-                        <m:r>
-                          <m:rPr>
-                            <m:sty m:val="p"/>
-                          </m:rPr>
-                          <a:rPr lang="fr-BE">
-                            <a:solidFill>
-                              <a:schemeClr val="tx1">
-                                <a:lumMod val="85000"/>
-                                <a:lumOff val="15000"/>
-                              </a:schemeClr>
-                            </a:solidFill>
-                            <a:latin typeface="Cambria Math" panose="02040503050406030204" pitchFamily="18" charset="0"/>
-                          </a:rPr>
-                          <m:t>t</m:t>
+                          <m:t>Δt</m:t>
                         </m:r>
                         <m:r>
                           <a:rPr lang="fr-BE">
@@ -22875,7 +22899,7 @@
             </p:txBody>
           </p:sp>
         </mc:Choice>
-        <mc:Fallback>
+        <mc:Fallback xmlns="">
           <p:sp>
             <p:nvSpPr>
               <p:cNvPr id="13" name="ZoneTexte 12"/>

--- a/Présentation_LPHYS1303.pptx
+++ b/Présentation_LPHYS1303.pptx
@@ -6,10 +6,10 @@
     <p:sldMasterId id="2147483680" r:id="rId2"/>
   </p:sldMasterIdLst>
   <p:notesMasterIdLst>
-    <p:notesMasterId r:id="rId21"/>
+    <p:notesMasterId r:id="rId23"/>
   </p:notesMasterIdLst>
   <p:handoutMasterIdLst>
-    <p:handoutMasterId r:id="rId22"/>
+    <p:handoutMasterId r:id="rId24"/>
   </p:handoutMasterIdLst>
   <p:sldIdLst>
     <p:sldId id="256" r:id="rId3"/>
@@ -19,17 +19,19 @@
     <p:sldId id="272" r:id="rId7"/>
     <p:sldId id="273" r:id="rId8"/>
     <p:sldId id="274" r:id="rId9"/>
-    <p:sldId id="271" r:id="rId10"/>
-    <p:sldId id="260" r:id="rId11"/>
-    <p:sldId id="261" r:id="rId12"/>
-    <p:sldId id="263" r:id="rId13"/>
-    <p:sldId id="269" r:id="rId14"/>
-    <p:sldId id="264" r:id="rId15"/>
-    <p:sldId id="270" r:id="rId16"/>
-    <p:sldId id="265" r:id="rId17"/>
-    <p:sldId id="266" r:id="rId18"/>
-    <p:sldId id="267" r:id="rId19"/>
-    <p:sldId id="268" r:id="rId20"/>
+    <p:sldId id="275" r:id="rId10"/>
+    <p:sldId id="276" r:id="rId11"/>
+    <p:sldId id="271" r:id="rId12"/>
+    <p:sldId id="260" r:id="rId13"/>
+    <p:sldId id="261" r:id="rId14"/>
+    <p:sldId id="263" r:id="rId15"/>
+    <p:sldId id="269" r:id="rId16"/>
+    <p:sldId id="264" r:id="rId17"/>
+    <p:sldId id="270" r:id="rId18"/>
+    <p:sldId id="265" r:id="rId19"/>
+    <p:sldId id="266" r:id="rId20"/>
+    <p:sldId id="267" r:id="rId21"/>
+    <p:sldId id="268" r:id="rId22"/>
   </p:sldIdLst>
   <p:sldSz cx="12192000" cy="6858000"/>
   <p:notesSz cx="6858000" cy="9144000"/>
@@ -218,7 +220,7 @@
           <a:p>
             <a:fld id="{C66E676C-4B3C-4092-95BF-3F598F112F9C}" type="datetimeFigureOut">
               <a:rPr lang="fr-BE" smtClean="0"/>
-              <a:t>09-05-22</a:t>
+              <a:t>10-05-22</a:t>
             </a:fld>
             <a:endParaRPr lang="fr-BE"/>
           </a:p>
@@ -384,7 +386,7 @@
           <a:p>
             <a:fld id="{10F212B3-C95E-4E4E-AE6B-C8EC382F1761}" type="datetimeFigureOut">
               <a:rPr lang="fr-BE" smtClean="0"/>
-              <a:t>09-05-22</a:t>
+              <a:t>10-05-22</a:t>
             </a:fld>
             <a:endParaRPr lang="fr-BE"/>
           </a:p>
@@ -1375,7 +1377,7 @@
           <a:p>
             <a:fld id="{58990C66-70CC-49E4-AA75-151F59738B78}" type="datetime1">
               <a:rPr lang="en-US" smtClean="0"/>
-              <a:t>5/9/2022</a:t>
+              <a:t>5/10/2022</a:t>
             </a:fld>
             <a:endParaRPr lang="en-US" dirty="0"/>
           </a:p>
@@ -1629,7 +1631,7 @@
           <a:p>
             <a:fld id="{6A569D6B-0F9A-4276-862D-EC6A239CF4BA}" type="datetime1">
               <a:rPr lang="en-US" smtClean="0"/>
-              <a:t>5/9/2022</a:t>
+              <a:t>5/10/2022</a:t>
             </a:fld>
             <a:endParaRPr lang="en-US" dirty="0"/>
           </a:p>
@@ -1939,7 +1941,7 @@
           <a:p>
             <a:fld id="{1F21B7B6-DD8D-4C35-861C-07C7C8D2B56C}" type="datetime1">
               <a:rPr lang="en-US" smtClean="0"/>
-              <a:t>5/9/2022</a:t>
+              <a:t>5/10/2022</a:t>
             </a:fld>
             <a:endParaRPr lang="en-US" dirty="0"/>
           </a:p>
@@ -2276,7 +2278,7 @@
           <a:p>
             <a:fld id="{269CF232-508A-483A-A091-E1C04637FC2C}" type="datetime1">
               <a:rPr lang="en-US" smtClean="0"/>
-              <a:t>5/9/2022</a:t>
+              <a:t>5/10/2022</a:t>
             </a:fld>
             <a:endParaRPr lang="en-US" dirty="0"/>
           </a:p>
@@ -2586,7 +2588,7 @@
           <a:p>
             <a:fld id="{8A6EDB6B-474B-45D9-96B0-9CAC5CD83B94}" type="datetime1">
               <a:rPr lang="en-US" smtClean="0"/>
-              <a:t>5/9/2022</a:t>
+              <a:t>5/10/2022</a:t>
             </a:fld>
             <a:endParaRPr lang="en-US" dirty="0"/>
           </a:p>
@@ -2982,7 +2984,7 @@
           <a:p>
             <a:fld id="{E674E858-A1C6-439C-88CE-F6433B533E0D}" type="datetime1">
               <a:rPr lang="en-US" smtClean="0"/>
-              <a:t>5/9/2022</a:t>
+              <a:t>5/10/2022</a:t>
             </a:fld>
             <a:endParaRPr lang="en-US" dirty="0"/>
           </a:p>
@@ -3155,7 +3157,7 @@
           <a:p>
             <a:fld id="{036B3D1A-AC4D-49ED-BE62-0C1F46BC8044}" type="datetime1">
               <a:rPr lang="en-US" smtClean="0"/>
-              <a:t>5/9/2022</a:t>
+              <a:t>5/10/2022</a:t>
             </a:fld>
             <a:endParaRPr lang="en-US" dirty="0"/>
           </a:p>
@@ -3337,7 +3339,7 @@
           <a:p>
             <a:fld id="{3B852A06-E871-42E0-9CE6-2E0E72C50539}" type="datetime1">
               <a:rPr lang="en-US" smtClean="0"/>
-              <a:t>5/9/2022</a:t>
+              <a:t>5/10/2022</a:t>
             </a:fld>
             <a:endParaRPr lang="en-US" dirty="0"/>
           </a:p>
@@ -4123,7 +4125,7 @@
           <a:p>
             <a:fld id="{E0882174-6AD3-4004-9927-E5490A90297C}" type="datetime1">
               <a:rPr lang="en-US" smtClean="0"/>
-              <a:t>5/9/2022</a:t>
+              <a:t>5/10/2022</a:t>
             </a:fld>
             <a:endParaRPr lang="fr-BE"/>
           </a:p>
@@ -4326,7 +4328,7 @@
           <a:p>
             <a:fld id="{D6F0D636-2E54-4A13-83FD-B6766EB535DD}" type="datetime1">
               <a:rPr lang="en-US" smtClean="0"/>
-              <a:t>5/9/2022</a:t>
+              <a:t>5/10/2022</a:t>
             </a:fld>
             <a:endParaRPr lang="fr-BE"/>
           </a:p>
@@ -4600,7 +4602,7 @@
           <a:p>
             <a:fld id="{39B2FF7C-090C-42FF-8CC4-337DCA1AFB49}" type="datetime1">
               <a:rPr lang="en-US" smtClean="0"/>
-              <a:t>5/9/2022</a:t>
+              <a:t>5/10/2022</a:t>
             </a:fld>
             <a:endParaRPr lang="fr-BE"/>
           </a:p>
@@ -4803,7 +4805,7 @@
           <a:p>
             <a:fld id="{2CACC80A-BFAE-40BA-93CC-821D6F635670}" type="datetime1">
               <a:rPr lang="en-US" smtClean="0"/>
-              <a:t>5/9/2022</a:t>
+              <a:t>5/10/2022</a:t>
             </a:fld>
             <a:endParaRPr lang="en-US" dirty="0"/>
           </a:p>
@@ -5038,7 +5040,7 @@
           <a:p>
             <a:fld id="{704A02D6-1198-42E1-B7B9-8DE4F42F8878}" type="datetime1">
               <a:rPr lang="en-US" smtClean="0"/>
-              <a:t>5/9/2022</a:t>
+              <a:t>5/10/2022</a:t>
             </a:fld>
             <a:endParaRPr lang="fr-BE"/>
           </a:p>
@@ -5439,7 +5441,7 @@
           <a:p>
             <a:fld id="{013DE1FD-94C5-43E7-A375-F547BBD122FB}" type="datetime1">
               <a:rPr lang="en-US" smtClean="0"/>
-              <a:t>5/9/2022</a:t>
+              <a:t>5/10/2022</a:t>
             </a:fld>
             <a:endParaRPr lang="fr-BE"/>
           </a:p>
@@ -5589,7 +5591,7 @@
           <a:p>
             <a:fld id="{E75742B5-1AE4-40FE-95F3-982E33E3B222}" type="datetime1">
               <a:rPr lang="en-US" smtClean="0"/>
-              <a:t>5/9/2022</a:t>
+              <a:t>5/10/2022</a:t>
             </a:fld>
             <a:endParaRPr lang="fr-BE"/>
           </a:p>
@@ -5711,7 +5713,7 @@
           <a:p>
             <a:fld id="{C56FA4B7-C2CF-433C-B95F-5AE035CF3D13}" type="datetime1">
               <a:rPr lang="en-US" smtClean="0"/>
-              <a:t>5/9/2022</a:t>
+              <a:t>5/10/2022</a:t>
             </a:fld>
             <a:endParaRPr lang="fr-BE"/>
           </a:p>
@@ -5993,7 +5995,7 @@
           <a:p>
             <a:fld id="{3D313196-6E73-433F-B79E-783304131DF1}" type="datetime1">
               <a:rPr lang="en-US" smtClean="0"/>
-              <a:t>5/9/2022</a:t>
+              <a:t>5/10/2022</a:t>
             </a:fld>
             <a:endParaRPr lang="fr-BE"/>
           </a:p>
@@ -6283,7 +6285,7 @@
           <a:p>
             <a:fld id="{DECFC14E-B9DB-45C4-B80E-B2469F049249}" type="datetime1">
               <a:rPr lang="en-US" smtClean="0"/>
-              <a:t>5/9/2022</a:t>
+              <a:t>5/10/2022</a:t>
             </a:fld>
             <a:endParaRPr lang="fr-BE"/>
           </a:p>
@@ -6561,7 +6563,7 @@
           <a:p>
             <a:fld id="{F2F90BB6-9B6D-4D80-8336-1489DFC0D904}" type="datetime1">
               <a:rPr lang="en-US" smtClean="0"/>
-              <a:t>5/9/2022</a:t>
+              <a:t>5/10/2022</a:t>
             </a:fld>
             <a:endParaRPr lang="fr-BE"/>
           </a:p>
@@ -6902,7 +6904,7 @@
           <a:p>
             <a:fld id="{E4DB3A25-3C6D-46FF-ADC1-75B14734D03C}" type="datetime1">
               <a:rPr lang="en-US" smtClean="0"/>
-              <a:t>5/9/2022</a:t>
+              <a:t>5/10/2022</a:t>
             </a:fld>
             <a:endParaRPr lang="fr-BE"/>
           </a:p>
@@ -7270,7 +7272,7 @@
           <a:p>
             <a:fld id="{3788F5D0-50B6-4EA6-B49E-EF536E10DE78}" type="datetime1">
               <a:rPr lang="en-US" smtClean="0"/>
-              <a:t>5/9/2022</a:t>
+              <a:t>5/10/2022</a:t>
             </a:fld>
             <a:endParaRPr lang="fr-BE"/>
           </a:p>
@@ -7611,7 +7613,7 @@
           <a:p>
             <a:fld id="{1B4A85C5-2CA9-42CF-B4AC-8BB3D6E9E7AF}" type="datetime1">
               <a:rPr lang="en-US" smtClean="0"/>
-              <a:t>5/9/2022</a:t>
+              <a:t>5/10/2022</a:t>
             </a:fld>
             <a:endParaRPr lang="fr-BE"/>
           </a:p>
@@ -7967,7 +7969,7 @@
           <a:p>
             <a:fld id="{926F070E-A207-4905-961E-B4148494DF59}" type="datetime1">
               <a:rPr lang="en-US" smtClean="0"/>
-              <a:t>5/9/2022</a:t>
+              <a:t>5/10/2022</a:t>
             </a:fld>
             <a:endParaRPr lang="en-US" dirty="0"/>
           </a:p>
@@ -8281,7 +8283,7 @@
           <a:p>
             <a:fld id="{2C132876-A60D-4DC6-80D5-4777CE77721C}" type="datetime1">
               <a:rPr lang="en-US" smtClean="0"/>
-              <a:t>5/9/2022</a:t>
+              <a:t>5/10/2022</a:t>
             </a:fld>
             <a:endParaRPr lang="fr-BE"/>
           </a:p>
@@ -8478,7 +8480,7 @@
           <a:p>
             <a:fld id="{E5A697EA-876D-4B66-8ED8-FA4462BB4063}" type="datetime1">
               <a:rPr lang="en-US" smtClean="0"/>
-              <a:t>5/9/2022</a:t>
+              <a:t>5/10/2022</a:t>
             </a:fld>
             <a:endParaRPr lang="fr-BE"/>
           </a:p>
@@ -8685,7 +8687,7 @@
           <a:p>
             <a:fld id="{BF87602E-F651-4F7E-9524-FC03752C26D2}" type="datetime1">
               <a:rPr lang="en-US" smtClean="0"/>
-              <a:t>5/9/2022</a:t>
+              <a:t>5/10/2022</a:t>
             </a:fld>
             <a:endParaRPr lang="fr-BE"/>
           </a:p>
@@ -8944,7 +8946,7 @@
           <a:p>
             <a:fld id="{DAF7FF0E-BE30-4BA8-89AF-B9FDF877AC44}" type="datetime1">
               <a:rPr lang="en-US" smtClean="0"/>
-              <a:t>5/9/2022</a:t>
+              <a:t>5/10/2022</a:t>
             </a:fld>
             <a:endParaRPr lang="en-US" dirty="0"/>
           </a:p>
@@ -9313,7 +9315,7 @@
           <a:p>
             <a:fld id="{24EB7DA6-B593-4DD0-8083-6932C09D2146}" type="datetime1">
               <a:rPr lang="en-US" smtClean="0"/>
-              <a:t>5/9/2022</a:t>
+              <a:t>5/10/2022</a:t>
             </a:fld>
             <a:endParaRPr lang="en-US" dirty="0"/>
           </a:p>
@@ -9432,7 +9434,7 @@
           <a:p>
             <a:fld id="{79BFC6D1-091E-4EAB-A306-380E54276BF9}" type="datetime1">
               <a:rPr lang="en-US" smtClean="0"/>
-              <a:t>5/9/2022</a:t>
+              <a:t>5/10/2022</a:t>
             </a:fld>
             <a:endParaRPr lang="en-US" dirty="0"/>
           </a:p>
@@ -9523,7 +9525,7 @@
           <a:p>
             <a:fld id="{D5661772-5928-4062-94D3-D9534773514A}" type="datetime1">
               <a:rPr lang="en-US" smtClean="0"/>
-              <a:t>5/9/2022</a:t>
+              <a:t>5/10/2022</a:t>
             </a:fld>
             <a:endParaRPr lang="en-US" dirty="0"/>
           </a:p>
@@ -9774,7 +9776,7 @@
           <a:p>
             <a:fld id="{F9F45BD3-5BC4-4372-A406-2E11F5CA1741}" type="datetime1">
               <a:rPr lang="en-US" smtClean="0"/>
-              <a:t>5/9/2022</a:t>
+              <a:t>5/10/2022</a:t>
             </a:fld>
             <a:endParaRPr lang="en-US" dirty="0"/>
           </a:p>
@@ -10032,7 +10034,7 @@
           <a:p>
             <a:fld id="{5E4A1551-D187-48AD-897D-5735C5A88275}" type="datetime1">
               <a:rPr lang="en-US" smtClean="0"/>
-              <a:t>5/9/2022</a:t>
+              <a:t>5/10/2022</a:t>
             </a:fld>
             <a:endParaRPr lang="en-US" dirty="0"/>
           </a:p>
@@ -10771,7 +10773,7 @@
           <a:p>
             <a:fld id="{2BB72EEA-9517-4907-B597-2FC7F7C2F710}" type="datetime1">
               <a:rPr lang="en-US" smtClean="0"/>
-              <a:t>5/9/2022</a:t>
+              <a:t>5/10/2022</a:t>
             </a:fld>
             <a:endParaRPr lang="en-US" dirty="0"/>
           </a:p>
@@ -11967,7 +11969,7 @@
           <a:p>
             <a:fld id="{1BB4D123-806F-48A5-9C11-A490C1BA8994}" type="datetime1">
               <a:rPr lang="en-US" smtClean="0"/>
-              <a:t>5/9/2022</a:t>
+              <a:t>5/10/2022</a:t>
             </a:fld>
             <a:endParaRPr lang="en-US" dirty="0"/>
           </a:p>
@@ -13009,6 +13011,340 @@
           <a:p>
             <a:r>
               <a:rPr lang="fr-BE" dirty="0" smtClean="0"/>
+              <a:t>Schéma </a:t>
+            </a:r>
+            <a:r>
+              <a:rPr lang="fr-BE" dirty="0" err="1" smtClean="0"/>
+              <a:t>Upwind</a:t>
+            </a:r>
+            <a:r>
+              <a:rPr lang="fr-BE" dirty="0"/>
+              <a:t> </a:t>
+            </a:r>
+            <a:r>
+              <a:rPr lang="fr-BE" dirty="0" smtClean="0"/>
+              <a:t>: quelques résultats</a:t>
+            </a:r>
+            <a:endParaRPr lang="fr-BE" dirty="0"/>
+          </a:p>
+        </p:txBody>
+      </p:sp>
+      <p:pic>
+        <p:nvPicPr>
+          <p:cNvPr id="4" name="Espace réservé du contenu 3"/>
+          <p:cNvPicPr>
+            <a:picLocks noGrp="1" noChangeAspect="1"/>
+          </p:cNvPicPr>
+          <p:nvPr>
+            <p:ph idx="1"/>
+          </p:nvPr>
+        </p:nvPicPr>
+        <p:blipFill>
+          <a:blip r:embed="rId2">
+            <a:extLst>
+              <a:ext uri="{28A0092B-C50C-407E-A947-70E740481C1C}">
+                <a14:useLocalDpi xmlns:a14="http://schemas.microsoft.com/office/drawing/2010/main" val="0"/>
+              </a:ext>
+            </a:extLst>
+          </a:blip>
+          <a:stretch>
+            <a:fillRect/>
+          </a:stretch>
+        </p:blipFill>
+        <p:spPr>
+          <a:xfrm>
+            <a:off x="834293" y="1464622"/>
+            <a:ext cx="3500219" cy="2698059"/>
+          </a:xfrm>
+        </p:spPr>
+      </p:pic>
+      <p:sp>
+        <p:nvSpPr>
+          <p:cNvPr id="5" name="Espace réservé du numéro de diapositive 4"/>
+          <p:cNvSpPr>
+            <a:spLocks noGrp="1"/>
+          </p:cNvSpPr>
+          <p:nvPr>
+            <p:ph type="sldNum" sz="quarter" idx="12"/>
+          </p:nvPr>
+        </p:nvSpPr>
+        <p:spPr/>
+        <p:txBody>
+          <a:bodyPr/>
+          <a:lstStyle/>
+          <a:p>
+            <a:fld id="{D57F1E4F-1CFF-5643-939E-217C01CDF565}" type="slidenum">
+              <a:rPr lang="en-US" smtClean="0"/>
+              <a:pPr/>
+              <a:t>10</a:t>
+            </a:fld>
+            <a:endParaRPr lang="en-US" dirty="0"/>
+          </a:p>
+        </p:txBody>
+      </p:sp>
+      <p:pic>
+        <p:nvPicPr>
+          <p:cNvPr id="6" name="Image 5"/>
+          <p:cNvPicPr>
+            <a:picLocks noChangeAspect="1"/>
+          </p:cNvPicPr>
+          <p:nvPr/>
+        </p:nvPicPr>
+        <p:blipFill>
+          <a:blip r:embed="rId3">
+            <a:extLst>
+              <a:ext uri="{28A0092B-C50C-407E-A947-70E740481C1C}">
+                <a14:useLocalDpi xmlns:a14="http://schemas.microsoft.com/office/drawing/2010/main" val="0"/>
+              </a:ext>
+            </a:extLst>
+          </a:blip>
+          <a:stretch>
+            <a:fillRect/>
+          </a:stretch>
+        </p:blipFill>
+        <p:spPr>
+          <a:xfrm>
+            <a:off x="375065" y="4802232"/>
+            <a:ext cx="4418676" cy="1210738"/>
+          </a:xfrm>
+          <a:prstGeom prst="rect">
+            <a:avLst/>
+          </a:prstGeom>
+        </p:spPr>
+      </p:pic>
+      <p:pic>
+        <p:nvPicPr>
+          <p:cNvPr id="7" name="Image 6"/>
+          <p:cNvPicPr>
+            <a:picLocks noChangeAspect="1"/>
+          </p:cNvPicPr>
+          <p:nvPr/>
+        </p:nvPicPr>
+        <p:blipFill rotWithShape="1">
+          <a:blip r:embed="rId4">
+            <a:extLst>
+              <a:ext uri="{28A0092B-C50C-407E-A947-70E740481C1C}">
+                <a14:useLocalDpi xmlns:a14="http://schemas.microsoft.com/office/drawing/2010/main" val="0"/>
+              </a:ext>
+            </a:extLst>
+          </a:blip>
+          <a:srcRect l="711" t="4453" r="5644" b="1758"/>
+          <a:stretch/>
+        </p:blipFill>
+        <p:spPr>
+          <a:xfrm>
+            <a:off x="4793741" y="1298615"/>
+            <a:ext cx="4033841" cy="3030071"/>
+          </a:xfrm>
+          <a:prstGeom prst="rect">
+            <a:avLst/>
+          </a:prstGeom>
+        </p:spPr>
+      </p:pic>
+      <p:pic>
+        <p:nvPicPr>
+          <p:cNvPr id="8" name="Image 7"/>
+          <p:cNvPicPr>
+            <a:picLocks noChangeAspect="1"/>
+          </p:cNvPicPr>
+          <p:nvPr/>
+        </p:nvPicPr>
+        <p:blipFill>
+          <a:blip r:embed="rId5">
+            <a:extLst>
+              <a:ext uri="{28A0092B-C50C-407E-A947-70E740481C1C}">
+                <a14:useLocalDpi xmlns:a14="http://schemas.microsoft.com/office/drawing/2010/main" val="0"/>
+              </a:ext>
+            </a:extLst>
+          </a:blip>
+          <a:stretch>
+            <a:fillRect/>
+          </a:stretch>
+        </p:blipFill>
+        <p:spPr>
+          <a:xfrm>
+            <a:off x="4793741" y="4328686"/>
+            <a:ext cx="4319825" cy="2204397"/>
+          </a:xfrm>
+          <a:prstGeom prst="rect">
+            <a:avLst/>
+          </a:prstGeom>
+        </p:spPr>
+      </p:pic>
+    </p:spTree>
+    <p:extLst>
+      <p:ext uri="{BB962C8B-B14F-4D97-AF65-F5344CB8AC3E}">
+        <p14:creationId xmlns:p14="http://schemas.microsoft.com/office/powerpoint/2010/main" val="1275649362"/>
+      </p:ext>
+    </p:extLst>
+  </p:cSld>
+  <p:clrMapOvr>
+    <a:masterClrMapping/>
+  </p:clrMapOvr>
+  <p:timing>
+    <p:tnLst>
+      <p:par>
+        <p:cTn id="1" dur="indefinite" restart="never" nodeType="tmRoot"/>
+      </p:par>
+    </p:tnLst>
+  </p:timing>
+</p:sld>
+</file>
+
+<file path=ppt/slides/slide11.xml><?xml version="1.0" encoding="utf-8"?>
+<p:sld xmlns:a="http://schemas.openxmlformats.org/drawingml/2006/main" xmlns:r="http://schemas.openxmlformats.org/officeDocument/2006/relationships" xmlns:p="http://schemas.openxmlformats.org/presentationml/2006/main">
+  <p:cSld>
+    <p:spTree>
+      <p:nvGrpSpPr>
+        <p:cNvPr id="1" name=""/>
+        <p:cNvGrpSpPr/>
+        <p:nvPr/>
+      </p:nvGrpSpPr>
+      <p:grpSpPr>
+        <a:xfrm>
+          <a:off x="0" y="0"/>
+          <a:ext cx="0" cy="0"/>
+          <a:chOff x="0" y="0"/>
+          <a:chExt cx="0" cy="0"/>
+        </a:xfrm>
+      </p:grpSpPr>
+      <p:sp>
+        <p:nvSpPr>
+          <p:cNvPr id="2" name="Titre 1"/>
+          <p:cNvSpPr>
+            <a:spLocks noGrp="1"/>
+          </p:cNvSpPr>
+          <p:nvPr>
+            <p:ph type="title"/>
+          </p:nvPr>
+        </p:nvSpPr>
+        <p:spPr/>
+        <p:txBody>
+          <a:bodyPr/>
+          <a:lstStyle/>
+          <a:p>
+            <a:r>
+              <a:rPr lang="fr-BE" dirty="0" smtClean="0"/>
+              <a:t>Schéma </a:t>
+            </a:r>
+            <a:r>
+              <a:rPr lang="fr-BE" dirty="0" err="1" smtClean="0"/>
+              <a:t>Leapfrog</a:t>
+            </a:r>
+            <a:endParaRPr lang="fr-BE" dirty="0"/>
+          </a:p>
+        </p:txBody>
+      </p:sp>
+      <p:sp>
+        <p:nvSpPr>
+          <p:cNvPr id="3" name="Espace réservé du contenu 2"/>
+          <p:cNvSpPr>
+            <a:spLocks noGrp="1"/>
+          </p:cNvSpPr>
+          <p:nvPr>
+            <p:ph idx="1"/>
+          </p:nvPr>
+        </p:nvSpPr>
+        <p:spPr/>
+        <p:txBody>
+          <a:bodyPr/>
+          <a:lstStyle/>
+          <a:p>
+            <a:r>
+              <a:rPr lang="fr-BE" dirty="0" smtClean="0"/>
+              <a:t>Consistance</a:t>
+            </a:r>
+          </a:p>
+          <a:p>
+            <a:r>
+              <a:rPr lang="fr-BE" dirty="0" smtClean="0"/>
+              <a:t>Ordre </a:t>
+            </a:r>
+            <a:r>
+              <a:rPr lang="fr-BE" dirty="0"/>
+              <a:t>de convergence </a:t>
+            </a:r>
+          </a:p>
+        </p:txBody>
+      </p:sp>
+      <p:sp>
+        <p:nvSpPr>
+          <p:cNvPr id="5" name="Espace réservé du numéro de diapositive 4"/>
+          <p:cNvSpPr>
+            <a:spLocks noGrp="1"/>
+          </p:cNvSpPr>
+          <p:nvPr>
+            <p:ph type="sldNum" sz="quarter" idx="12"/>
+          </p:nvPr>
+        </p:nvSpPr>
+        <p:spPr/>
+        <p:txBody>
+          <a:bodyPr/>
+          <a:lstStyle/>
+          <a:p>
+            <a:fld id="{D57F1E4F-1CFF-5643-939E-217C01CDF565}" type="slidenum">
+              <a:rPr lang="en-US" smtClean="0"/>
+              <a:pPr/>
+              <a:t>11</a:t>
+            </a:fld>
+            <a:endParaRPr lang="en-US" dirty="0"/>
+          </a:p>
+        </p:txBody>
+      </p:sp>
+    </p:spTree>
+    <p:extLst>
+      <p:ext uri="{BB962C8B-B14F-4D97-AF65-F5344CB8AC3E}">
+        <p14:creationId xmlns:p14="http://schemas.microsoft.com/office/powerpoint/2010/main" val="3376106304"/>
+      </p:ext>
+    </p:extLst>
+  </p:cSld>
+  <p:clrMapOvr>
+    <a:masterClrMapping/>
+  </p:clrMapOvr>
+  <p:timing>
+    <p:tnLst>
+      <p:par>
+        <p:cTn id="1" dur="indefinite" restart="never" nodeType="tmRoot"/>
+      </p:par>
+    </p:tnLst>
+  </p:timing>
+</p:sld>
+</file>
+
+<file path=ppt/slides/slide12.xml><?xml version="1.0" encoding="utf-8"?>
+<p:sld xmlns:a="http://schemas.openxmlformats.org/drawingml/2006/main" xmlns:r="http://schemas.openxmlformats.org/officeDocument/2006/relationships" xmlns:p="http://schemas.openxmlformats.org/presentationml/2006/main">
+  <p:cSld>
+    <p:spTree>
+      <p:nvGrpSpPr>
+        <p:cNvPr id="1" name=""/>
+        <p:cNvGrpSpPr/>
+        <p:nvPr/>
+      </p:nvGrpSpPr>
+      <p:grpSpPr>
+        <a:xfrm>
+          <a:off x="0" y="0"/>
+          <a:ext cx="0" cy="0"/>
+          <a:chOff x="0" y="0"/>
+          <a:chExt cx="0" cy="0"/>
+        </a:xfrm>
+      </p:grpSpPr>
+      <p:sp>
+        <p:nvSpPr>
+          <p:cNvPr id="2" name="Titre 1"/>
+          <p:cNvSpPr>
+            <a:spLocks noGrp="1"/>
+          </p:cNvSpPr>
+          <p:nvPr>
+            <p:ph type="title"/>
+          </p:nvPr>
+        </p:nvSpPr>
+        <p:spPr/>
+        <p:txBody>
+          <a:bodyPr/>
+          <a:lstStyle/>
+          <a:p>
+            <a:r>
+              <a:rPr lang="fr-BE" dirty="0" smtClean="0"/>
               <a:t>Visualisation</a:t>
             </a:r>
             <a:endParaRPr lang="fr-BE" dirty="0"/>
@@ -13064,7 +13400,7 @@
             <a:fld id="{D57F1E4F-1CFF-5643-939E-217C01CDF565}" type="slidenum">
               <a:rPr lang="en-US" smtClean="0"/>
               <a:pPr/>
-              <a:t>10</a:t>
+              <a:t>12</a:t>
             </a:fld>
             <a:endParaRPr lang="en-US" dirty="0"/>
           </a:p>
@@ -13163,7 +13499,7 @@
 </p:sld>
 </file>
 
-<file path=ppt/slides/slide11.xml><?xml version="1.0" encoding="utf-8"?>
+<file path=ppt/slides/slide13.xml><?xml version="1.0" encoding="utf-8"?>
 <p:sld xmlns:a="http://schemas.openxmlformats.org/drawingml/2006/main" xmlns:r="http://schemas.openxmlformats.org/officeDocument/2006/relationships" xmlns:p="http://schemas.openxmlformats.org/presentationml/2006/main">
   <p:cSld>
     <p:spTree>
@@ -13245,7 +13581,7 @@
             <a:fld id="{D57F1E4F-1CFF-5643-939E-217C01CDF565}" type="slidenum">
               <a:rPr lang="en-US" smtClean="0"/>
               <a:pPr/>
-              <a:t>11</a:t>
+              <a:t>13</a:t>
             </a:fld>
             <a:endParaRPr lang="en-US" dirty="0"/>
           </a:p>
@@ -13616,7 +13952,7 @@
 </p:sld>
 </file>
 
-<file path=ppt/slides/slide12.xml><?xml version="1.0" encoding="utf-8"?>
+<file path=ppt/slides/slide14.xml><?xml version="1.0" encoding="utf-8"?>
 <p:sld xmlns:a="http://schemas.openxmlformats.org/drawingml/2006/main" xmlns:r="http://schemas.openxmlformats.org/officeDocument/2006/relationships" xmlns:p="http://schemas.openxmlformats.org/presentationml/2006/main">
   <p:cSld>
     <p:spTree>
@@ -14021,7 +14357,7 @@
             <a:fld id="{D57F1E4F-1CFF-5643-939E-217C01CDF565}" type="slidenum">
               <a:rPr lang="en-US" smtClean="0"/>
               <a:pPr/>
-              <a:t>12</a:t>
+              <a:t>14</a:t>
             </a:fld>
             <a:endParaRPr lang="en-US" dirty="0"/>
           </a:p>
@@ -14076,7 +14412,7 @@
 </p:sld>
 </file>
 
-<file path=ppt/slides/slide13.xml><?xml version="1.0" encoding="utf-8"?>
+<file path=ppt/slides/slide15.xml><?xml version="1.0" encoding="utf-8"?>
 <p:sld xmlns:a="http://schemas.openxmlformats.org/drawingml/2006/main" xmlns:r="http://schemas.openxmlformats.org/officeDocument/2006/relationships" xmlns:p="http://schemas.openxmlformats.org/presentationml/2006/main">
   <p:cSld>
     <p:spTree>
@@ -14134,7 +14470,7 @@
             <a:fld id="{D57F1E4F-1CFF-5643-939E-217C01CDF565}" type="slidenum">
               <a:rPr lang="en-US" smtClean="0"/>
               <a:pPr/>
-              <a:t>13</a:t>
+              <a:t>15</a:t>
             </a:fld>
             <a:endParaRPr lang="en-US" dirty="0"/>
           </a:p>
@@ -18158,7 +18494,7 @@
 </p:sld>
 </file>
 
-<file path=ppt/slides/slide14.xml><?xml version="1.0" encoding="utf-8"?>
+<file path=ppt/slides/slide16.xml><?xml version="1.0" encoding="utf-8"?>
 <p:sld xmlns:a="http://schemas.openxmlformats.org/drawingml/2006/main" xmlns:r="http://schemas.openxmlformats.org/officeDocument/2006/relationships" xmlns:p="http://schemas.openxmlformats.org/presentationml/2006/main">
   <p:cSld>
     <p:spTree>
@@ -18216,7 +18552,7 @@
             <a:fld id="{D57F1E4F-1CFF-5643-939E-217C01CDF565}" type="slidenum">
               <a:rPr lang="en-US" smtClean="0"/>
               <a:pPr/>
-              <a:t>14</a:t>
+              <a:t>16</a:t>
             </a:fld>
             <a:endParaRPr lang="en-US" dirty="0"/>
           </a:p>
@@ -21097,7 +21433,7 @@
 </p:sld>
 </file>
 
-<file path=ppt/slides/slide15.xml><?xml version="1.0" encoding="utf-8"?>
+<file path=ppt/slides/slide17.xml><?xml version="1.0" encoding="utf-8"?>
 <p:sld xmlns:a="http://schemas.openxmlformats.org/drawingml/2006/main" xmlns:r="http://schemas.openxmlformats.org/officeDocument/2006/relationships" xmlns:p="http://schemas.openxmlformats.org/presentationml/2006/main">
   <p:cSld>
     <p:spTree>
@@ -21557,7 +21893,7 @@
             <a:fld id="{D57F1E4F-1CFF-5643-939E-217C01CDF565}" type="slidenum">
               <a:rPr lang="en-US" smtClean="0"/>
               <a:pPr/>
-              <a:t>15</a:t>
+              <a:t>17</a:t>
             </a:fld>
             <a:endParaRPr lang="en-US" dirty="0"/>
           </a:p>
@@ -21718,7 +22054,7 @@
 </p:sld>
 </file>
 
-<file path=ppt/slides/slide16.xml><?xml version="1.0" encoding="utf-8"?>
+<file path=ppt/slides/slide18.xml><?xml version="1.0" encoding="utf-8"?>
 <p:sld xmlns:a="http://schemas.openxmlformats.org/drawingml/2006/main" xmlns:r="http://schemas.openxmlformats.org/officeDocument/2006/relationships" xmlns:p="http://schemas.openxmlformats.org/presentationml/2006/main">
   <p:cSld>
     <p:spTree>
@@ -21805,7 +22141,7 @@
             <a:fld id="{D57F1E4F-1CFF-5643-939E-217C01CDF565}" type="slidenum">
               <a:rPr lang="en-US" smtClean="0"/>
               <a:pPr/>
-              <a:t>16</a:t>
+              <a:t>18</a:t>
             </a:fld>
             <a:endParaRPr lang="en-US" dirty="0"/>
           </a:p>
@@ -21861,7 +22197,7 @@
 </p:sld>
 </file>
 
-<file path=ppt/slides/slide17.xml><?xml version="1.0" encoding="utf-8"?>
+<file path=ppt/slides/slide19.xml><?xml version="1.0" encoding="utf-8"?>
 <p:sld xmlns:a="http://schemas.openxmlformats.org/drawingml/2006/main" xmlns:r="http://schemas.openxmlformats.org/officeDocument/2006/relationships" xmlns:p="http://schemas.openxmlformats.org/presentationml/2006/main">
   <p:cSld>
     <p:spTree>
@@ -21952,7 +22288,7 @@
             <a:fld id="{D57F1E4F-1CFF-5643-939E-217C01CDF565}" type="slidenum">
               <a:rPr lang="en-US" smtClean="0"/>
               <a:pPr/>
-              <a:t>17</a:t>
+              <a:t>19</a:t>
             </a:fld>
             <a:endParaRPr lang="en-US" dirty="0"/>
           </a:p>
@@ -22008,118 +22344,6 @@
 </p:sld>
 </file>
 
-<file path=ppt/slides/slide18.xml><?xml version="1.0" encoding="utf-8"?>
-<p:sld xmlns:a="http://schemas.openxmlformats.org/drawingml/2006/main" xmlns:r="http://schemas.openxmlformats.org/officeDocument/2006/relationships" xmlns:p="http://schemas.openxmlformats.org/presentationml/2006/main">
-  <p:cSld>
-    <p:spTree>
-      <p:nvGrpSpPr>
-        <p:cNvPr id="1" name=""/>
-        <p:cNvGrpSpPr/>
-        <p:nvPr/>
-      </p:nvGrpSpPr>
-      <p:grpSpPr>
-        <a:xfrm>
-          <a:off x="0" y="0"/>
-          <a:ext cx="0" cy="0"/>
-          <a:chOff x="0" y="0"/>
-          <a:chExt cx="0" cy="0"/>
-        </a:xfrm>
-      </p:grpSpPr>
-      <p:sp>
-        <p:nvSpPr>
-          <p:cNvPr id="2" name="Titre 1"/>
-          <p:cNvSpPr>
-            <a:spLocks noGrp="1"/>
-          </p:cNvSpPr>
-          <p:nvPr>
-            <p:ph type="title"/>
-          </p:nvPr>
-        </p:nvSpPr>
-        <p:spPr/>
-        <p:txBody>
-          <a:bodyPr/>
-          <a:lstStyle/>
-          <a:p>
-            <a:r>
-              <a:rPr lang="fr-BE" dirty="0" smtClean="0"/>
-              <a:t>Caractérisation de la bifurcation</a:t>
-            </a:r>
-            <a:endParaRPr lang="fr-BE" dirty="0"/>
-          </a:p>
-        </p:txBody>
-      </p:sp>
-      <p:pic>
-        <p:nvPicPr>
-          <p:cNvPr id="5" name="Espace réservé du contenu 4"/>
-          <p:cNvPicPr>
-            <a:picLocks noGrp="1" noChangeAspect="1"/>
-          </p:cNvPicPr>
-          <p:nvPr>
-            <p:ph idx="1"/>
-          </p:nvPr>
-        </p:nvPicPr>
-        <p:blipFill rotWithShape="1">
-          <a:blip r:embed="rId2">
-            <a:extLst>
-              <a:ext uri="{28A0092B-C50C-407E-A947-70E740481C1C}">
-                <a14:useLocalDpi xmlns:a14="http://schemas.microsoft.com/office/drawing/2010/main" val="0"/>
-              </a:ext>
-            </a:extLst>
-          </a:blip>
-          <a:srcRect l="4286" t="10692" r="7555" b="1700"/>
-          <a:stretch/>
-        </p:blipFill>
-        <p:spPr>
-          <a:xfrm>
-            <a:off x="2609850" y="3305175"/>
-            <a:ext cx="4562476" cy="3400425"/>
-          </a:xfrm>
-        </p:spPr>
-      </p:pic>
-      <p:sp>
-        <p:nvSpPr>
-          <p:cNvPr id="4" name="Espace réservé du numéro de diapositive 3"/>
-          <p:cNvSpPr>
-            <a:spLocks noGrp="1"/>
-          </p:cNvSpPr>
-          <p:nvPr>
-            <p:ph type="sldNum" sz="quarter" idx="4"/>
-          </p:nvPr>
-        </p:nvSpPr>
-        <p:spPr/>
-        <p:txBody>
-          <a:bodyPr/>
-          <a:lstStyle/>
-          <a:p>
-            <a:fld id="{D57F1E4F-1CFF-5643-939E-217C01CDF565}" type="slidenum">
-              <a:rPr lang="en-US" smtClean="0"/>
-              <a:pPr/>
-              <a:t>18</a:t>
-            </a:fld>
-            <a:endParaRPr lang="en-US" dirty="0"/>
-          </a:p>
-        </p:txBody>
-      </p:sp>
-    </p:spTree>
-    <p:extLst>
-      <p:ext uri="{BB962C8B-B14F-4D97-AF65-F5344CB8AC3E}">
-        <p14:creationId xmlns:p14="http://schemas.microsoft.com/office/powerpoint/2010/main" val="1352721776"/>
-      </p:ext>
-    </p:extLst>
-  </p:cSld>
-  <p:clrMapOvr>
-    <a:masterClrMapping/>
-  </p:clrMapOvr>
-  <p:timing>
-    <p:tnLst>
-      <p:par>
-        <p:cTn id="1" dur="indefinite" restart="never" nodeType="tmRoot"/>
-      </p:par>
-    </p:tnLst>
-  </p:timing>
-</p:sld>
-</file>
-
 <file path=ppt/slides/slide2.xml><?xml version="1.0" encoding="utf-8"?>
 <p:sld xmlns:a="http://schemas.openxmlformats.org/drawingml/2006/main" xmlns:r="http://schemas.openxmlformats.org/officeDocument/2006/relationships" xmlns:p="http://schemas.openxmlformats.org/presentationml/2006/main">
   <p:cSld>
@@ -22414,6 +22638,118 @@
 </p:sld>
 </file>
 
+<file path=ppt/slides/slide20.xml><?xml version="1.0" encoding="utf-8"?>
+<p:sld xmlns:a="http://schemas.openxmlformats.org/drawingml/2006/main" xmlns:r="http://schemas.openxmlformats.org/officeDocument/2006/relationships" xmlns:p="http://schemas.openxmlformats.org/presentationml/2006/main">
+  <p:cSld>
+    <p:spTree>
+      <p:nvGrpSpPr>
+        <p:cNvPr id="1" name=""/>
+        <p:cNvGrpSpPr/>
+        <p:nvPr/>
+      </p:nvGrpSpPr>
+      <p:grpSpPr>
+        <a:xfrm>
+          <a:off x="0" y="0"/>
+          <a:ext cx="0" cy="0"/>
+          <a:chOff x="0" y="0"/>
+          <a:chExt cx="0" cy="0"/>
+        </a:xfrm>
+      </p:grpSpPr>
+      <p:sp>
+        <p:nvSpPr>
+          <p:cNvPr id="2" name="Titre 1"/>
+          <p:cNvSpPr>
+            <a:spLocks noGrp="1"/>
+          </p:cNvSpPr>
+          <p:nvPr>
+            <p:ph type="title"/>
+          </p:nvPr>
+        </p:nvSpPr>
+        <p:spPr/>
+        <p:txBody>
+          <a:bodyPr/>
+          <a:lstStyle/>
+          <a:p>
+            <a:r>
+              <a:rPr lang="fr-BE" dirty="0" smtClean="0"/>
+              <a:t>Caractérisation de la bifurcation</a:t>
+            </a:r>
+            <a:endParaRPr lang="fr-BE" dirty="0"/>
+          </a:p>
+        </p:txBody>
+      </p:sp>
+      <p:pic>
+        <p:nvPicPr>
+          <p:cNvPr id="5" name="Espace réservé du contenu 4"/>
+          <p:cNvPicPr>
+            <a:picLocks noGrp="1" noChangeAspect="1"/>
+          </p:cNvPicPr>
+          <p:nvPr>
+            <p:ph idx="1"/>
+          </p:nvPr>
+        </p:nvPicPr>
+        <p:blipFill rotWithShape="1">
+          <a:blip r:embed="rId2">
+            <a:extLst>
+              <a:ext uri="{28A0092B-C50C-407E-A947-70E740481C1C}">
+                <a14:useLocalDpi xmlns:a14="http://schemas.microsoft.com/office/drawing/2010/main" val="0"/>
+              </a:ext>
+            </a:extLst>
+          </a:blip>
+          <a:srcRect l="4286" t="10692" r="7555" b="1700"/>
+          <a:stretch/>
+        </p:blipFill>
+        <p:spPr>
+          <a:xfrm>
+            <a:off x="2609850" y="3305175"/>
+            <a:ext cx="4562476" cy="3400425"/>
+          </a:xfrm>
+        </p:spPr>
+      </p:pic>
+      <p:sp>
+        <p:nvSpPr>
+          <p:cNvPr id="4" name="Espace réservé du numéro de diapositive 3"/>
+          <p:cNvSpPr>
+            <a:spLocks noGrp="1"/>
+          </p:cNvSpPr>
+          <p:nvPr>
+            <p:ph type="sldNum" sz="quarter" idx="4"/>
+          </p:nvPr>
+        </p:nvSpPr>
+        <p:spPr/>
+        <p:txBody>
+          <a:bodyPr/>
+          <a:lstStyle/>
+          <a:p>
+            <a:fld id="{D57F1E4F-1CFF-5643-939E-217C01CDF565}" type="slidenum">
+              <a:rPr lang="en-US" smtClean="0"/>
+              <a:pPr/>
+              <a:t>20</a:t>
+            </a:fld>
+            <a:endParaRPr lang="en-US" dirty="0"/>
+          </a:p>
+        </p:txBody>
+      </p:sp>
+    </p:spTree>
+    <p:extLst>
+      <p:ext uri="{BB962C8B-B14F-4D97-AF65-F5344CB8AC3E}">
+        <p14:creationId xmlns:p14="http://schemas.microsoft.com/office/powerpoint/2010/main" val="1352721776"/>
+      </p:ext>
+    </p:extLst>
+  </p:cSld>
+  <p:clrMapOvr>
+    <a:masterClrMapping/>
+  </p:clrMapOvr>
+  <p:timing>
+    <p:tnLst>
+      <p:par>
+        <p:cTn id="1" dur="indefinite" restart="never" nodeType="tmRoot"/>
+      </p:par>
+    </p:tnLst>
+  </p:timing>
+</p:sld>
+</file>
+
 <file path=ppt/slides/slide3.xml><?xml version="1.0" encoding="utf-8"?>
 <p:sld xmlns:a="http://schemas.openxmlformats.org/drawingml/2006/main" xmlns:r="http://schemas.openxmlformats.org/officeDocument/2006/relationships" xmlns:p="http://schemas.openxmlformats.org/presentationml/2006/main">
   <p:cSld>
@@ -22431,8 +22767,8 @@
           <a:chExt cx="0" cy="0"/>
         </a:xfrm>
       </p:grpSpPr>
-      <mc:AlternateContent xmlns:mc="http://schemas.openxmlformats.org/markup-compatibility/2006" xmlns:a14="http://schemas.microsoft.com/office/drawing/2010/main">
-        <mc:Choice Requires="a14">
+      <mc:AlternateContent xmlns:mc="http://schemas.openxmlformats.org/markup-compatibility/2006">
+        <mc:Choice xmlns:a14="http://schemas.microsoft.com/office/drawing/2010/main" Requires="a14">
           <p:sp>
             <p:nvSpPr>
               <p:cNvPr id="2" name="Titre 1"/>
@@ -22467,10 +22803,7 @@
                           <m:ctrlPr>
                             <a:rPr lang="fr-BE" i="1" smtClean="0">
                               <a:solidFill>
-                                <a:schemeClr val="tx1">
-                                  <a:lumMod val="85000"/>
-                                  <a:lumOff val="15000"/>
-                                </a:schemeClr>
+                                <a:schemeClr val="accent2"/>
                               </a:solidFill>
                               <a:latin typeface="Cambria Math" panose="02040503050406030204" pitchFamily="18" charset="0"/>
                             </a:rPr>
@@ -22480,10 +22813,7 @@
                           <m:r>
                             <a:rPr lang="fr-BE" b="0" i="1" smtClean="0">
                               <a:solidFill>
-                                <a:schemeClr val="tx1">
-                                  <a:lumMod val="85000"/>
-                                  <a:lumOff val="15000"/>
-                                </a:schemeClr>
+                                <a:schemeClr val="accent2"/>
                               </a:solidFill>
                               <a:latin typeface="Cambria Math" panose="02040503050406030204" pitchFamily="18" charset="0"/>
                             </a:rPr>
@@ -22492,10 +22822,7 @@
                           <m:r>
                             <a:rPr lang="fr-BE" b="0" i="1" smtClean="0">
                               <a:solidFill>
-                                <a:schemeClr val="tx1">
-                                  <a:lumMod val="85000"/>
-                                  <a:lumOff val="15000"/>
-                                </a:schemeClr>
+                                <a:schemeClr val="accent2"/>
                               </a:solidFill>
                               <a:latin typeface="Cambria Math" panose="02040503050406030204" pitchFamily="18" charset="0"/>
                             </a:rPr>
@@ -22506,10 +22833,7 @@
                           <m:r>
                             <a:rPr lang="fr-BE" b="0" i="1">
                               <a:solidFill>
-                                <a:schemeClr val="tx1">
-                                  <a:lumMod val="85000"/>
-                                  <a:lumOff val="15000"/>
-                                </a:schemeClr>
+                                <a:schemeClr val="accent2"/>
                               </a:solidFill>
                               <a:latin typeface="Cambria Math" panose="02040503050406030204" pitchFamily="18" charset="0"/>
                             </a:rPr>
@@ -22518,10 +22842,7 @@
                           <m:r>
                             <a:rPr lang="fr-BE" b="0" i="1" smtClean="0">
                               <a:solidFill>
-                                <a:schemeClr val="tx1">
-                                  <a:lumMod val="85000"/>
-                                  <a:lumOff val="15000"/>
-                                </a:schemeClr>
+                                <a:schemeClr val="accent2"/>
                               </a:solidFill>
                               <a:latin typeface="Cambria Math" panose="02040503050406030204" pitchFamily="18" charset="0"/>
                             </a:rPr>
@@ -22532,10 +22853,7 @@
                       <m:r>
                         <a:rPr lang="fr-BE" b="0" i="1" smtClean="0">
                           <a:solidFill>
-                            <a:schemeClr val="tx1">
-                              <a:lumMod val="85000"/>
-                              <a:lumOff val="15000"/>
-                            </a:schemeClr>
+                            <a:schemeClr val="accent2"/>
                           </a:solidFill>
                           <a:latin typeface="Cambria Math" panose="02040503050406030204" pitchFamily="18" charset="0"/>
                         </a:rPr>
@@ -22544,10 +22862,7 @@
                       <m:r>
                         <a:rPr lang="fr-BE" b="0" i="1" smtClean="0">
                           <a:solidFill>
-                            <a:schemeClr val="tx1">
-                              <a:lumMod val="85000"/>
-                              <a:lumOff val="15000"/>
-                            </a:schemeClr>
+                            <a:schemeClr val="accent2"/>
                           </a:solidFill>
                           <a:latin typeface="Cambria Math" panose="02040503050406030204" pitchFamily="18" charset="0"/>
                         </a:rPr>
@@ -22558,10 +22873,7 @@
                           <m:ctrlPr>
                             <a:rPr lang="fr-BE" b="0" i="1" smtClean="0">
                               <a:solidFill>
-                                <a:schemeClr val="tx1">
-                                  <a:lumMod val="85000"/>
-                                  <a:lumOff val="15000"/>
-                                </a:schemeClr>
+                                <a:schemeClr val="accent2"/>
                               </a:solidFill>
                               <a:latin typeface="Cambria Math" panose="02040503050406030204" pitchFamily="18" charset="0"/>
                             </a:rPr>
@@ -22571,10 +22883,7 @@
                           <m:r>
                             <a:rPr lang="fr-BE" b="0" i="1">
                               <a:solidFill>
-                                <a:schemeClr val="tx1">
-                                  <a:lumMod val="85000"/>
-                                  <a:lumOff val="15000"/>
-                                </a:schemeClr>
+                                <a:schemeClr val="accent2"/>
                               </a:solidFill>
                               <a:latin typeface="Cambria Math" panose="02040503050406030204" pitchFamily="18" charset="0"/>
                             </a:rPr>
@@ -22583,10 +22892,7 @@
                           <m:r>
                             <a:rPr lang="fr-BE" b="0" i="1" smtClean="0">
                               <a:solidFill>
-                                <a:schemeClr val="tx1">
-                                  <a:lumMod val="85000"/>
-                                  <a:lumOff val="15000"/>
-                                </a:schemeClr>
+                                <a:schemeClr val="accent2"/>
                               </a:solidFill>
                               <a:latin typeface="Cambria Math" panose="02040503050406030204" pitchFamily="18" charset="0"/>
                             </a:rPr>
@@ -22597,10 +22903,7 @@
                           <m:r>
                             <a:rPr lang="fr-BE" b="0" i="1">
                               <a:solidFill>
-                                <a:schemeClr val="tx1">
-                                  <a:lumMod val="85000"/>
-                                  <a:lumOff val="15000"/>
-                                </a:schemeClr>
+                                <a:schemeClr val="accent2"/>
                               </a:solidFill>
                               <a:latin typeface="Cambria Math" panose="02040503050406030204" pitchFamily="18" charset="0"/>
                             </a:rPr>
@@ -22609,10 +22912,7 @@
                           <m:r>
                             <a:rPr lang="fr-BE" b="0" i="1" smtClean="0">
                               <a:solidFill>
-                                <a:schemeClr val="tx1">
-                                  <a:lumMod val="85000"/>
-                                  <a:lumOff val="15000"/>
-                                </a:schemeClr>
+                                <a:schemeClr val="accent2"/>
                               </a:solidFill>
                               <a:latin typeface="Cambria Math" panose="02040503050406030204" pitchFamily="18" charset="0"/>
                             </a:rPr>
@@ -22623,10 +22923,7 @@
                       <m:r>
                         <a:rPr lang="fr-BE" b="0" i="1" smtClean="0">
                           <a:solidFill>
-                            <a:schemeClr val="tx1">
-                              <a:lumMod val="85000"/>
-                              <a:lumOff val="15000"/>
-                            </a:schemeClr>
+                            <a:schemeClr val="accent2"/>
                           </a:solidFill>
                           <a:latin typeface="Cambria Math" panose="02040503050406030204" pitchFamily="18" charset="0"/>
                         </a:rPr>
@@ -22637,10 +22934,7 @@
                           <m:ctrlPr>
                             <a:rPr lang="fr-BE" b="0" i="1" smtClean="0">
                               <a:solidFill>
-                                <a:schemeClr val="tx1">
-                                  <a:lumMod val="85000"/>
-                                  <a:lumOff val="15000"/>
-                                </a:schemeClr>
+                                <a:schemeClr val="accent2"/>
                               </a:solidFill>
                               <a:latin typeface="Cambria Math" panose="02040503050406030204" pitchFamily="18" charset="0"/>
                             </a:rPr>
@@ -22653,10 +22947,7 @@
                             </m:rPr>
                             <a:rPr lang="el-GR" b="0" i="1" smtClean="0">
                               <a:solidFill>
-                                <a:schemeClr val="tx1">
-                                  <a:lumMod val="85000"/>
-                                  <a:lumOff val="15000"/>
-                                </a:schemeClr>
+                                <a:schemeClr val="accent2"/>
                               </a:solidFill>
                               <a:latin typeface="Cambria Math" panose="02040503050406030204" pitchFamily="18" charset="0"/>
                             </a:rPr>
@@ -22667,10 +22958,7 @@
                           <m:r>
                             <a:rPr lang="fr-BE" b="0" i="1" smtClean="0">
                               <a:solidFill>
-                                <a:schemeClr val="tx1">
-                                  <a:lumMod val="85000"/>
-                                  <a:lumOff val="15000"/>
-                                </a:schemeClr>
+                                <a:schemeClr val="accent2"/>
                               </a:solidFill>
                               <a:latin typeface="Cambria Math" panose="02040503050406030204" pitchFamily="18" charset="0"/>
                             </a:rPr>
@@ -22683,10 +22971,7 @@
                           <m:ctrlPr>
                             <a:rPr lang="fr-BE" b="0" i="1" smtClean="0">
                               <a:solidFill>
-                                <a:schemeClr val="tx1">
-                                  <a:lumMod val="85000"/>
-                                  <a:lumOff val="15000"/>
-                                </a:schemeClr>
+                                <a:schemeClr val="accent2"/>
                               </a:solidFill>
                               <a:latin typeface="Cambria Math" panose="02040503050406030204" pitchFamily="18" charset="0"/>
                             </a:rPr>
@@ -22698,10 +22983,7 @@
                               <m:ctrlPr>
                                 <a:rPr lang="fr-BE" b="0" i="1" smtClean="0">
                                   <a:solidFill>
-                                    <a:schemeClr val="tx1">
-                                      <a:lumMod val="85000"/>
-                                      <a:lumOff val="15000"/>
-                                    </a:schemeClr>
+                                    <a:schemeClr val="accent2"/>
                                   </a:solidFill>
                                   <a:latin typeface="Cambria Math" panose="02040503050406030204" pitchFamily="18" charset="0"/>
                                 </a:rPr>
@@ -22711,10 +22993,7 @@
                               <m:r>
                                 <a:rPr lang="fr-BE" b="0" i="1">
                                   <a:solidFill>
-                                    <a:schemeClr val="tx1">
-                                      <a:lumMod val="85000"/>
-                                      <a:lumOff val="15000"/>
-                                    </a:schemeClr>
+                                    <a:schemeClr val="accent2"/>
                                   </a:solidFill>
                                   <a:latin typeface="Cambria Math" panose="02040503050406030204" pitchFamily="18" charset="0"/>
                                 </a:rPr>
@@ -22725,10 +23004,7 @@
                               <m:r>
                                 <a:rPr lang="fr-BE" b="0" i="1" smtClean="0">
                                   <a:solidFill>
-                                    <a:schemeClr val="tx1">
-                                      <a:lumMod val="85000"/>
-                                      <a:lumOff val="15000"/>
-                                    </a:schemeClr>
+                                    <a:schemeClr val="accent2"/>
                                   </a:solidFill>
                                   <a:latin typeface="Cambria Math" panose="02040503050406030204" pitchFamily="18" charset="0"/>
                                 </a:rPr>
@@ -22739,10 +23015,7 @@
                           <m:r>
                             <a:rPr lang="fr-BE" b="0" i="1" smtClean="0">
                               <a:solidFill>
-                                <a:schemeClr val="tx1">
-                                  <a:lumMod val="85000"/>
-                                  <a:lumOff val="15000"/>
-                                </a:schemeClr>
+                                <a:schemeClr val="accent2"/>
                               </a:solidFill>
                               <a:latin typeface="Cambria Math" panose="02040503050406030204" pitchFamily="18" charset="0"/>
                             </a:rPr>
@@ -22753,10 +23026,7 @@
                           <m:r>
                             <a:rPr lang="fr-BE" b="0" i="1">
                               <a:solidFill>
-                                <a:schemeClr val="tx1">
-                                  <a:lumMod val="85000"/>
-                                  <a:lumOff val="15000"/>
-                                </a:schemeClr>
+                                <a:schemeClr val="accent2"/>
                               </a:solidFill>
                               <a:latin typeface="Cambria Math" panose="02040503050406030204" pitchFamily="18" charset="0"/>
                             </a:rPr>
@@ -22767,10 +23037,7 @@
                               <m:ctrlPr>
                                 <a:rPr lang="fr-BE" b="0" i="1" smtClean="0">
                                   <a:solidFill>
-                                    <a:schemeClr val="tx1">
-                                      <a:lumMod val="85000"/>
-                                      <a:lumOff val="15000"/>
-                                    </a:schemeClr>
+                                    <a:schemeClr val="accent2"/>
                                   </a:solidFill>
                                   <a:latin typeface="Cambria Math" panose="02040503050406030204" pitchFamily="18" charset="0"/>
                                 </a:rPr>
@@ -22780,10 +23047,7 @@
                               <m:r>
                                 <a:rPr lang="fr-BE" b="0" i="1" smtClean="0">
                                   <a:solidFill>
-                                    <a:schemeClr val="tx1">
-                                      <a:lumMod val="85000"/>
-                                      <a:lumOff val="15000"/>
-                                    </a:schemeClr>
+                                    <a:schemeClr val="accent2"/>
                                   </a:solidFill>
                                   <a:latin typeface="Cambria Math" panose="02040503050406030204" pitchFamily="18" charset="0"/>
                                 </a:rPr>
@@ -22794,10 +23058,7 @@
                               <m:r>
                                 <a:rPr lang="fr-BE" b="0" i="1" smtClean="0">
                                   <a:solidFill>
-                                    <a:schemeClr val="tx1">
-                                      <a:lumMod val="85000"/>
-                                      <a:lumOff val="15000"/>
-                                    </a:schemeClr>
+                                    <a:schemeClr val="accent2"/>
                                   </a:solidFill>
                                   <a:latin typeface="Cambria Math" panose="02040503050406030204" pitchFamily="18" charset="0"/>
                                 </a:rPr>
@@ -22810,10 +23071,7 @@
                       <m:r>
                         <a:rPr lang="fr-BE" b="0" i="1" smtClean="0">
                           <a:solidFill>
-                            <a:schemeClr val="tx1">
-                              <a:lumMod val="85000"/>
-                              <a:lumOff val="15000"/>
-                            </a:schemeClr>
+                            <a:schemeClr val="accent2"/>
                           </a:solidFill>
                           <a:latin typeface="Cambria Math" panose="02040503050406030204" pitchFamily="18" charset="0"/>
                         </a:rPr>
@@ -22824,17 +23082,14 @@
                 </a14:m>
                 <a:endParaRPr lang="fr-BE" dirty="0">
                   <a:solidFill>
-                    <a:schemeClr val="tx1">
-                      <a:lumMod val="85000"/>
-                      <a:lumOff val="15000"/>
-                    </a:schemeClr>
+                    <a:schemeClr val="accent2"/>
                   </a:solidFill>
                 </a:endParaRPr>
               </a:p>
             </p:txBody>
           </p:sp>
         </mc:Choice>
-        <mc:Fallback xmlns="">
+        <mc:Fallback>
           <p:sp>
             <p:nvSpPr>
               <p:cNvPr id="2" name="Titre 1"/>
@@ -23207,7 +23462,12 @@
             <p:ph type="title"/>
           </p:nvPr>
         </p:nvSpPr>
-        <p:spPr/>
+        <p:spPr>
+          <a:xfrm>
+            <a:off x="677334" y="609600"/>
+            <a:ext cx="4205058" cy="1320800"/>
+          </a:xfrm>
+        </p:spPr>
         <p:txBody>
           <a:bodyPr/>
           <a:lstStyle/>
@@ -23234,7 +23494,12 @@
             <p:ph idx="1"/>
           </p:nvPr>
         </p:nvSpPr>
-        <p:spPr/>
+        <p:spPr>
+          <a:xfrm>
+            <a:off x="677334" y="2160589"/>
+            <a:ext cx="4205058" cy="3880773"/>
+          </a:xfrm>
+        </p:spPr>
         <p:txBody>
           <a:bodyPr/>
           <a:lstStyle/>
@@ -23294,6 +23559,413 @@
           </a:p>
         </p:txBody>
       </p:sp>
+      <p:sp>
+        <p:nvSpPr>
+          <p:cNvPr id="6" name="Titre 1"/>
+          <p:cNvSpPr txBox="1">
+            <a:spLocks/>
+          </p:cNvSpPr>
+          <p:nvPr/>
+        </p:nvSpPr>
+        <p:spPr>
+          <a:xfrm>
+            <a:off x="4882392" y="609600"/>
+            <a:ext cx="4391609" cy="1320800"/>
+          </a:xfrm>
+          <a:prstGeom prst="rect">
+            <a:avLst/>
+          </a:prstGeom>
+        </p:spPr>
+        <p:txBody>
+          <a:bodyPr vert="horz" lIns="91440" tIns="45720" rIns="91440" bIns="45720" rtlCol="0" anchor="t">
+            <a:normAutofit/>
+          </a:bodyPr>
+          <a:lstStyle>
+            <a:lvl1pPr algn="l" defTabSz="457200" rtl="0" eaLnBrk="1" latinLnBrk="0" hangingPunct="1">
+              <a:spcBef>
+                <a:spcPct val="0"/>
+              </a:spcBef>
+              <a:buNone/>
+              <a:defRPr sz="3600" b="1" kern="1200">
+                <a:solidFill>
+                  <a:schemeClr val="accent2"/>
+                </a:solidFill>
+                <a:latin typeface="+mj-lt"/>
+                <a:ea typeface="+mj-ea"/>
+                <a:cs typeface="+mj-cs"/>
+              </a:defRPr>
+            </a:lvl1pPr>
+            <a:lvl2pPr eaLnBrk="1" hangingPunct="1">
+              <a:defRPr>
+                <a:solidFill>
+                  <a:schemeClr val="tx2"/>
+                </a:solidFill>
+              </a:defRPr>
+            </a:lvl2pPr>
+            <a:lvl3pPr eaLnBrk="1" hangingPunct="1">
+              <a:defRPr>
+                <a:solidFill>
+                  <a:schemeClr val="tx2"/>
+                </a:solidFill>
+              </a:defRPr>
+            </a:lvl3pPr>
+            <a:lvl4pPr eaLnBrk="1" hangingPunct="1">
+              <a:defRPr>
+                <a:solidFill>
+                  <a:schemeClr val="tx2"/>
+                </a:solidFill>
+              </a:defRPr>
+            </a:lvl4pPr>
+            <a:lvl5pPr eaLnBrk="1" hangingPunct="1">
+              <a:defRPr>
+                <a:solidFill>
+                  <a:schemeClr val="tx2"/>
+                </a:solidFill>
+              </a:defRPr>
+            </a:lvl5pPr>
+            <a:lvl6pPr eaLnBrk="1" hangingPunct="1">
+              <a:defRPr>
+                <a:solidFill>
+                  <a:schemeClr val="tx2"/>
+                </a:solidFill>
+              </a:defRPr>
+            </a:lvl6pPr>
+            <a:lvl7pPr eaLnBrk="1" hangingPunct="1">
+              <a:defRPr>
+                <a:solidFill>
+                  <a:schemeClr val="tx2"/>
+                </a:solidFill>
+              </a:defRPr>
+            </a:lvl7pPr>
+            <a:lvl8pPr eaLnBrk="1" hangingPunct="1">
+              <a:defRPr>
+                <a:solidFill>
+                  <a:schemeClr val="tx2"/>
+                </a:solidFill>
+              </a:defRPr>
+            </a:lvl8pPr>
+            <a:lvl9pPr eaLnBrk="1" hangingPunct="1">
+              <a:defRPr>
+                <a:solidFill>
+                  <a:schemeClr val="tx2"/>
+                </a:solidFill>
+              </a:defRPr>
+            </a:lvl9pPr>
+          </a:lstStyle>
+          <a:p>
+            <a:r>
+              <a:rPr lang="fr-BE" dirty="0" smtClean="0"/>
+              <a:t>Schéma </a:t>
+            </a:r>
+            <a:r>
+              <a:rPr lang="fr-BE" dirty="0" err="1" smtClean="0"/>
+              <a:t>Leapfrog</a:t>
+            </a:r>
+            <a:endParaRPr lang="fr-BE" dirty="0"/>
+          </a:p>
+        </p:txBody>
+      </p:sp>
+      <p:sp>
+        <p:nvSpPr>
+          <p:cNvPr id="8" name="Espace réservé du contenu 2"/>
+          <p:cNvSpPr txBox="1">
+            <a:spLocks/>
+          </p:cNvSpPr>
+          <p:nvPr/>
+        </p:nvSpPr>
+        <p:spPr>
+          <a:xfrm>
+            <a:off x="4882392" y="2160588"/>
+            <a:ext cx="4391609" cy="3880773"/>
+          </a:xfrm>
+          <a:prstGeom prst="rect">
+            <a:avLst/>
+          </a:prstGeom>
+        </p:spPr>
+        <p:txBody>
+          <a:bodyPr vert="horz" lIns="91440" tIns="45720" rIns="91440" bIns="45720" rtlCol="0">
+            <a:normAutofit/>
+          </a:bodyPr>
+          <a:lstStyle>
+            <a:lvl1pPr marL="342900" indent="-342900" algn="l" defTabSz="457200" rtl="0" eaLnBrk="1" latinLnBrk="0" hangingPunct="1">
+              <a:spcBef>
+                <a:spcPts val="1000"/>
+              </a:spcBef>
+              <a:spcAft>
+                <a:spcPts val="0"/>
+              </a:spcAft>
+              <a:buClr>
+                <a:schemeClr val="accent1"/>
+              </a:buClr>
+              <a:buSzPct val="80000"/>
+              <a:buFont typeface="Wingdings 3" charset="2"/>
+              <a:buChar char=""/>
+              <a:defRPr sz="1800" kern="1200">
+                <a:solidFill>
+                  <a:schemeClr val="tx1">
+                    <a:lumMod val="85000"/>
+                    <a:lumOff val="15000"/>
+                  </a:schemeClr>
+                </a:solidFill>
+                <a:latin typeface="+mn-lt"/>
+                <a:ea typeface="+mn-ea"/>
+                <a:cs typeface="+mn-cs"/>
+              </a:defRPr>
+            </a:lvl1pPr>
+            <a:lvl2pPr marL="742950" indent="-285750" algn="l" defTabSz="457200" rtl="0" eaLnBrk="1" latinLnBrk="0" hangingPunct="1">
+              <a:spcBef>
+                <a:spcPts val="1000"/>
+              </a:spcBef>
+              <a:spcAft>
+                <a:spcPts val="0"/>
+              </a:spcAft>
+              <a:buClr>
+                <a:schemeClr val="accent1"/>
+              </a:buClr>
+              <a:buSzPct val="80000"/>
+              <a:buFont typeface="Wingdings 3" charset="2"/>
+              <a:buChar char=""/>
+              <a:defRPr sz="1600" kern="1200">
+                <a:solidFill>
+                  <a:schemeClr val="tx1">
+                    <a:lumMod val="85000"/>
+                    <a:lumOff val="15000"/>
+                  </a:schemeClr>
+                </a:solidFill>
+                <a:latin typeface="+mn-lt"/>
+                <a:ea typeface="+mn-ea"/>
+                <a:cs typeface="+mn-cs"/>
+              </a:defRPr>
+            </a:lvl2pPr>
+            <a:lvl3pPr marL="1143000" indent="-228600" algn="l" defTabSz="457200" rtl="0" eaLnBrk="1" latinLnBrk="0" hangingPunct="1">
+              <a:spcBef>
+                <a:spcPts val="1000"/>
+              </a:spcBef>
+              <a:spcAft>
+                <a:spcPts val="0"/>
+              </a:spcAft>
+              <a:buClr>
+                <a:schemeClr val="accent1"/>
+              </a:buClr>
+              <a:buSzPct val="80000"/>
+              <a:buFont typeface="Wingdings 3" charset="2"/>
+              <a:buChar char=""/>
+              <a:defRPr sz="1400" kern="1200">
+                <a:solidFill>
+                  <a:schemeClr val="tx1">
+                    <a:lumMod val="85000"/>
+                    <a:lumOff val="15000"/>
+                  </a:schemeClr>
+                </a:solidFill>
+                <a:latin typeface="+mn-lt"/>
+                <a:ea typeface="+mn-ea"/>
+                <a:cs typeface="+mn-cs"/>
+              </a:defRPr>
+            </a:lvl3pPr>
+            <a:lvl4pPr marL="1600200" indent="-228600" algn="l" defTabSz="457200" rtl="0" eaLnBrk="1" latinLnBrk="0" hangingPunct="1">
+              <a:spcBef>
+                <a:spcPts val="1000"/>
+              </a:spcBef>
+              <a:spcAft>
+                <a:spcPts val="0"/>
+              </a:spcAft>
+              <a:buClr>
+                <a:schemeClr val="accent1"/>
+              </a:buClr>
+              <a:buSzPct val="80000"/>
+              <a:buFont typeface="Wingdings 3" charset="2"/>
+              <a:buChar char=""/>
+              <a:defRPr sz="1200" kern="1200">
+                <a:solidFill>
+                  <a:schemeClr val="tx1">
+                    <a:lumMod val="85000"/>
+                    <a:lumOff val="15000"/>
+                  </a:schemeClr>
+                </a:solidFill>
+                <a:latin typeface="+mn-lt"/>
+                <a:ea typeface="+mn-ea"/>
+                <a:cs typeface="+mn-cs"/>
+              </a:defRPr>
+            </a:lvl4pPr>
+            <a:lvl5pPr marL="2057400" indent="-228600" algn="l" defTabSz="457200" rtl="0" eaLnBrk="1" latinLnBrk="0" hangingPunct="1">
+              <a:spcBef>
+                <a:spcPts val="1000"/>
+              </a:spcBef>
+              <a:spcAft>
+                <a:spcPts val="0"/>
+              </a:spcAft>
+              <a:buClr>
+                <a:schemeClr val="accent1"/>
+              </a:buClr>
+              <a:buSzPct val="80000"/>
+              <a:buFont typeface="Wingdings 3" charset="2"/>
+              <a:buChar char=""/>
+              <a:defRPr sz="1200" kern="1200">
+                <a:solidFill>
+                  <a:schemeClr val="tx1">
+                    <a:lumMod val="85000"/>
+                    <a:lumOff val="15000"/>
+                  </a:schemeClr>
+                </a:solidFill>
+                <a:latin typeface="+mn-lt"/>
+                <a:ea typeface="+mn-ea"/>
+                <a:cs typeface="+mn-cs"/>
+              </a:defRPr>
+            </a:lvl5pPr>
+            <a:lvl6pPr marL="2514600" indent="-228600" algn="l" defTabSz="457200" rtl="0" eaLnBrk="1" latinLnBrk="0" hangingPunct="1">
+              <a:spcBef>
+                <a:spcPts val="1000"/>
+              </a:spcBef>
+              <a:spcAft>
+                <a:spcPts val="0"/>
+              </a:spcAft>
+              <a:buClr>
+                <a:schemeClr val="accent1"/>
+              </a:buClr>
+              <a:buSzPct val="80000"/>
+              <a:buFont typeface="Wingdings 3" charset="2"/>
+              <a:buChar char=""/>
+              <a:defRPr sz="1200" kern="1200">
+                <a:solidFill>
+                  <a:schemeClr val="tx1">
+                    <a:lumMod val="75000"/>
+                    <a:lumOff val="25000"/>
+                  </a:schemeClr>
+                </a:solidFill>
+                <a:latin typeface="+mn-lt"/>
+                <a:ea typeface="+mn-ea"/>
+                <a:cs typeface="+mn-cs"/>
+              </a:defRPr>
+            </a:lvl6pPr>
+            <a:lvl7pPr marL="2971800" indent="-228600" algn="l" defTabSz="457200" rtl="0" eaLnBrk="1" latinLnBrk="0" hangingPunct="1">
+              <a:spcBef>
+                <a:spcPts val="1000"/>
+              </a:spcBef>
+              <a:spcAft>
+                <a:spcPts val="0"/>
+              </a:spcAft>
+              <a:buClr>
+                <a:schemeClr val="accent1"/>
+              </a:buClr>
+              <a:buSzPct val="80000"/>
+              <a:buFont typeface="Wingdings 3" charset="2"/>
+              <a:buChar char=""/>
+              <a:defRPr sz="1200" kern="1200">
+                <a:solidFill>
+                  <a:schemeClr val="tx1">
+                    <a:lumMod val="75000"/>
+                    <a:lumOff val="25000"/>
+                  </a:schemeClr>
+                </a:solidFill>
+                <a:latin typeface="+mn-lt"/>
+                <a:ea typeface="+mn-ea"/>
+                <a:cs typeface="+mn-cs"/>
+              </a:defRPr>
+            </a:lvl7pPr>
+            <a:lvl8pPr marL="3429000" indent="-228600" algn="l" defTabSz="457200" rtl="0" eaLnBrk="1" latinLnBrk="0" hangingPunct="1">
+              <a:spcBef>
+                <a:spcPts val="1000"/>
+              </a:spcBef>
+              <a:spcAft>
+                <a:spcPts val="0"/>
+              </a:spcAft>
+              <a:buClr>
+                <a:schemeClr val="accent1"/>
+              </a:buClr>
+              <a:buSzPct val="80000"/>
+              <a:buFont typeface="Wingdings 3" charset="2"/>
+              <a:buChar char=""/>
+              <a:defRPr sz="1200" kern="1200">
+                <a:solidFill>
+                  <a:schemeClr val="tx1">
+                    <a:lumMod val="75000"/>
+                    <a:lumOff val="25000"/>
+                  </a:schemeClr>
+                </a:solidFill>
+                <a:latin typeface="+mn-lt"/>
+                <a:ea typeface="+mn-ea"/>
+                <a:cs typeface="+mn-cs"/>
+              </a:defRPr>
+            </a:lvl8pPr>
+            <a:lvl9pPr marL="3886200" indent="-228600" algn="l" defTabSz="457200" rtl="0" eaLnBrk="1" latinLnBrk="0" hangingPunct="1">
+              <a:spcBef>
+                <a:spcPts val="1000"/>
+              </a:spcBef>
+              <a:spcAft>
+                <a:spcPts val="0"/>
+              </a:spcAft>
+              <a:buClr>
+                <a:schemeClr val="accent1"/>
+              </a:buClr>
+              <a:buSzPct val="80000"/>
+              <a:buFont typeface="Wingdings 3" charset="2"/>
+              <a:buChar char=""/>
+              <a:defRPr sz="1200" kern="1200">
+                <a:solidFill>
+                  <a:schemeClr val="tx1">
+                    <a:lumMod val="75000"/>
+                    <a:lumOff val="25000"/>
+                  </a:schemeClr>
+                </a:solidFill>
+                <a:latin typeface="+mn-lt"/>
+                <a:ea typeface="+mn-ea"/>
+                <a:cs typeface="+mn-cs"/>
+              </a:defRPr>
+            </a:lvl9pPr>
+          </a:lstStyle>
+          <a:p>
+            <a:r>
+              <a:rPr lang="fr-BE" dirty="0" smtClean="0"/>
+              <a:t>Consistance </a:t>
+            </a:r>
+          </a:p>
+          <a:p>
+            <a:r>
+              <a:rPr lang="fr-BE" dirty="0"/>
+              <a:t>Ordre de convergence</a:t>
+            </a:r>
+            <a:endParaRPr lang="fr-BE" dirty="0" smtClean="0"/>
+          </a:p>
+        </p:txBody>
+      </p:sp>
+      <p:cxnSp>
+        <p:nvCxnSpPr>
+          <p:cNvPr id="9" name="Connecteur droit 8"/>
+          <p:cNvCxnSpPr/>
+          <p:nvPr/>
+        </p:nvCxnSpPr>
+        <p:spPr>
+          <a:xfrm>
+            <a:off x="4588478" y="339272"/>
+            <a:ext cx="0" cy="4771361"/>
+          </a:xfrm>
+          <a:prstGeom prst="line">
+            <a:avLst/>
+          </a:prstGeom>
+          <a:ln w="38100">
+            <a:solidFill>
+              <a:schemeClr val="tx1">
+                <a:lumMod val="85000"/>
+                <a:lumOff val="15000"/>
+              </a:schemeClr>
+            </a:solidFill>
+          </a:ln>
+        </p:spPr>
+        <p:style>
+          <a:lnRef idx="1">
+            <a:schemeClr val="accent1"/>
+          </a:lnRef>
+          <a:fillRef idx="0">
+            <a:schemeClr val="accent1"/>
+          </a:fillRef>
+          <a:effectRef idx="0">
+            <a:schemeClr val="accent1"/>
+          </a:effectRef>
+          <a:fontRef idx="minor">
+            <a:schemeClr val="tx1"/>
+          </a:fontRef>
+        </p:style>
+      </p:cxnSp>
     </p:spTree>
     <p:extLst>
       <p:ext uri="{BB962C8B-B14F-4D97-AF65-F5344CB8AC3E}">
@@ -23364,25 +24036,6 @@
       </p:sp>
       <p:sp>
         <p:nvSpPr>
-          <p:cNvPr id="3" name="Espace réservé du contenu 2"/>
-          <p:cNvSpPr>
-            <a:spLocks noGrp="1"/>
-          </p:cNvSpPr>
-          <p:nvPr>
-            <p:ph idx="1"/>
-          </p:nvPr>
-        </p:nvSpPr>
-        <p:spPr/>
-        <p:txBody>
-          <a:bodyPr/>
-          <a:lstStyle/>
-          <a:p>
-            <a:endParaRPr lang="fr-BE" dirty="0" smtClean="0"/>
-          </a:p>
-        </p:txBody>
-      </p:sp>
-      <p:sp>
-        <p:nvSpPr>
           <p:cNvPr id="5" name="Espace réservé du numéro de diapositive 4"/>
           <p:cNvSpPr>
             <a:spLocks noGrp="1"/>
@@ -23405,6 +24058,1292 @@
           </a:p>
         </p:txBody>
       </p:sp>
+      <mc:AlternateContent xmlns:mc="http://schemas.openxmlformats.org/markup-compatibility/2006">
+        <mc:Choice xmlns:a14="http://schemas.microsoft.com/office/drawing/2010/main" Requires="a14">
+          <p:sp>
+            <p:nvSpPr>
+              <p:cNvPr id="7" name="Espace réservé du contenu 2"/>
+              <p:cNvSpPr>
+                <a:spLocks noGrp="1"/>
+              </p:cNvSpPr>
+              <p:nvPr>
+                <p:ph idx="1"/>
+              </p:nvPr>
+            </p:nvSpPr>
+            <p:spPr>
+              <a:xfrm>
+                <a:off x="677334" y="2160589"/>
+                <a:ext cx="8809566" cy="3880773"/>
+              </a:xfrm>
+            </p:spPr>
+            <p:txBody>
+              <a:bodyPr/>
+              <a:lstStyle/>
+              <a:p>
+                <a:r>
+                  <a:rPr lang="fr-BE" dirty="0" smtClean="0"/>
+                  <a:t>Discrétisation</a:t>
+                </a:r>
+              </a:p>
+              <a:p>
+                <a:pPr marL="0" indent="0">
+                  <a:buNone/>
+                </a:pPr>
+                <a14:m>
+                  <m:oMathPara xmlns:m="http://schemas.openxmlformats.org/officeDocument/2006/math">
+                    <m:oMathParaPr>
+                      <m:jc m:val="centerGroup"/>
+                    </m:oMathParaPr>
+                    <m:oMath xmlns:m="http://schemas.openxmlformats.org/officeDocument/2006/math">
+                      <m:f>
+                        <m:fPr>
+                          <m:ctrlPr>
+                            <a:rPr lang="fr-BE" i="1" smtClean="0">
+                              <a:solidFill>
+                                <a:schemeClr val="tx1">
+                                  <a:lumMod val="85000"/>
+                                  <a:lumOff val="15000"/>
+                                </a:schemeClr>
+                              </a:solidFill>
+                              <a:latin typeface="Cambria Math" panose="02040503050406030204" pitchFamily="18" charset="0"/>
+                            </a:rPr>
+                          </m:ctrlPr>
+                        </m:fPr>
+                        <m:num>
+                          <m:r>
+                            <a:rPr lang="fr-BE" i="1">
+                              <a:solidFill>
+                                <a:schemeClr val="tx1">
+                                  <a:lumMod val="85000"/>
+                                  <a:lumOff val="15000"/>
+                                </a:schemeClr>
+                              </a:solidFill>
+                              <a:latin typeface="Cambria Math" panose="02040503050406030204" pitchFamily="18" charset="0"/>
+                            </a:rPr>
+                            <m:t>𝜕</m:t>
+                          </m:r>
+                          <m:r>
+                            <a:rPr lang="fr-BE" i="1">
+                              <a:solidFill>
+                                <a:schemeClr val="tx1">
+                                  <a:lumMod val="85000"/>
+                                  <a:lumOff val="15000"/>
+                                </a:schemeClr>
+                              </a:solidFill>
+                              <a:latin typeface="Cambria Math" panose="02040503050406030204" pitchFamily="18" charset="0"/>
+                            </a:rPr>
+                            <m:t>𝑢</m:t>
+                          </m:r>
+                        </m:num>
+                        <m:den>
+                          <m:r>
+                            <a:rPr lang="fr-BE" i="1">
+                              <a:solidFill>
+                                <a:schemeClr val="tx1">
+                                  <a:lumMod val="85000"/>
+                                  <a:lumOff val="15000"/>
+                                </a:schemeClr>
+                              </a:solidFill>
+                              <a:latin typeface="Cambria Math" panose="02040503050406030204" pitchFamily="18" charset="0"/>
+                            </a:rPr>
+                            <m:t>𝜕</m:t>
+                          </m:r>
+                          <m:r>
+                            <a:rPr lang="fr-BE" i="1">
+                              <a:solidFill>
+                                <a:schemeClr val="tx1">
+                                  <a:lumMod val="85000"/>
+                                  <a:lumOff val="15000"/>
+                                </a:schemeClr>
+                              </a:solidFill>
+                              <a:latin typeface="Cambria Math" panose="02040503050406030204" pitchFamily="18" charset="0"/>
+                            </a:rPr>
+                            <m:t>𝑡</m:t>
+                          </m:r>
+                        </m:den>
+                      </m:f>
+                      <m:r>
+                        <a:rPr lang="fr-BE" i="1">
+                          <a:solidFill>
+                            <a:schemeClr val="tx1">
+                              <a:lumMod val="85000"/>
+                              <a:lumOff val="15000"/>
+                            </a:schemeClr>
+                          </a:solidFill>
+                          <a:latin typeface="Cambria Math" panose="02040503050406030204" pitchFamily="18" charset="0"/>
+                        </a:rPr>
+                        <m:t>+</m:t>
+                      </m:r>
+                      <m:r>
+                        <a:rPr lang="fr-BE" i="1">
+                          <a:solidFill>
+                            <a:schemeClr val="tx1">
+                              <a:lumMod val="85000"/>
+                              <a:lumOff val="15000"/>
+                            </a:schemeClr>
+                          </a:solidFill>
+                          <a:latin typeface="Cambria Math" panose="02040503050406030204" pitchFamily="18" charset="0"/>
+                        </a:rPr>
+                        <m:t>𝑢</m:t>
+                      </m:r>
+                      <m:f>
+                        <m:fPr>
+                          <m:ctrlPr>
+                            <a:rPr lang="fr-BE" i="1">
+                              <a:solidFill>
+                                <a:schemeClr val="tx1">
+                                  <a:lumMod val="85000"/>
+                                  <a:lumOff val="15000"/>
+                                </a:schemeClr>
+                              </a:solidFill>
+                              <a:latin typeface="Cambria Math" panose="02040503050406030204" pitchFamily="18" charset="0"/>
+                            </a:rPr>
+                          </m:ctrlPr>
+                        </m:fPr>
+                        <m:num>
+                          <m:r>
+                            <a:rPr lang="fr-BE" i="1">
+                              <a:solidFill>
+                                <a:schemeClr val="tx1">
+                                  <a:lumMod val="85000"/>
+                                  <a:lumOff val="15000"/>
+                                </a:schemeClr>
+                              </a:solidFill>
+                              <a:latin typeface="Cambria Math" panose="02040503050406030204" pitchFamily="18" charset="0"/>
+                            </a:rPr>
+                            <m:t>𝜕</m:t>
+                          </m:r>
+                          <m:r>
+                            <a:rPr lang="fr-BE" i="1">
+                              <a:solidFill>
+                                <a:schemeClr val="tx1">
+                                  <a:lumMod val="85000"/>
+                                  <a:lumOff val="15000"/>
+                                </a:schemeClr>
+                              </a:solidFill>
+                              <a:latin typeface="Cambria Math" panose="02040503050406030204" pitchFamily="18" charset="0"/>
+                            </a:rPr>
+                            <m:t>𝑢</m:t>
+                          </m:r>
+                        </m:num>
+                        <m:den>
+                          <m:r>
+                            <a:rPr lang="fr-BE" i="1">
+                              <a:solidFill>
+                                <a:schemeClr val="tx1">
+                                  <a:lumMod val="85000"/>
+                                  <a:lumOff val="15000"/>
+                                </a:schemeClr>
+                              </a:solidFill>
+                              <a:latin typeface="Cambria Math" panose="02040503050406030204" pitchFamily="18" charset="0"/>
+                            </a:rPr>
+                            <m:t>𝜕</m:t>
+                          </m:r>
+                          <m:r>
+                            <a:rPr lang="fr-BE" i="1">
+                              <a:solidFill>
+                                <a:schemeClr val="tx1">
+                                  <a:lumMod val="85000"/>
+                                  <a:lumOff val="15000"/>
+                                </a:schemeClr>
+                              </a:solidFill>
+                              <a:latin typeface="Cambria Math" panose="02040503050406030204" pitchFamily="18" charset="0"/>
+                            </a:rPr>
+                            <m:t>𝑥</m:t>
+                          </m:r>
+                        </m:den>
+                      </m:f>
+                      <m:r>
+                        <a:rPr lang="fr-BE" i="1">
+                          <a:solidFill>
+                            <a:schemeClr val="tx1">
+                              <a:lumMod val="85000"/>
+                              <a:lumOff val="15000"/>
+                            </a:schemeClr>
+                          </a:solidFill>
+                          <a:latin typeface="Cambria Math" panose="02040503050406030204" pitchFamily="18" charset="0"/>
+                        </a:rPr>
+                        <m:t>+</m:t>
+                      </m:r>
+                      <m:sSup>
+                        <m:sSupPr>
+                          <m:ctrlPr>
+                            <a:rPr lang="fr-BE" i="1">
+                              <a:solidFill>
+                                <a:schemeClr val="tx1">
+                                  <a:lumMod val="85000"/>
+                                  <a:lumOff val="15000"/>
+                                </a:schemeClr>
+                              </a:solidFill>
+                              <a:latin typeface="Cambria Math" panose="02040503050406030204" pitchFamily="18" charset="0"/>
+                            </a:rPr>
+                          </m:ctrlPr>
+                        </m:sSupPr>
+                        <m:e>
+                          <m:r>
+                            <m:rPr>
+                              <m:sty m:val="p"/>
+                            </m:rPr>
+                            <a:rPr lang="el-GR" i="1">
+                              <a:solidFill>
+                                <a:schemeClr val="tx1">
+                                  <a:lumMod val="85000"/>
+                                  <a:lumOff val="15000"/>
+                                </a:schemeClr>
+                              </a:solidFill>
+                              <a:latin typeface="Cambria Math" panose="02040503050406030204" pitchFamily="18" charset="0"/>
+                            </a:rPr>
+                            <m:t>δ</m:t>
+                          </m:r>
+                        </m:e>
+                        <m:sup>
+                          <m:r>
+                            <a:rPr lang="fr-BE" i="1">
+                              <a:solidFill>
+                                <a:schemeClr val="tx1">
+                                  <a:lumMod val="85000"/>
+                                  <a:lumOff val="15000"/>
+                                </a:schemeClr>
+                              </a:solidFill>
+                              <a:latin typeface="Cambria Math" panose="02040503050406030204" pitchFamily="18" charset="0"/>
+                            </a:rPr>
+                            <m:t>2</m:t>
+                          </m:r>
+                        </m:sup>
+                      </m:sSup>
+                      <m:f>
+                        <m:fPr>
+                          <m:ctrlPr>
+                            <a:rPr lang="fr-BE" i="1">
+                              <a:solidFill>
+                                <a:schemeClr val="tx1">
+                                  <a:lumMod val="85000"/>
+                                  <a:lumOff val="15000"/>
+                                </a:schemeClr>
+                              </a:solidFill>
+                              <a:latin typeface="Cambria Math" panose="02040503050406030204" pitchFamily="18" charset="0"/>
+                            </a:rPr>
+                          </m:ctrlPr>
+                        </m:fPr>
+                        <m:num>
+                          <m:sSup>
+                            <m:sSupPr>
+                              <m:ctrlPr>
+                                <a:rPr lang="fr-BE" i="1">
+                                  <a:solidFill>
+                                    <a:schemeClr val="tx1">
+                                      <a:lumMod val="85000"/>
+                                      <a:lumOff val="15000"/>
+                                    </a:schemeClr>
+                                  </a:solidFill>
+                                  <a:latin typeface="Cambria Math" panose="02040503050406030204" pitchFamily="18" charset="0"/>
+                                </a:rPr>
+                              </m:ctrlPr>
+                            </m:sSupPr>
+                            <m:e>
+                              <m:r>
+                                <a:rPr lang="fr-BE" i="1">
+                                  <a:solidFill>
+                                    <a:schemeClr val="tx1">
+                                      <a:lumMod val="85000"/>
+                                      <a:lumOff val="15000"/>
+                                    </a:schemeClr>
+                                  </a:solidFill>
+                                  <a:latin typeface="Cambria Math" panose="02040503050406030204" pitchFamily="18" charset="0"/>
+                                </a:rPr>
+                                <m:t>𝜕</m:t>
+                              </m:r>
+                            </m:e>
+                            <m:sup>
+                              <m:r>
+                                <a:rPr lang="fr-BE" i="1">
+                                  <a:solidFill>
+                                    <a:schemeClr val="tx1">
+                                      <a:lumMod val="85000"/>
+                                      <a:lumOff val="15000"/>
+                                    </a:schemeClr>
+                                  </a:solidFill>
+                                  <a:latin typeface="Cambria Math" panose="02040503050406030204" pitchFamily="18" charset="0"/>
+                                </a:rPr>
+                                <m:t>3</m:t>
+                              </m:r>
+                            </m:sup>
+                          </m:sSup>
+                          <m:r>
+                            <a:rPr lang="fr-BE" i="1">
+                              <a:solidFill>
+                                <a:schemeClr val="tx1">
+                                  <a:lumMod val="85000"/>
+                                  <a:lumOff val="15000"/>
+                                </a:schemeClr>
+                              </a:solidFill>
+                              <a:latin typeface="Cambria Math" panose="02040503050406030204" pitchFamily="18" charset="0"/>
+                            </a:rPr>
+                            <m:t>𝑢</m:t>
+                          </m:r>
+                        </m:num>
+                        <m:den>
+                          <m:r>
+                            <a:rPr lang="fr-BE" i="1">
+                              <a:solidFill>
+                                <a:schemeClr val="tx1">
+                                  <a:lumMod val="85000"/>
+                                  <a:lumOff val="15000"/>
+                                </a:schemeClr>
+                              </a:solidFill>
+                              <a:latin typeface="Cambria Math" panose="02040503050406030204" pitchFamily="18" charset="0"/>
+                            </a:rPr>
+                            <m:t>𝜕</m:t>
+                          </m:r>
+                          <m:sSup>
+                            <m:sSupPr>
+                              <m:ctrlPr>
+                                <a:rPr lang="fr-BE" i="1">
+                                  <a:solidFill>
+                                    <a:schemeClr val="tx1">
+                                      <a:lumMod val="85000"/>
+                                      <a:lumOff val="15000"/>
+                                    </a:schemeClr>
+                                  </a:solidFill>
+                                  <a:latin typeface="Cambria Math" panose="02040503050406030204" pitchFamily="18" charset="0"/>
+                                </a:rPr>
+                              </m:ctrlPr>
+                            </m:sSupPr>
+                            <m:e>
+                              <m:r>
+                                <a:rPr lang="fr-BE" i="1">
+                                  <a:solidFill>
+                                    <a:schemeClr val="tx1">
+                                      <a:lumMod val="85000"/>
+                                      <a:lumOff val="15000"/>
+                                    </a:schemeClr>
+                                  </a:solidFill>
+                                  <a:latin typeface="Cambria Math" panose="02040503050406030204" pitchFamily="18" charset="0"/>
+                                </a:rPr>
+                                <m:t>𝑥</m:t>
+                              </m:r>
+                            </m:e>
+                            <m:sup>
+                              <m:r>
+                                <a:rPr lang="fr-BE" i="1">
+                                  <a:solidFill>
+                                    <a:schemeClr val="tx1">
+                                      <a:lumMod val="85000"/>
+                                      <a:lumOff val="15000"/>
+                                    </a:schemeClr>
+                                  </a:solidFill>
+                                  <a:latin typeface="Cambria Math" panose="02040503050406030204" pitchFamily="18" charset="0"/>
+                                </a:rPr>
+                                <m:t>3</m:t>
+                              </m:r>
+                            </m:sup>
+                          </m:sSup>
+                        </m:den>
+                      </m:f>
+                      <m:r>
+                        <a:rPr lang="fr-BE" i="1">
+                          <a:solidFill>
+                            <a:schemeClr val="tx1">
+                              <a:lumMod val="85000"/>
+                              <a:lumOff val="15000"/>
+                            </a:schemeClr>
+                          </a:solidFill>
+                          <a:latin typeface="Cambria Math" panose="02040503050406030204" pitchFamily="18" charset="0"/>
+                        </a:rPr>
+                        <m:t>=0</m:t>
+                      </m:r>
+                    </m:oMath>
+                  </m:oMathPara>
+                </a14:m>
+                <a:endParaRPr lang="fr-BE" i="1" dirty="0" smtClean="0">
+                  <a:solidFill>
+                    <a:schemeClr val="tx1">
+                      <a:lumMod val="85000"/>
+                      <a:lumOff val="15000"/>
+                    </a:schemeClr>
+                  </a:solidFill>
+                  <a:latin typeface="Cambria Math" panose="02040503050406030204" pitchFamily="18" charset="0"/>
+                </a:endParaRPr>
+              </a:p>
+              <a:p>
+                <a:pPr marL="0" indent="0" algn="ctr">
+                  <a:buNone/>
+                </a:pPr>
+                <a:r>
+                  <a:rPr lang="fr-BE" dirty="0" smtClean="0">
+                    <a:sym typeface="Wingdings" panose="05000000000000000000" pitchFamily="2" charset="2"/>
+                  </a:rPr>
+                  <a:t> </a:t>
+                </a:r>
+                <a14:m>
+                  <m:oMath xmlns:m="http://schemas.openxmlformats.org/officeDocument/2006/math">
+                    <m:f>
+                      <m:fPr>
+                        <m:ctrlPr>
+                          <a:rPr lang="fr-BE" i="1" smtClean="0">
+                            <a:latin typeface="Cambria Math" panose="02040503050406030204" pitchFamily="18" charset="0"/>
+                          </a:rPr>
+                        </m:ctrlPr>
+                      </m:fPr>
+                      <m:num>
+                        <m:sSub>
+                          <m:sSubPr>
+                            <m:ctrlPr>
+                              <a:rPr lang="fr-BE" i="1">
+                                <a:latin typeface="Cambria Math" panose="02040503050406030204" pitchFamily="18" charset="0"/>
+                              </a:rPr>
+                            </m:ctrlPr>
+                          </m:sSubPr>
+                          <m:e>
+                            <m:r>
+                              <a:rPr lang="fr-BE" i="1">
+                                <a:latin typeface="Cambria Math" panose="02040503050406030204" pitchFamily="18" charset="0"/>
+                              </a:rPr>
+                              <m:t>𝑢</m:t>
+                            </m:r>
+                          </m:e>
+                          <m:sub>
+                            <m:r>
+                              <a:rPr lang="fr-BE" i="1">
+                                <a:latin typeface="Cambria Math" panose="02040503050406030204" pitchFamily="18" charset="0"/>
+                              </a:rPr>
+                              <m:t>𝑖</m:t>
+                            </m:r>
+                            <m:r>
+                              <a:rPr lang="fr-BE" i="1">
+                                <a:latin typeface="Cambria Math" panose="02040503050406030204" pitchFamily="18" charset="0"/>
+                              </a:rPr>
+                              <m:t>,</m:t>
+                            </m:r>
+                            <m:r>
+                              <a:rPr lang="fr-BE" i="1">
+                                <a:latin typeface="Cambria Math" panose="02040503050406030204" pitchFamily="18" charset="0"/>
+                              </a:rPr>
+                              <m:t>𝑗</m:t>
+                            </m:r>
+                            <m:r>
+                              <a:rPr lang="fr-BE" i="1">
+                                <a:latin typeface="Cambria Math" panose="02040503050406030204" pitchFamily="18" charset="0"/>
+                              </a:rPr>
+                              <m:t>+1</m:t>
+                            </m:r>
+                          </m:sub>
+                        </m:sSub>
+                        <m:r>
+                          <a:rPr lang="fr-BE" b="0" i="1" smtClean="0">
+                            <a:latin typeface="Cambria Math" panose="02040503050406030204" pitchFamily="18" charset="0"/>
+                          </a:rPr>
+                          <m:t>−</m:t>
+                        </m:r>
+                        <m:sSub>
+                          <m:sSubPr>
+                            <m:ctrlPr>
+                              <a:rPr lang="fr-BE" i="1">
+                                <a:latin typeface="Cambria Math" panose="02040503050406030204" pitchFamily="18" charset="0"/>
+                              </a:rPr>
+                            </m:ctrlPr>
+                          </m:sSubPr>
+                          <m:e>
+                            <m:r>
+                              <a:rPr lang="fr-BE" i="1">
+                                <a:latin typeface="Cambria Math" panose="02040503050406030204" pitchFamily="18" charset="0"/>
+                              </a:rPr>
+                              <m:t>𝑢</m:t>
+                            </m:r>
+                          </m:e>
+                          <m:sub>
+                            <m:r>
+                              <a:rPr lang="fr-BE" i="1">
+                                <a:latin typeface="Cambria Math" panose="02040503050406030204" pitchFamily="18" charset="0"/>
+                              </a:rPr>
+                              <m:t>𝑖</m:t>
+                            </m:r>
+                            <m:r>
+                              <a:rPr lang="fr-BE" i="1">
+                                <a:latin typeface="Cambria Math" panose="02040503050406030204" pitchFamily="18" charset="0"/>
+                              </a:rPr>
+                              <m:t>,</m:t>
+                            </m:r>
+                            <m:r>
+                              <a:rPr lang="fr-BE" i="1">
+                                <a:latin typeface="Cambria Math" panose="02040503050406030204" pitchFamily="18" charset="0"/>
+                              </a:rPr>
+                              <m:t>𝑗</m:t>
+                            </m:r>
+                          </m:sub>
+                        </m:sSub>
+                      </m:num>
+                      <m:den>
+                        <m:r>
+                          <a:rPr lang="fr-BE" b="0" i="1" smtClean="0">
+                            <a:latin typeface="Cambria Math" panose="02040503050406030204" pitchFamily="18" charset="0"/>
+                          </a:rPr>
+                          <m:t>𝑘</m:t>
+                        </m:r>
+                      </m:den>
+                    </m:f>
+                    <m:r>
+                      <a:rPr lang="fr-BE" b="0" i="1" smtClean="0">
+                        <a:latin typeface="Cambria Math" panose="02040503050406030204" pitchFamily="18" charset="0"/>
+                      </a:rPr>
+                      <m:t>+</m:t>
+                    </m:r>
+                    <m:r>
+                      <a:rPr lang="fr-BE" b="0" i="1" smtClean="0">
+                        <a:solidFill>
+                          <a:schemeClr val="accent5"/>
+                        </a:solidFill>
+                        <a:latin typeface="Cambria Math" panose="02040503050406030204" pitchFamily="18" charset="0"/>
+                      </a:rPr>
+                      <m:t>𝑂</m:t>
+                    </m:r>
+                    <m:r>
+                      <a:rPr lang="fr-BE" b="0" i="1" smtClean="0">
+                        <a:solidFill>
+                          <a:schemeClr val="accent5"/>
+                        </a:solidFill>
+                        <a:latin typeface="Cambria Math" panose="02040503050406030204" pitchFamily="18" charset="0"/>
+                      </a:rPr>
+                      <m:t>(</m:t>
+                    </m:r>
+                    <m:r>
+                      <a:rPr lang="fr-BE" b="0" i="1" smtClean="0">
+                        <a:solidFill>
+                          <a:schemeClr val="accent5"/>
+                        </a:solidFill>
+                        <a:latin typeface="Cambria Math" panose="02040503050406030204" pitchFamily="18" charset="0"/>
+                      </a:rPr>
+                      <m:t>𝑘</m:t>
+                    </m:r>
+                    <m:r>
+                      <a:rPr lang="fr-BE" b="0" i="1" smtClean="0">
+                        <a:solidFill>
+                          <a:schemeClr val="accent5"/>
+                        </a:solidFill>
+                        <a:latin typeface="Cambria Math" panose="02040503050406030204" pitchFamily="18" charset="0"/>
+                      </a:rPr>
+                      <m:t>)+</m:t>
+                    </m:r>
+                    <m:sSub>
+                      <m:sSubPr>
+                        <m:ctrlPr>
+                          <a:rPr lang="fr-BE" i="1">
+                            <a:latin typeface="Cambria Math" panose="02040503050406030204" pitchFamily="18" charset="0"/>
+                          </a:rPr>
+                        </m:ctrlPr>
+                      </m:sSubPr>
+                      <m:e>
+                        <m:r>
+                          <a:rPr lang="fr-BE" i="1">
+                            <a:latin typeface="Cambria Math" panose="02040503050406030204" pitchFamily="18" charset="0"/>
+                          </a:rPr>
+                          <m:t>𝑢</m:t>
+                        </m:r>
+                      </m:e>
+                      <m:sub>
+                        <m:r>
+                          <a:rPr lang="fr-BE" i="1">
+                            <a:latin typeface="Cambria Math" panose="02040503050406030204" pitchFamily="18" charset="0"/>
+                          </a:rPr>
+                          <m:t>𝑖</m:t>
+                        </m:r>
+                        <m:r>
+                          <a:rPr lang="fr-BE" i="1">
+                            <a:latin typeface="Cambria Math" panose="02040503050406030204" pitchFamily="18" charset="0"/>
+                          </a:rPr>
+                          <m:t>,</m:t>
+                        </m:r>
+                        <m:r>
+                          <a:rPr lang="fr-BE" i="1">
+                            <a:latin typeface="Cambria Math" panose="02040503050406030204" pitchFamily="18" charset="0"/>
+                          </a:rPr>
+                          <m:t>𝑗</m:t>
+                        </m:r>
+                      </m:sub>
+                    </m:sSub>
+                    <m:f>
+                      <m:fPr>
+                        <m:ctrlPr>
+                          <a:rPr lang="fr-BE" i="1">
+                            <a:latin typeface="Cambria Math" panose="02040503050406030204" pitchFamily="18" charset="0"/>
+                          </a:rPr>
+                        </m:ctrlPr>
+                      </m:fPr>
+                      <m:num>
+                        <m:d>
+                          <m:dPr>
+                            <m:ctrlPr>
+                              <a:rPr lang="fr-BE" i="1">
+                                <a:latin typeface="Cambria Math" panose="02040503050406030204" pitchFamily="18" charset="0"/>
+                              </a:rPr>
+                            </m:ctrlPr>
+                          </m:dPr>
+                          <m:e>
+                            <m:sSub>
+                              <m:sSubPr>
+                                <m:ctrlPr>
+                                  <a:rPr lang="fr-BE" i="1">
+                                    <a:latin typeface="Cambria Math" panose="02040503050406030204" pitchFamily="18" charset="0"/>
+                                  </a:rPr>
+                                </m:ctrlPr>
+                              </m:sSubPr>
+                              <m:e>
+                                <m:r>
+                                  <a:rPr lang="fr-BE" i="1">
+                                    <a:latin typeface="Cambria Math" panose="02040503050406030204" pitchFamily="18" charset="0"/>
+                                  </a:rPr>
+                                  <m:t>𝑢</m:t>
+                                </m:r>
+                              </m:e>
+                              <m:sub>
+                                <m:r>
+                                  <a:rPr lang="fr-BE" i="1">
+                                    <a:latin typeface="Cambria Math" panose="02040503050406030204" pitchFamily="18" charset="0"/>
+                                  </a:rPr>
+                                  <m:t>𝑖</m:t>
+                                </m:r>
+                                <m:r>
+                                  <a:rPr lang="fr-BE" i="1">
+                                    <a:latin typeface="Cambria Math" panose="02040503050406030204" pitchFamily="18" charset="0"/>
+                                  </a:rPr>
+                                  <m:t>,</m:t>
+                                </m:r>
+                                <m:r>
+                                  <a:rPr lang="fr-BE" i="1">
+                                    <a:latin typeface="Cambria Math" panose="02040503050406030204" pitchFamily="18" charset="0"/>
+                                  </a:rPr>
+                                  <m:t>𝑗</m:t>
+                                </m:r>
+                              </m:sub>
+                            </m:sSub>
+                            <m:r>
+                              <a:rPr lang="fr-BE" i="1">
+                                <a:latin typeface="Cambria Math" panose="02040503050406030204" pitchFamily="18" charset="0"/>
+                              </a:rPr>
+                              <m:t>−</m:t>
+                            </m:r>
+                            <m:sSub>
+                              <m:sSubPr>
+                                <m:ctrlPr>
+                                  <a:rPr lang="fr-BE" i="1">
+                                    <a:latin typeface="Cambria Math" panose="02040503050406030204" pitchFamily="18" charset="0"/>
+                                  </a:rPr>
+                                </m:ctrlPr>
+                              </m:sSubPr>
+                              <m:e>
+                                <m:r>
+                                  <a:rPr lang="fr-BE" i="1">
+                                    <a:latin typeface="Cambria Math" panose="02040503050406030204" pitchFamily="18" charset="0"/>
+                                  </a:rPr>
+                                  <m:t>𝑢</m:t>
+                                </m:r>
+                              </m:e>
+                              <m:sub>
+                                <m:r>
+                                  <a:rPr lang="fr-BE" i="1">
+                                    <a:latin typeface="Cambria Math" panose="02040503050406030204" pitchFamily="18" charset="0"/>
+                                  </a:rPr>
+                                  <m:t>𝑖</m:t>
+                                </m:r>
+                                <m:r>
+                                  <a:rPr lang="fr-BE" i="1">
+                                    <a:latin typeface="Cambria Math" panose="02040503050406030204" pitchFamily="18" charset="0"/>
+                                  </a:rPr>
+                                  <m:t>−1,</m:t>
+                                </m:r>
+                                <m:r>
+                                  <a:rPr lang="fr-BE" i="1">
+                                    <a:latin typeface="Cambria Math" panose="02040503050406030204" pitchFamily="18" charset="0"/>
+                                  </a:rPr>
+                                  <m:t>𝑗</m:t>
+                                </m:r>
+                              </m:sub>
+                            </m:sSub>
+                          </m:e>
+                        </m:d>
+                      </m:num>
+                      <m:den>
+                        <m:r>
+                          <a:rPr lang="fr-BE" i="1">
+                            <a:latin typeface="Cambria Math" panose="02040503050406030204" pitchFamily="18" charset="0"/>
+                          </a:rPr>
+                          <m:t>h</m:t>
+                        </m:r>
+                      </m:den>
+                    </m:f>
+                    <m:r>
+                      <a:rPr lang="fr-BE" i="1">
+                        <a:latin typeface="Cambria Math" panose="02040503050406030204" pitchFamily="18" charset="0"/>
+                      </a:rPr>
+                      <m:t>+</m:t>
+                    </m:r>
+                    <m:r>
+                      <a:rPr lang="fr-BE" i="1" smtClean="0">
+                        <a:solidFill>
+                          <a:schemeClr val="accent5"/>
+                        </a:solidFill>
+                        <a:latin typeface="Cambria Math" panose="02040503050406030204" pitchFamily="18" charset="0"/>
+                      </a:rPr>
+                      <m:t>𝑂</m:t>
+                    </m:r>
+                    <m:r>
+                      <a:rPr lang="fr-BE" i="1" smtClean="0">
+                        <a:solidFill>
+                          <a:schemeClr val="accent5"/>
+                        </a:solidFill>
+                        <a:latin typeface="Cambria Math" panose="02040503050406030204" pitchFamily="18" charset="0"/>
+                      </a:rPr>
+                      <m:t>(</m:t>
+                    </m:r>
+                    <m:r>
+                      <a:rPr lang="fr-BE" b="0" i="1" smtClean="0">
+                        <a:solidFill>
+                          <a:schemeClr val="accent5"/>
+                        </a:solidFill>
+                        <a:latin typeface="Cambria Math" panose="02040503050406030204" pitchFamily="18" charset="0"/>
+                      </a:rPr>
+                      <m:t>h</m:t>
+                    </m:r>
+                    <m:r>
+                      <a:rPr lang="fr-BE" i="1">
+                        <a:solidFill>
+                          <a:schemeClr val="accent5"/>
+                        </a:solidFill>
+                        <a:latin typeface="Cambria Math" panose="02040503050406030204" pitchFamily="18" charset="0"/>
+                      </a:rPr>
+                      <m:t>)</m:t>
+                    </m:r>
+                    <m:r>
+                      <a:rPr lang="fr-BE" i="1">
+                        <a:latin typeface="Cambria Math" panose="02040503050406030204" pitchFamily="18" charset="0"/>
+                      </a:rPr>
+                      <m:t>+</m:t>
+                    </m:r>
+                    <m:sSup>
+                      <m:sSupPr>
+                        <m:ctrlPr>
+                          <a:rPr lang="fr-BE" i="1">
+                            <a:latin typeface="Cambria Math" panose="02040503050406030204" pitchFamily="18" charset="0"/>
+                          </a:rPr>
+                        </m:ctrlPr>
+                      </m:sSupPr>
+                      <m:e>
+                        <m:r>
+                          <a:rPr lang="fr-BE" i="1">
+                            <a:latin typeface="Cambria Math" panose="02040503050406030204" pitchFamily="18" charset="0"/>
+                          </a:rPr>
+                          <m:t>𝛿</m:t>
+                        </m:r>
+                      </m:e>
+                      <m:sup>
+                        <m:r>
+                          <a:rPr lang="fr-BE" i="1">
+                            <a:latin typeface="Cambria Math" panose="02040503050406030204" pitchFamily="18" charset="0"/>
+                          </a:rPr>
+                          <m:t>2</m:t>
+                        </m:r>
+                      </m:sup>
+                    </m:sSup>
+                    <m:f>
+                      <m:fPr>
+                        <m:ctrlPr>
+                          <a:rPr lang="fr-BE" i="1">
+                            <a:latin typeface="Cambria Math" panose="02040503050406030204" pitchFamily="18" charset="0"/>
+                          </a:rPr>
+                        </m:ctrlPr>
+                      </m:fPr>
+                      <m:num>
+                        <m:d>
+                          <m:dPr>
+                            <m:ctrlPr>
+                              <a:rPr lang="fr-BE" i="1">
+                                <a:latin typeface="Cambria Math" panose="02040503050406030204" pitchFamily="18" charset="0"/>
+                              </a:rPr>
+                            </m:ctrlPr>
+                          </m:dPr>
+                          <m:e>
+                            <m:sSub>
+                              <m:sSubPr>
+                                <m:ctrlPr>
+                                  <a:rPr lang="fr-BE" i="1">
+                                    <a:latin typeface="Cambria Math" panose="02040503050406030204" pitchFamily="18" charset="0"/>
+                                  </a:rPr>
+                                </m:ctrlPr>
+                              </m:sSubPr>
+                              <m:e>
+                                <m:r>
+                                  <a:rPr lang="fr-BE" i="1">
+                                    <a:latin typeface="Cambria Math" panose="02040503050406030204" pitchFamily="18" charset="0"/>
+                                  </a:rPr>
+                                  <m:t>𝑢</m:t>
+                                </m:r>
+                              </m:e>
+                              <m:sub>
+                                <m:r>
+                                  <a:rPr lang="fr-BE" i="1">
+                                    <a:latin typeface="Cambria Math" panose="02040503050406030204" pitchFamily="18" charset="0"/>
+                                  </a:rPr>
+                                  <m:t>𝑖</m:t>
+                                </m:r>
+                                <m:r>
+                                  <a:rPr lang="fr-BE" i="1">
+                                    <a:latin typeface="Cambria Math" panose="02040503050406030204" pitchFamily="18" charset="0"/>
+                                  </a:rPr>
+                                  <m:t>,+2</m:t>
+                                </m:r>
+                                <m:r>
+                                  <a:rPr lang="fr-BE" i="1">
+                                    <a:latin typeface="Cambria Math" panose="02040503050406030204" pitchFamily="18" charset="0"/>
+                                  </a:rPr>
+                                  <m:t>𝑗</m:t>
+                                </m:r>
+                              </m:sub>
+                            </m:sSub>
+                            <m:r>
+                              <a:rPr lang="fr-BE" i="1">
+                                <a:latin typeface="Cambria Math" panose="02040503050406030204" pitchFamily="18" charset="0"/>
+                              </a:rPr>
+                              <m:t>−2</m:t>
+                            </m:r>
+                            <m:sSub>
+                              <m:sSubPr>
+                                <m:ctrlPr>
+                                  <a:rPr lang="fr-BE" i="1">
+                                    <a:latin typeface="Cambria Math" panose="02040503050406030204" pitchFamily="18" charset="0"/>
+                                  </a:rPr>
+                                </m:ctrlPr>
+                              </m:sSubPr>
+                              <m:e>
+                                <m:r>
+                                  <a:rPr lang="fr-BE" i="1">
+                                    <a:latin typeface="Cambria Math" panose="02040503050406030204" pitchFamily="18" charset="0"/>
+                                  </a:rPr>
+                                  <m:t>𝑢</m:t>
+                                </m:r>
+                              </m:e>
+                              <m:sub>
+                                <m:r>
+                                  <a:rPr lang="fr-BE" i="1">
+                                    <a:latin typeface="Cambria Math" panose="02040503050406030204" pitchFamily="18" charset="0"/>
+                                  </a:rPr>
+                                  <m:t>𝑖</m:t>
+                                </m:r>
+                                <m:r>
+                                  <a:rPr lang="fr-BE" i="1">
+                                    <a:latin typeface="Cambria Math" panose="02040503050406030204" pitchFamily="18" charset="0"/>
+                                  </a:rPr>
+                                  <m:t>+1,</m:t>
+                                </m:r>
+                                <m:r>
+                                  <a:rPr lang="fr-BE" i="1">
+                                    <a:latin typeface="Cambria Math" panose="02040503050406030204" pitchFamily="18" charset="0"/>
+                                  </a:rPr>
+                                  <m:t>𝑗</m:t>
+                                </m:r>
+                              </m:sub>
+                            </m:sSub>
+                            <m:r>
+                              <a:rPr lang="fr-BE" i="1">
+                                <a:latin typeface="Cambria Math" panose="02040503050406030204" pitchFamily="18" charset="0"/>
+                              </a:rPr>
+                              <m:t>+2</m:t>
+                            </m:r>
+                            <m:sSub>
+                              <m:sSubPr>
+                                <m:ctrlPr>
+                                  <a:rPr lang="fr-BE" i="1">
+                                    <a:latin typeface="Cambria Math" panose="02040503050406030204" pitchFamily="18" charset="0"/>
+                                  </a:rPr>
+                                </m:ctrlPr>
+                              </m:sSubPr>
+                              <m:e>
+                                <m:r>
+                                  <a:rPr lang="fr-BE" i="1">
+                                    <a:latin typeface="Cambria Math" panose="02040503050406030204" pitchFamily="18" charset="0"/>
+                                  </a:rPr>
+                                  <m:t>𝑢</m:t>
+                                </m:r>
+                              </m:e>
+                              <m:sub>
+                                <m:r>
+                                  <a:rPr lang="fr-BE" i="1">
+                                    <a:latin typeface="Cambria Math" panose="02040503050406030204" pitchFamily="18" charset="0"/>
+                                  </a:rPr>
+                                  <m:t>𝑖</m:t>
+                                </m:r>
+                                <m:r>
+                                  <a:rPr lang="fr-BE" i="1">
+                                    <a:latin typeface="Cambria Math" panose="02040503050406030204" pitchFamily="18" charset="0"/>
+                                  </a:rPr>
+                                  <m:t>−1,</m:t>
+                                </m:r>
+                                <m:r>
+                                  <a:rPr lang="fr-BE" i="1">
+                                    <a:latin typeface="Cambria Math" panose="02040503050406030204" pitchFamily="18" charset="0"/>
+                                  </a:rPr>
+                                  <m:t>𝑗</m:t>
+                                </m:r>
+                              </m:sub>
+                            </m:sSub>
+                            <m:r>
+                              <a:rPr lang="fr-BE" i="1">
+                                <a:latin typeface="Cambria Math" panose="02040503050406030204" pitchFamily="18" charset="0"/>
+                              </a:rPr>
+                              <m:t>−</m:t>
+                            </m:r>
+                            <m:sSub>
+                              <m:sSubPr>
+                                <m:ctrlPr>
+                                  <a:rPr lang="fr-BE" i="1">
+                                    <a:latin typeface="Cambria Math" panose="02040503050406030204" pitchFamily="18" charset="0"/>
+                                  </a:rPr>
+                                </m:ctrlPr>
+                              </m:sSubPr>
+                              <m:e>
+                                <m:r>
+                                  <a:rPr lang="fr-BE" i="1">
+                                    <a:latin typeface="Cambria Math" panose="02040503050406030204" pitchFamily="18" charset="0"/>
+                                  </a:rPr>
+                                  <m:t>𝑢</m:t>
+                                </m:r>
+                              </m:e>
+                              <m:sub>
+                                <m:r>
+                                  <a:rPr lang="fr-BE" i="1">
+                                    <a:latin typeface="Cambria Math" panose="02040503050406030204" pitchFamily="18" charset="0"/>
+                                  </a:rPr>
+                                  <m:t>𝑖</m:t>
+                                </m:r>
+                                <m:r>
+                                  <a:rPr lang="fr-BE" i="1">
+                                    <a:latin typeface="Cambria Math" panose="02040503050406030204" pitchFamily="18" charset="0"/>
+                                  </a:rPr>
+                                  <m:t>−2,</m:t>
+                                </m:r>
+                                <m:r>
+                                  <a:rPr lang="fr-BE" i="1">
+                                    <a:latin typeface="Cambria Math" panose="02040503050406030204" pitchFamily="18" charset="0"/>
+                                  </a:rPr>
+                                  <m:t>𝑗</m:t>
+                                </m:r>
+                              </m:sub>
+                            </m:sSub>
+                          </m:e>
+                        </m:d>
+                      </m:num>
+                      <m:den>
+                        <m:r>
+                          <a:rPr lang="fr-BE" i="1">
+                            <a:latin typeface="Cambria Math" panose="02040503050406030204" pitchFamily="18" charset="0"/>
+                          </a:rPr>
+                          <m:t>2</m:t>
+                        </m:r>
+                        <m:sSup>
+                          <m:sSupPr>
+                            <m:ctrlPr>
+                              <a:rPr lang="fr-BE" i="1">
+                                <a:latin typeface="Cambria Math" panose="02040503050406030204" pitchFamily="18" charset="0"/>
+                              </a:rPr>
+                            </m:ctrlPr>
+                          </m:sSupPr>
+                          <m:e>
+                            <m:r>
+                              <a:rPr lang="fr-BE" i="1">
+                                <a:latin typeface="Cambria Math" panose="02040503050406030204" pitchFamily="18" charset="0"/>
+                              </a:rPr>
+                              <m:t>h</m:t>
+                            </m:r>
+                          </m:e>
+                          <m:sup>
+                            <m:r>
+                              <a:rPr lang="fr-BE" i="1">
+                                <a:latin typeface="Cambria Math" panose="02040503050406030204" pitchFamily="18" charset="0"/>
+                              </a:rPr>
+                              <m:t>3</m:t>
+                            </m:r>
+                          </m:sup>
+                        </m:sSup>
+                      </m:den>
+                    </m:f>
+                    <m:r>
+                      <a:rPr lang="fr-BE" i="1">
+                        <a:latin typeface="Cambria Math" panose="02040503050406030204" pitchFamily="18" charset="0"/>
+                      </a:rPr>
+                      <m:t>+</m:t>
+                    </m:r>
+                    <m:r>
+                      <a:rPr lang="fr-BE" i="1" smtClean="0">
+                        <a:solidFill>
+                          <a:schemeClr val="accent5"/>
+                        </a:solidFill>
+                        <a:latin typeface="Cambria Math" panose="02040503050406030204" pitchFamily="18" charset="0"/>
+                      </a:rPr>
+                      <m:t>𝑂</m:t>
+                    </m:r>
+                    <m:r>
+                      <a:rPr lang="fr-BE" i="1" smtClean="0">
+                        <a:solidFill>
+                          <a:schemeClr val="accent5"/>
+                        </a:solidFill>
+                        <a:latin typeface="Cambria Math" panose="02040503050406030204" pitchFamily="18" charset="0"/>
+                      </a:rPr>
+                      <m:t>(</m:t>
+                    </m:r>
+                    <m:sSup>
+                      <m:sSupPr>
+                        <m:ctrlPr>
+                          <a:rPr lang="fr-BE" b="0" i="1" smtClean="0">
+                            <a:solidFill>
+                              <a:schemeClr val="accent5"/>
+                            </a:solidFill>
+                            <a:latin typeface="Cambria Math" panose="02040503050406030204" pitchFamily="18" charset="0"/>
+                          </a:rPr>
+                        </m:ctrlPr>
+                      </m:sSupPr>
+                      <m:e>
+                        <m:r>
+                          <a:rPr lang="fr-BE" b="0" i="1" smtClean="0">
+                            <a:solidFill>
+                              <a:schemeClr val="accent5"/>
+                            </a:solidFill>
+                            <a:latin typeface="Cambria Math" panose="02040503050406030204" pitchFamily="18" charset="0"/>
+                          </a:rPr>
+                          <m:t>h</m:t>
+                        </m:r>
+                      </m:e>
+                      <m:sup>
+                        <m:r>
+                          <a:rPr lang="fr-BE" b="0" i="1" smtClean="0">
+                            <a:solidFill>
+                              <a:schemeClr val="accent5"/>
+                            </a:solidFill>
+                            <a:latin typeface="Cambria Math" panose="02040503050406030204" pitchFamily="18" charset="0"/>
+                          </a:rPr>
+                          <m:t>2</m:t>
+                        </m:r>
+                      </m:sup>
+                    </m:sSup>
+                    <m:r>
+                      <a:rPr lang="fr-BE" i="1">
+                        <a:solidFill>
+                          <a:schemeClr val="accent5"/>
+                        </a:solidFill>
+                        <a:latin typeface="Cambria Math" panose="02040503050406030204" pitchFamily="18" charset="0"/>
+                      </a:rPr>
+                      <m:t>)</m:t>
+                    </m:r>
+                    <m:r>
+                      <a:rPr lang="fr-BE" b="0" i="1" smtClean="0">
+                        <a:latin typeface="Cambria Math" panose="02040503050406030204" pitchFamily="18" charset="0"/>
+                      </a:rPr>
+                      <m:t>=0</m:t>
+                    </m:r>
+                  </m:oMath>
+                </a14:m>
+                <a:endParaRPr lang="fr-BE" dirty="0" smtClean="0"/>
+              </a:p>
+              <a:p>
+                <a:r>
+                  <a:rPr lang="fr-BE" dirty="0" smtClean="0"/>
+                  <a:t>Consistance</a:t>
+                </a:r>
+              </a:p>
+              <a:p>
+                <a:pPr marL="0" indent="0">
+                  <a:buNone/>
+                </a:pPr>
+                <a:r>
+                  <a:rPr lang="fr-BE" dirty="0" smtClean="0"/>
+                  <a:t>L’erreur de troncature </a:t>
+                </a:r>
+                <a:r>
+                  <a:rPr lang="el-GR" dirty="0" smtClean="0">
+                    <a:latin typeface="Calibri" panose="020F0502020204030204" pitchFamily="34" charset="0"/>
+                    <a:cs typeface="Calibri" panose="020F0502020204030204" pitchFamily="34" charset="0"/>
+                  </a:rPr>
+                  <a:t>τ</a:t>
+                </a:r>
+                <a:r>
+                  <a:rPr lang="fr-BE" dirty="0" smtClean="0">
+                    <a:latin typeface="Calibri" panose="020F0502020204030204" pitchFamily="34" charset="0"/>
+                    <a:cs typeface="Calibri" panose="020F0502020204030204" pitchFamily="34" charset="0"/>
+                  </a:rPr>
+                  <a:t> est de l’ordre de </a:t>
+                </a:r>
+                <a14:m>
+                  <m:oMath xmlns:m="http://schemas.openxmlformats.org/officeDocument/2006/math">
+                    <m:r>
+                      <a:rPr lang="fr-BE" i="1">
+                        <a:latin typeface="Cambria Math" panose="02040503050406030204" pitchFamily="18" charset="0"/>
+                      </a:rPr>
+                      <m:t>𝑂</m:t>
+                    </m:r>
+                    <m:r>
+                      <a:rPr lang="fr-BE" i="1">
+                        <a:latin typeface="Cambria Math" panose="02040503050406030204" pitchFamily="18" charset="0"/>
+                      </a:rPr>
+                      <m:t>(</m:t>
+                    </m:r>
+                    <m:r>
+                      <a:rPr lang="fr-BE" i="1">
+                        <a:latin typeface="Cambria Math" panose="02040503050406030204" pitchFamily="18" charset="0"/>
+                      </a:rPr>
+                      <m:t>𝑘</m:t>
+                    </m:r>
+                    <m:r>
+                      <a:rPr lang="fr-BE" b="0" i="1" smtClean="0">
+                        <a:latin typeface="Cambria Math" panose="02040503050406030204" pitchFamily="18" charset="0"/>
+                      </a:rPr>
+                      <m:t>,</m:t>
+                    </m:r>
+                    <m:r>
+                      <a:rPr lang="fr-BE" b="0" i="1" smtClean="0">
+                        <a:latin typeface="Cambria Math" panose="02040503050406030204" pitchFamily="18" charset="0"/>
+                      </a:rPr>
+                      <m:t>h</m:t>
+                    </m:r>
+                    <m:r>
+                      <a:rPr lang="fr-BE" i="1">
+                        <a:latin typeface="Cambria Math" panose="02040503050406030204" pitchFamily="18" charset="0"/>
+                      </a:rPr>
+                      <m:t>)</m:t>
+                    </m:r>
+                  </m:oMath>
+                </a14:m>
+                <a:r>
+                  <a:rPr lang="fr-BE" dirty="0" smtClean="0"/>
+                  <a:t>.</a:t>
+                </a:r>
+              </a:p>
+              <a:p>
+                <a:pPr marL="0" indent="0">
+                  <a:buNone/>
+                </a:pPr>
+                <a:r>
+                  <a:rPr lang="fr-BE" dirty="0"/>
+                  <a:t>Dès lors, lorsque </a:t>
+                </a:r>
+                <a14:m>
+                  <m:oMath xmlns:m="http://schemas.openxmlformats.org/officeDocument/2006/math">
+                    <m:r>
+                      <a:rPr lang="fr-BE" i="1">
+                        <a:latin typeface="Cambria Math" panose="02040503050406030204" pitchFamily="18" charset="0"/>
+                      </a:rPr>
+                      <m:t>𝑘</m:t>
+                    </m:r>
+                    <m:r>
+                      <a:rPr lang="fr-BE" i="1">
+                        <a:latin typeface="Cambria Math" panose="02040503050406030204" pitchFamily="18" charset="0"/>
+                      </a:rPr>
+                      <m:t> →0</m:t>
+                    </m:r>
+                  </m:oMath>
+                </a14:m>
+                <a:r>
+                  <a:rPr lang="fr-BE" dirty="0"/>
+                  <a:t> et </a:t>
+                </a:r>
+                <a14:m>
+                  <m:oMath xmlns:m="http://schemas.openxmlformats.org/officeDocument/2006/math">
+                    <m:r>
+                      <a:rPr lang="fr-BE" i="1">
+                        <a:latin typeface="Cambria Math" panose="02040503050406030204" pitchFamily="18" charset="0"/>
+                      </a:rPr>
+                      <m:t>h</m:t>
+                    </m:r>
+                    <m:r>
+                      <a:rPr lang="fr-BE" b="0" i="1" smtClean="0">
+                        <a:latin typeface="Cambria Math" panose="02040503050406030204" pitchFamily="18" charset="0"/>
+                      </a:rPr>
+                      <m:t>→</m:t>
+                    </m:r>
+                    <m:r>
+                      <a:rPr lang="fr-BE" i="1">
+                        <a:latin typeface="Cambria Math" panose="02040503050406030204" pitchFamily="18" charset="0"/>
+                      </a:rPr>
+                      <m:t>0</m:t>
+                    </m:r>
+                  </m:oMath>
+                </a14:m>
+                <a:r>
+                  <a:rPr lang="fr-BE" dirty="0"/>
+                  <a:t>, l’erreur de </a:t>
+                </a:r>
+                <a:r>
+                  <a:rPr lang="fr-BE" dirty="0" smtClean="0"/>
+                  <a:t>troncature </a:t>
+                </a:r>
+                <a:r>
+                  <a:rPr lang="el-GR" dirty="0">
+                    <a:latin typeface="Calibri" panose="020F0502020204030204" pitchFamily="34" charset="0"/>
+                    <a:cs typeface="Calibri" panose="020F0502020204030204" pitchFamily="34" charset="0"/>
+                  </a:rPr>
+                  <a:t>τ</a:t>
+                </a:r>
+                <a:r>
+                  <a:rPr lang="fr-BE" dirty="0" smtClean="0"/>
+                  <a:t> </a:t>
+                </a:r>
+                <a:r>
+                  <a:rPr lang="fr-BE" dirty="0"/>
+                  <a:t>tend vers </a:t>
+                </a:r>
+                <a14:m>
+                  <m:oMath xmlns:m="http://schemas.openxmlformats.org/officeDocument/2006/math">
+                    <m:r>
+                      <a:rPr lang="fr-BE" i="1">
+                        <a:latin typeface="Cambria Math" panose="02040503050406030204" pitchFamily="18" charset="0"/>
+                      </a:rPr>
+                      <m:t>0</m:t>
+                    </m:r>
+                  </m:oMath>
+                </a14:m>
+                <a:r>
+                  <a:rPr lang="fr-BE" dirty="0"/>
+                  <a:t>, ce qui prouve la consistance du schéma. </a:t>
+                </a:r>
+              </a:p>
+            </p:txBody>
+          </p:sp>
+        </mc:Choice>
+        <mc:Fallback>
+          <p:sp>
+            <p:nvSpPr>
+              <p:cNvPr id="7" name="Espace réservé du contenu 2"/>
+              <p:cNvSpPr>
+                <a:spLocks noGrp="1" noRot="1" noChangeAspect="1" noMove="1" noResize="1" noEditPoints="1" noAdjustHandles="1" noChangeArrowheads="1" noChangeShapeType="1" noTextEdit="1"/>
+              </p:cNvSpPr>
+              <p:nvPr>
+                <p:ph idx="1"/>
+              </p:nvPr>
+            </p:nvSpPr>
+            <p:spPr>
+              <a:xfrm>
+                <a:off x="677334" y="2160589"/>
+                <a:ext cx="8809566" cy="3880773"/>
+              </a:xfrm>
+              <a:blipFill>
+                <a:blip r:embed="rId2"/>
+                <a:stretch>
+                  <a:fillRect l="-554" t="-942"/>
+                </a:stretch>
+              </a:blipFill>
+            </p:spPr>
+            <p:txBody>
+              <a:bodyPr/>
+              <a:lstStyle/>
+              <a:p>
+                <a:r>
+                  <a:rPr lang="fr-BE">
+                    <a:noFill/>
+                  </a:rPr>
+                  <a:t> </a:t>
+                </a:r>
+              </a:p>
+            </p:txBody>
+          </p:sp>
+        </mc:Fallback>
+      </mc:AlternateContent>
     </p:spTree>
     <p:extLst>
       <p:ext uri="{BB962C8B-B14F-4D97-AF65-F5344CB8AC3E}">
@@ -23442,6 +25381,130 @@
           <a:chExt cx="0" cy="0"/>
         </a:xfrm>
       </p:grpSpPr>
+      <p:pic>
+        <p:nvPicPr>
+          <p:cNvPr id="4" name="Espace réservé du contenu 3"/>
+          <p:cNvPicPr>
+            <a:picLocks noGrp="1" noChangeAspect="1"/>
+          </p:cNvPicPr>
+          <p:nvPr>
+            <p:ph idx="1"/>
+          </p:nvPr>
+        </p:nvPicPr>
+        <p:blipFill rotWithShape="1">
+          <a:blip r:embed="rId2">
+            <a:extLst>
+              <a:ext uri="{28A0092B-C50C-407E-A947-70E740481C1C}">
+                <a14:useLocalDpi xmlns:a14="http://schemas.microsoft.com/office/drawing/2010/main" val="0"/>
+              </a:ext>
+            </a:extLst>
+          </a:blip>
+          <a:srcRect l="10673" t="27870" r="11812" b="16237"/>
+          <a:stretch/>
+        </p:blipFill>
+        <p:spPr>
+          <a:xfrm>
+            <a:off x="1062890" y="2619185"/>
+            <a:ext cx="8123464" cy="3587371"/>
+          </a:xfrm>
+        </p:spPr>
+      </p:pic>
+      <p:sp>
+        <p:nvSpPr>
+          <p:cNvPr id="13" name="Rectangle 12"/>
+          <p:cNvSpPr/>
+          <p:nvPr/>
+        </p:nvSpPr>
+        <p:spPr>
+          <a:xfrm>
+            <a:off x="3970575" y="4412870"/>
+            <a:ext cx="448236" cy="428071"/>
+          </a:xfrm>
+          <a:prstGeom prst="rect">
+            <a:avLst/>
+          </a:prstGeom>
+          <a:solidFill>
+            <a:schemeClr val="bg1"/>
+          </a:solidFill>
+          <a:ln>
+            <a:solidFill>
+              <a:schemeClr val="bg1"/>
+            </a:solidFill>
+          </a:ln>
+        </p:spPr>
+        <p:style>
+          <a:lnRef idx="2">
+            <a:schemeClr val="accent1">
+              <a:shade val="50000"/>
+            </a:schemeClr>
+          </a:lnRef>
+          <a:fillRef idx="1">
+            <a:schemeClr val="accent1"/>
+          </a:fillRef>
+          <a:effectRef idx="0">
+            <a:schemeClr val="accent1"/>
+          </a:effectRef>
+          <a:fontRef idx="minor">
+            <a:schemeClr val="lt1"/>
+          </a:fontRef>
+        </p:style>
+        <p:txBody>
+          <a:bodyPr rtlCol="0" anchor="ctr"/>
+          <a:lstStyle/>
+          <a:p>
+            <a:pPr algn="ctr"/>
+            <a:endParaRPr lang="fr-BE"/>
+          </a:p>
+        </p:txBody>
+      </p:sp>
+      <p:sp>
+        <p:nvSpPr>
+          <p:cNvPr id="14" name="Rectangle 13"/>
+          <p:cNvSpPr/>
+          <p:nvPr/>
+        </p:nvSpPr>
+        <p:spPr>
+          <a:xfrm>
+            <a:off x="2677886" y="4412870"/>
+            <a:ext cx="522513" cy="428071"/>
+          </a:xfrm>
+          <a:prstGeom prst="rect">
+            <a:avLst/>
+          </a:prstGeom>
+          <a:solidFill>
+            <a:schemeClr val="bg1"/>
+          </a:solidFill>
+          <a:ln>
+            <a:solidFill>
+              <a:schemeClr val="bg1"/>
+            </a:solidFill>
+          </a:ln>
+        </p:spPr>
+        <p:style>
+          <a:lnRef idx="2">
+            <a:schemeClr val="accent1">
+              <a:shade val="50000"/>
+            </a:schemeClr>
+          </a:lnRef>
+          <a:fillRef idx="1">
+            <a:schemeClr val="accent1"/>
+          </a:fillRef>
+          <a:effectRef idx="0">
+            <a:schemeClr val="accent1"/>
+          </a:effectRef>
+          <a:fontRef idx="minor">
+            <a:schemeClr val="lt1"/>
+          </a:fontRef>
+        </p:style>
+        <p:txBody>
+          <a:bodyPr rtlCol="0" anchor="ctr"/>
+          <a:lstStyle/>
+          <a:p>
+            <a:pPr algn="ctr"/>
+            <a:endParaRPr lang="fr-BE"/>
+          </a:p>
+        </p:txBody>
+      </p:sp>
       <p:sp>
         <p:nvSpPr>
           <p:cNvPr id="2" name="Titre 1"/>
@@ -23473,35 +25536,6 @@
           </a:p>
         </p:txBody>
       </p:sp>
-      <p:pic>
-        <p:nvPicPr>
-          <p:cNvPr id="4" name="Espace réservé du contenu 3"/>
-          <p:cNvPicPr>
-            <a:picLocks noGrp="1" noChangeAspect="1"/>
-          </p:cNvPicPr>
-          <p:nvPr>
-            <p:ph idx="1"/>
-          </p:nvPr>
-        </p:nvPicPr>
-        <p:blipFill>
-          <a:blip r:embed="rId2">
-            <a:extLst>
-              <a:ext uri="{28A0092B-C50C-407E-A947-70E740481C1C}">
-                <a14:useLocalDpi xmlns:a14="http://schemas.microsoft.com/office/drawing/2010/main" val="0"/>
-              </a:ext>
-            </a:extLst>
-          </a:blip>
-          <a:stretch>
-            <a:fillRect/>
-          </a:stretch>
-        </p:blipFill>
-        <p:spPr>
-          <a:xfrm>
-            <a:off x="1806806" y="1930400"/>
-            <a:ext cx="6337724" cy="3881437"/>
-          </a:xfrm>
-        </p:spPr>
-      </p:pic>
       <p:sp>
         <p:nvSpPr>
           <p:cNvPr id="5" name="Espace réservé du numéro de diapositive 4"/>
@@ -23534,7 +25568,7 @@
         </p:nvSpPr>
         <p:spPr>
           <a:xfrm>
-            <a:off x="3543299" y="4163786"/>
+            <a:off x="2845812" y="4561591"/>
             <a:ext cx="138793" cy="130628"/>
           </a:xfrm>
           <a:prstGeom prst="ellipse">
@@ -23582,7 +25616,7 @@
         </p:nvSpPr>
         <p:spPr>
           <a:xfrm>
-            <a:off x="4316184" y="4163786"/>
+            <a:off x="4125296" y="4561591"/>
             <a:ext cx="138793" cy="130628"/>
           </a:xfrm>
           <a:prstGeom prst="ellipse">
@@ -23622,6 +25656,1365 @@
           </a:p>
         </p:txBody>
       </p:sp>
+      <mc:AlternateContent xmlns:mc="http://schemas.openxmlformats.org/markup-compatibility/2006">
+        <mc:Choice xmlns:a14="http://schemas.microsoft.com/office/drawing/2010/main" Requires="a14">
+          <p:sp>
+            <p:nvSpPr>
+              <p:cNvPr id="8" name="ZoneTexte 7"/>
+              <p:cNvSpPr txBox="1"/>
+              <p:nvPr/>
+            </p:nvSpPr>
+            <p:spPr>
+              <a:xfrm>
+                <a:off x="2342686" y="1660377"/>
+                <a:ext cx="2286464" cy="618246"/>
+              </a:xfrm>
+              <a:prstGeom prst="rect">
+                <a:avLst/>
+              </a:prstGeom>
+              <a:noFill/>
+            </p:spPr>
+            <p:txBody>
+              <a:bodyPr wrap="square" rtlCol="0">
+                <a:spAutoFit/>
+              </a:bodyPr>
+              <a:lstStyle/>
+              <a:p>
+                <a:pPr/>
+                <a14:m>
+                  <m:oMathPara xmlns:m="http://schemas.openxmlformats.org/officeDocument/2006/math">
+                    <m:oMathParaPr>
+                      <m:jc m:val="left"/>
+                    </m:oMathParaPr>
+                    <m:oMath xmlns:m="http://schemas.openxmlformats.org/officeDocument/2006/math">
+                      <m:r>
+                        <a:rPr lang="fr-BE" b="0" i="1" smtClean="0">
+                          <a:solidFill>
+                            <a:schemeClr val="tx1">
+                              <a:lumMod val="85000"/>
+                              <a:lumOff val="15000"/>
+                            </a:schemeClr>
+                          </a:solidFill>
+                          <a:latin typeface="Cambria Math" panose="02040503050406030204" pitchFamily="18" charset="0"/>
+                        </a:rPr>
+                        <m:t>−</m:t>
+                      </m:r>
+                      <m:f>
+                        <m:fPr>
+                          <m:ctrlPr>
+                            <a:rPr lang="fr-BE" b="0" i="1" smtClean="0">
+                              <a:solidFill>
+                                <a:schemeClr val="tx1">
+                                  <a:lumMod val="85000"/>
+                                  <a:lumOff val="15000"/>
+                                </a:schemeClr>
+                              </a:solidFill>
+                              <a:latin typeface="Cambria Math" panose="02040503050406030204" pitchFamily="18" charset="0"/>
+                            </a:rPr>
+                          </m:ctrlPr>
+                        </m:fPr>
+                        <m:num>
+                          <m:r>
+                            <a:rPr lang="fr-BE" b="0" i="1" smtClean="0">
+                              <a:solidFill>
+                                <a:schemeClr val="tx1">
+                                  <a:lumMod val="85000"/>
+                                  <a:lumOff val="15000"/>
+                                </a:schemeClr>
+                              </a:solidFill>
+                              <a:latin typeface="Cambria Math" panose="02040503050406030204" pitchFamily="18" charset="0"/>
+                            </a:rPr>
+                            <m:t>𝑘</m:t>
+                          </m:r>
+                        </m:num>
+                        <m:den>
+                          <m:r>
+                            <a:rPr lang="fr-BE" b="0" i="1" smtClean="0">
+                              <a:solidFill>
+                                <a:schemeClr val="tx1">
+                                  <a:lumMod val="85000"/>
+                                  <a:lumOff val="15000"/>
+                                </a:schemeClr>
+                              </a:solidFill>
+                              <a:latin typeface="Cambria Math" panose="02040503050406030204" pitchFamily="18" charset="0"/>
+                            </a:rPr>
+                            <m:t>h</m:t>
+                          </m:r>
+                        </m:den>
+                      </m:f>
+                      <m:sSub>
+                        <m:sSubPr>
+                          <m:ctrlPr>
+                            <a:rPr lang="fr-BE" i="1">
+                              <a:solidFill>
+                                <a:schemeClr val="tx1">
+                                  <a:lumMod val="85000"/>
+                                  <a:lumOff val="15000"/>
+                                </a:schemeClr>
+                              </a:solidFill>
+                              <a:latin typeface="Cambria Math" panose="02040503050406030204" pitchFamily="18" charset="0"/>
+                            </a:rPr>
+                          </m:ctrlPr>
+                        </m:sSubPr>
+                        <m:e>
+                          <m:r>
+                            <a:rPr lang="fr-BE" i="1">
+                              <a:solidFill>
+                                <a:schemeClr val="tx1">
+                                  <a:lumMod val="85000"/>
+                                  <a:lumOff val="15000"/>
+                                </a:schemeClr>
+                              </a:solidFill>
+                              <a:latin typeface="Cambria Math" panose="02040503050406030204" pitchFamily="18" charset="0"/>
+                            </a:rPr>
+                            <m:t>𝑢</m:t>
+                          </m:r>
+                        </m:e>
+                        <m:sub>
+                          <m:r>
+                            <a:rPr lang="fr-BE" i="1">
+                              <a:solidFill>
+                                <a:schemeClr val="tx1">
+                                  <a:lumMod val="85000"/>
+                                  <a:lumOff val="15000"/>
+                                </a:schemeClr>
+                              </a:solidFill>
+                              <a:latin typeface="Cambria Math" panose="02040503050406030204" pitchFamily="18" charset="0"/>
+                            </a:rPr>
+                            <m:t>𝑖</m:t>
+                          </m:r>
+                          <m:r>
+                            <a:rPr lang="fr-BE" i="1">
+                              <a:solidFill>
+                                <a:schemeClr val="tx1">
+                                  <a:lumMod val="85000"/>
+                                  <a:lumOff val="15000"/>
+                                </a:schemeClr>
+                              </a:solidFill>
+                              <a:latin typeface="Cambria Math" panose="02040503050406030204" pitchFamily="18" charset="0"/>
+                            </a:rPr>
+                            <m:t>,</m:t>
+                          </m:r>
+                          <m:r>
+                            <a:rPr lang="fr-BE" i="1">
+                              <a:solidFill>
+                                <a:schemeClr val="tx1">
+                                  <a:lumMod val="85000"/>
+                                  <a:lumOff val="15000"/>
+                                </a:schemeClr>
+                              </a:solidFill>
+                              <a:latin typeface="Cambria Math" panose="02040503050406030204" pitchFamily="18" charset="0"/>
+                            </a:rPr>
+                            <m:t>𝑗</m:t>
+                          </m:r>
+                        </m:sub>
+                      </m:sSub>
+                      <m:d>
+                        <m:dPr>
+                          <m:ctrlPr>
+                            <a:rPr lang="fr-BE" b="0" i="1" smtClean="0">
+                              <a:solidFill>
+                                <a:schemeClr val="tx1">
+                                  <a:lumMod val="85000"/>
+                                  <a:lumOff val="15000"/>
+                                </a:schemeClr>
+                              </a:solidFill>
+                              <a:latin typeface="Cambria Math" panose="02040503050406030204" pitchFamily="18" charset="0"/>
+                            </a:rPr>
+                          </m:ctrlPr>
+                        </m:dPr>
+                        <m:e>
+                          <m:sSub>
+                            <m:sSubPr>
+                              <m:ctrlPr>
+                                <a:rPr lang="fr-BE" i="1">
+                                  <a:solidFill>
+                                    <a:schemeClr val="tx1">
+                                      <a:lumMod val="85000"/>
+                                      <a:lumOff val="15000"/>
+                                    </a:schemeClr>
+                                  </a:solidFill>
+                                  <a:latin typeface="Cambria Math" panose="02040503050406030204" pitchFamily="18" charset="0"/>
+                                </a:rPr>
+                              </m:ctrlPr>
+                            </m:sSubPr>
+                            <m:e>
+                              <m:r>
+                                <a:rPr lang="fr-BE" i="1">
+                                  <a:solidFill>
+                                    <a:schemeClr val="tx1">
+                                      <a:lumMod val="85000"/>
+                                      <a:lumOff val="15000"/>
+                                    </a:schemeClr>
+                                  </a:solidFill>
+                                  <a:latin typeface="Cambria Math" panose="02040503050406030204" pitchFamily="18" charset="0"/>
+                                </a:rPr>
+                                <m:t>𝑢</m:t>
+                              </m:r>
+                            </m:e>
+                            <m:sub>
+                              <m:r>
+                                <a:rPr lang="fr-BE" i="1">
+                                  <a:solidFill>
+                                    <a:schemeClr val="tx1">
+                                      <a:lumMod val="85000"/>
+                                      <a:lumOff val="15000"/>
+                                    </a:schemeClr>
+                                  </a:solidFill>
+                                  <a:latin typeface="Cambria Math" panose="02040503050406030204" pitchFamily="18" charset="0"/>
+                                </a:rPr>
+                                <m:t>𝑖</m:t>
+                              </m:r>
+                              <m:r>
+                                <a:rPr lang="fr-BE" i="1">
+                                  <a:solidFill>
+                                    <a:schemeClr val="tx1">
+                                      <a:lumMod val="85000"/>
+                                      <a:lumOff val="15000"/>
+                                    </a:schemeClr>
+                                  </a:solidFill>
+                                  <a:latin typeface="Cambria Math" panose="02040503050406030204" pitchFamily="18" charset="0"/>
+                                </a:rPr>
+                                <m:t>,</m:t>
+                              </m:r>
+                              <m:r>
+                                <a:rPr lang="fr-BE" i="1">
+                                  <a:solidFill>
+                                    <a:schemeClr val="tx1">
+                                      <a:lumMod val="85000"/>
+                                      <a:lumOff val="15000"/>
+                                    </a:schemeClr>
+                                  </a:solidFill>
+                                  <a:latin typeface="Cambria Math" panose="02040503050406030204" pitchFamily="18" charset="0"/>
+                                </a:rPr>
+                                <m:t>𝑗</m:t>
+                              </m:r>
+                            </m:sub>
+                          </m:sSub>
+                          <m:r>
+                            <a:rPr lang="fr-BE" b="0" i="1" smtClean="0">
+                              <a:solidFill>
+                                <a:schemeClr val="tx1">
+                                  <a:lumMod val="85000"/>
+                                  <a:lumOff val="15000"/>
+                                </a:schemeClr>
+                              </a:solidFill>
+                              <a:latin typeface="Cambria Math" panose="02040503050406030204" pitchFamily="18" charset="0"/>
+                            </a:rPr>
+                            <m:t>−</m:t>
+                          </m:r>
+                          <m:sSub>
+                            <m:sSubPr>
+                              <m:ctrlPr>
+                                <a:rPr lang="fr-BE" i="1">
+                                  <a:solidFill>
+                                    <a:schemeClr val="tx1">
+                                      <a:lumMod val="85000"/>
+                                      <a:lumOff val="15000"/>
+                                    </a:schemeClr>
+                                  </a:solidFill>
+                                  <a:latin typeface="Cambria Math" panose="02040503050406030204" pitchFamily="18" charset="0"/>
+                                </a:rPr>
+                              </m:ctrlPr>
+                            </m:sSubPr>
+                            <m:e>
+                              <m:r>
+                                <a:rPr lang="fr-BE" i="1">
+                                  <a:solidFill>
+                                    <a:schemeClr val="tx1">
+                                      <a:lumMod val="85000"/>
+                                      <a:lumOff val="15000"/>
+                                    </a:schemeClr>
+                                  </a:solidFill>
+                                  <a:latin typeface="Cambria Math" panose="02040503050406030204" pitchFamily="18" charset="0"/>
+                                </a:rPr>
+                                <m:t>𝑢</m:t>
+                              </m:r>
+                            </m:e>
+                            <m:sub>
+                              <m:r>
+                                <a:rPr lang="fr-BE" i="1">
+                                  <a:solidFill>
+                                    <a:schemeClr val="tx1">
+                                      <a:lumMod val="85000"/>
+                                      <a:lumOff val="15000"/>
+                                    </a:schemeClr>
+                                  </a:solidFill>
+                                  <a:latin typeface="Cambria Math" panose="02040503050406030204" pitchFamily="18" charset="0"/>
+                                </a:rPr>
+                                <m:t>𝑖</m:t>
+                              </m:r>
+                              <m:r>
+                                <a:rPr lang="fr-BE" b="0" i="1" smtClean="0">
+                                  <a:solidFill>
+                                    <a:schemeClr val="tx1">
+                                      <a:lumMod val="85000"/>
+                                      <a:lumOff val="15000"/>
+                                    </a:schemeClr>
+                                  </a:solidFill>
+                                  <a:latin typeface="Cambria Math" panose="02040503050406030204" pitchFamily="18" charset="0"/>
+                                </a:rPr>
+                                <m:t>−1</m:t>
+                              </m:r>
+                              <m:r>
+                                <a:rPr lang="fr-BE" i="1">
+                                  <a:solidFill>
+                                    <a:schemeClr val="tx1">
+                                      <a:lumMod val="85000"/>
+                                      <a:lumOff val="15000"/>
+                                    </a:schemeClr>
+                                  </a:solidFill>
+                                  <a:latin typeface="Cambria Math" panose="02040503050406030204" pitchFamily="18" charset="0"/>
+                                </a:rPr>
+                                <m:t>,</m:t>
+                              </m:r>
+                              <m:r>
+                                <a:rPr lang="fr-BE" i="1">
+                                  <a:solidFill>
+                                    <a:schemeClr val="tx1">
+                                      <a:lumMod val="85000"/>
+                                      <a:lumOff val="15000"/>
+                                    </a:schemeClr>
+                                  </a:solidFill>
+                                  <a:latin typeface="Cambria Math" panose="02040503050406030204" pitchFamily="18" charset="0"/>
+                                </a:rPr>
+                                <m:t>𝑗</m:t>
+                              </m:r>
+                            </m:sub>
+                          </m:sSub>
+                        </m:e>
+                      </m:d>
+                    </m:oMath>
+                  </m:oMathPara>
+                </a14:m>
+                <a:endParaRPr lang="fr-BE" dirty="0">
+                  <a:solidFill>
+                    <a:schemeClr val="tx1">
+                      <a:lumMod val="85000"/>
+                      <a:lumOff val="15000"/>
+                    </a:schemeClr>
+                  </a:solidFill>
+                </a:endParaRPr>
+              </a:p>
+            </p:txBody>
+          </p:sp>
+        </mc:Choice>
+        <mc:Fallback>
+          <p:sp>
+            <p:nvSpPr>
+              <p:cNvPr id="8" name="ZoneTexte 7"/>
+              <p:cNvSpPr txBox="1">
+                <a:spLocks noRot="1" noChangeAspect="1" noMove="1" noResize="1" noEditPoints="1" noAdjustHandles="1" noChangeArrowheads="1" noChangeShapeType="1" noTextEdit="1"/>
+              </p:cNvSpPr>
+              <p:nvPr/>
+            </p:nvSpPr>
+            <p:spPr>
+              <a:xfrm>
+                <a:off x="2342686" y="1660377"/>
+                <a:ext cx="2286464" cy="618246"/>
+              </a:xfrm>
+              <a:prstGeom prst="rect">
+                <a:avLst/>
+              </a:prstGeom>
+              <a:blipFill>
+                <a:blip r:embed="rId3"/>
+                <a:stretch>
+                  <a:fillRect/>
+                </a:stretch>
+              </a:blipFill>
+            </p:spPr>
+            <p:txBody>
+              <a:bodyPr/>
+              <a:lstStyle/>
+              <a:p>
+                <a:r>
+                  <a:rPr lang="fr-BE">
+                    <a:noFill/>
+                  </a:rPr>
+                  <a:t> </a:t>
+                </a:r>
+              </a:p>
+            </p:txBody>
+          </p:sp>
+        </mc:Fallback>
+      </mc:AlternateContent>
+      <mc:AlternateContent xmlns:mc="http://schemas.openxmlformats.org/markup-compatibility/2006">
+        <mc:Choice xmlns:a14="http://schemas.microsoft.com/office/drawing/2010/main" Requires="a14">
+          <p:sp>
+            <p:nvSpPr>
+              <p:cNvPr id="9" name="ZoneTexte 8"/>
+              <p:cNvSpPr txBox="1"/>
+              <p:nvPr/>
+            </p:nvSpPr>
+            <p:spPr>
+              <a:xfrm>
+                <a:off x="1066336" y="1773677"/>
+                <a:ext cx="1407923" cy="391646"/>
+              </a:xfrm>
+              <a:prstGeom prst="rect">
+                <a:avLst/>
+              </a:prstGeom>
+              <a:noFill/>
+            </p:spPr>
+            <p:txBody>
+              <a:bodyPr wrap="square" rtlCol="0">
+                <a:spAutoFit/>
+              </a:bodyPr>
+              <a:lstStyle/>
+              <a:p>
+                <a:pPr/>
+                <a14:m>
+                  <m:oMathPara xmlns:m="http://schemas.openxmlformats.org/officeDocument/2006/math">
+                    <m:oMathParaPr>
+                      <m:jc m:val="left"/>
+                    </m:oMathParaPr>
+                    <m:oMath xmlns:m="http://schemas.openxmlformats.org/officeDocument/2006/math">
+                      <m:sSub>
+                        <m:sSubPr>
+                          <m:ctrlPr>
+                            <a:rPr lang="fr-BE" i="1" smtClean="0">
+                              <a:solidFill>
+                                <a:schemeClr val="tx1">
+                                  <a:lumMod val="85000"/>
+                                  <a:lumOff val="15000"/>
+                                </a:schemeClr>
+                              </a:solidFill>
+                              <a:latin typeface="Cambria Math" panose="02040503050406030204" pitchFamily="18" charset="0"/>
+                            </a:rPr>
+                          </m:ctrlPr>
+                        </m:sSubPr>
+                        <m:e>
+                          <m:r>
+                            <a:rPr lang="fr-BE" b="0" i="1" smtClean="0">
+                              <a:solidFill>
+                                <a:schemeClr val="tx1">
+                                  <a:lumMod val="85000"/>
+                                  <a:lumOff val="15000"/>
+                                </a:schemeClr>
+                              </a:solidFill>
+                              <a:latin typeface="Cambria Math" panose="02040503050406030204" pitchFamily="18" charset="0"/>
+                            </a:rPr>
+                            <m:t>𝑢</m:t>
+                          </m:r>
+                        </m:e>
+                        <m:sub>
+                          <m:r>
+                            <a:rPr lang="fr-BE" b="0" i="1" smtClean="0">
+                              <a:solidFill>
+                                <a:schemeClr val="tx1">
+                                  <a:lumMod val="85000"/>
+                                  <a:lumOff val="15000"/>
+                                </a:schemeClr>
+                              </a:solidFill>
+                              <a:latin typeface="Cambria Math" panose="02040503050406030204" pitchFamily="18" charset="0"/>
+                            </a:rPr>
+                            <m:t>𝑖</m:t>
+                          </m:r>
+                          <m:r>
+                            <a:rPr lang="fr-BE" b="0" i="1" smtClean="0">
+                              <a:solidFill>
+                                <a:schemeClr val="tx1">
+                                  <a:lumMod val="85000"/>
+                                  <a:lumOff val="15000"/>
+                                </a:schemeClr>
+                              </a:solidFill>
+                              <a:latin typeface="Cambria Math" panose="02040503050406030204" pitchFamily="18" charset="0"/>
+                            </a:rPr>
+                            <m:t>,</m:t>
+                          </m:r>
+                          <m:r>
+                            <a:rPr lang="fr-BE" b="0" i="1" smtClean="0">
+                              <a:solidFill>
+                                <a:schemeClr val="tx1">
+                                  <a:lumMod val="85000"/>
+                                  <a:lumOff val="15000"/>
+                                </a:schemeClr>
+                              </a:solidFill>
+                              <a:latin typeface="Cambria Math" panose="02040503050406030204" pitchFamily="18" charset="0"/>
+                            </a:rPr>
+                            <m:t>𝑗</m:t>
+                          </m:r>
+                          <m:r>
+                            <a:rPr lang="fr-BE" b="0" i="1" smtClean="0">
+                              <a:solidFill>
+                                <a:schemeClr val="tx1">
+                                  <a:lumMod val="85000"/>
+                                  <a:lumOff val="15000"/>
+                                </a:schemeClr>
+                              </a:solidFill>
+                              <a:latin typeface="Cambria Math" panose="02040503050406030204" pitchFamily="18" charset="0"/>
+                            </a:rPr>
+                            <m:t>+1</m:t>
+                          </m:r>
+                        </m:sub>
+                      </m:sSub>
+                      <m:r>
+                        <a:rPr lang="fr-BE" b="0" i="1" smtClean="0">
+                          <a:solidFill>
+                            <a:schemeClr val="tx1">
+                              <a:lumMod val="85000"/>
+                              <a:lumOff val="15000"/>
+                            </a:schemeClr>
+                          </a:solidFill>
+                          <a:latin typeface="Cambria Math" panose="02040503050406030204" pitchFamily="18" charset="0"/>
+                        </a:rPr>
+                        <m:t>=</m:t>
+                      </m:r>
+                      <m:sSub>
+                        <m:sSubPr>
+                          <m:ctrlPr>
+                            <a:rPr lang="fr-BE" b="0" i="1" smtClean="0">
+                              <a:solidFill>
+                                <a:schemeClr val="tx1">
+                                  <a:lumMod val="85000"/>
+                                  <a:lumOff val="15000"/>
+                                </a:schemeClr>
+                              </a:solidFill>
+                              <a:latin typeface="Cambria Math" panose="02040503050406030204" pitchFamily="18" charset="0"/>
+                            </a:rPr>
+                          </m:ctrlPr>
+                        </m:sSubPr>
+                        <m:e>
+                          <m:r>
+                            <a:rPr lang="fr-BE" b="0" i="1" smtClean="0">
+                              <a:solidFill>
+                                <a:schemeClr val="tx1">
+                                  <a:lumMod val="85000"/>
+                                  <a:lumOff val="15000"/>
+                                </a:schemeClr>
+                              </a:solidFill>
+                              <a:latin typeface="Cambria Math" panose="02040503050406030204" pitchFamily="18" charset="0"/>
+                            </a:rPr>
+                            <m:t>𝑢</m:t>
+                          </m:r>
+                        </m:e>
+                        <m:sub>
+                          <m:r>
+                            <a:rPr lang="fr-BE" b="0" i="1" smtClean="0">
+                              <a:solidFill>
+                                <a:schemeClr val="tx1">
+                                  <a:lumMod val="85000"/>
+                                  <a:lumOff val="15000"/>
+                                </a:schemeClr>
+                              </a:solidFill>
+                              <a:latin typeface="Cambria Math" panose="02040503050406030204" pitchFamily="18" charset="0"/>
+                            </a:rPr>
+                            <m:t>𝑖</m:t>
+                          </m:r>
+                          <m:r>
+                            <a:rPr lang="fr-BE" b="0" i="1" smtClean="0">
+                              <a:solidFill>
+                                <a:schemeClr val="tx1">
+                                  <a:lumMod val="85000"/>
+                                  <a:lumOff val="15000"/>
+                                </a:schemeClr>
+                              </a:solidFill>
+                              <a:latin typeface="Cambria Math" panose="02040503050406030204" pitchFamily="18" charset="0"/>
+                            </a:rPr>
+                            <m:t>,</m:t>
+                          </m:r>
+                          <m:r>
+                            <a:rPr lang="fr-BE" b="0" i="1" smtClean="0">
+                              <a:solidFill>
+                                <a:schemeClr val="tx1">
+                                  <a:lumMod val="85000"/>
+                                  <a:lumOff val="15000"/>
+                                </a:schemeClr>
+                              </a:solidFill>
+                              <a:latin typeface="Cambria Math" panose="02040503050406030204" pitchFamily="18" charset="0"/>
+                            </a:rPr>
+                            <m:t>𝑗</m:t>
+                          </m:r>
+                        </m:sub>
+                      </m:sSub>
+                    </m:oMath>
+                  </m:oMathPara>
+                </a14:m>
+                <a:endParaRPr lang="fr-BE" dirty="0">
+                  <a:solidFill>
+                    <a:schemeClr val="tx1">
+                      <a:lumMod val="85000"/>
+                      <a:lumOff val="15000"/>
+                    </a:schemeClr>
+                  </a:solidFill>
+                </a:endParaRPr>
+              </a:p>
+            </p:txBody>
+          </p:sp>
+        </mc:Choice>
+        <mc:Fallback>
+          <p:sp>
+            <p:nvSpPr>
+              <p:cNvPr id="9" name="ZoneTexte 8"/>
+              <p:cNvSpPr txBox="1">
+                <a:spLocks noRot="1" noChangeAspect="1" noMove="1" noResize="1" noEditPoints="1" noAdjustHandles="1" noChangeArrowheads="1" noChangeShapeType="1" noTextEdit="1"/>
+              </p:cNvSpPr>
+              <p:nvPr/>
+            </p:nvSpPr>
+            <p:spPr>
+              <a:xfrm>
+                <a:off x="1066336" y="1773677"/>
+                <a:ext cx="1407923" cy="391646"/>
+              </a:xfrm>
+              <a:prstGeom prst="rect">
+                <a:avLst/>
+              </a:prstGeom>
+              <a:blipFill>
+                <a:blip r:embed="rId4"/>
+                <a:stretch>
+                  <a:fillRect b="-7813"/>
+                </a:stretch>
+              </a:blipFill>
+            </p:spPr>
+            <p:txBody>
+              <a:bodyPr/>
+              <a:lstStyle/>
+              <a:p>
+                <a:r>
+                  <a:rPr lang="fr-BE">
+                    <a:noFill/>
+                  </a:rPr>
+                  <a:t> </a:t>
+                </a:r>
+              </a:p>
+            </p:txBody>
+          </p:sp>
+        </mc:Fallback>
+      </mc:AlternateContent>
+      <mc:AlternateContent xmlns:mc="http://schemas.openxmlformats.org/markup-compatibility/2006">
+        <mc:Choice xmlns:a14="http://schemas.microsoft.com/office/drawing/2010/main" Requires="a14">
+          <p:sp>
+            <p:nvSpPr>
+              <p:cNvPr id="10" name="ZoneTexte 9"/>
+              <p:cNvSpPr txBox="1"/>
+              <p:nvPr/>
+            </p:nvSpPr>
+            <p:spPr>
+              <a:xfrm>
+                <a:off x="4454977" y="1660377"/>
+                <a:ext cx="4477215" cy="618246"/>
+              </a:xfrm>
+              <a:prstGeom prst="rect">
+                <a:avLst/>
+              </a:prstGeom>
+              <a:noFill/>
+            </p:spPr>
+            <p:txBody>
+              <a:bodyPr wrap="square" rtlCol="0">
+                <a:spAutoFit/>
+              </a:bodyPr>
+              <a:lstStyle/>
+              <a:p>
+                <a:pPr/>
+                <a14:m>
+                  <m:oMathPara xmlns:m="http://schemas.openxmlformats.org/officeDocument/2006/math">
+                    <m:oMathParaPr>
+                      <m:jc m:val="left"/>
+                    </m:oMathParaPr>
+                    <m:oMath xmlns:m="http://schemas.openxmlformats.org/officeDocument/2006/math">
+                      <m:r>
+                        <a:rPr lang="fr-BE" b="0" i="1" smtClean="0">
+                          <a:solidFill>
+                            <a:schemeClr val="tx1">
+                              <a:lumMod val="85000"/>
+                              <a:lumOff val="15000"/>
+                            </a:schemeClr>
+                          </a:solidFill>
+                          <a:latin typeface="Cambria Math" panose="02040503050406030204" pitchFamily="18" charset="0"/>
+                        </a:rPr>
+                        <m:t>−</m:t>
+                      </m:r>
+                      <m:sSup>
+                        <m:sSupPr>
+                          <m:ctrlPr>
+                            <a:rPr lang="fr-BE" b="0" i="1" smtClean="0">
+                              <a:solidFill>
+                                <a:schemeClr val="tx1">
+                                  <a:lumMod val="85000"/>
+                                  <a:lumOff val="15000"/>
+                                </a:schemeClr>
+                              </a:solidFill>
+                              <a:latin typeface="Cambria Math" panose="02040503050406030204" pitchFamily="18" charset="0"/>
+                            </a:rPr>
+                          </m:ctrlPr>
+                        </m:sSupPr>
+                        <m:e>
+                          <m:r>
+                            <a:rPr lang="fr-BE" b="0" i="1" smtClean="0">
+                              <a:solidFill>
+                                <a:schemeClr val="tx1">
+                                  <a:lumMod val="85000"/>
+                                  <a:lumOff val="15000"/>
+                                </a:schemeClr>
+                              </a:solidFill>
+                              <a:latin typeface="Cambria Math" panose="02040503050406030204" pitchFamily="18" charset="0"/>
+                            </a:rPr>
+                            <m:t>𝛿</m:t>
+                          </m:r>
+                        </m:e>
+                        <m:sup>
+                          <m:r>
+                            <a:rPr lang="fr-BE" b="0" i="1" smtClean="0">
+                              <a:solidFill>
+                                <a:schemeClr val="tx1">
+                                  <a:lumMod val="85000"/>
+                                  <a:lumOff val="15000"/>
+                                </a:schemeClr>
+                              </a:solidFill>
+                              <a:latin typeface="Cambria Math" panose="02040503050406030204" pitchFamily="18" charset="0"/>
+                            </a:rPr>
+                            <m:t>2</m:t>
+                          </m:r>
+                        </m:sup>
+                      </m:sSup>
+                      <m:f>
+                        <m:fPr>
+                          <m:ctrlPr>
+                            <a:rPr lang="fr-BE" b="0" i="1" smtClean="0">
+                              <a:solidFill>
+                                <a:schemeClr val="tx1">
+                                  <a:lumMod val="85000"/>
+                                  <a:lumOff val="15000"/>
+                                </a:schemeClr>
+                              </a:solidFill>
+                              <a:latin typeface="Cambria Math" panose="02040503050406030204" pitchFamily="18" charset="0"/>
+                            </a:rPr>
+                          </m:ctrlPr>
+                        </m:fPr>
+                        <m:num>
+                          <m:r>
+                            <a:rPr lang="fr-BE" b="0" i="1" smtClean="0">
+                              <a:solidFill>
+                                <a:schemeClr val="tx1">
+                                  <a:lumMod val="85000"/>
+                                  <a:lumOff val="15000"/>
+                                </a:schemeClr>
+                              </a:solidFill>
+                              <a:latin typeface="Cambria Math" panose="02040503050406030204" pitchFamily="18" charset="0"/>
+                            </a:rPr>
+                            <m:t>𝑘</m:t>
+                          </m:r>
+                        </m:num>
+                        <m:den>
+                          <m:r>
+                            <a:rPr lang="fr-BE" b="0" i="1" smtClean="0">
+                              <a:solidFill>
+                                <a:schemeClr val="tx1">
+                                  <a:lumMod val="85000"/>
+                                  <a:lumOff val="15000"/>
+                                </a:schemeClr>
+                              </a:solidFill>
+                              <a:latin typeface="Cambria Math" panose="02040503050406030204" pitchFamily="18" charset="0"/>
+                            </a:rPr>
+                            <m:t>2</m:t>
+                          </m:r>
+                          <m:sSup>
+                            <m:sSupPr>
+                              <m:ctrlPr>
+                                <a:rPr lang="fr-BE" b="0" i="1" smtClean="0">
+                                  <a:solidFill>
+                                    <a:schemeClr val="tx1">
+                                      <a:lumMod val="85000"/>
+                                      <a:lumOff val="15000"/>
+                                    </a:schemeClr>
+                                  </a:solidFill>
+                                  <a:latin typeface="Cambria Math" panose="02040503050406030204" pitchFamily="18" charset="0"/>
+                                </a:rPr>
+                              </m:ctrlPr>
+                            </m:sSupPr>
+                            <m:e>
+                              <m:r>
+                                <a:rPr lang="fr-BE" b="0" i="1" smtClean="0">
+                                  <a:solidFill>
+                                    <a:schemeClr val="tx1">
+                                      <a:lumMod val="85000"/>
+                                      <a:lumOff val="15000"/>
+                                    </a:schemeClr>
+                                  </a:solidFill>
+                                  <a:latin typeface="Cambria Math" panose="02040503050406030204" pitchFamily="18" charset="0"/>
+                                </a:rPr>
+                                <m:t>h</m:t>
+                              </m:r>
+                            </m:e>
+                            <m:sup>
+                              <m:r>
+                                <a:rPr lang="fr-BE" b="0" i="1" smtClean="0">
+                                  <a:solidFill>
+                                    <a:schemeClr val="tx1">
+                                      <a:lumMod val="85000"/>
+                                      <a:lumOff val="15000"/>
+                                    </a:schemeClr>
+                                  </a:solidFill>
+                                  <a:latin typeface="Cambria Math" panose="02040503050406030204" pitchFamily="18" charset="0"/>
+                                </a:rPr>
+                                <m:t>3</m:t>
+                              </m:r>
+                            </m:sup>
+                          </m:sSup>
+                        </m:den>
+                      </m:f>
+                      <m:r>
+                        <a:rPr lang="fr-BE" b="0" i="1" smtClean="0">
+                          <a:solidFill>
+                            <a:schemeClr val="tx1">
+                              <a:lumMod val="85000"/>
+                              <a:lumOff val="15000"/>
+                            </a:schemeClr>
+                          </a:solidFill>
+                          <a:latin typeface="Cambria Math" panose="02040503050406030204" pitchFamily="18" charset="0"/>
+                        </a:rPr>
+                        <m:t>(</m:t>
+                      </m:r>
+                      <m:sSub>
+                        <m:sSubPr>
+                          <m:ctrlPr>
+                            <a:rPr lang="fr-BE" i="1">
+                              <a:solidFill>
+                                <a:schemeClr val="tx1">
+                                  <a:lumMod val="85000"/>
+                                  <a:lumOff val="15000"/>
+                                </a:schemeClr>
+                              </a:solidFill>
+                              <a:latin typeface="Cambria Math" panose="02040503050406030204" pitchFamily="18" charset="0"/>
+                            </a:rPr>
+                          </m:ctrlPr>
+                        </m:sSubPr>
+                        <m:e>
+                          <m:r>
+                            <a:rPr lang="fr-BE" i="1">
+                              <a:solidFill>
+                                <a:schemeClr val="tx1">
+                                  <a:lumMod val="85000"/>
+                                  <a:lumOff val="15000"/>
+                                </a:schemeClr>
+                              </a:solidFill>
+                              <a:latin typeface="Cambria Math" panose="02040503050406030204" pitchFamily="18" charset="0"/>
+                            </a:rPr>
+                            <m:t>𝑢</m:t>
+                          </m:r>
+                        </m:e>
+                        <m:sub>
+                          <m:r>
+                            <a:rPr lang="fr-BE" i="1">
+                              <a:solidFill>
+                                <a:schemeClr val="tx1">
+                                  <a:lumMod val="85000"/>
+                                  <a:lumOff val="15000"/>
+                                </a:schemeClr>
+                              </a:solidFill>
+                              <a:latin typeface="Cambria Math" panose="02040503050406030204" pitchFamily="18" charset="0"/>
+                            </a:rPr>
+                            <m:t>𝑖</m:t>
+                          </m:r>
+                          <m:r>
+                            <a:rPr lang="fr-BE" i="1">
+                              <a:solidFill>
+                                <a:schemeClr val="tx1">
+                                  <a:lumMod val="85000"/>
+                                  <a:lumOff val="15000"/>
+                                </a:schemeClr>
+                              </a:solidFill>
+                              <a:latin typeface="Cambria Math" panose="02040503050406030204" pitchFamily="18" charset="0"/>
+                            </a:rPr>
+                            <m:t>,+2</m:t>
+                          </m:r>
+                          <m:r>
+                            <a:rPr lang="fr-BE" i="1">
+                              <a:solidFill>
+                                <a:schemeClr val="tx1">
+                                  <a:lumMod val="85000"/>
+                                  <a:lumOff val="15000"/>
+                                </a:schemeClr>
+                              </a:solidFill>
+                              <a:latin typeface="Cambria Math" panose="02040503050406030204" pitchFamily="18" charset="0"/>
+                            </a:rPr>
+                            <m:t>𝑗</m:t>
+                          </m:r>
+                        </m:sub>
+                      </m:sSub>
+                      <m:r>
+                        <a:rPr lang="fr-BE" b="0" i="1" smtClean="0">
+                          <a:solidFill>
+                            <a:schemeClr val="tx1">
+                              <a:lumMod val="85000"/>
+                              <a:lumOff val="15000"/>
+                            </a:schemeClr>
+                          </a:solidFill>
+                          <a:latin typeface="Cambria Math" panose="02040503050406030204" pitchFamily="18" charset="0"/>
+                        </a:rPr>
+                        <m:t>−2</m:t>
+                      </m:r>
+                      <m:sSub>
+                        <m:sSubPr>
+                          <m:ctrlPr>
+                            <a:rPr lang="fr-BE" i="1">
+                              <a:solidFill>
+                                <a:schemeClr val="tx1">
+                                  <a:lumMod val="85000"/>
+                                  <a:lumOff val="15000"/>
+                                </a:schemeClr>
+                              </a:solidFill>
+                              <a:latin typeface="Cambria Math" panose="02040503050406030204" pitchFamily="18" charset="0"/>
+                            </a:rPr>
+                          </m:ctrlPr>
+                        </m:sSubPr>
+                        <m:e>
+                          <m:r>
+                            <a:rPr lang="fr-BE" i="1">
+                              <a:solidFill>
+                                <a:schemeClr val="tx1">
+                                  <a:lumMod val="85000"/>
+                                  <a:lumOff val="15000"/>
+                                </a:schemeClr>
+                              </a:solidFill>
+                              <a:latin typeface="Cambria Math" panose="02040503050406030204" pitchFamily="18" charset="0"/>
+                            </a:rPr>
+                            <m:t>𝑢</m:t>
+                          </m:r>
+                        </m:e>
+                        <m:sub>
+                          <m:r>
+                            <a:rPr lang="fr-BE" i="1">
+                              <a:solidFill>
+                                <a:schemeClr val="tx1">
+                                  <a:lumMod val="85000"/>
+                                  <a:lumOff val="15000"/>
+                                </a:schemeClr>
+                              </a:solidFill>
+                              <a:latin typeface="Cambria Math" panose="02040503050406030204" pitchFamily="18" charset="0"/>
+                            </a:rPr>
+                            <m:t>𝑖</m:t>
+                          </m:r>
+                          <m:r>
+                            <a:rPr lang="fr-BE" b="0" i="1" smtClean="0">
+                              <a:solidFill>
+                                <a:schemeClr val="tx1">
+                                  <a:lumMod val="85000"/>
+                                  <a:lumOff val="15000"/>
+                                </a:schemeClr>
+                              </a:solidFill>
+                              <a:latin typeface="Cambria Math" panose="02040503050406030204" pitchFamily="18" charset="0"/>
+                            </a:rPr>
+                            <m:t>+1</m:t>
+                          </m:r>
+                          <m:r>
+                            <a:rPr lang="fr-BE" i="1">
+                              <a:solidFill>
+                                <a:schemeClr val="tx1">
+                                  <a:lumMod val="85000"/>
+                                  <a:lumOff val="15000"/>
+                                </a:schemeClr>
+                              </a:solidFill>
+                              <a:latin typeface="Cambria Math" panose="02040503050406030204" pitchFamily="18" charset="0"/>
+                            </a:rPr>
+                            <m:t>,</m:t>
+                          </m:r>
+                          <m:r>
+                            <a:rPr lang="fr-BE" i="1">
+                              <a:solidFill>
+                                <a:schemeClr val="tx1">
+                                  <a:lumMod val="85000"/>
+                                  <a:lumOff val="15000"/>
+                                </a:schemeClr>
+                              </a:solidFill>
+                              <a:latin typeface="Cambria Math" panose="02040503050406030204" pitchFamily="18" charset="0"/>
+                            </a:rPr>
+                            <m:t>𝑗</m:t>
+                          </m:r>
+                        </m:sub>
+                      </m:sSub>
+                      <m:r>
+                        <a:rPr lang="fr-BE" b="0" i="1" smtClean="0">
+                          <a:solidFill>
+                            <a:schemeClr val="tx1">
+                              <a:lumMod val="85000"/>
+                              <a:lumOff val="15000"/>
+                            </a:schemeClr>
+                          </a:solidFill>
+                          <a:latin typeface="Cambria Math" panose="02040503050406030204" pitchFamily="18" charset="0"/>
+                        </a:rPr>
+                        <m:t>+2</m:t>
+                      </m:r>
+                      <m:sSub>
+                        <m:sSubPr>
+                          <m:ctrlPr>
+                            <a:rPr lang="fr-BE" i="1">
+                              <a:solidFill>
+                                <a:schemeClr val="tx1">
+                                  <a:lumMod val="85000"/>
+                                  <a:lumOff val="15000"/>
+                                </a:schemeClr>
+                              </a:solidFill>
+                              <a:latin typeface="Cambria Math" panose="02040503050406030204" pitchFamily="18" charset="0"/>
+                            </a:rPr>
+                          </m:ctrlPr>
+                        </m:sSubPr>
+                        <m:e>
+                          <m:r>
+                            <a:rPr lang="fr-BE" i="1">
+                              <a:solidFill>
+                                <a:schemeClr val="tx1">
+                                  <a:lumMod val="85000"/>
+                                  <a:lumOff val="15000"/>
+                                </a:schemeClr>
+                              </a:solidFill>
+                              <a:latin typeface="Cambria Math" panose="02040503050406030204" pitchFamily="18" charset="0"/>
+                            </a:rPr>
+                            <m:t>𝑢</m:t>
+                          </m:r>
+                        </m:e>
+                        <m:sub>
+                          <m:r>
+                            <a:rPr lang="fr-BE" i="1">
+                              <a:solidFill>
+                                <a:schemeClr val="tx1">
+                                  <a:lumMod val="85000"/>
+                                  <a:lumOff val="15000"/>
+                                </a:schemeClr>
+                              </a:solidFill>
+                              <a:latin typeface="Cambria Math" panose="02040503050406030204" pitchFamily="18" charset="0"/>
+                            </a:rPr>
+                            <m:t>𝑖</m:t>
+                          </m:r>
+                          <m:r>
+                            <a:rPr lang="fr-BE" b="0" i="1" smtClean="0">
+                              <a:solidFill>
+                                <a:schemeClr val="tx1">
+                                  <a:lumMod val="85000"/>
+                                  <a:lumOff val="15000"/>
+                                </a:schemeClr>
+                              </a:solidFill>
+                              <a:latin typeface="Cambria Math" panose="02040503050406030204" pitchFamily="18" charset="0"/>
+                            </a:rPr>
+                            <m:t>−1</m:t>
+                          </m:r>
+                          <m:r>
+                            <a:rPr lang="fr-BE" i="1">
+                              <a:solidFill>
+                                <a:schemeClr val="tx1">
+                                  <a:lumMod val="85000"/>
+                                  <a:lumOff val="15000"/>
+                                </a:schemeClr>
+                              </a:solidFill>
+                              <a:latin typeface="Cambria Math" panose="02040503050406030204" pitchFamily="18" charset="0"/>
+                            </a:rPr>
+                            <m:t>,</m:t>
+                          </m:r>
+                          <m:r>
+                            <a:rPr lang="fr-BE" i="1">
+                              <a:solidFill>
+                                <a:schemeClr val="tx1">
+                                  <a:lumMod val="85000"/>
+                                  <a:lumOff val="15000"/>
+                                </a:schemeClr>
+                              </a:solidFill>
+                              <a:latin typeface="Cambria Math" panose="02040503050406030204" pitchFamily="18" charset="0"/>
+                            </a:rPr>
+                            <m:t>𝑗</m:t>
+                          </m:r>
+                        </m:sub>
+                      </m:sSub>
+                      <m:r>
+                        <a:rPr lang="fr-BE" b="0" i="1" smtClean="0">
+                          <a:solidFill>
+                            <a:schemeClr val="tx1">
+                              <a:lumMod val="85000"/>
+                              <a:lumOff val="15000"/>
+                            </a:schemeClr>
+                          </a:solidFill>
+                          <a:latin typeface="Cambria Math" panose="02040503050406030204" pitchFamily="18" charset="0"/>
+                        </a:rPr>
+                        <m:t>−</m:t>
+                      </m:r>
+                      <m:sSub>
+                        <m:sSubPr>
+                          <m:ctrlPr>
+                            <a:rPr lang="fr-BE" i="1">
+                              <a:solidFill>
+                                <a:schemeClr val="tx1">
+                                  <a:lumMod val="85000"/>
+                                  <a:lumOff val="15000"/>
+                                </a:schemeClr>
+                              </a:solidFill>
+                              <a:latin typeface="Cambria Math" panose="02040503050406030204" pitchFamily="18" charset="0"/>
+                            </a:rPr>
+                          </m:ctrlPr>
+                        </m:sSubPr>
+                        <m:e>
+                          <m:r>
+                            <a:rPr lang="fr-BE" i="1">
+                              <a:solidFill>
+                                <a:schemeClr val="tx1">
+                                  <a:lumMod val="85000"/>
+                                  <a:lumOff val="15000"/>
+                                </a:schemeClr>
+                              </a:solidFill>
+                              <a:latin typeface="Cambria Math" panose="02040503050406030204" pitchFamily="18" charset="0"/>
+                            </a:rPr>
+                            <m:t>𝑢</m:t>
+                          </m:r>
+                        </m:e>
+                        <m:sub>
+                          <m:r>
+                            <a:rPr lang="fr-BE" i="1">
+                              <a:solidFill>
+                                <a:schemeClr val="tx1">
+                                  <a:lumMod val="85000"/>
+                                  <a:lumOff val="15000"/>
+                                </a:schemeClr>
+                              </a:solidFill>
+                              <a:latin typeface="Cambria Math" panose="02040503050406030204" pitchFamily="18" charset="0"/>
+                            </a:rPr>
+                            <m:t>𝑖</m:t>
+                          </m:r>
+                          <m:r>
+                            <a:rPr lang="fr-BE" b="0" i="1" smtClean="0">
+                              <a:solidFill>
+                                <a:schemeClr val="tx1">
+                                  <a:lumMod val="85000"/>
+                                  <a:lumOff val="15000"/>
+                                </a:schemeClr>
+                              </a:solidFill>
+                              <a:latin typeface="Cambria Math" panose="02040503050406030204" pitchFamily="18" charset="0"/>
+                            </a:rPr>
+                            <m:t>−2</m:t>
+                          </m:r>
+                          <m:r>
+                            <a:rPr lang="fr-BE" i="1">
+                              <a:solidFill>
+                                <a:schemeClr val="tx1">
+                                  <a:lumMod val="85000"/>
+                                  <a:lumOff val="15000"/>
+                                </a:schemeClr>
+                              </a:solidFill>
+                              <a:latin typeface="Cambria Math" panose="02040503050406030204" pitchFamily="18" charset="0"/>
+                            </a:rPr>
+                            <m:t>,</m:t>
+                          </m:r>
+                          <m:r>
+                            <a:rPr lang="fr-BE" i="1">
+                              <a:solidFill>
+                                <a:schemeClr val="tx1">
+                                  <a:lumMod val="85000"/>
+                                  <a:lumOff val="15000"/>
+                                </a:schemeClr>
+                              </a:solidFill>
+                              <a:latin typeface="Cambria Math" panose="02040503050406030204" pitchFamily="18" charset="0"/>
+                            </a:rPr>
+                            <m:t>𝑗</m:t>
+                          </m:r>
+                        </m:sub>
+                      </m:sSub>
+                      <m:r>
+                        <a:rPr lang="fr-BE" b="0" i="1" smtClean="0">
+                          <a:solidFill>
+                            <a:schemeClr val="tx1">
+                              <a:lumMod val="85000"/>
+                              <a:lumOff val="15000"/>
+                            </a:schemeClr>
+                          </a:solidFill>
+                          <a:latin typeface="Cambria Math" panose="02040503050406030204" pitchFamily="18" charset="0"/>
+                        </a:rPr>
+                        <m:t>)</m:t>
+                      </m:r>
+                    </m:oMath>
+                  </m:oMathPara>
+                </a14:m>
+                <a:endParaRPr lang="fr-BE" dirty="0">
+                  <a:solidFill>
+                    <a:schemeClr val="tx1">
+                      <a:lumMod val="85000"/>
+                      <a:lumOff val="15000"/>
+                    </a:schemeClr>
+                  </a:solidFill>
+                </a:endParaRPr>
+              </a:p>
+            </p:txBody>
+          </p:sp>
+        </mc:Choice>
+        <mc:Fallback>
+          <p:sp>
+            <p:nvSpPr>
+              <p:cNvPr id="10" name="ZoneTexte 9"/>
+              <p:cNvSpPr txBox="1">
+                <a:spLocks noRot="1" noChangeAspect="1" noMove="1" noResize="1" noEditPoints="1" noAdjustHandles="1" noChangeArrowheads="1" noChangeShapeType="1" noTextEdit="1"/>
+              </p:cNvSpPr>
+              <p:nvPr/>
+            </p:nvSpPr>
+            <p:spPr>
+              <a:xfrm>
+                <a:off x="4454977" y="1660377"/>
+                <a:ext cx="4477215" cy="618246"/>
+              </a:xfrm>
+              <a:prstGeom prst="rect">
+                <a:avLst/>
+              </a:prstGeom>
+              <a:blipFill>
+                <a:blip r:embed="rId5"/>
+                <a:stretch>
+                  <a:fillRect/>
+                </a:stretch>
+              </a:blipFill>
+            </p:spPr>
+            <p:txBody>
+              <a:bodyPr/>
+              <a:lstStyle/>
+              <a:p>
+                <a:r>
+                  <a:rPr lang="fr-BE">
+                    <a:noFill/>
+                  </a:rPr>
+                  <a:t> </a:t>
+                </a:r>
+              </a:p>
+            </p:txBody>
+          </p:sp>
+        </mc:Fallback>
+      </mc:AlternateContent>
+      <p:sp>
+        <p:nvSpPr>
+          <p:cNvPr id="3" name="Rectangle 2"/>
+          <p:cNvSpPr/>
+          <p:nvPr/>
+        </p:nvSpPr>
+        <p:spPr>
+          <a:xfrm>
+            <a:off x="5231244" y="4412870"/>
+            <a:ext cx="448236" cy="428071"/>
+          </a:xfrm>
+          <a:prstGeom prst="rect">
+            <a:avLst/>
+          </a:prstGeom>
+          <a:solidFill>
+            <a:schemeClr val="bg1"/>
+          </a:solidFill>
+          <a:ln>
+            <a:solidFill>
+              <a:schemeClr val="bg1"/>
+            </a:solidFill>
+          </a:ln>
+        </p:spPr>
+        <p:style>
+          <a:lnRef idx="2">
+            <a:schemeClr val="accent1">
+              <a:shade val="50000"/>
+            </a:schemeClr>
+          </a:lnRef>
+          <a:fillRef idx="1">
+            <a:schemeClr val="accent1"/>
+          </a:fillRef>
+          <a:effectRef idx="0">
+            <a:schemeClr val="accent1"/>
+          </a:effectRef>
+          <a:fontRef idx="minor">
+            <a:schemeClr val="lt1"/>
+          </a:fontRef>
+        </p:style>
+        <p:txBody>
+          <a:bodyPr rtlCol="0" anchor="ctr"/>
+          <a:lstStyle/>
+          <a:p>
+            <a:pPr algn="ctr"/>
+            <a:endParaRPr lang="fr-BE"/>
+          </a:p>
+        </p:txBody>
+      </p:sp>
+      <p:sp>
+        <p:nvSpPr>
+          <p:cNvPr id="11" name="Rectangle 10"/>
+          <p:cNvSpPr/>
+          <p:nvPr/>
+        </p:nvSpPr>
+        <p:spPr>
+          <a:xfrm>
+            <a:off x="6469466" y="4412870"/>
+            <a:ext cx="469216" cy="428071"/>
+          </a:xfrm>
+          <a:prstGeom prst="rect">
+            <a:avLst/>
+          </a:prstGeom>
+          <a:solidFill>
+            <a:schemeClr val="bg1"/>
+          </a:solidFill>
+          <a:ln>
+            <a:solidFill>
+              <a:schemeClr val="bg1"/>
+            </a:solidFill>
+          </a:ln>
+        </p:spPr>
+        <p:style>
+          <a:lnRef idx="2">
+            <a:schemeClr val="accent1">
+              <a:shade val="50000"/>
+            </a:schemeClr>
+          </a:lnRef>
+          <a:fillRef idx="1">
+            <a:schemeClr val="accent1"/>
+          </a:fillRef>
+          <a:effectRef idx="0">
+            <a:schemeClr val="accent1"/>
+          </a:effectRef>
+          <a:fontRef idx="minor">
+            <a:schemeClr val="lt1"/>
+          </a:fontRef>
+        </p:style>
+        <p:txBody>
+          <a:bodyPr rtlCol="0" anchor="ctr"/>
+          <a:lstStyle/>
+          <a:p>
+            <a:pPr algn="ctr"/>
+            <a:endParaRPr lang="fr-BE"/>
+          </a:p>
+        </p:txBody>
+      </p:sp>
+      <p:sp>
+        <p:nvSpPr>
+          <p:cNvPr id="12" name="Rectangle 11"/>
+          <p:cNvSpPr/>
+          <p:nvPr/>
+        </p:nvSpPr>
+        <p:spPr>
+          <a:xfrm>
+            <a:off x="7614282" y="4412870"/>
+            <a:ext cx="516706" cy="428071"/>
+          </a:xfrm>
+          <a:prstGeom prst="rect">
+            <a:avLst/>
+          </a:prstGeom>
+          <a:solidFill>
+            <a:schemeClr val="bg1"/>
+          </a:solidFill>
+          <a:ln>
+            <a:solidFill>
+              <a:schemeClr val="bg1"/>
+            </a:solidFill>
+          </a:ln>
+        </p:spPr>
+        <p:style>
+          <a:lnRef idx="2">
+            <a:schemeClr val="accent1">
+              <a:shade val="50000"/>
+            </a:schemeClr>
+          </a:lnRef>
+          <a:fillRef idx="1">
+            <a:schemeClr val="accent1"/>
+          </a:fillRef>
+          <a:effectRef idx="0">
+            <a:schemeClr val="accent1"/>
+          </a:effectRef>
+          <a:fontRef idx="minor">
+            <a:schemeClr val="lt1"/>
+          </a:fontRef>
+        </p:style>
+        <p:txBody>
+          <a:bodyPr rtlCol="0" anchor="ctr"/>
+          <a:lstStyle/>
+          <a:p>
+            <a:pPr algn="ctr"/>
+            <a:endParaRPr lang="fr-BE"/>
+          </a:p>
+        </p:txBody>
+      </p:sp>
     </p:spTree>
     <p:extLst>
       <p:ext uri="{BB962C8B-B14F-4D97-AF65-F5344CB8AC3E}">
@@ -23635,14 +27028,2843 @@
   <p:timing>
     <p:tnLst>
       <p:par>
-        <p:cTn id="1" dur="indefinite" restart="never" nodeType="tmRoot"/>
+        <p:cTn id="1" dur="indefinite" restart="never" nodeType="tmRoot">
+          <p:childTnLst>
+            <p:seq concurrent="1" nextAc="seek">
+              <p:cTn id="2" dur="indefinite" nodeType="mainSeq">
+                <p:childTnLst>
+                  <p:par>
+                    <p:cTn id="3" fill="hold">
+                      <p:stCondLst>
+                        <p:cond delay="indefinite"/>
+                      </p:stCondLst>
+                      <p:childTnLst>
+                        <p:par>
+                          <p:cTn id="4" fill="hold">
+                            <p:stCondLst>
+                              <p:cond delay="0"/>
+                            </p:stCondLst>
+                            <p:childTnLst>
+                              <p:par>
+                                <p:cTn id="5" presetID="1" presetClass="entr" presetSubtype="0" fill="hold" nodeType="clickEffect">
+                                  <p:stCondLst>
+                                    <p:cond delay="0"/>
+                                  </p:stCondLst>
+                                  <p:childTnLst>
+                                    <p:set>
+                                      <p:cBhvr>
+                                        <p:cTn id="6" dur="1" fill="hold">
+                                          <p:stCondLst>
+                                            <p:cond delay="0"/>
+                                          </p:stCondLst>
+                                        </p:cTn>
+                                        <p:tgtEl>
+                                          <p:spTgt spid="9">
+                                            <p:txEl>
+                                              <p:pRg st="0" end="0"/>
+                                            </p:txEl>
+                                          </p:spTgt>
+                                        </p:tgtEl>
+                                        <p:attrNameLst>
+                                          <p:attrName>style.visibility</p:attrName>
+                                        </p:attrNameLst>
+                                      </p:cBhvr>
+                                      <p:to>
+                                        <p:strVal val="visible"/>
+                                      </p:to>
+                                    </p:set>
+                                  </p:childTnLst>
+                                </p:cTn>
+                              </p:par>
+                              <p:par>
+                                <p:cTn id="7" presetID="1" presetClass="exit" presetSubtype="0" fill="hold" grpId="0" nodeType="withEffect">
+                                  <p:stCondLst>
+                                    <p:cond delay="0"/>
+                                  </p:stCondLst>
+                                  <p:childTnLst>
+                                    <p:set>
+                                      <p:cBhvr>
+                                        <p:cTn id="8" dur="1" fill="hold">
+                                          <p:stCondLst>
+                                            <p:cond delay="0"/>
+                                          </p:stCondLst>
+                                        </p:cTn>
+                                        <p:tgtEl>
+                                          <p:spTgt spid="3"/>
+                                        </p:tgtEl>
+                                        <p:attrNameLst>
+                                          <p:attrName>style.visibility</p:attrName>
+                                        </p:attrNameLst>
+                                      </p:cBhvr>
+                                      <p:to>
+                                        <p:strVal val="hidden"/>
+                                      </p:to>
+                                    </p:set>
+                                  </p:childTnLst>
+                                </p:cTn>
+                              </p:par>
+                            </p:childTnLst>
+                          </p:cTn>
+                        </p:par>
+                      </p:childTnLst>
+                    </p:cTn>
+                  </p:par>
+                  <p:par>
+                    <p:cTn id="9" fill="hold">
+                      <p:stCondLst>
+                        <p:cond delay="indefinite"/>
+                      </p:stCondLst>
+                      <p:childTnLst>
+                        <p:par>
+                          <p:cTn id="10" fill="hold">
+                            <p:stCondLst>
+                              <p:cond delay="0"/>
+                            </p:stCondLst>
+                            <p:childTnLst>
+                              <p:par>
+                                <p:cTn id="11" presetID="1" presetClass="entr" presetSubtype="0" fill="hold" nodeType="clickEffect">
+                                  <p:stCondLst>
+                                    <p:cond delay="0"/>
+                                  </p:stCondLst>
+                                  <p:childTnLst>
+                                    <p:set>
+                                      <p:cBhvr>
+                                        <p:cTn id="12" dur="1" fill="hold">
+                                          <p:stCondLst>
+                                            <p:cond delay="0"/>
+                                          </p:stCondLst>
+                                        </p:cTn>
+                                        <p:tgtEl>
+                                          <p:spTgt spid="8">
+                                            <p:txEl>
+                                              <p:pRg st="0" end="0"/>
+                                            </p:txEl>
+                                          </p:spTgt>
+                                        </p:tgtEl>
+                                        <p:attrNameLst>
+                                          <p:attrName>style.visibility</p:attrName>
+                                        </p:attrNameLst>
+                                      </p:cBhvr>
+                                      <p:to>
+                                        <p:strVal val="visible"/>
+                                      </p:to>
+                                    </p:set>
+                                  </p:childTnLst>
+                                </p:cTn>
+                              </p:par>
+                              <p:par>
+                                <p:cTn id="13" presetID="1" presetClass="entr" presetSubtype="0" fill="hold" grpId="0" nodeType="withEffect">
+                                  <p:stCondLst>
+                                    <p:cond delay="0"/>
+                                  </p:stCondLst>
+                                  <p:childTnLst>
+                                    <p:set>
+                                      <p:cBhvr>
+                                        <p:cTn id="14" dur="1" fill="hold">
+                                          <p:stCondLst>
+                                            <p:cond delay="0"/>
+                                          </p:stCondLst>
+                                        </p:cTn>
+                                        <p:tgtEl>
+                                          <p:spTgt spid="7"/>
+                                        </p:tgtEl>
+                                        <p:attrNameLst>
+                                          <p:attrName>style.visibility</p:attrName>
+                                        </p:attrNameLst>
+                                      </p:cBhvr>
+                                      <p:to>
+                                        <p:strVal val="visible"/>
+                                      </p:to>
+                                    </p:set>
+                                  </p:childTnLst>
+                                </p:cTn>
+                              </p:par>
+                              <p:par>
+                                <p:cTn id="15" presetID="1" presetClass="entr" presetSubtype="0" fill="hold" grpId="0" nodeType="withEffect">
+                                  <p:stCondLst>
+                                    <p:cond delay="0"/>
+                                  </p:stCondLst>
+                                  <p:childTnLst>
+                                    <p:set>
+                                      <p:cBhvr>
+                                        <p:cTn id="16" dur="1" fill="hold">
+                                          <p:stCondLst>
+                                            <p:cond delay="0"/>
+                                          </p:stCondLst>
+                                        </p:cTn>
+                                        <p:tgtEl>
+                                          <p:spTgt spid="6"/>
+                                        </p:tgtEl>
+                                        <p:attrNameLst>
+                                          <p:attrName>style.visibility</p:attrName>
+                                        </p:attrNameLst>
+                                      </p:cBhvr>
+                                      <p:to>
+                                        <p:strVal val="visible"/>
+                                      </p:to>
+                                    </p:set>
+                                  </p:childTnLst>
+                                </p:cTn>
+                              </p:par>
+                            </p:childTnLst>
+                          </p:cTn>
+                        </p:par>
+                      </p:childTnLst>
+                    </p:cTn>
+                  </p:par>
+                  <p:par>
+                    <p:cTn id="17" fill="hold">
+                      <p:stCondLst>
+                        <p:cond delay="indefinite"/>
+                      </p:stCondLst>
+                      <p:childTnLst>
+                        <p:par>
+                          <p:cTn id="18" fill="hold">
+                            <p:stCondLst>
+                              <p:cond delay="0"/>
+                            </p:stCondLst>
+                            <p:childTnLst>
+                              <p:par>
+                                <p:cTn id="19" presetID="1" presetClass="entr" presetSubtype="0" fill="hold" nodeType="clickEffect">
+                                  <p:stCondLst>
+                                    <p:cond delay="0"/>
+                                  </p:stCondLst>
+                                  <p:childTnLst>
+                                    <p:set>
+                                      <p:cBhvr>
+                                        <p:cTn id="20" dur="1" fill="hold">
+                                          <p:stCondLst>
+                                            <p:cond delay="0"/>
+                                          </p:stCondLst>
+                                        </p:cTn>
+                                        <p:tgtEl>
+                                          <p:spTgt spid="10">
+                                            <p:txEl>
+                                              <p:pRg st="0" end="0"/>
+                                            </p:txEl>
+                                          </p:spTgt>
+                                        </p:tgtEl>
+                                        <p:attrNameLst>
+                                          <p:attrName>style.visibility</p:attrName>
+                                        </p:attrNameLst>
+                                      </p:cBhvr>
+                                      <p:to>
+                                        <p:strVal val="visible"/>
+                                      </p:to>
+                                    </p:set>
+                                  </p:childTnLst>
+                                </p:cTn>
+                              </p:par>
+                              <p:par>
+                                <p:cTn id="21" presetID="1" presetClass="exit" presetSubtype="0" fill="hold" grpId="0" nodeType="withEffect">
+                                  <p:stCondLst>
+                                    <p:cond delay="0"/>
+                                  </p:stCondLst>
+                                  <p:childTnLst>
+                                    <p:set>
+                                      <p:cBhvr>
+                                        <p:cTn id="22" dur="1" fill="hold">
+                                          <p:stCondLst>
+                                            <p:cond delay="0"/>
+                                          </p:stCondLst>
+                                        </p:cTn>
+                                        <p:tgtEl>
+                                          <p:spTgt spid="11"/>
+                                        </p:tgtEl>
+                                        <p:attrNameLst>
+                                          <p:attrName>style.visibility</p:attrName>
+                                        </p:attrNameLst>
+                                      </p:cBhvr>
+                                      <p:to>
+                                        <p:strVal val="hidden"/>
+                                      </p:to>
+                                    </p:set>
+                                  </p:childTnLst>
+                                </p:cTn>
+                              </p:par>
+                              <p:par>
+                                <p:cTn id="23" presetID="1" presetClass="exit" presetSubtype="0" fill="hold" grpId="0" nodeType="withEffect">
+                                  <p:stCondLst>
+                                    <p:cond delay="0"/>
+                                  </p:stCondLst>
+                                  <p:childTnLst>
+                                    <p:set>
+                                      <p:cBhvr>
+                                        <p:cTn id="24" dur="1" fill="hold">
+                                          <p:stCondLst>
+                                            <p:cond delay="0"/>
+                                          </p:stCondLst>
+                                        </p:cTn>
+                                        <p:tgtEl>
+                                          <p:spTgt spid="12"/>
+                                        </p:tgtEl>
+                                        <p:attrNameLst>
+                                          <p:attrName>style.visibility</p:attrName>
+                                        </p:attrNameLst>
+                                      </p:cBhvr>
+                                      <p:to>
+                                        <p:strVal val="hidden"/>
+                                      </p:to>
+                                    </p:set>
+                                  </p:childTnLst>
+                                </p:cTn>
+                              </p:par>
+                              <p:par>
+                                <p:cTn id="25" presetID="1" presetClass="exit" presetSubtype="0" fill="hold" grpId="0" nodeType="withEffect">
+                                  <p:stCondLst>
+                                    <p:cond delay="0"/>
+                                  </p:stCondLst>
+                                  <p:childTnLst>
+                                    <p:set>
+                                      <p:cBhvr>
+                                        <p:cTn id="26" dur="1" fill="hold">
+                                          <p:stCondLst>
+                                            <p:cond delay="0"/>
+                                          </p:stCondLst>
+                                        </p:cTn>
+                                        <p:tgtEl>
+                                          <p:spTgt spid="13"/>
+                                        </p:tgtEl>
+                                        <p:attrNameLst>
+                                          <p:attrName>style.visibility</p:attrName>
+                                        </p:attrNameLst>
+                                      </p:cBhvr>
+                                      <p:to>
+                                        <p:strVal val="hidden"/>
+                                      </p:to>
+                                    </p:set>
+                                  </p:childTnLst>
+                                </p:cTn>
+                              </p:par>
+                              <p:par>
+                                <p:cTn id="27" presetID="1" presetClass="exit" presetSubtype="0" fill="hold" grpId="0" nodeType="withEffect">
+                                  <p:stCondLst>
+                                    <p:cond delay="0"/>
+                                  </p:stCondLst>
+                                  <p:childTnLst>
+                                    <p:set>
+                                      <p:cBhvr>
+                                        <p:cTn id="28" dur="1" fill="hold">
+                                          <p:stCondLst>
+                                            <p:cond delay="0"/>
+                                          </p:stCondLst>
+                                        </p:cTn>
+                                        <p:tgtEl>
+                                          <p:spTgt spid="14"/>
+                                        </p:tgtEl>
+                                        <p:attrNameLst>
+                                          <p:attrName>style.visibility</p:attrName>
+                                        </p:attrNameLst>
+                                      </p:cBhvr>
+                                      <p:to>
+                                        <p:strVal val="hidden"/>
+                                      </p:to>
+                                    </p:set>
+                                  </p:childTnLst>
+                                </p:cTn>
+                              </p:par>
+                            </p:childTnLst>
+                          </p:cTn>
+                        </p:par>
+                      </p:childTnLst>
+                    </p:cTn>
+                  </p:par>
+                </p:childTnLst>
+              </p:cTn>
+              <p:prevCondLst>
+                <p:cond evt="onPrev" delay="0">
+                  <p:tgtEl>
+                    <p:sldTgt/>
+                  </p:tgtEl>
+                </p:cond>
+              </p:prevCondLst>
+              <p:nextCondLst>
+                <p:cond evt="onNext" delay="0">
+                  <p:tgtEl>
+                    <p:sldTgt/>
+                  </p:tgtEl>
+                </p:cond>
+              </p:nextCondLst>
+            </p:seq>
+          </p:childTnLst>
+        </p:cTn>
       </p:par>
     </p:tnLst>
+    <p:bldLst>
+      <p:bldP spid="13" grpId="0" animBg="1"/>
+      <p:bldP spid="14" grpId="0" animBg="1"/>
+      <p:bldP spid="6" grpId="0" animBg="1"/>
+      <p:bldP spid="7" grpId="0" animBg="1"/>
+      <p:bldP spid="3" grpId="0" animBg="1"/>
+      <p:bldP spid="11" grpId="0" animBg="1"/>
+      <p:bldP spid="12" grpId="0" animBg="1"/>
+    </p:bldLst>
   </p:timing>
 </p:sld>
 </file>
 
 <file path=ppt/slides/slide7.xml><?xml version="1.0" encoding="utf-8"?>
+<p:sld xmlns:a="http://schemas.openxmlformats.org/drawingml/2006/main" xmlns:r="http://schemas.openxmlformats.org/officeDocument/2006/relationships" xmlns:p="http://schemas.openxmlformats.org/presentationml/2006/main">
+  <p:cSld>
+    <p:spTree>
+      <p:nvGrpSpPr>
+        <p:cNvPr id="1" name=""/>
+        <p:cNvGrpSpPr/>
+        <p:nvPr/>
+      </p:nvGrpSpPr>
+      <p:grpSpPr>
+        <a:xfrm>
+          <a:off x="0" y="0"/>
+          <a:ext cx="0" cy="0"/>
+          <a:chOff x="0" y="0"/>
+          <a:chExt cx="0" cy="0"/>
+        </a:xfrm>
+      </p:grpSpPr>
+      <p:sp>
+        <p:nvSpPr>
+          <p:cNvPr id="2" name="Titre 1"/>
+          <p:cNvSpPr>
+            <a:spLocks noGrp="1"/>
+          </p:cNvSpPr>
+          <p:nvPr>
+            <p:ph type="title"/>
+          </p:nvPr>
+        </p:nvSpPr>
+        <p:spPr/>
+        <p:txBody>
+          <a:bodyPr/>
+          <a:lstStyle/>
+          <a:p>
+            <a:r>
+              <a:rPr lang="fr-BE" dirty="0" smtClean="0"/>
+              <a:t>Schéma </a:t>
+            </a:r>
+            <a:r>
+              <a:rPr lang="fr-BE" dirty="0" err="1" smtClean="0"/>
+              <a:t>Upwind</a:t>
+            </a:r>
+            <a:r>
+              <a:rPr lang="fr-BE" dirty="0" smtClean="0"/>
+              <a:t> : stabilité</a:t>
+            </a:r>
+            <a:endParaRPr lang="fr-BE" dirty="0"/>
+          </a:p>
+        </p:txBody>
+      </p:sp>
+      <p:sp>
+        <p:nvSpPr>
+          <p:cNvPr id="5" name="Espace réservé du numéro de diapositive 4"/>
+          <p:cNvSpPr>
+            <a:spLocks noGrp="1"/>
+          </p:cNvSpPr>
+          <p:nvPr>
+            <p:ph type="sldNum" sz="quarter" idx="12"/>
+          </p:nvPr>
+        </p:nvSpPr>
+        <p:spPr/>
+        <p:txBody>
+          <a:bodyPr/>
+          <a:lstStyle/>
+          <a:p>
+            <a:fld id="{D57F1E4F-1CFF-5643-939E-217C01CDF565}" type="slidenum">
+              <a:rPr lang="en-US" smtClean="0"/>
+              <a:pPr/>
+              <a:t>7</a:t>
+            </a:fld>
+            <a:endParaRPr lang="en-US" dirty="0"/>
+          </a:p>
+        </p:txBody>
+      </p:sp>
+      <mc:AlternateContent xmlns:mc="http://schemas.openxmlformats.org/markup-compatibility/2006">
+        <mc:Choice xmlns:a14="http://schemas.microsoft.com/office/drawing/2010/main" Requires="a14">
+          <p:sp>
+            <p:nvSpPr>
+              <p:cNvPr id="8" name="ZoneTexte 7"/>
+              <p:cNvSpPr txBox="1"/>
+              <p:nvPr/>
+            </p:nvSpPr>
+            <p:spPr>
+              <a:xfrm>
+                <a:off x="909254" y="1267597"/>
+                <a:ext cx="8123464" cy="618246"/>
+              </a:xfrm>
+              <a:prstGeom prst="rect">
+                <a:avLst/>
+              </a:prstGeom>
+              <a:noFill/>
+            </p:spPr>
+            <p:txBody>
+              <a:bodyPr wrap="square" rtlCol="0">
+                <a:spAutoFit/>
+              </a:bodyPr>
+              <a:lstStyle/>
+              <a:p>
+                <a:pPr/>
+                <a14:m>
+                  <m:oMathPara xmlns:m="http://schemas.openxmlformats.org/officeDocument/2006/math">
+                    <m:oMathParaPr>
+                      <m:jc m:val="left"/>
+                    </m:oMathParaPr>
+                    <m:oMath xmlns:m="http://schemas.openxmlformats.org/officeDocument/2006/math">
+                      <m:sSub>
+                        <m:sSubPr>
+                          <m:ctrlPr>
+                            <a:rPr lang="fr-BE" i="1" smtClean="0">
+                              <a:solidFill>
+                                <a:schemeClr val="tx1">
+                                  <a:lumMod val="85000"/>
+                                  <a:lumOff val="15000"/>
+                                </a:schemeClr>
+                              </a:solidFill>
+                              <a:latin typeface="Cambria Math" panose="02040503050406030204" pitchFamily="18" charset="0"/>
+                            </a:rPr>
+                          </m:ctrlPr>
+                        </m:sSubPr>
+                        <m:e>
+                          <m:r>
+                            <a:rPr lang="fr-BE" b="0" i="1" smtClean="0">
+                              <a:solidFill>
+                                <a:schemeClr val="tx1">
+                                  <a:lumMod val="85000"/>
+                                  <a:lumOff val="15000"/>
+                                </a:schemeClr>
+                              </a:solidFill>
+                              <a:latin typeface="Cambria Math" panose="02040503050406030204" pitchFamily="18" charset="0"/>
+                            </a:rPr>
+                            <m:t>𝑢</m:t>
+                          </m:r>
+                        </m:e>
+                        <m:sub>
+                          <m:r>
+                            <a:rPr lang="fr-BE" b="0" i="1" smtClean="0">
+                              <a:solidFill>
+                                <a:schemeClr val="tx1">
+                                  <a:lumMod val="85000"/>
+                                  <a:lumOff val="15000"/>
+                                </a:schemeClr>
+                              </a:solidFill>
+                              <a:latin typeface="Cambria Math" panose="02040503050406030204" pitchFamily="18" charset="0"/>
+                            </a:rPr>
+                            <m:t>𝑖</m:t>
+                          </m:r>
+                          <m:r>
+                            <a:rPr lang="fr-BE" b="0" i="1" smtClean="0">
+                              <a:solidFill>
+                                <a:schemeClr val="tx1">
+                                  <a:lumMod val="85000"/>
+                                  <a:lumOff val="15000"/>
+                                </a:schemeClr>
+                              </a:solidFill>
+                              <a:latin typeface="Cambria Math" panose="02040503050406030204" pitchFamily="18" charset="0"/>
+                            </a:rPr>
+                            <m:t>,</m:t>
+                          </m:r>
+                          <m:r>
+                            <a:rPr lang="fr-BE" b="0" i="1" smtClean="0">
+                              <a:solidFill>
+                                <a:schemeClr val="tx1">
+                                  <a:lumMod val="85000"/>
+                                  <a:lumOff val="15000"/>
+                                </a:schemeClr>
+                              </a:solidFill>
+                              <a:latin typeface="Cambria Math" panose="02040503050406030204" pitchFamily="18" charset="0"/>
+                            </a:rPr>
+                            <m:t>𝑗</m:t>
+                          </m:r>
+                          <m:r>
+                            <a:rPr lang="fr-BE" b="0" i="1" smtClean="0">
+                              <a:solidFill>
+                                <a:schemeClr val="tx1">
+                                  <a:lumMod val="85000"/>
+                                  <a:lumOff val="15000"/>
+                                </a:schemeClr>
+                              </a:solidFill>
+                              <a:latin typeface="Cambria Math" panose="02040503050406030204" pitchFamily="18" charset="0"/>
+                            </a:rPr>
+                            <m:t>+1</m:t>
+                          </m:r>
+                        </m:sub>
+                      </m:sSub>
+                      <m:r>
+                        <a:rPr lang="fr-BE" b="0" i="1" smtClean="0">
+                          <a:solidFill>
+                            <a:schemeClr val="tx1">
+                              <a:lumMod val="85000"/>
+                              <a:lumOff val="15000"/>
+                            </a:schemeClr>
+                          </a:solidFill>
+                          <a:latin typeface="Cambria Math" panose="02040503050406030204" pitchFamily="18" charset="0"/>
+                        </a:rPr>
+                        <m:t>=</m:t>
+                      </m:r>
+                      <m:sSub>
+                        <m:sSubPr>
+                          <m:ctrlPr>
+                            <a:rPr lang="fr-BE" b="0" i="1" smtClean="0">
+                              <a:solidFill>
+                                <a:schemeClr val="tx1">
+                                  <a:lumMod val="85000"/>
+                                  <a:lumOff val="15000"/>
+                                </a:schemeClr>
+                              </a:solidFill>
+                              <a:latin typeface="Cambria Math" panose="02040503050406030204" pitchFamily="18" charset="0"/>
+                            </a:rPr>
+                          </m:ctrlPr>
+                        </m:sSubPr>
+                        <m:e>
+                          <m:r>
+                            <a:rPr lang="fr-BE" b="0" i="1" smtClean="0">
+                              <a:solidFill>
+                                <a:schemeClr val="tx1">
+                                  <a:lumMod val="85000"/>
+                                  <a:lumOff val="15000"/>
+                                </a:schemeClr>
+                              </a:solidFill>
+                              <a:latin typeface="Cambria Math" panose="02040503050406030204" pitchFamily="18" charset="0"/>
+                            </a:rPr>
+                            <m:t>𝑢</m:t>
+                          </m:r>
+                        </m:e>
+                        <m:sub>
+                          <m:r>
+                            <a:rPr lang="fr-BE" b="0" i="1" smtClean="0">
+                              <a:solidFill>
+                                <a:schemeClr val="tx1">
+                                  <a:lumMod val="85000"/>
+                                  <a:lumOff val="15000"/>
+                                </a:schemeClr>
+                              </a:solidFill>
+                              <a:latin typeface="Cambria Math" panose="02040503050406030204" pitchFamily="18" charset="0"/>
+                            </a:rPr>
+                            <m:t>𝑖</m:t>
+                          </m:r>
+                          <m:r>
+                            <a:rPr lang="fr-BE" b="0" i="1" smtClean="0">
+                              <a:solidFill>
+                                <a:schemeClr val="tx1">
+                                  <a:lumMod val="85000"/>
+                                  <a:lumOff val="15000"/>
+                                </a:schemeClr>
+                              </a:solidFill>
+                              <a:latin typeface="Cambria Math" panose="02040503050406030204" pitchFamily="18" charset="0"/>
+                            </a:rPr>
+                            <m:t>,</m:t>
+                          </m:r>
+                          <m:r>
+                            <a:rPr lang="fr-BE" b="0" i="1" smtClean="0">
+                              <a:solidFill>
+                                <a:schemeClr val="tx1">
+                                  <a:lumMod val="85000"/>
+                                  <a:lumOff val="15000"/>
+                                </a:schemeClr>
+                              </a:solidFill>
+                              <a:latin typeface="Cambria Math" panose="02040503050406030204" pitchFamily="18" charset="0"/>
+                            </a:rPr>
+                            <m:t>𝑗</m:t>
+                          </m:r>
+                        </m:sub>
+                      </m:sSub>
+                      <m:r>
+                        <a:rPr lang="fr-BE" i="1">
+                          <a:solidFill>
+                            <a:schemeClr val="tx1">
+                              <a:lumMod val="85000"/>
+                              <a:lumOff val="15000"/>
+                            </a:schemeClr>
+                          </a:solidFill>
+                          <a:latin typeface="Cambria Math" panose="02040503050406030204" pitchFamily="18" charset="0"/>
+                        </a:rPr>
+                        <m:t>−</m:t>
+                      </m:r>
+                      <m:f>
+                        <m:fPr>
+                          <m:ctrlPr>
+                            <a:rPr lang="fr-BE" i="1">
+                              <a:solidFill>
+                                <a:schemeClr val="tx1">
+                                  <a:lumMod val="85000"/>
+                                  <a:lumOff val="15000"/>
+                                </a:schemeClr>
+                              </a:solidFill>
+                              <a:latin typeface="Cambria Math" panose="02040503050406030204" pitchFamily="18" charset="0"/>
+                            </a:rPr>
+                          </m:ctrlPr>
+                        </m:fPr>
+                        <m:num>
+                          <m:r>
+                            <a:rPr lang="fr-BE" i="1">
+                              <a:solidFill>
+                                <a:schemeClr val="tx1">
+                                  <a:lumMod val="85000"/>
+                                  <a:lumOff val="15000"/>
+                                </a:schemeClr>
+                              </a:solidFill>
+                              <a:latin typeface="Cambria Math" panose="02040503050406030204" pitchFamily="18" charset="0"/>
+                            </a:rPr>
+                            <m:t>𝑘</m:t>
+                          </m:r>
+                        </m:num>
+                        <m:den>
+                          <m:r>
+                            <a:rPr lang="fr-BE" i="1">
+                              <a:solidFill>
+                                <a:schemeClr val="tx1">
+                                  <a:lumMod val="85000"/>
+                                  <a:lumOff val="15000"/>
+                                </a:schemeClr>
+                              </a:solidFill>
+                              <a:latin typeface="Cambria Math" panose="02040503050406030204" pitchFamily="18" charset="0"/>
+                            </a:rPr>
+                            <m:t>h</m:t>
+                          </m:r>
+                        </m:den>
+                      </m:f>
+                      <m:sSub>
+                        <m:sSubPr>
+                          <m:ctrlPr>
+                            <a:rPr lang="fr-BE" i="1">
+                              <a:solidFill>
+                                <a:schemeClr val="tx1">
+                                  <a:lumMod val="85000"/>
+                                  <a:lumOff val="15000"/>
+                                </a:schemeClr>
+                              </a:solidFill>
+                              <a:latin typeface="Cambria Math" panose="02040503050406030204" pitchFamily="18" charset="0"/>
+                            </a:rPr>
+                          </m:ctrlPr>
+                        </m:sSubPr>
+                        <m:e>
+                          <m:r>
+                            <a:rPr lang="fr-BE" i="1">
+                              <a:solidFill>
+                                <a:schemeClr val="tx1">
+                                  <a:lumMod val="85000"/>
+                                  <a:lumOff val="15000"/>
+                                </a:schemeClr>
+                              </a:solidFill>
+                              <a:latin typeface="Cambria Math" panose="02040503050406030204" pitchFamily="18" charset="0"/>
+                            </a:rPr>
+                            <m:t>𝑢</m:t>
+                          </m:r>
+                        </m:e>
+                        <m:sub>
+                          <m:r>
+                            <a:rPr lang="fr-BE" i="1">
+                              <a:solidFill>
+                                <a:schemeClr val="tx1">
+                                  <a:lumMod val="85000"/>
+                                  <a:lumOff val="15000"/>
+                                </a:schemeClr>
+                              </a:solidFill>
+                              <a:latin typeface="Cambria Math" panose="02040503050406030204" pitchFamily="18" charset="0"/>
+                            </a:rPr>
+                            <m:t>𝑖</m:t>
+                          </m:r>
+                          <m:r>
+                            <a:rPr lang="fr-BE" i="1">
+                              <a:solidFill>
+                                <a:schemeClr val="tx1">
+                                  <a:lumMod val="85000"/>
+                                  <a:lumOff val="15000"/>
+                                </a:schemeClr>
+                              </a:solidFill>
+                              <a:latin typeface="Cambria Math" panose="02040503050406030204" pitchFamily="18" charset="0"/>
+                            </a:rPr>
+                            <m:t>,</m:t>
+                          </m:r>
+                          <m:r>
+                            <a:rPr lang="fr-BE" i="1">
+                              <a:solidFill>
+                                <a:schemeClr val="tx1">
+                                  <a:lumMod val="85000"/>
+                                  <a:lumOff val="15000"/>
+                                </a:schemeClr>
+                              </a:solidFill>
+                              <a:latin typeface="Cambria Math" panose="02040503050406030204" pitchFamily="18" charset="0"/>
+                            </a:rPr>
+                            <m:t>𝑗</m:t>
+                          </m:r>
+                        </m:sub>
+                      </m:sSub>
+                      <m:d>
+                        <m:dPr>
+                          <m:ctrlPr>
+                            <a:rPr lang="fr-BE" i="1">
+                              <a:solidFill>
+                                <a:schemeClr val="tx1">
+                                  <a:lumMod val="85000"/>
+                                  <a:lumOff val="15000"/>
+                                </a:schemeClr>
+                              </a:solidFill>
+                              <a:latin typeface="Cambria Math" panose="02040503050406030204" pitchFamily="18" charset="0"/>
+                            </a:rPr>
+                          </m:ctrlPr>
+                        </m:dPr>
+                        <m:e>
+                          <m:sSub>
+                            <m:sSubPr>
+                              <m:ctrlPr>
+                                <a:rPr lang="fr-BE" i="1">
+                                  <a:solidFill>
+                                    <a:schemeClr val="tx1">
+                                      <a:lumMod val="85000"/>
+                                      <a:lumOff val="15000"/>
+                                    </a:schemeClr>
+                                  </a:solidFill>
+                                  <a:latin typeface="Cambria Math" panose="02040503050406030204" pitchFamily="18" charset="0"/>
+                                </a:rPr>
+                              </m:ctrlPr>
+                            </m:sSubPr>
+                            <m:e>
+                              <m:r>
+                                <a:rPr lang="fr-BE" i="1">
+                                  <a:solidFill>
+                                    <a:schemeClr val="tx1">
+                                      <a:lumMod val="85000"/>
+                                      <a:lumOff val="15000"/>
+                                    </a:schemeClr>
+                                  </a:solidFill>
+                                  <a:latin typeface="Cambria Math" panose="02040503050406030204" pitchFamily="18" charset="0"/>
+                                </a:rPr>
+                                <m:t>𝑢</m:t>
+                              </m:r>
+                            </m:e>
+                            <m:sub>
+                              <m:r>
+                                <a:rPr lang="fr-BE" i="1">
+                                  <a:solidFill>
+                                    <a:schemeClr val="tx1">
+                                      <a:lumMod val="85000"/>
+                                      <a:lumOff val="15000"/>
+                                    </a:schemeClr>
+                                  </a:solidFill>
+                                  <a:latin typeface="Cambria Math" panose="02040503050406030204" pitchFamily="18" charset="0"/>
+                                </a:rPr>
+                                <m:t>𝑖</m:t>
+                              </m:r>
+                              <m:r>
+                                <a:rPr lang="fr-BE" i="1">
+                                  <a:solidFill>
+                                    <a:schemeClr val="tx1">
+                                      <a:lumMod val="85000"/>
+                                      <a:lumOff val="15000"/>
+                                    </a:schemeClr>
+                                  </a:solidFill>
+                                  <a:latin typeface="Cambria Math" panose="02040503050406030204" pitchFamily="18" charset="0"/>
+                                </a:rPr>
+                                <m:t>,</m:t>
+                              </m:r>
+                              <m:r>
+                                <a:rPr lang="fr-BE" i="1">
+                                  <a:solidFill>
+                                    <a:schemeClr val="tx1">
+                                      <a:lumMod val="85000"/>
+                                      <a:lumOff val="15000"/>
+                                    </a:schemeClr>
+                                  </a:solidFill>
+                                  <a:latin typeface="Cambria Math" panose="02040503050406030204" pitchFamily="18" charset="0"/>
+                                </a:rPr>
+                                <m:t>𝑗</m:t>
+                              </m:r>
+                            </m:sub>
+                          </m:sSub>
+                          <m:r>
+                            <a:rPr lang="fr-BE" i="1">
+                              <a:solidFill>
+                                <a:schemeClr val="tx1">
+                                  <a:lumMod val="85000"/>
+                                  <a:lumOff val="15000"/>
+                                </a:schemeClr>
+                              </a:solidFill>
+                              <a:latin typeface="Cambria Math" panose="02040503050406030204" pitchFamily="18" charset="0"/>
+                            </a:rPr>
+                            <m:t>−</m:t>
+                          </m:r>
+                          <m:sSub>
+                            <m:sSubPr>
+                              <m:ctrlPr>
+                                <a:rPr lang="fr-BE" i="1">
+                                  <a:solidFill>
+                                    <a:schemeClr val="tx1">
+                                      <a:lumMod val="85000"/>
+                                      <a:lumOff val="15000"/>
+                                    </a:schemeClr>
+                                  </a:solidFill>
+                                  <a:latin typeface="Cambria Math" panose="02040503050406030204" pitchFamily="18" charset="0"/>
+                                </a:rPr>
+                              </m:ctrlPr>
+                            </m:sSubPr>
+                            <m:e>
+                              <m:r>
+                                <a:rPr lang="fr-BE" i="1">
+                                  <a:solidFill>
+                                    <a:schemeClr val="tx1">
+                                      <a:lumMod val="85000"/>
+                                      <a:lumOff val="15000"/>
+                                    </a:schemeClr>
+                                  </a:solidFill>
+                                  <a:latin typeface="Cambria Math" panose="02040503050406030204" pitchFamily="18" charset="0"/>
+                                </a:rPr>
+                                <m:t>𝑢</m:t>
+                              </m:r>
+                            </m:e>
+                            <m:sub>
+                              <m:r>
+                                <a:rPr lang="fr-BE" i="1">
+                                  <a:solidFill>
+                                    <a:schemeClr val="tx1">
+                                      <a:lumMod val="85000"/>
+                                      <a:lumOff val="15000"/>
+                                    </a:schemeClr>
+                                  </a:solidFill>
+                                  <a:latin typeface="Cambria Math" panose="02040503050406030204" pitchFamily="18" charset="0"/>
+                                </a:rPr>
+                                <m:t>𝑖</m:t>
+                              </m:r>
+                              <m:r>
+                                <a:rPr lang="fr-BE" i="1">
+                                  <a:solidFill>
+                                    <a:schemeClr val="tx1">
+                                      <a:lumMod val="85000"/>
+                                      <a:lumOff val="15000"/>
+                                    </a:schemeClr>
+                                  </a:solidFill>
+                                  <a:latin typeface="Cambria Math" panose="02040503050406030204" pitchFamily="18" charset="0"/>
+                                </a:rPr>
+                                <m:t>−1</m:t>
+                              </m:r>
+                              <m:r>
+                                <a:rPr lang="fr-BE" i="1">
+                                  <a:solidFill>
+                                    <a:schemeClr val="tx1">
+                                      <a:lumMod val="85000"/>
+                                      <a:lumOff val="15000"/>
+                                    </a:schemeClr>
+                                  </a:solidFill>
+                                  <a:latin typeface="Cambria Math" panose="02040503050406030204" pitchFamily="18" charset="0"/>
+                                </a:rPr>
+                                <m:t>,</m:t>
+                              </m:r>
+                              <m:r>
+                                <a:rPr lang="fr-BE" i="1">
+                                  <a:solidFill>
+                                    <a:schemeClr val="tx1">
+                                      <a:lumMod val="85000"/>
+                                      <a:lumOff val="15000"/>
+                                    </a:schemeClr>
+                                  </a:solidFill>
+                                  <a:latin typeface="Cambria Math" panose="02040503050406030204" pitchFamily="18" charset="0"/>
+                                </a:rPr>
+                                <m:t>𝑗</m:t>
+                              </m:r>
+                            </m:sub>
+                          </m:sSub>
+                        </m:e>
+                      </m:d>
+                      <m:r>
+                        <a:rPr lang="fr-BE" i="1">
+                          <a:solidFill>
+                            <a:schemeClr val="tx1">
+                              <a:lumMod val="85000"/>
+                              <a:lumOff val="15000"/>
+                            </a:schemeClr>
+                          </a:solidFill>
+                          <a:latin typeface="Cambria Math" panose="02040503050406030204" pitchFamily="18" charset="0"/>
+                        </a:rPr>
+                        <m:t>−</m:t>
+                      </m:r>
+                      <m:sSup>
+                        <m:sSupPr>
+                          <m:ctrlPr>
+                            <a:rPr lang="fr-BE" i="1">
+                              <a:solidFill>
+                                <a:schemeClr val="tx1">
+                                  <a:lumMod val="85000"/>
+                                  <a:lumOff val="15000"/>
+                                </a:schemeClr>
+                              </a:solidFill>
+                              <a:latin typeface="Cambria Math" panose="02040503050406030204" pitchFamily="18" charset="0"/>
+                            </a:rPr>
+                          </m:ctrlPr>
+                        </m:sSupPr>
+                        <m:e>
+                          <m:r>
+                            <a:rPr lang="fr-BE" i="1">
+                              <a:solidFill>
+                                <a:schemeClr val="tx1">
+                                  <a:lumMod val="85000"/>
+                                  <a:lumOff val="15000"/>
+                                </a:schemeClr>
+                              </a:solidFill>
+                              <a:latin typeface="Cambria Math" panose="02040503050406030204" pitchFamily="18" charset="0"/>
+                            </a:rPr>
+                            <m:t>𝛿</m:t>
+                          </m:r>
+                        </m:e>
+                        <m:sup>
+                          <m:r>
+                            <a:rPr lang="fr-BE" i="1">
+                              <a:solidFill>
+                                <a:schemeClr val="tx1">
+                                  <a:lumMod val="85000"/>
+                                  <a:lumOff val="15000"/>
+                                </a:schemeClr>
+                              </a:solidFill>
+                              <a:latin typeface="Cambria Math" panose="02040503050406030204" pitchFamily="18" charset="0"/>
+                            </a:rPr>
+                            <m:t>2</m:t>
+                          </m:r>
+                        </m:sup>
+                      </m:sSup>
+                      <m:f>
+                        <m:fPr>
+                          <m:ctrlPr>
+                            <a:rPr lang="fr-BE" i="1">
+                              <a:solidFill>
+                                <a:schemeClr val="tx1">
+                                  <a:lumMod val="85000"/>
+                                  <a:lumOff val="15000"/>
+                                </a:schemeClr>
+                              </a:solidFill>
+                              <a:latin typeface="Cambria Math" panose="02040503050406030204" pitchFamily="18" charset="0"/>
+                            </a:rPr>
+                          </m:ctrlPr>
+                        </m:fPr>
+                        <m:num>
+                          <m:r>
+                            <a:rPr lang="fr-BE" i="1">
+                              <a:solidFill>
+                                <a:schemeClr val="tx1">
+                                  <a:lumMod val="85000"/>
+                                  <a:lumOff val="15000"/>
+                                </a:schemeClr>
+                              </a:solidFill>
+                              <a:latin typeface="Cambria Math" panose="02040503050406030204" pitchFamily="18" charset="0"/>
+                            </a:rPr>
+                            <m:t>𝑘</m:t>
+                          </m:r>
+                        </m:num>
+                        <m:den>
+                          <m:r>
+                            <a:rPr lang="fr-BE" i="1">
+                              <a:solidFill>
+                                <a:schemeClr val="tx1">
+                                  <a:lumMod val="85000"/>
+                                  <a:lumOff val="15000"/>
+                                </a:schemeClr>
+                              </a:solidFill>
+                              <a:latin typeface="Cambria Math" panose="02040503050406030204" pitchFamily="18" charset="0"/>
+                            </a:rPr>
+                            <m:t>2</m:t>
+                          </m:r>
+                          <m:sSup>
+                            <m:sSupPr>
+                              <m:ctrlPr>
+                                <a:rPr lang="fr-BE" i="1">
+                                  <a:solidFill>
+                                    <a:schemeClr val="tx1">
+                                      <a:lumMod val="85000"/>
+                                      <a:lumOff val="15000"/>
+                                    </a:schemeClr>
+                                  </a:solidFill>
+                                  <a:latin typeface="Cambria Math" panose="02040503050406030204" pitchFamily="18" charset="0"/>
+                                </a:rPr>
+                              </m:ctrlPr>
+                            </m:sSupPr>
+                            <m:e>
+                              <m:r>
+                                <a:rPr lang="fr-BE" i="1">
+                                  <a:solidFill>
+                                    <a:schemeClr val="tx1">
+                                      <a:lumMod val="85000"/>
+                                      <a:lumOff val="15000"/>
+                                    </a:schemeClr>
+                                  </a:solidFill>
+                                  <a:latin typeface="Cambria Math" panose="02040503050406030204" pitchFamily="18" charset="0"/>
+                                </a:rPr>
+                                <m:t>h</m:t>
+                              </m:r>
+                            </m:e>
+                            <m:sup>
+                              <m:r>
+                                <a:rPr lang="fr-BE" i="1">
+                                  <a:solidFill>
+                                    <a:schemeClr val="tx1">
+                                      <a:lumMod val="85000"/>
+                                      <a:lumOff val="15000"/>
+                                    </a:schemeClr>
+                                  </a:solidFill>
+                                  <a:latin typeface="Cambria Math" panose="02040503050406030204" pitchFamily="18" charset="0"/>
+                                </a:rPr>
+                                <m:t>3</m:t>
+                              </m:r>
+                            </m:sup>
+                          </m:sSup>
+                        </m:den>
+                      </m:f>
+                      <m:r>
+                        <a:rPr lang="fr-BE" i="1">
+                          <a:solidFill>
+                            <a:schemeClr val="tx1">
+                              <a:lumMod val="85000"/>
+                              <a:lumOff val="15000"/>
+                            </a:schemeClr>
+                          </a:solidFill>
+                          <a:latin typeface="Cambria Math" panose="02040503050406030204" pitchFamily="18" charset="0"/>
+                        </a:rPr>
+                        <m:t>(</m:t>
+                      </m:r>
+                      <m:sSub>
+                        <m:sSubPr>
+                          <m:ctrlPr>
+                            <a:rPr lang="fr-BE" i="1">
+                              <a:solidFill>
+                                <a:schemeClr val="tx1">
+                                  <a:lumMod val="85000"/>
+                                  <a:lumOff val="15000"/>
+                                </a:schemeClr>
+                              </a:solidFill>
+                              <a:latin typeface="Cambria Math" panose="02040503050406030204" pitchFamily="18" charset="0"/>
+                            </a:rPr>
+                          </m:ctrlPr>
+                        </m:sSubPr>
+                        <m:e>
+                          <m:r>
+                            <a:rPr lang="fr-BE" i="1">
+                              <a:solidFill>
+                                <a:schemeClr val="tx1">
+                                  <a:lumMod val="85000"/>
+                                  <a:lumOff val="15000"/>
+                                </a:schemeClr>
+                              </a:solidFill>
+                              <a:latin typeface="Cambria Math" panose="02040503050406030204" pitchFamily="18" charset="0"/>
+                            </a:rPr>
+                            <m:t>𝑢</m:t>
+                          </m:r>
+                        </m:e>
+                        <m:sub>
+                          <m:r>
+                            <a:rPr lang="fr-BE" i="1">
+                              <a:solidFill>
+                                <a:schemeClr val="tx1">
+                                  <a:lumMod val="85000"/>
+                                  <a:lumOff val="15000"/>
+                                </a:schemeClr>
+                              </a:solidFill>
+                              <a:latin typeface="Cambria Math" panose="02040503050406030204" pitchFamily="18" charset="0"/>
+                            </a:rPr>
+                            <m:t>𝑖</m:t>
+                          </m:r>
+                          <m:r>
+                            <a:rPr lang="fr-BE" i="1">
+                              <a:solidFill>
+                                <a:schemeClr val="tx1">
+                                  <a:lumMod val="85000"/>
+                                  <a:lumOff val="15000"/>
+                                </a:schemeClr>
+                              </a:solidFill>
+                              <a:latin typeface="Cambria Math" panose="02040503050406030204" pitchFamily="18" charset="0"/>
+                            </a:rPr>
+                            <m:t>,+2</m:t>
+                          </m:r>
+                          <m:r>
+                            <a:rPr lang="fr-BE" i="1">
+                              <a:solidFill>
+                                <a:schemeClr val="tx1">
+                                  <a:lumMod val="85000"/>
+                                  <a:lumOff val="15000"/>
+                                </a:schemeClr>
+                              </a:solidFill>
+                              <a:latin typeface="Cambria Math" panose="02040503050406030204" pitchFamily="18" charset="0"/>
+                            </a:rPr>
+                            <m:t>𝑗</m:t>
+                          </m:r>
+                        </m:sub>
+                      </m:sSub>
+                      <m:r>
+                        <a:rPr lang="fr-BE" i="1">
+                          <a:solidFill>
+                            <a:schemeClr val="tx1">
+                              <a:lumMod val="85000"/>
+                              <a:lumOff val="15000"/>
+                            </a:schemeClr>
+                          </a:solidFill>
+                          <a:latin typeface="Cambria Math" panose="02040503050406030204" pitchFamily="18" charset="0"/>
+                        </a:rPr>
+                        <m:t>−2</m:t>
+                      </m:r>
+                      <m:sSub>
+                        <m:sSubPr>
+                          <m:ctrlPr>
+                            <a:rPr lang="fr-BE" i="1">
+                              <a:solidFill>
+                                <a:schemeClr val="tx1">
+                                  <a:lumMod val="85000"/>
+                                  <a:lumOff val="15000"/>
+                                </a:schemeClr>
+                              </a:solidFill>
+                              <a:latin typeface="Cambria Math" panose="02040503050406030204" pitchFamily="18" charset="0"/>
+                            </a:rPr>
+                          </m:ctrlPr>
+                        </m:sSubPr>
+                        <m:e>
+                          <m:r>
+                            <a:rPr lang="fr-BE" i="1">
+                              <a:solidFill>
+                                <a:schemeClr val="tx1">
+                                  <a:lumMod val="85000"/>
+                                  <a:lumOff val="15000"/>
+                                </a:schemeClr>
+                              </a:solidFill>
+                              <a:latin typeface="Cambria Math" panose="02040503050406030204" pitchFamily="18" charset="0"/>
+                            </a:rPr>
+                            <m:t>𝑢</m:t>
+                          </m:r>
+                        </m:e>
+                        <m:sub>
+                          <m:r>
+                            <a:rPr lang="fr-BE" i="1">
+                              <a:solidFill>
+                                <a:schemeClr val="tx1">
+                                  <a:lumMod val="85000"/>
+                                  <a:lumOff val="15000"/>
+                                </a:schemeClr>
+                              </a:solidFill>
+                              <a:latin typeface="Cambria Math" panose="02040503050406030204" pitchFamily="18" charset="0"/>
+                            </a:rPr>
+                            <m:t>𝑖</m:t>
+                          </m:r>
+                          <m:r>
+                            <a:rPr lang="fr-BE" i="1">
+                              <a:solidFill>
+                                <a:schemeClr val="tx1">
+                                  <a:lumMod val="85000"/>
+                                  <a:lumOff val="15000"/>
+                                </a:schemeClr>
+                              </a:solidFill>
+                              <a:latin typeface="Cambria Math" panose="02040503050406030204" pitchFamily="18" charset="0"/>
+                            </a:rPr>
+                            <m:t>+1</m:t>
+                          </m:r>
+                          <m:r>
+                            <a:rPr lang="fr-BE" i="1">
+                              <a:solidFill>
+                                <a:schemeClr val="tx1">
+                                  <a:lumMod val="85000"/>
+                                  <a:lumOff val="15000"/>
+                                </a:schemeClr>
+                              </a:solidFill>
+                              <a:latin typeface="Cambria Math" panose="02040503050406030204" pitchFamily="18" charset="0"/>
+                            </a:rPr>
+                            <m:t>,</m:t>
+                          </m:r>
+                          <m:r>
+                            <a:rPr lang="fr-BE" i="1">
+                              <a:solidFill>
+                                <a:schemeClr val="tx1">
+                                  <a:lumMod val="85000"/>
+                                  <a:lumOff val="15000"/>
+                                </a:schemeClr>
+                              </a:solidFill>
+                              <a:latin typeface="Cambria Math" panose="02040503050406030204" pitchFamily="18" charset="0"/>
+                            </a:rPr>
+                            <m:t>𝑗</m:t>
+                          </m:r>
+                        </m:sub>
+                      </m:sSub>
+                      <m:r>
+                        <a:rPr lang="fr-BE" i="1">
+                          <a:solidFill>
+                            <a:schemeClr val="tx1">
+                              <a:lumMod val="85000"/>
+                              <a:lumOff val="15000"/>
+                            </a:schemeClr>
+                          </a:solidFill>
+                          <a:latin typeface="Cambria Math" panose="02040503050406030204" pitchFamily="18" charset="0"/>
+                        </a:rPr>
+                        <m:t>+2</m:t>
+                      </m:r>
+                      <m:sSub>
+                        <m:sSubPr>
+                          <m:ctrlPr>
+                            <a:rPr lang="fr-BE" i="1">
+                              <a:solidFill>
+                                <a:schemeClr val="tx1">
+                                  <a:lumMod val="85000"/>
+                                  <a:lumOff val="15000"/>
+                                </a:schemeClr>
+                              </a:solidFill>
+                              <a:latin typeface="Cambria Math" panose="02040503050406030204" pitchFamily="18" charset="0"/>
+                            </a:rPr>
+                          </m:ctrlPr>
+                        </m:sSubPr>
+                        <m:e>
+                          <m:r>
+                            <a:rPr lang="fr-BE" i="1">
+                              <a:solidFill>
+                                <a:schemeClr val="tx1">
+                                  <a:lumMod val="85000"/>
+                                  <a:lumOff val="15000"/>
+                                </a:schemeClr>
+                              </a:solidFill>
+                              <a:latin typeface="Cambria Math" panose="02040503050406030204" pitchFamily="18" charset="0"/>
+                            </a:rPr>
+                            <m:t>𝑢</m:t>
+                          </m:r>
+                        </m:e>
+                        <m:sub>
+                          <m:r>
+                            <a:rPr lang="fr-BE" i="1">
+                              <a:solidFill>
+                                <a:schemeClr val="tx1">
+                                  <a:lumMod val="85000"/>
+                                  <a:lumOff val="15000"/>
+                                </a:schemeClr>
+                              </a:solidFill>
+                              <a:latin typeface="Cambria Math" panose="02040503050406030204" pitchFamily="18" charset="0"/>
+                            </a:rPr>
+                            <m:t>𝑖</m:t>
+                          </m:r>
+                          <m:r>
+                            <a:rPr lang="fr-BE" i="1">
+                              <a:solidFill>
+                                <a:schemeClr val="tx1">
+                                  <a:lumMod val="85000"/>
+                                  <a:lumOff val="15000"/>
+                                </a:schemeClr>
+                              </a:solidFill>
+                              <a:latin typeface="Cambria Math" panose="02040503050406030204" pitchFamily="18" charset="0"/>
+                            </a:rPr>
+                            <m:t>−1</m:t>
+                          </m:r>
+                          <m:r>
+                            <a:rPr lang="fr-BE" i="1">
+                              <a:solidFill>
+                                <a:schemeClr val="tx1">
+                                  <a:lumMod val="85000"/>
+                                  <a:lumOff val="15000"/>
+                                </a:schemeClr>
+                              </a:solidFill>
+                              <a:latin typeface="Cambria Math" panose="02040503050406030204" pitchFamily="18" charset="0"/>
+                            </a:rPr>
+                            <m:t>,</m:t>
+                          </m:r>
+                          <m:r>
+                            <a:rPr lang="fr-BE" i="1">
+                              <a:solidFill>
+                                <a:schemeClr val="tx1">
+                                  <a:lumMod val="85000"/>
+                                  <a:lumOff val="15000"/>
+                                </a:schemeClr>
+                              </a:solidFill>
+                              <a:latin typeface="Cambria Math" panose="02040503050406030204" pitchFamily="18" charset="0"/>
+                            </a:rPr>
+                            <m:t>𝑗</m:t>
+                          </m:r>
+                        </m:sub>
+                      </m:sSub>
+                      <m:r>
+                        <a:rPr lang="fr-BE" i="1">
+                          <a:solidFill>
+                            <a:schemeClr val="tx1">
+                              <a:lumMod val="85000"/>
+                              <a:lumOff val="15000"/>
+                            </a:schemeClr>
+                          </a:solidFill>
+                          <a:latin typeface="Cambria Math" panose="02040503050406030204" pitchFamily="18" charset="0"/>
+                        </a:rPr>
+                        <m:t>−</m:t>
+                      </m:r>
+                      <m:sSub>
+                        <m:sSubPr>
+                          <m:ctrlPr>
+                            <a:rPr lang="fr-BE" i="1">
+                              <a:solidFill>
+                                <a:schemeClr val="tx1">
+                                  <a:lumMod val="85000"/>
+                                  <a:lumOff val="15000"/>
+                                </a:schemeClr>
+                              </a:solidFill>
+                              <a:latin typeface="Cambria Math" panose="02040503050406030204" pitchFamily="18" charset="0"/>
+                            </a:rPr>
+                          </m:ctrlPr>
+                        </m:sSubPr>
+                        <m:e>
+                          <m:r>
+                            <a:rPr lang="fr-BE" i="1">
+                              <a:solidFill>
+                                <a:schemeClr val="tx1">
+                                  <a:lumMod val="85000"/>
+                                  <a:lumOff val="15000"/>
+                                </a:schemeClr>
+                              </a:solidFill>
+                              <a:latin typeface="Cambria Math" panose="02040503050406030204" pitchFamily="18" charset="0"/>
+                            </a:rPr>
+                            <m:t>𝑢</m:t>
+                          </m:r>
+                        </m:e>
+                        <m:sub>
+                          <m:r>
+                            <a:rPr lang="fr-BE" i="1">
+                              <a:solidFill>
+                                <a:schemeClr val="tx1">
+                                  <a:lumMod val="85000"/>
+                                  <a:lumOff val="15000"/>
+                                </a:schemeClr>
+                              </a:solidFill>
+                              <a:latin typeface="Cambria Math" panose="02040503050406030204" pitchFamily="18" charset="0"/>
+                            </a:rPr>
+                            <m:t>𝑖</m:t>
+                          </m:r>
+                          <m:r>
+                            <a:rPr lang="fr-BE" i="1">
+                              <a:solidFill>
+                                <a:schemeClr val="tx1">
+                                  <a:lumMod val="85000"/>
+                                  <a:lumOff val="15000"/>
+                                </a:schemeClr>
+                              </a:solidFill>
+                              <a:latin typeface="Cambria Math" panose="02040503050406030204" pitchFamily="18" charset="0"/>
+                            </a:rPr>
+                            <m:t>−2</m:t>
+                          </m:r>
+                          <m:r>
+                            <a:rPr lang="fr-BE" i="1">
+                              <a:solidFill>
+                                <a:schemeClr val="tx1">
+                                  <a:lumMod val="85000"/>
+                                  <a:lumOff val="15000"/>
+                                </a:schemeClr>
+                              </a:solidFill>
+                              <a:latin typeface="Cambria Math" panose="02040503050406030204" pitchFamily="18" charset="0"/>
+                            </a:rPr>
+                            <m:t>,</m:t>
+                          </m:r>
+                          <m:r>
+                            <a:rPr lang="fr-BE" i="1">
+                              <a:solidFill>
+                                <a:schemeClr val="tx1">
+                                  <a:lumMod val="85000"/>
+                                  <a:lumOff val="15000"/>
+                                </a:schemeClr>
+                              </a:solidFill>
+                              <a:latin typeface="Cambria Math" panose="02040503050406030204" pitchFamily="18" charset="0"/>
+                            </a:rPr>
+                            <m:t>𝑗</m:t>
+                          </m:r>
+                        </m:sub>
+                      </m:sSub>
+                      <m:r>
+                        <a:rPr lang="fr-BE" i="1">
+                          <a:solidFill>
+                            <a:schemeClr val="tx1">
+                              <a:lumMod val="85000"/>
+                              <a:lumOff val="15000"/>
+                            </a:schemeClr>
+                          </a:solidFill>
+                          <a:latin typeface="Cambria Math" panose="02040503050406030204" pitchFamily="18" charset="0"/>
+                        </a:rPr>
+                        <m:t>)</m:t>
+                      </m:r>
+                    </m:oMath>
+                  </m:oMathPara>
+                </a14:m>
+                <a:endParaRPr lang="fr-BE" dirty="0">
+                  <a:solidFill>
+                    <a:schemeClr val="tx1">
+                      <a:lumMod val="85000"/>
+                      <a:lumOff val="15000"/>
+                    </a:schemeClr>
+                  </a:solidFill>
+                </a:endParaRPr>
+              </a:p>
+            </p:txBody>
+          </p:sp>
+        </mc:Choice>
+        <mc:Fallback>
+          <p:sp>
+            <p:nvSpPr>
+              <p:cNvPr id="8" name="ZoneTexte 7"/>
+              <p:cNvSpPr txBox="1">
+                <a:spLocks noRot="1" noChangeAspect="1" noMove="1" noResize="1" noEditPoints="1" noAdjustHandles="1" noChangeArrowheads="1" noChangeShapeType="1" noTextEdit="1"/>
+              </p:cNvSpPr>
+              <p:nvPr/>
+            </p:nvSpPr>
+            <p:spPr>
+              <a:xfrm>
+                <a:off x="909254" y="1267597"/>
+                <a:ext cx="8123464" cy="618246"/>
+              </a:xfrm>
+              <a:prstGeom prst="rect">
+                <a:avLst/>
+              </a:prstGeom>
+              <a:blipFill>
+                <a:blip r:embed="rId2"/>
+                <a:stretch>
+                  <a:fillRect/>
+                </a:stretch>
+              </a:blipFill>
+            </p:spPr>
+            <p:txBody>
+              <a:bodyPr/>
+              <a:lstStyle/>
+              <a:p>
+                <a:r>
+                  <a:rPr lang="fr-BE">
+                    <a:noFill/>
+                  </a:rPr>
+                  <a:t> </a:t>
+                </a:r>
+              </a:p>
+            </p:txBody>
+          </p:sp>
+        </mc:Fallback>
+      </mc:AlternateContent>
+      <mc:AlternateContent xmlns:mc="http://schemas.openxmlformats.org/markup-compatibility/2006">
+        <mc:Choice xmlns:a14="http://schemas.microsoft.com/office/drawing/2010/main" Requires="a14">
+          <p:sp>
+            <p:nvSpPr>
+              <p:cNvPr id="9" name="Espace réservé du contenu 2"/>
+              <p:cNvSpPr txBox="1">
+                <a:spLocks/>
+              </p:cNvSpPr>
+              <p:nvPr/>
+            </p:nvSpPr>
+            <p:spPr>
+              <a:xfrm>
+                <a:off x="677334" y="2160590"/>
+                <a:ext cx="8596668" cy="1712164"/>
+              </a:xfrm>
+              <a:prstGeom prst="rect">
+                <a:avLst/>
+              </a:prstGeom>
+            </p:spPr>
+            <p:txBody>
+              <a:bodyPr vert="horz" lIns="91440" tIns="45720" rIns="91440" bIns="45720" rtlCol="0">
+                <a:normAutofit/>
+              </a:bodyPr>
+              <a:lstStyle>
+                <a:lvl1pPr marL="342900" indent="-342900" algn="l" defTabSz="457200" rtl="0" eaLnBrk="1" latinLnBrk="0" hangingPunct="1">
+                  <a:spcBef>
+                    <a:spcPts val="1000"/>
+                  </a:spcBef>
+                  <a:spcAft>
+                    <a:spcPts val="0"/>
+                  </a:spcAft>
+                  <a:buClr>
+                    <a:schemeClr val="accent1"/>
+                  </a:buClr>
+                  <a:buSzPct val="80000"/>
+                  <a:buFont typeface="Wingdings 3" charset="2"/>
+                  <a:buChar char=""/>
+                  <a:defRPr sz="1800" kern="1200">
+                    <a:solidFill>
+                      <a:schemeClr val="tx1">
+                        <a:lumMod val="85000"/>
+                        <a:lumOff val="15000"/>
+                      </a:schemeClr>
+                    </a:solidFill>
+                    <a:latin typeface="+mn-lt"/>
+                    <a:ea typeface="+mn-ea"/>
+                    <a:cs typeface="+mn-cs"/>
+                  </a:defRPr>
+                </a:lvl1pPr>
+                <a:lvl2pPr marL="742950" indent="-285750" algn="l" defTabSz="457200" rtl="0" eaLnBrk="1" latinLnBrk="0" hangingPunct="1">
+                  <a:spcBef>
+                    <a:spcPts val="1000"/>
+                  </a:spcBef>
+                  <a:spcAft>
+                    <a:spcPts val="0"/>
+                  </a:spcAft>
+                  <a:buClr>
+                    <a:schemeClr val="accent1"/>
+                  </a:buClr>
+                  <a:buSzPct val="80000"/>
+                  <a:buFont typeface="Wingdings 3" charset="2"/>
+                  <a:buChar char=""/>
+                  <a:defRPr sz="1600" kern="1200">
+                    <a:solidFill>
+                      <a:schemeClr val="tx1">
+                        <a:lumMod val="85000"/>
+                        <a:lumOff val="15000"/>
+                      </a:schemeClr>
+                    </a:solidFill>
+                    <a:latin typeface="+mn-lt"/>
+                    <a:ea typeface="+mn-ea"/>
+                    <a:cs typeface="+mn-cs"/>
+                  </a:defRPr>
+                </a:lvl2pPr>
+                <a:lvl3pPr marL="1143000" indent="-228600" algn="l" defTabSz="457200" rtl="0" eaLnBrk="1" latinLnBrk="0" hangingPunct="1">
+                  <a:spcBef>
+                    <a:spcPts val="1000"/>
+                  </a:spcBef>
+                  <a:spcAft>
+                    <a:spcPts val="0"/>
+                  </a:spcAft>
+                  <a:buClr>
+                    <a:schemeClr val="accent1"/>
+                  </a:buClr>
+                  <a:buSzPct val="80000"/>
+                  <a:buFont typeface="Wingdings 3" charset="2"/>
+                  <a:buChar char=""/>
+                  <a:defRPr sz="1400" kern="1200">
+                    <a:solidFill>
+                      <a:schemeClr val="tx1">
+                        <a:lumMod val="85000"/>
+                        <a:lumOff val="15000"/>
+                      </a:schemeClr>
+                    </a:solidFill>
+                    <a:latin typeface="+mn-lt"/>
+                    <a:ea typeface="+mn-ea"/>
+                    <a:cs typeface="+mn-cs"/>
+                  </a:defRPr>
+                </a:lvl3pPr>
+                <a:lvl4pPr marL="1600200" indent="-228600" algn="l" defTabSz="457200" rtl="0" eaLnBrk="1" latinLnBrk="0" hangingPunct="1">
+                  <a:spcBef>
+                    <a:spcPts val="1000"/>
+                  </a:spcBef>
+                  <a:spcAft>
+                    <a:spcPts val="0"/>
+                  </a:spcAft>
+                  <a:buClr>
+                    <a:schemeClr val="accent1"/>
+                  </a:buClr>
+                  <a:buSzPct val="80000"/>
+                  <a:buFont typeface="Wingdings 3" charset="2"/>
+                  <a:buChar char=""/>
+                  <a:defRPr sz="1200" kern="1200">
+                    <a:solidFill>
+                      <a:schemeClr val="tx1">
+                        <a:lumMod val="85000"/>
+                        <a:lumOff val="15000"/>
+                      </a:schemeClr>
+                    </a:solidFill>
+                    <a:latin typeface="+mn-lt"/>
+                    <a:ea typeface="+mn-ea"/>
+                    <a:cs typeface="+mn-cs"/>
+                  </a:defRPr>
+                </a:lvl4pPr>
+                <a:lvl5pPr marL="2057400" indent="-228600" algn="l" defTabSz="457200" rtl="0" eaLnBrk="1" latinLnBrk="0" hangingPunct="1">
+                  <a:spcBef>
+                    <a:spcPts val="1000"/>
+                  </a:spcBef>
+                  <a:spcAft>
+                    <a:spcPts val="0"/>
+                  </a:spcAft>
+                  <a:buClr>
+                    <a:schemeClr val="accent1"/>
+                  </a:buClr>
+                  <a:buSzPct val="80000"/>
+                  <a:buFont typeface="Wingdings 3" charset="2"/>
+                  <a:buChar char=""/>
+                  <a:defRPr sz="1200" kern="1200">
+                    <a:solidFill>
+                      <a:schemeClr val="tx1">
+                        <a:lumMod val="85000"/>
+                        <a:lumOff val="15000"/>
+                      </a:schemeClr>
+                    </a:solidFill>
+                    <a:latin typeface="+mn-lt"/>
+                    <a:ea typeface="+mn-ea"/>
+                    <a:cs typeface="+mn-cs"/>
+                  </a:defRPr>
+                </a:lvl5pPr>
+                <a:lvl6pPr marL="2514600" indent="-228600" algn="l" defTabSz="457200" rtl="0" eaLnBrk="1" latinLnBrk="0" hangingPunct="1">
+                  <a:spcBef>
+                    <a:spcPts val="1000"/>
+                  </a:spcBef>
+                  <a:spcAft>
+                    <a:spcPts val="0"/>
+                  </a:spcAft>
+                  <a:buClr>
+                    <a:schemeClr val="accent1"/>
+                  </a:buClr>
+                  <a:buSzPct val="80000"/>
+                  <a:buFont typeface="Wingdings 3" charset="2"/>
+                  <a:buChar char=""/>
+                  <a:defRPr sz="1200" kern="1200">
+                    <a:solidFill>
+                      <a:schemeClr val="tx1">
+                        <a:lumMod val="75000"/>
+                        <a:lumOff val="25000"/>
+                      </a:schemeClr>
+                    </a:solidFill>
+                    <a:latin typeface="+mn-lt"/>
+                    <a:ea typeface="+mn-ea"/>
+                    <a:cs typeface="+mn-cs"/>
+                  </a:defRPr>
+                </a:lvl6pPr>
+                <a:lvl7pPr marL="2971800" indent="-228600" algn="l" defTabSz="457200" rtl="0" eaLnBrk="1" latinLnBrk="0" hangingPunct="1">
+                  <a:spcBef>
+                    <a:spcPts val="1000"/>
+                  </a:spcBef>
+                  <a:spcAft>
+                    <a:spcPts val="0"/>
+                  </a:spcAft>
+                  <a:buClr>
+                    <a:schemeClr val="accent1"/>
+                  </a:buClr>
+                  <a:buSzPct val="80000"/>
+                  <a:buFont typeface="Wingdings 3" charset="2"/>
+                  <a:buChar char=""/>
+                  <a:defRPr sz="1200" kern="1200">
+                    <a:solidFill>
+                      <a:schemeClr val="tx1">
+                        <a:lumMod val="75000"/>
+                        <a:lumOff val="25000"/>
+                      </a:schemeClr>
+                    </a:solidFill>
+                    <a:latin typeface="+mn-lt"/>
+                    <a:ea typeface="+mn-ea"/>
+                    <a:cs typeface="+mn-cs"/>
+                  </a:defRPr>
+                </a:lvl7pPr>
+                <a:lvl8pPr marL="3429000" indent="-228600" algn="l" defTabSz="457200" rtl="0" eaLnBrk="1" latinLnBrk="0" hangingPunct="1">
+                  <a:spcBef>
+                    <a:spcPts val="1000"/>
+                  </a:spcBef>
+                  <a:spcAft>
+                    <a:spcPts val="0"/>
+                  </a:spcAft>
+                  <a:buClr>
+                    <a:schemeClr val="accent1"/>
+                  </a:buClr>
+                  <a:buSzPct val="80000"/>
+                  <a:buFont typeface="Wingdings 3" charset="2"/>
+                  <a:buChar char=""/>
+                  <a:defRPr sz="1200" kern="1200">
+                    <a:solidFill>
+                      <a:schemeClr val="tx1">
+                        <a:lumMod val="75000"/>
+                        <a:lumOff val="25000"/>
+                      </a:schemeClr>
+                    </a:solidFill>
+                    <a:latin typeface="+mn-lt"/>
+                    <a:ea typeface="+mn-ea"/>
+                    <a:cs typeface="+mn-cs"/>
+                  </a:defRPr>
+                </a:lvl8pPr>
+                <a:lvl9pPr marL="3886200" indent="-228600" algn="l" defTabSz="457200" rtl="0" eaLnBrk="1" latinLnBrk="0" hangingPunct="1">
+                  <a:spcBef>
+                    <a:spcPts val="1000"/>
+                  </a:spcBef>
+                  <a:spcAft>
+                    <a:spcPts val="0"/>
+                  </a:spcAft>
+                  <a:buClr>
+                    <a:schemeClr val="accent1"/>
+                  </a:buClr>
+                  <a:buSzPct val="80000"/>
+                  <a:buFont typeface="Wingdings 3" charset="2"/>
+                  <a:buChar char=""/>
+                  <a:defRPr sz="1200" kern="1200">
+                    <a:solidFill>
+                      <a:schemeClr val="tx1">
+                        <a:lumMod val="75000"/>
+                        <a:lumOff val="25000"/>
+                      </a:schemeClr>
+                    </a:solidFill>
+                    <a:latin typeface="+mn-lt"/>
+                    <a:ea typeface="+mn-ea"/>
+                    <a:cs typeface="+mn-cs"/>
+                  </a:defRPr>
+                </a:lvl9pPr>
+              </a:lstStyle>
+              <a:p>
+                <a:pPr marL="0" indent="0">
+                  <a:buNone/>
+                </a:pPr>
+                <a:r>
+                  <a:rPr lang="fr-BE" dirty="0" smtClean="0"/>
+                  <a:t>Avec :</a:t>
+                </a:r>
+              </a:p>
+              <a:p>
+                <a14:m>
+                  <m:oMath xmlns:m="http://schemas.openxmlformats.org/officeDocument/2006/math">
+                    <m:sSub>
+                      <m:sSubPr>
+                        <m:ctrlPr>
+                          <a:rPr lang="fr-BE" i="1">
+                            <a:latin typeface="Cambria Math" panose="02040503050406030204" pitchFamily="18" charset="0"/>
+                          </a:rPr>
+                        </m:ctrlPr>
+                      </m:sSubPr>
+                      <m:e>
+                        <m:r>
+                          <a:rPr lang="fr-BE" i="1">
+                            <a:latin typeface="Cambria Math" panose="02040503050406030204" pitchFamily="18" charset="0"/>
+                          </a:rPr>
+                          <m:t>𝑢</m:t>
+                        </m:r>
+                      </m:e>
+                      <m:sub>
+                        <m:r>
+                          <a:rPr lang="fr-BE" i="1">
+                            <a:latin typeface="Cambria Math" panose="02040503050406030204" pitchFamily="18" charset="0"/>
+                          </a:rPr>
+                          <m:t>𝑖</m:t>
+                        </m:r>
+                        <m:r>
+                          <a:rPr lang="fr-BE" i="1">
+                            <a:latin typeface="Cambria Math" panose="02040503050406030204" pitchFamily="18" charset="0"/>
+                          </a:rPr>
+                          <m:t>,</m:t>
+                        </m:r>
+                        <m:r>
+                          <a:rPr lang="fr-BE" i="1">
+                            <a:latin typeface="Cambria Math" panose="02040503050406030204" pitchFamily="18" charset="0"/>
+                          </a:rPr>
+                          <m:t>𝑗</m:t>
+                        </m:r>
+                      </m:sub>
+                    </m:sSub>
+                    <m:r>
+                      <a:rPr lang="fr-BE" b="0" i="1" smtClean="0">
+                        <a:latin typeface="Cambria Math" panose="02040503050406030204" pitchFamily="18" charset="0"/>
+                      </a:rPr>
+                      <m:t>=</m:t>
+                    </m:r>
+                    <m:sSub>
+                      <m:sSubPr>
+                        <m:ctrlPr>
+                          <a:rPr lang="fr-BE" b="0" i="1" smtClean="0">
+                            <a:latin typeface="Cambria Math" panose="02040503050406030204" pitchFamily="18" charset="0"/>
+                          </a:rPr>
+                        </m:ctrlPr>
+                      </m:sSubPr>
+                      <m:e>
+                        <m:r>
+                          <a:rPr lang="fr-BE" b="0" i="1" smtClean="0">
+                            <a:latin typeface="Cambria Math" panose="02040503050406030204" pitchFamily="18" charset="0"/>
+                          </a:rPr>
+                          <m:t>𝑢</m:t>
+                        </m:r>
+                      </m:e>
+                      <m:sub>
+                        <m:r>
+                          <a:rPr lang="fr-BE" b="0" i="1" smtClean="0">
+                            <a:latin typeface="Cambria Math" panose="02040503050406030204" pitchFamily="18" charset="0"/>
+                          </a:rPr>
+                          <m:t>0</m:t>
+                        </m:r>
+                      </m:sub>
+                    </m:sSub>
+                  </m:oMath>
+                </a14:m>
+                <a:r>
+                  <a:rPr lang="fr-BE" dirty="0" smtClean="0"/>
+                  <a:t>(constant)</a:t>
+                </a:r>
+              </a:p>
+              <a:p>
+                <a14:m>
+                  <m:oMath xmlns:m="http://schemas.openxmlformats.org/officeDocument/2006/math">
+                    <m:sSub>
+                      <m:sSubPr>
+                        <m:ctrlPr>
+                          <a:rPr lang="fr-BE" i="1">
+                            <a:latin typeface="Cambria Math" panose="02040503050406030204" pitchFamily="18" charset="0"/>
+                          </a:rPr>
+                        </m:ctrlPr>
+                      </m:sSubPr>
+                      <m:e>
+                        <m:r>
+                          <a:rPr lang="fr-BE" i="1">
+                            <a:latin typeface="Cambria Math" panose="02040503050406030204" pitchFamily="18" charset="0"/>
+                          </a:rPr>
+                          <m:t>𝑢</m:t>
+                        </m:r>
+                      </m:e>
+                      <m:sub>
+                        <m:r>
+                          <a:rPr lang="fr-BE" i="1">
+                            <a:latin typeface="Cambria Math" panose="02040503050406030204" pitchFamily="18" charset="0"/>
+                          </a:rPr>
+                          <m:t>𝑖</m:t>
+                        </m:r>
+                        <m:r>
+                          <a:rPr lang="fr-BE" i="1">
+                            <a:latin typeface="Cambria Math" panose="02040503050406030204" pitchFamily="18" charset="0"/>
+                          </a:rPr>
+                          <m:t>,</m:t>
+                        </m:r>
+                        <m:r>
+                          <a:rPr lang="fr-BE" i="1">
+                            <a:latin typeface="Cambria Math" panose="02040503050406030204" pitchFamily="18" charset="0"/>
+                          </a:rPr>
+                          <m:t>𝑗</m:t>
+                        </m:r>
+                      </m:sub>
+                    </m:sSub>
+                    <m:r>
+                      <a:rPr lang="fr-BE" b="0" i="1" smtClean="0">
+                        <a:latin typeface="Cambria Math" panose="02040503050406030204" pitchFamily="18" charset="0"/>
+                      </a:rPr>
+                      <m:t>=</m:t>
+                    </m:r>
+                    <m:sSup>
+                      <m:sSupPr>
+                        <m:ctrlPr>
+                          <a:rPr lang="fr-BE" b="0" i="1" smtClean="0">
+                            <a:latin typeface="Cambria Math" panose="02040503050406030204" pitchFamily="18" charset="0"/>
+                          </a:rPr>
+                        </m:ctrlPr>
+                      </m:sSupPr>
+                      <m:e>
+                        <m:sSub>
+                          <m:sSubPr>
+                            <m:ctrlPr>
+                              <a:rPr lang="fr-BE" b="0" i="1" smtClean="0">
+                                <a:latin typeface="Cambria Math" panose="02040503050406030204" pitchFamily="18" charset="0"/>
+                              </a:rPr>
+                            </m:ctrlPr>
+                          </m:sSubPr>
+                          <m:e>
+                            <m:r>
+                              <a:rPr lang="fr-BE" b="0" i="1" smtClean="0">
+                                <a:latin typeface="Cambria Math" panose="02040503050406030204" pitchFamily="18" charset="0"/>
+                              </a:rPr>
+                              <m:t>𝑤</m:t>
+                            </m:r>
+                          </m:e>
+                          <m:sub>
+                            <m:r>
+                              <a:rPr lang="fr-BE" b="0" i="1" smtClean="0">
+                                <a:latin typeface="Cambria Math" panose="02040503050406030204" pitchFamily="18" charset="0"/>
+                              </a:rPr>
+                              <m:t>𝑗</m:t>
+                            </m:r>
+                          </m:sub>
+                        </m:sSub>
+                        <m:r>
+                          <a:rPr lang="fr-BE" b="0" i="1" smtClean="0">
+                            <a:latin typeface="Cambria Math" panose="02040503050406030204" pitchFamily="18" charset="0"/>
+                          </a:rPr>
+                          <m:t>𝑒</m:t>
+                        </m:r>
+                      </m:e>
+                      <m:sup>
+                        <m:r>
+                          <a:rPr lang="fr-BE" b="0" i="1" smtClean="0">
+                            <a:latin typeface="Cambria Math" panose="02040503050406030204" pitchFamily="18" charset="0"/>
+                          </a:rPr>
+                          <m:t>𝑖𝑟</m:t>
+                        </m:r>
+                        <m:sSub>
+                          <m:sSubPr>
+                            <m:ctrlPr>
+                              <a:rPr lang="fr-BE" b="0" i="1" smtClean="0">
+                                <a:latin typeface="Cambria Math" panose="02040503050406030204" pitchFamily="18" charset="0"/>
+                              </a:rPr>
+                            </m:ctrlPr>
+                          </m:sSubPr>
+                          <m:e>
+                            <m:r>
+                              <a:rPr lang="fr-BE" b="0" i="1" smtClean="0">
+                                <a:latin typeface="Cambria Math" panose="02040503050406030204" pitchFamily="18" charset="0"/>
+                              </a:rPr>
+                              <m:t>𝑥</m:t>
+                            </m:r>
+                          </m:e>
+                          <m:sub>
+                            <m:r>
+                              <a:rPr lang="fr-BE" b="0" i="1" smtClean="0">
+                                <a:latin typeface="Cambria Math" panose="02040503050406030204" pitchFamily="18" charset="0"/>
+                              </a:rPr>
+                              <m:t>𝑖</m:t>
+                            </m:r>
+                          </m:sub>
+                        </m:sSub>
+                      </m:sup>
+                    </m:sSup>
+                  </m:oMath>
+                </a14:m>
+                <a:endParaRPr lang="fr-BE" b="0" dirty="0" smtClean="0"/>
+              </a:p>
+              <a:p>
+                <a14:m>
+                  <m:oMath xmlns:m="http://schemas.openxmlformats.org/officeDocument/2006/math">
+                    <m:sSub>
+                      <m:sSubPr>
+                        <m:ctrlPr>
+                          <a:rPr lang="fr-BE" i="1">
+                            <a:latin typeface="Cambria Math" panose="02040503050406030204" pitchFamily="18" charset="0"/>
+                          </a:rPr>
+                        </m:ctrlPr>
+                      </m:sSubPr>
+                      <m:e>
+                        <m:r>
+                          <a:rPr lang="fr-BE" b="0" i="1" smtClean="0">
+                            <a:latin typeface="Cambria Math" panose="02040503050406030204" pitchFamily="18" charset="0"/>
+                          </a:rPr>
+                          <m:t>𝑤</m:t>
+                        </m:r>
+                      </m:e>
+                      <m:sub>
+                        <m:r>
+                          <a:rPr lang="fr-BE" i="1">
+                            <a:latin typeface="Cambria Math" panose="02040503050406030204" pitchFamily="18" charset="0"/>
+                          </a:rPr>
+                          <m:t>𝑗</m:t>
+                        </m:r>
+                      </m:sub>
+                    </m:sSub>
+                    <m:r>
+                      <a:rPr lang="fr-BE" b="0" i="1" smtClean="0">
+                        <a:latin typeface="Cambria Math" panose="02040503050406030204" pitchFamily="18" charset="0"/>
+                      </a:rPr>
+                      <m:t>=</m:t>
+                    </m:r>
+                    <m:sSub>
+                      <m:sSubPr>
+                        <m:ctrlPr>
+                          <a:rPr lang="fr-BE" b="0" i="1" smtClean="0">
+                            <a:latin typeface="Cambria Math" panose="02040503050406030204" pitchFamily="18" charset="0"/>
+                          </a:rPr>
+                        </m:ctrlPr>
+                      </m:sSubPr>
+                      <m:e>
+                        <m:sSup>
+                          <m:sSupPr>
+                            <m:ctrlPr>
+                              <a:rPr lang="fr-BE" b="0" i="1" smtClean="0">
+                                <a:latin typeface="Cambria Math" panose="02040503050406030204" pitchFamily="18" charset="0"/>
+                              </a:rPr>
+                            </m:ctrlPr>
+                          </m:sSupPr>
+                          <m:e>
+                            <m:r>
+                              <a:rPr lang="fr-BE" b="0" i="1" smtClean="0">
+                                <a:latin typeface="Cambria Math" panose="02040503050406030204" pitchFamily="18" charset="0"/>
+                              </a:rPr>
+                              <m:t>𝜅</m:t>
+                            </m:r>
+                          </m:e>
+                          <m:sup>
+                            <m:r>
+                              <a:rPr lang="fr-BE" b="0" i="1" smtClean="0">
+                                <a:latin typeface="Cambria Math" panose="02040503050406030204" pitchFamily="18" charset="0"/>
+                              </a:rPr>
+                              <m:t>𝑗</m:t>
+                            </m:r>
+                          </m:sup>
+                        </m:sSup>
+                        <m:r>
+                          <a:rPr lang="fr-BE" b="0" i="1" smtClean="0">
+                            <a:latin typeface="Cambria Math" panose="02040503050406030204" pitchFamily="18" charset="0"/>
+                          </a:rPr>
+                          <m:t>𝑤</m:t>
+                        </m:r>
+                      </m:e>
+                      <m:sub>
+                        <m:r>
+                          <a:rPr lang="fr-BE" b="0" i="1" smtClean="0">
+                            <a:latin typeface="Cambria Math" panose="02040503050406030204" pitchFamily="18" charset="0"/>
+                          </a:rPr>
+                          <m:t>0</m:t>
+                        </m:r>
+                      </m:sub>
+                    </m:sSub>
+                  </m:oMath>
+                </a14:m>
+                <a:endParaRPr lang="fr-BE" dirty="0" smtClean="0"/>
+              </a:p>
+            </p:txBody>
+          </p:sp>
+        </mc:Choice>
+        <mc:Fallback>
+          <p:sp>
+            <p:nvSpPr>
+              <p:cNvPr id="9" name="Espace réservé du contenu 2"/>
+              <p:cNvSpPr txBox="1">
+                <a:spLocks noRot="1" noChangeAspect="1" noMove="1" noResize="1" noEditPoints="1" noAdjustHandles="1" noChangeArrowheads="1" noChangeShapeType="1" noTextEdit="1"/>
+              </p:cNvSpPr>
+              <p:nvPr/>
+            </p:nvSpPr>
+            <p:spPr>
+              <a:xfrm>
+                <a:off x="677334" y="2160590"/>
+                <a:ext cx="8596668" cy="1712164"/>
+              </a:xfrm>
+              <a:prstGeom prst="rect">
+                <a:avLst/>
+              </a:prstGeom>
+              <a:blipFill>
+                <a:blip r:embed="rId3"/>
+                <a:stretch>
+                  <a:fillRect l="-567" t="-2135"/>
+                </a:stretch>
+              </a:blipFill>
+            </p:spPr>
+            <p:txBody>
+              <a:bodyPr/>
+              <a:lstStyle/>
+              <a:p>
+                <a:r>
+                  <a:rPr lang="fr-BE">
+                    <a:noFill/>
+                  </a:rPr>
+                  <a:t> </a:t>
+                </a:r>
+              </a:p>
+            </p:txBody>
+          </p:sp>
+        </mc:Fallback>
+      </mc:AlternateContent>
+      <mc:AlternateContent xmlns:mc="http://schemas.openxmlformats.org/markup-compatibility/2006">
+        <mc:Choice xmlns:a14="http://schemas.microsoft.com/office/drawing/2010/main" Requires="a14">
+          <p:sp>
+            <p:nvSpPr>
+              <p:cNvPr id="3" name="Rectangle 2"/>
+              <p:cNvSpPr/>
+              <p:nvPr/>
+            </p:nvSpPr>
+            <p:spPr>
+              <a:xfrm>
+                <a:off x="851703" y="3984861"/>
+                <a:ext cx="8238566" cy="801181"/>
+              </a:xfrm>
+              <a:prstGeom prst="rect">
+                <a:avLst/>
+              </a:prstGeom>
+            </p:spPr>
+            <p:txBody>
+              <a:bodyPr wrap="square">
+                <a:spAutoFit/>
+              </a:bodyPr>
+              <a:lstStyle/>
+              <a:p>
+                <a14:m>
+                  <m:oMathPara xmlns:m="http://schemas.openxmlformats.org/officeDocument/2006/math">
+                    <m:oMathParaPr>
+                      <m:jc m:val="centerGroup"/>
+                    </m:oMathParaPr>
+                    <m:oMath xmlns:m="http://schemas.openxmlformats.org/officeDocument/2006/math">
+                      <m:r>
+                        <a:rPr lang="fr-BE" i="1" smtClean="0">
+                          <a:latin typeface="Cambria Math" panose="02040503050406030204" pitchFamily="18" charset="0"/>
+                        </a:rPr>
+                        <m:t>⇒ </m:t>
+                      </m:r>
+                      <m:r>
+                        <a:rPr lang="fr-BE" i="1" smtClean="0">
+                          <a:latin typeface="Cambria Math" panose="02040503050406030204" pitchFamily="18" charset="0"/>
+                        </a:rPr>
+                        <m:t>𝜅</m:t>
+                      </m:r>
+                      <m:r>
+                        <a:rPr lang="fr-BE" i="1">
+                          <a:latin typeface="Cambria Math" panose="02040503050406030204" pitchFamily="18" charset="0"/>
+                        </a:rPr>
+                        <m:t>=</m:t>
+                      </m:r>
+                      <m:r>
+                        <a:rPr lang="fr-BE" i="1">
+                          <a:latin typeface="Cambria Math" panose="02040503050406030204" pitchFamily="18" charset="0"/>
+                        </a:rPr>
+                        <m:t>1</m:t>
+                      </m:r>
+                      <m:r>
+                        <a:rPr lang="fr-BE" i="1">
+                          <a:latin typeface="Cambria Math" panose="02040503050406030204" pitchFamily="18" charset="0"/>
+                        </a:rPr>
+                        <m:t>−</m:t>
+                      </m:r>
+                      <m:r>
+                        <a:rPr lang="fr-BE" i="1">
+                          <a:latin typeface="Cambria Math" panose="02040503050406030204" pitchFamily="18" charset="0"/>
+                        </a:rPr>
+                        <m:t>𝛼</m:t>
+                      </m:r>
+                      <m:d>
+                        <m:dPr>
+                          <m:begChr m:val="["/>
+                          <m:endChr m:val="]"/>
+                          <m:ctrlPr>
+                            <a:rPr lang="fr-BE" i="1">
+                              <a:latin typeface="Cambria Math" panose="02040503050406030204" pitchFamily="18" charset="0"/>
+                            </a:rPr>
+                          </m:ctrlPr>
+                        </m:dPr>
+                        <m:e>
+                          <m:r>
+                            <a:rPr lang="fr-BE" i="1">
+                              <a:latin typeface="Cambria Math" panose="02040503050406030204" pitchFamily="18" charset="0"/>
+                            </a:rPr>
+                            <m:t>1−</m:t>
+                          </m:r>
+                          <m:func>
+                            <m:funcPr>
+                              <m:ctrlPr>
+                                <a:rPr lang="fr-BE" i="1">
+                                  <a:latin typeface="Cambria Math" panose="02040503050406030204" pitchFamily="18" charset="0"/>
+                                </a:rPr>
+                              </m:ctrlPr>
+                            </m:funcPr>
+                            <m:fName>
+                              <m:r>
+                                <m:rPr>
+                                  <m:sty m:val="p"/>
+                                </m:rPr>
+                                <a:rPr lang="fr-BE">
+                                  <a:latin typeface="Cambria Math" panose="02040503050406030204" pitchFamily="18" charset="0"/>
+                                </a:rPr>
+                                <m:t>cos</m:t>
+                              </m:r>
+                            </m:fName>
+                            <m:e>
+                              <m:d>
+                                <m:dPr>
+                                  <m:ctrlPr>
+                                    <a:rPr lang="fr-BE" i="1">
+                                      <a:latin typeface="Cambria Math" panose="02040503050406030204" pitchFamily="18" charset="0"/>
+                                    </a:rPr>
+                                  </m:ctrlPr>
+                                </m:dPr>
+                                <m:e>
+                                  <m:r>
+                                    <a:rPr lang="fr-BE" i="1">
+                                      <a:latin typeface="Cambria Math" panose="02040503050406030204" pitchFamily="18" charset="0"/>
+                                    </a:rPr>
+                                    <m:t>𝑟h</m:t>
+                                  </m:r>
+                                </m:e>
+                              </m:d>
+                              <m:r>
+                                <a:rPr lang="fr-BE" i="1">
+                                  <a:latin typeface="Cambria Math" panose="02040503050406030204" pitchFamily="18" charset="0"/>
+                                </a:rPr>
+                                <m:t>+</m:t>
+                              </m:r>
+                              <m:r>
+                                <a:rPr lang="fr-BE" i="1">
+                                  <a:latin typeface="Cambria Math" panose="02040503050406030204" pitchFamily="18" charset="0"/>
+                                </a:rPr>
+                                <m:t>𝑖</m:t>
+                              </m:r>
+                              <m:r>
+                                <a:rPr lang="fr-BE" i="1">
+                                  <a:latin typeface="Cambria Math" panose="02040503050406030204" pitchFamily="18" charset="0"/>
+                                </a:rPr>
+                                <m:t>⋅</m:t>
+                              </m:r>
+                              <m:r>
+                                <a:rPr lang="fr-BE" i="1">
+                                  <a:latin typeface="Cambria Math" panose="02040503050406030204" pitchFamily="18" charset="0"/>
+                                </a:rPr>
+                                <m:t>𝑠𝑖𝑛</m:t>
+                              </m:r>
+                              <m:r>
+                                <a:rPr lang="fr-BE" i="1">
+                                  <a:latin typeface="Cambria Math" panose="02040503050406030204" pitchFamily="18" charset="0"/>
+                                </a:rPr>
+                                <m:t>(</m:t>
+                              </m:r>
+                              <m:r>
+                                <a:rPr lang="fr-BE" i="1">
+                                  <a:latin typeface="Cambria Math" panose="02040503050406030204" pitchFamily="18" charset="0"/>
+                                </a:rPr>
+                                <m:t>𝑟h</m:t>
+                              </m:r>
+                              <m:r>
+                                <a:rPr lang="fr-BE" i="1">
+                                  <a:latin typeface="Cambria Math" panose="02040503050406030204" pitchFamily="18" charset="0"/>
+                                </a:rPr>
+                                <m:t>)</m:t>
+                              </m:r>
+                            </m:e>
+                          </m:func>
+                        </m:e>
+                      </m:d>
+                      <m:r>
+                        <a:rPr lang="fr-BE" i="1">
+                          <a:latin typeface="Cambria Math" panose="02040503050406030204" pitchFamily="18" charset="0"/>
+                        </a:rPr>
+                        <m:t>−</m:t>
+                      </m:r>
+                      <m:r>
+                        <a:rPr lang="fr-BE" i="1">
+                          <a:latin typeface="Cambria Math" panose="02040503050406030204" pitchFamily="18" charset="0"/>
+                        </a:rPr>
+                        <m:t>𝛽</m:t>
+                      </m:r>
+                      <m:d>
+                        <m:dPr>
+                          <m:begChr m:val="["/>
+                          <m:endChr m:val="]"/>
+                          <m:ctrlPr>
+                            <a:rPr lang="fr-BE" i="1">
+                              <a:latin typeface="Cambria Math" panose="02040503050406030204" pitchFamily="18" charset="0"/>
+                            </a:rPr>
+                          </m:ctrlPr>
+                        </m:dPr>
+                        <m:e>
+                          <m:r>
+                            <a:rPr lang="fr-BE" i="1">
+                              <a:latin typeface="Cambria Math" panose="02040503050406030204" pitchFamily="18" charset="0"/>
+                            </a:rPr>
+                            <m:t>4</m:t>
+                          </m:r>
+                          <m:r>
+                            <a:rPr lang="fr-BE" i="1">
+                              <a:latin typeface="Cambria Math" panose="02040503050406030204" pitchFamily="18" charset="0"/>
+                            </a:rPr>
+                            <m:t>𝑖</m:t>
+                          </m:r>
+                          <m:r>
+                            <a:rPr lang="fr-BE" i="1">
+                              <a:latin typeface="Cambria Math" panose="02040503050406030204" pitchFamily="18" charset="0"/>
+                            </a:rPr>
+                            <m:t>⋅</m:t>
+                          </m:r>
+                          <m:r>
+                            <a:rPr lang="fr-BE" i="1">
+                              <a:latin typeface="Cambria Math" panose="02040503050406030204" pitchFamily="18" charset="0"/>
+                            </a:rPr>
+                            <m:t>𝑠𝑖𝑛</m:t>
+                          </m:r>
+                          <m:d>
+                            <m:dPr>
+                              <m:ctrlPr>
+                                <a:rPr lang="fr-BE" i="1">
+                                  <a:latin typeface="Cambria Math" panose="02040503050406030204" pitchFamily="18" charset="0"/>
+                                </a:rPr>
+                              </m:ctrlPr>
+                            </m:dPr>
+                            <m:e>
+                              <m:r>
+                                <a:rPr lang="fr-BE" i="1">
+                                  <a:latin typeface="Cambria Math" panose="02040503050406030204" pitchFamily="18" charset="0"/>
+                                </a:rPr>
+                                <m:t>𝑟h</m:t>
+                              </m:r>
+                            </m:e>
+                          </m:d>
+                          <m:d>
+                            <m:dPr>
+                              <m:ctrlPr>
+                                <a:rPr lang="fr-BE" i="1">
+                                  <a:latin typeface="Cambria Math" panose="02040503050406030204" pitchFamily="18" charset="0"/>
+                                </a:rPr>
+                              </m:ctrlPr>
+                            </m:dPr>
+                            <m:e>
+                              <m:func>
+                                <m:funcPr>
+                                  <m:ctrlPr>
+                                    <a:rPr lang="fr-BE" i="1">
+                                      <a:latin typeface="Cambria Math" panose="02040503050406030204" pitchFamily="18" charset="0"/>
+                                    </a:rPr>
+                                  </m:ctrlPr>
+                                </m:funcPr>
+                                <m:fName>
+                                  <m:r>
+                                    <m:rPr>
+                                      <m:sty m:val="p"/>
+                                    </m:rPr>
+                                    <a:rPr lang="fr-BE">
+                                      <a:latin typeface="Cambria Math" panose="02040503050406030204" pitchFamily="18" charset="0"/>
+                                    </a:rPr>
+                                    <m:t>cos</m:t>
+                                  </m:r>
+                                </m:fName>
+                                <m:e>
+                                  <m:d>
+                                    <m:dPr>
+                                      <m:ctrlPr>
+                                        <a:rPr lang="fr-BE" i="1">
+                                          <a:latin typeface="Cambria Math" panose="02040503050406030204" pitchFamily="18" charset="0"/>
+                                        </a:rPr>
+                                      </m:ctrlPr>
+                                    </m:dPr>
+                                    <m:e>
+                                      <m:r>
+                                        <a:rPr lang="fr-BE" i="1">
+                                          <a:latin typeface="Cambria Math" panose="02040503050406030204" pitchFamily="18" charset="0"/>
+                                        </a:rPr>
+                                        <m:t>𝑟h</m:t>
+                                      </m:r>
+                                    </m:e>
+                                  </m:d>
+                                </m:e>
+                              </m:func>
+                              <m:r>
+                                <a:rPr lang="fr-BE" i="1">
+                                  <a:latin typeface="Cambria Math" panose="02040503050406030204" pitchFamily="18" charset="0"/>
+                                </a:rPr>
+                                <m:t>−1</m:t>
+                              </m:r>
+                            </m:e>
+                          </m:d>
+                        </m:e>
+                      </m:d>
+                    </m:oMath>
+                  </m:oMathPara>
+                </a14:m>
+                <a:endParaRPr lang="fr-BE" dirty="0" smtClean="0"/>
+              </a:p>
+              <a:p>
+                <a:r>
+                  <a:rPr lang="fr-BE" dirty="0" smtClean="0"/>
+                  <a:t>Où </a:t>
+                </a:r>
+                <a14:m>
+                  <m:oMath xmlns:m="http://schemas.openxmlformats.org/officeDocument/2006/math">
+                    <m:r>
+                      <a:rPr lang="fr-BE" i="1">
+                        <a:latin typeface="Cambria Math" panose="02040503050406030204" pitchFamily="18" charset="0"/>
+                      </a:rPr>
+                      <m:t>𝛼</m:t>
+                    </m:r>
+                    <m:r>
+                      <a:rPr lang="fr-BE" b="0" i="1" smtClean="0">
+                        <a:latin typeface="Cambria Math" panose="02040503050406030204" pitchFamily="18" charset="0"/>
+                      </a:rPr>
+                      <m:t>=</m:t>
+                    </m:r>
+                    <m:f>
+                      <m:fPr>
+                        <m:ctrlPr>
+                          <a:rPr lang="fr-BE" b="0" i="1" smtClean="0">
+                            <a:latin typeface="Cambria Math" panose="02040503050406030204" pitchFamily="18" charset="0"/>
+                          </a:rPr>
+                        </m:ctrlPr>
+                      </m:fPr>
+                      <m:num>
+                        <m:sSub>
+                          <m:sSubPr>
+                            <m:ctrlPr>
+                              <a:rPr lang="fr-BE" b="0" i="1" smtClean="0">
+                                <a:latin typeface="Cambria Math" panose="02040503050406030204" pitchFamily="18" charset="0"/>
+                              </a:rPr>
+                            </m:ctrlPr>
+                          </m:sSubPr>
+                          <m:e>
+                            <m:r>
+                              <a:rPr lang="fr-BE" b="0" i="1" smtClean="0">
+                                <a:latin typeface="Cambria Math" panose="02040503050406030204" pitchFamily="18" charset="0"/>
+                              </a:rPr>
+                              <m:t>𝑢</m:t>
+                            </m:r>
+                          </m:e>
+                          <m:sub>
+                            <m:r>
+                              <a:rPr lang="fr-BE" b="0" i="1" smtClean="0">
+                                <a:latin typeface="Cambria Math" panose="02040503050406030204" pitchFamily="18" charset="0"/>
+                              </a:rPr>
+                              <m:t>0</m:t>
+                            </m:r>
+                          </m:sub>
+                        </m:sSub>
+                        <m:r>
+                          <a:rPr lang="fr-BE" b="0" i="1" smtClean="0">
+                            <a:latin typeface="Cambria Math" panose="02040503050406030204" pitchFamily="18" charset="0"/>
+                          </a:rPr>
+                          <m:t>𝑘</m:t>
+                        </m:r>
+                      </m:num>
+                      <m:den>
+                        <m:r>
+                          <a:rPr lang="fr-BE" b="0" i="1" smtClean="0">
+                            <a:latin typeface="Cambria Math" panose="02040503050406030204" pitchFamily="18" charset="0"/>
+                          </a:rPr>
+                          <m:t>h</m:t>
+                        </m:r>
+                      </m:den>
+                    </m:f>
+                  </m:oMath>
+                </a14:m>
+                <a:r>
+                  <a:rPr lang="fr-BE" dirty="0" smtClean="0"/>
+                  <a:t> et </a:t>
+                </a:r>
+                <a14:m>
+                  <m:oMath xmlns:m="http://schemas.openxmlformats.org/officeDocument/2006/math">
+                    <m:r>
+                      <a:rPr lang="fr-BE" b="0" i="1" smtClean="0">
+                        <a:latin typeface="Cambria Math" panose="02040503050406030204" pitchFamily="18" charset="0"/>
+                      </a:rPr>
+                      <m:t>𝛽</m:t>
+                    </m:r>
+                    <m:r>
+                      <a:rPr lang="fr-BE" i="1">
+                        <a:latin typeface="Cambria Math" panose="02040503050406030204" pitchFamily="18" charset="0"/>
+                      </a:rPr>
+                      <m:t>=</m:t>
+                    </m:r>
+                    <m:f>
+                      <m:fPr>
+                        <m:ctrlPr>
+                          <a:rPr lang="fr-BE" i="1">
+                            <a:latin typeface="Cambria Math" panose="02040503050406030204" pitchFamily="18" charset="0"/>
+                          </a:rPr>
+                        </m:ctrlPr>
+                      </m:fPr>
+                      <m:num>
+                        <m:sSup>
+                          <m:sSupPr>
+                            <m:ctrlPr>
+                              <a:rPr lang="fr-BE" b="0" i="1" smtClean="0">
+                                <a:latin typeface="Cambria Math" panose="02040503050406030204" pitchFamily="18" charset="0"/>
+                              </a:rPr>
+                            </m:ctrlPr>
+                          </m:sSupPr>
+                          <m:e>
+                            <m:r>
+                              <a:rPr lang="fr-BE" b="0" i="1" smtClean="0">
+                                <a:latin typeface="Cambria Math" panose="02040503050406030204" pitchFamily="18" charset="0"/>
+                              </a:rPr>
+                              <m:t>𝛿</m:t>
+                            </m:r>
+                          </m:e>
+                          <m:sup>
+                            <m:r>
+                              <a:rPr lang="fr-BE" b="0" i="1" smtClean="0">
+                                <a:latin typeface="Cambria Math" panose="02040503050406030204" pitchFamily="18" charset="0"/>
+                              </a:rPr>
+                              <m:t>2</m:t>
+                            </m:r>
+                          </m:sup>
+                        </m:sSup>
+                        <m:r>
+                          <a:rPr lang="fr-BE" i="1">
+                            <a:latin typeface="Cambria Math" panose="02040503050406030204" pitchFamily="18" charset="0"/>
+                          </a:rPr>
+                          <m:t>𝑘</m:t>
+                        </m:r>
+                      </m:num>
+                      <m:den>
+                        <m:r>
+                          <a:rPr lang="fr-BE" b="0" i="1" smtClean="0">
+                            <a:latin typeface="Cambria Math" panose="02040503050406030204" pitchFamily="18" charset="0"/>
+                          </a:rPr>
+                          <m:t>2</m:t>
+                        </m:r>
+                        <m:sSup>
+                          <m:sSupPr>
+                            <m:ctrlPr>
+                              <a:rPr lang="fr-BE" b="0" i="1" smtClean="0">
+                                <a:latin typeface="Cambria Math" panose="02040503050406030204" pitchFamily="18" charset="0"/>
+                              </a:rPr>
+                            </m:ctrlPr>
+                          </m:sSupPr>
+                          <m:e>
+                            <m:r>
+                              <a:rPr lang="fr-BE" i="1">
+                                <a:latin typeface="Cambria Math" panose="02040503050406030204" pitchFamily="18" charset="0"/>
+                              </a:rPr>
+                              <m:t>h</m:t>
+                            </m:r>
+                          </m:e>
+                          <m:sup>
+                            <m:r>
+                              <a:rPr lang="fr-BE" b="0" i="1" smtClean="0">
+                                <a:latin typeface="Cambria Math" panose="02040503050406030204" pitchFamily="18" charset="0"/>
+                              </a:rPr>
+                              <m:t>3</m:t>
+                            </m:r>
+                          </m:sup>
+                        </m:sSup>
+                      </m:den>
+                    </m:f>
+                  </m:oMath>
+                </a14:m>
+                <a:endParaRPr lang="fr-BE" dirty="0"/>
+              </a:p>
+            </p:txBody>
+          </p:sp>
+        </mc:Choice>
+        <mc:Fallback>
+          <p:sp>
+            <p:nvSpPr>
+              <p:cNvPr id="3" name="Rectangle 2"/>
+              <p:cNvSpPr>
+                <a:spLocks noRot="1" noChangeAspect="1" noMove="1" noResize="1" noEditPoints="1" noAdjustHandles="1" noChangeArrowheads="1" noChangeShapeType="1" noTextEdit="1"/>
+              </p:cNvSpPr>
+              <p:nvPr/>
+            </p:nvSpPr>
+            <p:spPr>
+              <a:xfrm>
+                <a:off x="851703" y="3984861"/>
+                <a:ext cx="8238566" cy="801181"/>
+              </a:xfrm>
+              <a:prstGeom prst="rect">
+                <a:avLst/>
+              </a:prstGeom>
+              <a:blipFill>
+                <a:blip r:embed="rId4"/>
+                <a:stretch>
+                  <a:fillRect l="-666" b="-3053"/>
+                </a:stretch>
+              </a:blipFill>
+            </p:spPr>
+            <p:txBody>
+              <a:bodyPr/>
+              <a:lstStyle/>
+              <a:p>
+                <a:r>
+                  <a:rPr lang="fr-BE">
+                    <a:noFill/>
+                  </a:rPr>
+                  <a:t> </a:t>
+                </a:r>
+              </a:p>
+            </p:txBody>
+          </p:sp>
+        </mc:Fallback>
+      </mc:AlternateContent>
+      <mc:AlternateContent xmlns:mc="http://schemas.openxmlformats.org/markup-compatibility/2006">
+        <mc:Choice xmlns:a14="http://schemas.microsoft.com/office/drawing/2010/main" Requires="a14">
+          <p:sp>
+            <p:nvSpPr>
+              <p:cNvPr id="11" name="Rectangle 10"/>
+              <p:cNvSpPr/>
+              <p:nvPr/>
+            </p:nvSpPr>
+            <p:spPr>
+              <a:xfrm>
+                <a:off x="794152" y="5553731"/>
+                <a:ext cx="8238566" cy="369332"/>
+              </a:xfrm>
+              <a:prstGeom prst="rect">
+                <a:avLst/>
+              </a:prstGeom>
+            </p:spPr>
+            <p:txBody>
+              <a:bodyPr wrap="square">
+                <a:spAutoFit/>
+              </a:bodyPr>
+              <a:lstStyle/>
+              <a:p>
+                <a14:m>
+                  <m:oMathPara xmlns:m="http://schemas.openxmlformats.org/officeDocument/2006/math">
+                    <m:oMathParaPr>
+                      <m:jc m:val="centerGroup"/>
+                    </m:oMathParaPr>
+                    <m:oMath xmlns:m="http://schemas.openxmlformats.org/officeDocument/2006/math">
+                      <m:r>
+                        <a:rPr lang="fr-BE" i="1" smtClean="0">
+                          <a:latin typeface="Cambria Math" panose="02040503050406030204" pitchFamily="18" charset="0"/>
+                        </a:rPr>
+                        <m:t>⇒</m:t>
+                      </m:r>
+                      <m:d>
+                        <m:dPr>
+                          <m:begChr m:val="|"/>
+                          <m:endChr m:val="|"/>
+                          <m:ctrlPr>
+                            <a:rPr lang="fr-BE" b="0" i="1" smtClean="0">
+                              <a:latin typeface="Cambria Math" panose="02040503050406030204" pitchFamily="18" charset="0"/>
+                            </a:rPr>
+                          </m:ctrlPr>
+                        </m:dPr>
+                        <m:e>
+                          <m:r>
+                            <a:rPr lang="fr-BE" i="1">
+                              <a:latin typeface="Cambria Math" panose="02040503050406030204" pitchFamily="18" charset="0"/>
+                            </a:rPr>
+                            <m:t>𝜅</m:t>
+                          </m:r>
+                        </m:e>
+                      </m:d>
+                      <m:r>
+                        <a:rPr lang="fr-BE" b="0" i="1" smtClean="0">
+                          <a:latin typeface="Cambria Math" panose="02040503050406030204" pitchFamily="18" charset="0"/>
+                        </a:rPr>
+                        <m:t>≤</m:t>
+                      </m:r>
+                      <m:r>
+                        <a:rPr lang="fr-BE" i="1">
+                          <a:latin typeface="Cambria Math" panose="02040503050406030204" pitchFamily="18" charset="0"/>
+                        </a:rPr>
+                        <m:t>1</m:t>
+                      </m:r>
+                    </m:oMath>
+                  </m:oMathPara>
+                </a14:m>
+                <a:endParaRPr lang="fr-BE" dirty="0"/>
+              </a:p>
+            </p:txBody>
+          </p:sp>
+        </mc:Choice>
+        <mc:Fallback>
+          <p:sp>
+            <p:nvSpPr>
+              <p:cNvPr id="11" name="Rectangle 10"/>
+              <p:cNvSpPr>
+                <a:spLocks noRot="1" noChangeAspect="1" noMove="1" noResize="1" noEditPoints="1" noAdjustHandles="1" noChangeArrowheads="1" noChangeShapeType="1" noTextEdit="1"/>
+              </p:cNvSpPr>
+              <p:nvPr/>
+            </p:nvSpPr>
+            <p:spPr>
+              <a:xfrm>
+                <a:off x="794152" y="5553731"/>
+                <a:ext cx="8238566" cy="369332"/>
+              </a:xfrm>
+              <a:prstGeom prst="rect">
+                <a:avLst/>
+              </a:prstGeom>
+              <a:blipFill>
+                <a:blip r:embed="rId5"/>
+                <a:stretch>
+                  <a:fillRect/>
+                </a:stretch>
+              </a:blipFill>
+            </p:spPr>
+            <p:txBody>
+              <a:bodyPr/>
+              <a:lstStyle/>
+              <a:p>
+                <a:r>
+                  <a:rPr lang="fr-BE">
+                    <a:noFill/>
+                  </a:rPr>
+                  <a:t> </a:t>
+                </a:r>
+              </a:p>
+            </p:txBody>
+          </p:sp>
+        </mc:Fallback>
+      </mc:AlternateContent>
+    </p:spTree>
+    <p:extLst>
+      <p:ext uri="{BB962C8B-B14F-4D97-AF65-F5344CB8AC3E}">
+        <p14:creationId xmlns:p14="http://schemas.microsoft.com/office/powerpoint/2010/main" val="1426397170"/>
+      </p:ext>
+    </p:extLst>
+  </p:cSld>
+  <p:clrMapOvr>
+    <a:masterClrMapping/>
+  </p:clrMapOvr>
+  <p:timing>
+    <p:tnLst>
+      <p:par>
+        <p:cTn id="1" dur="indefinite" restart="never" nodeType="tmRoot">
+          <p:childTnLst>
+            <p:seq concurrent="1" nextAc="seek">
+              <p:cTn id="2" dur="indefinite" nodeType="mainSeq">
+                <p:childTnLst>
+                  <p:par>
+                    <p:cTn id="3" fill="hold">
+                      <p:stCondLst>
+                        <p:cond delay="indefinite"/>
+                      </p:stCondLst>
+                      <p:childTnLst>
+                        <p:par>
+                          <p:cTn id="4" fill="hold">
+                            <p:stCondLst>
+                              <p:cond delay="0"/>
+                            </p:stCondLst>
+                            <p:childTnLst>
+                              <p:par>
+                                <p:cTn id="5" presetID="1" presetClass="entr" presetSubtype="0" fill="hold" grpId="0" nodeType="clickEffect">
+                                  <p:stCondLst>
+                                    <p:cond delay="0"/>
+                                  </p:stCondLst>
+                                  <p:childTnLst>
+                                    <p:set>
+                                      <p:cBhvr>
+                                        <p:cTn id="6" dur="1" fill="hold">
+                                          <p:stCondLst>
+                                            <p:cond delay="0"/>
+                                          </p:stCondLst>
+                                        </p:cTn>
+                                        <p:tgtEl>
+                                          <p:spTgt spid="3"/>
+                                        </p:tgtEl>
+                                        <p:attrNameLst>
+                                          <p:attrName>style.visibility</p:attrName>
+                                        </p:attrNameLst>
+                                      </p:cBhvr>
+                                      <p:to>
+                                        <p:strVal val="visible"/>
+                                      </p:to>
+                                    </p:set>
+                                  </p:childTnLst>
+                                </p:cTn>
+                              </p:par>
+                            </p:childTnLst>
+                          </p:cTn>
+                        </p:par>
+                      </p:childTnLst>
+                    </p:cTn>
+                  </p:par>
+                  <p:par>
+                    <p:cTn id="7" fill="hold">
+                      <p:stCondLst>
+                        <p:cond delay="indefinite"/>
+                      </p:stCondLst>
+                      <p:childTnLst>
+                        <p:par>
+                          <p:cTn id="8" fill="hold">
+                            <p:stCondLst>
+                              <p:cond delay="0"/>
+                            </p:stCondLst>
+                            <p:childTnLst>
+                              <p:par>
+                                <p:cTn id="9" presetID="1" presetClass="entr" presetSubtype="0" fill="hold" grpId="0" nodeType="clickEffect">
+                                  <p:stCondLst>
+                                    <p:cond delay="0"/>
+                                  </p:stCondLst>
+                                  <p:childTnLst>
+                                    <p:set>
+                                      <p:cBhvr>
+                                        <p:cTn id="10" dur="1" fill="hold">
+                                          <p:stCondLst>
+                                            <p:cond delay="0"/>
+                                          </p:stCondLst>
+                                        </p:cTn>
+                                        <p:tgtEl>
+                                          <p:spTgt spid="11"/>
+                                        </p:tgtEl>
+                                        <p:attrNameLst>
+                                          <p:attrName>style.visibility</p:attrName>
+                                        </p:attrNameLst>
+                                      </p:cBhvr>
+                                      <p:to>
+                                        <p:strVal val="visible"/>
+                                      </p:to>
+                                    </p:set>
+                                  </p:childTnLst>
+                                </p:cTn>
+                              </p:par>
+                            </p:childTnLst>
+                          </p:cTn>
+                        </p:par>
+                      </p:childTnLst>
+                    </p:cTn>
+                  </p:par>
+                </p:childTnLst>
+              </p:cTn>
+              <p:prevCondLst>
+                <p:cond evt="onPrev" delay="0">
+                  <p:tgtEl>
+                    <p:sldTgt/>
+                  </p:tgtEl>
+                </p:cond>
+              </p:prevCondLst>
+              <p:nextCondLst>
+                <p:cond evt="onNext" delay="0">
+                  <p:tgtEl>
+                    <p:sldTgt/>
+                  </p:tgtEl>
+                </p:cond>
+              </p:nextCondLst>
+            </p:seq>
+          </p:childTnLst>
+        </p:cTn>
+      </p:par>
+    </p:tnLst>
+    <p:bldLst>
+      <p:bldP spid="3" grpId="0"/>
+      <p:bldP spid="11" grpId="0"/>
+    </p:bldLst>
+  </p:timing>
+</p:sld>
+</file>
+
+<file path=ppt/slides/slide8.xml><?xml version="1.0" encoding="utf-8"?>
 <p:sld xmlns:a="http://schemas.openxmlformats.org/drawingml/2006/main" xmlns:r="http://schemas.openxmlformats.org/officeDocument/2006/relationships" xmlns:p="http://schemas.openxmlformats.org/presentationml/2006/main">
   <p:cSld>
     <p:spTree>
@@ -23683,11 +29905,718 @@
         </p:blipFill>
         <p:spPr>
           <a:xfrm>
-            <a:off x="677334" y="1270000"/>
+            <a:off x="663288" y="2068778"/>
             <a:ext cx="8591986" cy="4412343"/>
           </a:xfrm>
         </p:spPr>
       </p:pic>
+      <p:sp>
+        <p:nvSpPr>
+          <p:cNvPr id="2" name="Titre 1"/>
+          <p:cNvSpPr>
+            <a:spLocks noGrp="1"/>
+          </p:cNvSpPr>
+          <p:nvPr>
+            <p:ph type="title"/>
+          </p:nvPr>
+        </p:nvSpPr>
+        <p:spPr/>
+        <p:txBody>
+          <a:bodyPr/>
+          <a:lstStyle/>
+          <a:p>
+            <a:r>
+              <a:rPr lang="fr-BE" dirty="0" smtClean="0"/>
+              <a:t>Schéma </a:t>
+            </a:r>
+            <a:r>
+              <a:rPr lang="fr-BE" dirty="0" err="1" smtClean="0"/>
+              <a:t>Upwind</a:t>
+            </a:r>
+            <a:r>
+              <a:rPr lang="fr-BE" dirty="0" smtClean="0"/>
+              <a:t> : stabilité</a:t>
+            </a:r>
+            <a:endParaRPr lang="fr-BE" dirty="0"/>
+          </a:p>
+        </p:txBody>
+      </p:sp>
+      <p:sp>
+        <p:nvSpPr>
+          <p:cNvPr id="5" name="Espace réservé du numéro de diapositive 4"/>
+          <p:cNvSpPr>
+            <a:spLocks noGrp="1"/>
+          </p:cNvSpPr>
+          <p:nvPr>
+            <p:ph type="sldNum" sz="quarter" idx="12"/>
+          </p:nvPr>
+        </p:nvSpPr>
+        <p:spPr/>
+        <p:txBody>
+          <a:bodyPr/>
+          <a:lstStyle/>
+          <a:p>
+            <a:fld id="{D57F1E4F-1CFF-5643-939E-217C01CDF565}" type="slidenum">
+              <a:rPr lang="en-US" smtClean="0"/>
+              <a:pPr/>
+              <a:t>8</a:t>
+            </a:fld>
+            <a:endParaRPr lang="en-US" dirty="0"/>
+          </a:p>
+        </p:txBody>
+      </p:sp>
+      <mc:AlternateContent xmlns:mc="http://schemas.openxmlformats.org/markup-compatibility/2006">
+        <mc:Choice xmlns:a14="http://schemas.microsoft.com/office/drawing/2010/main" Requires="a14">
+          <p:sp>
+            <p:nvSpPr>
+              <p:cNvPr id="3" name="Rectangle 2"/>
+              <p:cNvSpPr/>
+              <p:nvPr/>
+            </p:nvSpPr>
+            <p:spPr>
+              <a:xfrm>
+                <a:off x="667970" y="1267597"/>
+                <a:ext cx="8238566" cy="801181"/>
+              </a:xfrm>
+              <a:prstGeom prst="rect">
+                <a:avLst/>
+              </a:prstGeom>
+            </p:spPr>
+            <p:txBody>
+              <a:bodyPr wrap="square">
+                <a:spAutoFit/>
+              </a:bodyPr>
+              <a:lstStyle/>
+              <a:p>
+                <a14:m>
+                  <m:oMathPara xmlns:m="http://schemas.openxmlformats.org/officeDocument/2006/math">
+                    <m:oMathParaPr>
+                      <m:jc m:val="centerGroup"/>
+                    </m:oMathParaPr>
+                    <m:oMath xmlns:m="http://schemas.openxmlformats.org/officeDocument/2006/math">
+                      <m:r>
+                        <a:rPr lang="fr-BE" i="1" smtClean="0">
+                          <a:latin typeface="Cambria Math" panose="02040503050406030204" pitchFamily="18" charset="0"/>
+                        </a:rPr>
+                        <m:t>⇒ </m:t>
+                      </m:r>
+                      <m:r>
+                        <a:rPr lang="fr-BE" i="1" smtClean="0">
+                          <a:latin typeface="Cambria Math" panose="02040503050406030204" pitchFamily="18" charset="0"/>
+                        </a:rPr>
+                        <m:t>𝜅</m:t>
+                      </m:r>
+                      <m:r>
+                        <a:rPr lang="fr-BE" i="1">
+                          <a:latin typeface="Cambria Math" panose="02040503050406030204" pitchFamily="18" charset="0"/>
+                        </a:rPr>
+                        <m:t>=</m:t>
+                      </m:r>
+                      <m:r>
+                        <a:rPr lang="fr-BE" i="1">
+                          <a:latin typeface="Cambria Math" panose="02040503050406030204" pitchFamily="18" charset="0"/>
+                        </a:rPr>
+                        <m:t>1</m:t>
+                      </m:r>
+                      <m:r>
+                        <a:rPr lang="fr-BE" i="1">
+                          <a:latin typeface="Cambria Math" panose="02040503050406030204" pitchFamily="18" charset="0"/>
+                        </a:rPr>
+                        <m:t>−</m:t>
+                      </m:r>
+                      <m:r>
+                        <a:rPr lang="fr-BE" i="1">
+                          <a:latin typeface="Cambria Math" panose="02040503050406030204" pitchFamily="18" charset="0"/>
+                        </a:rPr>
+                        <m:t>𝛼</m:t>
+                      </m:r>
+                      <m:d>
+                        <m:dPr>
+                          <m:begChr m:val="["/>
+                          <m:endChr m:val="]"/>
+                          <m:ctrlPr>
+                            <a:rPr lang="fr-BE" i="1">
+                              <a:latin typeface="Cambria Math" panose="02040503050406030204" pitchFamily="18" charset="0"/>
+                            </a:rPr>
+                          </m:ctrlPr>
+                        </m:dPr>
+                        <m:e>
+                          <m:r>
+                            <a:rPr lang="fr-BE" i="1">
+                              <a:latin typeface="Cambria Math" panose="02040503050406030204" pitchFamily="18" charset="0"/>
+                            </a:rPr>
+                            <m:t>1−</m:t>
+                          </m:r>
+                          <m:func>
+                            <m:funcPr>
+                              <m:ctrlPr>
+                                <a:rPr lang="fr-BE" i="1">
+                                  <a:latin typeface="Cambria Math" panose="02040503050406030204" pitchFamily="18" charset="0"/>
+                                </a:rPr>
+                              </m:ctrlPr>
+                            </m:funcPr>
+                            <m:fName>
+                              <m:r>
+                                <m:rPr>
+                                  <m:sty m:val="p"/>
+                                </m:rPr>
+                                <a:rPr lang="fr-BE">
+                                  <a:latin typeface="Cambria Math" panose="02040503050406030204" pitchFamily="18" charset="0"/>
+                                </a:rPr>
+                                <m:t>cos</m:t>
+                              </m:r>
+                            </m:fName>
+                            <m:e>
+                              <m:d>
+                                <m:dPr>
+                                  <m:ctrlPr>
+                                    <a:rPr lang="fr-BE" i="1">
+                                      <a:latin typeface="Cambria Math" panose="02040503050406030204" pitchFamily="18" charset="0"/>
+                                    </a:rPr>
+                                  </m:ctrlPr>
+                                </m:dPr>
+                                <m:e>
+                                  <m:r>
+                                    <a:rPr lang="fr-BE" i="1">
+                                      <a:latin typeface="Cambria Math" panose="02040503050406030204" pitchFamily="18" charset="0"/>
+                                    </a:rPr>
+                                    <m:t>𝑟h</m:t>
+                                  </m:r>
+                                </m:e>
+                              </m:d>
+                              <m:r>
+                                <a:rPr lang="fr-BE" i="1">
+                                  <a:latin typeface="Cambria Math" panose="02040503050406030204" pitchFamily="18" charset="0"/>
+                                </a:rPr>
+                                <m:t>+</m:t>
+                              </m:r>
+                              <m:r>
+                                <a:rPr lang="fr-BE" i="1">
+                                  <a:latin typeface="Cambria Math" panose="02040503050406030204" pitchFamily="18" charset="0"/>
+                                </a:rPr>
+                                <m:t>𝑖</m:t>
+                              </m:r>
+                              <m:r>
+                                <a:rPr lang="fr-BE" i="1">
+                                  <a:latin typeface="Cambria Math" panose="02040503050406030204" pitchFamily="18" charset="0"/>
+                                </a:rPr>
+                                <m:t>⋅</m:t>
+                              </m:r>
+                              <m:r>
+                                <a:rPr lang="fr-BE" i="1">
+                                  <a:latin typeface="Cambria Math" panose="02040503050406030204" pitchFamily="18" charset="0"/>
+                                </a:rPr>
+                                <m:t>𝑠𝑖𝑛</m:t>
+                              </m:r>
+                              <m:r>
+                                <a:rPr lang="fr-BE" i="1">
+                                  <a:latin typeface="Cambria Math" panose="02040503050406030204" pitchFamily="18" charset="0"/>
+                                </a:rPr>
+                                <m:t>(</m:t>
+                              </m:r>
+                              <m:r>
+                                <a:rPr lang="fr-BE" i="1">
+                                  <a:latin typeface="Cambria Math" panose="02040503050406030204" pitchFamily="18" charset="0"/>
+                                </a:rPr>
+                                <m:t>𝑟h</m:t>
+                              </m:r>
+                              <m:r>
+                                <a:rPr lang="fr-BE" i="1">
+                                  <a:latin typeface="Cambria Math" panose="02040503050406030204" pitchFamily="18" charset="0"/>
+                                </a:rPr>
+                                <m:t>)</m:t>
+                              </m:r>
+                            </m:e>
+                          </m:func>
+                        </m:e>
+                      </m:d>
+                      <m:r>
+                        <a:rPr lang="fr-BE" i="1">
+                          <a:latin typeface="Cambria Math" panose="02040503050406030204" pitchFamily="18" charset="0"/>
+                        </a:rPr>
+                        <m:t>−</m:t>
+                      </m:r>
+                      <m:r>
+                        <a:rPr lang="fr-BE" i="1">
+                          <a:latin typeface="Cambria Math" panose="02040503050406030204" pitchFamily="18" charset="0"/>
+                        </a:rPr>
+                        <m:t>𝛽</m:t>
+                      </m:r>
+                      <m:d>
+                        <m:dPr>
+                          <m:begChr m:val="["/>
+                          <m:endChr m:val="]"/>
+                          <m:ctrlPr>
+                            <a:rPr lang="fr-BE" i="1">
+                              <a:latin typeface="Cambria Math" panose="02040503050406030204" pitchFamily="18" charset="0"/>
+                            </a:rPr>
+                          </m:ctrlPr>
+                        </m:dPr>
+                        <m:e>
+                          <m:r>
+                            <a:rPr lang="fr-BE" i="1">
+                              <a:latin typeface="Cambria Math" panose="02040503050406030204" pitchFamily="18" charset="0"/>
+                            </a:rPr>
+                            <m:t>4</m:t>
+                          </m:r>
+                          <m:r>
+                            <a:rPr lang="fr-BE" i="1">
+                              <a:latin typeface="Cambria Math" panose="02040503050406030204" pitchFamily="18" charset="0"/>
+                            </a:rPr>
+                            <m:t>𝑖</m:t>
+                          </m:r>
+                          <m:r>
+                            <a:rPr lang="fr-BE" i="1">
+                              <a:latin typeface="Cambria Math" panose="02040503050406030204" pitchFamily="18" charset="0"/>
+                            </a:rPr>
+                            <m:t>⋅</m:t>
+                          </m:r>
+                          <m:r>
+                            <a:rPr lang="fr-BE" i="1">
+                              <a:latin typeface="Cambria Math" panose="02040503050406030204" pitchFamily="18" charset="0"/>
+                            </a:rPr>
+                            <m:t>𝑠𝑖𝑛</m:t>
+                          </m:r>
+                          <m:d>
+                            <m:dPr>
+                              <m:ctrlPr>
+                                <a:rPr lang="fr-BE" i="1">
+                                  <a:latin typeface="Cambria Math" panose="02040503050406030204" pitchFamily="18" charset="0"/>
+                                </a:rPr>
+                              </m:ctrlPr>
+                            </m:dPr>
+                            <m:e>
+                              <m:r>
+                                <a:rPr lang="fr-BE" i="1">
+                                  <a:latin typeface="Cambria Math" panose="02040503050406030204" pitchFamily="18" charset="0"/>
+                                </a:rPr>
+                                <m:t>𝑟h</m:t>
+                              </m:r>
+                            </m:e>
+                          </m:d>
+                          <m:d>
+                            <m:dPr>
+                              <m:ctrlPr>
+                                <a:rPr lang="fr-BE" i="1">
+                                  <a:latin typeface="Cambria Math" panose="02040503050406030204" pitchFamily="18" charset="0"/>
+                                </a:rPr>
+                              </m:ctrlPr>
+                            </m:dPr>
+                            <m:e>
+                              <m:func>
+                                <m:funcPr>
+                                  <m:ctrlPr>
+                                    <a:rPr lang="fr-BE" i="1">
+                                      <a:latin typeface="Cambria Math" panose="02040503050406030204" pitchFamily="18" charset="0"/>
+                                    </a:rPr>
+                                  </m:ctrlPr>
+                                </m:funcPr>
+                                <m:fName>
+                                  <m:r>
+                                    <m:rPr>
+                                      <m:sty m:val="p"/>
+                                    </m:rPr>
+                                    <a:rPr lang="fr-BE">
+                                      <a:latin typeface="Cambria Math" panose="02040503050406030204" pitchFamily="18" charset="0"/>
+                                    </a:rPr>
+                                    <m:t>cos</m:t>
+                                  </m:r>
+                                </m:fName>
+                                <m:e>
+                                  <m:d>
+                                    <m:dPr>
+                                      <m:ctrlPr>
+                                        <a:rPr lang="fr-BE" i="1">
+                                          <a:latin typeface="Cambria Math" panose="02040503050406030204" pitchFamily="18" charset="0"/>
+                                        </a:rPr>
+                                      </m:ctrlPr>
+                                    </m:dPr>
+                                    <m:e>
+                                      <m:r>
+                                        <a:rPr lang="fr-BE" i="1">
+                                          <a:latin typeface="Cambria Math" panose="02040503050406030204" pitchFamily="18" charset="0"/>
+                                        </a:rPr>
+                                        <m:t>𝑟h</m:t>
+                                      </m:r>
+                                    </m:e>
+                                  </m:d>
+                                </m:e>
+                              </m:func>
+                              <m:r>
+                                <a:rPr lang="fr-BE" i="1">
+                                  <a:latin typeface="Cambria Math" panose="02040503050406030204" pitchFamily="18" charset="0"/>
+                                </a:rPr>
+                                <m:t>−1</m:t>
+                              </m:r>
+                            </m:e>
+                          </m:d>
+                        </m:e>
+                      </m:d>
+                    </m:oMath>
+                  </m:oMathPara>
+                </a14:m>
+                <a:endParaRPr lang="fr-BE" dirty="0" smtClean="0"/>
+              </a:p>
+              <a:p>
+                <a:r>
+                  <a:rPr lang="fr-BE" dirty="0" smtClean="0"/>
+                  <a:t>Où </a:t>
+                </a:r>
+                <a14:m>
+                  <m:oMath xmlns:m="http://schemas.openxmlformats.org/officeDocument/2006/math">
+                    <m:r>
+                      <a:rPr lang="fr-BE" i="1">
+                        <a:latin typeface="Cambria Math" panose="02040503050406030204" pitchFamily="18" charset="0"/>
+                      </a:rPr>
+                      <m:t>𝛼</m:t>
+                    </m:r>
+                    <m:r>
+                      <a:rPr lang="fr-BE" b="0" i="1" smtClean="0">
+                        <a:latin typeface="Cambria Math" panose="02040503050406030204" pitchFamily="18" charset="0"/>
+                      </a:rPr>
+                      <m:t>=</m:t>
+                    </m:r>
+                    <m:f>
+                      <m:fPr>
+                        <m:ctrlPr>
+                          <a:rPr lang="fr-BE" b="0" i="1" smtClean="0">
+                            <a:latin typeface="Cambria Math" panose="02040503050406030204" pitchFamily="18" charset="0"/>
+                          </a:rPr>
+                        </m:ctrlPr>
+                      </m:fPr>
+                      <m:num>
+                        <m:sSub>
+                          <m:sSubPr>
+                            <m:ctrlPr>
+                              <a:rPr lang="fr-BE" b="0" i="1" smtClean="0">
+                                <a:latin typeface="Cambria Math" panose="02040503050406030204" pitchFamily="18" charset="0"/>
+                              </a:rPr>
+                            </m:ctrlPr>
+                          </m:sSubPr>
+                          <m:e>
+                            <m:r>
+                              <a:rPr lang="fr-BE" b="0" i="1" smtClean="0">
+                                <a:latin typeface="Cambria Math" panose="02040503050406030204" pitchFamily="18" charset="0"/>
+                              </a:rPr>
+                              <m:t>𝑢</m:t>
+                            </m:r>
+                          </m:e>
+                          <m:sub>
+                            <m:r>
+                              <a:rPr lang="fr-BE" b="0" i="1" smtClean="0">
+                                <a:latin typeface="Cambria Math" panose="02040503050406030204" pitchFamily="18" charset="0"/>
+                              </a:rPr>
+                              <m:t>0</m:t>
+                            </m:r>
+                          </m:sub>
+                        </m:sSub>
+                        <m:r>
+                          <a:rPr lang="fr-BE" b="0" i="1" smtClean="0">
+                            <a:latin typeface="Cambria Math" panose="02040503050406030204" pitchFamily="18" charset="0"/>
+                          </a:rPr>
+                          <m:t>𝑘</m:t>
+                        </m:r>
+                      </m:num>
+                      <m:den>
+                        <m:r>
+                          <a:rPr lang="fr-BE" b="0" i="1" smtClean="0">
+                            <a:latin typeface="Cambria Math" panose="02040503050406030204" pitchFamily="18" charset="0"/>
+                          </a:rPr>
+                          <m:t>h</m:t>
+                        </m:r>
+                      </m:den>
+                    </m:f>
+                  </m:oMath>
+                </a14:m>
+                <a:r>
+                  <a:rPr lang="fr-BE" dirty="0" smtClean="0"/>
+                  <a:t> et </a:t>
+                </a:r>
+                <a14:m>
+                  <m:oMath xmlns:m="http://schemas.openxmlformats.org/officeDocument/2006/math">
+                    <m:r>
+                      <a:rPr lang="fr-BE" b="0" i="1" smtClean="0">
+                        <a:latin typeface="Cambria Math" panose="02040503050406030204" pitchFamily="18" charset="0"/>
+                      </a:rPr>
+                      <m:t>𝛽</m:t>
+                    </m:r>
+                    <m:r>
+                      <a:rPr lang="fr-BE" i="1">
+                        <a:latin typeface="Cambria Math" panose="02040503050406030204" pitchFamily="18" charset="0"/>
+                      </a:rPr>
+                      <m:t>=</m:t>
+                    </m:r>
+                    <m:f>
+                      <m:fPr>
+                        <m:ctrlPr>
+                          <a:rPr lang="fr-BE" i="1">
+                            <a:latin typeface="Cambria Math" panose="02040503050406030204" pitchFamily="18" charset="0"/>
+                          </a:rPr>
+                        </m:ctrlPr>
+                      </m:fPr>
+                      <m:num>
+                        <m:sSup>
+                          <m:sSupPr>
+                            <m:ctrlPr>
+                              <a:rPr lang="fr-BE" b="0" i="1" smtClean="0">
+                                <a:latin typeface="Cambria Math" panose="02040503050406030204" pitchFamily="18" charset="0"/>
+                              </a:rPr>
+                            </m:ctrlPr>
+                          </m:sSupPr>
+                          <m:e>
+                            <m:r>
+                              <a:rPr lang="fr-BE" b="0" i="1" smtClean="0">
+                                <a:latin typeface="Cambria Math" panose="02040503050406030204" pitchFamily="18" charset="0"/>
+                              </a:rPr>
+                              <m:t>𝛿</m:t>
+                            </m:r>
+                          </m:e>
+                          <m:sup>
+                            <m:r>
+                              <a:rPr lang="fr-BE" b="0" i="1" smtClean="0">
+                                <a:latin typeface="Cambria Math" panose="02040503050406030204" pitchFamily="18" charset="0"/>
+                              </a:rPr>
+                              <m:t>2</m:t>
+                            </m:r>
+                          </m:sup>
+                        </m:sSup>
+                        <m:r>
+                          <a:rPr lang="fr-BE" i="1">
+                            <a:latin typeface="Cambria Math" panose="02040503050406030204" pitchFamily="18" charset="0"/>
+                          </a:rPr>
+                          <m:t>𝑘</m:t>
+                        </m:r>
+                      </m:num>
+                      <m:den>
+                        <m:r>
+                          <a:rPr lang="fr-BE" b="0" i="1" smtClean="0">
+                            <a:latin typeface="Cambria Math" panose="02040503050406030204" pitchFamily="18" charset="0"/>
+                          </a:rPr>
+                          <m:t>2</m:t>
+                        </m:r>
+                        <m:sSup>
+                          <m:sSupPr>
+                            <m:ctrlPr>
+                              <a:rPr lang="fr-BE" b="0" i="1" smtClean="0">
+                                <a:latin typeface="Cambria Math" panose="02040503050406030204" pitchFamily="18" charset="0"/>
+                              </a:rPr>
+                            </m:ctrlPr>
+                          </m:sSupPr>
+                          <m:e>
+                            <m:r>
+                              <a:rPr lang="fr-BE" i="1">
+                                <a:latin typeface="Cambria Math" panose="02040503050406030204" pitchFamily="18" charset="0"/>
+                              </a:rPr>
+                              <m:t>h</m:t>
+                            </m:r>
+                          </m:e>
+                          <m:sup>
+                            <m:r>
+                              <a:rPr lang="fr-BE" b="0" i="1" smtClean="0">
+                                <a:latin typeface="Cambria Math" panose="02040503050406030204" pitchFamily="18" charset="0"/>
+                              </a:rPr>
+                              <m:t>3</m:t>
+                            </m:r>
+                          </m:sup>
+                        </m:sSup>
+                      </m:den>
+                    </m:f>
+                  </m:oMath>
+                </a14:m>
+                <a:endParaRPr lang="fr-BE" dirty="0"/>
+              </a:p>
+            </p:txBody>
+          </p:sp>
+        </mc:Choice>
+        <mc:Fallback>
+          <p:sp>
+            <p:nvSpPr>
+              <p:cNvPr id="3" name="Rectangle 2"/>
+              <p:cNvSpPr>
+                <a:spLocks noRot="1" noChangeAspect="1" noMove="1" noResize="1" noEditPoints="1" noAdjustHandles="1" noChangeArrowheads="1" noChangeShapeType="1" noTextEdit="1"/>
+              </p:cNvSpPr>
+              <p:nvPr/>
+            </p:nvSpPr>
+            <p:spPr>
+              <a:xfrm>
+                <a:off x="667970" y="1267597"/>
+                <a:ext cx="8238566" cy="801181"/>
+              </a:xfrm>
+              <a:prstGeom prst="rect">
+                <a:avLst/>
+              </a:prstGeom>
+              <a:blipFill>
+                <a:blip r:embed="rId3"/>
+                <a:stretch>
+                  <a:fillRect l="-666" b="-3053"/>
+                </a:stretch>
+              </a:blipFill>
+            </p:spPr>
+            <p:txBody>
+              <a:bodyPr/>
+              <a:lstStyle/>
+              <a:p>
+                <a:r>
+                  <a:rPr lang="fr-BE">
+                    <a:noFill/>
+                  </a:rPr>
+                  <a:t> </a:t>
+                </a:r>
+              </a:p>
+            </p:txBody>
+          </p:sp>
+        </mc:Fallback>
+      </mc:AlternateContent>
+      <mc:AlternateContent xmlns:mc="http://schemas.openxmlformats.org/markup-compatibility/2006">
+        <mc:Choice xmlns:a14="http://schemas.microsoft.com/office/drawing/2010/main" Requires="a14">
+          <p:sp>
+            <p:nvSpPr>
+              <p:cNvPr id="11" name="Rectangle 10"/>
+              <p:cNvSpPr/>
+              <p:nvPr/>
+            </p:nvSpPr>
+            <p:spPr>
+              <a:xfrm>
+                <a:off x="663288" y="1889091"/>
+                <a:ext cx="8238566" cy="369332"/>
+              </a:xfrm>
+              <a:prstGeom prst="rect">
+                <a:avLst/>
+              </a:prstGeom>
+            </p:spPr>
+            <p:txBody>
+              <a:bodyPr wrap="square">
+                <a:spAutoFit/>
+              </a:bodyPr>
+              <a:lstStyle/>
+              <a:p>
+                <a14:m>
+                  <m:oMathPara xmlns:m="http://schemas.openxmlformats.org/officeDocument/2006/math">
+                    <m:oMathParaPr>
+                      <m:jc m:val="centerGroup"/>
+                    </m:oMathParaPr>
+                    <m:oMath xmlns:m="http://schemas.openxmlformats.org/officeDocument/2006/math">
+                      <m:r>
+                        <a:rPr lang="fr-BE" i="1" smtClean="0">
+                          <a:latin typeface="Cambria Math" panose="02040503050406030204" pitchFamily="18" charset="0"/>
+                        </a:rPr>
+                        <m:t>⇒</m:t>
+                      </m:r>
+                      <m:d>
+                        <m:dPr>
+                          <m:begChr m:val="|"/>
+                          <m:endChr m:val="|"/>
+                          <m:ctrlPr>
+                            <a:rPr lang="fr-BE" b="0" i="1" smtClean="0">
+                              <a:latin typeface="Cambria Math" panose="02040503050406030204" pitchFamily="18" charset="0"/>
+                            </a:rPr>
+                          </m:ctrlPr>
+                        </m:dPr>
+                        <m:e>
+                          <m:r>
+                            <a:rPr lang="fr-BE" i="1">
+                              <a:latin typeface="Cambria Math" panose="02040503050406030204" pitchFamily="18" charset="0"/>
+                            </a:rPr>
+                            <m:t>𝜅</m:t>
+                          </m:r>
+                        </m:e>
+                      </m:d>
+                      <m:r>
+                        <a:rPr lang="fr-BE" b="0" i="1" smtClean="0">
+                          <a:latin typeface="Cambria Math" panose="02040503050406030204" pitchFamily="18" charset="0"/>
+                        </a:rPr>
+                        <m:t>≤</m:t>
+                      </m:r>
+                      <m:r>
+                        <a:rPr lang="fr-BE" i="1">
+                          <a:latin typeface="Cambria Math" panose="02040503050406030204" pitchFamily="18" charset="0"/>
+                        </a:rPr>
+                        <m:t>1</m:t>
+                      </m:r>
+                    </m:oMath>
+                  </m:oMathPara>
+                </a14:m>
+                <a:endParaRPr lang="fr-BE" dirty="0"/>
+              </a:p>
+            </p:txBody>
+          </p:sp>
+        </mc:Choice>
+        <mc:Fallback>
+          <p:sp>
+            <p:nvSpPr>
+              <p:cNvPr id="11" name="Rectangle 10"/>
+              <p:cNvSpPr>
+                <a:spLocks noRot="1" noChangeAspect="1" noMove="1" noResize="1" noEditPoints="1" noAdjustHandles="1" noChangeArrowheads="1" noChangeShapeType="1" noTextEdit="1"/>
+              </p:cNvSpPr>
+              <p:nvPr/>
+            </p:nvSpPr>
+            <p:spPr>
+              <a:xfrm>
+                <a:off x="663288" y="1889091"/>
+                <a:ext cx="8238566" cy="369332"/>
+              </a:xfrm>
+              <a:prstGeom prst="rect">
+                <a:avLst/>
+              </a:prstGeom>
+              <a:blipFill>
+                <a:blip r:embed="rId4"/>
+                <a:stretch>
+                  <a:fillRect/>
+                </a:stretch>
+              </a:blipFill>
+            </p:spPr>
+            <p:txBody>
+              <a:bodyPr/>
+              <a:lstStyle/>
+              <a:p>
+                <a:r>
+                  <a:rPr lang="fr-BE">
+                    <a:noFill/>
+                  </a:rPr>
+                  <a:t> </a:t>
+                </a:r>
+              </a:p>
+            </p:txBody>
+          </p:sp>
+        </mc:Fallback>
+      </mc:AlternateContent>
+    </p:spTree>
+    <p:extLst>
+      <p:ext uri="{BB962C8B-B14F-4D97-AF65-F5344CB8AC3E}">
+        <p14:creationId xmlns:p14="http://schemas.microsoft.com/office/powerpoint/2010/main" val="2395383150"/>
+      </p:ext>
+    </p:extLst>
+  </p:cSld>
+  <p:clrMapOvr>
+    <a:masterClrMapping/>
+  </p:clrMapOvr>
+  <p:timing>
+    <p:tnLst>
+      <p:par>
+        <p:cTn id="1" dur="indefinite" restart="never" nodeType="tmRoot"/>
+      </p:par>
+    </p:tnLst>
+  </p:timing>
+</p:sld>
+</file>
+
+<file path=ppt/slides/slide9.xml><?xml version="1.0" encoding="utf-8"?>
+<p:sld xmlns:a="http://schemas.openxmlformats.org/drawingml/2006/main" xmlns:r="http://schemas.openxmlformats.org/officeDocument/2006/relationships" xmlns:p="http://schemas.openxmlformats.org/presentationml/2006/main">
+  <p:cSld>
+    <p:spTree>
+      <p:nvGrpSpPr>
+        <p:cNvPr id="1" name=""/>
+        <p:cNvGrpSpPr/>
+        <p:nvPr/>
+      </p:nvGrpSpPr>
+      <p:grpSpPr>
+        <a:xfrm>
+          <a:off x="0" y="0"/>
+          <a:ext cx="0" cy="0"/>
+          <a:chOff x="0" y="0"/>
+          <a:chExt cx="0" cy="0"/>
+        </a:xfrm>
+      </p:grpSpPr>
       <p:pic>
         <p:nvPicPr>
           <p:cNvPr id="6" name="Image 5"/>
@@ -23696,22 +30625,21 @@
           </p:cNvPicPr>
           <p:nvPr/>
         </p:nvPicPr>
-        <p:blipFill>
-          <a:blip r:embed="rId3">
+        <p:blipFill rotWithShape="1">
+          <a:blip r:embed="rId2">
             <a:extLst>
               <a:ext uri="{28A0092B-C50C-407E-A947-70E740481C1C}">
                 <a14:useLocalDpi xmlns:a14="http://schemas.microsoft.com/office/drawing/2010/main" val="0"/>
               </a:ext>
             </a:extLst>
           </a:blip>
-          <a:stretch>
-            <a:fillRect/>
-          </a:stretch>
+          <a:srcRect l="8389" t="9768" r="7768" b="4336"/>
+          <a:stretch/>
         </p:blipFill>
         <p:spPr>
           <a:xfrm>
-            <a:off x="672652" y="1269999"/>
-            <a:ext cx="8596668" cy="4414747"/>
+            <a:off x="3492472" y="2740797"/>
+            <a:ext cx="7825604" cy="4117203"/>
           </a:xfrm>
           <a:prstGeom prst="rect">
             <a:avLst/>
@@ -23767,16 +30695,894 @@
             <a:fld id="{D57F1E4F-1CFF-5643-939E-217C01CDF565}" type="slidenum">
               <a:rPr lang="en-US" smtClean="0"/>
               <a:pPr/>
-              <a:t>7</a:t>
+              <a:t>9</a:t>
             </a:fld>
             <a:endParaRPr lang="en-US" dirty="0"/>
           </a:p>
         </p:txBody>
       </p:sp>
+      <mc:AlternateContent xmlns:mc="http://schemas.openxmlformats.org/markup-compatibility/2006">
+        <mc:Choice xmlns:a14="http://schemas.microsoft.com/office/drawing/2010/main" Requires="a14">
+          <p:sp>
+            <p:nvSpPr>
+              <p:cNvPr id="3" name="Rectangle 2"/>
+              <p:cNvSpPr/>
+              <p:nvPr/>
+            </p:nvSpPr>
+            <p:spPr>
+              <a:xfrm>
+                <a:off x="667970" y="1267597"/>
+                <a:ext cx="8238566" cy="646331"/>
+              </a:xfrm>
+              <a:prstGeom prst="rect">
+                <a:avLst/>
+              </a:prstGeom>
+            </p:spPr>
+            <p:txBody>
+              <a:bodyPr wrap="square">
+                <a:spAutoFit/>
+              </a:bodyPr>
+              <a:lstStyle/>
+              <a:p>
+                <a:r>
+                  <a:rPr lang="fr-BE" dirty="0" smtClean="0"/>
+                  <a:t>Pour avoir une condition réelle :</a:t>
+                </a:r>
+                <a:endParaRPr lang="fr-BE" i="1" dirty="0" smtClean="0">
+                  <a:latin typeface="Cambria Math" panose="02040503050406030204" pitchFamily="18" charset="0"/>
+                </a:endParaRPr>
+              </a:p>
+              <a:p>
+                <a14:m>
+                  <m:oMathPara xmlns:m="http://schemas.openxmlformats.org/officeDocument/2006/math">
+                    <m:oMathParaPr>
+                      <m:jc m:val="centerGroup"/>
+                    </m:oMathParaPr>
+                    <m:oMath xmlns:m="http://schemas.openxmlformats.org/officeDocument/2006/math">
+                      <m:r>
+                        <a:rPr lang="fr-BE" i="1" smtClean="0">
+                          <a:latin typeface="Cambria Math" panose="02040503050406030204" pitchFamily="18" charset="0"/>
+                        </a:rPr>
+                        <m:t> </m:t>
+                      </m:r>
+                      <m:r>
+                        <a:rPr lang="fr-BE" i="1" smtClean="0">
+                          <a:latin typeface="Cambria Math" panose="02040503050406030204" pitchFamily="18" charset="0"/>
+                        </a:rPr>
+                        <m:t>𝜅</m:t>
+                      </m:r>
+                      <m:r>
+                        <a:rPr lang="fr-BE" b="0" i="1" smtClean="0">
+                          <a:latin typeface="Cambria Math" panose="02040503050406030204" pitchFamily="18" charset="0"/>
+                        </a:rPr>
+                        <m:t>⋅</m:t>
+                      </m:r>
+                      <m:sSup>
+                        <m:sSupPr>
+                          <m:ctrlPr>
+                            <a:rPr lang="fr-BE" b="0" i="1" smtClean="0">
+                              <a:latin typeface="Cambria Math" panose="02040503050406030204" pitchFamily="18" charset="0"/>
+                            </a:rPr>
+                          </m:ctrlPr>
+                        </m:sSupPr>
+                        <m:e>
+                          <m:r>
+                            <a:rPr lang="fr-BE" b="0" i="1" smtClean="0">
+                              <a:latin typeface="Cambria Math" panose="02040503050406030204" pitchFamily="18" charset="0"/>
+                            </a:rPr>
+                            <m:t>𝜅</m:t>
+                          </m:r>
+                        </m:e>
+                        <m:sup>
+                          <m:r>
+                            <a:rPr lang="fr-BE" b="0" i="1" smtClean="0">
+                              <a:latin typeface="Cambria Math" panose="02040503050406030204" pitchFamily="18" charset="0"/>
+                            </a:rPr>
+                            <m:t>∗</m:t>
+                          </m:r>
+                        </m:sup>
+                      </m:sSup>
+                      <m:r>
+                        <a:rPr lang="fr-BE" i="1">
+                          <a:latin typeface="Cambria Math" panose="02040503050406030204" pitchFamily="18" charset="0"/>
+                        </a:rPr>
+                        <m:t>=</m:t>
+                      </m:r>
+                      <m:sSup>
+                        <m:sSupPr>
+                          <m:ctrlPr>
+                            <a:rPr lang="fr-BE" b="0" i="1" smtClean="0">
+                              <a:latin typeface="Cambria Math" panose="02040503050406030204" pitchFamily="18" charset="0"/>
+                            </a:rPr>
+                          </m:ctrlPr>
+                        </m:sSupPr>
+                        <m:e>
+                          <m:d>
+                            <m:dPr>
+                              <m:begChr m:val="|"/>
+                              <m:endChr m:val="|"/>
+                              <m:ctrlPr>
+                                <a:rPr lang="fr-BE" b="0" i="1" smtClean="0">
+                                  <a:latin typeface="Cambria Math" panose="02040503050406030204" pitchFamily="18" charset="0"/>
+                                </a:rPr>
+                              </m:ctrlPr>
+                            </m:dPr>
+                            <m:e>
+                              <m:r>
+                                <a:rPr lang="fr-BE" b="0" i="1" smtClean="0">
+                                  <a:latin typeface="Cambria Math" panose="02040503050406030204" pitchFamily="18" charset="0"/>
+                                </a:rPr>
+                                <m:t>𝜅</m:t>
+                              </m:r>
+                            </m:e>
+                          </m:d>
+                        </m:e>
+                        <m:sup>
+                          <m:r>
+                            <a:rPr lang="fr-BE" b="0" i="1" smtClean="0">
+                              <a:latin typeface="Cambria Math" panose="02040503050406030204" pitchFamily="18" charset="0"/>
+                            </a:rPr>
+                            <m:t>2</m:t>
+                          </m:r>
+                        </m:sup>
+                      </m:sSup>
+                      <m:r>
+                        <a:rPr lang="fr-BE" b="0" i="1" smtClean="0">
+                          <a:latin typeface="Cambria Math" panose="02040503050406030204" pitchFamily="18" charset="0"/>
+                        </a:rPr>
+                        <m:t>≤</m:t>
+                      </m:r>
+                      <m:r>
+                        <a:rPr lang="fr-BE" i="1">
+                          <a:latin typeface="Cambria Math" panose="02040503050406030204" pitchFamily="18" charset="0"/>
+                        </a:rPr>
+                        <m:t>1</m:t>
+                      </m:r>
+                    </m:oMath>
+                  </m:oMathPara>
+                </a14:m>
+                <a:endParaRPr lang="fr-BE" dirty="0" smtClean="0"/>
+              </a:p>
+            </p:txBody>
+          </p:sp>
+        </mc:Choice>
+        <mc:Fallback>
+          <p:sp>
+            <p:nvSpPr>
+              <p:cNvPr id="3" name="Rectangle 2"/>
+              <p:cNvSpPr>
+                <a:spLocks noRot="1" noChangeAspect="1" noMove="1" noResize="1" noEditPoints="1" noAdjustHandles="1" noChangeArrowheads="1" noChangeShapeType="1" noTextEdit="1"/>
+              </p:cNvSpPr>
+              <p:nvPr/>
+            </p:nvSpPr>
+            <p:spPr>
+              <a:xfrm>
+                <a:off x="667970" y="1267597"/>
+                <a:ext cx="8238566" cy="646331"/>
+              </a:xfrm>
+              <a:prstGeom prst="rect">
+                <a:avLst/>
+              </a:prstGeom>
+              <a:blipFill>
+                <a:blip r:embed="rId3"/>
+                <a:stretch>
+                  <a:fillRect l="-666" t="-6604"/>
+                </a:stretch>
+              </a:blipFill>
+            </p:spPr>
+            <p:txBody>
+              <a:bodyPr/>
+              <a:lstStyle/>
+              <a:p>
+                <a:r>
+                  <a:rPr lang="fr-BE">
+                    <a:noFill/>
+                  </a:rPr>
+                  <a:t> </a:t>
+                </a:r>
+              </a:p>
+            </p:txBody>
+          </p:sp>
+        </mc:Fallback>
+      </mc:AlternateContent>
+      <mc:AlternateContent xmlns:mc="http://schemas.openxmlformats.org/markup-compatibility/2006">
+        <mc:Choice xmlns:a14="http://schemas.microsoft.com/office/drawing/2010/main" Requires="a14">
+          <p:sp>
+            <p:nvSpPr>
+              <p:cNvPr id="9" name="Rectangle 8"/>
+              <p:cNvSpPr/>
+              <p:nvPr/>
+            </p:nvSpPr>
+            <p:spPr>
+              <a:xfrm>
+                <a:off x="677334" y="2082800"/>
+                <a:ext cx="8332195" cy="1078180"/>
+              </a:xfrm>
+              <a:prstGeom prst="rect">
+                <a:avLst/>
+              </a:prstGeom>
+            </p:spPr>
+            <p:txBody>
+              <a:bodyPr wrap="square">
+                <a:spAutoFit/>
+              </a:bodyPr>
+              <a:lstStyle/>
+              <a:p>
+                <a:pPr/>
+                <a14:m>
+                  <m:oMathPara xmlns:m="http://schemas.openxmlformats.org/officeDocument/2006/math">
+                    <m:oMathParaPr>
+                      <m:jc m:val="left"/>
+                    </m:oMathParaPr>
+                    <m:oMath xmlns:m="http://schemas.openxmlformats.org/officeDocument/2006/math">
+                      <m:sSup>
+                        <m:sSupPr>
+                          <m:ctrlPr>
+                            <a:rPr lang="fr-BE" b="0" i="1" smtClean="0">
+                              <a:latin typeface="Cambria Math" panose="02040503050406030204" pitchFamily="18" charset="0"/>
+                            </a:rPr>
+                          </m:ctrlPr>
+                        </m:sSupPr>
+                        <m:e>
+                          <m:d>
+                            <m:dPr>
+                              <m:begChr m:val="|"/>
+                              <m:endChr m:val="|"/>
+                              <m:ctrlPr>
+                                <a:rPr lang="fr-BE" b="0" i="1" smtClean="0">
+                                  <a:latin typeface="Cambria Math" panose="02040503050406030204" pitchFamily="18" charset="0"/>
+                                </a:rPr>
+                              </m:ctrlPr>
+                            </m:dPr>
+                            <m:e>
+                              <m:r>
+                                <a:rPr lang="fr-BE" b="0" i="1" smtClean="0">
+                                  <a:latin typeface="Cambria Math" panose="02040503050406030204" pitchFamily="18" charset="0"/>
+                                </a:rPr>
+                                <m:t>𝜅</m:t>
+                              </m:r>
+                            </m:e>
+                          </m:d>
+                        </m:e>
+                        <m:sup>
+                          <m:r>
+                            <a:rPr lang="fr-BE" b="0" i="1" smtClean="0">
+                              <a:latin typeface="Cambria Math" panose="02040503050406030204" pitchFamily="18" charset="0"/>
+                            </a:rPr>
+                            <m:t>2</m:t>
+                          </m:r>
+                        </m:sup>
+                      </m:sSup>
+                      <m:r>
+                        <a:rPr lang="fr-BE" b="0" i="1" smtClean="0">
+                          <a:latin typeface="Cambria Math" panose="02040503050406030204" pitchFamily="18" charset="0"/>
+                        </a:rPr>
+                        <m:t>=</m:t>
+                      </m:r>
+                      <m:r>
+                        <a:rPr lang="fr-BE" i="1">
+                          <a:latin typeface="Cambria Math" panose="02040503050406030204" pitchFamily="18" charset="0"/>
+                        </a:rPr>
+                        <m:t>1</m:t>
+                      </m:r>
+                      <m:r>
+                        <a:rPr lang="fr-BE" i="1">
+                          <a:latin typeface="Cambria Math" panose="02040503050406030204" pitchFamily="18" charset="0"/>
+                        </a:rPr>
+                        <m:t>−</m:t>
+                      </m:r>
+                      <m:d>
+                        <m:dPr>
+                          <m:begChr m:val="["/>
+                          <m:endChr m:val="]"/>
+                          <m:ctrlPr>
+                            <a:rPr lang="fr-BE" i="1">
+                              <a:latin typeface="Cambria Math" panose="02040503050406030204" pitchFamily="18" charset="0"/>
+                            </a:rPr>
+                          </m:ctrlPr>
+                        </m:dPr>
+                        <m:e>
+                          <m:d>
+                            <m:dPr>
+                              <m:ctrlPr>
+                                <a:rPr lang="fr-BE" b="0" i="1" smtClean="0">
+                                  <a:latin typeface="Cambria Math" panose="02040503050406030204" pitchFamily="18" charset="0"/>
+                                </a:rPr>
+                              </m:ctrlPr>
+                            </m:dPr>
+                            <m:e>
+                              <m:r>
+                                <a:rPr lang="fr-BE" b="0" i="1" smtClean="0">
+                                  <a:latin typeface="Cambria Math" panose="02040503050406030204" pitchFamily="18" charset="0"/>
+                                </a:rPr>
+                                <m:t>1−</m:t>
+                              </m:r>
+                              <m:func>
+                                <m:funcPr>
+                                  <m:ctrlPr>
+                                    <a:rPr lang="fr-BE" b="0" i="1" smtClean="0">
+                                      <a:latin typeface="Cambria Math" panose="02040503050406030204" pitchFamily="18" charset="0"/>
+                                    </a:rPr>
+                                  </m:ctrlPr>
+                                </m:funcPr>
+                                <m:fName>
+                                  <m:r>
+                                    <m:rPr>
+                                      <m:sty m:val="p"/>
+                                    </m:rPr>
+                                    <a:rPr lang="fr-BE" b="0" i="0" smtClean="0">
+                                      <a:latin typeface="Cambria Math" panose="02040503050406030204" pitchFamily="18" charset="0"/>
+                                    </a:rPr>
+                                    <m:t>cos</m:t>
+                                  </m:r>
+                                </m:fName>
+                                <m:e>
+                                  <m:d>
+                                    <m:dPr>
+                                      <m:ctrlPr>
+                                        <a:rPr lang="fr-BE" b="0" i="1" smtClean="0">
+                                          <a:latin typeface="Cambria Math" panose="02040503050406030204" pitchFamily="18" charset="0"/>
+                                        </a:rPr>
+                                      </m:ctrlPr>
+                                    </m:dPr>
+                                    <m:e>
+                                      <m:r>
+                                        <a:rPr lang="fr-BE" b="0" i="1" smtClean="0">
+                                          <a:latin typeface="Cambria Math" panose="02040503050406030204" pitchFamily="18" charset="0"/>
+                                        </a:rPr>
+                                        <m:t>𝑟h</m:t>
+                                      </m:r>
+                                    </m:e>
+                                  </m:d>
+                                </m:e>
+                              </m:func>
+                            </m:e>
+                          </m:d>
+                          <m:r>
+                            <a:rPr lang="fr-BE" b="0" i="1" smtClean="0">
+                              <a:latin typeface="Cambria Math" panose="02040503050406030204" pitchFamily="18" charset="0"/>
+                            </a:rPr>
+                            <m:t>⋅</m:t>
+                          </m:r>
+                          <m:d>
+                            <m:dPr>
+                              <m:ctrlPr>
+                                <a:rPr lang="fr-BE" b="0" i="1" smtClean="0">
+                                  <a:latin typeface="Cambria Math" panose="02040503050406030204" pitchFamily="18" charset="0"/>
+                                </a:rPr>
+                              </m:ctrlPr>
+                            </m:dPr>
+                            <m:e>
+                              <m:r>
+                                <a:rPr lang="fr-BE" b="0" i="1" smtClean="0">
+                                  <a:latin typeface="Cambria Math" panose="02040503050406030204" pitchFamily="18" charset="0"/>
+                                </a:rPr>
+                                <m:t>2</m:t>
+                              </m:r>
+                              <m:r>
+                                <a:rPr lang="fr-BE" b="0" i="1" smtClean="0">
+                                  <a:latin typeface="Cambria Math" panose="02040503050406030204" pitchFamily="18" charset="0"/>
+                                </a:rPr>
+                                <m:t>𝛼</m:t>
+                              </m:r>
+                              <m:r>
+                                <a:rPr lang="fr-BE" b="0" i="1" smtClean="0">
+                                  <a:latin typeface="Cambria Math" panose="02040503050406030204" pitchFamily="18" charset="0"/>
+                                </a:rPr>
+                                <m:t>−2</m:t>
+                              </m:r>
+                              <m:sSup>
+                                <m:sSupPr>
+                                  <m:ctrlPr>
+                                    <a:rPr lang="fr-BE" b="0" i="1" smtClean="0">
+                                      <a:latin typeface="Cambria Math" panose="02040503050406030204" pitchFamily="18" charset="0"/>
+                                    </a:rPr>
+                                  </m:ctrlPr>
+                                </m:sSupPr>
+                                <m:e>
+                                  <m:r>
+                                    <a:rPr lang="fr-BE" b="0" i="1" smtClean="0">
+                                      <a:latin typeface="Cambria Math" panose="02040503050406030204" pitchFamily="18" charset="0"/>
+                                    </a:rPr>
+                                    <m:t>𝛼</m:t>
+                                  </m:r>
+                                </m:e>
+                                <m:sup>
+                                  <m:r>
+                                    <a:rPr lang="fr-BE" b="0" i="1" smtClean="0">
+                                      <a:latin typeface="Cambria Math" panose="02040503050406030204" pitchFamily="18" charset="0"/>
+                                    </a:rPr>
+                                    <m:t>2</m:t>
+                                  </m:r>
+                                </m:sup>
+                              </m:sSup>
+                            </m:e>
+                          </m:d>
+                        </m:e>
+                      </m:d>
+                    </m:oMath>
+                  </m:oMathPara>
+                </a14:m>
+                <a:endParaRPr lang="fr-BE" i="1" dirty="0" smtClean="0">
+                  <a:latin typeface="Cambria Math" panose="02040503050406030204" pitchFamily="18" charset="0"/>
+                </a:endParaRPr>
+              </a:p>
+              <a:p>
+                <a:pPr/>
+                <a:r>
+                  <a:rPr lang="fr-BE" b="0" dirty="0" smtClean="0"/>
+                  <a:t>	     </a:t>
+                </a:r>
+                <a14:m>
+                  <m:oMath xmlns:m="http://schemas.openxmlformats.org/officeDocument/2006/math">
+                    <m:r>
+                      <a:rPr lang="fr-BE" b="0" i="0" smtClean="0">
+                        <a:latin typeface="Cambria Math" panose="02040503050406030204" pitchFamily="18" charset="0"/>
+                      </a:rPr>
+                      <m:t> </m:t>
+                    </m:r>
+                    <m:r>
+                      <a:rPr lang="fr-BE" b="0" i="1" smtClean="0">
+                        <a:latin typeface="Cambria Math" panose="02040503050406030204" pitchFamily="18" charset="0"/>
+                      </a:rPr>
+                      <m:t>+ </m:t>
+                    </m:r>
+                    <m:d>
+                      <m:dPr>
+                        <m:begChr m:val="["/>
+                        <m:endChr m:val="]"/>
+                        <m:ctrlPr>
+                          <a:rPr lang="fr-BE" i="1">
+                            <a:latin typeface="Cambria Math" panose="02040503050406030204" pitchFamily="18" charset="0"/>
+                          </a:rPr>
+                        </m:ctrlPr>
+                      </m:dPr>
+                      <m:e>
+                        <m:d>
+                          <m:dPr>
+                            <m:ctrlPr>
+                              <a:rPr lang="fr-BE" b="0" i="1" smtClean="0">
+                                <a:latin typeface="Cambria Math" panose="02040503050406030204" pitchFamily="18" charset="0"/>
+                              </a:rPr>
+                            </m:ctrlPr>
+                          </m:dPr>
+                          <m:e>
+                            <m:r>
+                              <a:rPr lang="fr-BE" b="0" i="1" smtClean="0">
+                                <a:latin typeface="Cambria Math" panose="02040503050406030204" pitchFamily="18" charset="0"/>
+                              </a:rPr>
+                              <m:t>1−</m:t>
+                            </m:r>
+                            <m:func>
+                              <m:funcPr>
+                                <m:ctrlPr>
+                                  <a:rPr lang="fr-BE" b="0" i="1" smtClean="0">
+                                    <a:latin typeface="Cambria Math" panose="02040503050406030204" pitchFamily="18" charset="0"/>
+                                  </a:rPr>
+                                </m:ctrlPr>
+                              </m:funcPr>
+                              <m:fName>
+                                <m:sSup>
+                                  <m:sSupPr>
+                                    <m:ctrlPr>
+                                      <a:rPr lang="fr-BE" b="0" i="1" smtClean="0">
+                                        <a:latin typeface="Cambria Math" panose="02040503050406030204" pitchFamily="18" charset="0"/>
+                                      </a:rPr>
+                                    </m:ctrlPr>
+                                  </m:sSupPr>
+                                  <m:e>
+                                    <m:r>
+                                      <m:rPr>
+                                        <m:sty m:val="p"/>
+                                      </m:rPr>
+                                      <a:rPr lang="fr-BE" b="0" i="0" smtClean="0">
+                                        <a:latin typeface="Cambria Math" panose="02040503050406030204" pitchFamily="18" charset="0"/>
+                                      </a:rPr>
+                                      <m:t>cos</m:t>
+                                    </m:r>
+                                  </m:e>
+                                  <m:sup>
+                                    <m:r>
+                                      <a:rPr lang="fr-BE" b="0" i="1" smtClean="0">
+                                        <a:latin typeface="Cambria Math" panose="02040503050406030204" pitchFamily="18" charset="0"/>
+                                      </a:rPr>
+                                      <m:t>2</m:t>
+                                    </m:r>
+                                  </m:sup>
+                                </m:sSup>
+                              </m:fName>
+                              <m:e>
+                                <m:d>
+                                  <m:dPr>
+                                    <m:ctrlPr>
+                                      <a:rPr lang="fr-BE" b="0" i="1" smtClean="0">
+                                        <a:latin typeface="Cambria Math" panose="02040503050406030204" pitchFamily="18" charset="0"/>
+                                      </a:rPr>
+                                    </m:ctrlPr>
+                                  </m:dPr>
+                                  <m:e>
+                                    <m:r>
+                                      <a:rPr lang="fr-BE" b="0" i="1" smtClean="0">
+                                        <a:latin typeface="Cambria Math" panose="02040503050406030204" pitchFamily="18" charset="0"/>
+                                      </a:rPr>
+                                      <m:t>𝑟h</m:t>
+                                    </m:r>
+                                  </m:e>
+                                </m:d>
+                              </m:e>
+                            </m:func>
+                          </m:e>
+                        </m:d>
+                        <m:r>
+                          <a:rPr lang="fr-BE" b="0" i="1" smtClean="0">
+                            <a:latin typeface="Cambria Math" panose="02040503050406030204" pitchFamily="18" charset="0"/>
+                          </a:rPr>
+                          <m:t>⋅((</m:t>
+                        </m:r>
+                        <m:func>
+                          <m:funcPr>
+                            <m:ctrlPr>
+                              <a:rPr lang="fr-BE" b="0" i="1" smtClean="0">
+                                <a:latin typeface="Cambria Math" panose="02040503050406030204" pitchFamily="18" charset="0"/>
+                              </a:rPr>
+                            </m:ctrlPr>
+                          </m:funcPr>
+                          <m:fName>
+                            <m:r>
+                              <m:rPr>
+                                <m:sty m:val="p"/>
+                              </m:rPr>
+                              <a:rPr lang="fr-BE" b="0" i="0" smtClean="0">
+                                <a:latin typeface="Cambria Math" panose="02040503050406030204" pitchFamily="18" charset="0"/>
+                              </a:rPr>
+                              <m:t>cos</m:t>
+                            </m:r>
+                          </m:fName>
+                          <m:e>
+                            <m:d>
+                              <m:dPr>
+                                <m:ctrlPr>
+                                  <a:rPr lang="fr-BE" b="0" i="1" smtClean="0">
+                                    <a:latin typeface="Cambria Math" panose="02040503050406030204" pitchFamily="18" charset="0"/>
+                                  </a:rPr>
+                                </m:ctrlPr>
+                              </m:dPr>
+                              <m:e>
+                                <m:r>
+                                  <a:rPr lang="fr-BE" b="0" i="1" smtClean="0">
+                                    <a:latin typeface="Cambria Math" panose="02040503050406030204" pitchFamily="18" charset="0"/>
+                                  </a:rPr>
+                                  <m:t>𝑟h</m:t>
+                                </m:r>
+                              </m:e>
+                            </m:d>
+                          </m:e>
+                        </m:func>
+                        <m:r>
+                          <a:rPr lang="fr-BE" b="0" i="1" smtClean="0">
+                            <a:latin typeface="Cambria Math" panose="02040503050406030204" pitchFamily="18" charset="0"/>
+                          </a:rPr>
+                          <m:t>−1)(16</m:t>
+                        </m:r>
+                        <m:sSup>
+                          <m:sSupPr>
+                            <m:ctrlPr>
+                              <a:rPr lang="fr-BE" b="0" i="1" smtClean="0">
+                                <a:latin typeface="Cambria Math" panose="02040503050406030204" pitchFamily="18" charset="0"/>
+                              </a:rPr>
+                            </m:ctrlPr>
+                          </m:sSupPr>
+                          <m:e>
+                            <m:r>
+                              <a:rPr lang="fr-BE" b="0" i="1" smtClean="0">
+                                <a:latin typeface="Cambria Math" panose="02040503050406030204" pitchFamily="18" charset="0"/>
+                              </a:rPr>
+                              <m:t>𝛽</m:t>
+                            </m:r>
+                          </m:e>
+                          <m:sup>
+                            <m:r>
+                              <a:rPr lang="fr-BE" b="0" i="1" smtClean="0">
+                                <a:latin typeface="Cambria Math" panose="02040503050406030204" pitchFamily="18" charset="0"/>
+                              </a:rPr>
+                              <m:t>2</m:t>
+                            </m:r>
+                          </m:sup>
+                        </m:sSup>
+                        <m:d>
+                          <m:dPr>
+                            <m:ctrlPr>
+                              <a:rPr lang="fr-BE" b="0" i="1" smtClean="0">
+                                <a:latin typeface="Cambria Math" panose="02040503050406030204" pitchFamily="18" charset="0"/>
+                              </a:rPr>
+                            </m:ctrlPr>
+                          </m:dPr>
+                          <m:e>
+                            <m:func>
+                              <m:funcPr>
+                                <m:ctrlPr>
+                                  <a:rPr lang="fr-BE" b="0" i="1" smtClean="0">
+                                    <a:latin typeface="Cambria Math" panose="02040503050406030204" pitchFamily="18" charset="0"/>
+                                  </a:rPr>
+                                </m:ctrlPr>
+                              </m:funcPr>
+                              <m:fName>
+                                <m:r>
+                                  <m:rPr>
+                                    <m:sty m:val="p"/>
+                                  </m:rPr>
+                                  <a:rPr lang="fr-BE" b="0" i="0" smtClean="0">
+                                    <a:latin typeface="Cambria Math" panose="02040503050406030204" pitchFamily="18" charset="0"/>
+                                  </a:rPr>
+                                  <m:t>cos</m:t>
+                                </m:r>
+                              </m:fName>
+                              <m:e>
+                                <m:d>
+                                  <m:dPr>
+                                    <m:ctrlPr>
+                                      <a:rPr lang="fr-BE" b="0" i="1" smtClean="0">
+                                        <a:latin typeface="Cambria Math" panose="02040503050406030204" pitchFamily="18" charset="0"/>
+                                      </a:rPr>
+                                    </m:ctrlPr>
+                                  </m:dPr>
+                                  <m:e>
+                                    <m:r>
+                                      <a:rPr lang="fr-BE" b="0" i="1" smtClean="0">
+                                        <a:latin typeface="Cambria Math" panose="02040503050406030204" pitchFamily="18" charset="0"/>
+                                      </a:rPr>
+                                      <m:t>𝑟h</m:t>
+                                    </m:r>
+                                  </m:e>
+                                </m:d>
+                              </m:e>
+                            </m:func>
+                            <m:r>
+                              <a:rPr lang="fr-BE" b="0" i="1" smtClean="0">
+                                <a:latin typeface="Cambria Math" panose="02040503050406030204" pitchFamily="18" charset="0"/>
+                              </a:rPr>
+                              <m:t>−1</m:t>
+                            </m:r>
+                          </m:e>
+                        </m:d>
+                        <m:r>
+                          <a:rPr lang="fr-BE" b="0" i="1" smtClean="0">
+                            <a:latin typeface="Cambria Math" panose="02040503050406030204" pitchFamily="18" charset="0"/>
+                          </a:rPr>
+                          <m:t>+8</m:t>
+                        </m:r>
+                        <m:r>
+                          <a:rPr lang="fr-BE" b="0" i="1" smtClean="0">
+                            <a:latin typeface="Cambria Math" panose="02040503050406030204" pitchFamily="18" charset="0"/>
+                          </a:rPr>
+                          <m:t>𝛼𝛽</m:t>
+                        </m:r>
+                        <m:r>
+                          <a:rPr lang="fr-BE" b="0" i="1" smtClean="0">
+                            <a:latin typeface="Cambria Math" panose="02040503050406030204" pitchFamily="18" charset="0"/>
+                          </a:rPr>
+                          <m:t>))</m:t>
+                        </m:r>
+                      </m:e>
+                    </m:d>
+                  </m:oMath>
+                </a14:m>
+                <a:endParaRPr lang="fr-BE" dirty="0" smtClean="0"/>
+              </a:p>
+              <a:p>
+                <a:r>
+                  <a:rPr lang="fr-BE" dirty="0" smtClean="0"/>
+                  <a:t>Où </a:t>
+                </a:r>
+                <a14:m>
+                  <m:oMath xmlns:m="http://schemas.openxmlformats.org/officeDocument/2006/math">
+                    <m:r>
+                      <a:rPr lang="fr-BE" i="1">
+                        <a:latin typeface="Cambria Math" panose="02040503050406030204" pitchFamily="18" charset="0"/>
+                      </a:rPr>
+                      <m:t>𝛼</m:t>
+                    </m:r>
+                    <m:r>
+                      <a:rPr lang="fr-BE" b="0" i="1" smtClean="0">
+                        <a:latin typeface="Cambria Math" panose="02040503050406030204" pitchFamily="18" charset="0"/>
+                      </a:rPr>
+                      <m:t>=</m:t>
+                    </m:r>
+                    <m:f>
+                      <m:fPr>
+                        <m:ctrlPr>
+                          <a:rPr lang="fr-BE" b="0" i="1" smtClean="0">
+                            <a:latin typeface="Cambria Math" panose="02040503050406030204" pitchFamily="18" charset="0"/>
+                          </a:rPr>
+                        </m:ctrlPr>
+                      </m:fPr>
+                      <m:num>
+                        <m:sSub>
+                          <m:sSubPr>
+                            <m:ctrlPr>
+                              <a:rPr lang="fr-BE" b="0" i="1" smtClean="0">
+                                <a:latin typeface="Cambria Math" panose="02040503050406030204" pitchFamily="18" charset="0"/>
+                              </a:rPr>
+                            </m:ctrlPr>
+                          </m:sSubPr>
+                          <m:e>
+                            <m:r>
+                              <a:rPr lang="fr-BE" b="0" i="1" smtClean="0">
+                                <a:latin typeface="Cambria Math" panose="02040503050406030204" pitchFamily="18" charset="0"/>
+                              </a:rPr>
+                              <m:t>𝑢</m:t>
+                            </m:r>
+                          </m:e>
+                          <m:sub>
+                            <m:r>
+                              <a:rPr lang="fr-BE" b="0" i="1" smtClean="0">
+                                <a:latin typeface="Cambria Math" panose="02040503050406030204" pitchFamily="18" charset="0"/>
+                              </a:rPr>
+                              <m:t>0</m:t>
+                            </m:r>
+                          </m:sub>
+                        </m:sSub>
+                        <m:r>
+                          <a:rPr lang="fr-BE" b="0" i="1" smtClean="0">
+                            <a:latin typeface="Cambria Math" panose="02040503050406030204" pitchFamily="18" charset="0"/>
+                          </a:rPr>
+                          <m:t>𝑘</m:t>
+                        </m:r>
+                      </m:num>
+                      <m:den>
+                        <m:r>
+                          <a:rPr lang="fr-BE" b="0" i="1" smtClean="0">
+                            <a:latin typeface="Cambria Math" panose="02040503050406030204" pitchFamily="18" charset="0"/>
+                          </a:rPr>
+                          <m:t>h</m:t>
+                        </m:r>
+                      </m:den>
+                    </m:f>
+                  </m:oMath>
+                </a14:m>
+                <a:r>
+                  <a:rPr lang="fr-BE" dirty="0" smtClean="0"/>
+                  <a:t> et </a:t>
+                </a:r>
+                <a14:m>
+                  <m:oMath xmlns:m="http://schemas.openxmlformats.org/officeDocument/2006/math">
+                    <m:r>
+                      <a:rPr lang="fr-BE" b="0" i="1" smtClean="0">
+                        <a:latin typeface="Cambria Math" panose="02040503050406030204" pitchFamily="18" charset="0"/>
+                      </a:rPr>
+                      <m:t>𝛽</m:t>
+                    </m:r>
+                    <m:r>
+                      <a:rPr lang="fr-BE" i="1">
+                        <a:latin typeface="Cambria Math" panose="02040503050406030204" pitchFamily="18" charset="0"/>
+                      </a:rPr>
+                      <m:t>=</m:t>
+                    </m:r>
+                    <m:f>
+                      <m:fPr>
+                        <m:ctrlPr>
+                          <a:rPr lang="fr-BE" i="1">
+                            <a:latin typeface="Cambria Math" panose="02040503050406030204" pitchFamily="18" charset="0"/>
+                          </a:rPr>
+                        </m:ctrlPr>
+                      </m:fPr>
+                      <m:num>
+                        <m:sSup>
+                          <m:sSupPr>
+                            <m:ctrlPr>
+                              <a:rPr lang="fr-BE" b="0" i="1" smtClean="0">
+                                <a:latin typeface="Cambria Math" panose="02040503050406030204" pitchFamily="18" charset="0"/>
+                              </a:rPr>
+                            </m:ctrlPr>
+                          </m:sSupPr>
+                          <m:e>
+                            <m:r>
+                              <a:rPr lang="fr-BE" b="0" i="1" smtClean="0">
+                                <a:latin typeface="Cambria Math" panose="02040503050406030204" pitchFamily="18" charset="0"/>
+                              </a:rPr>
+                              <m:t>𝛿</m:t>
+                            </m:r>
+                          </m:e>
+                          <m:sup>
+                            <m:r>
+                              <a:rPr lang="fr-BE" b="0" i="1" smtClean="0">
+                                <a:latin typeface="Cambria Math" panose="02040503050406030204" pitchFamily="18" charset="0"/>
+                              </a:rPr>
+                              <m:t>2</m:t>
+                            </m:r>
+                          </m:sup>
+                        </m:sSup>
+                        <m:r>
+                          <a:rPr lang="fr-BE" i="1">
+                            <a:latin typeface="Cambria Math" panose="02040503050406030204" pitchFamily="18" charset="0"/>
+                          </a:rPr>
+                          <m:t>𝑘</m:t>
+                        </m:r>
+                      </m:num>
+                      <m:den>
+                        <m:r>
+                          <a:rPr lang="fr-BE" b="0" i="1" smtClean="0">
+                            <a:latin typeface="Cambria Math" panose="02040503050406030204" pitchFamily="18" charset="0"/>
+                          </a:rPr>
+                          <m:t>2</m:t>
+                        </m:r>
+                        <m:sSup>
+                          <m:sSupPr>
+                            <m:ctrlPr>
+                              <a:rPr lang="fr-BE" b="0" i="1" smtClean="0">
+                                <a:latin typeface="Cambria Math" panose="02040503050406030204" pitchFamily="18" charset="0"/>
+                              </a:rPr>
+                            </m:ctrlPr>
+                          </m:sSupPr>
+                          <m:e>
+                            <m:r>
+                              <a:rPr lang="fr-BE" i="1">
+                                <a:latin typeface="Cambria Math" panose="02040503050406030204" pitchFamily="18" charset="0"/>
+                              </a:rPr>
+                              <m:t>h</m:t>
+                            </m:r>
+                          </m:e>
+                          <m:sup>
+                            <m:r>
+                              <a:rPr lang="fr-BE" b="0" i="1" smtClean="0">
+                                <a:latin typeface="Cambria Math" panose="02040503050406030204" pitchFamily="18" charset="0"/>
+                              </a:rPr>
+                              <m:t>3</m:t>
+                            </m:r>
+                          </m:sup>
+                        </m:sSup>
+                      </m:den>
+                    </m:f>
+                  </m:oMath>
+                </a14:m>
+                <a:endParaRPr lang="fr-BE" dirty="0"/>
+              </a:p>
+            </p:txBody>
+          </p:sp>
+        </mc:Choice>
+        <mc:Fallback>
+          <p:sp>
+            <p:nvSpPr>
+              <p:cNvPr id="9" name="Rectangle 8"/>
+              <p:cNvSpPr>
+                <a:spLocks noRot="1" noChangeAspect="1" noMove="1" noResize="1" noEditPoints="1" noAdjustHandles="1" noChangeArrowheads="1" noChangeShapeType="1" noTextEdit="1"/>
+              </p:cNvSpPr>
+              <p:nvPr/>
+            </p:nvSpPr>
+            <p:spPr>
+              <a:xfrm>
+                <a:off x="677334" y="2082800"/>
+                <a:ext cx="8332195" cy="1078180"/>
+              </a:xfrm>
+              <a:prstGeom prst="rect">
+                <a:avLst/>
+              </a:prstGeom>
+              <a:blipFill>
+                <a:blip r:embed="rId4"/>
+                <a:stretch>
+                  <a:fillRect l="-585" b="-1695"/>
+                </a:stretch>
+              </a:blipFill>
+            </p:spPr>
+            <p:txBody>
+              <a:bodyPr/>
+              <a:lstStyle/>
+              <a:p>
+                <a:r>
+                  <a:rPr lang="fr-BE">
+                    <a:noFill/>
+                  </a:rPr>
+                  <a:t> </a:t>
+                </a:r>
+              </a:p>
+            </p:txBody>
+          </p:sp>
+        </mc:Fallback>
+      </mc:AlternateContent>
     </p:spTree>
     <p:extLst>
       <p:ext uri="{BB962C8B-B14F-4D97-AF65-F5344CB8AC3E}">
-        <p14:creationId xmlns:p14="http://schemas.microsoft.com/office/powerpoint/2010/main" val="1426397170"/>
+        <p14:creationId xmlns:p14="http://schemas.microsoft.com/office/powerpoint/2010/main" val="375607736"/>
       </p:ext>
     </p:extLst>
   </p:cSld>
@@ -23804,7 +31610,7 @@
                             </p:stCondLst>
                             <p:childTnLst>
                               <p:par>
-                                <p:cTn id="5" presetID="1" presetClass="entr" presetSubtype="0" fill="hold" nodeType="clickEffect">
+                                <p:cTn id="5" presetID="1" presetClass="entr" presetSubtype="0" fill="hold" grpId="0" nodeType="clickEffect">
                                   <p:stCondLst>
                                     <p:cond delay="0"/>
                                   </p:stCondLst>
@@ -23817,7 +31623,7 @@
                                           </p:stCondLst>
                                         </p:cTn>
                                         <p:tgtEl>
-                                          <p:spTgt spid="4"/>
+                                          <p:spTgt spid="9"/>
                                         </p:tgtEl>
                                         <p:attrNameLst>
                                           <p:attrName>style.visibility</p:attrName>
@@ -23902,341 +31708,9 @@
         </p:cTn>
       </p:par>
     </p:tnLst>
-  </p:timing>
-</p:sld>
-</file>
-
-<file path=ppt/slides/slide8.xml><?xml version="1.0" encoding="utf-8"?>
-<p:sld xmlns:a="http://schemas.openxmlformats.org/drawingml/2006/main" xmlns:r="http://schemas.openxmlformats.org/officeDocument/2006/relationships" xmlns:p="http://schemas.openxmlformats.org/presentationml/2006/main">
-  <p:cSld>
-    <p:spTree>
-      <p:nvGrpSpPr>
-        <p:cNvPr id="1" name=""/>
-        <p:cNvGrpSpPr/>
-        <p:nvPr/>
-      </p:nvGrpSpPr>
-      <p:grpSpPr>
-        <a:xfrm>
-          <a:off x="0" y="0"/>
-          <a:ext cx="0" cy="0"/>
-          <a:chOff x="0" y="0"/>
-          <a:chExt cx="0" cy="0"/>
-        </a:xfrm>
-      </p:grpSpPr>
-      <p:sp>
-        <p:nvSpPr>
-          <p:cNvPr id="2" name="Titre 1"/>
-          <p:cNvSpPr>
-            <a:spLocks noGrp="1"/>
-          </p:cNvSpPr>
-          <p:nvPr>
-            <p:ph type="title"/>
-          </p:nvPr>
-        </p:nvSpPr>
-        <p:spPr/>
-        <p:txBody>
-          <a:bodyPr/>
-          <a:lstStyle/>
-          <a:p>
-            <a:r>
-              <a:rPr lang="fr-BE" dirty="0" smtClean="0"/>
-              <a:t>Schéma </a:t>
-            </a:r>
-            <a:r>
-              <a:rPr lang="fr-BE" dirty="0" err="1" smtClean="0"/>
-              <a:t>Upwind</a:t>
-            </a:r>
-            <a:r>
-              <a:rPr lang="fr-BE" dirty="0"/>
-              <a:t> </a:t>
-            </a:r>
-            <a:r>
-              <a:rPr lang="fr-BE" dirty="0" smtClean="0"/>
-              <a:t>: quelques résultats</a:t>
-            </a:r>
-            <a:endParaRPr lang="fr-BE" dirty="0"/>
-          </a:p>
-        </p:txBody>
-      </p:sp>
-      <p:pic>
-        <p:nvPicPr>
-          <p:cNvPr id="4" name="Espace réservé du contenu 3"/>
-          <p:cNvPicPr>
-            <a:picLocks noGrp="1" noChangeAspect="1"/>
-          </p:cNvPicPr>
-          <p:nvPr>
-            <p:ph idx="1"/>
-          </p:nvPr>
-        </p:nvPicPr>
-        <p:blipFill>
-          <a:blip r:embed="rId2">
-            <a:extLst>
-              <a:ext uri="{28A0092B-C50C-407E-A947-70E740481C1C}">
-                <a14:useLocalDpi xmlns:a14="http://schemas.microsoft.com/office/drawing/2010/main" val="0"/>
-              </a:ext>
-            </a:extLst>
-          </a:blip>
-          <a:stretch>
-            <a:fillRect/>
-          </a:stretch>
-        </p:blipFill>
-        <p:spPr>
-          <a:xfrm>
-            <a:off x="834293" y="1464622"/>
-            <a:ext cx="3500219" cy="2698059"/>
-          </a:xfrm>
-        </p:spPr>
-      </p:pic>
-      <p:sp>
-        <p:nvSpPr>
-          <p:cNvPr id="5" name="Espace réservé du numéro de diapositive 4"/>
-          <p:cNvSpPr>
-            <a:spLocks noGrp="1"/>
-          </p:cNvSpPr>
-          <p:nvPr>
-            <p:ph type="sldNum" sz="quarter" idx="12"/>
-          </p:nvPr>
-        </p:nvSpPr>
-        <p:spPr/>
-        <p:txBody>
-          <a:bodyPr/>
-          <a:lstStyle/>
-          <a:p>
-            <a:fld id="{D57F1E4F-1CFF-5643-939E-217C01CDF565}" type="slidenum">
-              <a:rPr lang="en-US" smtClean="0"/>
-              <a:pPr/>
-              <a:t>8</a:t>
-            </a:fld>
-            <a:endParaRPr lang="en-US" dirty="0"/>
-          </a:p>
-        </p:txBody>
-      </p:sp>
-      <p:pic>
-        <p:nvPicPr>
-          <p:cNvPr id="6" name="Image 5"/>
-          <p:cNvPicPr>
-            <a:picLocks noChangeAspect="1"/>
-          </p:cNvPicPr>
-          <p:nvPr/>
-        </p:nvPicPr>
-        <p:blipFill>
-          <a:blip r:embed="rId3">
-            <a:extLst>
-              <a:ext uri="{28A0092B-C50C-407E-A947-70E740481C1C}">
-                <a14:useLocalDpi xmlns:a14="http://schemas.microsoft.com/office/drawing/2010/main" val="0"/>
-              </a:ext>
-            </a:extLst>
-          </a:blip>
-          <a:stretch>
-            <a:fillRect/>
-          </a:stretch>
-        </p:blipFill>
-        <p:spPr>
-          <a:xfrm>
-            <a:off x="375065" y="4802232"/>
-            <a:ext cx="4418676" cy="1210738"/>
-          </a:xfrm>
-          <a:prstGeom prst="rect">
-            <a:avLst/>
-          </a:prstGeom>
-        </p:spPr>
-      </p:pic>
-      <p:pic>
-        <p:nvPicPr>
-          <p:cNvPr id="7" name="Image 6"/>
-          <p:cNvPicPr>
-            <a:picLocks noChangeAspect="1"/>
-          </p:cNvPicPr>
-          <p:nvPr/>
-        </p:nvPicPr>
-        <p:blipFill>
-          <a:blip r:embed="rId4">
-            <a:extLst>
-              <a:ext uri="{28A0092B-C50C-407E-A947-70E740481C1C}">
-                <a14:useLocalDpi xmlns:a14="http://schemas.microsoft.com/office/drawing/2010/main" val="0"/>
-              </a:ext>
-            </a:extLst>
-          </a:blip>
-          <a:stretch>
-            <a:fillRect/>
-          </a:stretch>
-        </p:blipFill>
-        <p:spPr>
-          <a:xfrm>
-            <a:off x="4793741" y="1270000"/>
-            <a:ext cx="4116407" cy="3087305"/>
-          </a:xfrm>
-          <a:prstGeom prst="rect">
-            <a:avLst/>
-          </a:prstGeom>
-        </p:spPr>
-      </p:pic>
-      <p:pic>
-        <p:nvPicPr>
-          <p:cNvPr id="8" name="Image 7"/>
-          <p:cNvPicPr>
-            <a:picLocks noChangeAspect="1"/>
-          </p:cNvPicPr>
-          <p:nvPr/>
-        </p:nvPicPr>
-        <p:blipFill>
-          <a:blip r:embed="rId5">
-            <a:extLst>
-              <a:ext uri="{28A0092B-C50C-407E-A947-70E740481C1C}">
-                <a14:useLocalDpi xmlns:a14="http://schemas.microsoft.com/office/drawing/2010/main" val="0"/>
-              </a:ext>
-            </a:extLst>
-          </a:blip>
-          <a:stretch>
-            <a:fillRect/>
-          </a:stretch>
-        </p:blipFill>
-        <p:spPr>
-          <a:xfrm>
-            <a:off x="4793741" y="4357305"/>
-            <a:ext cx="4116407" cy="2100593"/>
-          </a:xfrm>
-          <a:prstGeom prst="rect">
-            <a:avLst/>
-          </a:prstGeom>
-        </p:spPr>
-      </p:pic>
-    </p:spTree>
-    <p:extLst>
-      <p:ext uri="{BB962C8B-B14F-4D97-AF65-F5344CB8AC3E}">
-        <p14:creationId xmlns:p14="http://schemas.microsoft.com/office/powerpoint/2010/main" val="1275649362"/>
-      </p:ext>
-    </p:extLst>
-  </p:cSld>
-  <p:clrMapOvr>
-    <a:masterClrMapping/>
-  </p:clrMapOvr>
-  <p:timing>
-    <p:tnLst>
-      <p:par>
-        <p:cTn id="1" dur="indefinite" restart="never" nodeType="tmRoot"/>
-      </p:par>
-    </p:tnLst>
-  </p:timing>
-</p:sld>
-</file>
-
-<file path=ppt/slides/slide9.xml><?xml version="1.0" encoding="utf-8"?>
-<p:sld xmlns:a="http://schemas.openxmlformats.org/drawingml/2006/main" xmlns:r="http://schemas.openxmlformats.org/officeDocument/2006/relationships" xmlns:p="http://schemas.openxmlformats.org/presentationml/2006/main">
-  <p:cSld>
-    <p:spTree>
-      <p:nvGrpSpPr>
-        <p:cNvPr id="1" name=""/>
-        <p:cNvGrpSpPr/>
-        <p:nvPr/>
-      </p:nvGrpSpPr>
-      <p:grpSpPr>
-        <a:xfrm>
-          <a:off x="0" y="0"/>
-          <a:ext cx="0" cy="0"/>
-          <a:chOff x="0" y="0"/>
-          <a:chExt cx="0" cy="0"/>
-        </a:xfrm>
-      </p:grpSpPr>
-      <p:sp>
-        <p:nvSpPr>
-          <p:cNvPr id="2" name="Titre 1"/>
-          <p:cNvSpPr>
-            <a:spLocks noGrp="1"/>
-          </p:cNvSpPr>
-          <p:nvPr>
-            <p:ph type="title"/>
-          </p:nvPr>
-        </p:nvSpPr>
-        <p:spPr/>
-        <p:txBody>
-          <a:bodyPr/>
-          <a:lstStyle/>
-          <a:p>
-            <a:r>
-              <a:rPr lang="fr-BE" dirty="0" smtClean="0"/>
-              <a:t>Schéma </a:t>
-            </a:r>
-            <a:r>
-              <a:rPr lang="fr-BE" dirty="0" err="1" smtClean="0"/>
-              <a:t>Leapfrog</a:t>
-            </a:r>
-            <a:endParaRPr lang="fr-BE" dirty="0"/>
-          </a:p>
-        </p:txBody>
-      </p:sp>
-      <p:sp>
-        <p:nvSpPr>
-          <p:cNvPr id="3" name="Espace réservé du contenu 2"/>
-          <p:cNvSpPr>
-            <a:spLocks noGrp="1"/>
-          </p:cNvSpPr>
-          <p:nvPr>
-            <p:ph idx="1"/>
-          </p:nvPr>
-        </p:nvSpPr>
-        <p:spPr/>
-        <p:txBody>
-          <a:bodyPr/>
-          <a:lstStyle/>
-          <a:p>
-            <a:r>
-              <a:rPr lang="fr-BE" dirty="0" smtClean="0"/>
-              <a:t>Consistance</a:t>
-            </a:r>
-          </a:p>
-          <a:p>
-            <a:r>
-              <a:rPr lang="fr-BE" dirty="0" smtClean="0"/>
-              <a:t>Ordre </a:t>
-            </a:r>
-            <a:r>
-              <a:rPr lang="fr-BE" dirty="0"/>
-              <a:t>de convergence </a:t>
-            </a:r>
-          </a:p>
-        </p:txBody>
-      </p:sp>
-      <p:sp>
-        <p:nvSpPr>
-          <p:cNvPr id="5" name="Espace réservé du numéro de diapositive 4"/>
-          <p:cNvSpPr>
-            <a:spLocks noGrp="1"/>
-          </p:cNvSpPr>
-          <p:nvPr>
-            <p:ph type="sldNum" sz="quarter" idx="12"/>
-          </p:nvPr>
-        </p:nvSpPr>
-        <p:spPr/>
-        <p:txBody>
-          <a:bodyPr/>
-          <a:lstStyle/>
-          <a:p>
-            <a:fld id="{D57F1E4F-1CFF-5643-939E-217C01CDF565}" type="slidenum">
-              <a:rPr lang="en-US" smtClean="0"/>
-              <a:pPr/>
-              <a:t>9</a:t>
-            </a:fld>
-            <a:endParaRPr lang="en-US" dirty="0"/>
-          </a:p>
-        </p:txBody>
-      </p:sp>
-    </p:spTree>
-    <p:extLst>
-      <p:ext uri="{BB962C8B-B14F-4D97-AF65-F5344CB8AC3E}">
-        <p14:creationId xmlns:p14="http://schemas.microsoft.com/office/powerpoint/2010/main" val="3376106304"/>
-      </p:ext>
-    </p:extLst>
-  </p:cSld>
-  <p:clrMapOvr>
-    <a:masterClrMapping/>
-  </p:clrMapOvr>
-  <p:timing>
-    <p:tnLst>
-      <p:par>
-        <p:cTn id="1" dur="indefinite" restart="never" nodeType="tmRoot"/>
-      </p:par>
-    </p:tnLst>
+    <p:bldLst>
+      <p:bldP spid="9" grpId="0"/>
+    </p:bldLst>
   </p:timing>
 </p:sld>
 </file>

--- a/Présentation_LPHYS1303.pptx
+++ b/Présentation_LPHYS1303.pptx
@@ -6,10 +6,10 @@
     <p:sldMasterId id="2147483680" r:id="rId2"/>
   </p:sldMasterIdLst>
   <p:notesMasterIdLst>
-    <p:notesMasterId r:id="rId23"/>
+    <p:notesMasterId r:id="rId25"/>
   </p:notesMasterIdLst>
   <p:handoutMasterIdLst>
-    <p:handoutMasterId r:id="rId24"/>
+    <p:handoutMasterId r:id="rId26"/>
   </p:handoutMasterIdLst>
   <p:sldIdLst>
     <p:sldId id="256" r:id="rId3"/>
@@ -29,9 +29,11 @@
     <p:sldId id="264" r:id="rId17"/>
     <p:sldId id="270" r:id="rId18"/>
     <p:sldId id="265" r:id="rId19"/>
-    <p:sldId id="266" r:id="rId20"/>
-    <p:sldId id="267" r:id="rId21"/>
-    <p:sldId id="268" r:id="rId22"/>
+    <p:sldId id="277" r:id="rId20"/>
+    <p:sldId id="278" r:id="rId21"/>
+    <p:sldId id="279" r:id="rId22"/>
+    <p:sldId id="280" r:id="rId23"/>
+    <p:sldId id="281" r:id="rId24"/>
   </p:sldIdLst>
   <p:sldSz cx="12192000" cy="6858000"/>
   <p:notesSz cx="6858000" cy="9144000"/>
@@ -220,7 +222,7 @@
           <a:p>
             <a:fld id="{C66E676C-4B3C-4092-95BF-3F598F112F9C}" type="datetimeFigureOut">
               <a:rPr lang="fr-BE" smtClean="0"/>
-              <a:t>10-05-22</a:t>
+              <a:t>10/05/22</a:t>
             </a:fld>
             <a:endParaRPr lang="fr-BE"/>
           </a:p>
@@ -286,7 +288,7 @@
           <a:p>
             <a:fld id="{089A34B3-06F6-4115-B3AC-73F446AC5F9F}" type="slidenum">
               <a:rPr lang="fr-BE" smtClean="0"/>
-              <a:t>‹N°›</a:t>
+              <a:t>‹#›</a:t>
             </a:fld>
             <a:endParaRPr lang="fr-BE"/>
           </a:p>
@@ -386,7 +388,7 @@
           <a:p>
             <a:fld id="{10F212B3-C95E-4E4E-AE6B-C8EC382F1761}" type="datetimeFigureOut">
               <a:rPr lang="fr-BE" smtClean="0"/>
-              <a:t>10-05-22</a:t>
+              <a:t>10/05/22</a:t>
             </a:fld>
             <a:endParaRPr lang="fr-BE"/>
           </a:p>
@@ -450,35 +452,35 @@
           <a:p>
             <a:pPr lvl="0"/>
             <a:r>
-              <a:rPr lang="fr-FR" smtClean="0"/>
+              <a:rPr lang="fr-FR"/>
               <a:t>Modifier les styles du texte du masque</a:t>
             </a:r>
           </a:p>
           <a:p>
             <a:pPr lvl="1"/>
             <a:r>
-              <a:rPr lang="fr-FR" smtClean="0"/>
+              <a:rPr lang="fr-FR"/>
               <a:t>Deuxième niveau</a:t>
             </a:r>
           </a:p>
           <a:p>
             <a:pPr lvl="2"/>
             <a:r>
-              <a:rPr lang="fr-FR" smtClean="0"/>
+              <a:rPr lang="fr-FR"/>
               <a:t>Troisième niveau</a:t>
             </a:r>
           </a:p>
           <a:p>
             <a:pPr lvl="3"/>
             <a:r>
-              <a:rPr lang="fr-FR" smtClean="0"/>
+              <a:rPr lang="fr-FR"/>
               <a:t>Quatrième niveau</a:t>
             </a:r>
           </a:p>
           <a:p>
             <a:pPr lvl="4"/>
             <a:r>
-              <a:rPr lang="fr-FR" smtClean="0"/>
+              <a:rPr lang="fr-FR"/>
               <a:t>Cinquième niveau</a:t>
             </a:r>
             <a:endParaRPr lang="fr-BE"/>
@@ -545,7 +547,7 @@
           <a:p>
             <a:fld id="{94EAAEAC-49CB-4681-AD28-ABBCC1E6797E}" type="slidenum">
               <a:rPr lang="fr-BE" smtClean="0"/>
-              <a:t>‹N°›</a:t>
+              <a:t>‹#›</a:t>
             </a:fld>
             <a:endParaRPr lang="fr-BE"/>
           </a:p>
@@ -1233,7 +1235,7 @@
           </a:lstStyle>
           <a:p>
             <a:r>
-              <a:rPr lang="fr-FR" smtClean="0"/>
+              <a:rPr lang="fr-FR"/>
               <a:t>Modifiez le style du titre</a:t>
             </a:r>
             <a:endParaRPr lang="en-US" dirty="0"/>
@@ -1353,7 +1355,7 @@
           </a:lstStyle>
           <a:p>
             <a:r>
-              <a:rPr lang="fr-FR" smtClean="0"/>
+              <a:rPr lang="fr-FR"/>
               <a:t>Modifier le style des sous-titres du masque</a:t>
             </a:r>
             <a:endParaRPr lang="en-US" dirty="0"/>
@@ -1377,7 +1379,7 @@
           <a:p>
             <a:fld id="{58990C66-70CC-49E4-AA75-151F59738B78}" type="datetime1">
               <a:rPr lang="en-US" smtClean="0"/>
-              <a:t>5/10/2022</a:t>
+              <a:t>5/10/22</a:t>
             </a:fld>
             <a:endParaRPr lang="en-US" dirty="0"/>
           </a:p>
@@ -1420,7 +1422,7 @@
             <a:fld id="{D57F1E4F-1CFF-5643-939E-217C01CDF565}" type="slidenum">
               <a:rPr lang="en-US" dirty="0"/>
               <a:pPr/>
-              <a:t>‹N°›</a:t>
+              <a:t>‹#›</a:t>
             </a:fld>
             <a:endParaRPr lang="en-US" dirty="0"/>
           </a:p>
@@ -1431,13 +1433,6 @@
   <p:clrMapOvr>
     <a:masterClrMapping/>
   </p:clrMapOvr>
-  <p:timing>
-    <p:tnLst>
-      <p:par>
-        <p:cTn id="1" dur="indefinite" restart="never" nodeType="tmRoot"/>
-      </p:par>
-    </p:tnLst>
-  </p:timing>
 </p:sldLayout>
 </file>
 
@@ -1485,7 +1480,7 @@
           </a:lstStyle>
           <a:p>
             <a:r>
-              <a:rPr lang="fr-FR" smtClean="0"/>
+              <a:rPr lang="fr-FR"/>
               <a:t>Modifiez le style du titre</a:t>
             </a:r>
             <a:endParaRPr lang="en-US" dirty="0"/>
@@ -1608,7 +1603,7 @@
           <a:p>
             <a:pPr lvl="0"/>
             <a:r>
-              <a:rPr lang="fr-FR" smtClean="0"/>
+              <a:rPr lang="fr-FR"/>
               <a:t>Modifier les styles du texte du masque</a:t>
             </a:r>
           </a:p>
@@ -1631,7 +1626,7 @@
           <a:p>
             <a:fld id="{6A569D6B-0F9A-4276-862D-EC6A239CF4BA}" type="datetime1">
               <a:rPr lang="en-US" smtClean="0"/>
-              <a:t>5/10/2022</a:t>
+              <a:t>5/10/22</a:t>
             </a:fld>
             <a:endParaRPr lang="en-US" dirty="0"/>
           </a:p>
@@ -1674,7 +1669,7 @@
             <a:fld id="{D57F1E4F-1CFF-5643-939E-217C01CDF565}" type="slidenum">
               <a:rPr lang="en-US" dirty="0"/>
               <a:pPr/>
-              <a:t>‹N°›</a:t>
+              <a:t>‹#›</a:t>
             </a:fld>
             <a:endParaRPr lang="en-US" dirty="0"/>
           </a:p>
@@ -1732,7 +1727,7 @@
           </a:lstStyle>
           <a:p>
             <a:r>
-              <a:rPr lang="fr-FR" smtClean="0"/>
+              <a:rPr lang="fr-FR"/>
               <a:t>Modifiez le style du titre</a:t>
             </a:r>
             <a:endParaRPr lang="en-US" dirty="0"/>
@@ -1796,7 +1791,7 @@
           <a:p>
             <a:pPr lvl="0"/>
             <a:r>
-              <a:rPr lang="fr-FR" smtClean="0"/>
+              <a:rPr lang="fr-FR"/>
               <a:t>Modifier les styles du texte du masque</a:t>
             </a:r>
           </a:p>
@@ -1918,7 +1913,7 @@
           <a:p>
             <a:pPr lvl="0"/>
             <a:r>
-              <a:rPr lang="fr-FR" smtClean="0"/>
+              <a:rPr lang="fr-FR"/>
               <a:t>Modifier les styles du texte du masque</a:t>
             </a:r>
           </a:p>
@@ -1941,7 +1936,7 @@
           <a:p>
             <a:fld id="{1F21B7B6-DD8D-4C35-861C-07C7C8D2B56C}" type="datetime1">
               <a:rPr lang="en-US" smtClean="0"/>
-              <a:t>5/10/2022</a:t>
+              <a:t>5/10/22</a:t>
             </a:fld>
             <a:endParaRPr lang="en-US" dirty="0"/>
           </a:p>
@@ -1984,7 +1979,7 @@
             <a:fld id="{D57F1E4F-1CFF-5643-939E-217C01CDF565}" type="slidenum">
               <a:rPr lang="en-US" dirty="0"/>
               <a:pPr/>
-              <a:t>‹N°›</a:t>
+              <a:t>‹#›</a:t>
             </a:fld>
             <a:endParaRPr lang="en-US" dirty="0"/>
           </a:p>
@@ -2132,7 +2127,7 @@
           </a:lstStyle>
           <a:p>
             <a:r>
-              <a:rPr lang="fr-FR" smtClean="0"/>
+              <a:rPr lang="fr-FR"/>
               <a:t>Modifiez le style du titre</a:t>
             </a:r>
             <a:endParaRPr lang="en-US" dirty="0"/>
@@ -2255,7 +2250,7 @@
           <a:p>
             <a:pPr lvl="0"/>
             <a:r>
-              <a:rPr lang="fr-FR" smtClean="0"/>
+              <a:rPr lang="fr-FR"/>
               <a:t>Modifier les styles du texte du masque</a:t>
             </a:r>
           </a:p>
@@ -2278,7 +2273,7 @@
           <a:p>
             <a:fld id="{269CF232-508A-483A-A091-E1C04637FC2C}" type="datetime1">
               <a:rPr lang="en-US" smtClean="0"/>
-              <a:t>5/10/2022</a:t>
+              <a:t>5/10/22</a:t>
             </a:fld>
             <a:endParaRPr lang="en-US" dirty="0"/>
           </a:p>
@@ -2321,7 +2316,7 @@
             <a:fld id="{D57F1E4F-1CFF-5643-939E-217C01CDF565}" type="slidenum">
               <a:rPr lang="en-US" dirty="0"/>
               <a:pPr/>
-              <a:t>‹N°›</a:t>
+              <a:t>‹#›</a:t>
             </a:fld>
             <a:endParaRPr lang="en-US" dirty="0"/>
           </a:p>
@@ -2379,7 +2374,7 @@
           </a:lstStyle>
           <a:p>
             <a:r>
-              <a:rPr lang="fr-FR" smtClean="0"/>
+              <a:rPr lang="fr-FR"/>
               <a:t>Modifiez le style du titre</a:t>
             </a:r>
             <a:endParaRPr lang="en-US" dirty="0"/>
@@ -2443,7 +2438,7 @@
           <a:p>
             <a:pPr lvl="0"/>
             <a:r>
-              <a:rPr lang="fr-FR" smtClean="0"/>
+              <a:rPr lang="fr-FR"/>
               <a:t>Modifier les styles du texte du masque</a:t>
             </a:r>
           </a:p>
@@ -2565,7 +2560,7 @@
           <a:p>
             <a:pPr lvl="0"/>
             <a:r>
-              <a:rPr lang="fr-FR" smtClean="0"/>
+              <a:rPr lang="fr-FR"/>
               <a:t>Modifier les styles du texte du masque</a:t>
             </a:r>
           </a:p>
@@ -2588,7 +2583,7 @@
           <a:p>
             <a:fld id="{8A6EDB6B-474B-45D9-96B0-9CAC5CD83B94}" type="datetime1">
               <a:rPr lang="en-US" smtClean="0"/>
-              <a:t>5/10/2022</a:t>
+              <a:t>5/10/22</a:t>
             </a:fld>
             <a:endParaRPr lang="en-US" dirty="0"/>
           </a:p>
@@ -2631,7 +2626,7 @@
             <a:fld id="{D57F1E4F-1CFF-5643-939E-217C01CDF565}" type="slidenum">
               <a:rPr lang="en-US" dirty="0"/>
               <a:pPr/>
-              <a:t>‹N°›</a:t>
+              <a:t>‹#›</a:t>
             </a:fld>
             <a:endParaRPr lang="en-US" dirty="0"/>
           </a:p>
@@ -2724,13 +2719,6 @@
   <p:clrMapOvr>
     <a:masterClrMapping/>
   </p:clrMapOvr>
-  <p:timing>
-    <p:tnLst>
-      <p:par>
-        <p:cTn id="1" dur="indefinite" restart="never" nodeType="tmRoot"/>
-      </p:par>
-    </p:tnLst>
-  </p:timing>
 </p:sldLayout>
 </file>
 
@@ -2778,7 +2766,7 @@
           </a:lstStyle>
           <a:p>
             <a:r>
-              <a:rPr lang="fr-FR" smtClean="0"/>
+              <a:rPr lang="fr-FR"/>
               <a:t>Modifiez le style du titre</a:t>
             </a:r>
             <a:endParaRPr lang="en-US" dirty="0"/>
@@ -2839,7 +2827,7 @@
           <a:p>
             <a:pPr lvl="0"/>
             <a:r>
-              <a:rPr lang="fr-FR" smtClean="0"/>
+              <a:rPr lang="fr-FR"/>
               <a:t>Modifier les styles du texte du masque</a:t>
             </a:r>
           </a:p>
@@ -2961,7 +2949,7 @@
           <a:p>
             <a:pPr lvl="0"/>
             <a:r>
-              <a:rPr lang="fr-FR" smtClean="0"/>
+              <a:rPr lang="fr-FR"/>
               <a:t>Modifier les styles du texte du masque</a:t>
             </a:r>
           </a:p>
@@ -2984,7 +2972,7 @@
           <a:p>
             <a:fld id="{E674E858-A1C6-439C-88CE-F6433B533E0D}" type="datetime1">
               <a:rPr lang="en-US" smtClean="0"/>
-              <a:t>5/10/2022</a:t>
+              <a:t>5/10/22</a:t>
             </a:fld>
             <a:endParaRPr lang="en-US" dirty="0"/>
           </a:p>
@@ -3027,7 +3015,7 @@
             <a:fld id="{D57F1E4F-1CFF-5643-939E-217C01CDF565}" type="slidenum">
               <a:rPr lang="en-US" dirty="0"/>
               <a:pPr/>
-              <a:t>‹N°›</a:t>
+              <a:t>‹#›</a:t>
             </a:fld>
             <a:endParaRPr lang="en-US" dirty="0"/>
           </a:p>
@@ -3038,13 +3026,6 @@
   <p:clrMapOvr>
     <a:masterClrMapping/>
   </p:clrMapOvr>
-  <p:timing>
-    <p:tnLst>
-      <p:par>
-        <p:cTn id="1" dur="indefinite" restart="never" nodeType="tmRoot"/>
-      </p:par>
-    </p:tnLst>
-  </p:timing>
 </p:sldLayout>
 </file>
 
@@ -3081,7 +3062,7 @@
           <a:lstStyle/>
           <a:p>
             <a:r>
-              <a:rPr lang="fr-FR" smtClean="0"/>
+              <a:rPr lang="fr-FR"/>
               <a:t>Modifiez le style du titre</a:t>
             </a:r>
             <a:endParaRPr lang="en-US" dirty="0"/>
@@ -3105,35 +3086,35 @@
           <a:p>
             <a:pPr lvl="0"/>
             <a:r>
-              <a:rPr lang="fr-FR" smtClean="0"/>
+              <a:rPr lang="fr-FR"/>
               <a:t>Modifier les styles du texte du masque</a:t>
             </a:r>
           </a:p>
           <a:p>
             <a:pPr lvl="1"/>
             <a:r>
-              <a:rPr lang="fr-FR" smtClean="0"/>
+              <a:rPr lang="fr-FR"/>
               <a:t>Deuxième niveau</a:t>
             </a:r>
           </a:p>
           <a:p>
             <a:pPr lvl="2"/>
             <a:r>
-              <a:rPr lang="fr-FR" smtClean="0"/>
+              <a:rPr lang="fr-FR"/>
               <a:t>Troisième niveau</a:t>
             </a:r>
           </a:p>
           <a:p>
             <a:pPr lvl="3"/>
             <a:r>
-              <a:rPr lang="fr-FR" smtClean="0"/>
+              <a:rPr lang="fr-FR"/>
               <a:t>Quatrième niveau</a:t>
             </a:r>
           </a:p>
           <a:p>
             <a:pPr lvl="4"/>
             <a:r>
-              <a:rPr lang="fr-FR" smtClean="0"/>
+              <a:rPr lang="fr-FR"/>
               <a:t>Cinquième niveau</a:t>
             </a:r>
             <a:endParaRPr lang="en-US" dirty="0"/>
@@ -3157,7 +3138,7 @@
           <a:p>
             <a:fld id="{036B3D1A-AC4D-49ED-BE62-0C1F46BC8044}" type="datetime1">
               <a:rPr lang="en-US" smtClean="0"/>
-              <a:t>5/10/2022</a:t>
+              <a:t>5/10/22</a:t>
             </a:fld>
             <a:endParaRPr lang="en-US" dirty="0"/>
           </a:p>
@@ -3199,7 +3180,7 @@
           <a:p>
             <a:fld id="{89333C77-0158-454C-844F-B7AB9BD7DAD4}" type="slidenum">
               <a:rPr lang="en-US" dirty="0"/>
-              <a:t>‹N°›</a:t>
+              <a:t>‹#›</a:t>
             </a:fld>
             <a:endParaRPr lang="en-US" dirty="0"/>
           </a:p>
@@ -3210,13 +3191,6 @@
   <p:clrMapOvr>
     <a:masterClrMapping/>
   </p:clrMapOvr>
-  <p:timing>
-    <p:tnLst>
-      <p:par>
-        <p:cTn id="1" dur="indefinite" restart="never" nodeType="tmRoot"/>
-      </p:par>
-    </p:tnLst>
-  </p:timing>
 </p:sldLayout>
 </file>
 
@@ -3258,7 +3232,7 @@
           <a:lstStyle/>
           <a:p>
             <a:r>
-              <a:rPr lang="fr-FR" smtClean="0"/>
+              <a:rPr lang="fr-FR"/>
               <a:t>Modifiez le style du titre</a:t>
             </a:r>
             <a:endParaRPr lang="en-US" dirty="0"/>
@@ -3287,35 +3261,35 @@
           <a:p>
             <a:pPr lvl="0"/>
             <a:r>
-              <a:rPr lang="fr-FR" smtClean="0"/>
+              <a:rPr lang="fr-FR"/>
               <a:t>Modifier les styles du texte du masque</a:t>
             </a:r>
           </a:p>
           <a:p>
             <a:pPr lvl="1"/>
             <a:r>
-              <a:rPr lang="fr-FR" smtClean="0"/>
+              <a:rPr lang="fr-FR"/>
               <a:t>Deuxième niveau</a:t>
             </a:r>
           </a:p>
           <a:p>
             <a:pPr lvl="2"/>
             <a:r>
-              <a:rPr lang="fr-FR" smtClean="0"/>
+              <a:rPr lang="fr-FR"/>
               <a:t>Troisième niveau</a:t>
             </a:r>
           </a:p>
           <a:p>
             <a:pPr lvl="3"/>
             <a:r>
-              <a:rPr lang="fr-FR" smtClean="0"/>
+              <a:rPr lang="fr-FR"/>
               <a:t>Quatrième niveau</a:t>
             </a:r>
           </a:p>
           <a:p>
             <a:pPr lvl="4"/>
             <a:r>
-              <a:rPr lang="fr-FR" smtClean="0"/>
+              <a:rPr lang="fr-FR"/>
               <a:t>Cinquième niveau</a:t>
             </a:r>
             <a:endParaRPr lang="en-US" dirty="0"/>
@@ -3339,7 +3313,7 @@
           <a:p>
             <a:fld id="{3B852A06-E871-42E0-9CE6-2E0E72C50539}" type="datetime1">
               <a:rPr lang="en-US" smtClean="0"/>
-              <a:t>5/10/2022</a:t>
+              <a:t>5/10/22</a:t>
             </a:fld>
             <a:endParaRPr lang="en-US" dirty="0"/>
           </a:p>
@@ -3382,7 +3356,7 @@
             <a:fld id="{D57F1E4F-1CFF-5643-939E-217C01CDF565}" type="slidenum">
               <a:rPr lang="en-US" dirty="0"/>
               <a:pPr/>
-              <a:t>‹N°›</a:t>
+              <a:t>‹#›</a:t>
             </a:fld>
             <a:endParaRPr lang="en-US" dirty="0"/>
           </a:p>
@@ -3393,13 +3367,6 @@
   <p:clrMapOvr>
     <a:masterClrMapping/>
   </p:clrMapOvr>
-  <p:timing>
-    <p:tnLst>
-      <p:par>
-        <p:cTn id="1" dur="indefinite" restart="never" nodeType="tmRoot"/>
-      </p:par>
-    </p:tnLst>
-  </p:timing>
 </p:sldLayout>
 </file>
 
@@ -3981,7 +3948,7 @@
           </a:lstStyle>
           <a:p>
             <a:r>
-              <a:rPr lang="fr-FR" dirty="0" smtClean="0"/>
+              <a:rPr lang="fr-FR" dirty="0"/>
               <a:t>Modifiez le style du titre</a:t>
             </a:r>
             <a:endParaRPr lang="en-US" dirty="0"/>
@@ -4101,7 +4068,7 @@
           </a:lstStyle>
           <a:p>
             <a:r>
-              <a:rPr lang="fr-FR" smtClean="0"/>
+              <a:rPr lang="fr-FR"/>
               <a:t>Modifier le style des sous-titres du masque</a:t>
             </a:r>
             <a:endParaRPr lang="en-US" dirty="0"/>
@@ -4125,7 +4092,7 @@
           <a:p>
             <a:fld id="{E0882174-6AD3-4004-9927-E5490A90297C}" type="datetime1">
               <a:rPr lang="en-US" smtClean="0"/>
-              <a:t>5/10/2022</a:t>
+              <a:t>5/10/22</a:t>
             </a:fld>
             <a:endParaRPr lang="fr-BE"/>
           </a:p>
@@ -4187,7 +4154,7 @@
             <a:fld id="{D57F1E4F-1CFF-5643-939E-217C01CDF565}" type="slidenum">
               <a:rPr lang="en-US" smtClean="0"/>
               <a:pPr/>
-              <a:t>‹N°›</a:t>
+              <a:t>‹#›</a:t>
             </a:fld>
             <a:endParaRPr lang="en-US" dirty="0"/>
           </a:p>
@@ -4203,13 +4170,6 @@
   <p:clrMapOvr>
     <a:masterClrMapping/>
   </p:clrMapOvr>
-  <p:timing>
-    <p:tnLst>
-      <p:par>
-        <p:cTn id="1" dur="indefinite" restart="never" nodeType="tmRoot"/>
-      </p:par>
-    </p:tnLst>
-  </p:timing>
 </p:sldLayout>
 </file>
 
@@ -4252,7 +4212,7 @@
           </a:lstStyle>
           <a:p>
             <a:r>
-              <a:rPr lang="fr-FR" smtClean="0"/>
+              <a:rPr lang="fr-FR"/>
               <a:t>Modifiez le style du titre</a:t>
             </a:r>
             <a:endParaRPr lang="en-US" dirty="0"/>
@@ -4276,35 +4236,35 @@
           <a:p>
             <a:pPr lvl="0"/>
             <a:r>
-              <a:rPr lang="fr-FR" smtClean="0"/>
+              <a:rPr lang="fr-FR"/>
               <a:t>Modifier les styles du texte du masque</a:t>
             </a:r>
           </a:p>
           <a:p>
             <a:pPr lvl="1"/>
             <a:r>
-              <a:rPr lang="fr-FR" smtClean="0"/>
+              <a:rPr lang="fr-FR"/>
               <a:t>Deuxième niveau</a:t>
             </a:r>
           </a:p>
           <a:p>
             <a:pPr lvl="2"/>
             <a:r>
-              <a:rPr lang="fr-FR" smtClean="0"/>
+              <a:rPr lang="fr-FR"/>
               <a:t>Troisième niveau</a:t>
             </a:r>
           </a:p>
           <a:p>
             <a:pPr lvl="3"/>
             <a:r>
-              <a:rPr lang="fr-FR" smtClean="0"/>
+              <a:rPr lang="fr-FR"/>
               <a:t>Quatrième niveau</a:t>
             </a:r>
           </a:p>
           <a:p>
             <a:pPr lvl="4"/>
             <a:r>
-              <a:rPr lang="fr-FR" smtClean="0"/>
+              <a:rPr lang="fr-FR"/>
               <a:t>Cinquième niveau</a:t>
             </a:r>
             <a:endParaRPr lang="en-US" dirty="0"/>
@@ -4328,7 +4288,7 @@
           <a:p>
             <a:fld id="{D6F0D636-2E54-4A13-83FD-B6766EB535DD}" type="datetime1">
               <a:rPr lang="en-US" smtClean="0"/>
-              <a:t>5/10/2022</a:t>
+              <a:t>5/10/22</a:t>
             </a:fld>
             <a:endParaRPr lang="fr-BE"/>
           </a:p>
@@ -4390,7 +4350,7 @@
             <a:fld id="{D57F1E4F-1CFF-5643-939E-217C01CDF565}" type="slidenum">
               <a:rPr lang="en-US" smtClean="0"/>
               <a:pPr/>
-              <a:t>‹N°›</a:t>
+              <a:t>‹#›</a:t>
             </a:fld>
             <a:endParaRPr lang="en-US" dirty="0"/>
           </a:p>
@@ -4406,13 +4366,6 @@
   <p:clrMapOvr>
     <a:masterClrMapping/>
   </p:clrMapOvr>
-  <p:timing>
-    <p:tnLst>
-      <p:par>
-        <p:cTn id="1" dur="indefinite" restart="never" nodeType="tmRoot"/>
-      </p:par>
-    </p:tnLst>
-  </p:timing>
 </p:sldLayout>
 </file>
 
@@ -4458,7 +4411,7 @@
           </a:lstStyle>
           <a:p>
             <a:r>
-              <a:rPr lang="fr-FR" smtClean="0"/>
+              <a:rPr lang="fr-FR"/>
               <a:t>Modifiez le style du titre</a:t>
             </a:r>
             <a:endParaRPr lang="en-US" dirty="0"/>
@@ -4579,7 +4532,7 @@
           <a:p>
             <a:pPr lvl="0"/>
             <a:r>
-              <a:rPr lang="fr-FR" smtClean="0"/>
+              <a:rPr lang="fr-FR"/>
               <a:t>Modifier les styles du texte du masque</a:t>
             </a:r>
           </a:p>
@@ -4602,7 +4555,7 @@
           <a:p>
             <a:fld id="{39B2FF7C-090C-42FF-8CC4-337DCA1AFB49}" type="datetime1">
               <a:rPr lang="en-US" smtClean="0"/>
-              <a:t>5/10/2022</a:t>
+              <a:t>5/10/22</a:t>
             </a:fld>
             <a:endParaRPr lang="fr-BE"/>
           </a:p>
@@ -4664,7 +4617,7 @@
             <a:fld id="{D57F1E4F-1CFF-5643-939E-217C01CDF565}" type="slidenum">
               <a:rPr lang="en-US" smtClean="0"/>
               <a:pPr/>
-              <a:t>‹N°›</a:t>
+              <a:t>‹#›</a:t>
             </a:fld>
             <a:endParaRPr lang="en-US" dirty="0"/>
           </a:p>
@@ -4680,13 +4633,6 @@
   <p:clrMapOvr>
     <a:masterClrMapping/>
   </p:clrMapOvr>
-  <p:timing>
-    <p:tnLst>
-      <p:par>
-        <p:cTn id="1" dur="indefinite" restart="never" nodeType="tmRoot"/>
-      </p:par>
-    </p:tnLst>
-  </p:timing>
 </p:sldLayout>
 </file>
 
@@ -4729,7 +4675,7 @@
           </a:lstStyle>
           <a:p>
             <a:r>
-              <a:rPr lang="fr-FR" smtClean="0"/>
+              <a:rPr lang="fr-FR"/>
               <a:t>Modifiez le style du titre</a:t>
             </a:r>
             <a:endParaRPr lang="en-US" dirty="0"/>
@@ -4753,35 +4699,35 @@
           <a:p>
             <a:pPr lvl="0"/>
             <a:r>
-              <a:rPr lang="fr-FR" smtClean="0"/>
+              <a:rPr lang="fr-FR"/>
               <a:t>Modifier les styles du texte du masque</a:t>
             </a:r>
           </a:p>
           <a:p>
             <a:pPr lvl="1"/>
             <a:r>
-              <a:rPr lang="fr-FR" smtClean="0"/>
+              <a:rPr lang="fr-FR"/>
               <a:t>Deuxième niveau</a:t>
             </a:r>
           </a:p>
           <a:p>
             <a:pPr lvl="2"/>
             <a:r>
-              <a:rPr lang="fr-FR" smtClean="0"/>
+              <a:rPr lang="fr-FR"/>
               <a:t>Troisième niveau</a:t>
             </a:r>
           </a:p>
           <a:p>
             <a:pPr lvl="3"/>
             <a:r>
-              <a:rPr lang="fr-FR" smtClean="0"/>
+              <a:rPr lang="fr-FR"/>
               <a:t>Quatrième niveau</a:t>
             </a:r>
           </a:p>
           <a:p>
             <a:pPr lvl="4"/>
             <a:r>
-              <a:rPr lang="fr-FR" smtClean="0"/>
+              <a:rPr lang="fr-FR"/>
               <a:t>Cinquième niveau</a:t>
             </a:r>
             <a:endParaRPr lang="en-US" dirty="0"/>
@@ -4805,7 +4751,7 @@
           <a:p>
             <a:fld id="{2CACC80A-BFAE-40BA-93CC-821D6F635670}" type="datetime1">
               <a:rPr lang="en-US" smtClean="0"/>
-              <a:t>5/10/2022</a:t>
+              <a:t>5/10/22</a:t>
             </a:fld>
             <a:endParaRPr lang="en-US" dirty="0"/>
           </a:p>
@@ -4848,7 +4794,7 @@
             <a:fld id="{D57F1E4F-1CFF-5643-939E-217C01CDF565}" type="slidenum">
               <a:rPr lang="en-US" dirty="0"/>
               <a:pPr/>
-              <a:t>‹N°›</a:t>
+              <a:t>‹#›</a:t>
             </a:fld>
             <a:endParaRPr lang="en-US" dirty="0"/>
           </a:p>
@@ -4859,13 +4805,6 @@
   <p:clrMapOvr>
     <a:masterClrMapping/>
   </p:clrMapOvr>
-  <p:timing>
-    <p:tnLst>
-      <p:par>
-        <p:cTn id="1" dur="indefinite" restart="never" nodeType="tmRoot"/>
-      </p:par>
-    </p:tnLst>
-  </p:timing>
 </p:sldLayout>
 </file>
 
@@ -4902,7 +4841,7 @@
           <a:lstStyle/>
           <a:p>
             <a:r>
-              <a:rPr lang="fr-FR" smtClean="0"/>
+              <a:rPr lang="fr-FR"/>
               <a:t>Modifiez le style du titre</a:t>
             </a:r>
             <a:endParaRPr lang="en-US" dirty="0"/>
@@ -4931,35 +4870,35 @@
           <a:p>
             <a:pPr lvl="0"/>
             <a:r>
-              <a:rPr lang="fr-FR" smtClean="0"/>
+              <a:rPr lang="fr-FR"/>
               <a:t>Modifier les styles du texte du masque</a:t>
             </a:r>
           </a:p>
           <a:p>
             <a:pPr lvl="1"/>
             <a:r>
-              <a:rPr lang="fr-FR" smtClean="0"/>
+              <a:rPr lang="fr-FR"/>
               <a:t>Deuxième niveau</a:t>
             </a:r>
           </a:p>
           <a:p>
             <a:pPr lvl="2"/>
             <a:r>
-              <a:rPr lang="fr-FR" smtClean="0"/>
+              <a:rPr lang="fr-FR"/>
               <a:t>Troisième niveau</a:t>
             </a:r>
           </a:p>
           <a:p>
             <a:pPr lvl="3"/>
             <a:r>
-              <a:rPr lang="fr-FR" smtClean="0"/>
+              <a:rPr lang="fr-FR"/>
               <a:t>Quatrième niveau</a:t>
             </a:r>
           </a:p>
           <a:p>
             <a:pPr lvl="4"/>
             <a:r>
-              <a:rPr lang="fr-FR" smtClean="0"/>
+              <a:rPr lang="fr-FR"/>
               <a:t>Cinquième niveau</a:t>
             </a:r>
             <a:endParaRPr lang="en-US" dirty="0"/>
@@ -4988,35 +4927,35 @@
           <a:p>
             <a:pPr lvl="0"/>
             <a:r>
-              <a:rPr lang="fr-FR" smtClean="0"/>
+              <a:rPr lang="fr-FR"/>
               <a:t>Modifier les styles du texte du masque</a:t>
             </a:r>
           </a:p>
           <a:p>
             <a:pPr lvl="1"/>
             <a:r>
-              <a:rPr lang="fr-FR" smtClean="0"/>
+              <a:rPr lang="fr-FR"/>
               <a:t>Deuxième niveau</a:t>
             </a:r>
           </a:p>
           <a:p>
             <a:pPr lvl="2"/>
             <a:r>
-              <a:rPr lang="fr-FR" smtClean="0"/>
+              <a:rPr lang="fr-FR"/>
               <a:t>Troisième niveau</a:t>
             </a:r>
           </a:p>
           <a:p>
             <a:pPr lvl="3"/>
             <a:r>
-              <a:rPr lang="fr-FR" smtClean="0"/>
+              <a:rPr lang="fr-FR"/>
               <a:t>Quatrième niveau</a:t>
             </a:r>
           </a:p>
           <a:p>
             <a:pPr lvl="4"/>
             <a:r>
-              <a:rPr lang="fr-FR" smtClean="0"/>
+              <a:rPr lang="fr-FR"/>
               <a:t>Cinquième niveau</a:t>
             </a:r>
             <a:endParaRPr lang="en-US" dirty="0"/>
@@ -5040,7 +4979,7 @@
           <a:p>
             <a:fld id="{704A02D6-1198-42E1-B7B9-8DE4F42F8878}" type="datetime1">
               <a:rPr lang="en-US" smtClean="0"/>
-              <a:t>5/10/2022</a:t>
+              <a:t>5/10/22</a:t>
             </a:fld>
             <a:endParaRPr lang="fr-BE"/>
           </a:p>
@@ -5102,7 +5041,7 @@
             <a:fld id="{D57F1E4F-1CFF-5643-939E-217C01CDF565}" type="slidenum">
               <a:rPr lang="en-US" smtClean="0"/>
               <a:pPr/>
-              <a:t>‹N°›</a:t>
+              <a:t>‹#›</a:t>
             </a:fld>
             <a:endParaRPr lang="en-US" dirty="0"/>
           </a:p>
@@ -5118,13 +5057,6 @@
   <p:clrMapOvr>
     <a:masterClrMapping/>
   </p:clrMapOvr>
-  <p:timing>
-    <p:tnLst>
-      <p:par>
-        <p:cTn id="1" dur="indefinite" restart="never" nodeType="tmRoot"/>
-      </p:par>
-    </p:tnLst>
-  </p:timing>
 </p:sldLayout>
 </file>
 
@@ -5165,7 +5097,7 @@
           </a:lstStyle>
           <a:p>
             <a:r>
-              <a:rPr lang="fr-FR" smtClean="0"/>
+              <a:rPr lang="fr-FR"/>
               <a:t>Modifiez le style du titre</a:t>
             </a:r>
             <a:endParaRPr lang="en-US" dirty="0"/>
@@ -5233,7 +5165,7 @@
           <a:p>
             <a:pPr lvl="0"/>
             <a:r>
-              <a:rPr lang="fr-FR" smtClean="0"/>
+              <a:rPr lang="fr-FR"/>
               <a:t>Modifier les styles du texte du masque</a:t>
             </a:r>
           </a:p>
@@ -5263,35 +5195,35 @@
           <a:p>
             <a:pPr lvl="0"/>
             <a:r>
-              <a:rPr lang="fr-FR" smtClean="0"/>
+              <a:rPr lang="fr-FR"/>
               <a:t>Modifier les styles du texte du masque</a:t>
             </a:r>
           </a:p>
           <a:p>
             <a:pPr lvl="1"/>
             <a:r>
-              <a:rPr lang="fr-FR" smtClean="0"/>
+              <a:rPr lang="fr-FR"/>
               <a:t>Deuxième niveau</a:t>
             </a:r>
           </a:p>
           <a:p>
             <a:pPr lvl="2"/>
             <a:r>
-              <a:rPr lang="fr-FR" smtClean="0"/>
+              <a:rPr lang="fr-FR"/>
               <a:t>Troisième niveau</a:t>
             </a:r>
           </a:p>
           <a:p>
             <a:pPr lvl="3"/>
             <a:r>
-              <a:rPr lang="fr-FR" smtClean="0"/>
+              <a:rPr lang="fr-FR"/>
               <a:t>Quatrième niveau</a:t>
             </a:r>
           </a:p>
           <a:p>
             <a:pPr lvl="4"/>
             <a:r>
-              <a:rPr lang="fr-FR" smtClean="0"/>
+              <a:rPr lang="fr-FR"/>
               <a:t>Cinquième niveau</a:t>
             </a:r>
             <a:endParaRPr lang="en-US" dirty="0"/>
@@ -5359,7 +5291,7 @@
           <a:p>
             <a:pPr lvl="0"/>
             <a:r>
-              <a:rPr lang="fr-FR" smtClean="0"/>
+              <a:rPr lang="fr-FR"/>
               <a:t>Modifier les styles du texte du masque</a:t>
             </a:r>
           </a:p>
@@ -5389,35 +5321,35 @@
           <a:p>
             <a:pPr lvl="0"/>
             <a:r>
-              <a:rPr lang="fr-FR" smtClean="0"/>
+              <a:rPr lang="fr-FR"/>
               <a:t>Modifier les styles du texte du masque</a:t>
             </a:r>
           </a:p>
           <a:p>
             <a:pPr lvl="1"/>
             <a:r>
-              <a:rPr lang="fr-FR" smtClean="0"/>
+              <a:rPr lang="fr-FR"/>
               <a:t>Deuxième niveau</a:t>
             </a:r>
           </a:p>
           <a:p>
             <a:pPr lvl="2"/>
             <a:r>
-              <a:rPr lang="fr-FR" smtClean="0"/>
+              <a:rPr lang="fr-FR"/>
               <a:t>Troisième niveau</a:t>
             </a:r>
           </a:p>
           <a:p>
             <a:pPr lvl="3"/>
             <a:r>
-              <a:rPr lang="fr-FR" smtClean="0"/>
+              <a:rPr lang="fr-FR"/>
               <a:t>Quatrième niveau</a:t>
             </a:r>
           </a:p>
           <a:p>
             <a:pPr lvl="4"/>
             <a:r>
-              <a:rPr lang="fr-FR" smtClean="0"/>
+              <a:rPr lang="fr-FR"/>
               <a:t>Cinquième niveau</a:t>
             </a:r>
             <a:endParaRPr lang="en-US" dirty="0"/>
@@ -5441,7 +5373,7 @@
           <a:p>
             <a:fld id="{013DE1FD-94C5-43E7-A375-F547BBD122FB}" type="datetime1">
               <a:rPr lang="en-US" smtClean="0"/>
-              <a:t>5/10/2022</a:t>
+              <a:t>5/10/22</a:t>
             </a:fld>
             <a:endParaRPr lang="fr-BE"/>
           </a:p>
@@ -5503,7 +5435,7 @@
             <a:fld id="{D57F1E4F-1CFF-5643-939E-217C01CDF565}" type="slidenum">
               <a:rPr lang="en-US" smtClean="0"/>
               <a:pPr/>
-              <a:t>‹N°›</a:t>
+              <a:t>‹#›</a:t>
             </a:fld>
             <a:endParaRPr lang="en-US" dirty="0"/>
           </a:p>
@@ -5519,13 +5451,6 @@
   <p:clrMapOvr>
     <a:masterClrMapping/>
   </p:clrMapOvr>
-  <p:timing>
-    <p:tnLst>
-      <p:par>
-        <p:cTn id="1" dur="indefinite" restart="never" nodeType="tmRoot"/>
-      </p:par>
-    </p:tnLst>
-  </p:timing>
 </p:sldLayout>
 </file>
 
@@ -5567,7 +5492,7 @@
           <a:lstStyle/>
           <a:p>
             <a:r>
-              <a:rPr lang="fr-FR" smtClean="0"/>
+              <a:rPr lang="fr-FR"/>
               <a:t>Modifiez le style du titre</a:t>
             </a:r>
             <a:endParaRPr lang="en-US" dirty="0"/>
@@ -5591,7 +5516,7 @@
           <a:p>
             <a:fld id="{E75742B5-1AE4-40FE-95F3-982E33E3B222}" type="datetime1">
               <a:rPr lang="en-US" smtClean="0"/>
-              <a:t>5/10/2022</a:t>
+              <a:t>5/10/22</a:t>
             </a:fld>
             <a:endParaRPr lang="fr-BE"/>
           </a:p>
@@ -5653,7 +5578,7 @@
             <a:fld id="{D57F1E4F-1CFF-5643-939E-217C01CDF565}" type="slidenum">
               <a:rPr lang="en-US" smtClean="0"/>
               <a:pPr/>
-              <a:t>‹N°›</a:t>
+              <a:t>‹#›</a:t>
             </a:fld>
             <a:endParaRPr lang="en-US" dirty="0"/>
           </a:p>
@@ -5669,13 +5594,6 @@
   <p:clrMapOvr>
     <a:masterClrMapping/>
   </p:clrMapOvr>
-  <p:timing>
-    <p:tnLst>
-      <p:par>
-        <p:cTn id="1" dur="indefinite" restart="never" nodeType="tmRoot"/>
-      </p:par>
-    </p:tnLst>
-  </p:timing>
 </p:sldLayout>
 </file>
 
@@ -5713,7 +5631,7 @@
           <a:p>
             <a:fld id="{C56FA4B7-C2CF-433C-B95F-5AE035CF3D13}" type="datetime1">
               <a:rPr lang="en-US" smtClean="0"/>
-              <a:t>5/10/2022</a:t>
+              <a:t>5/10/22</a:t>
             </a:fld>
             <a:endParaRPr lang="fr-BE"/>
           </a:p>
@@ -5775,7 +5693,7 @@
             <a:fld id="{D57F1E4F-1CFF-5643-939E-217C01CDF565}" type="slidenum">
               <a:rPr lang="en-US" smtClean="0"/>
               <a:pPr/>
-              <a:t>‹N°›</a:t>
+              <a:t>‹#›</a:t>
             </a:fld>
             <a:endParaRPr lang="en-US" dirty="0"/>
           </a:p>
@@ -5791,13 +5709,6 @@
   <p:clrMapOvr>
     <a:masterClrMapping/>
   </p:clrMapOvr>
-  <p:timing>
-    <p:tnLst>
-      <p:par>
-        <p:cTn id="1" dur="indefinite" restart="never" nodeType="tmRoot"/>
-      </p:par>
-    </p:tnLst>
-  </p:timing>
 </p:sldLayout>
 </file>
 
@@ -5845,7 +5756,7 @@
           </a:lstStyle>
           <a:p>
             <a:r>
-              <a:rPr lang="fr-FR" smtClean="0"/>
+              <a:rPr lang="fr-FR"/>
               <a:t>Modifiez le style du titre</a:t>
             </a:r>
             <a:endParaRPr lang="en-US" dirty="0"/>
@@ -5876,35 +5787,35 @@
           <a:p>
             <a:pPr lvl="0"/>
             <a:r>
-              <a:rPr lang="fr-FR" smtClean="0"/>
+              <a:rPr lang="fr-FR"/>
               <a:t>Modifier les styles du texte du masque</a:t>
             </a:r>
           </a:p>
           <a:p>
             <a:pPr lvl="1"/>
             <a:r>
-              <a:rPr lang="fr-FR" smtClean="0"/>
+              <a:rPr lang="fr-FR"/>
               <a:t>Deuxième niveau</a:t>
             </a:r>
           </a:p>
           <a:p>
             <a:pPr lvl="2"/>
             <a:r>
-              <a:rPr lang="fr-FR" smtClean="0"/>
+              <a:rPr lang="fr-FR"/>
               <a:t>Troisième niveau</a:t>
             </a:r>
           </a:p>
           <a:p>
             <a:pPr lvl="3"/>
             <a:r>
-              <a:rPr lang="fr-FR" smtClean="0"/>
+              <a:rPr lang="fr-FR"/>
               <a:t>Quatrième niveau</a:t>
             </a:r>
           </a:p>
           <a:p>
             <a:pPr lvl="4"/>
             <a:r>
-              <a:rPr lang="fr-FR" smtClean="0"/>
+              <a:rPr lang="fr-FR"/>
               <a:t>Cinquième niveau</a:t>
             </a:r>
             <a:endParaRPr lang="en-US" dirty="0"/>
@@ -5972,7 +5883,7 @@
           <a:p>
             <a:pPr lvl="0"/>
             <a:r>
-              <a:rPr lang="fr-FR" smtClean="0"/>
+              <a:rPr lang="fr-FR"/>
               <a:t>Modifier les styles du texte du masque</a:t>
             </a:r>
           </a:p>
@@ -5995,7 +5906,7 @@
           <a:p>
             <a:fld id="{3D313196-6E73-433F-B79E-783304131DF1}" type="datetime1">
               <a:rPr lang="en-US" smtClean="0"/>
-              <a:t>5/10/2022</a:t>
+              <a:t>5/10/22</a:t>
             </a:fld>
             <a:endParaRPr lang="fr-BE"/>
           </a:p>
@@ -6057,7 +5968,7 @@
             <a:fld id="{D57F1E4F-1CFF-5643-939E-217C01CDF565}" type="slidenum">
               <a:rPr lang="en-US" smtClean="0"/>
               <a:pPr/>
-              <a:t>‹N°›</a:t>
+              <a:t>‹#›</a:t>
             </a:fld>
             <a:endParaRPr lang="en-US" dirty="0"/>
           </a:p>
@@ -6073,13 +5984,6 @@
   <p:clrMapOvr>
     <a:masterClrMapping/>
   </p:clrMapOvr>
-  <p:timing>
-    <p:tnLst>
-      <p:par>
-        <p:cTn id="1" dur="indefinite" restart="never" nodeType="tmRoot"/>
-      </p:par>
-    </p:tnLst>
-  </p:timing>
 </p:sldLayout>
 </file>
 
@@ -6127,7 +6031,7 @@
           </a:lstStyle>
           <a:p>
             <a:r>
-              <a:rPr lang="fr-FR" smtClean="0"/>
+              <a:rPr lang="fr-FR"/>
               <a:t>Modifiez le style du titre</a:t>
             </a:r>
             <a:endParaRPr lang="en-US" dirty="0"/>
@@ -6194,7 +6098,7 @@
           </a:lstStyle>
           <a:p>
             <a:r>
-              <a:rPr lang="fr-FR" smtClean="0"/>
+              <a:rPr lang="fr-FR"/>
               <a:t>Cliquez sur l'icône pour ajouter une image</a:t>
             </a:r>
             <a:endParaRPr lang="en-US" dirty="0"/>
@@ -6262,7 +6166,7 @@
           <a:p>
             <a:pPr lvl="0"/>
             <a:r>
-              <a:rPr lang="fr-FR" smtClean="0"/>
+              <a:rPr lang="fr-FR"/>
               <a:t>Modifier les styles du texte du masque</a:t>
             </a:r>
           </a:p>
@@ -6285,7 +6189,7 @@
           <a:p>
             <a:fld id="{DECFC14E-B9DB-45C4-B80E-B2469F049249}" type="datetime1">
               <a:rPr lang="en-US" smtClean="0"/>
-              <a:t>5/10/2022</a:t>
+              <a:t>5/10/22</a:t>
             </a:fld>
             <a:endParaRPr lang="fr-BE"/>
           </a:p>
@@ -6347,7 +6251,7 @@
             <a:fld id="{D57F1E4F-1CFF-5643-939E-217C01CDF565}" type="slidenum">
               <a:rPr lang="en-US" smtClean="0"/>
               <a:pPr/>
-              <a:t>‹N°›</a:t>
+              <a:t>‹#›</a:t>
             </a:fld>
             <a:endParaRPr lang="en-US" dirty="0"/>
           </a:p>
@@ -6363,13 +6267,6 @@
   <p:clrMapOvr>
     <a:masterClrMapping/>
   </p:clrMapOvr>
-  <p:timing>
-    <p:tnLst>
-      <p:par>
-        <p:cTn id="1" dur="indefinite" restart="never" nodeType="tmRoot"/>
-      </p:par>
-    </p:tnLst>
-  </p:timing>
 </p:sldLayout>
 </file>
 
@@ -6417,7 +6314,7 @@
           </a:lstStyle>
           <a:p>
             <a:r>
-              <a:rPr lang="fr-FR" smtClean="0"/>
+              <a:rPr lang="fr-FR"/>
               <a:t>Modifiez le style du titre</a:t>
             </a:r>
             <a:endParaRPr lang="en-US" dirty="0"/>
@@ -6540,7 +6437,7 @@
           <a:p>
             <a:pPr lvl="0"/>
             <a:r>
-              <a:rPr lang="fr-FR" smtClean="0"/>
+              <a:rPr lang="fr-FR"/>
               <a:t>Modifier les styles du texte du masque</a:t>
             </a:r>
           </a:p>
@@ -6563,7 +6460,7 @@
           <a:p>
             <a:fld id="{F2F90BB6-9B6D-4D80-8336-1489DFC0D904}" type="datetime1">
               <a:rPr lang="en-US" smtClean="0"/>
-              <a:t>5/10/2022</a:t>
+              <a:t>5/10/22</a:t>
             </a:fld>
             <a:endParaRPr lang="fr-BE"/>
           </a:p>
@@ -6625,7 +6522,7 @@
             <a:fld id="{D57F1E4F-1CFF-5643-939E-217C01CDF565}" type="slidenum">
               <a:rPr lang="en-US" smtClean="0"/>
               <a:pPr/>
-              <a:t>‹N°›</a:t>
+              <a:t>‹#›</a:t>
             </a:fld>
             <a:endParaRPr lang="en-US" dirty="0"/>
           </a:p>
@@ -6641,13 +6538,6 @@
   <p:clrMapOvr>
     <a:masterClrMapping/>
   </p:clrMapOvr>
-  <p:timing>
-    <p:tnLst>
-      <p:par>
-        <p:cTn id="1" dur="indefinite" restart="never" nodeType="tmRoot"/>
-      </p:par>
-    </p:tnLst>
-  </p:timing>
 </p:sldLayout>
 </file>
 
@@ -6695,7 +6585,7 @@
           </a:lstStyle>
           <a:p>
             <a:r>
-              <a:rPr lang="fr-FR" smtClean="0"/>
+              <a:rPr lang="fr-FR"/>
               <a:t>Modifiez le style du titre</a:t>
             </a:r>
             <a:endParaRPr lang="en-US" dirty="0"/>
@@ -6759,7 +6649,7 @@
           <a:p>
             <a:pPr lvl="0"/>
             <a:r>
-              <a:rPr lang="fr-FR" smtClean="0"/>
+              <a:rPr lang="fr-FR"/>
               <a:t>Modifier les styles du texte du masque</a:t>
             </a:r>
           </a:p>
@@ -6881,7 +6771,7 @@
           <a:p>
             <a:pPr lvl="0"/>
             <a:r>
-              <a:rPr lang="fr-FR" smtClean="0"/>
+              <a:rPr lang="fr-FR"/>
               <a:t>Modifier les styles du texte du masque</a:t>
             </a:r>
           </a:p>
@@ -6904,7 +6794,7 @@
           <a:p>
             <a:fld id="{E4DB3A25-3C6D-46FF-ADC1-75B14734D03C}" type="datetime1">
               <a:rPr lang="en-US" smtClean="0"/>
-              <a:t>5/10/2022</a:t>
+              <a:t>5/10/22</a:t>
             </a:fld>
             <a:endParaRPr lang="fr-BE"/>
           </a:p>
@@ -7056,7 +6946,7 @@
             <a:fld id="{D57F1E4F-1CFF-5643-939E-217C01CDF565}" type="slidenum">
               <a:rPr lang="en-US" smtClean="0"/>
               <a:pPr/>
-              <a:t>‹N°›</a:t>
+              <a:t>‹#›</a:t>
             </a:fld>
             <a:endParaRPr lang="en-US" dirty="0"/>
           </a:p>
@@ -7072,13 +6962,6 @@
   <p:clrMapOvr>
     <a:masterClrMapping/>
   </p:clrMapOvr>
-  <p:timing>
-    <p:tnLst>
-      <p:par>
-        <p:cTn id="1" dur="indefinite" restart="never" nodeType="tmRoot"/>
-      </p:par>
-    </p:tnLst>
-  </p:timing>
 </p:sldLayout>
 </file>
 
@@ -7126,7 +7009,7 @@
           </a:lstStyle>
           <a:p>
             <a:r>
-              <a:rPr lang="fr-FR" smtClean="0"/>
+              <a:rPr lang="fr-FR"/>
               <a:t>Modifiez le style du titre</a:t>
             </a:r>
             <a:endParaRPr lang="en-US" dirty="0"/>
@@ -7249,7 +7132,7 @@
           <a:p>
             <a:pPr lvl="0"/>
             <a:r>
-              <a:rPr lang="fr-FR" smtClean="0"/>
+              <a:rPr lang="fr-FR"/>
               <a:t>Modifier les styles du texte du masque</a:t>
             </a:r>
           </a:p>
@@ -7272,7 +7155,7 @@
           <a:p>
             <a:fld id="{3788F5D0-50B6-4EA6-B49E-EF536E10DE78}" type="datetime1">
               <a:rPr lang="en-US" smtClean="0"/>
-              <a:t>5/10/2022</a:t>
+              <a:t>5/10/22</a:t>
             </a:fld>
             <a:endParaRPr lang="fr-BE"/>
           </a:p>
@@ -7334,7 +7217,7 @@
             <a:fld id="{D57F1E4F-1CFF-5643-939E-217C01CDF565}" type="slidenum">
               <a:rPr lang="en-US" smtClean="0"/>
               <a:pPr/>
-              <a:t>‹N°›</a:t>
+              <a:t>‹#›</a:t>
             </a:fld>
             <a:endParaRPr lang="en-US" dirty="0"/>
           </a:p>
@@ -7350,13 +7233,6 @@
   <p:clrMapOvr>
     <a:masterClrMapping/>
   </p:clrMapOvr>
-  <p:timing>
-    <p:tnLst>
-      <p:par>
-        <p:cTn id="1" dur="indefinite" restart="never" nodeType="tmRoot"/>
-      </p:par>
-    </p:tnLst>
-  </p:timing>
 </p:sldLayout>
 </file>
 
@@ -7404,7 +7280,7 @@
           </a:lstStyle>
           <a:p>
             <a:r>
-              <a:rPr lang="fr-FR" smtClean="0"/>
+              <a:rPr lang="fr-FR"/>
               <a:t>Modifiez le style du titre</a:t>
             </a:r>
             <a:endParaRPr lang="en-US" dirty="0"/>
@@ -7468,7 +7344,7 @@
           <a:p>
             <a:pPr lvl="0"/>
             <a:r>
-              <a:rPr lang="fr-FR" smtClean="0"/>
+              <a:rPr lang="fr-FR"/>
               <a:t>Modifier les styles du texte du masque</a:t>
             </a:r>
           </a:p>
@@ -7590,7 +7466,7 @@
           <a:p>
             <a:pPr lvl="0"/>
             <a:r>
-              <a:rPr lang="fr-FR" smtClean="0"/>
+              <a:rPr lang="fr-FR"/>
               <a:t>Modifier les styles du texte du masque</a:t>
             </a:r>
           </a:p>
@@ -7613,7 +7489,7 @@
           <a:p>
             <a:fld id="{1B4A85C5-2CA9-42CF-B4AC-8BB3D6E9E7AF}" type="datetime1">
               <a:rPr lang="en-US" smtClean="0"/>
-              <a:t>5/10/2022</a:t>
+              <a:t>5/10/22</a:t>
             </a:fld>
             <a:endParaRPr lang="fr-BE"/>
           </a:p>
@@ -7757,7 +7633,7 @@
             <a:fld id="{D57F1E4F-1CFF-5643-939E-217C01CDF565}" type="slidenum">
               <a:rPr lang="en-US" smtClean="0"/>
               <a:pPr/>
-              <a:t>‹N°›</a:t>
+              <a:t>‹#›</a:t>
             </a:fld>
             <a:endParaRPr lang="en-US" dirty="0"/>
           </a:p>
@@ -7773,13 +7649,6 @@
   <p:clrMapOvr>
     <a:masterClrMapping/>
   </p:clrMapOvr>
-  <p:timing>
-    <p:tnLst>
-      <p:par>
-        <p:cTn id="1" dur="indefinite" restart="never" nodeType="tmRoot"/>
-      </p:par>
-    </p:tnLst>
-  </p:timing>
 </p:sldLayout>
 </file>
 
@@ -7825,7 +7694,7 @@
           </a:lstStyle>
           <a:p>
             <a:r>
-              <a:rPr lang="fr-FR" smtClean="0"/>
+              <a:rPr lang="fr-FR"/>
               <a:t>Modifiez le style du titre</a:t>
             </a:r>
             <a:endParaRPr lang="en-US" dirty="0"/>
@@ -7946,7 +7815,7 @@
           <a:p>
             <a:pPr lvl="0"/>
             <a:r>
-              <a:rPr lang="fr-FR" smtClean="0"/>
+              <a:rPr lang="fr-FR"/>
               <a:t>Modifier les styles du texte du masque</a:t>
             </a:r>
           </a:p>
@@ -7969,7 +7838,7 @@
           <a:p>
             <a:fld id="{926F070E-A207-4905-961E-B4148494DF59}" type="datetime1">
               <a:rPr lang="en-US" smtClean="0"/>
-              <a:t>5/10/2022</a:t>
+              <a:t>5/10/22</a:t>
             </a:fld>
             <a:endParaRPr lang="en-US" dirty="0"/>
           </a:p>
@@ -8012,7 +7881,7 @@
             <a:fld id="{D57F1E4F-1CFF-5643-939E-217C01CDF565}" type="slidenum">
               <a:rPr lang="en-US" dirty="0"/>
               <a:pPr/>
-              <a:t>‹N°›</a:t>
+              <a:t>‹#›</a:t>
             </a:fld>
             <a:endParaRPr lang="en-US" dirty="0"/>
           </a:p>
@@ -8023,13 +7892,6 @@
   <p:clrMapOvr>
     <a:masterClrMapping/>
   </p:clrMapOvr>
-  <p:timing>
-    <p:tnLst>
-      <p:par>
-        <p:cTn id="1" dur="indefinite" restart="never" nodeType="tmRoot"/>
-      </p:par>
-    </p:tnLst>
-  </p:timing>
 </p:sldLayout>
 </file>
 
@@ -8077,7 +7939,7 @@
           </a:lstStyle>
           <a:p>
             <a:r>
-              <a:rPr lang="fr-FR" smtClean="0"/>
+              <a:rPr lang="fr-FR"/>
               <a:t>Modifiez le style du titre</a:t>
             </a:r>
             <a:endParaRPr lang="en-US" dirty="0"/>
@@ -8138,7 +8000,7 @@
           <a:p>
             <a:pPr lvl="0"/>
             <a:r>
-              <a:rPr lang="fr-FR" smtClean="0"/>
+              <a:rPr lang="fr-FR"/>
               <a:t>Modifier les styles du texte du masque</a:t>
             </a:r>
           </a:p>
@@ -8260,7 +8122,7 @@
           <a:p>
             <a:pPr lvl="0"/>
             <a:r>
-              <a:rPr lang="fr-FR" smtClean="0"/>
+              <a:rPr lang="fr-FR"/>
               <a:t>Modifier les styles du texte du masque</a:t>
             </a:r>
           </a:p>
@@ -8283,7 +8145,7 @@
           <a:p>
             <a:fld id="{2C132876-A60D-4DC6-80D5-4777CE77721C}" type="datetime1">
               <a:rPr lang="en-US" smtClean="0"/>
-              <a:t>5/10/2022</a:t>
+              <a:t>5/10/22</a:t>
             </a:fld>
             <a:endParaRPr lang="fr-BE"/>
           </a:p>
@@ -8345,7 +8207,7 @@
             <a:fld id="{D57F1E4F-1CFF-5643-939E-217C01CDF565}" type="slidenum">
               <a:rPr lang="en-US" smtClean="0"/>
               <a:pPr/>
-              <a:t>‹N°›</a:t>
+              <a:t>‹#›</a:t>
             </a:fld>
             <a:endParaRPr lang="en-US" dirty="0"/>
           </a:p>
@@ -8361,13 +8223,6 @@
   <p:clrMapOvr>
     <a:masterClrMapping/>
   </p:clrMapOvr>
-  <p:timing>
-    <p:tnLst>
-      <p:par>
-        <p:cTn id="1" dur="indefinite" restart="never" nodeType="tmRoot"/>
-      </p:par>
-    </p:tnLst>
-  </p:timing>
 </p:sldLayout>
 </file>
 
@@ -8404,7 +8259,7 @@
           <a:lstStyle/>
           <a:p>
             <a:r>
-              <a:rPr lang="fr-FR" smtClean="0"/>
+              <a:rPr lang="fr-FR"/>
               <a:t>Modifiez le style du titre</a:t>
             </a:r>
             <a:endParaRPr lang="en-US" dirty="0"/>
@@ -8428,35 +8283,35 @@
           <a:p>
             <a:pPr lvl="0"/>
             <a:r>
-              <a:rPr lang="fr-FR" smtClean="0"/>
+              <a:rPr lang="fr-FR"/>
               <a:t>Modifier les styles du texte du masque</a:t>
             </a:r>
           </a:p>
           <a:p>
             <a:pPr lvl="1"/>
             <a:r>
-              <a:rPr lang="fr-FR" smtClean="0"/>
+              <a:rPr lang="fr-FR"/>
               <a:t>Deuxième niveau</a:t>
             </a:r>
           </a:p>
           <a:p>
             <a:pPr lvl="2"/>
             <a:r>
-              <a:rPr lang="fr-FR" smtClean="0"/>
+              <a:rPr lang="fr-FR"/>
               <a:t>Troisième niveau</a:t>
             </a:r>
           </a:p>
           <a:p>
             <a:pPr lvl="3"/>
             <a:r>
-              <a:rPr lang="fr-FR" smtClean="0"/>
+              <a:rPr lang="fr-FR"/>
               <a:t>Quatrième niveau</a:t>
             </a:r>
           </a:p>
           <a:p>
             <a:pPr lvl="4"/>
             <a:r>
-              <a:rPr lang="fr-FR" smtClean="0"/>
+              <a:rPr lang="fr-FR"/>
               <a:t>Cinquième niveau</a:t>
             </a:r>
             <a:endParaRPr lang="en-US" dirty="0"/>
@@ -8480,7 +8335,7 @@
           <a:p>
             <a:fld id="{E5A697EA-876D-4B66-8ED8-FA4462BB4063}" type="datetime1">
               <a:rPr lang="en-US" smtClean="0"/>
-              <a:t>5/10/2022</a:t>
+              <a:t>5/10/22</a:t>
             </a:fld>
             <a:endParaRPr lang="fr-BE"/>
           </a:p>
@@ -8542,7 +8397,7 @@
             <a:fld id="{D57F1E4F-1CFF-5643-939E-217C01CDF565}" type="slidenum">
               <a:rPr lang="en-US" smtClean="0"/>
               <a:pPr/>
-              <a:t>‹N°›</a:t>
+              <a:t>‹#›</a:t>
             </a:fld>
             <a:endParaRPr lang="en-US" dirty="0"/>
           </a:p>
@@ -8558,13 +8413,6 @@
   <p:clrMapOvr>
     <a:masterClrMapping/>
   </p:clrMapOvr>
-  <p:timing>
-    <p:tnLst>
-      <p:par>
-        <p:cTn id="1" dur="indefinite" restart="never" nodeType="tmRoot"/>
-      </p:par>
-    </p:tnLst>
-  </p:timing>
 </p:sldLayout>
 </file>
 
@@ -8606,7 +8454,7 @@
           <a:lstStyle/>
           <a:p>
             <a:r>
-              <a:rPr lang="fr-FR" smtClean="0"/>
+              <a:rPr lang="fr-FR"/>
               <a:t>Modifiez le style du titre</a:t>
             </a:r>
             <a:endParaRPr lang="en-US" dirty="0"/>
@@ -8635,35 +8483,35 @@
           <a:p>
             <a:pPr lvl="0"/>
             <a:r>
-              <a:rPr lang="fr-FR" smtClean="0"/>
+              <a:rPr lang="fr-FR"/>
               <a:t>Modifier les styles du texte du masque</a:t>
             </a:r>
           </a:p>
           <a:p>
             <a:pPr lvl="1"/>
             <a:r>
-              <a:rPr lang="fr-FR" smtClean="0"/>
+              <a:rPr lang="fr-FR"/>
               <a:t>Deuxième niveau</a:t>
             </a:r>
           </a:p>
           <a:p>
             <a:pPr lvl="2"/>
             <a:r>
-              <a:rPr lang="fr-FR" smtClean="0"/>
+              <a:rPr lang="fr-FR"/>
               <a:t>Troisième niveau</a:t>
             </a:r>
           </a:p>
           <a:p>
             <a:pPr lvl="3"/>
             <a:r>
-              <a:rPr lang="fr-FR" smtClean="0"/>
+              <a:rPr lang="fr-FR"/>
               <a:t>Quatrième niveau</a:t>
             </a:r>
           </a:p>
           <a:p>
             <a:pPr lvl="4"/>
             <a:r>
-              <a:rPr lang="fr-FR" smtClean="0"/>
+              <a:rPr lang="fr-FR"/>
               <a:t>Cinquième niveau</a:t>
             </a:r>
             <a:endParaRPr lang="en-US" dirty="0"/>
@@ -8687,7 +8535,7 @@
           <a:p>
             <a:fld id="{BF87602E-F651-4F7E-9524-FC03752C26D2}" type="datetime1">
               <a:rPr lang="en-US" smtClean="0"/>
-              <a:t>5/10/2022</a:t>
+              <a:t>5/10/22</a:t>
             </a:fld>
             <a:endParaRPr lang="fr-BE"/>
           </a:p>
@@ -8749,7 +8597,7 @@
             <a:fld id="{D57F1E4F-1CFF-5643-939E-217C01CDF565}" type="slidenum">
               <a:rPr lang="en-US" smtClean="0"/>
               <a:pPr/>
-              <a:t>‹N°›</a:t>
+              <a:t>‹#›</a:t>
             </a:fld>
             <a:endParaRPr lang="en-US" dirty="0"/>
           </a:p>
@@ -8765,13 +8613,6 @@
   <p:clrMapOvr>
     <a:masterClrMapping/>
   </p:clrMapOvr>
-  <p:timing>
-    <p:tnLst>
-      <p:par>
-        <p:cTn id="1" dur="indefinite" restart="never" nodeType="tmRoot"/>
-      </p:par>
-    </p:tnLst>
-  </p:timing>
 </p:sldLayout>
 </file>
 
@@ -8808,7 +8649,7 @@
           <a:lstStyle/>
           <a:p>
             <a:r>
-              <a:rPr lang="fr-FR" smtClean="0"/>
+              <a:rPr lang="fr-FR"/>
               <a:t>Modifiez le style du titre</a:t>
             </a:r>
             <a:endParaRPr lang="en-US" dirty="0"/>
@@ -8837,35 +8678,35 @@
           <a:p>
             <a:pPr lvl="0"/>
             <a:r>
-              <a:rPr lang="fr-FR" smtClean="0"/>
+              <a:rPr lang="fr-FR"/>
               <a:t>Modifier les styles du texte du masque</a:t>
             </a:r>
           </a:p>
           <a:p>
             <a:pPr lvl="1"/>
             <a:r>
-              <a:rPr lang="fr-FR" smtClean="0"/>
+              <a:rPr lang="fr-FR"/>
               <a:t>Deuxième niveau</a:t>
             </a:r>
           </a:p>
           <a:p>
             <a:pPr lvl="2"/>
             <a:r>
-              <a:rPr lang="fr-FR" smtClean="0"/>
+              <a:rPr lang="fr-FR"/>
               <a:t>Troisième niveau</a:t>
             </a:r>
           </a:p>
           <a:p>
             <a:pPr lvl="3"/>
             <a:r>
-              <a:rPr lang="fr-FR" smtClean="0"/>
+              <a:rPr lang="fr-FR"/>
               <a:t>Quatrième niveau</a:t>
             </a:r>
           </a:p>
           <a:p>
             <a:pPr lvl="4"/>
             <a:r>
-              <a:rPr lang="fr-FR" smtClean="0"/>
+              <a:rPr lang="fr-FR"/>
               <a:t>Cinquième niveau</a:t>
             </a:r>
             <a:endParaRPr lang="en-US" dirty="0"/>
@@ -8894,35 +8735,35 @@
           <a:p>
             <a:pPr lvl="0"/>
             <a:r>
-              <a:rPr lang="fr-FR" smtClean="0"/>
+              <a:rPr lang="fr-FR"/>
               <a:t>Modifier les styles du texte du masque</a:t>
             </a:r>
           </a:p>
           <a:p>
             <a:pPr lvl="1"/>
             <a:r>
-              <a:rPr lang="fr-FR" smtClean="0"/>
+              <a:rPr lang="fr-FR"/>
               <a:t>Deuxième niveau</a:t>
             </a:r>
           </a:p>
           <a:p>
             <a:pPr lvl="2"/>
             <a:r>
-              <a:rPr lang="fr-FR" smtClean="0"/>
+              <a:rPr lang="fr-FR"/>
               <a:t>Troisième niveau</a:t>
             </a:r>
           </a:p>
           <a:p>
             <a:pPr lvl="3"/>
             <a:r>
-              <a:rPr lang="fr-FR" smtClean="0"/>
+              <a:rPr lang="fr-FR"/>
               <a:t>Quatrième niveau</a:t>
             </a:r>
           </a:p>
           <a:p>
             <a:pPr lvl="4"/>
             <a:r>
-              <a:rPr lang="fr-FR" smtClean="0"/>
+              <a:rPr lang="fr-FR"/>
               <a:t>Cinquième niveau</a:t>
             </a:r>
             <a:endParaRPr lang="en-US" dirty="0"/>
@@ -8946,7 +8787,7 @@
           <a:p>
             <a:fld id="{DAF7FF0E-BE30-4BA8-89AF-B9FDF877AC44}" type="datetime1">
               <a:rPr lang="en-US" smtClean="0"/>
-              <a:t>5/10/2022</a:t>
+              <a:t>5/10/22</a:t>
             </a:fld>
             <a:endParaRPr lang="en-US" dirty="0"/>
           </a:p>
@@ -8988,7 +8829,7 @@
           <a:p>
             <a:fld id="{6FF9F0C5-380F-41C2-899A-BAC0F0927E16}" type="slidenum">
               <a:rPr lang="en-US" dirty="0"/>
-              <a:t>‹N°›</a:t>
+              <a:t>‹#›</a:t>
             </a:fld>
             <a:endParaRPr lang="en-US" dirty="0"/>
           </a:p>
@@ -9039,7 +8880,7 @@
           </a:lstStyle>
           <a:p>
             <a:r>
-              <a:rPr lang="fr-FR" smtClean="0"/>
+              <a:rPr lang="fr-FR"/>
               <a:t>Modifiez le style du titre</a:t>
             </a:r>
             <a:endParaRPr lang="en-US" dirty="0"/>
@@ -9107,7 +8948,7 @@
           <a:p>
             <a:pPr lvl="0"/>
             <a:r>
-              <a:rPr lang="fr-FR" smtClean="0"/>
+              <a:rPr lang="fr-FR"/>
               <a:t>Modifier les styles du texte du masque</a:t>
             </a:r>
           </a:p>
@@ -9137,35 +8978,35 @@
           <a:p>
             <a:pPr lvl="0"/>
             <a:r>
-              <a:rPr lang="fr-FR" smtClean="0"/>
+              <a:rPr lang="fr-FR"/>
               <a:t>Modifier les styles du texte du masque</a:t>
             </a:r>
           </a:p>
           <a:p>
             <a:pPr lvl="1"/>
             <a:r>
-              <a:rPr lang="fr-FR" smtClean="0"/>
+              <a:rPr lang="fr-FR"/>
               <a:t>Deuxième niveau</a:t>
             </a:r>
           </a:p>
           <a:p>
             <a:pPr lvl="2"/>
             <a:r>
-              <a:rPr lang="fr-FR" smtClean="0"/>
+              <a:rPr lang="fr-FR"/>
               <a:t>Troisième niveau</a:t>
             </a:r>
           </a:p>
           <a:p>
             <a:pPr lvl="3"/>
             <a:r>
-              <a:rPr lang="fr-FR" smtClean="0"/>
+              <a:rPr lang="fr-FR"/>
               <a:t>Quatrième niveau</a:t>
             </a:r>
           </a:p>
           <a:p>
             <a:pPr lvl="4"/>
             <a:r>
-              <a:rPr lang="fr-FR" smtClean="0"/>
+              <a:rPr lang="fr-FR"/>
               <a:t>Cinquième niveau</a:t>
             </a:r>
             <a:endParaRPr lang="en-US" dirty="0"/>
@@ -9233,7 +9074,7 @@
           <a:p>
             <a:pPr lvl="0"/>
             <a:r>
-              <a:rPr lang="fr-FR" smtClean="0"/>
+              <a:rPr lang="fr-FR"/>
               <a:t>Modifier les styles du texte du masque</a:t>
             </a:r>
           </a:p>
@@ -9263,35 +9104,35 @@
           <a:p>
             <a:pPr lvl="0"/>
             <a:r>
-              <a:rPr lang="fr-FR" smtClean="0"/>
+              <a:rPr lang="fr-FR"/>
               <a:t>Modifier les styles du texte du masque</a:t>
             </a:r>
           </a:p>
           <a:p>
             <a:pPr lvl="1"/>
             <a:r>
-              <a:rPr lang="fr-FR" smtClean="0"/>
+              <a:rPr lang="fr-FR"/>
               <a:t>Deuxième niveau</a:t>
             </a:r>
           </a:p>
           <a:p>
             <a:pPr lvl="2"/>
             <a:r>
-              <a:rPr lang="fr-FR" smtClean="0"/>
+              <a:rPr lang="fr-FR"/>
               <a:t>Troisième niveau</a:t>
             </a:r>
           </a:p>
           <a:p>
             <a:pPr lvl="3"/>
             <a:r>
-              <a:rPr lang="fr-FR" smtClean="0"/>
+              <a:rPr lang="fr-FR"/>
               <a:t>Quatrième niveau</a:t>
             </a:r>
           </a:p>
           <a:p>
             <a:pPr lvl="4"/>
             <a:r>
-              <a:rPr lang="fr-FR" smtClean="0"/>
+              <a:rPr lang="fr-FR"/>
               <a:t>Cinquième niveau</a:t>
             </a:r>
             <a:endParaRPr lang="en-US" dirty="0"/>
@@ -9315,7 +9156,7 @@
           <a:p>
             <a:fld id="{24EB7DA6-B593-4DD0-8083-6932C09D2146}" type="datetime1">
               <a:rPr lang="en-US" smtClean="0"/>
-              <a:t>5/10/2022</a:t>
+              <a:t>5/10/22</a:t>
             </a:fld>
             <a:endParaRPr lang="en-US" dirty="0"/>
           </a:p>
@@ -9358,7 +9199,7 @@
             <a:fld id="{D57F1E4F-1CFF-5643-939E-217C01CDF565}" type="slidenum">
               <a:rPr lang="en-US" dirty="0"/>
               <a:pPr/>
-              <a:t>‹N°›</a:t>
+              <a:t>‹#›</a:t>
             </a:fld>
             <a:endParaRPr lang="en-US" dirty="0"/>
           </a:p>
@@ -9410,7 +9251,7 @@
           <a:lstStyle/>
           <a:p>
             <a:r>
-              <a:rPr lang="fr-FR" smtClean="0"/>
+              <a:rPr lang="fr-FR"/>
               <a:t>Modifiez le style du titre</a:t>
             </a:r>
             <a:endParaRPr lang="en-US" dirty="0"/>
@@ -9434,7 +9275,7 @@
           <a:p>
             <a:fld id="{79BFC6D1-091E-4EAB-A306-380E54276BF9}" type="datetime1">
               <a:rPr lang="en-US" smtClean="0"/>
-              <a:t>5/10/2022</a:t>
+              <a:t>5/10/22</a:t>
             </a:fld>
             <a:endParaRPr lang="en-US" dirty="0"/>
           </a:p>
@@ -9477,7 +9318,7 @@
             <a:fld id="{D57F1E4F-1CFF-5643-939E-217C01CDF565}" type="slidenum">
               <a:rPr lang="en-US" dirty="0"/>
               <a:pPr/>
-              <a:t>‹N°›</a:t>
+              <a:t>‹#›</a:t>
             </a:fld>
             <a:endParaRPr lang="en-US" dirty="0"/>
           </a:p>
@@ -9525,7 +9366,7 @@
           <a:p>
             <a:fld id="{D5661772-5928-4062-94D3-D9534773514A}" type="datetime1">
               <a:rPr lang="en-US" smtClean="0"/>
-              <a:t>5/10/2022</a:t>
+              <a:t>5/10/22</a:t>
             </a:fld>
             <a:endParaRPr lang="en-US" dirty="0"/>
           </a:p>
@@ -9568,7 +9409,7 @@
             <a:fld id="{D57F1E4F-1CFF-5643-939E-217C01CDF565}" type="slidenum">
               <a:rPr lang="en-US" dirty="0"/>
               <a:pPr/>
-              <a:t>‹N°›</a:t>
+              <a:t>‹#›</a:t>
             </a:fld>
             <a:endParaRPr lang="en-US" dirty="0"/>
           </a:p>
@@ -9626,7 +9467,7 @@
           </a:lstStyle>
           <a:p>
             <a:r>
-              <a:rPr lang="fr-FR" smtClean="0"/>
+              <a:rPr lang="fr-FR"/>
               <a:t>Modifiez le style du titre</a:t>
             </a:r>
             <a:endParaRPr lang="en-US" dirty="0"/>
@@ -9657,35 +9498,35 @@
           <a:p>
             <a:pPr lvl="0"/>
             <a:r>
-              <a:rPr lang="fr-FR" smtClean="0"/>
+              <a:rPr lang="fr-FR"/>
               <a:t>Modifier les styles du texte du masque</a:t>
             </a:r>
           </a:p>
           <a:p>
             <a:pPr lvl="1"/>
             <a:r>
-              <a:rPr lang="fr-FR" smtClean="0"/>
+              <a:rPr lang="fr-FR"/>
               <a:t>Deuxième niveau</a:t>
             </a:r>
           </a:p>
           <a:p>
             <a:pPr lvl="2"/>
             <a:r>
-              <a:rPr lang="fr-FR" smtClean="0"/>
+              <a:rPr lang="fr-FR"/>
               <a:t>Troisième niveau</a:t>
             </a:r>
           </a:p>
           <a:p>
             <a:pPr lvl="3"/>
             <a:r>
-              <a:rPr lang="fr-FR" smtClean="0"/>
+              <a:rPr lang="fr-FR"/>
               <a:t>Quatrième niveau</a:t>
             </a:r>
           </a:p>
           <a:p>
             <a:pPr lvl="4"/>
             <a:r>
-              <a:rPr lang="fr-FR" smtClean="0"/>
+              <a:rPr lang="fr-FR"/>
               <a:t>Cinquième niveau</a:t>
             </a:r>
             <a:endParaRPr lang="en-US" dirty="0"/>
@@ -9753,7 +9594,7 @@
           <a:p>
             <a:pPr lvl="0"/>
             <a:r>
-              <a:rPr lang="fr-FR" smtClean="0"/>
+              <a:rPr lang="fr-FR"/>
               <a:t>Modifier les styles du texte du masque</a:t>
             </a:r>
           </a:p>
@@ -9776,7 +9617,7 @@
           <a:p>
             <a:fld id="{F9F45BD3-5BC4-4372-A406-2E11F5CA1741}" type="datetime1">
               <a:rPr lang="en-US" smtClean="0"/>
-              <a:t>5/10/2022</a:t>
+              <a:t>5/10/22</a:t>
             </a:fld>
             <a:endParaRPr lang="en-US" dirty="0"/>
           </a:p>
@@ -9818,7 +9659,7 @@
           <a:p>
             <a:fld id="{519954A3-9DFD-4C44-94BA-B95130A3BA1C}" type="slidenum">
               <a:rPr lang="en-US" dirty="0"/>
-              <a:t>‹N°›</a:t>
+              <a:t>‹#›</a:t>
             </a:fld>
             <a:endParaRPr lang="en-US" dirty="0"/>
           </a:p>
@@ -9876,7 +9717,7 @@
           </a:lstStyle>
           <a:p>
             <a:r>
-              <a:rPr lang="fr-FR" smtClean="0"/>
+              <a:rPr lang="fr-FR"/>
               <a:t>Modifiez le style du titre</a:t>
             </a:r>
             <a:endParaRPr lang="en-US" dirty="0"/>
@@ -9943,7 +9784,7 @@
           </a:lstStyle>
           <a:p>
             <a:r>
-              <a:rPr lang="fr-FR" smtClean="0"/>
+              <a:rPr lang="fr-FR"/>
               <a:t>Cliquez sur l'icône pour ajouter une image</a:t>
             </a:r>
             <a:endParaRPr lang="en-US" dirty="0"/>
@@ -10011,7 +9852,7 @@
           <a:p>
             <a:pPr lvl="0"/>
             <a:r>
-              <a:rPr lang="fr-FR" smtClean="0"/>
+              <a:rPr lang="fr-FR"/>
               <a:t>Modifier les styles du texte du masque</a:t>
             </a:r>
           </a:p>
@@ -10034,7 +9875,7 @@
           <a:p>
             <a:fld id="{5E4A1551-D187-48AD-897D-5735C5A88275}" type="datetime1">
               <a:rPr lang="en-US" smtClean="0"/>
-              <a:t>5/10/2022</a:t>
+              <a:t>5/10/22</a:t>
             </a:fld>
             <a:endParaRPr lang="en-US" dirty="0"/>
           </a:p>
@@ -10077,7 +9918,7 @@
             <a:fld id="{D57F1E4F-1CFF-5643-939E-217C01CDF565}" type="slidenum">
               <a:rPr lang="en-US" dirty="0"/>
               <a:pPr/>
-              <a:t>‹N°›</a:t>
+              <a:t>‹#›</a:t>
             </a:fld>
             <a:endParaRPr lang="en-US" dirty="0"/>
           </a:p>
@@ -10669,7 +10510,7 @@
           <a:lstStyle/>
           <a:p>
             <a:r>
-              <a:rPr lang="fr-FR" dirty="0" smtClean="0"/>
+              <a:rPr lang="fr-FR" dirty="0"/>
               <a:t>Modifiez le style du titre</a:t>
             </a:r>
             <a:endParaRPr lang="en-US" dirty="0"/>
@@ -10703,35 +10544,35 @@
           <a:p>
             <a:pPr lvl="0"/>
             <a:r>
-              <a:rPr lang="fr-FR" dirty="0" smtClean="0"/>
+              <a:rPr lang="fr-FR" dirty="0"/>
               <a:t>Modifier les styles du texte du masque</a:t>
             </a:r>
           </a:p>
           <a:p>
             <a:pPr lvl="1"/>
             <a:r>
-              <a:rPr lang="fr-FR" dirty="0" smtClean="0"/>
+              <a:rPr lang="fr-FR" dirty="0"/>
               <a:t>Deuxième niveau</a:t>
             </a:r>
           </a:p>
           <a:p>
             <a:pPr lvl="2"/>
             <a:r>
-              <a:rPr lang="fr-FR" dirty="0" smtClean="0"/>
+              <a:rPr lang="fr-FR" dirty="0"/>
               <a:t>Troisième niveau</a:t>
             </a:r>
           </a:p>
           <a:p>
             <a:pPr lvl="3"/>
             <a:r>
-              <a:rPr lang="fr-FR" dirty="0" smtClean="0"/>
+              <a:rPr lang="fr-FR" dirty="0"/>
               <a:t>Quatrième niveau</a:t>
             </a:r>
           </a:p>
           <a:p>
             <a:pPr lvl="4"/>
             <a:r>
-              <a:rPr lang="fr-FR" dirty="0" smtClean="0"/>
+              <a:rPr lang="fr-FR" dirty="0"/>
               <a:t>Cinquième niveau</a:t>
             </a:r>
             <a:endParaRPr lang="en-US" dirty="0"/>
@@ -10773,7 +10614,7 @@
           <a:p>
             <a:fld id="{2BB72EEA-9517-4907-B597-2FC7F7C2F710}" type="datetime1">
               <a:rPr lang="en-US" smtClean="0"/>
-              <a:t>5/10/2022</a:t>
+              <a:t>5/10/22</a:t>
             </a:fld>
             <a:endParaRPr lang="en-US" dirty="0"/>
           </a:p>
@@ -10853,7 +10694,7 @@
             <a:fld id="{D57F1E4F-1CFF-5643-939E-217C01CDF565}" type="slidenum">
               <a:rPr lang="en-US" smtClean="0"/>
               <a:pPr/>
-              <a:t>‹N°›</a:t>
+              <a:t>‹#›</a:t>
             </a:fld>
             <a:endParaRPr lang="en-US" dirty="0"/>
           </a:p>
@@ -10880,13 +10721,6 @@
     <p:sldLayoutId id="2147483667" r:id="rId15"/>
     <p:sldLayoutId id="2147483659" r:id="rId16"/>
   </p:sldLayoutIdLst>
-  <p:timing>
-    <p:tnLst>
-      <p:par>
-        <p:cTn id="1" dur="indefinite" restart="never" nodeType="tmRoot"/>
-      </p:par>
-    </p:tnLst>
-  </p:timing>
   <p:hf hdr="0" ftr="0" dt="0"/>
   <p:txStyles>
     <p:titleStyle>
@@ -11865,7 +11699,7 @@
           <a:lstStyle/>
           <a:p>
             <a:r>
-              <a:rPr lang="fr-FR" dirty="0" smtClean="0"/>
+              <a:rPr lang="fr-FR" dirty="0"/>
               <a:t>Modifiez le style du titre</a:t>
             </a:r>
             <a:endParaRPr lang="en-US" dirty="0"/>
@@ -11899,35 +11733,35 @@
           <a:p>
             <a:pPr lvl="0"/>
             <a:r>
-              <a:rPr lang="fr-FR" dirty="0" smtClean="0"/>
+              <a:rPr lang="fr-FR" dirty="0"/>
               <a:t>Modifier les styles du texte du masque</a:t>
             </a:r>
           </a:p>
           <a:p>
             <a:pPr lvl="1"/>
             <a:r>
-              <a:rPr lang="fr-FR" dirty="0" smtClean="0"/>
+              <a:rPr lang="fr-FR" dirty="0"/>
               <a:t>Deuxième niveau</a:t>
             </a:r>
           </a:p>
           <a:p>
             <a:pPr lvl="2"/>
             <a:r>
-              <a:rPr lang="fr-FR" dirty="0" smtClean="0"/>
+              <a:rPr lang="fr-FR" dirty="0"/>
               <a:t>Troisième niveau</a:t>
             </a:r>
           </a:p>
           <a:p>
             <a:pPr lvl="3"/>
             <a:r>
-              <a:rPr lang="fr-FR" dirty="0" smtClean="0"/>
+              <a:rPr lang="fr-FR" dirty="0"/>
               <a:t>Quatrième niveau</a:t>
             </a:r>
           </a:p>
           <a:p>
             <a:pPr lvl="4"/>
             <a:r>
-              <a:rPr lang="fr-FR" dirty="0" smtClean="0"/>
+              <a:rPr lang="fr-FR" dirty="0"/>
               <a:t>Cinquième niveau</a:t>
             </a:r>
             <a:endParaRPr lang="en-US" dirty="0"/>
@@ -11969,7 +11803,7 @@
           <a:p>
             <a:fld id="{1BB4D123-806F-48A5-9C11-A490C1BA8994}" type="datetime1">
               <a:rPr lang="en-US" smtClean="0"/>
-              <a:t>5/10/2022</a:t>
+              <a:t>5/10/22</a:t>
             </a:fld>
             <a:endParaRPr lang="en-US" dirty="0"/>
           </a:p>
@@ -12049,7 +11883,7 @@
             <a:fld id="{D57F1E4F-1CFF-5643-939E-217C01CDF565}" type="slidenum">
               <a:rPr lang="en-US" smtClean="0"/>
               <a:pPr/>
-              <a:t>‹N°›</a:t>
+              <a:t>‹#›</a:t>
             </a:fld>
             <a:endParaRPr lang="en-US" dirty="0"/>
           </a:p>
@@ -12081,13 +11915,6 @@
     <p:sldLayoutId id="2147483695" r:id="rId15"/>
     <p:sldLayoutId id="2147483696" r:id="rId16"/>
   </p:sldLayoutIdLst>
-  <p:timing>
-    <p:tnLst>
-      <p:par>
-        <p:cTn id="1" dur="indefinite" restart="never" nodeType="tmRoot"/>
-      </p:par>
-    </p:tnLst>
-  </p:timing>
   <p:hf hdr="0" ftr="0" dt="0"/>
   <p:txStyles>
     <p:titleStyle>
@@ -12576,15 +12403,7 @@
                   <a:schemeClr val="accent2"/>
                 </a:solidFill>
               </a:rPr>
-              <a:t> &amp;</a:t>
-            </a:r>
-            <a:r>
-              <a:rPr lang="fr-BE" b="1" dirty="0" smtClean="0">
-                <a:solidFill>
-                  <a:schemeClr val="accent2"/>
-                </a:solidFill>
-              </a:rPr>
-              <a:t> </a:t>
+              <a:t> &amp; </a:t>
             </a:r>
             <a:r>
               <a:rPr lang="fr-BE" b="1" dirty="0" err="1">
@@ -12967,13 +12786,6 @@
   <p:clrMapOvr>
     <a:masterClrMapping/>
   </p:clrMapOvr>
-  <p:timing>
-    <p:tnLst>
-      <p:par>
-        <p:cTn id="1" dur="indefinite" restart="never" nodeType="tmRoot"/>
-      </p:par>
-    </p:tnLst>
-  </p:timing>
 </p:sld>
 </file>
 
@@ -13010,22 +12822,17 @@
           <a:lstStyle/>
           <a:p>
             <a:r>
-              <a:rPr lang="fr-BE" dirty="0" smtClean="0"/>
+              <a:rPr lang="fr-BE" dirty="0"/>
               <a:t>Schéma </a:t>
             </a:r>
             <a:r>
-              <a:rPr lang="fr-BE" dirty="0" err="1" smtClean="0"/>
+              <a:rPr lang="fr-BE" dirty="0" err="1"/>
               <a:t>Upwind</a:t>
             </a:r>
             <a:r>
               <a:rPr lang="fr-BE" dirty="0"/>
-              <a:t> </a:t>
+              <a:t> : quelques résultats</a:t>
             </a:r>
-            <a:r>
-              <a:rPr lang="fr-BE" dirty="0" smtClean="0"/>
-              <a:t>: quelques résultats</a:t>
-            </a:r>
-            <a:endParaRPr lang="fr-BE" dirty="0"/>
           </a:p>
         </p:txBody>
       </p:sp>
@@ -13181,13 +12988,6 @@
   <p:clrMapOvr>
     <a:masterClrMapping/>
   </p:clrMapOvr>
-  <p:timing>
-    <p:tnLst>
-      <p:par>
-        <p:cTn id="1" dur="indefinite" restart="never" nodeType="tmRoot"/>
-      </p:par>
-    </p:tnLst>
-  </p:timing>
 </p:sld>
 </file>
 
@@ -13224,11 +13024,11 @@
           <a:lstStyle/>
           <a:p>
             <a:r>
-              <a:rPr lang="fr-BE" dirty="0" smtClean="0"/>
+              <a:rPr lang="fr-BE" dirty="0"/>
               <a:t>Schéma </a:t>
             </a:r>
             <a:r>
-              <a:rPr lang="fr-BE" dirty="0" err="1" smtClean="0"/>
+              <a:rPr lang="fr-BE" dirty="0" err="1"/>
               <a:t>Leapfrog</a:t>
             </a:r>
             <a:endParaRPr lang="fr-BE" dirty="0"/>
@@ -13251,18 +13051,14 @@
           <a:lstStyle/>
           <a:p>
             <a:r>
-              <a:rPr lang="fr-BE" dirty="0" smtClean="0"/>
+              <a:rPr lang="fr-BE" dirty="0"/>
               <a:t>Consistance</a:t>
             </a:r>
           </a:p>
           <a:p>
             <a:r>
-              <a:rPr lang="fr-BE" dirty="0" smtClean="0"/>
-              <a:t>Ordre </a:t>
-            </a:r>
-            <a:r>
               <a:rPr lang="fr-BE" dirty="0"/>
-              <a:t>de convergence </a:t>
+              <a:t>Ordre de convergence </a:t>
             </a:r>
           </a:p>
         </p:txBody>
@@ -13301,13 +13097,6 @@
   <p:clrMapOvr>
     <a:masterClrMapping/>
   </p:clrMapOvr>
-  <p:timing>
-    <p:tnLst>
-      <p:par>
-        <p:cTn id="1" dur="indefinite" restart="never" nodeType="tmRoot"/>
-      </p:par>
-    </p:tnLst>
-  </p:timing>
 </p:sld>
 </file>
 
@@ -13344,10 +13133,9 @@
           <a:lstStyle/>
           <a:p>
             <a:r>
-              <a:rPr lang="fr-BE" dirty="0" smtClean="0"/>
+              <a:rPr lang="fr-BE" dirty="0"/>
               <a:t>Visualisation</a:t>
             </a:r>
-            <a:endParaRPr lang="fr-BE" dirty="0"/>
           </a:p>
         </p:txBody>
       </p:sp>
@@ -13551,10 +13339,6 @@
             <a:r>
               <a:rPr lang="fr-BE" dirty="0" err="1"/>
               <a:t>Hohenberg</a:t>
-            </a:r>
-            <a:r>
-              <a:rPr lang="fr-BE" dirty="0"/>
-              <a:t/>
             </a:r>
             <a:br>
               <a:rPr lang="fr-BE" dirty="0"/>
@@ -13942,13 +13726,6 @@
   <p:clrMapOvr>
     <a:masterClrMapping/>
   </p:clrMapOvr>
-  <p:timing>
-    <p:tnLst>
-      <p:par>
-        <p:cTn id="1" dur="indefinite" restart="never" nodeType="tmRoot"/>
-      </p:par>
-    </p:tnLst>
-  </p:timing>
 </p:sld>
 </file>
 
@@ -14318,19 +14095,19 @@
           <a:lstStyle/>
           <a:p>
             <a:r>
-              <a:rPr lang="fr-BE" dirty="0" smtClean="0"/>
+              <a:rPr lang="fr-BE" dirty="0"/>
               <a:t>Equation différentielle partielle non-linéaire</a:t>
             </a:r>
           </a:p>
           <a:p>
             <a:r>
-              <a:rPr lang="fr-BE" dirty="0" smtClean="0"/>
+              <a:rPr lang="fr-BE" dirty="0"/>
               <a:t>Fluctuations thermiques d’un fluide (convection)</a:t>
             </a:r>
           </a:p>
           <a:p>
             <a:r>
-              <a:rPr lang="fr-BE" dirty="0" smtClean="0"/>
+              <a:rPr lang="fr-BE" dirty="0"/>
               <a:t>Bifurcation au point critique r=0</a:t>
             </a:r>
           </a:p>
@@ -14402,13 +14179,6 @@
   <p:clrMapOvr>
     <a:masterClrMapping/>
   </p:clrMapOvr>
-  <p:timing>
-    <p:tnLst>
-      <p:par>
-        <p:cTn id="1" dur="indefinite" restart="never" nodeType="tmRoot"/>
-      </p:par>
-    </p:tnLst>
-  </p:timing>
 </p:sld>
 </file>
 
@@ -14445,10 +14215,9 @@
           <a:lstStyle/>
           <a:p>
             <a:r>
-              <a:rPr lang="fr-BE" dirty="0" smtClean="0"/>
+              <a:rPr lang="fr-BE" dirty="0"/>
               <a:t>Méthode numérique</a:t>
             </a:r>
-            <a:endParaRPr lang="fr-BE" dirty="0"/>
           </a:p>
         </p:txBody>
       </p:sp>
@@ -15065,7 +14834,7 @@
                       </m:oMath>
                     </m:oMathPara>
                   </a14:m>
-                  <a:endParaRPr lang="fr-BE" sz="2000" b="0" dirty="0" smtClean="0">
+                  <a:endParaRPr lang="fr-BE" sz="2000" b="0" dirty="0">
                     <a:solidFill>
                       <a:schemeClr val="tx1">
                         <a:lumMod val="85000"/>
@@ -15075,7 +14844,7 @@
                   </a:endParaRPr>
                 </a:p>
                 <a:p>
-                  <a:endParaRPr lang="fr-BE" b="0" dirty="0" smtClean="0"/>
+                  <a:endParaRPr lang="fr-BE" b="0" dirty="0"/>
                 </a:p>
               </p:txBody>
             </p:sp>
@@ -15433,7 +15202,7 @@
                   </m:oMath>
                 </a14:m>
                 <a:r>
-                  <a:rPr lang="fr-BE" dirty="0" smtClean="0">
+                  <a:rPr lang="fr-BE" dirty="0">
                     <a:solidFill>
                       <a:schemeClr val="tx1">
                         <a:lumMod val="85000"/>
@@ -15444,7 +15213,7 @@
                   <a:t> : méthode implicite de </a:t>
                 </a:r>
                 <a:r>
-                  <a:rPr lang="fr-BE" dirty="0" err="1" smtClean="0">
+                  <a:rPr lang="fr-BE" dirty="0" err="1">
                     <a:solidFill>
                       <a:schemeClr val="tx1">
                         <a:lumMod val="85000"/>
@@ -15455,7 +15224,7 @@
                   <a:t>Cranck</a:t>
                 </a:r>
                 <a:r>
-                  <a:rPr lang="fr-BE" dirty="0" smtClean="0">
+                  <a:rPr lang="fr-BE" dirty="0">
                     <a:solidFill>
                       <a:schemeClr val="tx1">
                         <a:lumMod val="85000"/>
@@ -15466,7 +15235,7 @@
                   <a:t> </a:t>
                 </a:r>
                 <a:r>
-                  <a:rPr lang="fr-BE" dirty="0" err="1" smtClean="0">
+                  <a:rPr lang="fr-BE" dirty="0" err="1">
                     <a:solidFill>
                       <a:schemeClr val="tx1">
                         <a:lumMod val="85000"/>
@@ -15476,7 +15245,7 @@
                   </a:rPr>
                   <a:t>Nicolson</a:t>
                 </a:r>
-                <a:endParaRPr lang="fr-BE" dirty="0" smtClean="0">
+                <a:endParaRPr lang="fr-BE" dirty="0">
                   <a:solidFill>
                     <a:schemeClr val="tx1">
                       <a:lumMod val="85000"/>
@@ -15985,7 +15754,7 @@
                     </m:oMath>
                   </m:oMathPara>
                 </a14:m>
-                <a:endParaRPr lang="fr-BE" dirty="0" smtClean="0">
+                <a:endParaRPr lang="fr-BE" dirty="0">
                   <a:solidFill>
                     <a:schemeClr val="tx1">
                       <a:lumMod val="85000"/>
@@ -16012,7 +15781,7 @@
                   </m:oMath>
                 </a14:m>
                 <a:r>
-                  <a:rPr lang="fr-BE" dirty="0" smtClean="0">
+                  <a:rPr lang="fr-BE" dirty="0">
                     <a:solidFill>
                       <a:schemeClr val="tx1">
                         <a:lumMod val="85000"/>
@@ -16023,7 +15792,7 @@
                   <a:t> : méthode explicite de Adam </a:t>
                 </a:r>
                 <a:r>
-                  <a:rPr lang="fr-BE" dirty="0" err="1" smtClean="0">
+                  <a:rPr lang="fr-BE" dirty="0" err="1">
                     <a:solidFill>
                       <a:schemeClr val="tx1">
                         <a:lumMod val="85000"/>
@@ -16033,7 +15802,7 @@
                   </a:rPr>
                   <a:t>Bashforth</a:t>
                 </a:r>
-                <a:endParaRPr lang="fr-BE" dirty="0" smtClean="0">
+                <a:endParaRPr lang="fr-BE" dirty="0">
                   <a:solidFill>
                     <a:schemeClr val="tx1">
                       <a:lumMod val="85000"/>
@@ -17546,7 +17315,7 @@
               <a:lstStyle/>
               <a:p>
                 <a:r>
-                  <a:rPr lang="fr-BE" b="0" dirty="0" smtClean="0">
+                  <a:rPr lang="fr-BE" b="0" dirty="0">
                     <a:solidFill>
                       <a:schemeClr val="tx1">
                         <a:lumMod val="85000"/>
@@ -18527,10 +18296,9 @@
           <a:lstStyle/>
           <a:p>
             <a:r>
-              <a:rPr lang="fr-BE" dirty="0" smtClean="0"/>
+              <a:rPr lang="fr-BE" dirty="0"/>
               <a:t>Méthode numérique</a:t>
             </a:r>
-            <a:endParaRPr lang="fr-BE" dirty="0"/>
           </a:p>
         </p:txBody>
       </p:sp>
@@ -20681,7 +20449,7 @@
               <a:lstStyle/>
               <a:p>
                 <a:r>
-                  <a:rPr lang="fr-BE" dirty="0" smtClean="0">
+                  <a:rPr lang="fr-BE" dirty="0">
                     <a:solidFill>
                       <a:schemeClr val="tx1">
                         <a:lumMod val="85000"/>
@@ -21466,10 +21234,9 @@
           <a:lstStyle/>
           <a:p>
             <a:r>
-              <a:rPr lang="fr-BE" dirty="0" smtClean="0"/>
+              <a:rPr lang="fr-BE" dirty="0"/>
               <a:t>Reproduction de la figure de l’énoncé</a:t>
             </a:r>
-            <a:endParaRPr lang="fr-BE" dirty="0"/>
           </a:p>
         </p:txBody>
       </p:sp>
@@ -21491,7 +21258,7 @@
               <a:lstStyle/>
               <a:p>
                 <a:r>
-                  <a:rPr lang="fr-BE" dirty="0" smtClean="0"/>
+                  <a:rPr lang="fr-BE" dirty="0"/>
                   <a:t>Condition initiale : </a:t>
                 </a:r>
                 <a14:m>
@@ -21679,16 +21446,12 @@
                     </m:func>
                   </m:oMath>
                 </a14:m>
-                <a:endParaRPr lang="fr-BE" dirty="0" smtClean="0"/>
+                <a:endParaRPr lang="fr-BE" dirty="0"/>
               </a:p>
               <a:p>
                 <a:r>
                   <a:rPr lang="fr-BE" dirty="0"/>
-                  <a:t>Domaine </a:t>
-                </a:r>
-                <a:r>
-                  <a:rPr lang="fr-BE" dirty="0" smtClean="0"/>
-                  <a:t>périodique : </a:t>
+                  <a:t>Domaine périodique : </a:t>
                 </a:r>
                 <a14:m>
                   <m:oMath xmlns:m="http://schemas.openxmlformats.org/officeDocument/2006/math">
@@ -21735,13 +21498,13 @@
                     </m:d>
                   </m:oMath>
                 </a14:m>
-                <a:endParaRPr lang="fr-BE" dirty="0" smtClean="0">
+                <a:endParaRPr lang="fr-BE" dirty="0">
                   <a:ea typeface="Cambria Math" panose="02040503050406030204" pitchFamily="18" charset="0"/>
                 </a:endParaRPr>
               </a:p>
               <a:p>
                 <a:r>
-                  <a:rPr lang="fr-BE" dirty="0" smtClean="0"/>
+                  <a:rPr lang="fr-BE" dirty="0"/>
                   <a:t>Discrétisation du domaine : </a:t>
                 </a:r>
                 <a14:m>
@@ -21760,11 +21523,11 @@
                     </m:r>
                   </m:oMath>
                 </a14:m>
-                <a:endParaRPr lang="fr-BE" dirty="0" smtClean="0"/>
+                <a:endParaRPr lang="fr-BE" dirty="0"/>
               </a:p>
               <a:p>
                 <a:r>
-                  <a:rPr lang="fr-BE" dirty="0" smtClean="0"/>
+                  <a:rPr lang="fr-BE" dirty="0"/>
                   <a:t>Pas de temps : </a:t>
                 </a:r>
                 <a14:m>
@@ -21795,7 +21558,7 @@
                     </m:r>
                   </m:oMath>
                 </a14:m>
-                <a:endParaRPr lang="fr-BE" dirty="0" smtClean="0"/>
+                <a:endParaRPr lang="fr-BE" dirty="0"/>
               </a:p>
               <a:p>
                 <a14:m>
@@ -21817,7 +21580,7 @@
                   </m:oMath>
                 </a14:m>
                 <a:r>
-                  <a:rPr lang="fr-BE" dirty="0" smtClean="0"/>
+                  <a:rPr lang="fr-BE" dirty="0"/>
                   <a:t> et </a:t>
                 </a:r>
                 <a14:m>
@@ -22087,10 +21850,9 @@
           <a:lstStyle/>
           <a:p>
             <a:r>
-              <a:rPr lang="fr-BE" dirty="0" smtClean="0"/>
+              <a:rPr lang="fr-BE" dirty="0"/>
               <a:t>Influence de r</a:t>
             </a:r>
-            <a:endParaRPr lang="fr-BE" dirty="0"/>
           </a:p>
         </p:txBody>
       </p:sp>
@@ -22104,22 +21866,20 @@
             <p:ph idx="1"/>
           </p:nvPr>
         </p:nvSpPr>
-        <p:spPr/>
+        <p:spPr>
+          <a:xfrm>
+            <a:off x="677334" y="1577972"/>
+            <a:ext cx="3169452" cy="1320801"/>
+          </a:xfrm>
+        </p:spPr>
         <p:txBody>
           <a:bodyPr/>
           <a:lstStyle/>
           <a:p>
             <a:r>
-              <a:rPr lang="fr-BE" dirty="0" smtClean="0"/>
+              <a:rPr lang="fr-BE" dirty="0"/>
               <a:t>Sur l’amplitude</a:t>
             </a:r>
-          </a:p>
-          <a:p>
-            <a:r>
-              <a:rPr lang="fr-BE" dirty="0" smtClean="0"/>
-              <a:t>Sur la longueur d’onde</a:t>
-            </a:r>
-            <a:endParaRPr lang="fr-BE" dirty="0"/>
           </a:p>
         </p:txBody>
       </p:sp>
@@ -22169,8 +21929,300 @@
         </p:blipFill>
         <p:spPr>
           <a:xfrm>
-            <a:off x="2550789" y="3223288"/>
-            <a:ext cx="4846283" cy="3634712"/>
+            <a:off x="231227" y="2242919"/>
+            <a:ext cx="5041669" cy="3781251"/>
+          </a:xfrm>
+          <a:prstGeom prst="rect">
+            <a:avLst/>
+          </a:prstGeom>
+        </p:spPr>
+      </p:pic>
+      <p:sp>
+        <p:nvSpPr>
+          <p:cNvPr id="7" name="Espace réservé du contenu 2">
+            <a:extLst>
+              <a:ext uri="{FF2B5EF4-FFF2-40B4-BE49-F238E27FC236}">
+                <a16:creationId xmlns:a16="http://schemas.microsoft.com/office/drawing/2014/main" id="{155667EF-1328-5886-8266-A1656B22A82D}"/>
+              </a:ext>
+            </a:extLst>
+          </p:cNvPr>
+          <p:cNvSpPr txBox="1">
+            <a:spLocks/>
+          </p:cNvSpPr>
+          <p:nvPr/>
+        </p:nvSpPr>
+        <p:spPr>
+          <a:xfrm>
+            <a:off x="5766607" y="1582517"/>
+            <a:ext cx="4593604" cy="1320801"/>
+          </a:xfrm>
+          <a:prstGeom prst="rect">
+            <a:avLst/>
+          </a:prstGeom>
+        </p:spPr>
+        <p:txBody>
+          <a:bodyPr vert="horz" lIns="91440" tIns="45720" rIns="91440" bIns="45720" rtlCol="0">
+            <a:normAutofit/>
+          </a:bodyPr>
+          <a:lstStyle>
+            <a:lvl1pPr marL="342900" indent="-342900" algn="l" defTabSz="457200" rtl="0" eaLnBrk="1" latinLnBrk="0" hangingPunct="1">
+              <a:spcBef>
+                <a:spcPts val="1000"/>
+              </a:spcBef>
+              <a:spcAft>
+                <a:spcPts val="0"/>
+              </a:spcAft>
+              <a:buClr>
+                <a:schemeClr val="accent1"/>
+              </a:buClr>
+              <a:buSzPct val="80000"/>
+              <a:buFont typeface="Wingdings 3" charset="2"/>
+              <a:buChar char=""/>
+              <a:defRPr sz="1800" kern="1200">
+                <a:solidFill>
+                  <a:schemeClr val="tx1">
+                    <a:lumMod val="85000"/>
+                    <a:lumOff val="15000"/>
+                  </a:schemeClr>
+                </a:solidFill>
+                <a:latin typeface="+mn-lt"/>
+                <a:ea typeface="+mn-ea"/>
+                <a:cs typeface="+mn-cs"/>
+              </a:defRPr>
+            </a:lvl1pPr>
+            <a:lvl2pPr marL="742950" indent="-285750" algn="l" defTabSz="457200" rtl="0" eaLnBrk="1" latinLnBrk="0" hangingPunct="1">
+              <a:spcBef>
+                <a:spcPts val="1000"/>
+              </a:spcBef>
+              <a:spcAft>
+                <a:spcPts val="0"/>
+              </a:spcAft>
+              <a:buClr>
+                <a:schemeClr val="accent1"/>
+              </a:buClr>
+              <a:buSzPct val="80000"/>
+              <a:buFont typeface="Wingdings 3" charset="2"/>
+              <a:buChar char=""/>
+              <a:defRPr sz="1600" kern="1200">
+                <a:solidFill>
+                  <a:schemeClr val="tx1">
+                    <a:lumMod val="85000"/>
+                    <a:lumOff val="15000"/>
+                  </a:schemeClr>
+                </a:solidFill>
+                <a:latin typeface="+mn-lt"/>
+                <a:ea typeface="+mn-ea"/>
+                <a:cs typeface="+mn-cs"/>
+              </a:defRPr>
+            </a:lvl2pPr>
+            <a:lvl3pPr marL="1143000" indent="-228600" algn="l" defTabSz="457200" rtl="0" eaLnBrk="1" latinLnBrk="0" hangingPunct="1">
+              <a:spcBef>
+                <a:spcPts val="1000"/>
+              </a:spcBef>
+              <a:spcAft>
+                <a:spcPts val="0"/>
+              </a:spcAft>
+              <a:buClr>
+                <a:schemeClr val="accent1"/>
+              </a:buClr>
+              <a:buSzPct val="80000"/>
+              <a:buFont typeface="Wingdings 3" charset="2"/>
+              <a:buChar char=""/>
+              <a:defRPr sz="1400" kern="1200">
+                <a:solidFill>
+                  <a:schemeClr val="tx1">
+                    <a:lumMod val="85000"/>
+                    <a:lumOff val="15000"/>
+                  </a:schemeClr>
+                </a:solidFill>
+                <a:latin typeface="+mn-lt"/>
+                <a:ea typeface="+mn-ea"/>
+                <a:cs typeface="+mn-cs"/>
+              </a:defRPr>
+            </a:lvl3pPr>
+            <a:lvl4pPr marL="1600200" indent="-228600" algn="l" defTabSz="457200" rtl="0" eaLnBrk="1" latinLnBrk="0" hangingPunct="1">
+              <a:spcBef>
+                <a:spcPts val="1000"/>
+              </a:spcBef>
+              <a:spcAft>
+                <a:spcPts val="0"/>
+              </a:spcAft>
+              <a:buClr>
+                <a:schemeClr val="accent1"/>
+              </a:buClr>
+              <a:buSzPct val="80000"/>
+              <a:buFont typeface="Wingdings 3" charset="2"/>
+              <a:buChar char=""/>
+              <a:defRPr sz="1200" kern="1200">
+                <a:solidFill>
+                  <a:schemeClr val="tx1">
+                    <a:lumMod val="85000"/>
+                    <a:lumOff val="15000"/>
+                  </a:schemeClr>
+                </a:solidFill>
+                <a:latin typeface="+mn-lt"/>
+                <a:ea typeface="+mn-ea"/>
+                <a:cs typeface="+mn-cs"/>
+              </a:defRPr>
+            </a:lvl4pPr>
+            <a:lvl5pPr marL="2057400" indent="-228600" algn="l" defTabSz="457200" rtl="0" eaLnBrk="1" latinLnBrk="0" hangingPunct="1">
+              <a:spcBef>
+                <a:spcPts val="1000"/>
+              </a:spcBef>
+              <a:spcAft>
+                <a:spcPts val="0"/>
+              </a:spcAft>
+              <a:buClr>
+                <a:schemeClr val="accent1"/>
+              </a:buClr>
+              <a:buSzPct val="80000"/>
+              <a:buFont typeface="Wingdings 3" charset="2"/>
+              <a:buChar char=""/>
+              <a:defRPr sz="1200" kern="1200">
+                <a:solidFill>
+                  <a:schemeClr val="tx1">
+                    <a:lumMod val="85000"/>
+                    <a:lumOff val="15000"/>
+                  </a:schemeClr>
+                </a:solidFill>
+                <a:latin typeface="+mn-lt"/>
+                <a:ea typeface="+mn-ea"/>
+                <a:cs typeface="+mn-cs"/>
+              </a:defRPr>
+            </a:lvl5pPr>
+            <a:lvl6pPr marL="2514600" indent="-228600" algn="l" defTabSz="457200" rtl="0" eaLnBrk="1" latinLnBrk="0" hangingPunct="1">
+              <a:spcBef>
+                <a:spcPts val="1000"/>
+              </a:spcBef>
+              <a:spcAft>
+                <a:spcPts val="0"/>
+              </a:spcAft>
+              <a:buClr>
+                <a:schemeClr val="accent1"/>
+              </a:buClr>
+              <a:buSzPct val="80000"/>
+              <a:buFont typeface="Wingdings 3" charset="2"/>
+              <a:buChar char=""/>
+              <a:defRPr sz="1200" kern="1200">
+                <a:solidFill>
+                  <a:schemeClr val="tx1">
+                    <a:lumMod val="75000"/>
+                    <a:lumOff val="25000"/>
+                  </a:schemeClr>
+                </a:solidFill>
+                <a:latin typeface="+mn-lt"/>
+                <a:ea typeface="+mn-ea"/>
+                <a:cs typeface="+mn-cs"/>
+              </a:defRPr>
+            </a:lvl6pPr>
+            <a:lvl7pPr marL="2971800" indent="-228600" algn="l" defTabSz="457200" rtl="0" eaLnBrk="1" latinLnBrk="0" hangingPunct="1">
+              <a:spcBef>
+                <a:spcPts val="1000"/>
+              </a:spcBef>
+              <a:spcAft>
+                <a:spcPts val="0"/>
+              </a:spcAft>
+              <a:buClr>
+                <a:schemeClr val="accent1"/>
+              </a:buClr>
+              <a:buSzPct val="80000"/>
+              <a:buFont typeface="Wingdings 3" charset="2"/>
+              <a:buChar char=""/>
+              <a:defRPr sz="1200" kern="1200">
+                <a:solidFill>
+                  <a:schemeClr val="tx1">
+                    <a:lumMod val="75000"/>
+                    <a:lumOff val="25000"/>
+                  </a:schemeClr>
+                </a:solidFill>
+                <a:latin typeface="+mn-lt"/>
+                <a:ea typeface="+mn-ea"/>
+                <a:cs typeface="+mn-cs"/>
+              </a:defRPr>
+            </a:lvl7pPr>
+            <a:lvl8pPr marL="3429000" indent="-228600" algn="l" defTabSz="457200" rtl="0" eaLnBrk="1" latinLnBrk="0" hangingPunct="1">
+              <a:spcBef>
+                <a:spcPts val="1000"/>
+              </a:spcBef>
+              <a:spcAft>
+                <a:spcPts val="0"/>
+              </a:spcAft>
+              <a:buClr>
+                <a:schemeClr val="accent1"/>
+              </a:buClr>
+              <a:buSzPct val="80000"/>
+              <a:buFont typeface="Wingdings 3" charset="2"/>
+              <a:buChar char=""/>
+              <a:defRPr sz="1200" kern="1200">
+                <a:solidFill>
+                  <a:schemeClr val="tx1">
+                    <a:lumMod val="75000"/>
+                    <a:lumOff val="25000"/>
+                  </a:schemeClr>
+                </a:solidFill>
+                <a:latin typeface="+mn-lt"/>
+                <a:ea typeface="+mn-ea"/>
+                <a:cs typeface="+mn-cs"/>
+              </a:defRPr>
+            </a:lvl8pPr>
+            <a:lvl9pPr marL="3886200" indent="-228600" algn="l" defTabSz="457200" rtl="0" eaLnBrk="1" latinLnBrk="0" hangingPunct="1">
+              <a:spcBef>
+                <a:spcPts val="1000"/>
+              </a:spcBef>
+              <a:spcAft>
+                <a:spcPts val="0"/>
+              </a:spcAft>
+              <a:buClr>
+                <a:schemeClr val="accent1"/>
+              </a:buClr>
+              <a:buSzPct val="80000"/>
+              <a:buFont typeface="Wingdings 3" charset="2"/>
+              <a:buChar char=""/>
+              <a:defRPr sz="1200" kern="1200">
+                <a:solidFill>
+                  <a:schemeClr val="tx1">
+                    <a:lumMod val="75000"/>
+                    <a:lumOff val="25000"/>
+                  </a:schemeClr>
+                </a:solidFill>
+                <a:latin typeface="+mn-lt"/>
+                <a:ea typeface="+mn-ea"/>
+                <a:cs typeface="+mn-cs"/>
+              </a:defRPr>
+            </a:lvl9pPr>
+          </a:lstStyle>
+          <a:p>
+            <a:r>
+              <a:rPr lang="fr-BE" dirty="0"/>
+              <a:t>Sur la longueur d’onde</a:t>
+            </a:r>
+          </a:p>
+        </p:txBody>
+      </p:sp>
+      <p:pic>
+        <p:nvPicPr>
+          <p:cNvPr id="9" name="Picture 8">
+            <a:extLst>
+              <a:ext uri="{FF2B5EF4-FFF2-40B4-BE49-F238E27FC236}">
+                <a16:creationId xmlns:a16="http://schemas.microsoft.com/office/drawing/2014/main" id="{A6858E9E-5CA9-59FB-CBB9-B8F86E61EE3D}"/>
+              </a:ext>
+            </a:extLst>
+          </p:cNvPr>
+          <p:cNvPicPr>
+            <a:picLocks noChangeAspect="1"/>
+          </p:cNvPicPr>
+          <p:nvPr/>
+        </p:nvPicPr>
+        <p:blipFill>
+          <a:blip r:embed="rId3"/>
+          <a:stretch>
+            <a:fillRect/>
+          </a:stretch>
+        </p:blipFill>
+        <p:spPr>
+          <a:xfrm>
+            <a:off x="5318544" y="2242918"/>
+            <a:ext cx="5041667" cy="3781251"/>
           </a:xfrm>
           <a:prstGeom prst="rect">
             <a:avLst/>
@@ -22180,20 +22232,13 @@
     </p:spTree>
     <p:extLst>
       <p:ext uri="{BB962C8B-B14F-4D97-AF65-F5344CB8AC3E}">
-        <p14:creationId xmlns:p14="http://schemas.microsoft.com/office/powerpoint/2010/main" val="3842379036"/>
+        <p14:creationId xmlns:p14="http://schemas.microsoft.com/office/powerpoint/2010/main" val="2418633664"/>
       </p:ext>
     </p:extLst>
   </p:cSld>
   <p:clrMapOvr>
     <a:masterClrMapping/>
   </p:clrMapOvr>
-  <p:timing>
-    <p:tnLst>
-      <p:par>
-        <p:cTn id="1" dur="indefinite" restart="never" nodeType="tmRoot"/>
-      </p:par>
-    </p:tnLst>
-  </p:timing>
 </p:sld>
 </file>
 
@@ -22230,10 +22275,9 @@
           <a:lstStyle/>
           <a:p>
             <a:r>
-              <a:rPr lang="fr-BE" dirty="0" smtClean="0"/>
-              <a:t>Influence de L</a:t>
+              <a:rPr lang="fr-BE" dirty="0"/>
+              <a:t>Influence de r</a:t>
             </a:r>
-            <a:endParaRPr lang="fr-BE" dirty="0"/>
           </a:p>
         </p:txBody>
       </p:sp>
@@ -22247,26 +22291,20 @@
             <p:ph idx="1"/>
           </p:nvPr>
         </p:nvSpPr>
-        <p:spPr/>
+        <p:spPr>
+          <a:xfrm>
+            <a:off x="677334" y="1698134"/>
+            <a:ext cx="3169452" cy="1320801"/>
+          </a:xfrm>
+        </p:spPr>
         <p:txBody>
           <a:bodyPr/>
           <a:lstStyle/>
           <a:p>
             <a:r>
               <a:rPr lang="fr-BE" dirty="0"/>
-              <a:t>Sur l’amplitude</a:t>
+              <a:t>Sur la stationnarité</a:t>
             </a:r>
-          </a:p>
-          <a:p>
-            <a:r>
-              <a:rPr lang="fr-BE" dirty="0"/>
-              <a:t>Sur la longueur </a:t>
-            </a:r>
-            <a:r>
-              <a:rPr lang="fr-BE" dirty="0" smtClean="0"/>
-              <a:t>d’onde</a:t>
-            </a:r>
-            <a:endParaRPr lang="fr-BE" dirty="0"/>
           </a:p>
         </p:txBody>
       </p:sp>
@@ -22294,30 +22332,122 @@
           </a:p>
         </p:txBody>
       </p:sp>
+      <p:sp>
+        <p:nvSpPr>
+          <p:cNvPr id="6" name="TextBox 5">
+            <a:extLst>
+              <a:ext uri="{FF2B5EF4-FFF2-40B4-BE49-F238E27FC236}">
+                <a16:creationId xmlns:a16="http://schemas.microsoft.com/office/drawing/2014/main" id="{53D3A1CC-DF52-9A3F-0BE8-38547DD9A9E5}"/>
+              </a:ext>
+            </a:extLst>
+          </p:cNvPr>
+          <p:cNvSpPr txBox="1"/>
+          <p:nvPr/>
+        </p:nvSpPr>
+        <p:spPr>
+          <a:xfrm>
+            <a:off x="6800850" y="-542925"/>
+            <a:ext cx="184731" cy="369332"/>
+          </a:xfrm>
+          <a:prstGeom prst="rect">
+            <a:avLst/>
+          </a:prstGeom>
+          <a:noFill/>
+        </p:spPr>
+        <p:txBody>
+          <a:bodyPr wrap="none" rtlCol="0">
+            <a:spAutoFit/>
+          </a:bodyPr>
+          <a:lstStyle/>
+          <a:p>
+            <a:endParaRPr lang="en-BE" dirty="0"/>
+          </a:p>
+        </p:txBody>
+      </p:sp>
       <p:pic>
         <p:nvPicPr>
-          <p:cNvPr id="5" name="Image 4"/>
+          <p:cNvPr id="8" name="Picture 7">
+            <a:extLst>
+              <a:ext uri="{FF2B5EF4-FFF2-40B4-BE49-F238E27FC236}">
+                <a16:creationId xmlns:a16="http://schemas.microsoft.com/office/drawing/2014/main" id="{494659C1-1735-9178-A497-BE4E77461FAD}"/>
+              </a:ext>
+            </a:extLst>
+          </p:cNvPr>
           <p:cNvPicPr>
             <a:picLocks noChangeAspect="1"/>
           </p:cNvPicPr>
           <p:nvPr/>
         </p:nvPicPr>
         <p:blipFill>
-          <a:blip r:embed="rId2">
-            <a:extLst>
-              <a:ext uri="{28A0092B-C50C-407E-A947-70E740481C1C}">
-                <a14:useLocalDpi xmlns:a14="http://schemas.microsoft.com/office/drawing/2010/main" val="0"/>
-              </a:ext>
-            </a:extLst>
-          </a:blip>
+          <a:blip r:embed="rId2"/>
           <a:stretch>
             <a:fillRect/>
           </a:stretch>
         </p:blipFill>
         <p:spPr>
           <a:xfrm>
-            <a:off x="2458525" y="2995898"/>
-            <a:ext cx="5034285" cy="3775714"/>
+            <a:off x="365063" y="2489416"/>
+            <a:ext cx="3742779" cy="2807084"/>
+          </a:xfrm>
+          <a:prstGeom prst="rect">
+            <a:avLst/>
+          </a:prstGeom>
+        </p:spPr>
+      </p:pic>
+      <p:pic>
+        <p:nvPicPr>
+          <p:cNvPr id="10" name="Picture 9">
+            <a:extLst>
+              <a:ext uri="{FF2B5EF4-FFF2-40B4-BE49-F238E27FC236}">
+                <a16:creationId xmlns:a16="http://schemas.microsoft.com/office/drawing/2014/main" id="{CE534994-9279-4668-491B-359D8F2B79D6}"/>
+              </a:ext>
+            </a:extLst>
+          </p:cNvPr>
+          <p:cNvPicPr>
+            <a:picLocks noChangeAspect="1"/>
+          </p:cNvPicPr>
+          <p:nvPr/>
+        </p:nvPicPr>
+        <p:blipFill>
+          <a:blip r:embed="rId3"/>
+          <a:stretch>
+            <a:fillRect/>
+          </a:stretch>
+        </p:blipFill>
+        <p:spPr>
+          <a:xfrm>
+            <a:off x="3976994" y="2489416"/>
+            <a:ext cx="3742778" cy="2807084"/>
+          </a:xfrm>
+          <a:prstGeom prst="rect">
+            <a:avLst/>
+          </a:prstGeom>
+        </p:spPr>
+      </p:pic>
+      <p:pic>
+        <p:nvPicPr>
+          <p:cNvPr id="12" name="Picture 11">
+            <a:extLst>
+              <a:ext uri="{FF2B5EF4-FFF2-40B4-BE49-F238E27FC236}">
+                <a16:creationId xmlns:a16="http://schemas.microsoft.com/office/drawing/2014/main" id="{B2CEB614-A0A4-A02A-7BE9-4CF6DF1B5A0C}"/>
+              </a:ext>
+            </a:extLst>
+          </p:cNvPr>
+          <p:cNvPicPr>
+            <a:picLocks noChangeAspect="1"/>
+          </p:cNvPicPr>
+          <p:nvPr/>
+        </p:nvPicPr>
+        <p:blipFill>
+          <a:blip r:embed="rId4"/>
+          <a:stretch>
+            <a:fillRect/>
+          </a:stretch>
+        </p:blipFill>
+        <p:spPr>
+          <a:xfrm>
+            <a:off x="7612422" y="2489417"/>
+            <a:ext cx="3742778" cy="2807084"/>
           </a:xfrm>
           <a:prstGeom prst="rect">
             <a:avLst/>
@@ -22327,20 +22457,13 @@
     </p:spTree>
     <p:extLst>
       <p:ext uri="{BB962C8B-B14F-4D97-AF65-F5344CB8AC3E}">
-        <p14:creationId xmlns:p14="http://schemas.microsoft.com/office/powerpoint/2010/main" val="3067693420"/>
+        <p14:creationId xmlns:p14="http://schemas.microsoft.com/office/powerpoint/2010/main" val="2023803301"/>
       </p:ext>
     </p:extLst>
   </p:cSld>
   <p:clrMapOvr>
     <a:masterClrMapping/>
   </p:clrMapOvr>
-  <p:timing>
-    <p:tnLst>
-      <p:par>
-        <p:cTn id="1" dur="indefinite" restart="never" nodeType="tmRoot"/>
-      </p:par>
-    </p:tnLst>
-  </p:timing>
 </p:sld>
 </file>
 
@@ -22377,18 +22500,17 @@
           <a:lstStyle/>
           <a:p>
             <a:r>
-              <a:rPr lang="fr-BE" dirty="0" smtClean="0"/>
+              <a:rPr lang="fr-BE" dirty="0"/>
               <a:t>Qu’est-ce qu’un </a:t>
             </a:r>
             <a:r>
-              <a:rPr lang="fr-BE" dirty="0" err="1" smtClean="0"/>
+              <a:rPr lang="fr-BE" dirty="0" err="1"/>
               <a:t>soliton</a:t>
             </a:r>
             <a:r>
-              <a:rPr lang="fr-BE" dirty="0" smtClean="0"/>
+              <a:rPr lang="fr-BE" dirty="0"/>
               <a:t> ?</a:t>
             </a:r>
-            <a:endParaRPr lang="fr-BE" dirty="0"/>
           </a:p>
         </p:txBody>
       </p:sp>
@@ -22408,65 +22530,64 @@
           <a:lstStyle/>
           <a:p>
             <a:r>
-              <a:rPr lang="fr-BE" dirty="0" smtClean="0"/>
+              <a:rPr lang="fr-BE" dirty="0"/>
               <a:t>Paquet d’onde dont la vitesse augmente avec son amplitude</a:t>
             </a:r>
           </a:p>
           <a:p>
             <a:r>
-              <a:rPr lang="fr-BE" dirty="0" smtClean="0"/>
+              <a:rPr lang="fr-BE" dirty="0"/>
               <a:t>2 </a:t>
             </a:r>
             <a:r>
-              <a:rPr lang="fr-BE" dirty="0" err="1" smtClean="0"/>
+              <a:rPr lang="fr-BE" dirty="0" err="1"/>
               <a:t>solitons</a:t>
             </a:r>
             <a:r>
-              <a:rPr lang="fr-BE" dirty="0" smtClean="0"/>
+              <a:rPr lang="fr-BE" dirty="0"/>
               <a:t> interagissent non-</a:t>
             </a:r>
             <a:r>
-              <a:rPr lang="fr-BE" dirty="0" err="1" smtClean="0"/>
+              <a:rPr lang="fr-BE" dirty="0" err="1"/>
               <a:t>destructivement</a:t>
             </a:r>
-            <a:endParaRPr lang="fr-BE" dirty="0" smtClean="0"/>
+            <a:endParaRPr lang="fr-BE" dirty="0"/>
           </a:p>
           <a:p>
             <a:r>
-              <a:rPr lang="fr-BE" dirty="0" smtClean="0"/>
+              <a:rPr lang="fr-BE" dirty="0"/>
               <a:t>Pour des fluides peu profonds</a:t>
             </a:r>
           </a:p>
           <a:p>
             <a:r>
-              <a:rPr lang="fr-BE" dirty="0" smtClean="0"/>
+              <a:rPr lang="fr-BE" dirty="0"/>
               <a:t>Solution de l’équation de </a:t>
             </a:r>
             <a:r>
-              <a:rPr lang="fr-BE" dirty="0" err="1" smtClean="0"/>
+              <a:rPr lang="fr-BE" dirty="0" err="1"/>
               <a:t>Korteweg</a:t>
             </a:r>
             <a:r>
-              <a:rPr lang="fr-BE" dirty="0" smtClean="0"/>
+              <a:rPr lang="fr-BE" dirty="0"/>
               <a:t> et de </a:t>
             </a:r>
             <a:r>
-              <a:rPr lang="fr-BE" dirty="0" err="1" smtClean="0"/>
+              <a:rPr lang="fr-BE" dirty="0" err="1"/>
               <a:t>Vries</a:t>
             </a:r>
             <a:r>
-              <a:rPr lang="fr-BE" dirty="0" smtClean="0"/>
+              <a:rPr lang="fr-BE" dirty="0"/>
               <a:t> (</a:t>
             </a:r>
             <a:r>
-              <a:rPr lang="fr-BE" dirty="0" err="1" smtClean="0"/>
+              <a:rPr lang="fr-BE" dirty="0" err="1"/>
               <a:t>KdV</a:t>
             </a:r>
             <a:r>
-              <a:rPr lang="fr-BE" dirty="0" smtClean="0"/>
+              <a:rPr lang="fr-BE" dirty="0"/>
               <a:t>)</a:t>
             </a:r>
-            <a:endParaRPr lang="fr-BE" dirty="0"/>
           </a:p>
         </p:txBody>
       </p:sp>
@@ -22628,13 +22749,6 @@
   <p:clrMapOvr>
     <a:masterClrMapping/>
   </p:clrMapOvr>
-  <p:timing>
-    <p:tnLst>
-      <p:par>
-        <p:cTn id="1" dur="indefinite" restart="never" nodeType="tmRoot"/>
-      </p:par>
-    </p:tnLst>
-  </p:timing>
 </p:sld>
 </file>
 
@@ -22671,10 +22785,659 @@
           <a:lstStyle/>
           <a:p>
             <a:r>
-              <a:rPr lang="fr-BE" dirty="0" smtClean="0"/>
+              <a:rPr lang="fr-BE" dirty="0"/>
+              <a:t>Influence de L</a:t>
+            </a:r>
+          </a:p>
+        </p:txBody>
+      </p:sp>
+      <p:sp>
+        <p:nvSpPr>
+          <p:cNvPr id="3" name="Espace réservé du contenu 2"/>
+          <p:cNvSpPr>
+            <a:spLocks noGrp="1"/>
+          </p:cNvSpPr>
+          <p:nvPr>
+            <p:ph idx="1"/>
+          </p:nvPr>
+        </p:nvSpPr>
+        <p:spPr>
+          <a:xfrm>
+            <a:off x="677334" y="1577971"/>
+            <a:ext cx="3169452" cy="1320801"/>
+          </a:xfrm>
+        </p:spPr>
+        <p:txBody>
+          <a:bodyPr/>
+          <a:lstStyle/>
+          <a:p>
+            <a:r>
+              <a:rPr lang="fr-BE" dirty="0"/>
+              <a:t>Sur l’amplitude</a:t>
+            </a:r>
+          </a:p>
+        </p:txBody>
+      </p:sp>
+      <p:sp>
+        <p:nvSpPr>
+          <p:cNvPr id="4" name="Espace réservé du numéro de diapositive 3"/>
+          <p:cNvSpPr>
+            <a:spLocks noGrp="1"/>
+          </p:cNvSpPr>
+          <p:nvPr>
+            <p:ph type="sldNum" sz="quarter" idx="4"/>
+          </p:nvPr>
+        </p:nvSpPr>
+        <p:spPr/>
+        <p:txBody>
+          <a:bodyPr/>
+          <a:lstStyle/>
+          <a:p>
+            <a:fld id="{D57F1E4F-1CFF-5643-939E-217C01CDF565}" type="slidenum">
+              <a:rPr lang="en-US" smtClean="0"/>
+              <a:pPr/>
+              <a:t>20</a:t>
+            </a:fld>
+            <a:endParaRPr lang="en-US" dirty="0"/>
+          </a:p>
+        </p:txBody>
+      </p:sp>
+      <p:sp>
+        <p:nvSpPr>
+          <p:cNvPr id="7" name="Espace réservé du contenu 2">
+            <a:extLst>
+              <a:ext uri="{FF2B5EF4-FFF2-40B4-BE49-F238E27FC236}">
+                <a16:creationId xmlns:a16="http://schemas.microsoft.com/office/drawing/2014/main" id="{155667EF-1328-5886-8266-A1656B22A82D}"/>
+              </a:ext>
+            </a:extLst>
+          </p:cNvPr>
+          <p:cNvSpPr txBox="1">
+            <a:spLocks/>
+          </p:cNvSpPr>
+          <p:nvPr/>
+        </p:nvSpPr>
+        <p:spPr>
+          <a:xfrm>
+            <a:off x="5724566" y="1577972"/>
+            <a:ext cx="4593604" cy="1320801"/>
+          </a:xfrm>
+          <a:prstGeom prst="rect">
+            <a:avLst/>
+          </a:prstGeom>
+        </p:spPr>
+        <p:txBody>
+          <a:bodyPr vert="horz" lIns="91440" tIns="45720" rIns="91440" bIns="45720" rtlCol="0">
+            <a:normAutofit/>
+          </a:bodyPr>
+          <a:lstStyle>
+            <a:lvl1pPr marL="342900" indent="-342900" algn="l" defTabSz="457200" rtl="0" eaLnBrk="1" latinLnBrk="0" hangingPunct="1">
+              <a:spcBef>
+                <a:spcPts val="1000"/>
+              </a:spcBef>
+              <a:spcAft>
+                <a:spcPts val="0"/>
+              </a:spcAft>
+              <a:buClr>
+                <a:schemeClr val="accent1"/>
+              </a:buClr>
+              <a:buSzPct val="80000"/>
+              <a:buFont typeface="Wingdings 3" charset="2"/>
+              <a:buChar char=""/>
+              <a:defRPr sz="1800" kern="1200">
+                <a:solidFill>
+                  <a:schemeClr val="tx1">
+                    <a:lumMod val="85000"/>
+                    <a:lumOff val="15000"/>
+                  </a:schemeClr>
+                </a:solidFill>
+                <a:latin typeface="+mn-lt"/>
+                <a:ea typeface="+mn-ea"/>
+                <a:cs typeface="+mn-cs"/>
+              </a:defRPr>
+            </a:lvl1pPr>
+            <a:lvl2pPr marL="742950" indent="-285750" algn="l" defTabSz="457200" rtl="0" eaLnBrk="1" latinLnBrk="0" hangingPunct="1">
+              <a:spcBef>
+                <a:spcPts val="1000"/>
+              </a:spcBef>
+              <a:spcAft>
+                <a:spcPts val="0"/>
+              </a:spcAft>
+              <a:buClr>
+                <a:schemeClr val="accent1"/>
+              </a:buClr>
+              <a:buSzPct val="80000"/>
+              <a:buFont typeface="Wingdings 3" charset="2"/>
+              <a:buChar char=""/>
+              <a:defRPr sz="1600" kern="1200">
+                <a:solidFill>
+                  <a:schemeClr val="tx1">
+                    <a:lumMod val="85000"/>
+                    <a:lumOff val="15000"/>
+                  </a:schemeClr>
+                </a:solidFill>
+                <a:latin typeface="+mn-lt"/>
+                <a:ea typeface="+mn-ea"/>
+                <a:cs typeface="+mn-cs"/>
+              </a:defRPr>
+            </a:lvl2pPr>
+            <a:lvl3pPr marL="1143000" indent="-228600" algn="l" defTabSz="457200" rtl="0" eaLnBrk="1" latinLnBrk="0" hangingPunct="1">
+              <a:spcBef>
+                <a:spcPts val="1000"/>
+              </a:spcBef>
+              <a:spcAft>
+                <a:spcPts val="0"/>
+              </a:spcAft>
+              <a:buClr>
+                <a:schemeClr val="accent1"/>
+              </a:buClr>
+              <a:buSzPct val="80000"/>
+              <a:buFont typeface="Wingdings 3" charset="2"/>
+              <a:buChar char=""/>
+              <a:defRPr sz="1400" kern="1200">
+                <a:solidFill>
+                  <a:schemeClr val="tx1">
+                    <a:lumMod val="85000"/>
+                    <a:lumOff val="15000"/>
+                  </a:schemeClr>
+                </a:solidFill>
+                <a:latin typeface="+mn-lt"/>
+                <a:ea typeface="+mn-ea"/>
+                <a:cs typeface="+mn-cs"/>
+              </a:defRPr>
+            </a:lvl3pPr>
+            <a:lvl4pPr marL="1600200" indent="-228600" algn="l" defTabSz="457200" rtl="0" eaLnBrk="1" latinLnBrk="0" hangingPunct="1">
+              <a:spcBef>
+                <a:spcPts val="1000"/>
+              </a:spcBef>
+              <a:spcAft>
+                <a:spcPts val="0"/>
+              </a:spcAft>
+              <a:buClr>
+                <a:schemeClr val="accent1"/>
+              </a:buClr>
+              <a:buSzPct val="80000"/>
+              <a:buFont typeface="Wingdings 3" charset="2"/>
+              <a:buChar char=""/>
+              <a:defRPr sz="1200" kern="1200">
+                <a:solidFill>
+                  <a:schemeClr val="tx1">
+                    <a:lumMod val="85000"/>
+                    <a:lumOff val="15000"/>
+                  </a:schemeClr>
+                </a:solidFill>
+                <a:latin typeface="+mn-lt"/>
+                <a:ea typeface="+mn-ea"/>
+                <a:cs typeface="+mn-cs"/>
+              </a:defRPr>
+            </a:lvl4pPr>
+            <a:lvl5pPr marL="2057400" indent="-228600" algn="l" defTabSz="457200" rtl="0" eaLnBrk="1" latinLnBrk="0" hangingPunct="1">
+              <a:spcBef>
+                <a:spcPts val="1000"/>
+              </a:spcBef>
+              <a:spcAft>
+                <a:spcPts val="0"/>
+              </a:spcAft>
+              <a:buClr>
+                <a:schemeClr val="accent1"/>
+              </a:buClr>
+              <a:buSzPct val="80000"/>
+              <a:buFont typeface="Wingdings 3" charset="2"/>
+              <a:buChar char=""/>
+              <a:defRPr sz="1200" kern="1200">
+                <a:solidFill>
+                  <a:schemeClr val="tx1">
+                    <a:lumMod val="85000"/>
+                    <a:lumOff val="15000"/>
+                  </a:schemeClr>
+                </a:solidFill>
+                <a:latin typeface="+mn-lt"/>
+                <a:ea typeface="+mn-ea"/>
+                <a:cs typeface="+mn-cs"/>
+              </a:defRPr>
+            </a:lvl5pPr>
+            <a:lvl6pPr marL="2514600" indent="-228600" algn="l" defTabSz="457200" rtl="0" eaLnBrk="1" latinLnBrk="0" hangingPunct="1">
+              <a:spcBef>
+                <a:spcPts val="1000"/>
+              </a:spcBef>
+              <a:spcAft>
+                <a:spcPts val="0"/>
+              </a:spcAft>
+              <a:buClr>
+                <a:schemeClr val="accent1"/>
+              </a:buClr>
+              <a:buSzPct val="80000"/>
+              <a:buFont typeface="Wingdings 3" charset="2"/>
+              <a:buChar char=""/>
+              <a:defRPr sz="1200" kern="1200">
+                <a:solidFill>
+                  <a:schemeClr val="tx1">
+                    <a:lumMod val="75000"/>
+                    <a:lumOff val="25000"/>
+                  </a:schemeClr>
+                </a:solidFill>
+                <a:latin typeface="+mn-lt"/>
+                <a:ea typeface="+mn-ea"/>
+                <a:cs typeface="+mn-cs"/>
+              </a:defRPr>
+            </a:lvl6pPr>
+            <a:lvl7pPr marL="2971800" indent="-228600" algn="l" defTabSz="457200" rtl="0" eaLnBrk="1" latinLnBrk="0" hangingPunct="1">
+              <a:spcBef>
+                <a:spcPts val="1000"/>
+              </a:spcBef>
+              <a:spcAft>
+                <a:spcPts val="0"/>
+              </a:spcAft>
+              <a:buClr>
+                <a:schemeClr val="accent1"/>
+              </a:buClr>
+              <a:buSzPct val="80000"/>
+              <a:buFont typeface="Wingdings 3" charset="2"/>
+              <a:buChar char=""/>
+              <a:defRPr sz="1200" kern="1200">
+                <a:solidFill>
+                  <a:schemeClr val="tx1">
+                    <a:lumMod val="75000"/>
+                    <a:lumOff val="25000"/>
+                  </a:schemeClr>
+                </a:solidFill>
+                <a:latin typeface="+mn-lt"/>
+                <a:ea typeface="+mn-ea"/>
+                <a:cs typeface="+mn-cs"/>
+              </a:defRPr>
+            </a:lvl7pPr>
+            <a:lvl8pPr marL="3429000" indent="-228600" algn="l" defTabSz="457200" rtl="0" eaLnBrk="1" latinLnBrk="0" hangingPunct="1">
+              <a:spcBef>
+                <a:spcPts val="1000"/>
+              </a:spcBef>
+              <a:spcAft>
+                <a:spcPts val="0"/>
+              </a:spcAft>
+              <a:buClr>
+                <a:schemeClr val="accent1"/>
+              </a:buClr>
+              <a:buSzPct val="80000"/>
+              <a:buFont typeface="Wingdings 3" charset="2"/>
+              <a:buChar char=""/>
+              <a:defRPr sz="1200" kern="1200">
+                <a:solidFill>
+                  <a:schemeClr val="tx1">
+                    <a:lumMod val="75000"/>
+                    <a:lumOff val="25000"/>
+                  </a:schemeClr>
+                </a:solidFill>
+                <a:latin typeface="+mn-lt"/>
+                <a:ea typeface="+mn-ea"/>
+                <a:cs typeface="+mn-cs"/>
+              </a:defRPr>
+            </a:lvl8pPr>
+            <a:lvl9pPr marL="3886200" indent="-228600" algn="l" defTabSz="457200" rtl="0" eaLnBrk="1" latinLnBrk="0" hangingPunct="1">
+              <a:spcBef>
+                <a:spcPts val="1000"/>
+              </a:spcBef>
+              <a:spcAft>
+                <a:spcPts val="0"/>
+              </a:spcAft>
+              <a:buClr>
+                <a:schemeClr val="accent1"/>
+              </a:buClr>
+              <a:buSzPct val="80000"/>
+              <a:buFont typeface="Wingdings 3" charset="2"/>
+              <a:buChar char=""/>
+              <a:defRPr sz="1200" kern="1200">
+                <a:solidFill>
+                  <a:schemeClr val="tx1">
+                    <a:lumMod val="75000"/>
+                    <a:lumOff val="25000"/>
+                  </a:schemeClr>
+                </a:solidFill>
+                <a:latin typeface="+mn-lt"/>
+                <a:ea typeface="+mn-ea"/>
+                <a:cs typeface="+mn-cs"/>
+              </a:defRPr>
+            </a:lvl9pPr>
+          </a:lstStyle>
+          <a:p>
+            <a:r>
+              <a:rPr lang="fr-BE" dirty="0"/>
+              <a:t>Sur la longueur d’onde</a:t>
+            </a:r>
+          </a:p>
+        </p:txBody>
+      </p:sp>
+      <p:pic>
+        <p:nvPicPr>
+          <p:cNvPr id="8" name="Picture 7">
+            <a:extLst>
+              <a:ext uri="{FF2B5EF4-FFF2-40B4-BE49-F238E27FC236}">
+                <a16:creationId xmlns:a16="http://schemas.microsoft.com/office/drawing/2014/main" id="{E3B528EF-496C-9272-39E8-5C71FBCD26D1}"/>
+              </a:ext>
+            </a:extLst>
+          </p:cNvPr>
+          <p:cNvPicPr>
+            <a:picLocks noChangeAspect="1"/>
+          </p:cNvPicPr>
+          <p:nvPr/>
+        </p:nvPicPr>
+        <p:blipFill>
+          <a:blip r:embed="rId2"/>
+          <a:stretch>
+            <a:fillRect/>
+          </a:stretch>
+        </p:blipFill>
+        <p:spPr>
+          <a:xfrm>
+            <a:off x="5383660" y="1930400"/>
+            <a:ext cx="4805528" cy="3604146"/>
+          </a:xfrm>
+          <a:prstGeom prst="rect">
+            <a:avLst/>
+          </a:prstGeom>
+        </p:spPr>
+      </p:pic>
+      <p:pic>
+        <p:nvPicPr>
+          <p:cNvPr id="11" name="Picture 10">
+            <a:extLst>
+              <a:ext uri="{FF2B5EF4-FFF2-40B4-BE49-F238E27FC236}">
+                <a16:creationId xmlns:a16="http://schemas.microsoft.com/office/drawing/2014/main" id="{9A7E344C-80DC-5C46-6B9D-F27E6E7129E2}"/>
+              </a:ext>
+            </a:extLst>
+          </p:cNvPr>
+          <p:cNvPicPr>
+            <a:picLocks noChangeAspect="1"/>
+          </p:cNvPicPr>
+          <p:nvPr/>
+        </p:nvPicPr>
+        <p:blipFill>
+          <a:blip r:embed="rId3"/>
+          <a:stretch>
+            <a:fillRect/>
+          </a:stretch>
+        </p:blipFill>
+        <p:spPr>
+          <a:xfrm>
+            <a:off x="330350" y="2065072"/>
+            <a:ext cx="4805528" cy="3604146"/>
+          </a:xfrm>
+          <a:prstGeom prst="rect">
+            <a:avLst/>
+          </a:prstGeom>
+        </p:spPr>
+      </p:pic>
+    </p:spTree>
+    <p:extLst>
+      <p:ext uri="{BB962C8B-B14F-4D97-AF65-F5344CB8AC3E}">
+        <p14:creationId xmlns:p14="http://schemas.microsoft.com/office/powerpoint/2010/main" val="85269160"/>
+      </p:ext>
+    </p:extLst>
+  </p:cSld>
+  <p:clrMapOvr>
+    <a:masterClrMapping/>
+  </p:clrMapOvr>
+</p:sld>
+</file>
+
+<file path=ppt/slides/slide21.xml><?xml version="1.0" encoding="utf-8"?>
+<p:sld xmlns:a="http://schemas.openxmlformats.org/drawingml/2006/main" xmlns:r="http://schemas.openxmlformats.org/officeDocument/2006/relationships" xmlns:p="http://schemas.openxmlformats.org/presentationml/2006/main">
+  <p:cSld>
+    <p:spTree>
+      <p:nvGrpSpPr>
+        <p:cNvPr id="1" name=""/>
+        <p:cNvGrpSpPr/>
+        <p:nvPr/>
+      </p:nvGrpSpPr>
+      <p:grpSpPr>
+        <a:xfrm>
+          <a:off x="0" y="0"/>
+          <a:ext cx="0" cy="0"/>
+          <a:chOff x="0" y="0"/>
+          <a:chExt cx="0" cy="0"/>
+        </a:xfrm>
+      </p:grpSpPr>
+      <p:sp>
+        <p:nvSpPr>
+          <p:cNvPr id="2" name="Titre 1"/>
+          <p:cNvSpPr>
+            <a:spLocks noGrp="1"/>
+          </p:cNvSpPr>
+          <p:nvPr>
+            <p:ph type="title"/>
+          </p:nvPr>
+        </p:nvSpPr>
+        <p:spPr/>
+        <p:txBody>
+          <a:bodyPr/>
+          <a:lstStyle/>
+          <a:p>
+            <a:r>
+              <a:rPr lang="fr-BE" dirty="0"/>
+              <a:t>Influence de L</a:t>
+            </a:r>
+          </a:p>
+        </p:txBody>
+      </p:sp>
+      <p:sp>
+        <p:nvSpPr>
+          <p:cNvPr id="3" name="Espace réservé du contenu 2"/>
+          <p:cNvSpPr>
+            <a:spLocks noGrp="1"/>
+          </p:cNvSpPr>
+          <p:nvPr>
+            <p:ph idx="1"/>
+          </p:nvPr>
+        </p:nvSpPr>
+        <p:spPr>
+          <a:xfrm>
+            <a:off x="677334" y="1561500"/>
+            <a:ext cx="3169452" cy="1320801"/>
+          </a:xfrm>
+        </p:spPr>
+        <p:txBody>
+          <a:bodyPr/>
+          <a:lstStyle/>
+          <a:p>
+            <a:r>
+              <a:rPr lang="fr-BE" dirty="0"/>
+              <a:t>Sur la stationnarité</a:t>
+            </a:r>
+          </a:p>
+        </p:txBody>
+      </p:sp>
+      <p:sp>
+        <p:nvSpPr>
+          <p:cNvPr id="4" name="Espace réservé du numéro de diapositive 3"/>
+          <p:cNvSpPr>
+            <a:spLocks noGrp="1"/>
+          </p:cNvSpPr>
+          <p:nvPr>
+            <p:ph type="sldNum" sz="quarter" idx="4"/>
+          </p:nvPr>
+        </p:nvSpPr>
+        <p:spPr/>
+        <p:txBody>
+          <a:bodyPr/>
+          <a:lstStyle/>
+          <a:p>
+            <a:fld id="{D57F1E4F-1CFF-5643-939E-217C01CDF565}" type="slidenum">
+              <a:rPr lang="en-US" smtClean="0"/>
+              <a:pPr/>
+              <a:t>21</a:t>
+            </a:fld>
+            <a:endParaRPr lang="en-US" dirty="0"/>
+          </a:p>
+        </p:txBody>
+      </p:sp>
+      <p:sp>
+        <p:nvSpPr>
+          <p:cNvPr id="6" name="TextBox 5">
+            <a:extLst>
+              <a:ext uri="{FF2B5EF4-FFF2-40B4-BE49-F238E27FC236}">
+                <a16:creationId xmlns:a16="http://schemas.microsoft.com/office/drawing/2014/main" id="{53D3A1CC-DF52-9A3F-0BE8-38547DD9A9E5}"/>
+              </a:ext>
+            </a:extLst>
+          </p:cNvPr>
+          <p:cNvSpPr txBox="1"/>
+          <p:nvPr/>
+        </p:nvSpPr>
+        <p:spPr>
+          <a:xfrm>
+            <a:off x="6800850" y="-542925"/>
+            <a:ext cx="184731" cy="369332"/>
+          </a:xfrm>
+          <a:prstGeom prst="rect">
+            <a:avLst/>
+          </a:prstGeom>
+          <a:noFill/>
+        </p:spPr>
+        <p:txBody>
+          <a:bodyPr wrap="none" rtlCol="0">
+            <a:spAutoFit/>
+          </a:bodyPr>
+          <a:lstStyle/>
+          <a:p>
+            <a:endParaRPr lang="en-BE" dirty="0"/>
+          </a:p>
+        </p:txBody>
+      </p:sp>
+      <p:pic>
+        <p:nvPicPr>
+          <p:cNvPr id="8" name="Picture 7">
+            <a:extLst>
+              <a:ext uri="{FF2B5EF4-FFF2-40B4-BE49-F238E27FC236}">
+                <a16:creationId xmlns:a16="http://schemas.microsoft.com/office/drawing/2014/main" id="{DC250CC4-B7C6-220C-0086-7707C544D3A5}"/>
+              </a:ext>
+            </a:extLst>
+          </p:cNvPr>
+          <p:cNvPicPr>
+            <a:picLocks noChangeAspect="1"/>
+          </p:cNvPicPr>
+          <p:nvPr/>
+        </p:nvPicPr>
+        <p:blipFill>
+          <a:blip r:embed="rId2"/>
+          <a:stretch>
+            <a:fillRect/>
+          </a:stretch>
+        </p:blipFill>
+        <p:spPr>
+          <a:xfrm>
+            <a:off x="4131444" y="2257977"/>
+            <a:ext cx="4203262" cy="3152447"/>
+          </a:xfrm>
+          <a:prstGeom prst="rect">
+            <a:avLst/>
+          </a:prstGeom>
+        </p:spPr>
+      </p:pic>
+      <p:pic>
+        <p:nvPicPr>
+          <p:cNvPr id="10" name="Picture 9">
+            <a:extLst>
+              <a:ext uri="{FF2B5EF4-FFF2-40B4-BE49-F238E27FC236}">
+                <a16:creationId xmlns:a16="http://schemas.microsoft.com/office/drawing/2014/main" id="{9A63FF83-9087-FE30-748B-F3CC6C3F5DA9}"/>
+              </a:ext>
+            </a:extLst>
+          </p:cNvPr>
+          <p:cNvPicPr>
+            <a:picLocks noChangeAspect="1"/>
+          </p:cNvPicPr>
+          <p:nvPr/>
+        </p:nvPicPr>
+        <p:blipFill>
+          <a:blip r:embed="rId3"/>
+          <a:stretch>
+            <a:fillRect/>
+          </a:stretch>
+        </p:blipFill>
+        <p:spPr>
+          <a:xfrm>
+            <a:off x="7988738" y="2257977"/>
+            <a:ext cx="4203262" cy="3152447"/>
+          </a:xfrm>
+          <a:prstGeom prst="rect">
+            <a:avLst/>
+          </a:prstGeom>
+        </p:spPr>
+      </p:pic>
+      <p:pic>
+        <p:nvPicPr>
+          <p:cNvPr id="12" name="Picture 11">
+            <a:extLst>
+              <a:ext uri="{FF2B5EF4-FFF2-40B4-BE49-F238E27FC236}">
+                <a16:creationId xmlns:a16="http://schemas.microsoft.com/office/drawing/2014/main" id="{DBB3AB70-5688-EA6F-C3FB-42A5CFB7A687}"/>
+              </a:ext>
+            </a:extLst>
+          </p:cNvPr>
+          <p:cNvPicPr>
+            <a:picLocks noChangeAspect="1"/>
+          </p:cNvPicPr>
+          <p:nvPr/>
+        </p:nvPicPr>
+        <p:blipFill>
+          <a:blip r:embed="rId4"/>
+          <a:stretch>
+            <a:fillRect/>
+          </a:stretch>
+        </p:blipFill>
+        <p:spPr>
+          <a:xfrm>
+            <a:off x="160429" y="2257977"/>
+            <a:ext cx="4203262" cy="3152447"/>
+          </a:xfrm>
+          <a:prstGeom prst="rect">
+            <a:avLst/>
+          </a:prstGeom>
+        </p:spPr>
+      </p:pic>
+    </p:spTree>
+    <p:extLst>
+      <p:ext uri="{BB962C8B-B14F-4D97-AF65-F5344CB8AC3E}">
+        <p14:creationId xmlns:p14="http://schemas.microsoft.com/office/powerpoint/2010/main" val="141093653"/>
+      </p:ext>
+    </p:extLst>
+  </p:cSld>
+  <p:clrMapOvr>
+    <a:masterClrMapping/>
+  </p:clrMapOvr>
+</p:sld>
+</file>
+
+<file path=ppt/slides/slide22.xml><?xml version="1.0" encoding="utf-8"?>
+<p:sld xmlns:a="http://schemas.openxmlformats.org/drawingml/2006/main" xmlns:r="http://schemas.openxmlformats.org/officeDocument/2006/relationships" xmlns:p="http://schemas.openxmlformats.org/presentationml/2006/main">
+  <p:cSld>
+    <p:spTree>
+      <p:nvGrpSpPr>
+        <p:cNvPr id="1" name=""/>
+        <p:cNvGrpSpPr/>
+        <p:nvPr/>
+      </p:nvGrpSpPr>
+      <p:grpSpPr>
+        <a:xfrm>
+          <a:off x="0" y="0"/>
+          <a:ext cx="0" cy="0"/>
+          <a:chOff x="0" y="0"/>
+          <a:chExt cx="0" cy="0"/>
+        </a:xfrm>
+      </p:grpSpPr>
+      <p:sp>
+        <p:nvSpPr>
+          <p:cNvPr id="2" name="Titre 1"/>
+          <p:cNvSpPr>
+            <a:spLocks noGrp="1"/>
+          </p:cNvSpPr>
+          <p:nvPr>
+            <p:ph type="title"/>
+          </p:nvPr>
+        </p:nvSpPr>
+        <p:spPr/>
+        <p:txBody>
+          <a:bodyPr/>
+          <a:lstStyle/>
+          <a:p>
+            <a:r>
+              <a:rPr lang="fr-BE" dirty="0"/>
               <a:t>Caractérisation de la bifurcation</a:t>
             </a:r>
-            <a:endParaRPr lang="fr-BE" dirty="0"/>
           </a:p>
         </p:txBody>
       </p:sp>
@@ -22701,8 +23464,8 @@
         </p:blipFill>
         <p:spPr>
           <a:xfrm>
-            <a:off x="2609850" y="3305175"/>
-            <a:ext cx="4562476" cy="3400425"/>
+            <a:off x="3839560" y="1930399"/>
+            <a:ext cx="5434441" cy="4050303"/>
           </a:xfrm>
         </p:spPr>
       </p:pic>
@@ -22724,29 +23487,262 @@
             <a:fld id="{D57F1E4F-1CFF-5643-939E-217C01CDF565}" type="slidenum">
               <a:rPr lang="en-US" smtClean="0"/>
               <a:pPr/>
-              <a:t>20</a:t>
+              <a:t>22</a:t>
             </a:fld>
             <a:endParaRPr lang="en-US" dirty="0"/>
           </a:p>
         </p:txBody>
       </p:sp>
+      <p:pic>
+        <p:nvPicPr>
+          <p:cNvPr id="7" name="Picture 6">
+            <a:extLst>
+              <a:ext uri="{FF2B5EF4-FFF2-40B4-BE49-F238E27FC236}">
+                <a16:creationId xmlns:a16="http://schemas.microsoft.com/office/drawing/2014/main" id="{E1AFAC4C-B5DD-B96E-1B90-7379F654057B}"/>
+              </a:ext>
+            </a:extLst>
+          </p:cNvPr>
+          <p:cNvPicPr>
+            <a:picLocks noChangeAspect="1"/>
+          </p:cNvPicPr>
+          <p:nvPr/>
+        </p:nvPicPr>
+        <p:blipFill>
+          <a:blip r:embed="rId3"/>
+          <a:stretch>
+            <a:fillRect/>
+          </a:stretch>
+        </p:blipFill>
+        <p:spPr>
+          <a:xfrm>
+            <a:off x="457144" y="1812063"/>
+            <a:ext cx="3079134" cy="990046"/>
+          </a:xfrm>
+          <a:prstGeom prst="rect">
+            <a:avLst/>
+          </a:prstGeom>
+        </p:spPr>
+      </p:pic>
+      <p:pic>
+        <p:nvPicPr>
+          <p:cNvPr id="9" name="Picture 8">
+            <a:extLst>
+              <a:ext uri="{FF2B5EF4-FFF2-40B4-BE49-F238E27FC236}">
+                <a16:creationId xmlns:a16="http://schemas.microsoft.com/office/drawing/2014/main" id="{2D90A20E-2694-0376-204A-E3818155E615}"/>
+              </a:ext>
+            </a:extLst>
+          </p:cNvPr>
+          <p:cNvPicPr>
+            <a:picLocks noChangeAspect="1"/>
+          </p:cNvPicPr>
+          <p:nvPr/>
+        </p:nvPicPr>
+        <p:blipFill>
+          <a:blip r:embed="rId4"/>
+          <a:stretch>
+            <a:fillRect/>
+          </a:stretch>
+        </p:blipFill>
+        <p:spPr>
+          <a:xfrm>
+            <a:off x="1374848" y="3158424"/>
+            <a:ext cx="1243724" cy="668502"/>
+          </a:xfrm>
+          <a:prstGeom prst="rect">
+            <a:avLst/>
+          </a:prstGeom>
+        </p:spPr>
+      </p:pic>
+      <p:pic>
+        <p:nvPicPr>
+          <p:cNvPr id="13" name="Picture 12">
+            <a:extLst>
+              <a:ext uri="{FF2B5EF4-FFF2-40B4-BE49-F238E27FC236}">
+                <a16:creationId xmlns:a16="http://schemas.microsoft.com/office/drawing/2014/main" id="{62E7F444-2153-A44C-3097-8983B0F143A9}"/>
+              </a:ext>
+            </a:extLst>
+          </p:cNvPr>
+          <p:cNvPicPr>
+            <a:picLocks noChangeAspect="1"/>
+          </p:cNvPicPr>
+          <p:nvPr/>
+        </p:nvPicPr>
+        <p:blipFill>
+          <a:blip r:embed="rId5"/>
+          <a:stretch>
+            <a:fillRect/>
+          </a:stretch>
+        </p:blipFill>
+        <p:spPr>
+          <a:xfrm>
+            <a:off x="794312" y="4490859"/>
+            <a:ext cx="2404797" cy="302400"/>
+          </a:xfrm>
+          <a:prstGeom prst="rect">
+            <a:avLst/>
+          </a:prstGeom>
+        </p:spPr>
+      </p:pic>
+      <p:cxnSp>
+        <p:nvCxnSpPr>
+          <p:cNvPr id="15" name="Straight Arrow Connector 14">
+            <a:extLst>
+              <a:ext uri="{FF2B5EF4-FFF2-40B4-BE49-F238E27FC236}">
+                <a16:creationId xmlns:a16="http://schemas.microsoft.com/office/drawing/2014/main" id="{16898465-C459-BC58-15D7-200BC4614C9D}"/>
+              </a:ext>
+            </a:extLst>
+          </p:cNvPr>
+          <p:cNvCxnSpPr>
+            <a:stCxn id="7" idx="2"/>
+            <a:endCxn id="9" idx="0"/>
+          </p:cNvCxnSpPr>
+          <p:nvPr/>
+        </p:nvCxnSpPr>
+        <p:spPr>
+          <a:xfrm flipH="1">
+            <a:off x="1996710" y="2802109"/>
+            <a:ext cx="1" cy="356315"/>
+          </a:xfrm>
+          <a:prstGeom prst="straightConnector1">
+            <a:avLst/>
+          </a:prstGeom>
+          <a:ln>
+            <a:tailEnd type="triangle"/>
+          </a:ln>
+        </p:spPr>
+        <p:style>
+          <a:lnRef idx="1">
+            <a:schemeClr val="accent1"/>
+          </a:lnRef>
+          <a:fillRef idx="0">
+            <a:schemeClr val="accent1"/>
+          </a:fillRef>
+          <a:effectRef idx="0">
+            <a:schemeClr val="accent1"/>
+          </a:effectRef>
+          <a:fontRef idx="minor">
+            <a:schemeClr val="tx1"/>
+          </a:fontRef>
+        </p:style>
+      </p:cxnSp>
+      <p:cxnSp>
+        <p:nvCxnSpPr>
+          <p:cNvPr id="16" name="Straight Arrow Connector 15">
+            <a:extLst>
+              <a:ext uri="{FF2B5EF4-FFF2-40B4-BE49-F238E27FC236}">
+                <a16:creationId xmlns:a16="http://schemas.microsoft.com/office/drawing/2014/main" id="{2A68651A-5FA1-59C6-1C4C-34FD445E2FEC}"/>
+              </a:ext>
+            </a:extLst>
+          </p:cNvPr>
+          <p:cNvCxnSpPr/>
+          <p:nvPr/>
+        </p:nvCxnSpPr>
+        <p:spPr>
+          <a:xfrm flipH="1">
+            <a:off x="1996709" y="3955550"/>
+            <a:ext cx="1" cy="360884"/>
+          </a:xfrm>
+          <a:prstGeom prst="straightConnector1">
+            <a:avLst/>
+          </a:prstGeom>
+          <a:ln>
+            <a:tailEnd type="triangle"/>
+          </a:ln>
+        </p:spPr>
+        <p:style>
+          <a:lnRef idx="1">
+            <a:schemeClr val="accent1"/>
+          </a:lnRef>
+          <a:fillRef idx="0">
+            <a:schemeClr val="accent1"/>
+          </a:fillRef>
+          <a:effectRef idx="0">
+            <a:schemeClr val="accent1"/>
+          </a:effectRef>
+          <a:fontRef idx="minor">
+            <a:schemeClr val="tx1"/>
+          </a:fontRef>
+        </p:style>
+      </p:cxnSp>
+      <p:cxnSp>
+        <p:nvCxnSpPr>
+          <p:cNvPr id="17" name="Straight Arrow Connector 16">
+            <a:extLst>
+              <a:ext uri="{FF2B5EF4-FFF2-40B4-BE49-F238E27FC236}">
+                <a16:creationId xmlns:a16="http://schemas.microsoft.com/office/drawing/2014/main" id="{CE2CE29A-FD0A-5FCB-AD92-F59B165843C1}"/>
+              </a:ext>
+            </a:extLst>
+          </p:cNvPr>
+          <p:cNvCxnSpPr/>
+          <p:nvPr/>
+        </p:nvCxnSpPr>
+        <p:spPr>
+          <a:xfrm flipH="1">
+            <a:off x="1996708" y="5091739"/>
+            <a:ext cx="1" cy="360884"/>
+          </a:xfrm>
+          <a:prstGeom prst="straightConnector1">
+            <a:avLst/>
+          </a:prstGeom>
+          <a:ln>
+            <a:tailEnd type="triangle"/>
+          </a:ln>
+        </p:spPr>
+        <p:style>
+          <a:lnRef idx="1">
+            <a:schemeClr val="accent1"/>
+          </a:lnRef>
+          <a:fillRef idx="0">
+            <a:schemeClr val="accent1"/>
+          </a:fillRef>
+          <a:effectRef idx="0">
+            <a:schemeClr val="accent1"/>
+          </a:effectRef>
+          <a:fontRef idx="minor">
+            <a:schemeClr val="tx1"/>
+          </a:fontRef>
+        </p:style>
+      </p:cxnSp>
+      <p:pic>
+        <p:nvPicPr>
+          <p:cNvPr id="19" name="Picture 18">
+            <a:extLst>
+              <a:ext uri="{FF2B5EF4-FFF2-40B4-BE49-F238E27FC236}">
+                <a16:creationId xmlns:a16="http://schemas.microsoft.com/office/drawing/2014/main" id="{3A31655F-FCF1-FD17-BD3F-37030F8C54C8}"/>
+              </a:ext>
+            </a:extLst>
+          </p:cNvPr>
+          <p:cNvPicPr>
+            <a:picLocks noChangeAspect="1"/>
+          </p:cNvPicPr>
+          <p:nvPr/>
+        </p:nvPicPr>
+        <p:blipFill>
+          <a:blip r:embed="rId6"/>
+          <a:stretch>
+            <a:fillRect/>
+          </a:stretch>
+        </p:blipFill>
+        <p:spPr>
+          <a:xfrm>
+            <a:off x="998910" y="5433759"/>
+            <a:ext cx="1885901" cy="972728"/>
+          </a:xfrm>
+          <a:prstGeom prst="rect">
+            <a:avLst/>
+          </a:prstGeom>
+        </p:spPr>
+      </p:pic>
     </p:spTree>
     <p:extLst>
       <p:ext uri="{BB962C8B-B14F-4D97-AF65-F5344CB8AC3E}">
-        <p14:creationId xmlns:p14="http://schemas.microsoft.com/office/powerpoint/2010/main" val="1352721776"/>
+        <p14:creationId xmlns:p14="http://schemas.microsoft.com/office/powerpoint/2010/main" val="1649133199"/>
       </p:ext>
     </p:extLst>
   </p:cSld>
   <p:clrMapOvr>
     <a:masterClrMapping/>
   </p:clrMapOvr>
-  <p:timing>
-    <p:tnLst>
-      <p:par>
-        <p:cTn id="1" dur="indefinite" restart="never" nodeType="tmRoot"/>
-      </p:par>
-    </p:tnLst>
-  </p:timing>
 </p:sld>
 </file>
 
@@ -22767,8 +23763,8 @@
           <a:chExt cx="0" cy="0"/>
         </a:xfrm>
       </p:grpSpPr>
-      <mc:AlternateContent xmlns:mc="http://schemas.openxmlformats.org/markup-compatibility/2006">
-        <mc:Choice xmlns:a14="http://schemas.microsoft.com/office/drawing/2010/main" Requires="a14">
+      <mc:AlternateContent xmlns:mc="http://schemas.openxmlformats.org/markup-compatibility/2006" xmlns:a14="http://schemas.microsoft.com/office/drawing/2010/main">
+        <mc:Choice Requires="a14">
           <p:sp>
             <p:nvSpPr>
               <p:cNvPr id="2" name="Titre 1"/>
@@ -23089,7 +24085,7 @@
             </p:txBody>
           </p:sp>
         </mc:Choice>
-        <mc:Fallback>
+        <mc:Fallback xmlns="">
           <p:sp>
             <p:nvSpPr>
               <p:cNvPr id="2" name="Titre 1"/>
@@ -23155,7 +24151,7 @@
                   </m:oMath>
                 </a14:m>
                 <a:r>
-                  <a:rPr lang="fr-BE" dirty="0" smtClean="0"/>
+                  <a:rPr lang="fr-BE" dirty="0"/>
                   <a:t> : hauteur de la vague</a:t>
                 </a:r>
               </a:p>
@@ -23202,7 +24198,7 @@
                   </m:oMath>
                 </a14:m>
                 <a:r>
-                  <a:rPr lang="fr-BE" dirty="0" smtClean="0"/>
+                  <a:rPr lang="fr-BE" dirty="0"/>
                   <a:t> : évolution de la hauteur en fonction du temps</a:t>
                 </a:r>
               </a:p>
@@ -23249,16 +24245,8 @@
                   </m:oMath>
                 </a14:m>
                 <a:r>
-                  <a:rPr lang="fr-BE" dirty="0" smtClean="0"/>
-                  <a:t> : effet d’advection et de </a:t>
-                </a:r>
-                <a:r>
                   <a:rPr lang="fr-BE" dirty="0"/>
-                  <a:t>gradient de </a:t>
-                </a:r>
-                <a:r>
-                  <a:rPr lang="fr-BE" dirty="0" smtClean="0"/>
-                  <a:t>pression</a:t>
+                  <a:t> : effet d’advection et de gradient de pression</a:t>
                 </a:r>
               </a:p>
               <a:p>
@@ -23342,16 +24330,8 @@
                   </m:oMath>
                 </a14:m>
                 <a:r>
-                  <a:rPr lang="fr-BE" dirty="0" smtClean="0"/>
-                  <a:t> : </a:t>
-                </a:r>
-                <a:r>
                   <a:rPr lang="fr-BE" dirty="0"/>
-                  <a:t>dissipation </a:t>
-                </a:r>
-                <a:r>
-                  <a:rPr lang="fr-BE" dirty="0" smtClean="0"/>
-                  <a:t>visqueuse</a:t>
+                  <a:t> : dissipation visqueuse</a:t>
                 </a:r>
               </a:p>
             </p:txBody>
@@ -23425,13 +24405,6 @@
   <p:clrMapOvr>
     <a:masterClrMapping/>
   </p:clrMapOvr>
-  <p:timing>
-    <p:tnLst>
-      <p:par>
-        <p:cTn id="1" dur="indefinite" restart="never" nodeType="tmRoot"/>
-      </p:par>
-    </p:tnLst>
-  </p:timing>
 </p:sld>
 </file>
 
@@ -23473,11 +24446,11 @@
           <a:lstStyle/>
           <a:p>
             <a:r>
-              <a:rPr lang="fr-BE" dirty="0" smtClean="0"/>
+              <a:rPr lang="fr-BE" dirty="0"/>
               <a:t>Schéma </a:t>
             </a:r>
             <a:r>
-              <a:rPr lang="fr-BE" dirty="0" err="1" smtClean="0"/>
+              <a:rPr lang="fr-BE" dirty="0" err="1"/>
               <a:t>Upwind</a:t>
             </a:r>
             <a:endParaRPr lang="fr-BE" dirty="0"/>
@@ -23505,32 +24478,20 @@
           <a:lstStyle/>
           <a:p>
             <a:r>
-              <a:rPr lang="fr-BE" dirty="0" smtClean="0"/>
+              <a:rPr lang="fr-BE" dirty="0"/>
               <a:t>Consistance </a:t>
             </a:r>
           </a:p>
           <a:p>
             <a:r>
-              <a:rPr lang="fr-BE" dirty="0" smtClean="0"/>
+              <a:rPr lang="fr-BE" dirty="0"/>
               <a:t>Stencil</a:t>
             </a:r>
           </a:p>
           <a:p>
             <a:r>
               <a:rPr lang="fr-BE" dirty="0"/>
-              <a:t>C</a:t>
-            </a:r>
-            <a:r>
-              <a:rPr lang="fr-BE" dirty="0" smtClean="0"/>
-              <a:t>onditions </a:t>
-            </a:r>
-            <a:r>
-              <a:rPr lang="fr-BE" dirty="0"/>
-              <a:t>de </a:t>
-            </a:r>
-            <a:r>
-              <a:rPr lang="fr-BE" dirty="0" smtClean="0"/>
-              <a:t>stabilité</a:t>
+              <a:t>Conditions de stabilité</a:t>
             </a:r>
           </a:p>
         </p:txBody>
@@ -23654,11 +24615,11 @@
           </a:lstStyle>
           <a:p>
             <a:r>
-              <a:rPr lang="fr-BE" dirty="0" smtClean="0"/>
+              <a:rPr lang="fr-BE" dirty="0"/>
               <a:t>Schéma </a:t>
             </a:r>
             <a:r>
-              <a:rPr lang="fr-BE" dirty="0" err="1" smtClean="0"/>
+              <a:rPr lang="fr-BE" dirty="0" err="1"/>
               <a:t>Leapfrog</a:t>
             </a:r>
             <a:endParaRPr lang="fr-BE" dirty="0"/>
@@ -23915,7 +24876,7 @@
           </a:lstStyle>
           <a:p>
             <a:r>
-              <a:rPr lang="fr-BE" dirty="0" smtClean="0"/>
+              <a:rPr lang="fr-BE" dirty="0"/>
               <a:t>Consistance </a:t>
             </a:r>
           </a:p>
@@ -23924,7 +24885,6 @@
               <a:rPr lang="fr-BE" dirty="0"/>
               <a:t>Ordre de convergence</a:t>
             </a:r>
-            <a:endParaRPr lang="fr-BE" dirty="0" smtClean="0"/>
           </a:p>
         </p:txBody>
       </p:sp>
@@ -23976,13 +24936,6 @@
   <p:clrMapOvr>
     <a:masterClrMapping/>
   </p:clrMapOvr>
-  <p:timing>
-    <p:tnLst>
-      <p:par>
-        <p:cTn id="1" dur="indefinite" restart="never" nodeType="tmRoot"/>
-      </p:par>
-    </p:tnLst>
-  </p:timing>
 </p:sld>
 </file>
 
@@ -24019,18 +24972,17 @@
           <a:lstStyle/>
           <a:p>
             <a:r>
-              <a:rPr lang="fr-BE" dirty="0" smtClean="0"/>
+              <a:rPr lang="fr-BE" dirty="0"/>
               <a:t>Schéma </a:t>
             </a:r>
             <a:r>
-              <a:rPr lang="fr-BE" dirty="0" err="1" smtClean="0"/>
+              <a:rPr lang="fr-BE" dirty="0" err="1"/>
               <a:t>Upwind</a:t>
             </a:r>
             <a:r>
-              <a:rPr lang="fr-BE" dirty="0" smtClean="0"/>
+              <a:rPr lang="fr-BE" dirty="0"/>
               <a:t> : consistance</a:t>
             </a:r>
-            <a:endParaRPr lang="fr-BE" dirty="0"/>
           </a:p>
         </p:txBody>
       </p:sp>
@@ -24058,8 +25010,8 @@
           </a:p>
         </p:txBody>
       </p:sp>
-      <mc:AlternateContent xmlns:mc="http://schemas.openxmlformats.org/markup-compatibility/2006">
-        <mc:Choice xmlns:a14="http://schemas.microsoft.com/office/drawing/2010/main" Requires="a14">
+      <mc:AlternateContent xmlns:mc="http://schemas.openxmlformats.org/markup-compatibility/2006" xmlns:a14="http://schemas.microsoft.com/office/drawing/2010/main">
+        <mc:Choice Requires="a14">
           <p:sp>
             <p:nvSpPr>
               <p:cNvPr id="7" name="Espace réservé du contenu 2"/>
@@ -24081,7 +25033,7 @@
               <a:lstStyle/>
               <a:p>
                 <a:r>
-                  <a:rPr lang="fr-BE" dirty="0" smtClean="0"/>
+                  <a:rPr lang="fr-BE" dirty="0"/>
                   <a:t>Discrétisation</a:t>
                 </a:r>
               </a:p>
@@ -24455,7 +25407,7 @@
                     </m:oMath>
                   </m:oMathPara>
                 </a14:m>
-                <a:endParaRPr lang="fr-BE" i="1" dirty="0" smtClean="0">
+                <a:endParaRPr lang="fr-BE" i="1" dirty="0">
                   <a:solidFill>
                     <a:schemeClr val="tx1">
                       <a:lumMod val="85000"/>
@@ -24470,7 +25422,7 @@
                   <a:buNone/>
                 </a:pPr>
                 <a:r>
-                  <a:rPr lang="fr-BE" dirty="0" smtClean="0">
+                  <a:rPr lang="fr-BE" dirty="0">
                     <a:sym typeface="Wingdings" panose="05000000000000000000" pitchFamily="2" charset="2"/>
                   </a:rPr>
                   <a:t> </a:t>
@@ -25140,11 +26092,11 @@
                     </m:r>
                   </m:oMath>
                 </a14:m>
-                <a:endParaRPr lang="fr-BE" dirty="0" smtClean="0"/>
+                <a:endParaRPr lang="fr-BE" dirty="0"/>
               </a:p>
               <a:p>
                 <a:r>
-                  <a:rPr lang="fr-BE" dirty="0" smtClean="0"/>
+                  <a:rPr lang="fr-BE" dirty="0"/>
                   <a:t>Consistance</a:t>
                 </a:r>
               </a:p>
@@ -25153,18 +26105,18 @@
                   <a:buNone/>
                 </a:pPr>
                 <a:r>
-                  <a:rPr lang="fr-BE" dirty="0" smtClean="0"/>
+                  <a:rPr lang="fr-BE" dirty="0"/>
                   <a:t>L’erreur de troncature </a:t>
                 </a:r>
                 <a:r>
-                  <a:rPr lang="el-GR" dirty="0" smtClean="0">
+                  <a:rPr lang="el-GR" dirty="0">
                     <a:latin typeface="Calibri" panose="020F0502020204030204" pitchFamily="34" charset="0"/>
                     <a:cs typeface="Calibri" panose="020F0502020204030204" pitchFamily="34" charset="0"/>
                   </a:rPr>
                   <a:t>τ</a:t>
                 </a:r>
                 <a:r>
-                  <a:rPr lang="fr-BE" dirty="0" smtClean="0">
+                  <a:rPr lang="fr-BE" dirty="0">
                     <a:latin typeface="Calibri" panose="020F0502020204030204" pitchFamily="34" charset="0"/>
                     <a:cs typeface="Calibri" panose="020F0502020204030204" pitchFamily="34" charset="0"/>
                   </a:rPr>
@@ -25211,7 +26163,7 @@
                   </m:oMath>
                 </a14:m>
                 <a:r>
-                  <a:rPr lang="fr-BE" dirty="0" smtClean="0"/>
+                  <a:rPr lang="fr-BE" dirty="0"/>
                   <a:t>.</a:t>
                 </a:r>
               </a:p>
@@ -25267,11 +26219,7 @@
                 </a14:m>
                 <a:r>
                   <a:rPr lang="fr-BE" dirty="0"/>
-                  <a:t>, l’erreur de </a:t>
-                </a:r>
-                <a:r>
-                  <a:rPr lang="fr-BE" dirty="0" smtClean="0"/>
-                  <a:t>troncature </a:t>
+                  <a:t>, l’erreur de troncature </a:t>
                 </a:r>
                 <a:r>
                   <a:rPr lang="el-GR" dirty="0">
@@ -25281,12 +26229,8 @@
                   <a:t>τ</a:t>
                 </a:r>
                 <a:r>
-                  <a:rPr lang="fr-BE" dirty="0" smtClean="0"/>
-                  <a:t> </a:t>
-                </a:r>
-                <a:r>
                   <a:rPr lang="fr-BE" dirty="0"/>
-                  <a:t>tend vers </a:t>
+                  <a:t> tend vers </a:t>
                 </a:r>
                 <a14:m>
                   <m:oMath xmlns:m="http://schemas.openxmlformats.org/officeDocument/2006/math">
@@ -25306,7 +26250,7 @@
             </p:txBody>
           </p:sp>
         </mc:Choice>
-        <mc:Fallback>
+        <mc:Fallback xmlns="">
           <p:sp>
             <p:nvSpPr>
               <p:cNvPr id="7" name="Espace réservé du contenu 2"/>
@@ -25354,13 +26298,6 @@
   <p:clrMapOvr>
     <a:masterClrMapping/>
   </p:clrMapOvr>
-  <p:timing>
-    <p:tnLst>
-      <p:par>
-        <p:cTn id="1" dur="indefinite" restart="never" nodeType="tmRoot"/>
-      </p:par>
-    </p:tnLst>
-  </p:timing>
 </p:sld>
 </file>
 
@@ -25521,18 +26458,17 @@
           <a:lstStyle/>
           <a:p>
             <a:r>
-              <a:rPr lang="fr-BE" dirty="0" smtClean="0"/>
+              <a:rPr lang="fr-BE" dirty="0"/>
               <a:t>Schéma </a:t>
             </a:r>
             <a:r>
-              <a:rPr lang="fr-BE" dirty="0" err="1" smtClean="0"/>
+              <a:rPr lang="fr-BE" dirty="0" err="1"/>
               <a:t>Upwind</a:t>
             </a:r>
             <a:r>
-              <a:rPr lang="fr-BE" dirty="0" smtClean="0"/>
+              <a:rPr lang="fr-BE" dirty="0"/>
               <a:t> : stencil</a:t>
             </a:r>
-            <a:endParaRPr lang="fr-BE" dirty="0"/>
           </a:p>
         </p:txBody>
       </p:sp>
@@ -25656,8 +26592,8 @@
           </a:p>
         </p:txBody>
       </p:sp>
-      <mc:AlternateContent xmlns:mc="http://schemas.openxmlformats.org/markup-compatibility/2006">
-        <mc:Choice xmlns:a14="http://schemas.microsoft.com/office/drawing/2010/main" Requires="a14">
+      <mc:AlternateContent xmlns:mc="http://schemas.openxmlformats.org/markup-compatibility/2006" xmlns:a14="http://schemas.microsoft.com/office/drawing/2010/main">
+        <mc:Choice Requires="a14">
           <p:sp>
             <p:nvSpPr>
               <p:cNvPr id="8" name="ZoneTexte 7"/>
@@ -25999,7 +26935,7 @@
             </p:txBody>
           </p:sp>
         </mc:Choice>
-        <mc:Fallback>
+        <mc:Fallback xmlns="">
           <p:sp>
             <p:nvSpPr>
               <p:cNvPr id="8" name="ZoneTexte 7"/>
@@ -26038,8 +26974,8 @@
           </p:sp>
         </mc:Fallback>
       </mc:AlternateContent>
-      <mc:AlternateContent xmlns:mc="http://schemas.openxmlformats.org/markup-compatibility/2006">
-        <mc:Choice xmlns:a14="http://schemas.microsoft.com/office/drawing/2010/main" Requires="a14">
+      <mc:AlternateContent xmlns:mc="http://schemas.openxmlformats.org/markup-compatibility/2006" xmlns:a14="http://schemas.microsoft.com/office/drawing/2010/main">
+        <mc:Choice Requires="a14">
           <p:sp>
             <p:nvSpPr>
               <p:cNvPr id="9" name="ZoneTexte 8"/>
@@ -26242,7 +27178,7 @@
             </p:txBody>
           </p:sp>
         </mc:Choice>
-        <mc:Fallback>
+        <mc:Fallback xmlns="">
           <p:sp>
             <p:nvSpPr>
               <p:cNvPr id="9" name="ZoneTexte 8"/>
@@ -26281,8 +27217,8 @@
           </p:sp>
         </mc:Fallback>
       </mc:AlternateContent>
-      <mc:AlternateContent xmlns:mc="http://schemas.openxmlformats.org/markup-compatibility/2006">
-        <mc:Choice xmlns:a14="http://schemas.microsoft.com/office/drawing/2010/main" Requires="a14">
+      <mc:AlternateContent xmlns:mc="http://schemas.openxmlformats.org/markup-compatibility/2006" xmlns:a14="http://schemas.microsoft.com/office/drawing/2010/main">
+        <mc:Choice Requires="a14">
           <p:sp>
             <p:nvSpPr>
               <p:cNvPr id="10" name="ZoneTexte 9"/>
@@ -26832,7 +27768,7 @@
             </p:txBody>
           </p:sp>
         </mc:Choice>
-        <mc:Fallback>
+        <mc:Fallback xmlns="">
           <p:sp>
             <p:nvSpPr>
               <p:cNvPr id="10" name="ZoneTexte 9"/>
@@ -26975,7 +27911,7 @@
         </p:nvSpPr>
         <p:spPr>
           <a:xfrm>
-            <a:off x="7614282" y="4412870"/>
+            <a:off x="7624792" y="4412870"/>
             <a:ext cx="516706" cy="428071"/>
           </a:xfrm>
           <a:prstGeom prst="rect">
@@ -27436,18 +28372,17 @@
           <a:lstStyle/>
           <a:p>
             <a:r>
-              <a:rPr lang="fr-BE" dirty="0" smtClean="0"/>
+              <a:rPr lang="fr-BE" dirty="0"/>
               <a:t>Schéma </a:t>
             </a:r>
             <a:r>
-              <a:rPr lang="fr-BE" dirty="0" err="1" smtClean="0"/>
+              <a:rPr lang="fr-BE" dirty="0" err="1"/>
               <a:t>Upwind</a:t>
             </a:r>
             <a:r>
-              <a:rPr lang="fr-BE" dirty="0" smtClean="0"/>
+              <a:rPr lang="fr-BE" dirty="0"/>
               <a:t> : stabilité</a:t>
             </a:r>
-            <a:endParaRPr lang="fr-BE" dirty="0"/>
           </a:p>
         </p:txBody>
       </p:sp>
@@ -27475,8 +28410,8 @@
           </a:p>
         </p:txBody>
       </p:sp>
-      <mc:AlternateContent xmlns:mc="http://schemas.openxmlformats.org/markup-compatibility/2006">
-        <mc:Choice xmlns:a14="http://schemas.microsoft.com/office/drawing/2010/main" Requires="a14">
+      <mc:AlternateContent xmlns:mc="http://schemas.openxmlformats.org/markup-compatibility/2006" xmlns:a14="http://schemas.microsoft.com/office/drawing/2010/main">
+        <mc:Choice Requires="a14">
           <p:sp>
             <p:nvSpPr>
               <p:cNvPr id="8" name="ZoneTexte 7"/>
@@ -27931,19 +28866,7 @@
                                   </a:solidFill>
                                   <a:latin typeface="Cambria Math" panose="02040503050406030204" pitchFamily="18" charset="0"/>
                                 </a:rPr>
-                                <m:t>−1</m:t>
-                              </m:r>
-                              <m:r>
-                                <a:rPr lang="fr-BE" i="1">
-                                  <a:solidFill>
-                                    <a:schemeClr val="tx1">
-                                      <a:lumMod val="85000"/>
-                                      <a:lumOff val="15000"/>
-                                    </a:schemeClr>
-                                  </a:solidFill>
-                                  <a:latin typeface="Cambria Math" panose="02040503050406030204" pitchFamily="18" charset="0"/>
-                                </a:rPr>
-                                <m:t>,</m:t>
+                                <m:t>−1,</m:t>
                               </m:r>
                               <m:r>
                                 <a:rPr lang="fr-BE" i="1">
@@ -28244,19 +29167,7 @@
                               </a:solidFill>
                               <a:latin typeface="Cambria Math" panose="02040503050406030204" pitchFamily="18" charset="0"/>
                             </a:rPr>
-                            <m:t>+1</m:t>
-                          </m:r>
-                          <m:r>
-                            <a:rPr lang="fr-BE" i="1">
-                              <a:solidFill>
-                                <a:schemeClr val="tx1">
-                                  <a:lumMod val="85000"/>
-                                  <a:lumOff val="15000"/>
-                                </a:schemeClr>
-                              </a:solidFill>
-                              <a:latin typeface="Cambria Math" panose="02040503050406030204" pitchFamily="18" charset="0"/>
-                            </a:rPr>
-                            <m:t>,</m:t>
+                            <m:t>+1,</m:t>
                           </m:r>
                           <m:r>
                             <a:rPr lang="fr-BE" i="1">
@@ -28335,19 +29246,7 @@
                               </a:solidFill>
                               <a:latin typeface="Cambria Math" panose="02040503050406030204" pitchFamily="18" charset="0"/>
                             </a:rPr>
-                            <m:t>−1</m:t>
-                          </m:r>
-                          <m:r>
-                            <a:rPr lang="fr-BE" i="1">
-                              <a:solidFill>
-                                <a:schemeClr val="tx1">
-                                  <a:lumMod val="85000"/>
-                                  <a:lumOff val="15000"/>
-                                </a:schemeClr>
-                              </a:solidFill>
-                              <a:latin typeface="Cambria Math" panose="02040503050406030204" pitchFamily="18" charset="0"/>
-                            </a:rPr>
-                            <m:t>,</m:t>
+                            <m:t>−1,</m:t>
                           </m:r>
                           <m:r>
                             <a:rPr lang="fr-BE" i="1">
@@ -28426,19 +29325,7 @@
                               </a:solidFill>
                               <a:latin typeface="Cambria Math" panose="02040503050406030204" pitchFamily="18" charset="0"/>
                             </a:rPr>
-                            <m:t>−2</m:t>
-                          </m:r>
-                          <m:r>
-                            <a:rPr lang="fr-BE" i="1">
-                              <a:solidFill>
-                                <a:schemeClr val="tx1">
-                                  <a:lumMod val="85000"/>
-                                  <a:lumOff val="15000"/>
-                                </a:schemeClr>
-                              </a:solidFill>
-                              <a:latin typeface="Cambria Math" panose="02040503050406030204" pitchFamily="18" charset="0"/>
-                            </a:rPr>
-                            <m:t>,</m:t>
+                            <m:t>−2,</m:t>
                           </m:r>
                           <m:r>
                             <a:rPr lang="fr-BE" i="1">
@@ -28481,7 +29368,7 @@
             </p:txBody>
           </p:sp>
         </mc:Choice>
-        <mc:Fallback>
+        <mc:Fallback xmlns="">
           <p:sp>
             <p:nvSpPr>
               <p:cNvPr id="8" name="ZoneTexte 7"/>
@@ -28520,8 +29407,8 @@
           </p:sp>
         </mc:Fallback>
       </mc:AlternateContent>
-      <mc:AlternateContent xmlns:mc="http://schemas.openxmlformats.org/markup-compatibility/2006">
-        <mc:Choice xmlns:a14="http://schemas.microsoft.com/office/drawing/2010/main" Requires="a14">
+      <mc:AlternateContent xmlns:mc="http://schemas.openxmlformats.org/markup-compatibility/2006" xmlns:a14="http://schemas.microsoft.com/office/drawing/2010/main">
+        <mc:Choice Requires="a14">
           <p:sp>
             <p:nvSpPr>
               <p:cNvPr id="9" name="Espace réservé du contenu 2"/>
@@ -28775,7 +29662,7 @@
                   <a:buNone/>
                 </a:pPr>
                 <a:r>
-                  <a:rPr lang="fr-BE" dirty="0" smtClean="0"/>
+                  <a:rPr lang="fr-BE" dirty="0"/>
                   <a:t>Avec :</a:t>
                 </a:r>
               </a:p>
@@ -28853,7 +29740,7 @@
                   </m:oMath>
                 </a14:m>
                 <a:r>
-                  <a:rPr lang="fr-BE" dirty="0" smtClean="0"/>
+                  <a:rPr lang="fr-BE" dirty="0"/>
                   <a:t>(constant)</a:t>
                 </a:r>
               </a:p>
@@ -28980,7 +29867,7 @@
                     </m:sSup>
                   </m:oMath>
                 </a14:m>
-                <a:endParaRPr lang="fr-BE" b="0" dirty="0" smtClean="0"/>
+                <a:endParaRPr lang="fr-BE" b="0" dirty="0"/>
               </a:p>
               <a:p>
                 <a14:m>
@@ -29068,12 +29955,12 @@
                     </m:sSub>
                   </m:oMath>
                 </a14:m>
-                <a:endParaRPr lang="fr-BE" dirty="0" smtClean="0"/>
+                <a:endParaRPr lang="fr-BE" dirty="0"/>
               </a:p>
             </p:txBody>
           </p:sp>
         </mc:Choice>
-        <mc:Fallback>
+        <mc:Fallback xmlns="">
           <p:sp>
             <p:nvSpPr>
               <p:cNvPr id="9" name="Espace réservé du contenu 2"/>
@@ -29112,8 +29999,8 @@
           </p:sp>
         </mc:Fallback>
       </mc:AlternateContent>
-      <mc:AlternateContent xmlns:mc="http://schemas.openxmlformats.org/markup-compatibility/2006">
-        <mc:Choice xmlns:a14="http://schemas.microsoft.com/office/drawing/2010/main" Requires="a14">
+      <mc:AlternateContent xmlns:mc="http://schemas.openxmlformats.org/markup-compatibility/2006" xmlns:a14="http://schemas.microsoft.com/office/drawing/2010/main">
+        <mc:Choice Requires="a14">
           <p:sp>
             <p:nvSpPr>
               <p:cNvPr id="3" name="Rectangle 2"/>
@@ -29135,6 +30022,7 @@
               </a:bodyPr>
               <a:lstStyle/>
               <a:p>
+                <a:pPr/>
                 <a14:m>
                   <m:oMathPara xmlns:m="http://schemas.openxmlformats.org/officeDocument/2006/math">
                     <m:oMathParaPr>
@@ -29157,19 +30045,7 @@
                         <a:rPr lang="fr-BE" i="1">
                           <a:latin typeface="Cambria Math" panose="02040503050406030204" pitchFamily="18" charset="0"/>
                         </a:rPr>
-                        <m:t>=</m:t>
-                      </m:r>
-                      <m:r>
-                        <a:rPr lang="fr-BE" i="1">
-                          <a:latin typeface="Cambria Math" panose="02040503050406030204" pitchFamily="18" charset="0"/>
-                        </a:rPr>
-                        <m:t>1</m:t>
-                      </m:r>
-                      <m:r>
-                        <a:rPr lang="fr-BE" i="1">
-                          <a:latin typeface="Cambria Math" panose="02040503050406030204" pitchFamily="18" charset="0"/>
-                        </a:rPr>
-                        <m:t>−</m:t>
+                        <m:t>=1−</m:t>
                       </m:r>
                       <m:r>
                         <a:rPr lang="fr-BE" i="1">
@@ -29402,11 +30278,11 @@
                     </m:oMath>
                   </m:oMathPara>
                 </a14:m>
-                <a:endParaRPr lang="fr-BE" dirty="0" smtClean="0"/>
+                <a:endParaRPr lang="fr-BE" dirty="0"/>
               </a:p>
               <a:p>
                 <a:r>
-                  <a:rPr lang="fr-BE" dirty="0" smtClean="0"/>
+                  <a:rPr lang="fr-BE" dirty="0"/>
                   <a:t>Où </a:t>
                 </a:r>
                 <a14:m>
@@ -29476,7 +30352,7 @@
                   </m:oMath>
                 </a14:m>
                 <a:r>
-                  <a:rPr lang="fr-BE" dirty="0" smtClean="0"/>
+                  <a:rPr lang="fr-BE" dirty="0"/>
                   <a:t> et </a:t>
                 </a:r>
                 <a14:m>
@@ -29575,7 +30451,7 @@
             </p:txBody>
           </p:sp>
         </mc:Choice>
-        <mc:Fallback>
+        <mc:Fallback xmlns="">
           <p:sp>
             <p:nvSpPr>
               <p:cNvPr id="3" name="Rectangle 2"/>
@@ -29614,8 +30490,8 @@
           </p:sp>
         </mc:Fallback>
       </mc:AlternateContent>
-      <mc:AlternateContent xmlns:mc="http://schemas.openxmlformats.org/markup-compatibility/2006">
-        <mc:Choice xmlns:a14="http://schemas.microsoft.com/office/drawing/2010/main" Requires="a14">
+      <mc:AlternateContent xmlns:mc="http://schemas.openxmlformats.org/markup-compatibility/2006" xmlns:a14="http://schemas.microsoft.com/office/drawing/2010/main">
+        <mc:Choice Requires="a14">
           <p:sp>
             <p:nvSpPr>
               <p:cNvPr id="11" name="Rectangle 10"/>
@@ -29637,6 +30513,7 @@
               </a:bodyPr>
               <a:lstStyle/>
               <a:p>
+                <a:pPr/>
                 <a14:m>
                   <m:oMathPara xmlns:m="http://schemas.openxmlformats.org/officeDocument/2006/math">
                     <m:oMathParaPr>
@@ -29688,7 +30565,7 @@
             </p:txBody>
           </p:sp>
         </mc:Choice>
-        <mc:Fallback>
+        <mc:Fallback xmlns="">
           <p:sp>
             <p:nvSpPr>
               <p:cNvPr id="11" name="Rectangle 10"/>
@@ -29926,18 +30803,17 @@
           <a:lstStyle/>
           <a:p>
             <a:r>
-              <a:rPr lang="fr-BE" dirty="0" smtClean="0"/>
+              <a:rPr lang="fr-BE" dirty="0"/>
               <a:t>Schéma </a:t>
             </a:r>
             <a:r>
-              <a:rPr lang="fr-BE" dirty="0" err="1" smtClean="0"/>
+              <a:rPr lang="fr-BE" dirty="0" err="1"/>
               <a:t>Upwind</a:t>
             </a:r>
             <a:r>
-              <a:rPr lang="fr-BE" dirty="0" smtClean="0"/>
+              <a:rPr lang="fr-BE" dirty="0"/>
               <a:t> : stabilité</a:t>
             </a:r>
-            <a:endParaRPr lang="fr-BE" dirty="0"/>
           </a:p>
         </p:txBody>
       </p:sp>
@@ -29965,8 +30841,8 @@
           </a:p>
         </p:txBody>
       </p:sp>
-      <mc:AlternateContent xmlns:mc="http://schemas.openxmlformats.org/markup-compatibility/2006">
-        <mc:Choice xmlns:a14="http://schemas.microsoft.com/office/drawing/2010/main" Requires="a14">
+      <mc:AlternateContent xmlns:mc="http://schemas.openxmlformats.org/markup-compatibility/2006" xmlns:a14="http://schemas.microsoft.com/office/drawing/2010/main">
+        <mc:Choice Requires="a14">
           <p:sp>
             <p:nvSpPr>
               <p:cNvPr id="3" name="Rectangle 2"/>
@@ -29988,6 +30864,7 @@
               </a:bodyPr>
               <a:lstStyle/>
               <a:p>
+                <a:pPr/>
                 <a14:m>
                   <m:oMathPara xmlns:m="http://schemas.openxmlformats.org/officeDocument/2006/math">
                     <m:oMathParaPr>
@@ -30010,19 +30887,7 @@
                         <a:rPr lang="fr-BE" i="1">
                           <a:latin typeface="Cambria Math" panose="02040503050406030204" pitchFamily="18" charset="0"/>
                         </a:rPr>
-                        <m:t>=</m:t>
-                      </m:r>
-                      <m:r>
-                        <a:rPr lang="fr-BE" i="1">
-                          <a:latin typeface="Cambria Math" panose="02040503050406030204" pitchFamily="18" charset="0"/>
-                        </a:rPr>
-                        <m:t>1</m:t>
-                      </m:r>
-                      <m:r>
-                        <a:rPr lang="fr-BE" i="1">
-                          <a:latin typeface="Cambria Math" panose="02040503050406030204" pitchFamily="18" charset="0"/>
-                        </a:rPr>
-                        <m:t>−</m:t>
+                        <m:t>=1−</m:t>
                       </m:r>
                       <m:r>
                         <a:rPr lang="fr-BE" i="1">
@@ -30255,11 +31120,11 @@
                     </m:oMath>
                   </m:oMathPara>
                 </a14:m>
-                <a:endParaRPr lang="fr-BE" dirty="0" smtClean="0"/>
+                <a:endParaRPr lang="fr-BE" dirty="0"/>
               </a:p>
               <a:p>
                 <a:r>
-                  <a:rPr lang="fr-BE" dirty="0" smtClean="0"/>
+                  <a:rPr lang="fr-BE" dirty="0"/>
                   <a:t>Où </a:t>
                 </a:r>
                 <a14:m>
@@ -30329,7 +31194,7 @@
                   </m:oMath>
                 </a14:m>
                 <a:r>
-                  <a:rPr lang="fr-BE" dirty="0" smtClean="0"/>
+                  <a:rPr lang="fr-BE" dirty="0"/>
                   <a:t> et </a:t>
                 </a:r>
                 <a14:m>
@@ -30428,7 +31293,7 @@
             </p:txBody>
           </p:sp>
         </mc:Choice>
-        <mc:Fallback>
+        <mc:Fallback xmlns="">
           <p:sp>
             <p:nvSpPr>
               <p:cNvPr id="3" name="Rectangle 2"/>
@@ -30467,8 +31332,8 @@
           </p:sp>
         </mc:Fallback>
       </mc:AlternateContent>
-      <mc:AlternateContent xmlns:mc="http://schemas.openxmlformats.org/markup-compatibility/2006">
-        <mc:Choice xmlns:a14="http://schemas.microsoft.com/office/drawing/2010/main" Requires="a14">
+      <mc:AlternateContent xmlns:mc="http://schemas.openxmlformats.org/markup-compatibility/2006" xmlns:a14="http://schemas.microsoft.com/office/drawing/2010/main">
+        <mc:Choice Requires="a14">
           <p:sp>
             <p:nvSpPr>
               <p:cNvPr id="11" name="Rectangle 10"/>
@@ -30490,6 +31355,7 @@
               </a:bodyPr>
               <a:lstStyle/>
               <a:p>
+                <a:pPr/>
                 <a14:m>
                   <m:oMathPara xmlns:m="http://schemas.openxmlformats.org/officeDocument/2006/math">
                     <m:oMathParaPr>
@@ -30541,7 +31407,7 @@
             </p:txBody>
           </p:sp>
         </mc:Choice>
-        <mc:Fallback>
+        <mc:Fallback xmlns="">
           <p:sp>
             <p:nvSpPr>
               <p:cNvPr id="11" name="Rectangle 10"/>
@@ -30590,13 +31456,6 @@
   <p:clrMapOvr>
     <a:masterClrMapping/>
   </p:clrMapOvr>
-  <p:timing>
-    <p:tnLst>
-      <p:par>
-        <p:cTn id="1" dur="indefinite" restart="never" nodeType="tmRoot"/>
-      </p:par>
-    </p:tnLst>
-  </p:timing>
 </p:sld>
 </file>
 
@@ -30662,18 +31521,17 @@
           <a:lstStyle/>
           <a:p>
             <a:r>
-              <a:rPr lang="fr-BE" dirty="0" smtClean="0"/>
+              <a:rPr lang="fr-BE" dirty="0"/>
               <a:t>Schéma </a:t>
             </a:r>
             <a:r>
-              <a:rPr lang="fr-BE" dirty="0" err="1" smtClean="0"/>
+              <a:rPr lang="fr-BE" dirty="0" err="1"/>
               <a:t>Upwind</a:t>
             </a:r>
             <a:r>
-              <a:rPr lang="fr-BE" dirty="0" smtClean="0"/>
+              <a:rPr lang="fr-BE" dirty="0"/>
               <a:t> : stabilité</a:t>
             </a:r>
-            <a:endParaRPr lang="fr-BE" dirty="0"/>
           </a:p>
         </p:txBody>
       </p:sp>
@@ -30701,8 +31559,8 @@
           </a:p>
         </p:txBody>
       </p:sp>
-      <mc:AlternateContent xmlns:mc="http://schemas.openxmlformats.org/markup-compatibility/2006">
-        <mc:Choice xmlns:a14="http://schemas.microsoft.com/office/drawing/2010/main" Requires="a14">
+      <mc:AlternateContent xmlns:mc="http://schemas.openxmlformats.org/markup-compatibility/2006" xmlns:a14="http://schemas.microsoft.com/office/drawing/2010/main">
+        <mc:Choice Requires="a14">
           <p:sp>
             <p:nvSpPr>
               <p:cNvPr id="3" name="Rectangle 2"/>
@@ -30725,14 +31583,15 @@
               <a:lstStyle/>
               <a:p>
                 <a:r>
-                  <a:rPr lang="fr-BE" dirty="0" smtClean="0"/>
+                  <a:rPr lang="fr-BE" dirty="0"/>
                   <a:t>Pour avoir une condition réelle :</a:t>
                 </a:r>
-                <a:endParaRPr lang="fr-BE" i="1" dirty="0" smtClean="0">
+                <a:endParaRPr lang="fr-BE" i="1" dirty="0">
                   <a:latin typeface="Cambria Math" panose="02040503050406030204" pitchFamily="18" charset="0"/>
                 </a:endParaRPr>
               </a:p>
               <a:p>
+                <a:pPr/>
                 <a14:m>
                   <m:oMathPara xmlns:m="http://schemas.openxmlformats.org/officeDocument/2006/math">
                     <m:oMathParaPr>
@@ -30841,12 +31700,12 @@
                     </m:oMath>
                   </m:oMathPara>
                 </a14:m>
-                <a:endParaRPr lang="fr-BE" dirty="0" smtClean="0"/>
+                <a:endParaRPr lang="fr-BE" dirty="0"/>
               </a:p>
             </p:txBody>
           </p:sp>
         </mc:Choice>
-        <mc:Fallback>
+        <mc:Fallback xmlns="">
           <p:sp>
             <p:nvSpPr>
               <p:cNvPr id="3" name="Rectangle 2"/>
@@ -30885,8 +31744,8 @@
           </p:sp>
         </mc:Fallback>
       </mc:AlternateContent>
-      <mc:AlternateContent xmlns:mc="http://schemas.openxmlformats.org/markup-compatibility/2006">
-        <mc:Choice xmlns:a14="http://schemas.microsoft.com/office/drawing/2010/main" Requires="a14">
+      <mc:AlternateContent xmlns:mc="http://schemas.openxmlformats.org/markup-compatibility/2006" xmlns:a14="http://schemas.microsoft.com/office/drawing/2010/main">
+        <mc:Choice Requires="a14">
           <p:sp>
             <p:nvSpPr>
               <p:cNvPr id="9" name="Rectangle 8"/>
@@ -30963,13 +31822,7 @@
                         <a:rPr lang="fr-BE" i="1">
                           <a:latin typeface="Cambria Math" panose="02040503050406030204" pitchFamily="18" charset="0"/>
                         </a:rPr>
-                        <m:t>1</m:t>
-                      </m:r>
-                      <m:r>
-                        <a:rPr lang="fr-BE" i="1">
-                          <a:latin typeface="Cambria Math" panose="02040503050406030204" pitchFamily="18" charset="0"/>
-                        </a:rPr>
-                        <m:t>−</m:t>
+                        <m:t>1−</m:t>
                       </m:r>
                       <m:d>
                         <m:dPr>
@@ -31103,14 +31956,13 @@
                     </m:oMath>
                   </m:oMathPara>
                 </a14:m>
-                <a:endParaRPr lang="fr-BE" i="1" dirty="0" smtClean="0">
+                <a:endParaRPr lang="fr-BE" i="1" dirty="0">
                   <a:latin typeface="Cambria Math" panose="02040503050406030204" pitchFamily="18" charset="0"/>
                 </a:endParaRPr>
               </a:p>
               <a:p>
-                <a:pPr/>
                 <a:r>
-                  <a:rPr lang="fr-BE" b="0" dirty="0" smtClean="0"/>
+                  <a:rPr lang="fr-BE" b="0" dirty="0"/>
                   <a:t>	     </a:t>
                 </a:r>
                 <a14:m>
@@ -31367,11 +32219,11 @@
                     </m:d>
                   </m:oMath>
                 </a14:m>
-                <a:endParaRPr lang="fr-BE" dirty="0" smtClean="0"/>
+                <a:endParaRPr lang="fr-BE" dirty="0"/>
               </a:p>
               <a:p>
                 <a:r>
-                  <a:rPr lang="fr-BE" dirty="0" smtClean="0"/>
+                  <a:rPr lang="fr-BE" dirty="0"/>
                   <a:t>Où </a:t>
                 </a:r>
                 <a14:m>
@@ -31441,7 +32293,7 @@
                   </m:oMath>
                 </a14:m>
                 <a:r>
-                  <a:rPr lang="fr-BE" dirty="0" smtClean="0"/>
+                  <a:rPr lang="fr-BE" dirty="0"/>
                   <a:t> et </a:t>
                 </a:r>
                 <a14:m>
@@ -31540,7 +32392,7 @@
             </p:txBody>
           </p:sp>
         </mc:Choice>
-        <mc:Fallback>
+        <mc:Fallback xmlns="">
           <p:sp>
             <p:nvSpPr>
               <p:cNvPr id="9" name="Rectangle 8"/>

--- a/Présentation_LPHYS1303.pptx
+++ b/Présentation_LPHYS1303.pptx
@@ -222,7 +222,7 @@
           <a:p>
             <a:fld id="{C66E676C-4B3C-4092-95BF-3F598F112F9C}" type="datetimeFigureOut">
               <a:rPr lang="fr-BE" smtClean="0"/>
-              <a:t>10/05/22</a:t>
+              <a:t>10-05-22</a:t>
             </a:fld>
             <a:endParaRPr lang="fr-BE"/>
           </a:p>
@@ -288,7 +288,7 @@
           <a:p>
             <a:fld id="{089A34B3-06F6-4115-B3AC-73F446AC5F9F}" type="slidenum">
               <a:rPr lang="fr-BE" smtClean="0"/>
-              <a:t>‹#›</a:t>
+              <a:t>‹N°›</a:t>
             </a:fld>
             <a:endParaRPr lang="fr-BE"/>
           </a:p>
@@ -388,7 +388,7 @@
           <a:p>
             <a:fld id="{10F212B3-C95E-4E4E-AE6B-C8EC382F1761}" type="datetimeFigureOut">
               <a:rPr lang="fr-BE" smtClean="0"/>
-              <a:t>10/05/22</a:t>
+              <a:t>10-05-22</a:t>
             </a:fld>
             <a:endParaRPr lang="fr-BE"/>
           </a:p>
@@ -547,7 +547,7 @@
           <a:p>
             <a:fld id="{94EAAEAC-49CB-4681-AD28-ABBCC1E6797E}" type="slidenum">
               <a:rPr lang="fr-BE" smtClean="0"/>
-              <a:t>‹#›</a:t>
+              <a:t>‹N°›</a:t>
             </a:fld>
             <a:endParaRPr lang="fr-BE"/>
           </a:p>
@@ -1379,7 +1379,7 @@
           <a:p>
             <a:fld id="{58990C66-70CC-49E4-AA75-151F59738B78}" type="datetime1">
               <a:rPr lang="en-US" smtClean="0"/>
-              <a:t>5/10/22</a:t>
+              <a:t>5/10/2022</a:t>
             </a:fld>
             <a:endParaRPr lang="en-US" dirty="0"/>
           </a:p>
@@ -1422,7 +1422,7 @@
             <a:fld id="{D57F1E4F-1CFF-5643-939E-217C01CDF565}" type="slidenum">
               <a:rPr lang="en-US" dirty="0"/>
               <a:pPr/>
-              <a:t>‹#›</a:t>
+              <a:t>‹N°›</a:t>
             </a:fld>
             <a:endParaRPr lang="en-US" dirty="0"/>
           </a:p>
@@ -1626,7 +1626,7 @@
           <a:p>
             <a:fld id="{6A569D6B-0F9A-4276-862D-EC6A239CF4BA}" type="datetime1">
               <a:rPr lang="en-US" smtClean="0"/>
-              <a:t>5/10/22</a:t>
+              <a:t>5/10/2022</a:t>
             </a:fld>
             <a:endParaRPr lang="en-US" dirty="0"/>
           </a:p>
@@ -1669,7 +1669,7 @@
             <a:fld id="{D57F1E4F-1CFF-5643-939E-217C01CDF565}" type="slidenum">
               <a:rPr lang="en-US" dirty="0"/>
               <a:pPr/>
-              <a:t>‹#›</a:t>
+              <a:t>‹N°›</a:t>
             </a:fld>
             <a:endParaRPr lang="en-US" dirty="0"/>
           </a:p>
@@ -1936,7 +1936,7 @@
           <a:p>
             <a:fld id="{1F21B7B6-DD8D-4C35-861C-07C7C8D2B56C}" type="datetime1">
               <a:rPr lang="en-US" smtClean="0"/>
-              <a:t>5/10/22</a:t>
+              <a:t>5/10/2022</a:t>
             </a:fld>
             <a:endParaRPr lang="en-US" dirty="0"/>
           </a:p>
@@ -1979,7 +1979,7 @@
             <a:fld id="{D57F1E4F-1CFF-5643-939E-217C01CDF565}" type="slidenum">
               <a:rPr lang="en-US" dirty="0"/>
               <a:pPr/>
-              <a:t>‹#›</a:t>
+              <a:t>‹N°›</a:t>
             </a:fld>
             <a:endParaRPr lang="en-US" dirty="0"/>
           </a:p>
@@ -2273,7 +2273,7 @@
           <a:p>
             <a:fld id="{269CF232-508A-483A-A091-E1C04637FC2C}" type="datetime1">
               <a:rPr lang="en-US" smtClean="0"/>
-              <a:t>5/10/22</a:t>
+              <a:t>5/10/2022</a:t>
             </a:fld>
             <a:endParaRPr lang="en-US" dirty="0"/>
           </a:p>
@@ -2316,7 +2316,7 @@
             <a:fld id="{D57F1E4F-1CFF-5643-939E-217C01CDF565}" type="slidenum">
               <a:rPr lang="en-US" dirty="0"/>
               <a:pPr/>
-              <a:t>‹#›</a:t>
+              <a:t>‹N°›</a:t>
             </a:fld>
             <a:endParaRPr lang="en-US" dirty="0"/>
           </a:p>
@@ -2583,7 +2583,7 @@
           <a:p>
             <a:fld id="{8A6EDB6B-474B-45D9-96B0-9CAC5CD83B94}" type="datetime1">
               <a:rPr lang="en-US" smtClean="0"/>
-              <a:t>5/10/22</a:t>
+              <a:t>5/10/2022</a:t>
             </a:fld>
             <a:endParaRPr lang="en-US" dirty="0"/>
           </a:p>
@@ -2626,7 +2626,7 @@
             <a:fld id="{D57F1E4F-1CFF-5643-939E-217C01CDF565}" type="slidenum">
               <a:rPr lang="en-US" dirty="0"/>
               <a:pPr/>
-              <a:t>‹#›</a:t>
+              <a:t>‹N°›</a:t>
             </a:fld>
             <a:endParaRPr lang="en-US" dirty="0"/>
           </a:p>
@@ -2972,7 +2972,7 @@
           <a:p>
             <a:fld id="{E674E858-A1C6-439C-88CE-F6433B533E0D}" type="datetime1">
               <a:rPr lang="en-US" smtClean="0"/>
-              <a:t>5/10/22</a:t>
+              <a:t>5/10/2022</a:t>
             </a:fld>
             <a:endParaRPr lang="en-US" dirty="0"/>
           </a:p>
@@ -3015,7 +3015,7 @@
             <a:fld id="{D57F1E4F-1CFF-5643-939E-217C01CDF565}" type="slidenum">
               <a:rPr lang="en-US" dirty="0"/>
               <a:pPr/>
-              <a:t>‹#›</a:t>
+              <a:t>‹N°›</a:t>
             </a:fld>
             <a:endParaRPr lang="en-US" dirty="0"/>
           </a:p>
@@ -3138,7 +3138,7 @@
           <a:p>
             <a:fld id="{036B3D1A-AC4D-49ED-BE62-0C1F46BC8044}" type="datetime1">
               <a:rPr lang="en-US" smtClean="0"/>
-              <a:t>5/10/22</a:t>
+              <a:t>5/10/2022</a:t>
             </a:fld>
             <a:endParaRPr lang="en-US" dirty="0"/>
           </a:p>
@@ -3180,7 +3180,7 @@
           <a:p>
             <a:fld id="{89333C77-0158-454C-844F-B7AB9BD7DAD4}" type="slidenum">
               <a:rPr lang="en-US" dirty="0"/>
-              <a:t>‹#›</a:t>
+              <a:t>‹N°›</a:t>
             </a:fld>
             <a:endParaRPr lang="en-US" dirty="0"/>
           </a:p>
@@ -3313,7 +3313,7 @@
           <a:p>
             <a:fld id="{3B852A06-E871-42E0-9CE6-2E0E72C50539}" type="datetime1">
               <a:rPr lang="en-US" smtClean="0"/>
-              <a:t>5/10/22</a:t>
+              <a:t>5/10/2022</a:t>
             </a:fld>
             <a:endParaRPr lang="en-US" dirty="0"/>
           </a:p>
@@ -3356,7 +3356,7 @@
             <a:fld id="{D57F1E4F-1CFF-5643-939E-217C01CDF565}" type="slidenum">
               <a:rPr lang="en-US" dirty="0"/>
               <a:pPr/>
-              <a:t>‹#›</a:t>
+              <a:t>‹N°›</a:t>
             </a:fld>
             <a:endParaRPr lang="en-US" dirty="0"/>
           </a:p>
@@ -4092,7 +4092,7 @@
           <a:p>
             <a:fld id="{E0882174-6AD3-4004-9927-E5490A90297C}" type="datetime1">
               <a:rPr lang="en-US" smtClean="0"/>
-              <a:t>5/10/22</a:t>
+              <a:t>5/10/2022</a:t>
             </a:fld>
             <a:endParaRPr lang="fr-BE"/>
           </a:p>
@@ -4154,7 +4154,7 @@
             <a:fld id="{D57F1E4F-1CFF-5643-939E-217C01CDF565}" type="slidenum">
               <a:rPr lang="en-US" smtClean="0"/>
               <a:pPr/>
-              <a:t>‹#›</a:t>
+              <a:t>‹N°›</a:t>
             </a:fld>
             <a:endParaRPr lang="en-US" dirty="0"/>
           </a:p>
@@ -4288,7 +4288,7 @@
           <a:p>
             <a:fld id="{D6F0D636-2E54-4A13-83FD-B6766EB535DD}" type="datetime1">
               <a:rPr lang="en-US" smtClean="0"/>
-              <a:t>5/10/22</a:t>
+              <a:t>5/10/2022</a:t>
             </a:fld>
             <a:endParaRPr lang="fr-BE"/>
           </a:p>
@@ -4350,7 +4350,7 @@
             <a:fld id="{D57F1E4F-1CFF-5643-939E-217C01CDF565}" type="slidenum">
               <a:rPr lang="en-US" smtClean="0"/>
               <a:pPr/>
-              <a:t>‹#›</a:t>
+              <a:t>‹N°›</a:t>
             </a:fld>
             <a:endParaRPr lang="en-US" dirty="0"/>
           </a:p>
@@ -4555,7 +4555,7 @@
           <a:p>
             <a:fld id="{39B2FF7C-090C-42FF-8CC4-337DCA1AFB49}" type="datetime1">
               <a:rPr lang="en-US" smtClean="0"/>
-              <a:t>5/10/22</a:t>
+              <a:t>5/10/2022</a:t>
             </a:fld>
             <a:endParaRPr lang="fr-BE"/>
           </a:p>
@@ -4617,7 +4617,7 @@
             <a:fld id="{D57F1E4F-1CFF-5643-939E-217C01CDF565}" type="slidenum">
               <a:rPr lang="en-US" smtClean="0"/>
               <a:pPr/>
-              <a:t>‹#›</a:t>
+              <a:t>‹N°›</a:t>
             </a:fld>
             <a:endParaRPr lang="en-US" dirty="0"/>
           </a:p>
@@ -4751,7 +4751,7 @@
           <a:p>
             <a:fld id="{2CACC80A-BFAE-40BA-93CC-821D6F635670}" type="datetime1">
               <a:rPr lang="en-US" smtClean="0"/>
-              <a:t>5/10/22</a:t>
+              <a:t>5/10/2022</a:t>
             </a:fld>
             <a:endParaRPr lang="en-US" dirty="0"/>
           </a:p>
@@ -4794,7 +4794,7 @@
             <a:fld id="{D57F1E4F-1CFF-5643-939E-217C01CDF565}" type="slidenum">
               <a:rPr lang="en-US" dirty="0"/>
               <a:pPr/>
-              <a:t>‹#›</a:t>
+              <a:t>‹N°›</a:t>
             </a:fld>
             <a:endParaRPr lang="en-US" dirty="0"/>
           </a:p>
@@ -4979,7 +4979,7 @@
           <a:p>
             <a:fld id="{704A02D6-1198-42E1-B7B9-8DE4F42F8878}" type="datetime1">
               <a:rPr lang="en-US" smtClean="0"/>
-              <a:t>5/10/22</a:t>
+              <a:t>5/10/2022</a:t>
             </a:fld>
             <a:endParaRPr lang="fr-BE"/>
           </a:p>
@@ -5041,7 +5041,7 @@
             <a:fld id="{D57F1E4F-1CFF-5643-939E-217C01CDF565}" type="slidenum">
               <a:rPr lang="en-US" smtClean="0"/>
               <a:pPr/>
-              <a:t>‹#›</a:t>
+              <a:t>‹N°›</a:t>
             </a:fld>
             <a:endParaRPr lang="en-US" dirty="0"/>
           </a:p>
@@ -5373,7 +5373,7 @@
           <a:p>
             <a:fld id="{013DE1FD-94C5-43E7-A375-F547BBD122FB}" type="datetime1">
               <a:rPr lang="en-US" smtClean="0"/>
-              <a:t>5/10/22</a:t>
+              <a:t>5/10/2022</a:t>
             </a:fld>
             <a:endParaRPr lang="fr-BE"/>
           </a:p>
@@ -5435,7 +5435,7 @@
             <a:fld id="{D57F1E4F-1CFF-5643-939E-217C01CDF565}" type="slidenum">
               <a:rPr lang="en-US" smtClean="0"/>
               <a:pPr/>
-              <a:t>‹#›</a:t>
+              <a:t>‹N°›</a:t>
             </a:fld>
             <a:endParaRPr lang="en-US" dirty="0"/>
           </a:p>
@@ -5516,7 +5516,7 @@
           <a:p>
             <a:fld id="{E75742B5-1AE4-40FE-95F3-982E33E3B222}" type="datetime1">
               <a:rPr lang="en-US" smtClean="0"/>
-              <a:t>5/10/22</a:t>
+              <a:t>5/10/2022</a:t>
             </a:fld>
             <a:endParaRPr lang="fr-BE"/>
           </a:p>
@@ -5578,7 +5578,7 @@
             <a:fld id="{D57F1E4F-1CFF-5643-939E-217C01CDF565}" type="slidenum">
               <a:rPr lang="en-US" smtClean="0"/>
               <a:pPr/>
-              <a:t>‹#›</a:t>
+              <a:t>‹N°›</a:t>
             </a:fld>
             <a:endParaRPr lang="en-US" dirty="0"/>
           </a:p>
@@ -5631,7 +5631,7 @@
           <a:p>
             <a:fld id="{C56FA4B7-C2CF-433C-B95F-5AE035CF3D13}" type="datetime1">
               <a:rPr lang="en-US" smtClean="0"/>
-              <a:t>5/10/22</a:t>
+              <a:t>5/10/2022</a:t>
             </a:fld>
             <a:endParaRPr lang="fr-BE"/>
           </a:p>
@@ -5693,7 +5693,7 @@
             <a:fld id="{D57F1E4F-1CFF-5643-939E-217C01CDF565}" type="slidenum">
               <a:rPr lang="en-US" smtClean="0"/>
               <a:pPr/>
-              <a:t>‹#›</a:t>
+              <a:t>‹N°›</a:t>
             </a:fld>
             <a:endParaRPr lang="en-US" dirty="0"/>
           </a:p>
@@ -5906,7 +5906,7 @@
           <a:p>
             <a:fld id="{3D313196-6E73-433F-B79E-783304131DF1}" type="datetime1">
               <a:rPr lang="en-US" smtClean="0"/>
-              <a:t>5/10/22</a:t>
+              <a:t>5/10/2022</a:t>
             </a:fld>
             <a:endParaRPr lang="fr-BE"/>
           </a:p>
@@ -5968,7 +5968,7 @@
             <a:fld id="{D57F1E4F-1CFF-5643-939E-217C01CDF565}" type="slidenum">
               <a:rPr lang="en-US" smtClean="0"/>
               <a:pPr/>
-              <a:t>‹#›</a:t>
+              <a:t>‹N°›</a:t>
             </a:fld>
             <a:endParaRPr lang="en-US" dirty="0"/>
           </a:p>
@@ -6189,7 +6189,7 @@
           <a:p>
             <a:fld id="{DECFC14E-B9DB-45C4-B80E-B2469F049249}" type="datetime1">
               <a:rPr lang="en-US" smtClean="0"/>
-              <a:t>5/10/22</a:t>
+              <a:t>5/10/2022</a:t>
             </a:fld>
             <a:endParaRPr lang="fr-BE"/>
           </a:p>
@@ -6251,7 +6251,7 @@
             <a:fld id="{D57F1E4F-1CFF-5643-939E-217C01CDF565}" type="slidenum">
               <a:rPr lang="en-US" smtClean="0"/>
               <a:pPr/>
-              <a:t>‹#›</a:t>
+              <a:t>‹N°›</a:t>
             </a:fld>
             <a:endParaRPr lang="en-US" dirty="0"/>
           </a:p>
@@ -6460,7 +6460,7 @@
           <a:p>
             <a:fld id="{F2F90BB6-9B6D-4D80-8336-1489DFC0D904}" type="datetime1">
               <a:rPr lang="en-US" smtClean="0"/>
-              <a:t>5/10/22</a:t>
+              <a:t>5/10/2022</a:t>
             </a:fld>
             <a:endParaRPr lang="fr-BE"/>
           </a:p>
@@ -6522,7 +6522,7 @@
             <a:fld id="{D57F1E4F-1CFF-5643-939E-217C01CDF565}" type="slidenum">
               <a:rPr lang="en-US" smtClean="0"/>
               <a:pPr/>
-              <a:t>‹#›</a:t>
+              <a:t>‹N°›</a:t>
             </a:fld>
             <a:endParaRPr lang="en-US" dirty="0"/>
           </a:p>
@@ -6794,7 +6794,7 @@
           <a:p>
             <a:fld id="{E4DB3A25-3C6D-46FF-ADC1-75B14734D03C}" type="datetime1">
               <a:rPr lang="en-US" smtClean="0"/>
-              <a:t>5/10/22</a:t>
+              <a:t>5/10/2022</a:t>
             </a:fld>
             <a:endParaRPr lang="fr-BE"/>
           </a:p>
@@ -6946,7 +6946,7 @@
             <a:fld id="{D57F1E4F-1CFF-5643-939E-217C01CDF565}" type="slidenum">
               <a:rPr lang="en-US" smtClean="0"/>
               <a:pPr/>
-              <a:t>‹#›</a:t>
+              <a:t>‹N°›</a:t>
             </a:fld>
             <a:endParaRPr lang="en-US" dirty="0"/>
           </a:p>
@@ -7155,7 +7155,7 @@
           <a:p>
             <a:fld id="{3788F5D0-50B6-4EA6-B49E-EF536E10DE78}" type="datetime1">
               <a:rPr lang="en-US" smtClean="0"/>
-              <a:t>5/10/22</a:t>
+              <a:t>5/10/2022</a:t>
             </a:fld>
             <a:endParaRPr lang="fr-BE"/>
           </a:p>
@@ -7217,7 +7217,7 @@
             <a:fld id="{D57F1E4F-1CFF-5643-939E-217C01CDF565}" type="slidenum">
               <a:rPr lang="en-US" smtClean="0"/>
               <a:pPr/>
-              <a:t>‹#›</a:t>
+              <a:t>‹N°›</a:t>
             </a:fld>
             <a:endParaRPr lang="en-US" dirty="0"/>
           </a:p>
@@ -7489,7 +7489,7 @@
           <a:p>
             <a:fld id="{1B4A85C5-2CA9-42CF-B4AC-8BB3D6E9E7AF}" type="datetime1">
               <a:rPr lang="en-US" smtClean="0"/>
-              <a:t>5/10/22</a:t>
+              <a:t>5/10/2022</a:t>
             </a:fld>
             <a:endParaRPr lang="fr-BE"/>
           </a:p>
@@ -7633,7 +7633,7 @@
             <a:fld id="{D57F1E4F-1CFF-5643-939E-217C01CDF565}" type="slidenum">
               <a:rPr lang="en-US" smtClean="0"/>
               <a:pPr/>
-              <a:t>‹#›</a:t>
+              <a:t>‹N°›</a:t>
             </a:fld>
             <a:endParaRPr lang="en-US" dirty="0"/>
           </a:p>
@@ -7838,7 +7838,7 @@
           <a:p>
             <a:fld id="{926F070E-A207-4905-961E-B4148494DF59}" type="datetime1">
               <a:rPr lang="en-US" smtClean="0"/>
-              <a:t>5/10/22</a:t>
+              <a:t>5/10/2022</a:t>
             </a:fld>
             <a:endParaRPr lang="en-US" dirty="0"/>
           </a:p>
@@ -7881,7 +7881,7 @@
             <a:fld id="{D57F1E4F-1CFF-5643-939E-217C01CDF565}" type="slidenum">
               <a:rPr lang="en-US" dirty="0"/>
               <a:pPr/>
-              <a:t>‹#›</a:t>
+              <a:t>‹N°›</a:t>
             </a:fld>
             <a:endParaRPr lang="en-US" dirty="0"/>
           </a:p>
@@ -8145,7 +8145,7 @@
           <a:p>
             <a:fld id="{2C132876-A60D-4DC6-80D5-4777CE77721C}" type="datetime1">
               <a:rPr lang="en-US" smtClean="0"/>
-              <a:t>5/10/22</a:t>
+              <a:t>5/10/2022</a:t>
             </a:fld>
             <a:endParaRPr lang="fr-BE"/>
           </a:p>
@@ -8207,7 +8207,7 @@
             <a:fld id="{D57F1E4F-1CFF-5643-939E-217C01CDF565}" type="slidenum">
               <a:rPr lang="en-US" smtClean="0"/>
               <a:pPr/>
-              <a:t>‹#›</a:t>
+              <a:t>‹N°›</a:t>
             </a:fld>
             <a:endParaRPr lang="en-US" dirty="0"/>
           </a:p>
@@ -8335,7 +8335,7 @@
           <a:p>
             <a:fld id="{E5A697EA-876D-4B66-8ED8-FA4462BB4063}" type="datetime1">
               <a:rPr lang="en-US" smtClean="0"/>
-              <a:t>5/10/22</a:t>
+              <a:t>5/10/2022</a:t>
             </a:fld>
             <a:endParaRPr lang="fr-BE"/>
           </a:p>
@@ -8397,7 +8397,7 @@
             <a:fld id="{D57F1E4F-1CFF-5643-939E-217C01CDF565}" type="slidenum">
               <a:rPr lang="en-US" smtClean="0"/>
               <a:pPr/>
-              <a:t>‹#›</a:t>
+              <a:t>‹N°›</a:t>
             </a:fld>
             <a:endParaRPr lang="en-US" dirty="0"/>
           </a:p>
@@ -8535,7 +8535,7 @@
           <a:p>
             <a:fld id="{BF87602E-F651-4F7E-9524-FC03752C26D2}" type="datetime1">
               <a:rPr lang="en-US" smtClean="0"/>
-              <a:t>5/10/22</a:t>
+              <a:t>5/10/2022</a:t>
             </a:fld>
             <a:endParaRPr lang="fr-BE"/>
           </a:p>
@@ -8597,7 +8597,7 @@
             <a:fld id="{D57F1E4F-1CFF-5643-939E-217C01CDF565}" type="slidenum">
               <a:rPr lang="en-US" smtClean="0"/>
               <a:pPr/>
-              <a:t>‹#›</a:t>
+              <a:t>‹N°›</a:t>
             </a:fld>
             <a:endParaRPr lang="en-US" dirty="0"/>
           </a:p>
@@ -8787,7 +8787,7 @@
           <a:p>
             <a:fld id="{DAF7FF0E-BE30-4BA8-89AF-B9FDF877AC44}" type="datetime1">
               <a:rPr lang="en-US" smtClean="0"/>
-              <a:t>5/10/22</a:t>
+              <a:t>5/10/2022</a:t>
             </a:fld>
             <a:endParaRPr lang="en-US" dirty="0"/>
           </a:p>
@@ -8829,7 +8829,7 @@
           <a:p>
             <a:fld id="{6FF9F0C5-380F-41C2-899A-BAC0F0927E16}" type="slidenum">
               <a:rPr lang="en-US" dirty="0"/>
-              <a:t>‹#›</a:t>
+              <a:t>‹N°›</a:t>
             </a:fld>
             <a:endParaRPr lang="en-US" dirty="0"/>
           </a:p>
@@ -9156,7 +9156,7 @@
           <a:p>
             <a:fld id="{24EB7DA6-B593-4DD0-8083-6932C09D2146}" type="datetime1">
               <a:rPr lang="en-US" smtClean="0"/>
-              <a:t>5/10/22</a:t>
+              <a:t>5/10/2022</a:t>
             </a:fld>
             <a:endParaRPr lang="en-US" dirty="0"/>
           </a:p>
@@ -9199,7 +9199,7 @@
             <a:fld id="{D57F1E4F-1CFF-5643-939E-217C01CDF565}" type="slidenum">
               <a:rPr lang="en-US" dirty="0"/>
               <a:pPr/>
-              <a:t>‹#›</a:t>
+              <a:t>‹N°›</a:t>
             </a:fld>
             <a:endParaRPr lang="en-US" dirty="0"/>
           </a:p>
@@ -9275,7 +9275,7 @@
           <a:p>
             <a:fld id="{79BFC6D1-091E-4EAB-A306-380E54276BF9}" type="datetime1">
               <a:rPr lang="en-US" smtClean="0"/>
-              <a:t>5/10/22</a:t>
+              <a:t>5/10/2022</a:t>
             </a:fld>
             <a:endParaRPr lang="en-US" dirty="0"/>
           </a:p>
@@ -9318,7 +9318,7 @@
             <a:fld id="{D57F1E4F-1CFF-5643-939E-217C01CDF565}" type="slidenum">
               <a:rPr lang="en-US" dirty="0"/>
               <a:pPr/>
-              <a:t>‹#›</a:t>
+              <a:t>‹N°›</a:t>
             </a:fld>
             <a:endParaRPr lang="en-US" dirty="0"/>
           </a:p>
@@ -9366,7 +9366,7 @@
           <a:p>
             <a:fld id="{D5661772-5928-4062-94D3-D9534773514A}" type="datetime1">
               <a:rPr lang="en-US" smtClean="0"/>
-              <a:t>5/10/22</a:t>
+              <a:t>5/10/2022</a:t>
             </a:fld>
             <a:endParaRPr lang="en-US" dirty="0"/>
           </a:p>
@@ -9409,7 +9409,7 @@
             <a:fld id="{D57F1E4F-1CFF-5643-939E-217C01CDF565}" type="slidenum">
               <a:rPr lang="en-US" dirty="0"/>
               <a:pPr/>
-              <a:t>‹#›</a:t>
+              <a:t>‹N°›</a:t>
             </a:fld>
             <a:endParaRPr lang="en-US" dirty="0"/>
           </a:p>
@@ -9617,7 +9617,7 @@
           <a:p>
             <a:fld id="{F9F45BD3-5BC4-4372-A406-2E11F5CA1741}" type="datetime1">
               <a:rPr lang="en-US" smtClean="0"/>
-              <a:t>5/10/22</a:t>
+              <a:t>5/10/2022</a:t>
             </a:fld>
             <a:endParaRPr lang="en-US" dirty="0"/>
           </a:p>
@@ -9659,7 +9659,7 @@
           <a:p>
             <a:fld id="{519954A3-9DFD-4C44-94BA-B95130A3BA1C}" type="slidenum">
               <a:rPr lang="en-US" dirty="0"/>
-              <a:t>‹#›</a:t>
+              <a:t>‹N°›</a:t>
             </a:fld>
             <a:endParaRPr lang="en-US" dirty="0"/>
           </a:p>
@@ -9875,7 +9875,7 @@
           <a:p>
             <a:fld id="{5E4A1551-D187-48AD-897D-5735C5A88275}" type="datetime1">
               <a:rPr lang="en-US" smtClean="0"/>
-              <a:t>5/10/22</a:t>
+              <a:t>5/10/2022</a:t>
             </a:fld>
             <a:endParaRPr lang="en-US" dirty="0"/>
           </a:p>
@@ -9918,7 +9918,7 @@
             <a:fld id="{D57F1E4F-1CFF-5643-939E-217C01CDF565}" type="slidenum">
               <a:rPr lang="en-US" dirty="0"/>
               <a:pPr/>
-              <a:t>‹#›</a:t>
+              <a:t>‹N°›</a:t>
             </a:fld>
             <a:endParaRPr lang="en-US" dirty="0"/>
           </a:p>
@@ -10614,7 +10614,7 @@
           <a:p>
             <a:fld id="{2BB72EEA-9517-4907-B597-2FC7F7C2F710}" type="datetime1">
               <a:rPr lang="en-US" smtClean="0"/>
-              <a:t>5/10/22</a:t>
+              <a:t>5/10/2022</a:t>
             </a:fld>
             <a:endParaRPr lang="en-US" dirty="0"/>
           </a:p>
@@ -10694,7 +10694,7 @@
             <a:fld id="{D57F1E4F-1CFF-5643-939E-217C01CDF565}" type="slidenum">
               <a:rPr lang="en-US" smtClean="0"/>
               <a:pPr/>
-              <a:t>‹#›</a:t>
+              <a:t>‹N°›</a:t>
             </a:fld>
             <a:endParaRPr lang="en-US" dirty="0"/>
           </a:p>
@@ -11803,7 +11803,7 @@
           <a:p>
             <a:fld id="{1BB4D123-806F-48A5-9C11-A490C1BA8994}" type="datetime1">
               <a:rPr lang="en-US" smtClean="0"/>
-              <a:t>5/10/22</a:t>
+              <a:t>5/10/2022</a:t>
             </a:fld>
             <a:endParaRPr lang="en-US" dirty="0"/>
           </a:p>
@@ -11883,7 +11883,7 @@
             <a:fld id="{D57F1E4F-1CFF-5643-939E-217C01CDF565}" type="slidenum">
               <a:rPr lang="en-US" smtClean="0"/>
               <a:pPr/>
-              <a:t>‹#›</a:t>
+              <a:t>‹N°›</a:t>
             </a:fld>
             <a:endParaRPr lang="en-US" dirty="0"/>
           </a:p>
@@ -12786,6 +12786,13 @@
   <p:clrMapOvr>
     <a:masterClrMapping/>
   </p:clrMapOvr>
+  <p:timing>
+    <p:tnLst>
+      <p:par>
+        <p:cTn id="1" dur="indefinite" restart="never" nodeType="tmRoot"/>
+      </p:par>
+    </p:tnLst>
+  </p:timing>
 </p:sld>
 </file>
 
@@ -12988,6 +12995,13 @@
   <p:clrMapOvr>
     <a:masterClrMapping/>
   </p:clrMapOvr>
+  <p:timing>
+    <p:tnLst>
+      <p:par>
+        <p:cTn id="1" dur="indefinite" restart="never" nodeType="tmRoot"/>
+      </p:par>
+    </p:tnLst>
+  </p:timing>
 </p:sld>
 </file>
 
@@ -13097,6 +13111,13 @@
   <p:clrMapOvr>
     <a:masterClrMapping/>
   </p:clrMapOvr>
+  <p:timing>
+    <p:tnLst>
+      <p:par>
+        <p:cTn id="1" dur="indefinite" restart="never" nodeType="tmRoot"/>
+      </p:par>
+    </p:tnLst>
+  </p:timing>
 </p:sld>
 </file>
 
@@ -13339,6 +13360,10 @@
             <a:r>
               <a:rPr lang="fr-BE" dirty="0" err="1"/>
               <a:t>Hohenberg</a:t>
+            </a:r>
+            <a:r>
+              <a:rPr lang="fr-BE" dirty="0"/>
+              <a:t/>
             </a:r>
             <a:br>
               <a:rPr lang="fr-BE" dirty="0"/>
@@ -13726,6 +13751,13 @@
   <p:clrMapOvr>
     <a:masterClrMapping/>
   </p:clrMapOvr>
+  <p:timing>
+    <p:tnLst>
+      <p:par>
+        <p:cTn id="1" dur="indefinite" restart="never" nodeType="tmRoot"/>
+      </p:par>
+    </p:tnLst>
+  </p:timing>
 </p:sld>
 </file>
 
@@ -14179,6 +14211,13 @@
   <p:clrMapOvr>
     <a:masterClrMapping/>
   </p:clrMapOvr>
+  <p:timing>
+    <p:tnLst>
+      <p:par>
+        <p:cTn id="1" dur="indefinite" restart="never" nodeType="tmRoot"/>
+      </p:par>
+    </p:tnLst>
+  </p:timing>
 </p:sld>
 </file>
 
@@ -21929,8 +21968,8 @@
         </p:blipFill>
         <p:spPr>
           <a:xfrm>
-            <a:off x="231227" y="2242919"/>
-            <a:ext cx="5041669" cy="3781251"/>
+            <a:off x="677334" y="1930400"/>
+            <a:ext cx="4595562" cy="3446671"/>
           </a:xfrm>
           <a:prstGeom prst="rect">
             <a:avLst/>
@@ -22201,10 +22240,10 @@
       </p:sp>
       <p:pic>
         <p:nvPicPr>
-          <p:cNvPr id="9" name="Picture 8">
+          <p:cNvPr id="8" name="Picture 10">
             <a:extLst>
               <a:ext uri="{FF2B5EF4-FFF2-40B4-BE49-F238E27FC236}">
-                <a16:creationId xmlns:a16="http://schemas.microsoft.com/office/drawing/2014/main" id="{A6858E9E-5CA9-59FB-CBB9-B8F86E61EE3D}"/>
+                <a16:creationId xmlns:a16="http://schemas.microsoft.com/office/drawing/2014/main" id="{9A7E344C-80DC-5C46-6B9D-F27E6E7129E2}"/>
               </a:ext>
             </a:extLst>
           </p:cNvPr>
@@ -22221,8 +22260,8 @@
         </p:blipFill>
         <p:spPr>
           <a:xfrm>
-            <a:off x="5318544" y="2242918"/>
-            <a:ext cx="5041667" cy="3781251"/>
+            <a:off x="5272896" y="1930399"/>
+            <a:ext cx="4595561" cy="3446671"/>
           </a:xfrm>
           <a:prstGeom prst="rect">
             <a:avLst/>
@@ -22239,6 +22278,13 @@
   <p:clrMapOvr>
     <a:masterClrMapping/>
   </p:clrMapOvr>
+  <p:timing>
+    <p:tnLst>
+      <p:par>
+        <p:cTn id="1" dur="indefinite" restart="never" nodeType="tmRoot"/>
+      </p:par>
+    </p:tnLst>
+  </p:timing>
 </p:sld>
 </file>
 
@@ -22464,6 +22510,13 @@
   <p:clrMapOvr>
     <a:masterClrMapping/>
   </p:clrMapOvr>
+  <p:timing>
+    <p:tnLst>
+      <p:par>
+        <p:cTn id="1" dur="indefinite" restart="never" nodeType="tmRoot"/>
+      </p:par>
+    </p:tnLst>
+  </p:timing>
 </p:sld>
 </file>
 
@@ -22749,6 +22802,13 @@
   <p:clrMapOvr>
     <a:masterClrMapping/>
   </p:clrMapOvr>
+  <p:timing>
+    <p:tnLst>
+      <p:par>
+        <p:cTn id="1" dur="indefinite" restart="never" nodeType="tmRoot"/>
+      </p:par>
+    </p:tnLst>
+  </p:timing>
 </p:sld>
 </file>
 
@@ -23126,8 +23186,8 @@
         </p:blipFill>
         <p:spPr>
           <a:xfrm>
-            <a:off x="5383660" y="1930400"/>
-            <a:ext cx="4805528" cy="3604146"/>
+            <a:off x="5254680" y="1930400"/>
+            <a:ext cx="4577345" cy="3433009"/>
           </a:xfrm>
           <a:prstGeom prst="rect">
             <a:avLst/>
@@ -23136,10 +23196,10 @@
       </p:pic>
       <p:pic>
         <p:nvPicPr>
-          <p:cNvPr id="11" name="Picture 10">
+          <p:cNvPr id="9" name="Picture 8">
             <a:extLst>
               <a:ext uri="{FF2B5EF4-FFF2-40B4-BE49-F238E27FC236}">
-                <a16:creationId xmlns:a16="http://schemas.microsoft.com/office/drawing/2014/main" id="{9A7E344C-80DC-5C46-6B9D-F27E6E7129E2}"/>
+                <a16:creationId xmlns:a16="http://schemas.microsoft.com/office/drawing/2014/main" id="{A6858E9E-5CA9-59FB-CBB9-B8F86E61EE3D}"/>
               </a:ext>
             </a:extLst>
           </p:cNvPr>
@@ -23156,8 +23216,8 @@
         </p:blipFill>
         <p:spPr>
           <a:xfrm>
-            <a:off x="330350" y="2065072"/>
-            <a:ext cx="4805528" cy="3604146"/>
+            <a:off x="677335" y="1930400"/>
+            <a:ext cx="4577345" cy="3433009"/>
           </a:xfrm>
           <a:prstGeom prst="rect">
             <a:avLst/>
@@ -23174,6 +23234,13 @@
   <p:clrMapOvr>
     <a:masterClrMapping/>
   </p:clrMapOvr>
+  <p:timing>
+    <p:tnLst>
+      <p:par>
+        <p:cTn id="1" dur="indefinite" restart="never" nodeType="tmRoot"/>
+      </p:par>
+    </p:tnLst>
+  </p:timing>
 </p:sld>
 </file>
 
@@ -23321,8 +23388,8 @@
         </p:blipFill>
         <p:spPr>
           <a:xfrm>
-            <a:off x="4131444" y="2257977"/>
-            <a:ext cx="4203262" cy="3152447"/>
+            <a:off x="4119643" y="2489416"/>
+            <a:ext cx="3742564" cy="2806923"/>
           </a:xfrm>
           <a:prstGeom prst="rect">
             <a:avLst/>
@@ -23351,8 +23418,8 @@
         </p:blipFill>
         <p:spPr>
           <a:xfrm>
-            <a:off x="7988738" y="2257977"/>
-            <a:ext cx="4203262" cy="3152447"/>
+            <a:off x="7862207" y="2489416"/>
+            <a:ext cx="3742563" cy="2806923"/>
           </a:xfrm>
           <a:prstGeom prst="rect">
             <a:avLst/>
@@ -23381,8 +23448,8 @@
         </p:blipFill>
         <p:spPr>
           <a:xfrm>
-            <a:off x="160429" y="2257977"/>
-            <a:ext cx="4203262" cy="3152447"/>
+            <a:off x="369379" y="2489416"/>
+            <a:ext cx="3750264" cy="2812698"/>
           </a:xfrm>
           <a:prstGeom prst="rect">
             <a:avLst/>
@@ -23399,6 +23466,13 @@
   <p:clrMapOvr>
     <a:masterClrMapping/>
   </p:clrMapOvr>
+  <p:timing>
+    <p:tnLst>
+      <p:par>
+        <p:cTn id="1" dur="indefinite" restart="never" nodeType="tmRoot"/>
+      </p:par>
+    </p:tnLst>
+  </p:timing>
 </p:sld>
 </file>
 
@@ -23743,6 +23817,13 @@
   <p:clrMapOvr>
     <a:masterClrMapping/>
   </p:clrMapOvr>
+  <p:timing>
+    <p:tnLst>
+      <p:par>
+        <p:cTn id="1" dur="indefinite" restart="never" nodeType="tmRoot"/>
+      </p:par>
+    </p:tnLst>
+  </p:timing>
 </p:sld>
 </file>
 
@@ -24405,6 +24486,13 @@
   <p:clrMapOvr>
     <a:masterClrMapping/>
   </p:clrMapOvr>
+  <p:timing>
+    <p:tnLst>
+      <p:par>
+        <p:cTn id="1" dur="indefinite" restart="never" nodeType="tmRoot"/>
+      </p:par>
+    </p:tnLst>
+  </p:timing>
 </p:sld>
 </file>
 
@@ -24936,6 +25024,13 @@
   <p:clrMapOvr>
     <a:masterClrMapping/>
   </p:clrMapOvr>
+  <p:timing>
+    <p:tnLst>
+      <p:par>
+        <p:cTn id="1" dur="indefinite" restart="never" nodeType="tmRoot"/>
+      </p:par>
+    </p:tnLst>
+  </p:timing>
 </p:sld>
 </file>
 
@@ -25010,8 +25105,8 @@
           </a:p>
         </p:txBody>
       </p:sp>
-      <mc:AlternateContent xmlns:mc="http://schemas.openxmlformats.org/markup-compatibility/2006" xmlns:a14="http://schemas.microsoft.com/office/drawing/2010/main">
-        <mc:Choice Requires="a14">
+      <mc:AlternateContent xmlns:mc="http://schemas.openxmlformats.org/markup-compatibility/2006">
+        <mc:Choice xmlns:a14="http://schemas.microsoft.com/office/drawing/2010/main" Requires="a14">
           <p:sp>
             <p:nvSpPr>
               <p:cNvPr id="7" name="Espace réservé du contenu 2"/>
@@ -25033,7 +25128,7 @@
               <a:lstStyle/>
               <a:p>
                 <a:r>
-                  <a:rPr lang="fr-BE" dirty="0"/>
+                  <a:rPr lang="fr-BE" dirty="0" smtClean="0"/>
                   <a:t>Discrétisation</a:t>
                 </a:r>
               </a:p>
@@ -25841,7 +25936,7 @@
                                   <a:rPr lang="fr-BE" i="1">
                                     <a:latin typeface="Cambria Math" panose="02040503050406030204" pitchFamily="18" charset="0"/>
                                   </a:rPr>
-                                  <m:t>,+2</m:t>
+                                  <m:t>+2,</m:t>
                                 </m:r>
                                 <m:r>
                                   <a:rPr lang="fr-BE" i="1">
@@ -26250,7 +26345,7 @@
             </p:txBody>
           </p:sp>
         </mc:Choice>
-        <mc:Fallback xmlns="">
+        <mc:Fallback>
           <p:sp>
             <p:nvSpPr>
               <p:cNvPr id="7" name="Espace réservé du contenu 2"/>
@@ -26298,6 +26393,13 @@
   <p:clrMapOvr>
     <a:masterClrMapping/>
   </p:clrMapOvr>
+  <p:timing>
+    <p:tnLst>
+      <p:par>
+        <p:cTn id="1" dur="indefinite" restart="never" nodeType="tmRoot"/>
+      </p:par>
+    </p:tnLst>
+  </p:timing>
 </p:sld>
 </file>
 
@@ -26348,6 +26450,54 @@
       </p:pic>
       <p:sp>
         <p:nvSpPr>
+          <p:cNvPr id="3" name="Rectangle 2"/>
+          <p:cNvSpPr/>
+          <p:nvPr/>
+        </p:nvSpPr>
+        <p:spPr>
+          <a:xfrm>
+            <a:off x="5231244" y="4412870"/>
+            <a:ext cx="448236" cy="428071"/>
+          </a:xfrm>
+          <a:prstGeom prst="rect">
+            <a:avLst/>
+          </a:prstGeom>
+          <a:solidFill>
+            <a:schemeClr val="bg1"/>
+          </a:solidFill>
+          <a:ln>
+            <a:solidFill>
+              <a:schemeClr val="bg1"/>
+            </a:solidFill>
+          </a:ln>
+        </p:spPr>
+        <p:style>
+          <a:lnRef idx="2">
+            <a:schemeClr val="accent1">
+              <a:shade val="50000"/>
+            </a:schemeClr>
+          </a:lnRef>
+          <a:fillRef idx="1">
+            <a:schemeClr val="accent1"/>
+          </a:fillRef>
+          <a:effectRef idx="0">
+            <a:schemeClr val="accent1"/>
+          </a:effectRef>
+          <a:fontRef idx="minor">
+            <a:schemeClr val="lt1"/>
+          </a:fontRef>
+        </p:style>
+        <p:txBody>
+          <a:bodyPr rtlCol="0" anchor="ctr"/>
+          <a:lstStyle/>
+          <a:p>
+            <a:pPr algn="ctr"/>
+            <a:endParaRPr lang="fr-BE"/>
+          </a:p>
+        </p:txBody>
+      </p:sp>
+      <p:sp>
+        <p:nvSpPr>
           <p:cNvPr id="13" name="Rectangle 12"/>
           <p:cNvSpPr/>
           <p:nvPr/>
@@ -26504,7 +26654,7 @@
         </p:nvSpPr>
         <p:spPr>
           <a:xfrm>
-            <a:off x="2845812" y="4561591"/>
+            <a:off x="5385965" y="4561591"/>
             <a:ext cx="138793" cy="130628"/>
           </a:xfrm>
           <a:prstGeom prst="ellipse">
@@ -27217,8 +27367,8 @@
           </p:sp>
         </mc:Fallback>
       </mc:AlternateContent>
-      <mc:AlternateContent xmlns:mc="http://schemas.openxmlformats.org/markup-compatibility/2006" xmlns:a14="http://schemas.microsoft.com/office/drawing/2010/main">
-        <mc:Choice Requires="a14">
+      <mc:AlternateContent xmlns:mc="http://schemas.openxmlformats.org/markup-compatibility/2006">
+        <mc:Choice xmlns:a14="http://schemas.microsoft.com/office/drawing/2010/main" Requires="a14">
           <p:sp>
             <p:nvSpPr>
               <p:cNvPr id="10" name="ZoneTexte 9"/>
@@ -27452,7 +27602,7 @@
                               </a:solidFill>
                               <a:latin typeface="Cambria Math" panose="02040503050406030204" pitchFamily="18" charset="0"/>
                             </a:rPr>
-                            <m:t>,+2</m:t>
+                            <m:t>+2,</m:t>
                           </m:r>
                           <m:r>
                             <a:rPr lang="fr-BE" i="1">
@@ -27768,7 +27918,7 @@
             </p:txBody>
           </p:sp>
         </mc:Choice>
-        <mc:Fallback xmlns="">
+        <mc:Fallback>
           <p:sp>
             <p:nvSpPr>
               <p:cNvPr id="10" name="ZoneTexte 9"/>
@@ -27807,54 +27957,6 @@
           </p:sp>
         </mc:Fallback>
       </mc:AlternateContent>
-      <p:sp>
-        <p:nvSpPr>
-          <p:cNvPr id="3" name="Rectangle 2"/>
-          <p:cNvSpPr/>
-          <p:nvPr/>
-        </p:nvSpPr>
-        <p:spPr>
-          <a:xfrm>
-            <a:off x="5231244" y="4412870"/>
-            <a:ext cx="448236" cy="428071"/>
-          </a:xfrm>
-          <a:prstGeom prst="rect">
-            <a:avLst/>
-          </a:prstGeom>
-          <a:solidFill>
-            <a:schemeClr val="bg1"/>
-          </a:solidFill>
-          <a:ln>
-            <a:solidFill>
-              <a:schemeClr val="bg1"/>
-            </a:solidFill>
-          </a:ln>
-        </p:spPr>
-        <p:style>
-          <a:lnRef idx="2">
-            <a:schemeClr val="accent1">
-              <a:shade val="50000"/>
-            </a:schemeClr>
-          </a:lnRef>
-          <a:fillRef idx="1">
-            <a:schemeClr val="accent1"/>
-          </a:fillRef>
-          <a:effectRef idx="0">
-            <a:schemeClr val="accent1"/>
-          </a:effectRef>
-          <a:fontRef idx="minor">
-            <a:schemeClr val="lt1"/>
-          </a:fontRef>
-        </p:style>
-        <p:txBody>
-          <a:bodyPr rtlCol="0" anchor="ctr"/>
-          <a:lstStyle/>
-          <a:p>
-            <a:pPr algn="ctr"/>
-            <a:endParaRPr lang="fr-BE"/>
-          </a:p>
-        </p:txBody>
-      </p:sp>
       <p:sp>
         <p:nvSpPr>
           <p:cNvPr id="11" name="Rectangle 10"/>
@@ -28327,11 +28429,11 @@
       </p:par>
     </p:tnLst>
     <p:bldLst>
+      <p:bldP spid="3" grpId="0" animBg="1"/>
       <p:bldP spid="13" grpId="0" animBg="1"/>
       <p:bldP spid="14" grpId="0" animBg="1"/>
       <p:bldP spid="6" grpId="0" animBg="1"/>
       <p:bldP spid="7" grpId="0" animBg="1"/>
-      <p:bldP spid="3" grpId="0" animBg="1"/>
       <p:bldP spid="11" grpId="0" animBg="1"/>
       <p:bldP spid="12" grpId="0" animBg="1"/>
     </p:bldLst>
@@ -28410,8 +28512,8 @@
           </a:p>
         </p:txBody>
       </p:sp>
-      <mc:AlternateContent xmlns:mc="http://schemas.openxmlformats.org/markup-compatibility/2006" xmlns:a14="http://schemas.microsoft.com/office/drawing/2010/main">
-        <mc:Choice Requires="a14">
+      <mc:AlternateContent xmlns:mc="http://schemas.openxmlformats.org/markup-compatibility/2006">
+        <mc:Choice xmlns:a14="http://schemas.microsoft.com/office/drawing/2010/main" Requires="a14">
           <p:sp>
             <p:nvSpPr>
               <p:cNvPr id="8" name="ZoneTexte 7"/>
@@ -29088,7 +29190,7 @@
                               </a:solidFill>
                               <a:latin typeface="Cambria Math" panose="02040503050406030204" pitchFamily="18" charset="0"/>
                             </a:rPr>
-                            <m:t>,+2</m:t>
+                            <m:t>+2,</m:t>
                           </m:r>
                           <m:r>
                             <a:rPr lang="fr-BE" i="1">
@@ -29368,7 +29470,7 @@
             </p:txBody>
           </p:sp>
         </mc:Choice>
-        <mc:Fallback xmlns="">
+        <mc:Fallback>
           <p:sp>
             <p:nvSpPr>
               <p:cNvPr id="8" name="ZoneTexte 7"/>
@@ -31456,6 +31558,13 @@
   <p:clrMapOvr>
     <a:masterClrMapping/>
   </p:clrMapOvr>
+  <p:timing>
+    <p:tnLst>
+      <p:par>
+        <p:cTn id="1" dur="indefinite" restart="never" nodeType="tmRoot"/>
+      </p:par>
+    </p:tnLst>
+  </p:timing>
 </p:sld>
 </file>
 

--- a/Présentation_LPHYS1303.pptx
+++ b/Présentation_LPHYS1303.pptx
@@ -222,7 +222,7 @@
           <a:p>
             <a:fld id="{C66E676C-4B3C-4092-95BF-3F598F112F9C}" type="datetimeFigureOut">
               <a:rPr lang="fr-BE" smtClean="0"/>
-              <a:t>10-05-22</a:t>
+              <a:t>10/05/22</a:t>
             </a:fld>
             <a:endParaRPr lang="fr-BE"/>
           </a:p>
@@ -288,7 +288,7 @@
           <a:p>
             <a:fld id="{089A34B3-06F6-4115-B3AC-73F446AC5F9F}" type="slidenum">
               <a:rPr lang="fr-BE" smtClean="0"/>
-              <a:t>‹N°›</a:t>
+              <a:t>‹#›</a:t>
             </a:fld>
             <a:endParaRPr lang="fr-BE"/>
           </a:p>
@@ -388,7 +388,7 @@
           <a:p>
             <a:fld id="{10F212B3-C95E-4E4E-AE6B-C8EC382F1761}" type="datetimeFigureOut">
               <a:rPr lang="fr-BE" smtClean="0"/>
-              <a:t>10-05-22</a:t>
+              <a:t>10/05/22</a:t>
             </a:fld>
             <a:endParaRPr lang="fr-BE"/>
           </a:p>
@@ -547,7 +547,7 @@
           <a:p>
             <a:fld id="{94EAAEAC-49CB-4681-AD28-ABBCC1E6797E}" type="slidenum">
               <a:rPr lang="fr-BE" smtClean="0"/>
-              <a:t>‹N°›</a:t>
+              <a:t>‹#›</a:t>
             </a:fld>
             <a:endParaRPr lang="fr-BE"/>
           </a:p>
@@ -1379,7 +1379,7 @@
           <a:p>
             <a:fld id="{58990C66-70CC-49E4-AA75-151F59738B78}" type="datetime1">
               <a:rPr lang="en-US" smtClean="0"/>
-              <a:t>5/10/2022</a:t>
+              <a:t>5/10/22</a:t>
             </a:fld>
             <a:endParaRPr lang="en-US" dirty="0"/>
           </a:p>
@@ -1422,7 +1422,7 @@
             <a:fld id="{D57F1E4F-1CFF-5643-939E-217C01CDF565}" type="slidenum">
               <a:rPr lang="en-US" dirty="0"/>
               <a:pPr/>
-              <a:t>‹N°›</a:t>
+              <a:t>‹#›</a:t>
             </a:fld>
             <a:endParaRPr lang="en-US" dirty="0"/>
           </a:p>
@@ -1626,7 +1626,7 @@
           <a:p>
             <a:fld id="{6A569D6B-0F9A-4276-862D-EC6A239CF4BA}" type="datetime1">
               <a:rPr lang="en-US" smtClean="0"/>
-              <a:t>5/10/2022</a:t>
+              <a:t>5/10/22</a:t>
             </a:fld>
             <a:endParaRPr lang="en-US" dirty="0"/>
           </a:p>
@@ -1669,7 +1669,7 @@
             <a:fld id="{D57F1E4F-1CFF-5643-939E-217C01CDF565}" type="slidenum">
               <a:rPr lang="en-US" dirty="0"/>
               <a:pPr/>
-              <a:t>‹N°›</a:t>
+              <a:t>‹#›</a:t>
             </a:fld>
             <a:endParaRPr lang="en-US" dirty="0"/>
           </a:p>
@@ -1936,7 +1936,7 @@
           <a:p>
             <a:fld id="{1F21B7B6-DD8D-4C35-861C-07C7C8D2B56C}" type="datetime1">
               <a:rPr lang="en-US" smtClean="0"/>
-              <a:t>5/10/2022</a:t>
+              <a:t>5/10/22</a:t>
             </a:fld>
             <a:endParaRPr lang="en-US" dirty="0"/>
           </a:p>
@@ -1979,7 +1979,7 @@
             <a:fld id="{D57F1E4F-1CFF-5643-939E-217C01CDF565}" type="slidenum">
               <a:rPr lang="en-US" dirty="0"/>
               <a:pPr/>
-              <a:t>‹N°›</a:t>
+              <a:t>‹#›</a:t>
             </a:fld>
             <a:endParaRPr lang="en-US" dirty="0"/>
           </a:p>
@@ -2273,7 +2273,7 @@
           <a:p>
             <a:fld id="{269CF232-508A-483A-A091-E1C04637FC2C}" type="datetime1">
               <a:rPr lang="en-US" smtClean="0"/>
-              <a:t>5/10/2022</a:t>
+              <a:t>5/10/22</a:t>
             </a:fld>
             <a:endParaRPr lang="en-US" dirty="0"/>
           </a:p>
@@ -2316,7 +2316,7 @@
             <a:fld id="{D57F1E4F-1CFF-5643-939E-217C01CDF565}" type="slidenum">
               <a:rPr lang="en-US" dirty="0"/>
               <a:pPr/>
-              <a:t>‹N°›</a:t>
+              <a:t>‹#›</a:t>
             </a:fld>
             <a:endParaRPr lang="en-US" dirty="0"/>
           </a:p>
@@ -2583,7 +2583,7 @@
           <a:p>
             <a:fld id="{8A6EDB6B-474B-45D9-96B0-9CAC5CD83B94}" type="datetime1">
               <a:rPr lang="en-US" smtClean="0"/>
-              <a:t>5/10/2022</a:t>
+              <a:t>5/10/22</a:t>
             </a:fld>
             <a:endParaRPr lang="en-US" dirty="0"/>
           </a:p>
@@ -2626,7 +2626,7 @@
             <a:fld id="{D57F1E4F-1CFF-5643-939E-217C01CDF565}" type="slidenum">
               <a:rPr lang="en-US" dirty="0"/>
               <a:pPr/>
-              <a:t>‹N°›</a:t>
+              <a:t>‹#›</a:t>
             </a:fld>
             <a:endParaRPr lang="en-US" dirty="0"/>
           </a:p>
@@ -2972,7 +2972,7 @@
           <a:p>
             <a:fld id="{E674E858-A1C6-439C-88CE-F6433B533E0D}" type="datetime1">
               <a:rPr lang="en-US" smtClean="0"/>
-              <a:t>5/10/2022</a:t>
+              <a:t>5/10/22</a:t>
             </a:fld>
             <a:endParaRPr lang="en-US" dirty="0"/>
           </a:p>
@@ -3015,7 +3015,7 @@
             <a:fld id="{D57F1E4F-1CFF-5643-939E-217C01CDF565}" type="slidenum">
               <a:rPr lang="en-US" dirty="0"/>
               <a:pPr/>
-              <a:t>‹N°›</a:t>
+              <a:t>‹#›</a:t>
             </a:fld>
             <a:endParaRPr lang="en-US" dirty="0"/>
           </a:p>
@@ -3138,7 +3138,7 @@
           <a:p>
             <a:fld id="{036B3D1A-AC4D-49ED-BE62-0C1F46BC8044}" type="datetime1">
               <a:rPr lang="en-US" smtClean="0"/>
-              <a:t>5/10/2022</a:t>
+              <a:t>5/10/22</a:t>
             </a:fld>
             <a:endParaRPr lang="en-US" dirty="0"/>
           </a:p>
@@ -3180,7 +3180,7 @@
           <a:p>
             <a:fld id="{89333C77-0158-454C-844F-B7AB9BD7DAD4}" type="slidenum">
               <a:rPr lang="en-US" dirty="0"/>
-              <a:t>‹N°›</a:t>
+              <a:t>‹#›</a:t>
             </a:fld>
             <a:endParaRPr lang="en-US" dirty="0"/>
           </a:p>
@@ -3313,7 +3313,7 @@
           <a:p>
             <a:fld id="{3B852A06-E871-42E0-9CE6-2E0E72C50539}" type="datetime1">
               <a:rPr lang="en-US" smtClean="0"/>
-              <a:t>5/10/2022</a:t>
+              <a:t>5/10/22</a:t>
             </a:fld>
             <a:endParaRPr lang="en-US" dirty="0"/>
           </a:p>
@@ -3356,7 +3356,7 @@
             <a:fld id="{D57F1E4F-1CFF-5643-939E-217C01CDF565}" type="slidenum">
               <a:rPr lang="en-US" dirty="0"/>
               <a:pPr/>
-              <a:t>‹N°›</a:t>
+              <a:t>‹#›</a:t>
             </a:fld>
             <a:endParaRPr lang="en-US" dirty="0"/>
           </a:p>
@@ -4092,7 +4092,7 @@
           <a:p>
             <a:fld id="{E0882174-6AD3-4004-9927-E5490A90297C}" type="datetime1">
               <a:rPr lang="en-US" smtClean="0"/>
-              <a:t>5/10/2022</a:t>
+              <a:t>5/10/22</a:t>
             </a:fld>
             <a:endParaRPr lang="fr-BE"/>
           </a:p>
@@ -4154,7 +4154,7 @@
             <a:fld id="{D57F1E4F-1CFF-5643-939E-217C01CDF565}" type="slidenum">
               <a:rPr lang="en-US" smtClean="0"/>
               <a:pPr/>
-              <a:t>‹N°›</a:t>
+              <a:t>‹#›</a:t>
             </a:fld>
             <a:endParaRPr lang="en-US" dirty="0"/>
           </a:p>
@@ -4288,7 +4288,7 @@
           <a:p>
             <a:fld id="{D6F0D636-2E54-4A13-83FD-B6766EB535DD}" type="datetime1">
               <a:rPr lang="en-US" smtClean="0"/>
-              <a:t>5/10/2022</a:t>
+              <a:t>5/10/22</a:t>
             </a:fld>
             <a:endParaRPr lang="fr-BE"/>
           </a:p>
@@ -4350,7 +4350,7 @@
             <a:fld id="{D57F1E4F-1CFF-5643-939E-217C01CDF565}" type="slidenum">
               <a:rPr lang="en-US" smtClean="0"/>
               <a:pPr/>
-              <a:t>‹N°›</a:t>
+              <a:t>‹#›</a:t>
             </a:fld>
             <a:endParaRPr lang="en-US" dirty="0"/>
           </a:p>
@@ -4555,7 +4555,7 @@
           <a:p>
             <a:fld id="{39B2FF7C-090C-42FF-8CC4-337DCA1AFB49}" type="datetime1">
               <a:rPr lang="en-US" smtClean="0"/>
-              <a:t>5/10/2022</a:t>
+              <a:t>5/10/22</a:t>
             </a:fld>
             <a:endParaRPr lang="fr-BE"/>
           </a:p>
@@ -4617,7 +4617,7 @@
             <a:fld id="{D57F1E4F-1CFF-5643-939E-217C01CDF565}" type="slidenum">
               <a:rPr lang="en-US" smtClean="0"/>
               <a:pPr/>
-              <a:t>‹N°›</a:t>
+              <a:t>‹#›</a:t>
             </a:fld>
             <a:endParaRPr lang="en-US" dirty="0"/>
           </a:p>
@@ -4751,7 +4751,7 @@
           <a:p>
             <a:fld id="{2CACC80A-BFAE-40BA-93CC-821D6F635670}" type="datetime1">
               <a:rPr lang="en-US" smtClean="0"/>
-              <a:t>5/10/2022</a:t>
+              <a:t>5/10/22</a:t>
             </a:fld>
             <a:endParaRPr lang="en-US" dirty="0"/>
           </a:p>
@@ -4794,7 +4794,7 @@
             <a:fld id="{D57F1E4F-1CFF-5643-939E-217C01CDF565}" type="slidenum">
               <a:rPr lang="en-US" dirty="0"/>
               <a:pPr/>
-              <a:t>‹N°›</a:t>
+              <a:t>‹#›</a:t>
             </a:fld>
             <a:endParaRPr lang="en-US" dirty="0"/>
           </a:p>
@@ -4979,7 +4979,7 @@
           <a:p>
             <a:fld id="{704A02D6-1198-42E1-B7B9-8DE4F42F8878}" type="datetime1">
               <a:rPr lang="en-US" smtClean="0"/>
-              <a:t>5/10/2022</a:t>
+              <a:t>5/10/22</a:t>
             </a:fld>
             <a:endParaRPr lang="fr-BE"/>
           </a:p>
@@ -5041,7 +5041,7 @@
             <a:fld id="{D57F1E4F-1CFF-5643-939E-217C01CDF565}" type="slidenum">
               <a:rPr lang="en-US" smtClean="0"/>
               <a:pPr/>
-              <a:t>‹N°›</a:t>
+              <a:t>‹#›</a:t>
             </a:fld>
             <a:endParaRPr lang="en-US" dirty="0"/>
           </a:p>
@@ -5373,7 +5373,7 @@
           <a:p>
             <a:fld id="{013DE1FD-94C5-43E7-A375-F547BBD122FB}" type="datetime1">
               <a:rPr lang="en-US" smtClean="0"/>
-              <a:t>5/10/2022</a:t>
+              <a:t>5/10/22</a:t>
             </a:fld>
             <a:endParaRPr lang="fr-BE"/>
           </a:p>
@@ -5435,7 +5435,7 @@
             <a:fld id="{D57F1E4F-1CFF-5643-939E-217C01CDF565}" type="slidenum">
               <a:rPr lang="en-US" smtClean="0"/>
               <a:pPr/>
-              <a:t>‹N°›</a:t>
+              <a:t>‹#›</a:t>
             </a:fld>
             <a:endParaRPr lang="en-US" dirty="0"/>
           </a:p>
@@ -5516,7 +5516,7 @@
           <a:p>
             <a:fld id="{E75742B5-1AE4-40FE-95F3-982E33E3B222}" type="datetime1">
               <a:rPr lang="en-US" smtClean="0"/>
-              <a:t>5/10/2022</a:t>
+              <a:t>5/10/22</a:t>
             </a:fld>
             <a:endParaRPr lang="fr-BE"/>
           </a:p>
@@ -5578,7 +5578,7 @@
             <a:fld id="{D57F1E4F-1CFF-5643-939E-217C01CDF565}" type="slidenum">
               <a:rPr lang="en-US" smtClean="0"/>
               <a:pPr/>
-              <a:t>‹N°›</a:t>
+              <a:t>‹#›</a:t>
             </a:fld>
             <a:endParaRPr lang="en-US" dirty="0"/>
           </a:p>
@@ -5631,7 +5631,7 @@
           <a:p>
             <a:fld id="{C56FA4B7-C2CF-433C-B95F-5AE035CF3D13}" type="datetime1">
               <a:rPr lang="en-US" smtClean="0"/>
-              <a:t>5/10/2022</a:t>
+              <a:t>5/10/22</a:t>
             </a:fld>
             <a:endParaRPr lang="fr-BE"/>
           </a:p>
@@ -5693,7 +5693,7 @@
             <a:fld id="{D57F1E4F-1CFF-5643-939E-217C01CDF565}" type="slidenum">
               <a:rPr lang="en-US" smtClean="0"/>
               <a:pPr/>
-              <a:t>‹N°›</a:t>
+              <a:t>‹#›</a:t>
             </a:fld>
             <a:endParaRPr lang="en-US" dirty="0"/>
           </a:p>
@@ -5906,7 +5906,7 @@
           <a:p>
             <a:fld id="{3D313196-6E73-433F-B79E-783304131DF1}" type="datetime1">
               <a:rPr lang="en-US" smtClean="0"/>
-              <a:t>5/10/2022</a:t>
+              <a:t>5/10/22</a:t>
             </a:fld>
             <a:endParaRPr lang="fr-BE"/>
           </a:p>
@@ -5968,7 +5968,7 @@
             <a:fld id="{D57F1E4F-1CFF-5643-939E-217C01CDF565}" type="slidenum">
               <a:rPr lang="en-US" smtClean="0"/>
               <a:pPr/>
-              <a:t>‹N°›</a:t>
+              <a:t>‹#›</a:t>
             </a:fld>
             <a:endParaRPr lang="en-US" dirty="0"/>
           </a:p>
@@ -6189,7 +6189,7 @@
           <a:p>
             <a:fld id="{DECFC14E-B9DB-45C4-B80E-B2469F049249}" type="datetime1">
               <a:rPr lang="en-US" smtClean="0"/>
-              <a:t>5/10/2022</a:t>
+              <a:t>5/10/22</a:t>
             </a:fld>
             <a:endParaRPr lang="fr-BE"/>
           </a:p>
@@ -6251,7 +6251,7 @@
             <a:fld id="{D57F1E4F-1CFF-5643-939E-217C01CDF565}" type="slidenum">
               <a:rPr lang="en-US" smtClean="0"/>
               <a:pPr/>
-              <a:t>‹N°›</a:t>
+              <a:t>‹#›</a:t>
             </a:fld>
             <a:endParaRPr lang="en-US" dirty="0"/>
           </a:p>
@@ -6460,7 +6460,7 @@
           <a:p>
             <a:fld id="{F2F90BB6-9B6D-4D80-8336-1489DFC0D904}" type="datetime1">
               <a:rPr lang="en-US" smtClean="0"/>
-              <a:t>5/10/2022</a:t>
+              <a:t>5/10/22</a:t>
             </a:fld>
             <a:endParaRPr lang="fr-BE"/>
           </a:p>
@@ -6522,7 +6522,7 @@
             <a:fld id="{D57F1E4F-1CFF-5643-939E-217C01CDF565}" type="slidenum">
               <a:rPr lang="en-US" smtClean="0"/>
               <a:pPr/>
-              <a:t>‹N°›</a:t>
+              <a:t>‹#›</a:t>
             </a:fld>
             <a:endParaRPr lang="en-US" dirty="0"/>
           </a:p>
@@ -6794,7 +6794,7 @@
           <a:p>
             <a:fld id="{E4DB3A25-3C6D-46FF-ADC1-75B14734D03C}" type="datetime1">
               <a:rPr lang="en-US" smtClean="0"/>
-              <a:t>5/10/2022</a:t>
+              <a:t>5/10/22</a:t>
             </a:fld>
             <a:endParaRPr lang="fr-BE"/>
           </a:p>
@@ -6946,7 +6946,7 @@
             <a:fld id="{D57F1E4F-1CFF-5643-939E-217C01CDF565}" type="slidenum">
               <a:rPr lang="en-US" smtClean="0"/>
               <a:pPr/>
-              <a:t>‹N°›</a:t>
+              <a:t>‹#›</a:t>
             </a:fld>
             <a:endParaRPr lang="en-US" dirty="0"/>
           </a:p>
@@ -7155,7 +7155,7 @@
           <a:p>
             <a:fld id="{3788F5D0-50B6-4EA6-B49E-EF536E10DE78}" type="datetime1">
               <a:rPr lang="en-US" smtClean="0"/>
-              <a:t>5/10/2022</a:t>
+              <a:t>5/10/22</a:t>
             </a:fld>
             <a:endParaRPr lang="fr-BE"/>
           </a:p>
@@ -7217,7 +7217,7 @@
             <a:fld id="{D57F1E4F-1CFF-5643-939E-217C01CDF565}" type="slidenum">
               <a:rPr lang="en-US" smtClean="0"/>
               <a:pPr/>
-              <a:t>‹N°›</a:t>
+              <a:t>‹#›</a:t>
             </a:fld>
             <a:endParaRPr lang="en-US" dirty="0"/>
           </a:p>
@@ -7489,7 +7489,7 @@
           <a:p>
             <a:fld id="{1B4A85C5-2CA9-42CF-B4AC-8BB3D6E9E7AF}" type="datetime1">
               <a:rPr lang="en-US" smtClean="0"/>
-              <a:t>5/10/2022</a:t>
+              <a:t>5/10/22</a:t>
             </a:fld>
             <a:endParaRPr lang="fr-BE"/>
           </a:p>
@@ -7633,7 +7633,7 @@
             <a:fld id="{D57F1E4F-1CFF-5643-939E-217C01CDF565}" type="slidenum">
               <a:rPr lang="en-US" smtClean="0"/>
               <a:pPr/>
-              <a:t>‹N°›</a:t>
+              <a:t>‹#›</a:t>
             </a:fld>
             <a:endParaRPr lang="en-US" dirty="0"/>
           </a:p>
@@ -7838,7 +7838,7 @@
           <a:p>
             <a:fld id="{926F070E-A207-4905-961E-B4148494DF59}" type="datetime1">
               <a:rPr lang="en-US" smtClean="0"/>
-              <a:t>5/10/2022</a:t>
+              <a:t>5/10/22</a:t>
             </a:fld>
             <a:endParaRPr lang="en-US" dirty="0"/>
           </a:p>
@@ -7881,7 +7881,7 @@
             <a:fld id="{D57F1E4F-1CFF-5643-939E-217C01CDF565}" type="slidenum">
               <a:rPr lang="en-US" dirty="0"/>
               <a:pPr/>
-              <a:t>‹N°›</a:t>
+              <a:t>‹#›</a:t>
             </a:fld>
             <a:endParaRPr lang="en-US" dirty="0"/>
           </a:p>
@@ -8145,7 +8145,7 @@
           <a:p>
             <a:fld id="{2C132876-A60D-4DC6-80D5-4777CE77721C}" type="datetime1">
               <a:rPr lang="en-US" smtClean="0"/>
-              <a:t>5/10/2022</a:t>
+              <a:t>5/10/22</a:t>
             </a:fld>
             <a:endParaRPr lang="fr-BE"/>
           </a:p>
@@ -8207,7 +8207,7 @@
             <a:fld id="{D57F1E4F-1CFF-5643-939E-217C01CDF565}" type="slidenum">
               <a:rPr lang="en-US" smtClean="0"/>
               <a:pPr/>
-              <a:t>‹N°›</a:t>
+              <a:t>‹#›</a:t>
             </a:fld>
             <a:endParaRPr lang="en-US" dirty="0"/>
           </a:p>
@@ -8335,7 +8335,7 @@
           <a:p>
             <a:fld id="{E5A697EA-876D-4B66-8ED8-FA4462BB4063}" type="datetime1">
               <a:rPr lang="en-US" smtClean="0"/>
-              <a:t>5/10/2022</a:t>
+              <a:t>5/10/22</a:t>
             </a:fld>
             <a:endParaRPr lang="fr-BE"/>
           </a:p>
@@ -8397,7 +8397,7 @@
             <a:fld id="{D57F1E4F-1CFF-5643-939E-217C01CDF565}" type="slidenum">
               <a:rPr lang="en-US" smtClean="0"/>
               <a:pPr/>
-              <a:t>‹N°›</a:t>
+              <a:t>‹#›</a:t>
             </a:fld>
             <a:endParaRPr lang="en-US" dirty="0"/>
           </a:p>
@@ -8535,7 +8535,7 @@
           <a:p>
             <a:fld id="{BF87602E-F651-4F7E-9524-FC03752C26D2}" type="datetime1">
               <a:rPr lang="en-US" smtClean="0"/>
-              <a:t>5/10/2022</a:t>
+              <a:t>5/10/22</a:t>
             </a:fld>
             <a:endParaRPr lang="fr-BE"/>
           </a:p>
@@ -8597,7 +8597,7 @@
             <a:fld id="{D57F1E4F-1CFF-5643-939E-217C01CDF565}" type="slidenum">
               <a:rPr lang="en-US" smtClean="0"/>
               <a:pPr/>
-              <a:t>‹N°›</a:t>
+              <a:t>‹#›</a:t>
             </a:fld>
             <a:endParaRPr lang="en-US" dirty="0"/>
           </a:p>
@@ -8787,7 +8787,7 @@
           <a:p>
             <a:fld id="{DAF7FF0E-BE30-4BA8-89AF-B9FDF877AC44}" type="datetime1">
               <a:rPr lang="en-US" smtClean="0"/>
-              <a:t>5/10/2022</a:t>
+              <a:t>5/10/22</a:t>
             </a:fld>
             <a:endParaRPr lang="en-US" dirty="0"/>
           </a:p>
@@ -8829,7 +8829,7 @@
           <a:p>
             <a:fld id="{6FF9F0C5-380F-41C2-899A-BAC0F0927E16}" type="slidenum">
               <a:rPr lang="en-US" dirty="0"/>
-              <a:t>‹N°›</a:t>
+              <a:t>‹#›</a:t>
             </a:fld>
             <a:endParaRPr lang="en-US" dirty="0"/>
           </a:p>
@@ -9156,7 +9156,7 @@
           <a:p>
             <a:fld id="{24EB7DA6-B593-4DD0-8083-6932C09D2146}" type="datetime1">
               <a:rPr lang="en-US" smtClean="0"/>
-              <a:t>5/10/2022</a:t>
+              <a:t>5/10/22</a:t>
             </a:fld>
             <a:endParaRPr lang="en-US" dirty="0"/>
           </a:p>
@@ -9199,7 +9199,7 @@
             <a:fld id="{D57F1E4F-1CFF-5643-939E-217C01CDF565}" type="slidenum">
               <a:rPr lang="en-US" dirty="0"/>
               <a:pPr/>
-              <a:t>‹N°›</a:t>
+              <a:t>‹#›</a:t>
             </a:fld>
             <a:endParaRPr lang="en-US" dirty="0"/>
           </a:p>
@@ -9275,7 +9275,7 @@
           <a:p>
             <a:fld id="{79BFC6D1-091E-4EAB-A306-380E54276BF9}" type="datetime1">
               <a:rPr lang="en-US" smtClean="0"/>
-              <a:t>5/10/2022</a:t>
+              <a:t>5/10/22</a:t>
             </a:fld>
             <a:endParaRPr lang="en-US" dirty="0"/>
           </a:p>
@@ -9318,7 +9318,7 @@
             <a:fld id="{D57F1E4F-1CFF-5643-939E-217C01CDF565}" type="slidenum">
               <a:rPr lang="en-US" dirty="0"/>
               <a:pPr/>
-              <a:t>‹N°›</a:t>
+              <a:t>‹#›</a:t>
             </a:fld>
             <a:endParaRPr lang="en-US" dirty="0"/>
           </a:p>
@@ -9366,7 +9366,7 @@
           <a:p>
             <a:fld id="{D5661772-5928-4062-94D3-D9534773514A}" type="datetime1">
               <a:rPr lang="en-US" smtClean="0"/>
-              <a:t>5/10/2022</a:t>
+              <a:t>5/10/22</a:t>
             </a:fld>
             <a:endParaRPr lang="en-US" dirty="0"/>
           </a:p>
@@ -9409,7 +9409,7 @@
             <a:fld id="{D57F1E4F-1CFF-5643-939E-217C01CDF565}" type="slidenum">
               <a:rPr lang="en-US" dirty="0"/>
               <a:pPr/>
-              <a:t>‹N°›</a:t>
+              <a:t>‹#›</a:t>
             </a:fld>
             <a:endParaRPr lang="en-US" dirty="0"/>
           </a:p>
@@ -9617,7 +9617,7 @@
           <a:p>
             <a:fld id="{F9F45BD3-5BC4-4372-A406-2E11F5CA1741}" type="datetime1">
               <a:rPr lang="en-US" smtClean="0"/>
-              <a:t>5/10/2022</a:t>
+              <a:t>5/10/22</a:t>
             </a:fld>
             <a:endParaRPr lang="en-US" dirty="0"/>
           </a:p>
@@ -9659,7 +9659,7 @@
           <a:p>
             <a:fld id="{519954A3-9DFD-4C44-94BA-B95130A3BA1C}" type="slidenum">
               <a:rPr lang="en-US" dirty="0"/>
-              <a:t>‹N°›</a:t>
+              <a:t>‹#›</a:t>
             </a:fld>
             <a:endParaRPr lang="en-US" dirty="0"/>
           </a:p>
@@ -9875,7 +9875,7 @@
           <a:p>
             <a:fld id="{5E4A1551-D187-48AD-897D-5735C5A88275}" type="datetime1">
               <a:rPr lang="en-US" smtClean="0"/>
-              <a:t>5/10/2022</a:t>
+              <a:t>5/10/22</a:t>
             </a:fld>
             <a:endParaRPr lang="en-US" dirty="0"/>
           </a:p>
@@ -9918,7 +9918,7 @@
             <a:fld id="{D57F1E4F-1CFF-5643-939E-217C01CDF565}" type="slidenum">
               <a:rPr lang="en-US" dirty="0"/>
               <a:pPr/>
-              <a:t>‹N°›</a:t>
+              <a:t>‹#›</a:t>
             </a:fld>
             <a:endParaRPr lang="en-US" dirty="0"/>
           </a:p>
@@ -10614,7 +10614,7 @@
           <a:p>
             <a:fld id="{2BB72EEA-9517-4907-B597-2FC7F7C2F710}" type="datetime1">
               <a:rPr lang="en-US" smtClean="0"/>
-              <a:t>5/10/2022</a:t>
+              <a:t>5/10/22</a:t>
             </a:fld>
             <a:endParaRPr lang="en-US" dirty="0"/>
           </a:p>
@@ -10694,7 +10694,7 @@
             <a:fld id="{D57F1E4F-1CFF-5643-939E-217C01CDF565}" type="slidenum">
               <a:rPr lang="en-US" smtClean="0"/>
               <a:pPr/>
-              <a:t>‹N°›</a:t>
+              <a:t>‹#›</a:t>
             </a:fld>
             <a:endParaRPr lang="en-US" dirty="0"/>
           </a:p>
@@ -11803,7 +11803,7 @@
           <a:p>
             <a:fld id="{1BB4D123-806F-48A5-9C11-A490C1BA8994}" type="datetime1">
               <a:rPr lang="en-US" smtClean="0"/>
-              <a:t>5/10/2022</a:t>
+              <a:t>5/10/22</a:t>
             </a:fld>
             <a:endParaRPr lang="en-US" dirty="0"/>
           </a:p>
@@ -11883,7 +11883,7 @@
             <a:fld id="{D57F1E4F-1CFF-5643-939E-217C01CDF565}" type="slidenum">
               <a:rPr lang="en-US" smtClean="0"/>
               <a:pPr/>
-              <a:t>‹N°›</a:t>
+              <a:t>‹#›</a:t>
             </a:fld>
             <a:endParaRPr lang="en-US" dirty="0"/>
           </a:p>
@@ -12786,13 +12786,6 @@
   <p:clrMapOvr>
     <a:masterClrMapping/>
   </p:clrMapOvr>
-  <p:timing>
-    <p:tnLst>
-      <p:par>
-        <p:cTn id="1" dur="indefinite" restart="never" nodeType="tmRoot"/>
-      </p:par>
-    </p:tnLst>
-  </p:timing>
 </p:sld>
 </file>
 
@@ -12995,13 +12988,6 @@
   <p:clrMapOvr>
     <a:masterClrMapping/>
   </p:clrMapOvr>
-  <p:timing>
-    <p:tnLst>
-      <p:par>
-        <p:cTn id="1" dur="indefinite" restart="never" nodeType="tmRoot"/>
-      </p:par>
-    </p:tnLst>
-  </p:timing>
 </p:sld>
 </file>
 
@@ -13111,13 +13097,6 @@
   <p:clrMapOvr>
     <a:masterClrMapping/>
   </p:clrMapOvr>
-  <p:timing>
-    <p:tnLst>
-      <p:par>
-        <p:cTn id="1" dur="indefinite" restart="never" nodeType="tmRoot"/>
-      </p:par>
-    </p:tnLst>
-  </p:timing>
 </p:sld>
 </file>
 
@@ -13360,10 +13339,6 @@
             <a:r>
               <a:rPr lang="fr-BE" dirty="0" err="1"/>
               <a:t>Hohenberg</a:t>
-            </a:r>
-            <a:r>
-              <a:rPr lang="fr-BE" dirty="0"/>
-              <a:t/>
             </a:r>
             <a:br>
               <a:rPr lang="fr-BE" dirty="0"/>
@@ -13751,13 +13726,6 @@
   <p:clrMapOvr>
     <a:masterClrMapping/>
   </p:clrMapOvr>
-  <p:timing>
-    <p:tnLst>
-      <p:par>
-        <p:cTn id="1" dur="indefinite" restart="never" nodeType="tmRoot"/>
-      </p:par>
-    </p:tnLst>
-  </p:timing>
 </p:sld>
 </file>
 
@@ -14211,13 +14179,6 @@
   <p:clrMapOvr>
     <a:masterClrMapping/>
   </p:clrMapOvr>
-  <p:timing>
-    <p:tnLst>
-      <p:par>
-        <p:cTn id="1" dur="indefinite" restart="never" nodeType="tmRoot"/>
-      </p:par>
-    </p:tnLst>
-  </p:timing>
 </p:sld>
 </file>
 
@@ -22278,13 +22239,6 @@
   <p:clrMapOvr>
     <a:masterClrMapping/>
   </p:clrMapOvr>
-  <p:timing>
-    <p:tnLst>
-      <p:par>
-        <p:cTn id="1" dur="indefinite" restart="never" nodeType="tmRoot"/>
-      </p:par>
-    </p:tnLst>
-  </p:timing>
 </p:sld>
 </file>
 
@@ -22510,13 +22464,6 @@
   <p:clrMapOvr>
     <a:masterClrMapping/>
   </p:clrMapOvr>
-  <p:timing>
-    <p:tnLst>
-      <p:par>
-        <p:cTn id="1" dur="indefinite" restart="never" nodeType="tmRoot"/>
-      </p:par>
-    </p:tnLst>
-  </p:timing>
 </p:sld>
 </file>
 
@@ -22802,13 +22749,6 @@
   <p:clrMapOvr>
     <a:masterClrMapping/>
   </p:clrMapOvr>
-  <p:timing>
-    <p:tnLst>
-      <p:par>
-        <p:cTn id="1" dur="indefinite" restart="never" nodeType="tmRoot"/>
-      </p:par>
-    </p:tnLst>
-  </p:timing>
 </p:sld>
 </file>
 
@@ -23234,13 +23174,6 @@
   <p:clrMapOvr>
     <a:masterClrMapping/>
   </p:clrMapOvr>
-  <p:timing>
-    <p:tnLst>
-      <p:par>
-        <p:cTn id="1" dur="indefinite" restart="never" nodeType="tmRoot"/>
-      </p:par>
-    </p:tnLst>
-  </p:timing>
 </p:sld>
 </file>
 
@@ -23466,13 +23399,6 @@
   <p:clrMapOvr>
     <a:masterClrMapping/>
   </p:clrMapOvr>
-  <p:timing>
-    <p:tnLst>
-      <p:par>
-        <p:cTn id="1" dur="indefinite" restart="never" nodeType="tmRoot"/>
-      </p:par>
-    </p:tnLst>
-  </p:timing>
 </p:sld>
 </file>
 
@@ -23649,7 +23575,7 @@
         </p:blipFill>
         <p:spPr>
           <a:xfrm>
-            <a:off x="794312" y="4490859"/>
+            <a:off x="794309" y="4552886"/>
             <a:ext cx="2404797" cy="302400"/>
           </a:xfrm>
           <a:prstGeom prst="rect">
@@ -23807,6 +23733,90 @@
           </a:prstGeom>
         </p:spPr>
       </p:pic>
+      <p:sp>
+        <p:nvSpPr>
+          <p:cNvPr id="3" name="Rectangle 2">
+            <a:extLst>
+              <a:ext uri="{FF2B5EF4-FFF2-40B4-BE49-F238E27FC236}">
+                <a16:creationId xmlns:a16="http://schemas.microsoft.com/office/drawing/2014/main" id="{42D75DC9-A9CC-901E-3FBD-5A6383E16509}"/>
+              </a:ext>
+            </a:extLst>
+          </p:cNvPr>
+          <p:cNvSpPr/>
+          <p:nvPr/>
+        </p:nvSpPr>
+        <p:spPr>
+          <a:xfrm>
+            <a:off x="677334" y="4552886"/>
+            <a:ext cx="321576" cy="302400"/>
+          </a:xfrm>
+          <a:prstGeom prst="rect">
+            <a:avLst/>
+          </a:prstGeom>
+          <a:ln>
+            <a:solidFill>
+              <a:schemeClr val="bg1"/>
+            </a:solidFill>
+          </a:ln>
+        </p:spPr>
+        <p:style>
+          <a:lnRef idx="2">
+            <a:schemeClr val="accent6"/>
+          </a:lnRef>
+          <a:fillRef idx="1">
+            <a:schemeClr val="lt1"/>
+          </a:fillRef>
+          <a:effectRef idx="0">
+            <a:schemeClr val="accent6"/>
+          </a:effectRef>
+          <a:fontRef idx="minor">
+            <a:schemeClr val="dk1"/>
+          </a:fontRef>
+        </p:style>
+        <p:txBody>
+          <a:bodyPr rtlCol="0" anchor="ctr"/>
+          <a:lstStyle/>
+          <a:p>
+            <a:pPr algn="ctr"/>
+            <a:endParaRPr lang="en-BE"/>
+          </a:p>
+        </p:txBody>
+      </p:sp>
+      <p:sp>
+        <p:nvSpPr>
+          <p:cNvPr id="6" name="TextBox 5">
+            <a:extLst>
+              <a:ext uri="{FF2B5EF4-FFF2-40B4-BE49-F238E27FC236}">
+                <a16:creationId xmlns:a16="http://schemas.microsoft.com/office/drawing/2014/main" id="{C7F9DFD0-250D-9D7F-4CF8-68535F482C3B}"/>
+              </a:ext>
+            </a:extLst>
+          </p:cNvPr>
+          <p:cNvSpPr txBox="1"/>
+          <p:nvPr/>
+        </p:nvSpPr>
+        <p:spPr>
+          <a:xfrm>
+            <a:off x="761844" y="4552886"/>
+            <a:ext cx="321576" cy="369332"/>
+          </a:xfrm>
+          <a:prstGeom prst="rect">
+            <a:avLst/>
+          </a:prstGeom>
+          <a:noFill/>
+        </p:spPr>
+        <p:txBody>
+          <a:bodyPr wrap="square" rtlCol="0">
+            <a:spAutoFit/>
+          </a:bodyPr>
+          <a:lstStyle/>
+          <a:p>
+            <a:r>
+              <a:rPr lang="en-BE" dirty="0"/>
+              <a:t>A</a:t>
+            </a:r>
+          </a:p>
+        </p:txBody>
+      </p:sp>
     </p:spTree>
     <p:extLst>
       <p:ext uri="{BB962C8B-B14F-4D97-AF65-F5344CB8AC3E}">
@@ -23817,13 +23827,6 @@
   <p:clrMapOvr>
     <a:masterClrMapping/>
   </p:clrMapOvr>
-  <p:timing>
-    <p:tnLst>
-      <p:par>
-        <p:cTn id="1" dur="indefinite" restart="never" nodeType="tmRoot"/>
-      </p:par>
-    </p:tnLst>
-  </p:timing>
 </p:sld>
 </file>
 
@@ -24486,13 +24489,6 @@
   <p:clrMapOvr>
     <a:masterClrMapping/>
   </p:clrMapOvr>
-  <p:timing>
-    <p:tnLst>
-      <p:par>
-        <p:cTn id="1" dur="indefinite" restart="never" nodeType="tmRoot"/>
-      </p:par>
-    </p:tnLst>
-  </p:timing>
 </p:sld>
 </file>
 
@@ -25024,13 +25020,6 @@
   <p:clrMapOvr>
     <a:masterClrMapping/>
   </p:clrMapOvr>
-  <p:timing>
-    <p:tnLst>
-      <p:par>
-        <p:cTn id="1" dur="indefinite" restart="never" nodeType="tmRoot"/>
-      </p:par>
-    </p:tnLst>
-  </p:timing>
 </p:sld>
 </file>
 
@@ -25105,8 +25094,8 @@
           </a:p>
         </p:txBody>
       </p:sp>
-      <mc:AlternateContent xmlns:mc="http://schemas.openxmlformats.org/markup-compatibility/2006">
-        <mc:Choice xmlns:a14="http://schemas.microsoft.com/office/drawing/2010/main" Requires="a14">
+      <mc:AlternateContent xmlns:mc="http://schemas.openxmlformats.org/markup-compatibility/2006" xmlns:a14="http://schemas.microsoft.com/office/drawing/2010/main">
+        <mc:Choice Requires="a14">
           <p:sp>
             <p:nvSpPr>
               <p:cNvPr id="7" name="Espace réservé du contenu 2"/>
@@ -25128,7 +25117,7 @@
               <a:lstStyle/>
               <a:p>
                 <a:r>
-                  <a:rPr lang="fr-BE" dirty="0" smtClean="0"/>
+                  <a:rPr lang="fr-BE" dirty="0"/>
                   <a:t>Discrétisation</a:t>
                 </a:r>
               </a:p>
@@ -26345,7 +26334,7 @@
             </p:txBody>
           </p:sp>
         </mc:Choice>
-        <mc:Fallback>
+        <mc:Fallback xmlns="">
           <p:sp>
             <p:nvSpPr>
               <p:cNvPr id="7" name="Espace réservé du contenu 2"/>
@@ -26393,13 +26382,6 @@
   <p:clrMapOvr>
     <a:masterClrMapping/>
   </p:clrMapOvr>
-  <p:timing>
-    <p:tnLst>
-      <p:par>
-        <p:cTn id="1" dur="indefinite" restart="never" nodeType="tmRoot"/>
-      </p:par>
-    </p:tnLst>
-  </p:timing>
 </p:sld>
 </file>
 
@@ -27367,8 +27349,8 @@
           </p:sp>
         </mc:Fallback>
       </mc:AlternateContent>
-      <mc:AlternateContent xmlns:mc="http://schemas.openxmlformats.org/markup-compatibility/2006">
-        <mc:Choice xmlns:a14="http://schemas.microsoft.com/office/drawing/2010/main" Requires="a14">
+      <mc:AlternateContent xmlns:mc="http://schemas.openxmlformats.org/markup-compatibility/2006" xmlns:a14="http://schemas.microsoft.com/office/drawing/2010/main">
+        <mc:Choice Requires="a14">
           <p:sp>
             <p:nvSpPr>
               <p:cNvPr id="10" name="ZoneTexte 9"/>
@@ -27918,7 +27900,7 @@
             </p:txBody>
           </p:sp>
         </mc:Choice>
-        <mc:Fallback>
+        <mc:Fallback xmlns="">
           <p:sp>
             <p:nvSpPr>
               <p:cNvPr id="10" name="ZoneTexte 9"/>
@@ -28512,8 +28494,8 @@
           </a:p>
         </p:txBody>
       </p:sp>
-      <mc:AlternateContent xmlns:mc="http://schemas.openxmlformats.org/markup-compatibility/2006">
-        <mc:Choice xmlns:a14="http://schemas.microsoft.com/office/drawing/2010/main" Requires="a14">
+      <mc:AlternateContent xmlns:mc="http://schemas.openxmlformats.org/markup-compatibility/2006" xmlns:a14="http://schemas.microsoft.com/office/drawing/2010/main">
+        <mc:Choice Requires="a14">
           <p:sp>
             <p:nvSpPr>
               <p:cNvPr id="8" name="ZoneTexte 7"/>
@@ -29470,7 +29452,7 @@
             </p:txBody>
           </p:sp>
         </mc:Choice>
-        <mc:Fallback>
+        <mc:Fallback xmlns="">
           <p:sp>
             <p:nvSpPr>
               <p:cNvPr id="8" name="ZoneTexte 7"/>
@@ -31558,13 +31540,6 @@
   <p:clrMapOvr>
     <a:masterClrMapping/>
   </p:clrMapOvr>
-  <p:timing>
-    <p:tnLst>
-      <p:par>
-        <p:cTn id="1" dur="indefinite" restart="never" nodeType="tmRoot"/>
-      </p:par>
-    </p:tnLst>
-  </p:timing>
 </p:sld>
 </file>
 

--- a/Présentation_LPHYS1303.pptx
+++ b/Présentation_LPHYS1303.pptx
@@ -222,7 +222,7 @@
           <a:p>
             <a:fld id="{C66E676C-4B3C-4092-95BF-3F598F112F9C}" type="datetimeFigureOut">
               <a:rPr lang="fr-BE" smtClean="0"/>
-              <a:t>10/05/22</a:t>
+              <a:t>10-05-22</a:t>
             </a:fld>
             <a:endParaRPr lang="fr-BE"/>
           </a:p>
@@ -288,7 +288,7 @@
           <a:p>
             <a:fld id="{089A34B3-06F6-4115-B3AC-73F446AC5F9F}" type="slidenum">
               <a:rPr lang="fr-BE" smtClean="0"/>
-              <a:t>‹#›</a:t>
+              <a:t>‹N°›</a:t>
             </a:fld>
             <a:endParaRPr lang="fr-BE"/>
           </a:p>
@@ -388,7 +388,7 @@
           <a:p>
             <a:fld id="{10F212B3-C95E-4E4E-AE6B-C8EC382F1761}" type="datetimeFigureOut">
               <a:rPr lang="fr-BE" smtClean="0"/>
-              <a:t>10/05/22</a:t>
+              <a:t>10-05-22</a:t>
             </a:fld>
             <a:endParaRPr lang="fr-BE"/>
           </a:p>
@@ -547,7 +547,7 @@
           <a:p>
             <a:fld id="{94EAAEAC-49CB-4681-AD28-ABBCC1E6797E}" type="slidenum">
               <a:rPr lang="fr-BE" smtClean="0"/>
-              <a:t>‹#›</a:t>
+              <a:t>‹N°›</a:t>
             </a:fld>
             <a:endParaRPr lang="fr-BE"/>
           </a:p>
@@ -1379,7 +1379,7 @@
           <a:p>
             <a:fld id="{58990C66-70CC-49E4-AA75-151F59738B78}" type="datetime1">
               <a:rPr lang="en-US" smtClean="0"/>
-              <a:t>5/10/22</a:t>
+              <a:t>5/10/2022</a:t>
             </a:fld>
             <a:endParaRPr lang="en-US" dirty="0"/>
           </a:p>
@@ -1422,7 +1422,7 @@
             <a:fld id="{D57F1E4F-1CFF-5643-939E-217C01CDF565}" type="slidenum">
               <a:rPr lang="en-US" dirty="0"/>
               <a:pPr/>
-              <a:t>‹#›</a:t>
+              <a:t>‹N°›</a:t>
             </a:fld>
             <a:endParaRPr lang="en-US" dirty="0"/>
           </a:p>
@@ -1626,7 +1626,7 @@
           <a:p>
             <a:fld id="{6A569D6B-0F9A-4276-862D-EC6A239CF4BA}" type="datetime1">
               <a:rPr lang="en-US" smtClean="0"/>
-              <a:t>5/10/22</a:t>
+              <a:t>5/10/2022</a:t>
             </a:fld>
             <a:endParaRPr lang="en-US" dirty="0"/>
           </a:p>
@@ -1669,7 +1669,7 @@
             <a:fld id="{D57F1E4F-1CFF-5643-939E-217C01CDF565}" type="slidenum">
               <a:rPr lang="en-US" dirty="0"/>
               <a:pPr/>
-              <a:t>‹#›</a:t>
+              <a:t>‹N°›</a:t>
             </a:fld>
             <a:endParaRPr lang="en-US" dirty="0"/>
           </a:p>
@@ -1936,7 +1936,7 @@
           <a:p>
             <a:fld id="{1F21B7B6-DD8D-4C35-861C-07C7C8D2B56C}" type="datetime1">
               <a:rPr lang="en-US" smtClean="0"/>
-              <a:t>5/10/22</a:t>
+              <a:t>5/10/2022</a:t>
             </a:fld>
             <a:endParaRPr lang="en-US" dirty="0"/>
           </a:p>
@@ -1979,7 +1979,7 @@
             <a:fld id="{D57F1E4F-1CFF-5643-939E-217C01CDF565}" type="slidenum">
               <a:rPr lang="en-US" dirty="0"/>
               <a:pPr/>
-              <a:t>‹#›</a:t>
+              <a:t>‹N°›</a:t>
             </a:fld>
             <a:endParaRPr lang="en-US" dirty="0"/>
           </a:p>
@@ -2273,7 +2273,7 @@
           <a:p>
             <a:fld id="{269CF232-508A-483A-A091-E1C04637FC2C}" type="datetime1">
               <a:rPr lang="en-US" smtClean="0"/>
-              <a:t>5/10/22</a:t>
+              <a:t>5/10/2022</a:t>
             </a:fld>
             <a:endParaRPr lang="en-US" dirty="0"/>
           </a:p>
@@ -2316,7 +2316,7 @@
             <a:fld id="{D57F1E4F-1CFF-5643-939E-217C01CDF565}" type="slidenum">
               <a:rPr lang="en-US" dirty="0"/>
               <a:pPr/>
-              <a:t>‹#›</a:t>
+              <a:t>‹N°›</a:t>
             </a:fld>
             <a:endParaRPr lang="en-US" dirty="0"/>
           </a:p>
@@ -2583,7 +2583,7 @@
           <a:p>
             <a:fld id="{8A6EDB6B-474B-45D9-96B0-9CAC5CD83B94}" type="datetime1">
               <a:rPr lang="en-US" smtClean="0"/>
-              <a:t>5/10/22</a:t>
+              <a:t>5/10/2022</a:t>
             </a:fld>
             <a:endParaRPr lang="en-US" dirty="0"/>
           </a:p>
@@ -2626,7 +2626,7 @@
             <a:fld id="{D57F1E4F-1CFF-5643-939E-217C01CDF565}" type="slidenum">
               <a:rPr lang="en-US" dirty="0"/>
               <a:pPr/>
-              <a:t>‹#›</a:t>
+              <a:t>‹N°›</a:t>
             </a:fld>
             <a:endParaRPr lang="en-US" dirty="0"/>
           </a:p>
@@ -2972,7 +2972,7 @@
           <a:p>
             <a:fld id="{E674E858-A1C6-439C-88CE-F6433B533E0D}" type="datetime1">
               <a:rPr lang="en-US" smtClean="0"/>
-              <a:t>5/10/22</a:t>
+              <a:t>5/10/2022</a:t>
             </a:fld>
             <a:endParaRPr lang="en-US" dirty="0"/>
           </a:p>
@@ -3015,7 +3015,7 @@
             <a:fld id="{D57F1E4F-1CFF-5643-939E-217C01CDF565}" type="slidenum">
               <a:rPr lang="en-US" dirty="0"/>
               <a:pPr/>
-              <a:t>‹#›</a:t>
+              <a:t>‹N°›</a:t>
             </a:fld>
             <a:endParaRPr lang="en-US" dirty="0"/>
           </a:p>
@@ -3138,7 +3138,7 @@
           <a:p>
             <a:fld id="{036B3D1A-AC4D-49ED-BE62-0C1F46BC8044}" type="datetime1">
               <a:rPr lang="en-US" smtClean="0"/>
-              <a:t>5/10/22</a:t>
+              <a:t>5/10/2022</a:t>
             </a:fld>
             <a:endParaRPr lang="en-US" dirty="0"/>
           </a:p>
@@ -3180,7 +3180,7 @@
           <a:p>
             <a:fld id="{89333C77-0158-454C-844F-B7AB9BD7DAD4}" type="slidenum">
               <a:rPr lang="en-US" dirty="0"/>
-              <a:t>‹#›</a:t>
+              <a:t>‹N°›</a:t>
             </a:fld>
             <a:endParaRPr lang="en-US" dirty="0"/>
           </a:p>
@@ -3313,7 +3313,7 @@
           <a:p>
             <a:fld id="{3B852A06-E871-42E0-9CE6-2E0E72C50539}" type="datetime1">
               <a:rPr lang="en-US" smtClean="0"/>
-              <a:t>5/10/22</a:t>
+              <a:t>5/10/2022</a:t>
             </a:fld>
             <a:endParaRPr lang="en-US" dirty="0"/>
           </a:p>
@@ -3356,7 +3356,7 @@
             <a:fld id="{D57F1E4F-1CFF-5643-939E-217C01CDF565}" type="slidenum">
               <a:rPr lang="en-US" dirty="0"/>
               <a:pPr/>
-              <a:t>‹#›</a:t>
+              <a:t>‹N°›</a:t>
             </a:fld>
             <a:endParaRPr lang="en-US" dirty="0"/>
           </a:p>
@@ -4092,7 +4092,7 @@
           <a:p>
             <a:fld id="{E0882174-6AD3-4004-9927-E5490A90297C}" type="datetime1">
               <a:rPr lang="en-US" smtClean="0"/>
-              <a:t>5/10/22</a:t>
+              <a:t>5/10/2022</a:t>
             </a:fld>
             <a:endParaRPr lang="fr-BE"/>
           </a:p>
@@ -4154,7 +4154,7 @@
             <a:fld id="{D57F1E4F-1CFF-5643-939E-217C01CDF565}" type="slidenum">
               <a:rPr lang="en-US" smtClean="0"/>
               <a:pPr/>
-              <a:t>‹#›</a:t>
+              <a:t>‹N°›</a:t>
             </a:fld>
             <a:endParaRPr lang="en-US" dirty="0"/>
           </a:p>
@@ -4288,7 +4288,7 @@
           <a:p>
             <a:fld id="{D6F0D636-2E54-4A13-83FD-B6766EB535DD}" type="datetime1">
               <a:rPr lang="en-US" smtClean="0"/>
-              <a:t>5/10/22</a:t>
+              <a:t>5/10/2022</a:t>
             </a:fld>
             <a:endParaRPr lang="fr-BE"/>
           </a:p>
@@ -4350,7 +4350,7 @@
             <a:fld id="{D57F1E4F-1CFF-5643-939E-217C01CDF565}" type="slidenum">
               <a:rPr lang="en-US" smtClean="0"/>
               <a:pPr/>
-              <a:t>‹#›</a:t>
+              <a:t>‹N°›</a:t>
             </a:fld>
             <a:endParaRPr lang="en-US" dirty="0"/>
           </a:p>
@@ -4555,7 +4555,7 @@
           <a:p>
             <a:fld id="{39B2FF7C-090C-42FF-8CC4-337DCA1AFB49}" type="datetime1">
               <a:rPr lang="en-US" smtClean="0"/>
-              <a:t>5/10/22</a:t>
+              <a:t>5/10/2022</a:t>
             </a:fld>
             <a:endParaRPr lang="fr-BE"/>
           </a:p>
@@ -4617,7 +4617,7 @@
             <a:fld id="{D57F1E4F-1CFF-5643-939E-217C01CDF565}" type="slidenum">
               <a:rPr lang="en-US" smtClean="0"/>
               <a:pPr/>
-              <a:t>‹#›</a:t>
+              <a:t>‹N°›</a:t>
             </a:fld>
             <a:endParaRPr lang="en-US" dirty="0"/>
           </a:p>
@@ -4751,7 +4751,7 @@
           <a:p>
             <a:fld id="{2CACC80A-BFAE-40BA-93CC-821D6F635670}" type="datetime1">
               <a:rPr lang="en-US" smtClean="0"/>
-              <a:t>5/10/22</a:t>
+              <a:t>5/10/2022</a:t>
             </a:fld>
             <a:endParaRPr lang="en-US" dirty="0"/>
           </a:p>
@@ -4794,7 +4794,7 @@
             <a:fld id="{D57F1E4F-1CFF-5643-939E-217C01CDF565}" type="slidenum">
               <a:rPr lang="en-US" dirty="0"/>
               <a:pPr/>
-              <a:t>‹#›</a:t>
+              <a:t>‹N°›</a:t>
             </a:fld>
             <a:endParaRPr lang="en-US" dirty="0"/>
           </a:p>
@@ -4979,7 +4979,7 @@
           <a:p>
             <a:fld id="{704A02D6-1198-42E1-B7B9-8DE4F42F8878}" type="datetime1">
               <a:rPr lang="en-US" smtClean="0"/>
-              <a:t>5/10/22</a:t>
+              <a:t>5/10/2022</a:t>
             </a:fld>
             <a:endParaRPr lang="fr-BE"/>
           </a:p>
@@ -5041,7 +5041,7 @@
             <a:fld id="{D57F1E4F-1CFF-5643-939E-217C01CDF565}" type="slidenum">
               <a:rPr lang="en-US" smtClean="0"/>
               <a:pPr/>
-              <a:t>‹#›</a:t>
+              <a:t>‹N°›</a:t>
             </a:fld>
             <a:endParaRPr lang="en-US" dirty="0"/>
           </a:p>
@@ -5373,7 +5373,7 @@
           <a:p>
             <a:fld id="{013DE1FD-94C5-43E7-A375-F547BBD122FB}" type="datetime1">
               <a:rPr lang="en-US" smtClean="0"/>
-              <a:t>5/10/22</a:t>
+              <a:t>5/10/2022</a:t>
             </a:fld>
             <a:endParaRPr lang="fr-BE"/>
           </a:p>
@@ -5435,7 +5435,7 @@
             <a:fld id="{D57F1E4F-1CFF-5643-939E-217C01CDF565}" type="slidenum">
               <a:rPr lang="en-US" smtClean="0"/>
               <a:pPr/>
-              <a:t>‹#›</a:t>
+              <a:t>‹N°›</a:t>
             </a:fld>
             <a:endParaRPr lang="en-US" dirty="0"/>
           </a:p>
@@ -5516,7 +5516,7 @@
           <a:p>
             <a:fld id="{E75742B5-1AE4-40FE-95F3-982E33E3B222}" type="datetime1">
               <a:rPr lang="en-US" smtClean="0"/>
-              <a:t>5/10/22</a:t>
+              <a:t>5/10/2022</a:t>
             </a:fld>
             <a:endParaRPr lang="fr-BE"/>
           </a:p>
@@ -5578,7 +5578,7 @@
             <a:fld id="{D57F1E4F-1CFF-5643-939E-217C01CDF565}" type="slidenum">
               <a:rPr lang="en-US" smtClean="0"/>
               <a:pPr/>
-              <a:t>‹#›</a:t>
+              <a:t>‹N°›</a:t>
             </a:fld>
             <a:endParaRPr lang="en-US" dirty="0"/>
           </a:p>
@@ -5631,7 +5631,7 @@
           <a:p>
             <a:fld id="{C56FA4B7-C2CF-433C-B95F-5AE035CF3D13}" type="datetime1">
               <a:rPr lang="en-US" smtClean="0"/>
-              <a:t>5/10/22</a:t>
+              <a:t>5/10/2022</a:t>
             </a:fld>
             <a:endParaRPr lang="fr-BE"/>
           </a:p>
@@ -5693,7 +5693,7 @@
             <a:fld id="{D57F1E4F-1CFF-5643-939E-217C01CDF565}" type="slidenum">
               <a:rPr lang="en-US" smtClean="0"/>
               <a:pPr/>
-              <a:t>‹#›</a:t>
+              <a:t>‹N°›</a:t>
             </a:fld>
             <a:endParaRPr lang="en-US" dirty="0"/>
           </a:p>
@@ -5906,7 +5906,7 @@
           <a:p>
             <a:fld id="{3D313196-6E73-433F-B79E-783304131DF1}" type="datetime1">
               <a:rPr lang="en-US" smtClean="0"/>
-              <a:t>5/10/22</a:t>
+              <a:t>5/10/2022</a:t>
             </a:fld>
             <a:endParaRPr lang="fr-BE"/>
           </a:p>
@@ -5968,7 +5968,7 @@
             <a:fld id="{D57F1E4F-1CFF-5643-939E-217C01CDF565}" type="slidenum">
               <a:rPr lang="en-US" smtClean="0"/>
               <a:pPr/>
-              <a:t>‹#›</a:t>
+              <a:t>‹N°›</a:t>
             </a:fld>
             <a:endParaRPr lang="en-US" dirty="0"/>
           </a:p>
@@ -6189,7 +6189,7 @@
           <a:p>
             <a:fld id="{DECFC14E-B9DB-45C4-B80E-B2469F049249}" type="datetime1">
               <a:rPr lang="en-US" smtClean="0"/>
-              <a:t>5/10/22</a:t>
+              <a:t>5/10/2022</a:t>
             </a:fld>
             <a:endParaRPr lang="fr-BE"/>
           </a:p>
@@ -6251,7 +6251,7 @@
             <a:fld id="{D57F1E4F-1CFF-5643-939E-217C01CDF565}" type="slidenum">
               <a:rPr lang="en-US" smtClean="0"/>
               <a:pPr/>
-              <a:t>‹#›</a:t>
+              <a:t>‹N°›</a:t>
             </a:fld>
             <a:endParaRPr lang="en-US" dirty="0"/>
           </a:p>
@@ -6460,7 +6460,7 @@
           <a:p>
             <a:fld id="{F2F90BB6-9B6D-4D80-8336-1489DFC0D904}" type="datetime1">
               <a:rPr lang="en-US" smtClean="0"/>
-              <a:t>5/10/22</a:t>
+              <a:t>5/10/2022</a:t>
             </a:fld>
             <a:endParaRPr lang="fr-BE"/>
           </a:p>
@@ -6522,7 +6522,7 @@
             <a:fld id="{D57F1E4F-1CFF-5643-939E-217C01CDF565}" type="slidenum">
               <a:rPr lang="en-US" smtClean="0"/>
               <a:pPr/>
-              <a:t>‹#›</a:t>
+              <a:t>‹N°›</a:t>
             </a:fld>
             <a:endParaRPr lang="en-US" dirty="0"/>
           </a:p>
@@ -6794,7 +6794,7 @@
           <a:p>
             <a:fld id="{E4DB3A25-3C6D-46FF-ADC1-75B14734D03C}" type="datetime1">
               <a:rPr lang="en-US" smtClean="0"/>
-              <a:t>5/10/22</a:t>
+              <a:t>5/10/2022</a:t>
             </a:fld>
             <a:endParaRPr lang="fr-BE"/>
           </a:p>
@@ -6946,7 +6946,7 @@
             <a:fld id="{D57F1E4F-1CFF-5643-939E-217C01CDF565}" type="slidenum">
               <a:rPr lang="en-US" smtClean="0"/>
               <a:pPr/>
-              <a:t>‹#›</a:t>
+              <a:t>‹N°›</a:t>
             </a:fld>
             <a:endParaRPr lang="en-US" dirty="0"/>
           </a:p>
@@ -7155,7 +7155,7 @@
           <a:p>
             <a:fld id="{3788F5D0-50B6-4EA6-B49E-EF536E10DE78}" type="datetime1">
               <a:rPr lang="en-US" smtClean="0"/>
-              <a:t>5/10/22</a:t>
+              <a:t>5/10/2022</a:t>
             </a:fld>
             <a:endParaRPr lang="fr-BE"/>
           </a:p>
@@ -7217,7 +7217,7 @@
             <a:fld id="{D57F1E4F-1CFF-5643-939E-217C01CDF565}" type="slidenum">
               <a:rPr lang="en-US" smtClean="0"/>
               <a:pPr/>
-              <a:t>‹#›</a:t>
+              <a:t>‹N°›</a:t>
             </a:fld>
             <a:endParaRPr lang="en-US" dirty="0"/>
           </a:p>
@@ -7489,7 +7489,7 @@
           <a:p>
             <a:fld id="{1B4A85C5-2CA9-42CF-B4AC-8BB3D6E9E7AF}" type="datetime1">
               <a:rPr lang="en-US" smtClean="0"/>
-              <a:t>5/10/22</a:t>
+              <a:t>5/10/2022</a:t>
             </a:fld>
             <a:endParaRPr lang="fr-BE"/>
           </a:p>
@@ -7633,7 +7633,7 @@
             <a:fld id="{D57F1E4F-1CFF-5643-939E-217C01CDF565}" type="slidenum">
               <a:rPr lang="en-US" smtClean="0"/>
               <a:pPr/>
-              <a:t>‹#›</a:t>
+              <a:t>‹N°›</a:t>
             </a:fld>
             <a:endParaRPr lang="en-US" dirty="0"/>
           </a:p>
@@ -7838,7 +7838,7 @@
           <a:p>
             <a:fld id="{926F070E-A207-4905-961E-B4148494DF59}" type="datetime1">
               <a:rPr lang="en-US" smtClean="0"/>
-              <a:t>5/10/22</a:t>
+              <a:t>5/10/2022</a:t>
             </a:fld>
             <a:endParaRPr lang="en-US" dirty="0"/>
           </a:p>
@@ -7881,7 +7881,7 @@
             <a:fld id="{D57F1E4F-1CFF-5643-939E-217C01CDF565}" type="slidenum">
               <a:rPr lang="en-US" dirty="0"/>
               <a:pPr/>
-              <a:t>‹#›</a:t>
+              <a:t>‹N°›</a:t>
             </a:fld>
             <a:endParaRPr lang="en-US" dirty="0"/>
           </a:p>
@@ -8145,7 +8145,7 @@
           <a:p>
             <a:fld id="{2C132876-A60D-4DC6-80D5-4777CE77721C}" type="datetime1">
               <a:rPr lang="en-US" smtClean="0"/>
-              <a:t>5/10/22</a:t>
+              <a:t>5/10/2022</a:t>
             </a:fld>
             <a:endParaRPr lang="fr-BE"/>
           </a:p>
@@ -8207,7 +8207,7 @@
             <a:fld id="{D57F1E4F-1CFF-5643-939E-217C01CDF565}" type="slidenum">
               <a:rPr lang="en-US" smtClean="0"/>
               <a:pPr/>
-              <a:t>‹#›</a:t>
+              <a:t>‹N°›</a:t>
             </a:fld>
             <a:endParaRPr lang="en-US" dirty="0"/>
           </a:p>
@@ -8335,7 +8335,7 @@
           <a:p>
             <a:fld id="{E5A697EA-876D-4B66-8ED8-FA4462BB4063}" type="datetime1">
               <a:rPr lang="en-US" smtClean="0"/>
-              <a:t>5/10/22</a:t>
+              <a:t>5/10/2022</a:t>
             </a:fld>
             <a:endParaRPr lang="fr-BE"/>
           </a:p>
@@ -8397,7 +8397,7 @@
             <a:fld id="{D57F1E4F-1CFF-5643-939E-217C01CDF565}" type="slidenum">
               <a:rPr lang="en-US" smtClean="0"/>
               <a:pPr/>
-              <a:t>‹#›</a:t>
+              <a:t>‹N°›</a:t>
             </a:fld>
             <a:endParaRPr lang="en-US" dirty="0"/>
           </a:p>
@@ -8535,7 +8535,7 @@
           <a:p>
             <a:fld id="{BF87602E-F651-4F7E-9524-FC03752C26D2}" type="datetime1">
               <a:rPr lang="en-US" smtClean="0"/>
-              <a:t>5/10/22</a:t>
+              <a:t>5/10/2022</a:t>
             </a:fld>
             <a:endParaRPr lang="fr-BE"/>
           </a:p>
@@ -8597,7 +8597,7 @@
             <a:fld id="{D57F1E4F-1CFF-5643-939E-217C01CDF565}" type="slidenum">
               <a:rPr lang="en-US" smtClean="0"/>
               <a:pPr/>
-              <a:t>‹#›</a:t>
+              <a:t>‹N°›</a:t>
             </a:fld>
             <a:endParaRPr lang="en-US" dirty="0"/>
           </a:p>
@@ -8787,7 +8787,7 @@
           <a:p>
             <a:fld id="{DAF7FF0E-BE30-4BA8-89AF-B9FDF877AC44}" type="datetime1">
               <a:rPr lang="en-US" smtClean="0"/>
-              <a:t>5/10/22</a:t>
+              <a:t>5/10/2022</a:t>
             </a:fld>
             <a:endParaRPr lang="en-US" dirty="0"/>
           </a:p>
@@ -8829,7 +8829,7 @@
           <a:p>
             <a:fld id="{6FF9F0C5-380F-41C2-899A-BAC0F0927E16}" type="slidenum">
               <a:rPr lang="en-US" dirty="0"/>
-              <a:t>‹#›</a:t>
+              <a:t>‹N°›</a:t>
             </a:fld>
             <a:endParaRPr lang="en-US" dirty="0"/>
           </a:p>
@@ -9156,7 +9156,7 @@
           <a:p>
             <a:fld id="{24EB7DA6-B593-4DD0-8083-6932C09D2146}" type="datetime1">
               <a:rPr lang="en-US" smtClean="0"/>
-              <a:t>5/10/22</a:t>
+              <a:t>5/10/2022</a:t>
             </a:fld>
             <a:endParaRPr lang="en-US" dirty="0"/>
           </a:p>
@@ -9199,7 +9199,7 @@
             <a:fld id="{D57F1E4F-1CFF-5643-939E-217C01CDF565}" type="slidenum">
               <a:rPr lang="en-US" dirty="0"/>
               <a:pPr/>
-              <a:t>‹#›</a:t>
+              <a:t>‹N°›</a:t>
             </a:fld>
             <a:endParaRPr lang="en-US" dirty="0"/>
           </a:p>
@@ -9275,7 +9275,7 @@
           <a:p>
             <a:fld id="{79BFC6D1-091E-4EAB-A306-380E54276BF9}" type="datetime1">
               <a:rPr lang="en-US" smtClean="0"/>
-              <a:t>5/10/22</a:t>
+              <a:t>5/10/2022</a:t>
             </a:fld>
             <a:endParaRPr lang="en-US" dirty="0"/>
           </a:p>
@@ -9318,7 +9318,7 @@
             <a:fld id="{D57F1E4F-1CFF-5643-939E-217C01CDF565}" type="slidenum">
               <a:rPr lang="en-US" dirty="0"/>
               <a:pPr/>
-              <a:t>‹#›</a:t>
+              <a:t>‹N°›</a:t>
             </a:fld>
             <a:endParaRPr lang="en-US" dirty="0"/>
           </a:p>
@@ -9366,7 +9366,7 @@
           <a:p>
             <a:fld id="{D5661772-5928-4062-94D3-D9534773514A}" type="datetime1">
               <a:rPr lang="en-US" smtClean="0"/>
-              <a:t>5/10/22</a:t>
+              <a:t>5/10/2022</a:t>
             </a:fld>
             <a:endParaRPr lang="en-US" dirty="0"/>
           </a:p>
@@ -9409,7 +9409,7 @@
             <a:fld id="{D57F1E4F-1CFF-5643-939E-217C01CDF565}" type="slidenum">
               <a:rPr lang="en-US" dirty="0"/>
               <a:pPr/>
-              <a:t>‹#›</a:t>
+              <a:t>‹N°›</a:t>
             </a:fld>
             <a:endParaRPr lang="en-US" dirty="0"/>
           </a:p>
@@ -9617,7 +9617,7 @@
           <a:p>
             <a:fld id="{F9F45BD3-5BC4-4372-A406-2E11F5CA1741}" type="datetime1">
               <a:rPr lang="en-US" smtClean="0"/>
-              <a:t>5/10/22</a:t>
+              <a:t>5/10/2022</a:t>
             </a:fld>
             <a:endParaRPr lang="en-US" dirty="0"/>
           </a:p>
@@ -9659,7 +9659,7 @@
           <a:p>
             <a:fld id="{519954A3-9DFD-4C44-94BA-B95130A3BA1C}" type="slidenum">
               <a:rPr lang="en-US" dirty="0"/>
-              <a:t>‹#›</a:t>
+              <a:t>‹N°›</a:t>
             </a:fld>
             <a:endParaRPr lang="en-US" dirty="0"/>
           </a:p>
@@ -9875,7 +9875,7 @@
           <a:p>
             <a:fld id="{5E4A1551-D187-48AD-897D-5735C5A88275}" type="datetime1">
               <a:rPr lang="en-US" smtClean="0"/>
-              <a:t>5/10/22</a:t>
+              <a:t>5/10/2022</a:t>
             </a:fld>
             <a:endParaRPr lang="en-US" dirty="0"/>
           </a:p>
@@ -9918,7 +9918,7 @@
             <a:fld id="{D57F1E4F-1CFF-5643-939E-217C01CDF565}" type="slidenum">
               <a:rPr lang="en-US" dirty="0"/>
               <a:pPr/>
-              <a:t>‹#›</a:t>
+              <a:t>‹N°›</a:t>
             </a:fld>
             <a:endParaRPr lang="en-US" dirty="0"/>
           </a:p>
@@ -10614,7 +10614,7 @@
           <a:p>
             <a:fld id="{2BB72EEA-9517-4907-B597-2FC7F7C2F710}" type="datetime1">
               <a:rPr lang="en-US" smtClean="0"/>
-              <a:t>5/10/22</a:t>
+              <a:t>5/10/2022</a:t>
             </a:fld>
             <a:endParaRPr lang="en-US" dirty="0"/>
           </a:p>
@@ -10694,7 +10694,7 @@
             <a:fld id="{D57F1E4F-1CFF-5643-939E-217C01CDF565}" type="slidenum">
               <a:rPr lang="en-US" smtClean="0"/>
               <a:pPr/>
-              <a:t>‹#›</a:t>
+              <a:t>‹N°›</a:t>
             </a:fld>
             <a:endParaRPr lang="en-US" dirty="0"/>
           </a:p>
@@ -11803,7 +11803,7 @@
           <a:p>
             <a:fld id="{1BB4D123-806F-48A5-9C11-A490C1BA8994}" type="datetime1">
               <a:rPr lang="en-US" smtClean="0"/>
-              <a:t>5/10/22</a:t>
+              <a:t>5/10/2022</a:t>
             </a:fld>
             <a:endParaRPr lang="en-US" dirty="0"/>
           </a:p>
@@ -11883,7 +11883,7 @@
             <a:fld id="{D57F1E4F-1CFF-5643-939E-217C01CDF565}" type="slidenum">
               <a:rPr lang="en-US" smtClean="0"/>
               <a:pPr/>
-              <a:t>‹#›</a:t>
+              <a:t>‹N°›</a:t>
             </a:fld>
             <a:endParaRPr lang="en-US" dirty="0"/>
           </a:p>
@@ -12786,6 +12786,13 @@
   <p:clrMapOvr>
     <a:masterClrMapping/>
   </p:clrMapOvr>
+  <p:timing>
+    <p:tnLst>
+      <p:par>
+        <p:cTn id="1" dur="indefinite" restart="never" nodeType="tmRoot"/>
+      </p:par>
+    </p:tnLst>
+  </p:timing>
 </p:sld>
 </file>
 
@@ -12988,6 +12995,13 @@
   <p:clrMapOvr>
     <a:masterClrMapping/>
   </p:clrMapOvr>
+  <p:timing>
+    <p:tnLst>
+      <p:par>
+        <p:cTn id="1" dur="indefinite" restart="never" nodeType="tmRoot"/>
+      </p:par>
+    </p:tnLst>
+  </p:timing>
 </p:sld>
 </file>
 
@@ -13097,6 +13111,13 @@
   <p:clrMapOvr>
     <a:masterClrMapping/>
   </p:clrMapOvr>
+  <p:timing>
+    <p:tnLst>
+      <p:par>
+        <p:cTn id="1" dur="indefinite" restart="never" nodeType="tmRoot"/>
+      </p:par>
+    </p:tnLst>
+  </p:timing>
 </p:sld>
 </file>
 
@@ -13339,6 +13360,10 @@
             <a:r>
               <a:rPr lang="fr-BE" dirty="0" err="1"/>
               <a:t>Hohenberg</a:t>
+            </a:r>
+            <a:r>
+              <a:rPr lang="fr-BE" dirty="0"/>
+              <a:t/>
             </a:r>
             <a:br>
               <a:rPr lang="fr-BE" dirty="0"/>
@@ -13726,6 +13751,13 @@
   <p:clrMapOvr>
     <a:masterClrMapping/>
   </p:clrMapOvr>
+  <p:timing>
+    <p:tnLst>
+      <p:par>
+        <p:cTn id="1" dur="indefinite" restart="never" nodeType="tmRoot"/>
+      </p:par>
+    </p:tnLst>
+  </p:timing>
 </p:sld>
 </file>
 
@@ -14179,6 +14211,13 @@
   <p:clrMapOvr>
     <a:masterClrMapping/>
   </p:clrMapOvr>
+  <p:timing>
+    <p:tnLst>
+      <p:par>
+        <p:cTn id="1" dur="indefinite" restart="never" nodeType="tmRoot"/>
+      </p:par>
+    </p:tnLst>
+  </p:timing>
 </p:sld>
 </file>
 
@@ -15161,8 +15200,8 @@
           </mc:Fallback>
         </mc:AlternateContent>
       </p:grpSp>
-      <mc:AlternateContent xmlns:mc="http://schemas.openxmlformats.org/markup-compatibility/2006" xmlns:a14="http://schemas.microsoft.com/office/drawing/2010/main">
-        <mc:Choice Requires="a14">
+      <mc:AlternateContent xmlns:mc="http://schemas.openxmlformats.org/markup-compatibility/2006">
+        <mc:Choice xmlns:a14="http://schemas.microsoft.com/office/drawing/2010/main" Requires="a14">
           <p:sp>
             <p:nvSpPr>
               <p:cNvPr id="11" name="ZoneTexte 10"/>
@@ -15172,7 +15211,7 @@
             <p:spPr>
               <a:xfrm>
                 <a:off x="677333" y="2515394"/>
-                <a:ext cx="8596669" cy="1795876"/>
+                <a:ext cx="8596669" cy="2072875"/>
               </a:xfrm>
               <a:prstGeom prst="rect">
                 <a:avLst/>
@@ -15754,6 +15793,17 @@
                     </m:oMath>
                   </m:oMathPara>
                 </a14:m>
+                <a:endParaRPr lang="fr-BE" dirty="0" smtClean="0">
+                  <a:solidFill>
+                    <a:schemeClr val="tx1">
+                      <a:lumMod val="85000"/>
+                      <a:lumOff val="15000"/>
+                    </a:schemeClr>
+                  </a:solidFill>
+                </a:endParaRPr>
+              </a:p>
+              <a:p>
+                <a:pPr/>
                 <a:endParaRPr lang="fr-BE" dirty="0">
                   <a:solidFill>
                     <a:schemeClr val="tx1">
@@ -16378,7 +16428,7 @@
             </p:txBody>
           </p:sp>
         </mc:Choice>
-        <mc:Fallback xmlns="">
+        <mc:Fallback>
           <p:sp>
             <p:nvSpPr>
               <p:cNvPr id="11" name="ZoneTexte 10"/>
@@ -16390,7 +16440,7 @@
             <p:spPr>
               <a:xfrm>
                 <a:off x="677333" y="2515394"/>
-                <a:ext cx="8596669" cy="1795876"/>
+                <a:ext cx="8596669" cy="2072875"/>
               </a:xfrm>
               <a:prstGeom prst="rect">
                 <a:avLst/>
@@ -16398,7 +16448,7 @@
               <a:blipFill>
                 <a:blip r:embed="rId5"/>
                 <a:stretch>
-                  <a:fillRect l="-993" t="-3401"/>
+                  <a:fillRect l="-993" t="-2941"/>
                 </a:stretch>
               </a:blipFill>
             </p:spPr>
@@ -22749,6 +22799,13 @@
   <p:clrMapOvr>
     <a:masterClrMapping/>
   </p:clrMapOvr>
+  <p:timing>
+    <p:tnLst>
+      <p:par>
+        <p:cTn id="1" dur="indefinite" restart="never" nodeType="tmRoot"/>
+      </p:par>
+    </p:tnLst>
+  </p:timing>
 </p:sld>
 </file>
 
@@ -24489,6 +24546,13 @@
   <p:clrMapOvr>
     <a:masterClrMapping/>
   </p:clrMapOvr>
+  <p:timing>
+    <p:tnLst>
+      <p:par>
+        <p:cTn id="1" dur="indefinite" restart="never" nodeType="tmRoot"/>
+      </p:par>
+    </p:tnLst>
+  </p:timing>
 </p:sld>
 </file>
 
@@ -25020,6 +25084,13 @@
   <p:clrMapOvr>
     <a:masterClrMapping/>
   </p:clrMapOvr>
+  <p:timing>
+    <p:tnLst>
+      <p:par>
+        <p:cTn id="1" dur="indefinite" restart="never" nodeType="tmRoot"/>
+      </p:par>
+    </p:tnLst>
+  </p:timing>
 </p:sld>
 </file>
 
@@ -26382,6 +26453,13 @@
   <p:clrMapOvr>
     <a:masterClrMapping/>
   </p:clrMapOvr>
+  <p:timing>
+    <p:tnLst>
+      <p:par>
+        <p:cTn id="1" dur="indefinite" restart="never" nodeType="tmRoot"/>
+      </p:par>
+    </p:tnLst>
+  </p:timing>
 </p:sld>
 </file>
 
@@ -31540,6 +31618,13 @@
   <p:clrMapOvr>
     <a:masterClrMapping/>
   </p:clrMapOvr>
+  <p:timing>
+    <p:tnLst>
+      <p:par>
+        <p:cTn id="1" dur="indefinite" restart="never" nodeType="tmRoot"/>
+      </p:par>
+    </p:tnLst>
+  </p:timing>
 </p:sld>
 </file>
 

--- a/Présentation_LPHYS1303.pptx
+++ b/Présentation_LPHYS1303.pptx
@@ -22,8 +22,8 @@
     <p:sldId id="275" r:id="rId10"/>
     <p:sldId id="276" r:id="rId11"/>
     <p:sldId id="271" r:id="rId12"/>
-    <p:sldId id="260" r:id="rId13"/>
-    <p:sldId id="261" r:id="rId14"/>
+    <p:sldId id="282" r:id="rId13"/>
+    <p:sldId id="283" r:id="rId14"/>
     <p:sldId id="263" r:id="rId15"/>
     <p:sldId id="269" r:id="rId16"/>
     <p:sldId id="264" r:id="rId17"/>
@@ -222,7 +222,7 @@
           <a:p>
             <a:fld id="{C66E676C-4B3C-4092-95BF-3F598F112F9C}" type="datetimeFigureOut">
               <a:rPr lang="fr-BE" smtClean="0"/>
-              <a:t>10-05-22</a:t>
+              <a:t>10/05/22</a:t>
             </a:fld>
             <a:endParaRPr lang="fr-BE"/>
           </a:p>
@@ -288,7 +288,7 @@
           <a:p>
             <a:fld id="{089A34B3-06F6-4115-B3AC-73F446AC5F9F}" type="slidenum">
               <a:rPr lang="fr-BE" smtClean="0"/>
-              <a:t>‹N°›</a:t>
+              <a:t>‹#›</a:t>
             </a:fld>
             <a:endParaRPr lang="fr-BE"/>
           </a:p>
@@ -388,7 +388,7 @@
           <a:p>
             <a:fld id="{10F212B3-C95E-4E4E-AE6B-C8EC382F1761}" type="datetimeFigureOut">
               <a:rPr lang="fr-BE" smtClean="0"/>
-              <a:t>10-05-22</a:t>
+              <a:t>10/05/22</a:t>
             </a:fld>
             <a:endParaRPr lang="fr-BE"/>
           </a:p>
@@ -547,7 +547,7 @@
           <a:p>
             <a:fld id="{94EAAEAC-49CB-4681-AD28-ABBCC1E6797E}" type="slidenum">
               <a:rPr lang="fr-BE" smtClean="0"/>
-              <a:t>‹N°›</a:t>
+              <a:t>‹#›</a:t>
             </a:fld>
             <a:endParaRPr lang="fr-BE"/>
           </a:p>
@@ -1379,7 +1379,7 @@
           <a:p>
             <a:fld id="{58990C66-70CC-49E4-AA75-151F59738B78}" type="datetime1">
               <a:rPr lang="en-US" smtClean="0"/>
-              <a:t>5/10/2022</a:t>
+              <a:t>5/10/22</a:t>
             </a:fld>
             <a:endParaRPr lang="en-US" dirty="0"/>
           </a:p>
@@ -1422,7 +1422,7 @@
             <a:fld id="{D57F1E4F-1CFF-5643-939E-217C01CDF565}" type="slidenum">
               <a:rPr lang="en-US" dirty="0"/>
               <a:pPr/>
-              <a:t>‹N°›</a:t>
+              <a:t>‹#›</a:t>
             </a:fld>
             <a:endParaRPr lang="en-US" dirty="0"/>
           </a:p>
@@ -1626,7 +1626,7 @@
           <a:p>
             <a:fld id="{6A569D6B-0F9A-4276-862D-EC6A239CF4BA}" type="datetime1">
               <a:rPr lang="en-US" smtClean="0"/>
-              <a:t>5/10/2022</a:t>
+              <a:t>5/10/22</a:t>
             </a:fld>
             <a:endParaRPr lang="en-US" dirty="0"/>
           </a:p>
@@ -1669,7 +1669,7 @@
             <a:fld id="{D57F1E4F-1CFF-5643-939E-217C01CDF565}" type="slidenum">
               <a:rPr lang="en-US" dirty="0"/>
               <a:pPr/>
-              <a:t>‹N°›</a:t>
+              <a:t>‹#›</a:t>
             </a:fld>
             <a:endParaRPr lang="en-US" dirty="0"/>
           </a:p>
@@ -1936,7 +1936,7 @@
           <a:p>
             <a:fld id="{1F21B7B6-DD8D-4C35-861C-07C7C8D2B56C}" type="datetime1">
               <a:rPr lang="en-US" smtClean="0"/>
-              <a:t>5/10/2022</a:t>
+              <a:t>5/10/22</a:t>
             </a:fld>
             <a:endParaRPr lang="en-US" dirty="0"/>
           </a:p>
@@ -1979,7 +1979,7 @@
             <a:fld id="{D57F1E4F-1CFF-5643-939E-217C01CDF565}" type="slidenum">
               <a:rPr lang="en-US" dirty="0"/>
               <a:pPr/>
-              <a:t>‹N°›</a:t>
+              <a:t>‹#›</a:t>
             </a:fld>
             <a:endParaRPr lang="en-US" dirty="0"/>
           </a:p>
@@ -2273,7 +2273,7 @@
           <a:p>
             <a:fld id="{269CF232-508A-483A-A091-E1C04637FC2C}" type="datetime1">
               <a:rPr lang="en-US" smtClean="0"/>
-              <a:t>5/10/2022</a:t>
+              <a:t>5/10/22</a:t>
             </a:fld>
             <a:endParaRPr lang="en-US" dirty="0"/>
           </a:p>
@@ -2316,7 +2316,7 @@
             <a:fld id="{D57F1E4F-1CFF-5643-939E-217C01CDF565}" type="slidenum">
               <a:rPr lang="en-US" dirty="0"/>
               <a:pPr/>
-              <a:t>‹N°›</a:t>
+              <a:t>‹#›</a:t>
             </a:fld>
             <a:endParaRPr lang="en-US" dirty="0"/>
           </a:p>
@@ -2583,7 +2583,7 @@
           <a:p>
             <a:fld id="{8A6EDB6B-474B-45D9-96B0-9CAC5CD83B94}" type="datetime1">
               <a:rPr lang="en-US" smtClean="0"/>
-              <a:t>5/10/2022</a:t>
+              <a:t>5/10/22</a:t>
             </a:fld>
             <a:endParaRPr lang="en-US" dirty="0"/>
           </a:p>
@@ -2626,7 +2626,7 @@
             <a:fld id="{D57F1E4F-1CFF-5643-939E-217C01CDF565}" type="slidenum">
               <a:rPr lang="en-US" dirty="0"/>
               <a:pPr/>
-              <a:t>‹N°›</a:t>
+              <a:t>‹#›</a:t>
             </a:fld>
             <a:endParaRPr lang="en-US" dirty="0"/>
           </a:p>
@@ -2972,7 +2972,7 @@
           <a:p>
             <a:fld id="{E674E858-A1C6-439C-88CE-F6433B533E0D}" type="datetime1">
               <a:rPr lang="en-US" smtClean="0"/>
-              <a:t>5/10/2022</a:t>
+              <a:t>5/10/22</a:t>
             </a:fld>
             <a:endParaRPr lang="en-US" dirty="0"/>
           </a:p>
@@ -3015,7 +3015,7 @@
             <a:fld id="{D57F1E4F-1CFF-5643-939E-217C01CDF565}" type="slidenum">
               <a:rPr lang="en-US" dirty="0"/>
               <a:pPr/>
-              <a:t>‹N°›</a:t>
+              <a:t>‹#›</a:t>
             </a:fld>
             <a:endParaRPr lang="en-US" dirty="0"/>
           </a:p>
@@ -3138,7 +3138,7 @@
           <a:p>
             <a:fld id="{036B3D1A-AC4D-49ED-BE62-0C1F46BC8044}" type="datetime1">
               <a:rPr lang="en-US" smtClean="0"/>
-              <a:t>5/10/2022</a:t>
+              <a:t>5/10/22</a:t>
             </a:fld>
             <a:endParaRPr lang="en-US" dirty="0"/>
           </a:p>
@@ -3180,7 +3180,7 @@
           <a:p>
             <a:fld id="{89333C77-0158-454C-844F-B7AB9BD7DAD4}" type="slidenum">
               <a:rPr lang="en-US" dirty="0"/>
-              <a:t>‹N°›</a:t>
+              <a:t>‹#›</a:t>
             </a:fld>
             <a:endParaRPr lang="en-US" dirty="0"/>
           </a:p>
@@ -3313,7 +3313,7 @@
           <a:p>
             <a:fld id="{3B852A06-E871-42E0-9CE6-2E0E72C50539}" type="datetime1">
               <a:rPr lang="en-US" smtClean="0"/>
-              <a:t>5/10/2022</a:t>
+              <a:t>5/10/22</a:t>
             </a:fld>
             <a:endParaRPr lang="en-US" dirty="0"/>
           </a:p>
@@ -3356,7 +3356,7 @@
             <a:fld id="{D57F1E4F-1CFF-5643-939E-217C01CDF565}" type="slidenum">
               <a:rPr lang="en-US" dirty="0"/>
               <a:pPr/>
-              <a:t>‹N°›</a:t>
+              <a:t>‹#›</a:t>
             </a:fld>
             <a:endParaRPr lang="en-US" dirty="0"/>
           </a:p>
@@ -4092,7 +4092,7 @@
           <a:p>
             <a:fld id="{E0882174-6AD3-4004-9927-E5490A90297C}" type="datetime1">
               <a:rPr lang="en-US" smtClean="0"/>
-              <a:t>5/10/2022</a:t>
+              <a:t>5/10/22</a:t>
             </a:fld>
             <a:endParaRPr lang="fr-BE"/>
           </a:p>
@@ -4154,7 +4154,7 @@
             <a:fld id="{D57F1E4F-1CFF-5643-939E-217C01CDF565}" type="slidenum">
               <a:rPr lang="en-US" smtClean="0"/>
               <a:pPr/>
-              <a:t>‹N°›</a:t>
+              <a:t>‹#›</a:t>
             </a:fld>
             <a:endParaRPr lang="en-US" dirty="0"/>
           </a:p>
@@ -4288,7 +4288,7 @@
           <a:p>
             <a:fld id="{D6F0D636-2E54-4A13-83FD-B6766EB535DD}" type="datetime1">
               <a:rPr lang="en-US" smtClean="0"/>
-              <a:t>5/10/2022</a:t>
+              <a:t>5/10/22</a:t>
             </a:fld>
             <a:endParaRPr lang="fr-BE"/>
           </a:p>
@@ -4350,7 +4350,7 @@
             <a:fld id="{D57F1E4F-1CFF-5643-939E-217C01CDF565}" type="slidenum">
               <a:rPr lang="en-US" smtClean="0"/>
               <a:pPr/>
-              <a:t>‹N°›</a:t>
+              <a:t>‹#›</a:t>
             </a:fld>
             <a:endParaRPr lang="en-US" dirty="0"/>
           </a:p>
@@ -4555,7 +4555,7 @@
           <a:p>
             <a:fld id="{39B2FF7C-090C-42FF-8CC4-337DCA1AFB49}" type="datetime1">
               <a:rPr lang="en-US" smtClean="0"/>
-              <a:t>5/10/2022</a:t>
+              <a:t>5/10/22</a:t>
             </a:fld>
             <a:endParaRPr lang="fr-BE"/>
           </a:p>
@@ -4617,7 +4617,7 @@
             <a:fld id="{D57F1E4F-1CFF-5643-939E-217C01CDF565}" type="slidenum">
               <a:rPr lang="en-US" smtClean="0"/>
               <a:pPr/>
-              <a:t>‹N°›</a:t>
+              <a:t>‹#›</a:t>
             </a:fld>
             <a:endParaRPr lang="en-US" dirty="0"/>
           </a:p>
@@ -4751,7 +4751,7 @@
           <a:p>
             <a:fld id="{2CACC80A-BFAE-40BA-93CC-821D6F635670}" type="datetime1">
               <a:rPr lang="en-US" smtClean="0"/>
-              <a:t>5/10/2022</a:t>
+              <a:t>5/10/22</a:t>
             </a:fld>
             <a:endParaRPr lang="en-US" dirty="0"/>
           </a:p>
@@ -4794,7 +4794,7 @@
             <a:fld id="{D57F1E4F-1CFF-5643-939E-217C01CDF565}" type="slidenum">
               <a:rPr lang="en-US" dirty="0"/>
               <a:pPr/>
-              <a:t>‹N°›</a:t>
+              <a:t>‹#›</a:t>
             </a:fld>
             <a:endParaRPr lang="en-US" dirty="0"/>
           </a:p>
@@ -4979,7 +4979,7 @@
           <a:p>
             <a:fld id="{704A02D6-1198-42E1-B7B9-8DE4F42F8878}" type="datetime1">
               <a:rPr lang="en-US" smtClean="0"/>
-              <a:t>5/10/2022</a:t>
+              <a:t>5/10/22</a:t>
             </a:fld>
             <a:endParaRPr lang="fr-BE"/>
           </a:p>
@@ -5041,7 +5041,7 @@
             <a:fld id="{D57F1E4F-1CFF-5643-939E-217C01CDF565}" type="slidenum">
               <a:rPr lang="en-US" smtClean="0"/>
               <a:pPr/>
-              <a:t>‹N°›</a:t>
+              <a:t>‹#›</a:t>
             </a:fld>
             <a:endParaRPr lang="en-US" dirty="0"/>
           </a:p>
@@ -5373,7 +5373,7 @@
           <a:p>
             <a:fld id="{013DE1FD-94C5-43E7-A375-F547BBD122FB}" type="datetime1">
               <a:rPr lang="en-US" smtClean="0"/>
-              <a:t>5/10/2022</a:t>
+              <a:t>5/10/22</a:t>
             </a:fld>
             <a:endParaRPr lang="fr-BE"/>
           </a:p>
@@ -5435,7 +5435,7 @@
             <a:fld id="{D57F1E4F-1CFF-5643-939E-217C01CDF565}" type="slidenum">
               <a:rPr lang="en-US" smtClean="0"/>
               <a:pPr/>
-              <a:t>‹N°›</a:t>
+              <a:t>‹#›</a:t>
             </a:fld>
             <a:endParaRPr lang="en-US" dirty="0"/>
           </a:p>
@@ -5516,7 +5516,7 @@
           <a:p>
             <a:fld id="{E75742B5-1AE4-40FE-95F3-982E33E3B222}" type="datetime1">
               <a:rPr lang="en-US" smtClean="0"/>
-              <a:t>5/10/2022</a:t>
+              <a:t>5/10/22</a:t>
             </a:fld>
             <a:endParaRPr lang="fr-BE"/>
           </a:p>
@@ -5578,7 +5578,7 @@
             <a:fld id="{D57F1E4F-1CFF-5643-939E-217C01CDF565}" type="slidenum">
               <a:rPr lang="en-US" smtClean="0"/>
               <a:pPr/>
-              <a:t>‹N°›</a:t>
+              <a:t>‹#›</a:t>
             </a:fld>
             <a:endParaRPr lang="en-US" dirty="0"/>
           </a:p>
@@ -5631,7 +5631,7 @@
           <a:p>
             <a:fld id="{C56FA4B7-C2CF-433C-B95F-5AE035CF3D13}" type="datetime1">
               <a:rPr lang="en-US" smtClean="0"/>
-              <a:t>5/10/2022</a:t>
+              <a:t>5/10/22</a:t>
             </a:fld>
             <a:endParaRPr lang="fr-BE"/>
           </a:p>
@@ -5693,7 +5693,7 @@
             <a:fld id="{D57F1E4F-1CFF-5643-939E-217C01CDF565}" type="slidenum">
               <a:rPr lang="en-US" smtClean="0"/>
               <a:pPr/>
-              <a:t>‹N°›</a:t>
+              <a:t>‹#›</a:t>
             </a:fld>
             <a:endParaRPr lang="en-US" dirty="0"/>
           </a:p>
@@ -5906,7 +5906,7 @@
           <a:p>
             <a:fld id="{3D313196-6E73-433F-B79E-783304131DF1}" type="datetime1">
               <a:rPr lang="en-US" smtClean="0"/>
-              <a:t>5/10/2022</a:t>
+              <a:t>5/10/22</a:t>
             </a:fld>
             <a:endParaRPr lang="fr-BE"/>
           </a:p>
@@ -5968,7 +5968,7 @@
             <a:fld id="{D57F1E4F-1CFF-5643-939E-217C01CDF565}" type="slidenum">
               <a:rPr lang="en-US" smtClean="0"/>
               <a:pPr/>
-              <a:t>‹N°›</a:t>
+              <a:t>‹#›</a:t>
             </a:fld>
             <a:endParaRPr lang="en-US" dirty="0"/>
           </a:p>
@@ -6189,7 +6189,7 @@
           <a:p>
             <a:fld id="{DECFC14E-B9DB-45C4-B80E-B2469F049249}" type="datetime1">
               <a:rPr lang="en-US" smtClean="0"/>
-              <a:t>5/10/2022</a:t>
+              <a:t>5/10/22</a:t>
             </a:fld>
             <a:endParaRPr lang="fr-BE"/>
           </a:p>
@@ -6251,7 +6251,7 @@
             <a:fld id="{D57F1E4F-1CFF-5643-939E-217C01CDF565}" type="slidenum">
               <a:rPr lang="en-US" smtClean="0"/>
               <a:pPr/>
-              <a:t>‹N°›</a:t>
+              <a:t>‹#›</a:t>
             </a:fld>
             <a:endParaRPr lang="en-US" dirty="0"/>
           </a:p>
@@ -6460,7 +6460,7 @@
           <a:p>
             <a:fld id="{F2F90BB6-9B6D-4D80-8336-1489DFC0D904}" type="datetime1">
               <a:rPr lang="en-US" smtClean="0"/>
-              <a:t>5/10/2022</a:t>
+              <a:t>5/10/22</a:t>
             </a:fld>
             <a:endParaRPr lang="fr-BE"/>
           </a:p>
@@ -6522,7 +6522,7 @@
             <a:fld id="{D57F1E4F-1CFF-5643-939E-217C01CDF565}" type="slidenum">
               <a:rPr lang="en-US" smtClean="0"/>
               <a:pPr/>
-              <a:t>‹N°›</a:t>
+              <a:t>‹#›</a:t>
             </a:fld>
             <a:endParaRPr lang="en-US" dirty="0"/>
           </a:p>
@@ -6794,7 +6794,7 @@
           <a:p>
             <a:fld id="{E4DB3A25-3C6D-46FF-ADC1-75B14734D03C}" type="datetime1">
               <a:rPr lang="en-US" smtClean="0"/>
-              <a:t>5/10/2022</a:t>
+              <a:t>5/10/22</a:t>
             </a:fld>
             <a:endParaRPr lang="fr-BE"/>
           </a:p>
@@ -6946,7 +6946,7 @@
             <a:fld id="{D57F1E4F-1CFF-5643-939E-217C01CDF565}" type="slidenum">
               <a:rPr lang="en-US" smtClean="0"/>
               <a:pPr/>
-              <a:t>‹N°›</a:t>
+              <a:t>‹#›</a:t>
             </a:fld>
             <a:endParaRPr lang="en-US" dirty="0"/>
           </a:p>
@@ -7155,7 +7155,7 @@
           <a:p>
             <a:fld id="{3788F5D0-50B6-4EA6-B49E-EF536E10DE78}" type="datetime1">
               <a:rPr lang="en-US" smtClean="0"/>
-              <a:t>5/10/2022</a:t>
+              <a:t>5/10/22</a:t>
             </a:fld>
             <a:endParaRPr lang="fr-BE"/>
           </a:p>
@@ -7217,7 +7217,7 @@
             <a:fld id="{D57F1E4F-1CFF-5643-939E-217C01CDF565}" type="slidenum">
               <a:rPr lang="en-US" smtClean="0"/>
               <a:pPr/>
-              <a:t>‹N°›</a:t>
+              <a:t>‹#›</a:t>
             </a:fld>
             <a:endParaRPr lang="en-US" dirty="0"/>
           </a:p>
@@ -7489,7 +7489,7 @@
           <a:p>
             <a:fld id="{1B4A85C5-2CA9-42CF-B4AC-8BB3D6E9E7AF}" type="datetime1">
               <a:rPr lang="en-US" smtClean="0"/>
-              <a:t>5/10/2022</a:t>
+              <a:t>5/10/22</a:t>
             </a:fld>
             <a:endParaRPr lang="fr-BE"/>
           </a:p>
@@ -7633,7 +7633,7 @@
             <a:fld id="{D57F1E4F-1CFF-5643-939E-217C01CDF565}" type="slidenum">
               <a:rPr lang="en-US" smtClean="0"/>
               <a:pPr/>
-              <a:t>‹N°›</a:t>
+              <a:t>‹#›</a:t>
             </a:fld>
             <a:endParaRPr lang="en-US" dirty="0"/>
           </a:p>
@@ -7838,7 +7838,7 @@
           <a:p>
             <a:fld id="{926F070E-A207-4905-961E-B4148494DF59}" type="datetime1">
               <a:rPr lang="en-US" smtClean="0"/>
-              <a:t>5/10/2022</a:t>
+              <a:t>5/10/22</a:t>
             </a:fld>
             <a:endParaRPr lang="en-US" dirty="0"/>
           </a:p>
@@ -7881,7 +7881,7 @@
             <a:fld id="{D57F1E4F-1CFF-5643-939E-217C01CDF565}" type="slidenum">
               <a:rPr lang="en-US" dirty="0"/>
               <a:pPr/>
-              <a:t>‹N°›</a:t>
+              <a:t>‹#›</a:t>
             </a:fld>
             <a:endParaRPr lang="en-US" dirty="0"/>
           </a:p>
@@ -8145,7 +8145,7 @@
           <a:p>
             <a:fld id="{2C132876-A60D-4DC6-80D5-4777CE77721C}" type="datetime1">
               <a:rPr lang="en-US" smtClean="0"/>
-              <a:t>5/10/2022</a:t>
+              <a:t>5/10/22</a:t>
             </a:fld>
             <a:endParaRPr lang="fr-BE"/>
           </a:p>
@@ -8207,7 +8207,7 @@
             <a:fld id="{D57F1E4F-1CFF-5643-939E-217C01CDF565}" type="slidenum">
               <a:rPr lang="en-US" smtClean="0"/>
               <a:pPr/>
-              <a:t>‹N°›</a:t>
+              <a:t>‹#›</a:t>
             </a:fld>
             <a:endParaRPr lang="en-US" dirty="0"/>
           </a:p>
@@ -8335,7 +8335,7 @@
           <a:p>
             <a:fld id="{E5A697EA-876D-4B66-8ED8-FA4462BB4063}" type="datetime1">
               <a:rPr lang="en-US" smtClean="0"/>
-              <a:t>5/10/2022</a:t>
+              <a:t>5/10/22</a:t>
             </a:fld>
             <a:endParaRPr lang="fr-BE"/>
           </a:p>
@@ -8397,7 +8397,7 @@
             <a:fld id="{D57F1E4F-1CFF-5643-939E-217C01CDF565}" type="slidenum">
               <a:rPr lang="en-US" smtClean="0"/>
               <a:pPr/>
-              <a:t>‹N°›</a:t>
+              <a:t>‹#›</a:t>
             </a:fld>
             <a:endParaRPr lang="en-US" dirty="0"/>
           </a:p>
@@ -8535,7 +8535,7 @@
           <a:p>
             <a:fld id="{BF87602E-F651-4F7E-9524-FC03752C26D2}" type="datetime1">
               <a:rPr lang="en-US" smtClean="0"/>
-              <a:t>5/10/2022</a:t>
+              <a:t>5/10/22</a:t>
             </a:fld>
             <a:endParaRPr lang="fr-BE"/>
           </a:p>
@@ -8597,7 +8597,7 @@
             <a:fld id="{D57F1E4F-1CFF-5643-939E-217C01CDF565}" type="slidenum">
               <a:rPr lang="en-US" smtClean="0"/>
               <a:pPr/>
-              <a:t>‹N°›</a:t>
+              <a:t>‹#›</a:t>
             </a:fld>
             <a:endParaRPr lang="en-US" dirty="0"/>
           </a:p>
@@ -8787,7 +8787,7 @@
           <a:p>
             <a:fld id="{DAF7FF0E-BE30-4BA8-89AF-B9FDF877AC44}" type="datetime1">
               <a:rPr lang="en-US" smtClean="0"/>
-              <a:t>5/10/2022</a:t>
+              <a:t>5/10/22</a:t>
             </a:fld>
             <a:endParaRPr lang="en-US" dirty="0"/>
           </a:p>
@@ -8829,7 +8829,7 @@
           <a:p>
             <a:fld id="{6FF9F0C5-380F-41C2-899A-BAC0F0927E16}" type="slidenum">
               <a:rPr lang="en-US" dirty="0"/>
-              <a:t>‹N°›</a:t>
+              <a:t>‹#›</a:t>
             </a:fld>
             <a:endParaRPr lang="en-US" dirty="0"/>
           </a:p>
@@ -9156,7 +9156,7 @@
           <a:p>
             <a:fld id="{24EB7DA6-B593-4DD0-8083-6932C09D2146}" type="datetime1">
               <a:rPr lang="en-US" smtClean="0"/>
-              <a:t>5/10/2022</a:t>
+              <a:t>5/10/22</a:t>
             </a:fld>
             <a:endParaRPr lang="en-US" dirty="0"/>
           </a:p>
@@ -9199,7 +9199,7 @@
             <a:fld id="{D57F1E4F-1CFF-5643-939E-217C01CDF565}" type="slidenum">
               <a:rPr lang="en-US" dirty="0"/>
               <a:pPr/>
-              <a:t>‹N°›</a:t>
+              <a:t>‹#›</a:t>
             </a:fld>
             <a:endParaRPr lang="en-US" dirty="0"/>
           </a:p>
@@ -9275,7 +9275,7 @@
           <a:p>
             <a:fld id="{79BFC6D1-091E-4EAB-A306-380E54276BF9}" type="datetime1">
               <a:rPr lang="en-US" smtClean="0"/>
-              <a:t>5/10/2022</a:t>
+              <a:t>5/10/22</a:t>
             </a:fld>
             <a:endParaRPr lang="en-US" dirty="0"/>
           </a:p>
@@ -9318,7 +9318,7 @@
             <a:fld id="{D57F1E4F-1CFF-5643-939E-217C01CDF565}" type="slidenum">
               <a:rPr lang="en-US" dirty="0"/>
               <a:pPr/>
-              <a:t>‹N°›</a:t>
+              <a:t>‹#›</a:t>
             </a:fld>
             <a:endParaRPr lang="en-US" dirty="0"/>
           </a:p>
@@ -9366,7 +9366,7 @@
           <a:p>
             <a:fld id="{D5661772-5928-4062-94D3-D9534773514A}" type="datetime1">
               <a:rPr lang="en-US" smtClean="0"/>
-              <a:t>5/10/2022</a:t>
+              <a:t>5/10/22</a:t>
             </a:fld>
             <a:endParaRPr lang="en-US" dirty="0"/>
           </a:p>
@@ -9409,7 +9409,7 @@
             <a:fld id="{D57F1E4F-1CFF-5643-939E-217C01CDF565}" type="slidenum">
               <a:rPr lang="en-US" dirty="0"/>
               <a:pPr/>
-              <a:t>‹N°›</a:t>
+              <a:t>‹#›</a:t>
             </a:fld>
             <a:endParaRPr lang="en-US" dirty="0"/>
           </a:p>
@@ -9617,7 +9617,7 @@
           <a:p>
             <a:fld id="{F9F45BD3-5BC4-4372-A406-2E11F5CA1741}" type="datetime1">
               <a:rPr lang="en-US" smtClean="0"/>
-              <a:t>5/10/2022</a:t>
+              <a:t>5/10/22</a:t>
             </a:fld>
             <a:endParaRPr lang="en-US" dirty="0"/>
           </a:p>
@@ -9659,7 +9659,7 @@
           <a:p>
             <a:fld id="{519954A3-9DFD-4C44-94BA-B95130A3BA1C}" type="slidenum">
               <a:rPr lang="en-US" dirty="0"/>
-              <a:t>‹N°›</a:t>
+              <a:t>‹#›</a:t>
             </a:fld>
             <a:endParaRPr lang="en-US" dirty="0"/>
           </a:p>
@@ -9875,7 +9875,7 @@
           <a:p>
             <a:fld id="{5E4A1551-D187-48AD-897D-5735C5A88275}" type="datetime1">
               <a:rPr lang="en-US" smtClean="0"/>
-              <a:t>5/10/2022</a:t>
+              <a:t>5/10/22</a:t>
             </a:fld>
             <a:endParaRPr lang="en-US" dirty="0"/>
           </a:p>
@@ -9918,7 +9918,7 @@
             <a:fld id="{D57F1E4F-1CFF-5643-939E-217C01CDF565}" type="slidenum">
               <a:rPr lang="en-US" dirty="0"/>
               <a:pPr/>
-              <a:t>‹N°›</a:t>
+              <a:t>‹#›</a:t>
             </a:fld>
             <a:endParaRPr lang="en-US" dirty="0"/>
           </a:p>
@@ -10614,7 +10614,7 @@
           <a:p>
             <a:fld id="{2BB72EEA-9517-4907-B597-2FC7F7C2F710}" type="datetime1">
               <a:rPr lang="en-US" smtClean="0"/>
-              <a:t>5/10/2022</a:t>
+              <a:t>5/10/22</a:t>
             </a:fld>
             <a:endParaRPr lang="en-US" dirty="0"/>
           </a:p>
@@ -10694,7 +10694,7 @@
             <a:fld id="{D57F1E4F-1CFF-5643-939E-217C01CDF565}" type="slidenum">
               <a:rPr lang="en-US" smtClean="0"/>
               <a:pPr/>
-              <a:t>‹N°›</a:t>
+              <a:t>‹#›</a:t>
             </a:fld>
             <a:endParaRPr lang="en-US" dirty="0"/>
           </a:p>
@@ -11803,7 +11803,7 @@
           <a:p>
             <a:fld id="{1BB4D123-806F-48A5-9C11-A490C1BA8994}" type="datetime1">
               <a:rPr lang="en-US" smtClean="0"/>
-              <a:t>5/10/2022</a:t>
+              <a:t>5/10/22</a:t>
             </a:fld>
             <a:endParaRPr lang="en-US" dirty="0"/>
           </a:p>
@@ -11883,7 +11883,7 @@
             <a:fld id="{D57F1E4F-1CFF-5643-939E-217C01CDF565}" type="slidenum">
               <a:rPr lang="en-US" smtClean="0"/>
               <a:pPr/>
-              <a:t>‹N°›</a:t>
+              <a:t>‹#›</a:t>
             </a:fld>
             <a:endParaRPr lang="en-US" dirty="0"/>
           </a:p>
@@ -12786,13 +12786,6 @@
   <p:clrMapOvr>
     <a:masterClrMapping/>
   </p:clrMapOvr>
-  <p:timing>
-    <p:tnLst>
-      <p:par>
-        <p:cTn id="1" dur="indefinite" restart="never" nodeType="tmRoot"/>
-      </p:par>
-    </p:tnLst>
-  </p:timing>
 </p:sld>
 </file>
 
@@ -12995,13 +12988,6 @@
   <p:clrMapOvr>
     <a:masterClrMapping/>
   </p:clrMapOvr>
-  <p:timing>
-    <p:tnLst>
-      <p:par>
-        <p:cTn id="1" dur="indefinite" restart="never" nodeType="tmRoot"/>
-      </p:par>
-    </p:tnLst>
-  </p:timing>
 </p:sld>
 </file>
 
@@ -13059,20 +13045,19 @@
             <p:ph idx="1"/>
           </p:nvPr>
         </p:nvSpPr>
-        <p:spPr/>
+        <p:spPr>
+          <a:xfrm>
+            <a:off x="677334" y="1508949"/>
+            <a:ext cx="6185921" cy="421451"/>
+          </a:xfrm>
+        </p:spPr>
         <p:txBody>
           <a:bodyPr/>
           <a:lstStyle/>
           <a:p>
             <a:r>
               <a:rPr lang="fr-BE" dirty="0"/>
-              <a:t>Consistance</a:t>
-            </a:r>
-          </a:p>
-          <a:p>
-            <a:r>
-              <a:rPr lang="fr-BE" dirty="0"/>
-              <a:t>Ordre de convergence </a:t>
+              <a:t>Consistance et Ordre de convergence </a:t>
             </a:r>
           </a:p>
         </p:txBody>
@@ -13101,23 +13086,599 @@
           </a:p>
         </p:txBody>
       </p:sp>
+      <mc:AlternateContent xmlns:mc="http://schemas.openxmlformats.org/markup-compatibility/2006" xmlns:a14="http://schemas.microsoft.com/office/drawing/2010/main">
+        <mc:Choice Requires="a14">
+          <p:sp>
+            <p:nvSpPr>
+              <p:cNvPr id="6" name="Titre 1">
+                <a:extLst>
+                  <a:ext uri="{FF2B5EF4-FFF2-40B4-BE49-F238E27FC236}">
+                    <a16:creationId xmlns:a16="http://schemas.microsoft.com/office/drawing/2014/main" id="{7FB74D70-61FD-A5B3-52F3-4980B9A30A95}"/>
+                  </a:ext>
+                </a:extLst>
+              </p:cNvPr>
+              <p:cNvSpPr txBox="1">
+                <a:spLocks/>
+              </p:cNvSpPr>
+              <p:nvPr/>
+            </p:nvSpPr>
+            <p:spPr>
+              <a:xfrm>
+                <a:off x="2958079" y="2238427"/>
+                <a:ext cx="5860100" cy="743608"/>
+              </a:xfrm>
+              <a:prstGeom prst="rect">
+                <a:avLst/>
+              </a:prstGeom>
+            </p:spPr>
+            <p:txBody>
+              <a:bodyPr vert="horz" lIns="91440" tIns="45720" rIns="91440" bIns="45720" rtlCol="0" anchor="t">
+                <a:normAutofit fontScale="52500" lnSpcReduction="20000"/>
+              </a:bodyPr>
+              <a:lstStyle>
+                <a:lvl1pPr algn="l" defTabSz="457200" rtl="0" eaLnBrk="1" latinLnBrk="0" hangingPunct="1">
+                  <a:spcBef>
+                    <a:spcPct val="0"/>
+                  </a:spcBef>
+                  <a:buNone/>
+                  <a:defRPr sz="3600" b="1" kern="1200">
+                    <a:solidFill>
+                      <a:schemeClr val="accent2"/>
+                    </a:solidFill>
+                    <a:latin typeface="+mj-lt"/>
+                    <a:ea typeface="+mj-ea"/>
+                    <a:cs typeface="+mj-cs"/>
+                  </a:defRPr>
+                </a:lvl1pPr>
+                <a:lvl2pPr eaLnBrk="1" hangingPunct="1">
+                  <a:defRPr>
+                    <a:solidFill>
+                      <a:schemeClr val="tx2"/>
+                    </a:solidFill>
+                  </a:defRPr>
+                </a:lvl2pPr>
+                <a:lvl3pPr eaLnBrk="1" hangingPunct="1">
+                  <a:defRPr>
+                    <a:solidFill>
+                      <a:schemeClr val="tx2"/>
+                    </a:solidFill>
+                  </a:defRPr>
+                </a:lvl3pPr>
+                <a:lvl4pPr eaLnBrk="1" hangingPunct="1">
+                  <a:defRPr>
+                    <a:solidFill>
+                      <a:schemeClr val="tx2"/>
+                    </a:solidFill>
+                  </a:defRPr>
+                </a:lvl4pPr>
+                <a:lvl5pPr eaLnBrk="1" hangingPunct="1">
+                  <a:defRPr>
+                    <a:solidFill>
+                      <a:schemeClr val="tx2"/>
+                    </a:solidFill>
+                  </a:defRPr>
+                </a:lvl5pPr>
+                <a:lvl6pPr eaLnBrk="1" hangingPunct="1">
+                  <a:defRPr>
+                    <a:solidFill>
+                      <a:schemeClr val="tx2"/>
+                    </a:solidFill>
+                  </a:defRPr>
+                </a:lvl6pPr>
+                <a:lvl7pPr eaLnBrk="1" hangingPunct="1">
+                  <a:defRPr>
+                    <a:solidFill>
+                      <a:schemeClr val="tx2"/>
+                    </a:solidFill>
+                  </a:defRPr>
+                </a:lvl7pPr>
+                <a:lvl8pPr eaLnBrk="1" hangingPunct="1">
+                  <a:defRPr>
+                    <a:solidFill>
+                      <a:schemeClr val="tx2"/>
+                    </a:solidFill>
+                  </a:defRPr>
+                </a:lvl8pPr>
+                <a:lvl9pPr eaLnBrk="1" hangingPunct="1">
+                  <a:defRPr>
+                    <a:solidFill>
+                      <a:schemeClr val="tx2"/>
+                    </a:solidFill>
+                  </a:defRPr>
+                </a:lvl9pPr>
+              </a:lstStyle>
+              <a:p>
+                <a:pPr/>
+                <a14:m>
+                  <m:oMathPara xmlns:m="http://schemas.openxmlformats.org/officeDocument/2006/math">
+                    <m:oMathParaPr>
+                      <m:jc m:val="centerGroup"/>
+                    </m:oMathParaPr>
+                    <m:oMath xmlns:m="http://schemas.openxmlformats.org/officeDocument/2006/math">
+                      <m:f>
+                        <m:fPr>
+                          <m:ctrlPr>
+                            <a:rPr lang="fr-BE" i="1" smtClean="0">
+                              <a:solidFill>
+                                <a:schemeClr val="tx1"/>
+                              </a:solidFill>
+                              <a:latin typeface="Cambria Math" panose="02040503050406030204" pitchFamily="18" charset="0"/>
+                            </a:rPr>
+                          </m:ctrlPr>
+                        </m:fPr>
+                        <m:num>
+                          <m:r>
+                            <a:rPr lang="fr-BE" b="0" i="1" smtClean="0">
+                              <a:solidFill>
+                                <a:schemeClr val="tx1"/>
+                              </a:solidFill>
+                              <a:latin typeface="Cambria Math" panose="02040503050406030204" pitchFamily="18" charset="0"/>
+                            </a:rPr>
+                            <m:t>𝜕</m:t>
+                          </m:r>
+                          <m:r>
+                            <a:rPr lang="fr-BE" b="0" i="1" smtClean="0">
+                              <a:solidFill>
+                                <a:schemeClr val="tx1"/>
+                              </a:solidFill>
+                              <a:latin typeface="Cambria Math" panose="02040503050406030204" pitchFamily="18" charset="0"/>
+                            </a:rPr>
+                            <m:t>𝑢</m:t>
+                          </m:r>
+                        </m:num>
+                        <m:den>
+                          <m:r>
+                            <a:rPr lang="fr-BE" b="0" i="1">
+                              <a:solidFill>
+                                <a:schemeClr val="tx1"/>
+                              </a:solidFill>
+                              <a:latin typeface="Cambria Math" panose="02040503050406030204" pitchFamily="18" charset="0"/>
+                            </a:rPr>
+                            <m:t>𝜕</m:t>
+                          </m:r>
+                          <m:r>
+                            <a:rPr lang="fr-BE" b="0" i="1" smtClean="0">
+                              <a:solidFill>
+                                <a:schemeClr val="tx1"/>
+                              </a:solidFill>
+                              <a:latin typeface="Cambria Math" panose="02040503050406030204" pitchFamily="18" charset="0"/>
+                            </a:rPr>
+                            <m:t>𝑡</m:t>
+                          </m:r>
+                        </m:den>
+                      </m:f>
+                      <m:r>
+                        <a:rPr lang="fr-BE" b="0" i="1" smtClean="0">
+                          <a:solidFill>
+                            <a:schemeClr val="tx1"/>
+                          </a:solidFill>
+                          <a:latin typeface="Cambria Math" panose="02040503050406030204" pitchFamily="18" charset="0"/>
+                        </a:rPr>
+                        <m:t>+</m:t>
+                      </m:r>
+                      <m:r>
+                        <a:rPr lang="fr-BE" b="0" i="1" smtClean="0">
+                          <a:solidFill>
+                            <a:schemeClr val="tx1"/>
+                          </a:solidFill>
+                          <a:latin typeface="Cambria Math" panose="02040503050406030204" pitchFamily="18" charset="0"/>
+                        </a:rPr>
+                        <m:t>𝑢</m:t>
+                      </m:r>
+                      <m:f>
+                        <m:fPr>
+                          <m:ctrlPr>
+                            <a:rPr lang="fr-BE" b="0" i="1" smtClean="0">
+                              <a:solidFill>
+                                <a:schemeClr val="tx1"/>
+                              </a:solidFill>
+                              <a:latin typeface="Cambria Math" panose="02040503050406030204" pitchFamily="18" charset="0"/>
+                            </a:rPr>
+                          </m:ctrlPr>
+                        </m:fPr>
+                        <m:num>
+                          <m:r>
+                            <a:rPr lang="fr-BE" b="0" i="1">
+                              <a:solidFill>
+                                <a:schemeClr val="tx1"/>
+                              </a:solidFill>
+                              <a:latin typeface="Cambria Math" panose="02040503050406030204" pitchFamily="18" charset="0"/>
+                            </a:rPr>
+                            <m:t>𝜕</m:t>
+                          </m:r>
+                          <m:r>
+                            <a:rPr lang="fr-BE" b="0" i="1" smtClean="0">
+                              <a:solidFill>
+                                <a:schemeClr val="tx1"/>
+                              </a:solidFill>
+                              <a:latin typeface="Cambria Math" panose="02040503050406030204" pitchFamily="18" charset="0"/>
+                            </a:rPr>
+                            <m:t>𝑢</m:t>
+                          </m:r>
+                        </m:num>
+                        <m:den>
+                          <m:r>
+                            <a:rPr lang="fr-BE" b="0" i="1">
+                              <a:solidFill>
+                                <a:schemeClr val="tx1"/>
+                              </a:solidFill>
+                              <a:latin typeface="Cambria Math" panose="02040503050406030204" pitchFamily="18" charset="0"/>
+                            </a:rPr>
+                            <m:t>𝜕</m:t>
+                          </m:r>
+                          <m:r>
+                            <a:rPr lang="fr-BE" b="0" i="1" smtClean="0">
+                              <a:solidFill>
+                                <a:schemeClr val="tx1"/>
+                              </a:solidFill>
+                              <a:latin typeface="Cambria Math" panose="02040503050406030204" pitchFamily="18" charset="0"/>
+                            </a:rPr>
+                            <m:t>𝑥</m:t>
+                          </m:r>
+                        </m:den>
+                      </m:f>
+                      <m:r>
+                        <a:rPr lang="fr-BE" b="0" i="1" smtClean="0">
+                          <a:solidFill>
+                            <a:schemeClr val="tx1"/>
+                          </a:solidFill>
+                          <a:latin typeface="Cambria Math" panose="02040503050406030204" pitchFamily="18" charset="0"/>
+                        </a:rPr>
+                        <m:t>+</m:t>
+                      </m:r>
+                      <m:sSup>
+                        <m:sSupPr>
+                          <m:ctrlPr>
+                            <a:rPr lang="fr-BE" b="0" i="1" smtClean="0">
+                              <a:solidFill>
+                                <a:schemeClr val="tx1"/>
+                              </a:solidFill>
+                              <a:latin typeface="Cambria Math" panose="02040503050406030204" pitchFamily="18" charset="0"/>
+                            </a:rPr>
+                          </m:ctrlPr>
+                        </m:sSupPr>
+                        <m:e>
+                          <m:r>
+                            <m:rPr>
+                              <m:sty m:val="p"/>
+                            </m:rPr>
+                            <a:rPr lang="el-GR" b="0" i="1" smtClean="0">
+                              <a:solidFill>
+                                <a:schemeClr val="tx1"/>
+                              </a:solidFill>
+                              <a:latin typeface="Cambria Math" panose="02040503050406030204" pitchFamily="18" charset="0"/>
+                            </a:rPr>
+                            <m:t>δ</m:t>
+                          </m:r>
+                        </m:e>
+                        <m:sup>
+                          <m:r>
+                            <a:rPr lang="fr-BE" b="0" i="1" smtClean="0">
+                              <a:solidFill>
+                                <a:schemeClr val="tx1"/>
+                              </a:solidFill>
+                              <a:latin typeface="Cambria Math" panose="02040503050406030204" pitchFamily="18" charset="0"/>
+                            </a:rPr>
+                            <m:t>2</m:t>
+                          </m:r>
+                        </m:sup>
+                      </m:sSup>
+                      <m:f>
+                        <m:fPr>
+                          <m:ctrlPr>
+                            <a:rPr lang="fr-BE" b="0" i="1" smtClean="0">
+                              <a:solidFill>
+                                <a:schemeClr val="tx1"/>
+                              </a:solidFill>
+                              <a:latin typeface="Cambria Math" panose="02040503050406030204" pitchFamily="18" charset="0"/>
+                            </a:rPr>
+                          </m:ctrlPr>
+                        </m:fPr>
+                        <m:num>
+                          <m:sSup>
+                            <m:sSupPr>
+                              <m:ctrlPr>
+                                <a:rPr lang="fr-BE" b="0" i="1" smtClean="0">
+                                  <a:solidFill>
+                                    <a:schemeClr val="tx1"/>
+                                  </a:solidFill>
+                                  <a:latin typeface="Cambria Math" panose="02040503050406030204" pitchFamily="18" charset="0"/>
+                                </a:rPr>
+                              </m:ctrlPr>
+                            </m:sSupPr>
+                            <m:e>
+                              <m:r>
+                                <a:rPr lang="fr-BE" b="0" i="1">
+                                  <a:solidFill>
+                                    <a:schemeClr val="tx1"/>
+                                  </a:solidFill>
+                                  <a:latin typeface="Cambria Math" panose="02040503050406030204" pitchFamily="18" charset="0"/>
+                                </a:rPr>
+                                <m:t>𝜕</m:t>
+                              </m:r>
+                            </m:e>
+                            <m:sup>
+                              <m:r>
+                                <a:rPr lang="fr-BE" b="0" i="1" smtClean="0">
+                                  <a:solidFill>
+                                    <a:schemeClr val="tx1"/>
+                                  </a:solidFill>
+                                  <a:latin typeface="Cambria Math" panose="02040503050406030204" pitchFamily="18" charset="0"/>
+                                </a:rPr>
+                                <m:t>3</m:t>
+                              </m:r>
+                            </m:sup>
+                          </m:sSup>
+                          <m:r>
+                            <a:rPr lang="fr-BE" b="0" i="1" smtClean="0">
+                              <a:solidFill>
+                                <a:schemeClr val="tx1"/>
+                              </a:solidFill>
+                              <a:latin typeface="Cambria Math" panose="02040503050406030204" pitchFamily="18" charset="0"/>
+                            </a:rPr>
+                            <m:t>𝑢</m:t>
+                          </m:r>
+                        </m:num>
+                        <m:den>
+                          <m:r>
+                            <a:rPr lang="fr-BE" b="0" i="1">
+                              <a:solidFill>
+                                <a:schemeClr val="tx1"/>
+                              </a:solidFill>
+                              <a:latin typeface="Cambria Math" panose="02040503050406030204" pitchFamily="18" charset="0"/>
+                            </a:rPr>
+                            <m:t>𝜕</m:t>
+                          </m:r>
+                          <m:sSup>
+                            <m:sSupPr>
+                              <m:ctrlPr>
+                                <a:rPr lang="fr-BE" b="0" i="1" smtClean="0">
+                                  <a:solidFill>
+                                    <a:schemeClr val="tx1"/>
+                                  </a:solidFill>
+                                  <a:latin typeface="Cambria Math" panose="02040503050406030204" pitchFamily="18" charset="0"/>
+                                </a:rPr>
+                              </m:ctrlPr>
+                            </m:sSupPr>
+                            <m:e>
+                              <m:r>
+                                <a:rPr lang="fr-BE" b="0" i="1" smtClean="0">
+                                  <a:solidFill>
+                                    <a:schemeClr val="tx1"/>
+                                  </a:solidFill>
+                                  <a:latin typeface="Cambria Math" panose="02040503050406030204" pitchFamily="18" charset="0"/>
+                                </a:rPr>
+                                <m:t>𝑥</m:t>
+                              </m:r>
+                            </m:e>
+                            <m:sup>
+                              <m:r>
+                                <a:rPr lang="fr-BE" b="0" i="1" smtClean="0">
+                                  <a:solidFill>
+                                    <a:schemeClr val="tx1"/>
+                                  </a:solidFill>
+                                  <a:latin typeface="Cambria Math" panose="02040503050406030204" pitchFamily="18" charset="0"/>
+                                </a:rPr>
+                                <m:t>3</m:t>
+                              </m:r>
+                            </m:sup>
+                          </m:sSup>
+                        </m:den>
+                      </m:f>
+                      <m:r>
+                        <a:rPr lang="fr-BE" b="0" i="1" smtClean="0">
+                          <a:solidFill>
+                            <a:schemeClr val="tx1"/>
+                          </a:solidFill>
+                          <a:latin typeface="Cambria Math" panose="02040503050406030204" pitchFamily="18" charset="0"/>
+                        </a:rPr>
+                        <m:t>=0</m:t>
+                      </m:r>
+                    </m:oMath>
+                  </m:oMathPara>
+                </a14:m>
+                <a:endParaRPr lang="fr-BE" dirty="0">
+                  <a:solidFill>
+                    <a:schemeClr val="tx1"/>
+                  </a:solidFill>
+                </a:endParaRPr>
+              </a:p>
+            </p:txBody>
+          </p:sp>
+        </mc:Choice>
+        <mc:Fallback xmlns="">
+          <p:sp>
+            <p:nvSpPr>
+              <p:cNvPr id="6" name="Titre 1">
+                <a:extLst>
+                  <a:ext uri="{FF2B5EF4-FFF2-40B4-BE49-F238E27FC236}">
+                    <a16:creationId xmlns:a16="http://schemas.microsoft.com/office/drawing/2014/main" id="{7FB74D70-61FD-A5B3-52F3-4980B9A30A95}"/>
+                  </a:ext>
+                </a:extLst>
+              </p:cNvPr>
+              <p:cNvSpPr txBox="1">
+                <a:spLocks noRot="1" noChangeAspect="1" noMove="1" noResize="1" noEditPoints="1" noAdjustHandles="1" noChangeArrowheads="1" noChangeShapeType="1" noTextEdit="1"/>
+              </p:cNvSpPr>
+              <p:nvPr/>
+            </p:nvSpPr>
+            <p:spPr>
+              <a:xfrm>
+                <a:off x="2958079" y="2238427"/>
+                <a:ext cx="5860100" cy="743608"/>
+              </a:xfrm>
+              <a:prstGeom prst="rect">
+                <a:avLst/>
+              </a:prstGeom>
+              <a:blipFill>
+                <a:blip r:embed="rId2"/>
+                <a:stretch>
+                  <a:fillRect/>
+                </a:stretch>
+              </a:blipFill>
+            </p:spPr>
+            <p:txBody>
+              <a:bodyPr/>
+              <a:lstStyle/>
+              <a:p>
+                <a:r>
+                  <a:rPr lang="en-BE">
+                    <a:noFill/>
+                  </a:rPr>
+                  <a:t> </a:t>
+                </a:r>
+              </a:p>
+            </p:txBody>
+          </p:sp>
+        </mc:Fallback>
+      </mc:AlternateContent>
+      <p:cxnSp>
+        <p:nvCxnSpPr>
+          <p:cNvPr id="7" name="Straight Arrow Connector 6">
+            <a:extLst>
+              <a:ext uri="{FF2B5EF4-FFF2-40B4-BE49-F238E27FC236}">
+                <a16:creationId xmlns:a16="http://schemas.microsoft.com/office/drawing/2014/main" id="{5E50F175-986C-D868-7D99-8880D878D7E2}"/>
+              </a:ext>
+            </a:extLst>
+          </p:cNvPr>
+          <p:cNvCxnSpPr/>
+          <p:nvPr/>
+        </p:nvCxnSpPr>
+        <p:spPr>
+          <a:xfrm>
+            <a:off x="5888129" y="2982035"/>
+            <a:ext cx="0" cy="359979"/>
+          </a:xfrm>
+          <a:prstGeom prst="straightConnector1">
+            <a:avLst/>
+          </a:prstGeom>
+          <a:ln>
+            <a:tailEnd type="triangle"/>
+          </a:ln>
+        </p:spPr>
+        <p:style>
+          <a:lnRef idx="1">
+            <a:schemeClr val="accent1"/>
+          </a:lnRef>
+          <a:fillRef idx="0">
+            <a:schemeClr val="accent1"/>
+          </a:fillRef>
+          <a:effectRef idx="0">
+            <a:schemeClr val="accent1"/>
+          </a:effectRef>
+          <a:fontRef idx="minor">
+            <a:schemeClr val="tx1"/>
+          </a:fontRef>
+        </p:style>
+      </p:cxnSp>
+      <p:pic>
+        <p:nvPicPr>
+          <p:cNvPr id="11" name="Picture 10">
+            <a:extLst>
+              <a:ext uri="{FF2B5EF4-FFF2-40B4-BE49-F238E27FC236}">
+                <a16:creationId xmlns:a16="http://schemas.microsoft.com/office/drawing/2014/main" id="{42005C4E-290C-7F64-6CA9-C72BD66654A1}"/>
+              </a:ext>
+            </a:extLst>
+          </p:cNvPr>
+          <p:cNvPicPr>
+            <a:picLocks noChangeAspect="1"/>
+          </p:cNvPicPr>
+          <p:nvPr/>
+        </p:nvPicPr>
+        <p:blipFill>
+          <a:blip r:embed="rId3"/>
+          <a:stretch>
+            <a:fillRect/>
+          </a:stretch>
+        </p:blipFill>
+        <p:spPr>
+          <a:xfrm>
+            <a:off x="130796" y="3458771"/>
+            <a:ext cx="11514666" cy="694647"/>
+          </a:xfrm>
+          <a:prstGeom prst="rect">
+            <a:avLst/>
+          </a:prstGeom>
+        </p:spPr>
+      </p:pic>
+      <p:cxnSp>
+        <p:nvCxnSpPr>
+          <p:cNvPr id="12" name="Straight Arrow Connector 11">
+            <a:extLst>
+              <a:ext uri="{FF2B5EF4-FFF2-40B4-BE49-F238E27FC236}">
+                <a16:creationId xmlns:a16="http://schemas.microsoft.com/office/drawing/2014/main" id="{13218A7C-3CFC-355B-0384-EE96E4E7BAC4}"/>
+              </a:ext>
+            </a:extLst>
+          </p:cNvPr>
+          <p:cNvCxnSpPr/>
+          <p:nvPr/>
+        </p:nvCxnSpPr>
+        <p:spPr>
+          <a:xfrm>
+            <a:off x="5885210" y="3998115"/>
+            <a:ext cx="0" cy="359979"/>
+          </a:xfrm>
+          <a:prstGeom prst="straightConnector1">
+            <a:avLst/>
+          </a:prstGeom>
+          <a:ln>
+            <a:tailEnd type="triangle"/>
+          </a:ln>
+        </p:spPr>
+        <p:style>
+          <a:lnRef idx="1">
+            <a:schemeClr val="accent1"/>
+          </a:lnRef>
+          <a:fillRef idx="0">
+            <a:schemeClr val="accent1"/>
+          </a:fillRef>
+          <a:effectRef idx="0">
+            <a:schemeClr val="accent1"/>
+          </a:effectRef>
+          <a:fontRef idx="minor">
+            <a:schemeClr val="tx1"/>
+          </a:fontRef>
+        </p:style>
+      </p:cxnSp>
+      <p:pic>
+        <p:nvPicPr>
+          <p:cNvPr id="14" name="Picture 13" descr="A picture containing text&#10;&#10;Description automatically generated">
+            <a:extLst>
+              <a:ext uri="{FF2B5EF4-FFF2-40B4-BE49-F238E27FC236}">
+                <a16:creationId xmlns:a16="http://schemas.microsoft.com/office/drawing/2014/main" id="{208892BA-119A-A1FD-7B31-650133DC4F97}"/>
+              </a:ext>
+            </a:extLst>
+          </p:cNvPr>
+          <p:cNvPicPr>
+            <a:picLocks noChangeAspect="1"/>
+          </p:cNvPicPr>
+          <p:nvPr/>
+        </p:nvPicPr>
+        <p:blipFill>
+          <a:blip r:embed="rId4"/>
+          <a:stretch>
+            <a:fillRect/>
+          </a:stretch>
+        </p:blipFill>
+        <p:spPr>
+          <a:xfrm>
+            <a:off x="5072410" y="4514962"/>
+            <a:ext cx="1625600" cy="355600"/>
+          </a:xfrm>
+          <a:prstGeom prst="rect">
+            <a:avLst/>
+          </a:prstGeom>
+        </p:spPr>
+      </p:pic>
     </p:spTree>
     <p:extLst>
       <p:ext uri="{BB962C8B-B14F-4D97-AF65-F5344CB8AC3E}">
-        <p14:creationId xmlns:p14="http://schemas.microsoft.com/office/powerpoint/2010/main" val="3376106304"/>
+        <p14:creationId xmlns:p14="http://schemas.microsoft.com/office/powerpoint/2010/main" val="2357156631"/>
       </p:ext>
     </p:extLst>
   </p:cSld>
   <p:clrMapOvr>
     <a:masterClrMapping/>
   </p:clrMapOvr>
-  <p:timing>
-    <p:tnLst>
-      <p:par>
-        <p:cTn id="1" dur="indefinite" restart="never" nodeType="tmRoot"/>
-      </p:par>
-    </p:tnLst>
-  </p:timing>
 </p:sld>
 </file>
 
@@ -13148,7 +13709,12 @@
             <p:ph type="title"/>
           </p:nvPr>
         </p:nvSpPr>
-        <p:spPr/>
+        <p:spPr>
+          <a:xfrm>
+            <a:off x="157776" y="600266"/>
+            <a:ext cx="8596668" cy="1320800"/>
+          </a:xfrm>
+        </p:spPr>
         <p:txBody>
           <a:bodyPr/>
           <a:lstStyle/>
@@ -13186,7 +13752,7 @@
         </p:blipFill>
         <p:spPr>
           <a:xfrm>
-            <a:off x="677335" y="1270000"/>
+            <a:off x="2061622" y="1721512"/>
             <a:ext cx="7006212" cy="5136488"/>
           </a:xfrm>
         </p:spPr>
@@ -13215,10 +13781,105 @@
           </a:p>
         </p:txBody>
       </p:sp>
+      <p:pic>
+        <p:nvPicPr>
+          <p:cNvPr id="8" name="Picture 7" descr="A picture containing text&#10;&#10;Description automatically generated">
+            <a:extLst>
+              <a:ext uri="{FF2B5EF4-FFF2-40B4-BE49-F238E27FC236}">
+                <a16:creationId xmlns:a16="http://schemas.microsoft.com/office/drawing/2014/main" id="{6F8A8520-D5F5-54D2-9E12-CDF3DB785AAD}"/>
+              </a:ext>
+            </a:extLst>
+          </p:cNvPr>
+          <p:cNvPicPr>
+            <a:picLocks noChangeAspect="1"/>
+          </p:cNvPicPr>
+          <p:nvPr/>
+        </p:nvPicPr>
+        <p:blipFill>
+          <a:blip r:embed="rId5"/>
+          <a:stretch>
+            <a:fillRect/>
+          </a:stretch>
+        </p:blipFill>
+        <p:spPr>
+          <a:xfrm>
+            <a:off x="3102862" y="821665"/>
+            <a:ext cx="1803400" cy="812800"/>
+          </a:xfrm>
+          <a:prstGeom prst="rect">
+            <a:avLst/>
+          </a:prstGeom>
+        </p:spPr>
+      </p:pic>
+      <p:pic>
+        <p:nvPicPr>
+          <p:cNvPr id="10" name="Picture 9" descr="Diagram&#10;&#10;Description automatically generated with medium confidence">
+            <a:extLst>
+              <a:ext uri="{FF2B5EF4-FFF2-40B4-BE49-F238E27FC236}">
+                <a16:creationId xmlns:a16="http://schemas.microsoft.com/office/drawing/2014/main" id="{09844882-C30F-0076-F32B-24F67280E7C8}"/>
+              </a:ext>
+            </a:extLst>
+          </p:cNvPr>
+          <p:cNvPicPr>
+            <a:picLocks noChangeAspect="1"/>
+          </p:cNvPicPr>
+          <p:nvPr/>
+        </p:nvPicPr>
+        <p:blipFill>
+          <a:blip r:embed="rId6"/>
+          <a:stretch>
+            <a:fillRect/>
+          </a:stretch>
+        </p:blipFill>
+        <p:spPr>
+          <a:xfrm>
+            <a:off x="4742388" y="994843"/>
+            <a:ext cx="3600450" cy="639622"/>
+          </a:xfrm>
+          <a:prstGeom prst="rect">
+            <a:avLst/>
+          </a:prstGeom>
+        </p:spPr>
+      </p:pic>
+      <p:sp>
+        <p:nvSpPr>
+          <p:cNvPr id="11" name="TextBox 10">
+            <a:extLst>
+              <a:ext uri="{FF2B5EF4-FFF2-40B4-BE49-F238E27FC236}">
+                <a16:creationId xmlns:a16="http://schemas.microsoft.com/office/drawing/2014/main" id="{F19885A2-AAF7-3718-7C6B-AE0635E41CE0}"/>
+              </a:ext>
+            </a:extLst>
+          </p:cNvPr>
+          <p:cNvSpPr txBox="1"/>
+          <p:nvPr/>
+        </p:nvSpPr>
+        <p:spPr>
+          <a:xfrm>
+            <a:off x="3503105" y="600266"/>
+            <a:ext cx="4123245" cy="369332"/>
+          </a:xfrm>
+          <a:prstGeom prst="rect">
+            <a:avLst/>
+          </a:prstGeom>
+          <a:noFill/>
+        </p:spPr>
+        <p:txBody>
+          <a:bodyPr wrap="none" rtlCol="0">
+            <a:spAutoFit/>
+          </a:bodyPr>
+          <a:lstStyle/>
+          <a:p>
+            <a:r>
+              <a:rPr lang="en-BE" dirty="0"/>
+              <a:t>Schéma Leapfrog (Zabusky et Kruskal)</a:t>
+            </a:r>
+          </a:p>
+        </p:txBody>
+      </p:sp>
     </p:spTree>
     <p:extLst>
       <p:ext uri="{BB962C8B-B14F-4D97-AF65-F5344CB8AC3E}">
-        <p14:creationId xmlns:p14="http://schemas.microsoft.com/office/powerpoint/2010/main" val="2145677678"/>
+        <p14:creationId xmlns:p14="http://schemas.microsoft.com/office/powerpoint/2010/main" val="321748756"/>
       </p:ext>
     </p:extLst>
   </p:cSld>
@@ -13360,10 +14021,6 @@
             <a:r>
               <a:rPr lang="fr-BE" dirty="0" err="1"/>
               <a:t>Hohenberg</a:t>
-            </a:r>
-            <a:r>
-              <a:rPr lang="fr-BE" dirty="0"/>
-              <a:t/>
             </a:r>
             <a:br>
               <a:rPr lang="fr-BE" dirty="0"/>
@@ -13751,13 +14408,6 @@
   <p:clrMapOvr>
     <a:masterClrMapping/>
   </p:clrMapOvr>
-  <p:timing>
-    <p:tnLst>
-      <p:par>
-        <p:cTn id="1" dur="indefinite" restart="never" nodeType="tmRoot"/>
-      </p:par>
-    </p:tnLst>
-  </p:timing>
 </p:sld>
 </file>
 
@@ -14211,13 +14861,6 @@
   <p:clrMapOvr>
     <a:masterClrMapping/>
   </p:clrMapOvr>
-  <p:timing>
-    <p:tnLst>
-      <p:par>
-        <p:cTn id="1" dur="indefinite" restart="never" nodeType="tmRoot"/>
-      </p:par>
-    </p:tnLst>
-  </p:timing>
 </p:sld>
 </file>
 
@@ -15200,8 +15843,8 @@
           </mc:Fallback>
         </mc:AlternateContent>
       </p:grpSp>
-      <mc:AlternateContent xmlns:mc="http://schemas.openxmlformats.org/markup-compatibility/2006">
-        <mc:Choice xmlns:a14="http://schemas.microsoft.com/office/drawing/2010/main" Requires="a14">
+      <mc:AlternateContent xmlns:mc="http://schemas.openxmlformats.org/markup-compatibility/2006" xmlns:a14="http://schemas.microsoft.com/office/drawing/2010/main">
+        <mc:Choice Requires="a14">
           <p:sp>
             <p:nvSpPr>
               <p:cNvPr id="11" name="ZoneTexte 10"/>
@@ -15793,7 +16436,7 @@
                     </m:oMath>
                   </m:oMathPara>
                 </a14:m>
-                <a:endParaRPr lang="fr-BE" dirty="0" smtClean="0">
+                <a:endParaRPr lang="fr-BE" dirty="0">
                   <a:solidFill>
                     <a:schemeClr val="tx1">
                       <a:lumMod val="85000"/>
@@ -15803,7 +16446,6 @@
                 </a:endParaRPr>
               </a:p>
               <a:p>
-                <a:pPr/>
                 <a:endParaRPr lang="fr-BE" dirty="0">
                   <a:solidFill>
                     <a:schemeClr val="tx1">
@@ -16428,7 +17070,7 @@
             </p:txBody>
           </p:sp>
         </mc:Choice>
-        <mc:Fallback>
+        <mc:Fallback xmlns="">
           <p:sp>
             <p:nvSpPr>
               <p:cNvPr id="11" name="ZoneTexte 10"/>
@@ -22799,13 +23441,6 @@
   <p:clrMapOvr>
     <a:masterClrMapping/>
   </p:clrMapOvr>
-  <p:timing>
-    <p:tnLst>
-      <p:par>
-        <p:cTn id="1" dur="indefinite" restart="never" nodeType="tmRoot"/>
-      </p:par>
-    </p:tnLst>
-  </p:timing>
 </p:sld>
 </file>
 
@@ -24546,13 +25181,6 @@
   <p:clrMapOvr>
     <a:masterClrMapping/>
   </p:clrMapOvr>
-  <p:timing>
-    <p:tnLst>
-      <p:par>
-        <p:cTn id="1" dur="indefinite" restart="never" nodeType="tmRoot"/>
-      </p:par>
-    </p:tnLst>
-  </p:timing>
 </p:sld>
 </file>
 
@@ -25084,13 +25712,6 @@
   <p:clrMapOvr>
     <a:masterClrMapping/>
   </p:clrMapOvr>
-  <p:timing>
-    <p:tnLst>
-      <p:par>
-        <p:cTn id="1" dur="indefinite" restart="never" nodeType="tmRoot"/>
-      </p:par>
-    </p:tnLst>
-  </p:timing>
 </p:sld>
 </file>
 
@@ -26453,13 +27074,6 @@
   <p:clrMapOvr>
     <a:masterClrMapping/>
   </p:clrMapOvr>
-  <p:timing>
-    <p:tnLst>
-      <p:par>
-        <p:cTn id="1" dur="indefinite" restart="never" nodeType="tmRoot"/>
-      </p:par>
-    </p:tnLst>
-  </p:timing>
 </p:sld>
 </file>
 
@@ -31618,13 +32232,6 @@
   <p:clrMapOvr>
     <a:masterClrMapping/>
   </p:clrMapOvr>
-  <p:timing>
-    <p:tnLst>
-      <p:par>
-        <p:cTn id="1" dur="indefinite" restart="never" nodeType="tmRoot"/>
-      </p:par>
-    </p:tnLst>
-  </p:timing>
 </p:sld>
 </file>
 
